--- a/Effects of Sugar Consumption.pptx
+++ b/Effects of Sugar Consumption.pptx
@@ -5,20 +5,26 @@
     <p:sldMasterId id="2147483768" r:id="rId1"/>
   </p:sldMasterIdLst>
   <p:notesMasterIdLst>
-    <p:notesMasterId r:id="rId13"/>
+    <p:notesMasterId r:id="rId19"/>
   </p:notesMasterIdLst>
   <p:sldIdLst>
     <p:sldId id="256" r:id="rId2"/>
-    <p:sldId id="262" r:id="rId3"/>
-    <p:sldId id="263" r:id="rId4"/>
+    <p:sldId id="266" r:id="rId3"/>
+    <p:sldId id="262" r:id="rId4"/>
     <p:sldId id="258" r:id="rId5"/>
     <p:sldId id="259" r:id="rId6"/>
     <p:sldId id="260" r:id="rId7"/>
     <p:sldId id="264" r:id="rId8"/>
     <p:sldId id="265" r:id="rId9"/>
-    <p:sldId id="267" r:id="rId10"/>
-    <p:sldId id="266" r:id="rId11"/>
-    <p:sldId id="257" r:id="rId12"/>
+    <p:sldId id="268" r:id="rId10"/>
+    <p:sldId id="269" r:id="rId11"/>
+    <p:sldId id="270" r:id="rId12"/>
+    <p:sldId id="271" r:id="rId13"/>
+    <p:sldId id="272" r:id="rId14"/>
+    <p:sldId id="267" r:id="rId15"/>
+    <p:sldId id="273" r:id="rId16"/>
+    <p:sldId id="274" r:id="rId17"/>
+    <p:sldId id="275" r:id="rId18"/>
   </p:sldIdLst>
   <p:sldSz cx="12192000" cy="6858000"/>
   <p:notesSz cx="6858000" cy="9144000"/>
@@ -117,6 +123,11 @@
       </a:defRPr>
     </a:lvl9pPr>
   </p:defaultTextStyle>
+  <p:extLst>
+    <p:ext uri="{EFAFB233-063F-42B5-8137-9DF3F51BA10A}">
+      <p15:sldGuideLst xmlns:p15="http://schemas.microsoft.com/office/powerpoint/2012/main"/>
+    </p:ext>
+  </p:extLst>
 </p:presentation>
 </file>
 
@@ -549,6 +560,342 @@
     <p:extLst>
       <p:ext uri="{BB962C8B-B14F-4D97-AF65-F5344CB8AC3E}">
         <p14:creationId xmlns:p14="http://schemas.microsoft.com/office/powerpoint/2010/main" val="993468345"/>
+      </p:ext>
+    </p:extLst>
+  </p:cSld>
+  <p:clrMapOvr>
+    <a:masterClrMapping/>
+  </p:clrMapOvr>
+</p:notes>
+</file>
+
+<file path=ppt/notesSlides/notesSlide2.xml><?xml version="1.0" encoding="utf-8"?>
+<p:notes xmlns:a="http://schemas.openxmlformats.org/drawingml/2006/main" xmlns:r="http://schemas.openxmlformats.org/officeDocument/2006/relationships" xmlns:p="http://schemas.openxmlformats.org/presentationml/2006/main">
+  <p:cSld>
+    <p:spTree>
+      <p:nvGrpSpPr>
+        <p:cNvPr id="1" name=""/>
+        <p:cNvGrpSpPr/>
+        <p:nvPr/>
+      </p:nvGrpSpPr>
+      <p:grpSpPr>
+        <a:xfrm>
+          <a:off x="0" y="0"/>
+          <a:ext cx="0" cy="0"/>
+          <a:chOff x="0" y="0"/>
+          <a:chExt cx="0" cy="0"/>
+        </a:xfrm>
+      </p:grpSpPr>
+      <p:sp>
+        <p:nvSpPr>
+          <p:cNvPr id="2" name="Slide Image Placeholder 1"/>
+          <p:cNvSpPr>
+            <a:spLocks noGrp="1" noRot="1" noChangeAspect="1"/>
+          </p:cNvSpPr>
+          <p:nvPr>
+            <p:ph type="sldImg"/>
+          </p:nvPr>
+        </p:nvSpPr>
+        <p:spPr/>
+      </p:sp>
+      <p:sp>
+        <p:nvSpPr>
+          <p:cNvPr id="3" name="Notes Placeholder 2"/>
+          <p:cNvSpPr>
+            <a:spLocks noGrp="1"/>
+          </p:cNvSpPr>
+          <p:nvPr>
+            <p:ph type="body" idx="1"/>
+          </p:nvPr>
+        </p:nvSpPr>
+        <p:spPr/>
+        <p:txBody>
+          <a:bodyPr/>
+          <a:lstStyle/>
+          <a:p>
+            <a:endParaRPr lang="en-CA" dirty="0"/>
+          </a:p>
+        </p:txBody>
+      </p:sp>
+      <p:sp>
+        <p:nvSpPr>
+          <p:cNvPr id="4" name="Slide Number Placeholder 3"/>
+          <p:cNvSpPr>
+            <a:spLocks noGrp="1"/>
+          </p:cNvSpPr>
+          <p:nvPr>
+            <p:ph type="sldNum" sz="quarter" idx="5"/>
+          </p:nvPr>
+        </p:nvSpPr>
+        <p:spPr/>
+        <p:txBody>
+          <a:bodyPr/>
+          <a:lstStyle/>
+          <a:p>
+            <a:fld id="{EE596BCB-CEC5-4086-BD46-775CD732B91C}" type="slidenum">
+              <a:rPr lang="en-CA" smtClean="0"/>
+              <a:t>14</a:t>
+            </a:fld>
+            <a:endParaRPr lang="en-CA"/>
+          </a:p>
+        </p:txBody>
+      </p:sp>
+    </p:spTree>
+    <p:extLst>
+      <p:ext uri="{BB962C8B-B14F-4D97-AF65-F5344CB8AC3E}">
+        <p14:creationId xmlns:p14="http://schemas.microsoft.com/office/powerpoint/2010/main" val="4044454483"/>
+      </p:ext>
+    </p:extLst>
+  </p:cSld>
+  <p:clrMapOvr>
+    <a:masterClrMapping/>
+  </p:clrMapOvr>
+</p:notes>
+</file>
+
+<file path=ppt/notesSlides/notesSlide3.xml><?xml version="1.0" encoding="utf-8"?>
+<p:notes xmlns:a="http://schemas.openxmlformats.org/drawingml/2006/main" xmlns:r="http://schemas.openxmlformats.org/officeDocument/2006/relationships" xmlns:p="http://schemas.openxmlformats.org/presentationml/2006/main">
+  <p:cSld>
+    <p:spTree>
+      <p:nvGrpSpPr>
+        <p:cNvPr id="1" name=""/>
+        <p:cNvGrpSpPr/>
+        <p:nvPr/>
+      </p:nvGrpSpPr>
+      <p:grpSpPr>
+        <a:xfrm>
+          <a:off x="0" y="0"/>
+          <a:ext cx="0" cy="0"/>
+          <a:chOff x="0" y="0"/>
+          <a:chExt cx="0" cy="0"/>
+        </a:xfrm>
+      </p:grpSpPr>
+      <p:sp>
+        <p:nvSpPr>
+          <p:cNvPr id="2" name="Slide Image Placeholder 1"/>
+          <p:cNvSpPr>
+            <a:spLocks noGrp="1" noRot="1" noChangeAspect="1"/>
+          </p:cNvSpPr>
+          <p:nvPr>
+            <p:ph type="sldImg"/>
+          </p:nvPr>
+        </p:nvSpPr>
+        <p:spPr/>
+      </p:sp>
+      <p:sp>
+        <p:nvSpPr>
+          <p:cNvPr id="3" name="Notes Placeholder 2"/>
+          <p:cNvSpPr>
+            <a:spLocks noGrp="1"/>
+          </p:cNvSpPr>
+          <p:nvPr>
+            <p:ph type="body" idx="1"/>
+          </p:nvPr>
+        </p:nvSpPr>
+        <p:spPr/>
+        <p:txBody>
+          <a:bodyPr/>
+          <a:lstStyle/>
+          <a:p>
+            <a:endParaRPr lang="en-CA" dirty="0"/>
+          </a:p>
+        </p:txBody>
+      </p:sp>
+      <p:sp>
+        <p:nvSpPr>
+          <p:cNvPr id="4" name="Slide Number Placeholder 3"/>
+          <p:cNvSpPr>
+            <a:spLocks noGrp="1"/>
+          </p:cNvSpPr>
+          <p:nvPr>
+            <p:ph type="sldNum" sz="quarter" idx="5"/>
+          </p:nvPr>
+        </p:nvSpPr>
+        <p:spPr/>
+        <p:txBody>
+          <a:bodyPr/>
+          <a:lstStyle/>
+          <a:p>
+            <a:fld id="{EE596BCB-CEC5-4086-BD46-775CD732B91C}" type="slidenum">
+              <a:rPr lang="en-CA" smtClean="0"/>
+              <a:t>15</a:t>
+            </a:fld>
+            <a:endParaRPr lang="en-CA"/>
+          </a:p>
+        </p:txBody>
+      </p:sp>
+    </p:spTree>
+    <p:extLst>
+      <p:ext uri="{BB962C8B-B14F-4D97-AF65-F5344CB8AC3E}">
+        <p14:creationId xmlns:p14="http://schemas.microsoft.com/office/powerpoint/2010/main" val="2551899433"/>
+      </p:ext>
+    </p:extLst>
+  </p:cSld>
+  <p:clrMapOvr>
+    <a:masterClrMapping/>
+  </p:clrMapOvr>
+</p:notes>
+</file>
+
+<file path=ppt/notesSlides/notesSlide4.xml><?xml version="1.0" encoding="utf-8"?>
+<p:notes xmlns:a="http://schemas.openxmlformats.org/drawingml/2006/main" xmlns:r="http://schemas.openxmlformats.org/officeDocument/2006/relationships" xmlns:p="http://schemas.openxmlformats.org/presentationml/2006/main">
+  <p:cSld>
+    <p:spTree>
+      <p:nvGrpSpPr>
+        <p:cNvPr id="1" name=""/>
+        <p:cNvGrpSpPr/>
+        <p:nvPr/>
+      </p:nvGrpSpPr>
+      <p:grpSpPr>
+        <a:xfrm>
+          <a:off x="0" y="0"/>
+          <a:ext cx="0" cy="0"/>
+          <a:chOff x="0" y="0"/>
+          <a:chExt cx="0" cy="0"/>
+        </a:xfrm>
+      </p:grpSpPr>
+      <p:sp>
+        <p:nvSpPr>
+          <p:cNvPr id="2" name="Slide Image Placeholder 1"/>
+          <p:cNvSpPr>
+            <a:spLocks noGrp="1" noRot="1" noChangeAspect="1"/>
+          </p:cNvSpPr>
+          <p:nvPr>
+            <p:ph type="sldImg"/>
+          </p:nvPr>
+        </p:nvSpPr>
+        <p:spPr/>
+      </p:sp>
+      <p:sp>
+        <p:nvSpPr>
+          <p:cNvPr id="3" name="Notes Placeholder 2"/>
+          <p:cNvSpPr>
+            <a:spLocks noGrp="1"/>
+          </p:cNvSpPr>
+          <p:nvPr>
+            <p:ph type="body" idx="1"/>
+          </p:nvPr>
+        </p:nvSpPr>
+        <p:spPr/>
+        <p:txBody>
+          <a:bodyPr/>
+          <a:lstStyle/>
+          <a:p>
+            <a:endParaRPr lang="en-CA" dirty="0"/>
+          </a:p>
+        </p:txBody>
+      </p:sp>
+      <p:sp>
+        <p:nvSpPr>
+          <p:cNvPr id="4" name="Slide Number Placeholder 3"/>
+          <p:cNvSpPr>
+            <a:spLocks noGrp="1"/>
+          </p:cNvSpPr>
+          <p:nvPr>
+            <p:ph type="sldNum" sz="quarter" idx="5"/>
+          </p:nvPr>
+        </p:nvSpPr>
+        <p:spPr/>
+        <p:txBody>
+          <a:bodyPr/>
+          <a:lstStyle/>
+          <a:p>
+            <a:fld id="{EE596BCB-CEC5-4086-BD46-775CD732B91C}" type="slidenum">
+              <a:rPr lang="en-CA" smtClean="0"/>
+              <a:t>16</a:t>
+            </a:fld>
+            <a:endParaRPr lang="en-CA"/>
+          </a:p>
+        </p:txBody>
+      </p:sp>
+    </p:spTree>
+    <p:extLst>
+      <p:ext uri="{BB962C8B-B14F-4D97-AF65-F5344CB8AC3E}">
+        <p14:creationId xmlns:p14="http://schemas.microsoft.com/office/powerpoint/2010/main" val="1214460706"/>
+      </p:ext>
+    </p:extLst>
+  </p:cSld>
+  <p:clrMapOvr>
+    <a:masterClrMapping/>
+  </p:clrMapOvr>
+</p:notes>
+</file>
+
+<file path=ppt/notesSlides/notesSlide5.xml><?xml version="1.0" encoding="utf-8"?>
+<p:notes xmlns:a="http://schemas.openxmlformats.org/drawingml/2006/main" xmlns:r="http://schemas.openxmlformats.org/officeDocument/2006/relationships" xmlns:p="http://schemas.openxmlformats.org/presentationml/2006/main">
+  <p:cSld>
+    <p:spTree>
+      <p:nvGrpSpPr>
+        <p:cNvPr id="1" name=""/>
+        <p:cNvGrpSpPr/>
+        <p:nvPr/>
+      </p:nvGrpSpPr>
+      <p:grpSpPr>
+        <a:xfrm>
+          <a:off x="0" y="0"/>
+          <a:ext cx="0" cy="0"/>
+          <a:chOff x="0" y="0"/>
+          <a:chExt cx="0" cy="0"/>
+        </a:xfrm>
+      </p:grpSpPr>
+      <p:sp>
+        <p:nvSpPr>
+          <p:cNvPr id="2" name="Slide Image Placeholder 1"/>
+          <p:cNvSpPr>
+            <a:spLocks noGrp="1" noRot="1" noChangeAspect="1"/>
+          </p:cNvSpPr>
+          <p:nvPr>
+            <p:ph type="sldImg"/>
+          </p:nvPr>
+        </p:nvSpPr>
+        <p:spPr/>
+      </p:sp>
+      <p:sp>
+        <p:nvSpPr>
+          <p:cNvPr id="3" name="Notes Placeholder 2"/>
+          <p:cNvSpPr>
+            <a:spLocks noGrp="1"/>
+          </p:cNvSpPr>
+          <p:nvPr>
+            <p:ph type="body" idx="1"/>
+          </p:nvPr>
+        </p:nvSpPr>
+        <p:spPr/>
+        <p:txBody>
+          <a:bodyPr/>
+          <a:lstStyle/>
+          <a:p>
+            <a:endParaRPr lang="en-CA" dirty="0"/>
+          </a:p>
+        </p:txBody>
+      </p:sp>
+      <p:sp>
+        <p:nvSpPr>
+          <p:cNvPr id="4" name="Slide Number Placeholder 3"/>
+          <p:cNvSpPr>
+            <a:spLocks noGrp="1"/>
+          </p:cNvSpPr>
+          <p:nvPr>
+            <p:ph type="sldNum" sz="quarter" idx="5"/>
+          </p:nvPr>
+        </p:nvSpPr>
+        <p:spPr/>
+        <p:txBody>
+          <a:bodyPr/>
+          <a:lstStyle/>
+          <a:p>
+            <a:fld id="{EE596BCB-CEC5-4086-BD46-775CD732B91C}" type="slidenum">
+              <a:rPr lang="en-CA" smtClean="0"/>
+              <a:t>17</a:t>
+            </a:fld>
+            <a:endParaRPr lang="en-CA"/>
+          </a:p>
+        </p:txBody>
+      </p:sp>
+    </p:spTree>
+    <p:extLst>
+      <p:ext uri="{BB962C8B-B14F-4D97-AF65-F5344CB8AC3E}">
+        <p14:creationId xmlns:p14="http://schemas.microsoft.com/office/powerpoint/2010/main" val="3428814818"/>
       </p:ext>
     </p:extLst>
   </p:cSld>
@@ -4573,7 +4920,7 @@
           <p:cNvPr id="2" name="Title 1">
             <a:extLst>
               <a:ext uri="{FF2B5EF4-FFF2-40B4-BE49-F238E27FC236}">
-                <a16:creationId xmlns:a16="http://schemas.microsoft.com/office/drawing/2014/main" id="{D394FF68-0CEC-423D-AF00-3E7A83639720}"/>
+                <a16:creationId xmlns:a16="http://schemas.microsoft.com/office/drawing/2014/main" id="{9C48BE68-3EC4-4686-A2A0-8A1E03C2580F}"/>
               </a:ext>
             </a:extLst>
           </p:cNvPr>
@@ -4591,7 +4938,7 @@
           <a:p>
             <a:r>
               <a:rPr lang="en-US" dirty="0"/>
-              <a:t>PRESENTATION GUIDELINES</a:t>
+              <a:t>DATA ANALYSIS - 3</a:t>
             </a:r>
             <a:endParaRPr lang="en-CA" dirty="0"/>
           </a:p>
@@ -4602,7 +4949,7 @@
           <p:cNvPr id="3" name="Content Placeholder 2">
             <a:extLst>
               <a:ext uri="{FF2B5EF4-FFF2-40B4-BE49-F238E27FC236}">
-                <a16:creationId xmlns:a16="http://schemas.microsoft.com/office/drawing/2014/main" id="{2079D1A8-EC57-4550-8A11-A04DFEDC2D9E}"/>
+                <a16:creationId xmlns:a16="http://schemas.microsoft.com/office/drawing/2014/main" id="{C990EB9B-20EF-41D2-BF3A-03ED63507C68}"/>
               </a:ext>
             </a:extLst>
           </p:cNvPr>
@@ -4613,106 +4960,42 @@
             <p:ph idx="1"/>
           </p:nvPr>
         </p:nvSpPr>
-        <p:spPr>
-          <a:xfrm>
-            <a:off x="5527810" y="812798"/>
-            <a:ext cx="5928344" cy="5294757"/>
-          </a:xfrm>
-        </p:spPr>
-        <p:txBody>
-          <a:bodyPr/>
-          <a:lstStyle/>
-          <a:p>
-            <a:pPr marL="342900" indent="-342900">
-              <a:buFont typeface="+mj-lt"/>
-              <a:buAutoNum type="arabicPeriod"/>
+        <p:spPr/>
+        <p:txBody>
+          <a:bodyPr>
+            <a:normAutofit/>
+          </a:bodyPr>
+          <a:lstStyle/>
+          <a:p>
+            <a:pPr marL="0" indent="0">
+              <a:buNone/>
             </a:pPr>
             <a:r>
               <a:rPr lang="en-US" dirty="0"/>
-              <a:t>Core Message</a:t>
-            </a:r>
-          </a:p>
-          <a:p>
-            <a:pPr marL="342900" indent="-342900">
-              <a:buFont typeface="+mj-lt"/>
-              <a:buAutoNum type="arabicPeriod"/>
+              <a:t>What is the correlation between income and sugar intake?</a:t>
+            </a:r>
+          </a:p>
+          <a:p>
+            <a:pPr marL="635508" lvl="1" indent="-342900">
+              <a:buFont typeface="Arial" panose="020B0604020202020204" pitchFamily="34" charset="0"/>
+              <a:buChar char="•"/>
             </a:pPr>
             <a:r>
               <a:rPr lang="en-US" dirty="0"/>
-              <a:t>Define the Project</a:t>
-            </a:r>
-          </a:p>
-          <a:p>
-            <a:pPr marL="342900" indent="-342900">
-              <a:buFont typeface="+mj-lt"/>
-              <a:buAutoNum type="arabicPeriod"/>
-            </a:pPr>
+              <a:t>Comparison of the Income Dataset from </a:t>
+            </a:r>
+            <a:r>
+              <a:rPr lang="en-US" dirty="0" err="1"/>
+              <a:t>Worldbank</a:t>
+            </a:r>
             <a:r>
               <a:rPr lang="en-US" dirty="0"/>
-              <a:t>Data Exploration</a:t>
-            </a:r>
-          </a:p>
-          <a:p>
-            <a:pPr marL="342900" indent="-342900">
-              <a:buFont typeface="+mj-lt"/>
-              <a:buAutoNum type="arabicPeriod"/>
-            </a:pPr>
-            <a:r>
-              <a:rPr lang="en-US" dirty="0"/>
-              <a:t>Data Cleanup</a:t>
-            </a:r>
-          </a:p>
-          <a:p>
-            <a:pPr marL="342900" indent="-342900">
-              <a:buFont typeface="+mj-lt"/>
-              <a:buAutoNum type="arabicPeriod"/>
-            </a:pPr>
-            <a:r>
-              <a:rPr lang="en-US" dirty="0"/>
-              <a:t>Data Analysis</a:t>
-            </a:r>
-          </a:p>
-          <a:p>
-            <a:pPr marL="342900" indent="-342900">
-              <a:buFont typeface="+mj-lt"/>
-              <a:buAutoNum type="arabicPeriod"/>
-            </a:pPr>
-            <a:r>
-              <a:rPr lang="en-US" dirty="0"/>
-              <a:t>Discussion</a:t>
-            </a:r>
-          </a:p>
-          <a:p>
-            <a:pPr marL="342900" indent="-342900">
-              <a:buFont typeface="+mj-lt"/>
-              <a:buAutoNum type="arabicPeriod"/>
-            </a:pPr>
-            <a:r>
-              <a:rPr lang="en-US" dirty="0"/>
-              <a:t>Post Mortem</a:t>
-            </a:r>
-          </a:p>
-          <a:p>
-            <a:pPr marL="342900" indent="-342900">
-              <a:buFont typeface="+mj-lt"/>
-              <a:buAutoNum type="arabicPeriod"/>
-            </a:pPr>
-            <a:r>
-              <a:rPr lang="en-US" dirty="0"/>
-              <a:t>Questions</a:t>
-            </a:r>
-          </a:p>
-          <a:p>
-            <a:pPr marL="342900" indent="-342900">
-              <a:buFont typeface="+mj-lt"/>
-              <a:buAutoNum type="arabicPeriod"/>
-            </a:pPr>
-            <a:endParaRPr lang="en-US" dirty="0"/>
-          </a:p>
-          <a:p>
-            <a:pPr marL="342900" indent="-342900">
-              <a:buFont typeface="+mj-lt"/>
-              <a:buAutoNum type="arabicPeriod"/>
+              <a:t> and Sugar Intake Data from FAO show that countries with lower income has higher sugar intake.</a:t>
+            </a:r>
+          </a:p>
+          <a:p>
+            <a:pPr marL="0" indent="0">
+              <a:buNone/>
             </a:pPr>
             <a:endParaRPr lang="en-CA" dirty="0"/>
           </a:p>
@@ -4721,7 +5004,7 @@
     </p:spTree>
     <p:extLst>
       <p:ext uri="{BB962C8B-B14F-4D97-AF65-F5344CB8AC3E}">
-        <p14:creationId xmlns:p14="http://schemas.microsoft.com/office/powerpoint/2010/main" val="1246328921"/>
+        <p14:creationId xmlns:p14="http://schemas.microsoft.com/office/powerpoint/2010/main" val="542239908"/>
       </p:ext>
     </p:extLst>
   </p:cSld>
@@ -4753,7 +5036,7 @@
           <p:cNvPr id="2" name="Title 1">
             <a:extLst>
               <a:ext uri="{FF2B5EF4-FFF2-40B4-BE49-F238E27FC236}">
-                <a16:creationId xmlns:a16="http://schemas.microsoft.com/office/drawing/2014/main" id="{D394FF68-0CEC-423D-AF00-3E7A83639720}"/>
+                <a16:creationId xmlns:a16="http://schemas.microsoft.com/office/drawing/2014/main" id="{9C48BE68-3EC4-4686-A2A0-8A1E03C2580F}"/>
               </a:ext>
             </a:extLst>
           </p:cNvPr>
@@ -4769,6 +5052,10 @@
           <a:bodyPr/>
           <a:lstStyle/>
           <a:p>
+            <a:r>
+              <a:rPr lang="en-US" dirty="0"/>
+              <a:t>DATA ANALYSIS - 4</a:t>
+            </a:r>
             <a:endParaRPr lang="en-CA" dirty="0"/>
           </a:p>
         </p:txBody>
@@ -4778,7 +5065,7 @@
           <p:cNvPr id="3" name="Content Placeholder 2">
             <a:extLst>
               <a:ext uri="{FF2B5EF4-FFF2-40B4-BE49-F238E27FC236}">
-                <a16:creationId xmlns:a16="http://schemas.microsoft.com/office/drawing/2014/main" id="{2079D1A8-EC57-4550-8A11-A04DFEDC2D9E}"/>
+                <a16:creationId xmlns:a16="http://schemas.microsoft.com/office/drawing/2014/main" id="{C990EB9B-20EF-41D2-BF3A-03ED63507C68}"/>
               </a:ext>
             </a:extLst>
           </p:cNvPr>
@@ -4791,42 +5078,736 @@
         </p:nvSpPr>
         <p:spPr/>
         <p:txBody>
-          <a:bodyPr/>
-          <a:lstStyle/>
-          <a:p>
-            <a:endParaRPr lang="en-CA"/>
-          </a:p>
-        </p:txBody>
-      </p:sp>
-      <p:sp>
-        <p:nvSpPr>
-          <p:cNvPr id="4" name="Text Placeholder 3">
-            <a:extLst>
-              <a:ext uri="{FF2B5EF4-FFF2-40B4-BE49-F238E27FC236}">
-                <a16:creationId xmlns:a16="http://schemas.microsoft.com/office/drawing/2014/main" id="{1A5F2B8E-8AC9-46EF-BCBE-D9895D68658B}"/>
-              </a:ext>
-            </a:extLst>
-          </p:cNvPr>
-          <p:cNvSpPr>
-            <a:spLocks noGrp="1"/>
-          </p:cNvSpPr>
-          <p:nvPr>
-            <p:ph type="body" sz="half" idx="2"/>
-          </p:nvPr>
-        </p:nvSpPr>
-        <p:spPr/>
-        <p:txBody>
-          <a:bodyPr/>
-          <a:lstStyle/>
-          <a:p>
-            <a:endParaRPr lang="en-CA"/>
+          <a:bodyPr>
+            <a:normAutofit/>
+          </a:bodyPr>
+          <a:lstStyle/>
+          <a:p>
+            <a:pPr marL="0" indent="0">
+              <a:buNone/>
+            </a:pPr>
+            <a:r>
+              <a:rPr lang="en-US" dirty="0"/>
+              <a:t>Is there a correlation between processed sugar and obesity? </a:t>
+            </a:r>
+          </a:p>
+          <a:p>
+            <a:pPr marL="635508" lvl="1" indent="-342900">
+              <a:buFont typeface="Arial" panose="020B0604020202020204" pitchFamily="34" charset="0"/>
+              <a:buChar char="•"/>
+            </a:pPr>
+            <a:r>
+              <a:rPr lang="en-US" dirty="0"/>
+              <a:t>Comparison of Obesity data from WHO and Sugar Intake Data from FAO show that countries with lower income has higher sugar intake.</a:t>
+            </a:r>
+          </a:p>
+          <a:p>
+            <a:pPr marL="0" indent="0">
+              <a:buNone/>
+            </a:pPr>
+            <a:endParaRPr lang="en-CA" dirty="0"/>
           </a:p>
         </p:txBody>
       </p:sp>
     </p:spTree>
     <p:extLst>
       <p:ext uri="{BB962C8B-B14F-4D97-AF65-F5344CB8AC3E}">
-        <p14:creationId xmlns:p14="http://schemas.microsoft.com/office/powerpoint/2010/main" val="1696998737"/>
+        <p14:creationId xmlns:p14="http://schemas.microsoft.com/office/powerpoint/2010/main" val="454901871"/>
+      </p:ext>
+    </p:extLst>
+  </p:cSld>
+  <p:clrMapOvr>
+    <a:masterClrMapping/>
+  </p:clrMapOvr>
+</p:sld>
+</file>
+
+<file path=ppt/slides/slide12.xml><?xml version="1.0" encoding="utf-8"?>
+<p:sld xmlns:a="http://schemas.openxmlformats.org/drawingml/2006/main" xmlns:r="http://schemas.openxmlformats.org/officeDocument/2006/relationships" xmlns:p="http://schemas.openxmlformats.org/presentationml/2006/main">
+  <p:cSld>
+    <p:spTree>
+      <p:nvGrpSpPr>
+        <p:cNvPr id="1" name=""/>
+        <p:cNvGrpSpPr/>
+        <p:nvPr/>
+      </p:nvGrpSpPr>
+      <p:grpSpPr>
+        <a:xfrm>
+          <a:off x="0" y="0"/>
+          <a:ext cx="0" cy="0"/>
+          <a:chOff x="0" y="0"/>
+          <a:chExt cx="0" cy="0"/>
+        </a:xfrm>
+      </p:grpSpPr>
+      <p:sp>
+        <p:nvSpPr>
+          <p:cNvPr id="2" name="Title 1">
+            <a:extLst>
+              <a:ext uri="{FF2B5EF4-FFF2-40B4-BE49-F238E27FC236}">
+                <a16:creationId xmlns:a16="http://schemas.microsoft.com/office/drawing/2014/main" id="{9C48BE68-3EC4-4686-A2A0-8A1E03C2580F}"/>
+              </a:ext>
+            </a:extLst>
+          </p:cNvPr>
+          <p:cNvSpPr>
+            <a:spLocks noGrp="1"/>
+          </p:cNvSpPr>
+          <p:nvPr>
+            <p:ph type="title"/>
+          </p:nvPr>
+        </p:nvSpPr>
+        <p:spPr/>
+        <p:txBody>
+          <a:bodyPr/>
+          <a:lstStyle/>
+          <a:p>
+            <a:r>
+              <a:rPr lang="en-US" dirty="0"/>
+              <a:t>DATA ANALYSIS - 5</a:t>
+            </a:r>
+            <a:endParaRPr lang="en-CA" dirty="0"/>
+          </a:p>
+        </p:txBody>
+      </p:sp>
+      <p:sp>
+        <p:nvSpPr>
+          <p:cNvPr id="3" name="Content Placeholder 2">
+            <a:extLst>
+              <a:ext uri="{FF2B5EF4-FFF2-40B4-BE49-F238E27FC236}">
+                <a16:creationId xmlns:a16="http://schemas.microsoft.com/office/drawing/2014/main" id="{C990EB9B-20EF-41D2-BF3A-03ED63507C68}"/>
+              </a:ext>
+            </a:extLst>
+          </p:cNvPr>
+          <p:cNvSpPr>
+            <a:spLocks noGrp="1"/>
+          </p:cNvSpPr>
+          <p:nvPr>
+            <p:ph idx="1"/>
+          </p:nvPr>
+        </p:nvSpPr>
+        <p:spPr/>
+        <p:txBody>
+          <a:bodyPr>
+            <a:normAutofit/>
+          </a:bodyPr>
+          <a:lstStyle/>
+          <a:p>
+            <a:pPr marL="0" indent="0">
+              <a:buNone/>
+            </a:pPr>
+            <a:r>
+              <a:rPr lang="en-US" dirty="0"/>
+              <a:t>Is there a correlation between processed sugar and dental health? </a:t>
+            </a:r>
+          </a:p>
+          <a:p>
+            <a:pPr marL="635508" lvl="1" indent="-342900">
+              <a:buFont typeface="Arial" panose="020B0604020202020204" pitchFamily="34" charset="0"/>
+              <a:buChar char="•"/>
+            </a:pPr>
+            <a:r>
+              <a:rPr lang="en-US" dirty="0"/>
+              <a:t>Comparison of Bad Teeth Data from WHO and Sugar Intake Data from FAO, there is almost no correlation between sugar intake and dental health.</a:t>
+            </a:r>
+          </a:p>
+          <a:p>
+            <a:pPr marL="0" indent="0">
+              <a:buNone/>
+            </a:pPr>
+            <a:endParaRPr lang="en-CA" dirty="0"/>
+          </a:p>
+        </p:txBody>
+      </p:sp>
+    </p:spTree>
+    <p:extLst>
+      <p:ext uri="{BB962C8B-B14F-4D97-AF65-F5344CB8AC3E}">
+        <p14:creationId xmlns:p14="http://schemas.microsoft.com/office/powerpoint/2010/main" val="1709233667"/>
+      </p:ext>
+    </p:extLst>
+  </p:cSld>
+  <p:clrMapOvr>
+    <a:masterClrMapping/>
+  </p:clrMapOvr>
+</p:sld>
+</file>
+
+<file path=ppt/slides/slide13.xml><?xml version="1.0" encoding="utf-8"?>
+<p:sld xmlns:a="http://schemas.openxmlformats.org/drawingml/2006/main" xmlns:r="http://schemas.openxmlformats.org/officeDocument/2006/relationships" xmlns:p="http://schemas.openxmlformats.org/presentationml/2006/main">
+  <p:cSld>
+    <p:spTree>
+      <p:nvGrpSpPr>
+        <p:cNvPr id="1" name=""/>
+        <p:cNvGrpSpPr/>
+        <p:nvPr/>
+      </p:nvGrpSpPr>
+      <p:grpSpPr>
+        <a:xfrm>
+          <a:off x="0" y="0"/>
+          <a:ext cx="0" cy="0"/>
+          <a:chOff x="0" y="0"/>
+          <a:chExt cx="0" cy="0"/>
+        </a:xfrm>
+      </p:grpSpPr>
+      <p:sp>
+        <p:nvSpPr>
+          <p:cNvPr id="2" name="Title 1">
+            <a:extLst>
+              <a:ext uri="{FF2B5EF4-FFF2-40B4-BE49-F238E27FC236}">
+                <a16:creationId xmlns:a16="http://schemas.microsoft.com/office/drawing/2014/main" id="{9C48BE68-3EC4-4686-A2A0-8A1E03C2580F}"/>
+              </a:ext>
+            </a:extLst>
+          </p:cNvPr>
+          <p:cNvSpPr>
+            <a:spLocks noGrp="1"/>
+          </p:cNvSpPr>
+          <p:nvPr>
+            <p:ph type="title"/>
+          </p:nvPr>
+        </p:nvSpPr>
+        <p:spPr/>
+        <p:txBody>
+          <a:bodyPr/>
+          <a:lstStyle/>
+          <a:p>
+            <a:r>
+              <a:rPr lang="en-US" dirty="0"/>
+              <a:t>DATA ANALYSIS - 5</a:t>
+            </a:r>
+            <a:endParaRPr lang="en-CA" dirty="0"/>
+          </a:p>
+        </p:txBody>
+      </p:sp>
+      <p:sp>
+        <p:nvSpPr>
+          <p:cNvPr id="3" name="Content Placeholder 2">
+            <a:extLst>
+              <a:ext uri="{FF2B5EF4-FFF2-40B4-BE49-F238E27FC236}">
+                <a16:creationId xmlns:a16="http://schemas.microsoft.com/office/drawing/2014/main" id="{C990EB9B-20EF-41D2-BF3A-03ED63507C68}"/>
+              </a:ext>
+            </a:extLst>
+          </p:cNvPr>
+          <p:cNvSpPr>
+            <a:spLocks noGrp="1"/>
+          </p:cNvSpPr>
+          <p:nvPr>
+            <p:ph idx="1"/>
+          </p:nvPr>
+        </p:nvSpPr>
+        <p:spPr/>
+        <p:txBody>
+          <a:bodyPr>
+            <a:normAutofit/>
+          </a:bodyPr>
+          <a:lstStyle/>
+          <a:p>
+            <a:pPr marL="0" indent="0">
+              <a:buNone/>
+            </a:pPr>
+            <a:r>
+              <a:rPr lang="en-US" dirty="0"/>
+              <a:t>Is there a correlation between processed sugar and dental health? </a:t>
+            </a:r>
+          </a:p>
+          <a:p>
+            <a:pPr marL="635508" lvl="1" indent="-342900">
+              <a:buFont typeface="Arial" panose="020B0604020202020204" pitchFamily="34" charset="0"/>
+              <a:buChar char="•"/>
+            </a:pPr>
+            <a:r>
+              <a:rPr lang="en-US" dirty="0"/>
+              <a:t>Comparison of Bad Teeth Data from WHO and Sugar Intake Data from FAO, there is almost no correlation between sugar intake and dental health.</a:t>
+            </a:r>
+          </a:p>
+          <a:p>
+            <a:pPr marL="0" indent="0">
+              <a:buNone/>
+            </a:pPr>
+            <a:endParaRPr lang="en-CA" dirty="0"/>
+          </a:p>
+        </p:txBody>
+      </p:sp>
+    </p:spTree>
+    <p:extLst>
+      <p:ext uri="{BB962C8B-B14F-4D97-AF65-F5344CB8AC3E}">
+        <p14:creationId xmlns:p14="http://schemas.microsoft.com/office/powerpoint/2010/main" val="1658669183"/>
+      </p:ext>
+    </p:extLst>
+  </p:cSld>
+  <p:clrMapOvr>
+    <a:masterClrMapping/>
+  </p:clrMapOvr>
+</p:sld>
+</file>
+
+<file path=ppt/slides/slide14.xml><?xml version="1.0" encoding="utf-8"?>
+<p:sld xmlns:a="http://schemas.openxmlformats.org/drawingml/2006/main" xmlns:r="http://schemas.openxmlformats.org/officeDocument/2006/relationships" xmlns:p="http://schemas.openxmlformats.org/presentationml/2006/main">
+  <p:cSld>
+    <p:spTree>
+      <p:nvGrpSpPr>
+        <p:cNvPr id="1" name=""/>
+        <p:cNvGrpSpPr/>
+        <p:nvPr/>
+      </p:nvGrpSpPr>
+      <p:grpSpPr>
+        <a:xfrm>
+          <a:off x="0" y="0"/>
+          <a:ext cx="0" cy="0"/>
+          <a:chOff x="0" y="0"/>
+          <a:chExt cx="0" cy="0"/>
+        </a:xfrm>
+      </p:grpSpPr>
+      <p:sp>
+        <p:nvSpPr>
+          <p:cNvPr id="2" name="Title 1">
+            <a:extLst>
+              <a:ext uri="{FF2B5EF4-FFF2-40B4-BE49-F238E27FC236}">
+                <a16:creationId xmlns:a16="http://schemas.microsoft.com/office/drawing/2014/main" id="{9C48BE68-3EC4-4686-A2A0-8A1E03C2580F}"/>
+              </a:ext>
+            </a:extLst>
+          </p:cNvPr>
+          <p:cNvSpPr>
+            <a:spLocks noGrp="1"/>
+          </p:cNvSpPr>
+          <p:nvPr>
+            <p:ph type="title"/>
+          </p:nvPr>
+        </p:nvSpPr>
+        <p:spPr/>
+        <p:txBody>
+          <a:bodyPr/>
+          <a:lstStyle/>
+          <a:p>
+            <a:r>
+              <a:rPr lang="en-US" dirty="0"/>
+              <a:t>DATA ANALYSIS - 6</a:t>
+            </a:r>
+            <a:endParaRPr lang="en-CA" dirty="0"/>
+          </a:p>
+        </p:txBody>
+      </p:sp>
+      <p:sp>
+        <p:nvSpPr>
+          <p:cNvPr id="3" name="Content Placeholder 2">
+            <a:extLst>
+              <a:ext uri="{FF2B5EF4-FFF2-40B4-BE49-F238E27FC236}">
+                <a16:creationId xmlns:a16="http://schemas.microsoft.com/office/drawing/2014/main" id="{C990EB9B-20EF-41D2-BF3A-03ED63507C68}"/>
+              </a:ext>
+            </a:extLst>
+          </p:cNvPr>
+          <p:cNvSpPr>
+            <a:spLocks noGrp="1"/>
+          </p:cNvSpPr>
+          <p:nvPr>
+            <p:ph idx="1"/>
+          </p:nvPr>
+        </p:nvSpPr>
+        <p:spPr/>
+        <p:txBody>
+          <a:bodyPr>
+            <a:normAutofit/>
+          </a:bodyPr>
+          <a:lstStyle/>
+          <a:p>
+            <a:pPr marL="0" indent="0">
+              <a:buNone/>
+            </a:pPr>
+            <a:r>
+              <a:rPr lang="en-US" dirty="0"/>
+              <a:t>What are the top 5 purchased grocery items in the country with the highest sugar intake? For these 5 top items, what is their sugar content?</a:t>
+            </a:r>
+          </a:p>
+          <a:p>
+            <a:pPr marL="635508" lvl="1" indent="-342900">
+              <a:buFont typeface="Arial" panose="020B0604020202020204" pitchFamily="34" charset="0"/>
+              <a:buChar char="•"/>
+            </a:pPr>
+            <a:r>
+              <a:rPr lang="en-US" dirty="0"/>
+              <a:t>The American Kroger grocery store datasets had a list of groceries item purchased by 38,000+ customers.  Then we had a nutrition API  from Fat Secret to determine the sugar content.</a:t>
+            </a:r>
+          </a:p>
+          <a:p>
+            <a:pPr marL="342900" indent="-342900">
+              <a:buFont typeface="+mj-lt"/>
+              <a:buAutoNum type="arabicPeriod"/>
+            </a:pPr>
+            <a:endParaRPr lang="en-US" dirty="0"/>
+          </a:p>
+          <a:p>
+            <a:pPr marL="201168" lvl="1" indent="0">
+              <a:buNone/>
+            </a:pPr>
+            <a:endParaRPr lang="en-US" dirty="0"/>
+          </a:p>
+          <a:p>
+            <a:endParaRPr lang="en-US" dirty="0"/>
+          </a:p>
+          <a:p>
+            <a:pPr marL="342900" indent="-342900">
+              <a:buFont typeface="+mj-lt"/>
+              <a:buAutoNum type="arabicPeriod"/>
+            </a:pPr>
+            <a:endParaRPr lang="en-CA" dirty="0"/>
+          </a:p>
+        </p:txBody>
+      </p:sp>
+    </p:spTree>
+    <p:extLst>
+      <p:ext uri="{BB962C8B-B14F-4D97-AF65-F5344CB8AC3E}">
+        <p14:creationId xmlns:p14="http://schemas.microsoft.com/office/powerpoint/2010/main" val="1135346001"/>
+      </p:ext>
+    </p:extLst>
+  </p:cSld>
+  <p:clrMapOvr>
+    <a:masterClrMapping/>
+  </p:clrMapOvr>
+</p:sld>
+</file>
+
+<file path=ppt/slides/slide15.xml><?xml version="1.0" encoding="utf-8"?>
+<p:sld xmlns:a="http://schemas.openxmlformats.org/drawingml/2006/main" xmlns:r="http://schemas.openxmlformats.org/officeDocument/2006/relationships" xmlns:p="http://schemas.openxmlformats.org/presentationml/2006/main">
+  <p:cSld>
+    <p:spTree>
+      <p:nvGrpSpPr>
+        <p:cNvPr id="1" name=""/>
+        <p:cNvGrpSpPr/>
+        <p:nvPr/>
+      </p:nvGrpSpPr>
+      <p:grpSpPr>
+        <a:xfrm>
+          <a:off x="0" y="0"/>
+          <a:ext cx="0" cy="0"/>
+          <a:chOff x="0" y="0"/>
+          <a:chExt cx="0" cy="0"/>
+        </a:xfrm>
+      </p:grpSpPr>
+      <p:sp>
+        <p:nvSpPr>
+          <p:cNvPr id="2" name="Title 1">
+            <a:extLst>
+              <a:ext uri="{FF2B5EF4-FFF2-40B4-BE49-F238E27FC236}">
+                <a16:creationId xmlns:a16="http://schemas.microsoft.com/office/drawing/2014/main" id="{9C48BE68-3EC4-4686-A2A0-8A1E03C2580F}"/>
+              </a:ext>
+            </a:extLst>
+          </p:cNvPr>
+          <p:cNvSpPr>
+            <a:spLocks noGrp="1"/>
+          </p:cNvSpPr>
+          <p:nvPr>
+            <p:ph type="title"/>
+          </p:nvPr>
+        </p:nvSpPr>
+        <p:spPr/>
+        <p:txBody>
+          <a:bodyPr/>
+          <a:lstStyle/>
+          <a:p>
+            <a:r>
+              <a:rPr lang="en-US" dirty="0"/>
+              <a:t>DISCUSSION ON FINDINGS</a:t>
+            </a:r>
+            <a:endParaRPr lang="en-CA" dirty="0"/>
+          </a:p>
+        </p:txBody>
+      </p:sp>
+      <p:sp>
+        <p:nvSpPr>
+          <p:cNvPr id="3" name="Content Placeholder 2">
+            <a:extLst>
+              <a:ext uri="{FF2B5EF4-FFF2-40B4-BE49-F238E27FC236}">
+                <a16:creationId xmlns:a16="http://schemas.microsoft.com/office/drawing/2014/main" id="{C990EB9B-20EF-41D2-BF3A-03ED63507C68}"/>
+              </a:ext>
+            </a:extLst>
+          </p:cNvPr>
+          <p:cNvSpPr>
+            <a:spLocks noGrp="1"/>
+          </p:cNvSpPr>
+          <p:nvPr>
+            <p:ph idx="1"/>
+          </p:nvPr>
+        </p:nvSpPr>
+        <p:spPr/>
+        <p:txBody>
+          <a:bodyPr>
+            <a:normAutofit/>
+          </a:bodyPr>
+          <a:lstStyle/>
+          <a:p>
+            <a:pPr marL="0" indent="0">
+              <a:buNone/>
+            </a:pPr>
+            <a:r>
+              <a:rPr lang="en-US" dirty="0"/>
+              <a:t>What are the top 5 purchased grocery items in the country with the highest sugar intake? For these 5 top items, what is their sugar content?</a:t>
+            </a:r>
+          </a:p>
+          <a:p>
+            <a:pPr marL="635508" lvl="1" indent="-342900">
+              <a:buFont typeface="Arial" panose="020B0604020202020204" pitchFamily="34" charset="0"/>
+              <a:buChar char="•"/>
+            </a:pPr>
+            <a:r>
+              <a:rPr lang="en-US" dirty="0"/>
+              <a:t>The American Kroger grocery store datasets had a list of groceries item purchased by 38,000+ customers.  Then we had a nutrition API  from Fat Secret to determine the sugar content.</a:t>
+            </a:r>
+          </a:p>
+          <a:p>
+            <a:pPr marL="342900" indent="-342900">
+              <a:buFont typeface="+mj-lt"/>
+              <a:buAutoNum type="arabicPeriod"/>
+            </a:pPr>
+            <a:endParaRPr lang="en-US" dirty="0"/>
+          </a:p>
+          <a:p>
+            <a:pPr marL="201168" lvl="1" indent="0">
+              <a:buNone/>
+            </a:pPr>
+            <a:endParaRPr lang="en-US" dirty="0"/>
+          </a:p>
+          <a:p>
+            <a:endParaRPr lang="en-US" dirty="0"/>
+          </a:p>
+          <a:p>
+            <a:pPr marL="342900" indent="-342900">
+              <a:buFont typeface="+mj-lt"/>
+              <a:buAutoNum type="arabicPeriod"/>
+            </a:pPr>
+            <a:endParaRPr lang="en-CA" dirty="0"/>
+          </a:p>
+        </p:txBody>
+      </p:sp>
+    </p:spTree>
+    <p:extLst>
+      <p:ext uri="{BB962C8B-B14F-4D97-AF65-F5344CB8AC3E}">
+        <p14:creationId xmlns:p14="http://schemas.microsoft.com/office/powerpoint/2010/main" val="3079070896"/>
+      </p:ext>
+    </p:extLst>
+  </p:cSld>
+  <p:clrMapOvr>
+    <a:masterClrMapping/>
+  </p:clrMapOvr>
+</p:sld>
+</file>
+
+<file path=ppt/slides/slide16.xml><?xml version="1.0" encoding="utf-8"?>
+<p:sld xmlns:a="http://schemas.openxmlformats.org/drawingml/2006/main" xmlns:r="http://schemas.openxmlformats.org/officeDocument/2006/relationships" xmlns:p="http://schemas.openxmlformats.org/presentationml/2006/main">
+  <p:cSld>
+    <p:spTree>
+      <p:nvGrpSpPr>
+        <p:cNvPr id="1" name=""/>
+        <p:cNvGrpSpPr/>
+        <p:nvPr/>
+      </p:nvGrpSpPr>
+      <p:grpSpPr>
+        <a:xfrm>
+          <a:off x="0" y="0"/>
+          <a:ext cx="0" cy="0"/>
+          <a:chOff x="0" y="0"/>
+          <a:chExt cx="0" cy="0"/>
+        </a:xfrm>
+      </p:grpSpPr>
+      <p:sp>
+        <p:nvSpPr>
+          <p:cNvPr id="2" name="Title 1">
+            <a:extLst>
+              <a:ext uri="{FF2B5EF4-FFF2-40B4-BE49-F238E27FC236}">
+                <a16:creationId xmlns:a16="http://schemas.microsoft.com/office/drawing/2014/main" id="{9C48BE68-3EC4-4686-A2A0-8A1E03C2580F}"/>
+              </a:ext>
+            </a:extLst>
+          </p:cNvPr>
+          <p:cNvSpPr>
+            <a:spLocks noGrp="1"/>
+          </p:cNvSpPr>
+          <p:nvPr>
+            <p:ph type="title"/>
+          </p:nvPr>
+        </p:nvSpPr>
+        <p:spPr/>
+        <p:txBody>
+          <a:bodyPr/>
+          <a:lstStyle/>
+          <a:p>
+            <a:r>
+              <a:rPr lang="en-US" dirty="0"/>
+              <a:t>POST MORTEM</a:t>
+            </a:r>
+            <a:endParaRPr lang="en-CA" dirty="0"/>
+          </a:p>
+        </p:txBody>
+      </p:sp>
+      <p:sp>
+        <p:nvSpPr>
+          <p:cNvPr id="3" name="Content Placeholder 2">
+            <a:extLst>
+              <a:ext uri="{FF2B5EF4-FFF2-40B4-BE49-F238E27FC236}">
+                <a16:creationId xmlns:a16="http://schemas.microsoft.com/office/drawing/2014/main" id="{C990EB9B-20EF-41D2-BF3A-03ED63507C68}"/>
+              </a:ext>
+            </a:extLst>
+          </p:cNvPr>
+          <p:cNvSpPr>
+            <a:spLocks noGrp="1"/>
+          </p:cNvSpPr>
+          <p:nvPr>
+            <p:ph idx="1"/>
+          </p:nvPr>
+        </p:nvSpPr>
+        <p:spPr/>
+        <p:txBody>
+          <a:bodyPr>
+            <a:normAutofit/>
+          </a:bodyPr>
+          <a:lstStyle/>
+          <a:p>
+            <a:pPr marL="0" indent="0">
+              <a:buNone/>
+            </a:pPr>
+            <a:r>
+              <a:rPr lang="en-US" dirty="0"/>
+              <a:t>What are the top 5 purchased grocery items in the country with the highest sugar intake? For these 5 top items, what is their sugar content?</a:t>
+            </a:r>
+          </a:p>
+          <a:p>
+            <a:pPr marL="635508" lvl="1" indent="-342900">
+              <a:buFont typeface="Arial" panose="020B0604020202020204" pitchFamily="34" charset="0"/>
+              <a:buChar char="•"/>
+            </a:pPr>
+            <a:r>
+              <a:rPr lang="en-US" dirty="0"/>
+              <a:t>The American Kroger grocery store datasets had a list of groceries item purchased by 38,000+ customers.  Then we had a nutrition API  from Fat Secret to determine the sugar content.</a:t>
+            </a:r>
+          </a:p>
+          <a:p>
+            <a:pPr marL="342900" indent="-342900">
+              <a:buFont typeface="+mj-lt"/>
+              <a:buAutoNum type="arabicPeriod"/>
+            </a:pPr>
+            <a:endParaRPr lang="en-US" dirty="0"/>
+          </a:p>
+          <a:p>
+            <a:pPr marL="201168" lvl="1" indent="0">
+              <a:buNone/>
+            </a:pPr>
+            <a:endParaRPr lang="en-US" dirty="0"/>
+          </a:p>
+          <a:p>
+            <a:endParaRPr lang="en-US" dirty="0"/>
+          </a:p>
+          <a:p>
+            <a:pPr marL="342900" indent="-342900">
+              <a:buFont typeface="+mj-lt"/>
+              <a:buAutoNum type="arabicPeriod"/>
+            </a:pPr>
+            <a:endParaRPr lang="en-CA" dirty="0"/>
+          </a:p>
+        </p:txBody>
+      </p:sp>
+    </p:spTree>
+    <p:extLst>
+      <p:ext uri="{BB962C8B-B14F-4D97-AF65-F5344CB8AC3E}">
+        <p14:creationId xmlns:p14="http://schemas.microsoft.com/office/powerpoint/2010/main" val="1648156889"/>
+      </p:ext>
+    </p:extLst>
+  </p:cSld>
+  <p:clrMapOvr>
+    <a:masterClrMapping/>
+  </p:clrMapOvr>
+</p:sld>
+</file>
+
+<file path=ppt/slides/slide17.xml><?xml version="1.0" encoding="utf-8"?>
+<p:sld xmlns:a="http://schemas.openxmlformats.org/drawingml/2006/main" xmlns:r="http://schemas.openxmlformats.org/officeDocument/2006/relationships" xmlns:p="http://schemas.openxmlformats.org/presentationml/2006/main">
+  <p:cSld>
+    <p:spTree>
+      <p:nvGrpSpPr>
+        <p:cNvPr id="1" name=""/>
+        <p:cNvGrpSpPr/>
+        <p:nvPr/>
+      </p:nvGrpSpPr>
+      <p:grpSpPr>
+        <a:xfrm>
+          <a:off x="0" y="0"/>
+          <a:ext cx="0" cy="0"/>
+          <a:chOff x="0" y="0"/>
+          <a:chExt cx="0" cy="0"/>
+        </a:xfrm>
+      </p:grpSpPr>
+      <p:sp>
+        <p:nvSpPr>
+          <p:cNvPr id="2" name="Title 1">
+            <a:extLst>
+              <a:ext uri="{FF2B5EF4-FFF2-40B4-BE49-F238E27FC236}">
+                <a16:creationId xmlns:a16="http://schemas.microsoft.com/office/drawing/2014/main" id="{9C48BE68-3EC4-4686-A2A0-8A1E03C2580F}"/>
+              </a:ext>
+            </a:extLst>
+          </p:cNvPr>
+          <p:cNvSpPr>
+            <a:spLocks noGrp="1"/>
+          </p:cNvSpPr>
+          <p:nvPr>
+            <p:ph type="title"/>
+          </p:nvPr>
+        </p:nvSpPr>
+        <p:spPr/>
+        <p:txBody>
+          <a:bodyPr/>
+          <a:lstStyle/>
+          <a:p>
+            <a:r>
+              <a:rPr lang="en-US" dirty="0"/>
+              <a:t>QUESTIONS</a:t>
+            </a:r>
+            <a:endParaRPr lang="en-CA" dirty="0"/>
+          </a:p>
+        </p:txBody>
+      </p:sp>
+      <p:sp>
+        <p:nvSpPr>
+          <p:cNvPr id="3" name="Content Placeholder 2">
+            <a:extLst>
+              <a:ext uri="{FF2B5EF4-FFF2-40B4-BE49-F238E27FC236}">
+                <a16:creationId xmlns:a16="http://schemas.microsoft.com/office/drawing/2014/main" id="{C990EB9B-20EF-41D2-BF3A-03ED63507C68}"/>
+              </a:ext>
+            </a:extLst>
+          </p:cNvPr>
+          <p:cNvSpPr>
+            <a:spLocks noGrp="1"/>
+          </p:cNvSpPr>
+          <p:nvPr>
+            <p:ph idx="1"/>
+          </p:nvPr>
+        </p:nvSpPr>
+        <p:spPr/>
+        <p:txBody>
+          <a:bodyPr>
+            <a:normAutofit/>
+          </a:bodyPr>
+          <a:lstStyle/>
+          <a:p>
+            <a:pPr marL="0" indent="0">
+              <a:buNone/>
+            </a:pPr>
+            <a:r>
+              <a:rPr lang="en-US" dirty="0"/>
+              <a:t>Any questions from all of you regarding </a:t>
+            </a:r>
+            <a:r>
+              <a:rPr lang="en-US"/>
+              <a:t>our project?</a:t>
+            </a:r>
+            <a:endParaRPr lang="en-US" dirty="0"/>
+          </a:p>
+          <a:p>
+            <a:pPr marL="342900" indent="-342900">
+              <a:buFont typeface="+mj-lt"/>
+              <a:buAutoNum type="arabicPeriod"/>
+            </a:pPr>
+            <a:endParaRPr lang="en-CA" dirty="0"/>
+          </a:p>
+        </p:txBody>
+      </p:sp>
+    </p:spTree>
+    <p:extLst>
+      <p:ext uri="{BB962C8B-B14F-4D97-AF65-F5344CB8AC3E}">
+        <p14:creationId xmlns:p14="http://schemas.microsoft.com/office/powerpoint/2010/main" val="3818714174"/>
       </p:ext>
     </p:extLst>
   </p:cSld>
@@ -4858,7 +5839,7 @@
           <p:cNvPr id="2" name="Title 1">
             <a:extLst>
               <a:ext uri="{FF2B5EF4-FFF2-40B4-BE49-F238E27FC236}">
-                <a16:creationId xmlns:a16="http://schemas.microsoft.com/office/drawing/2014/main" id="{9C48BE68-3EC4-4686-A2A0-8A1E03C2580F}"/>
+                <a16:creationId xmlns:a16="http://schemas.microsoft.com/office/drawing/2014/main" id="{D394FF68-0CEC-423D-AF00-3E7A83639720}"/>
               </a:ext>
             </a:extLst>
           </p:cNvPr>
@@ -4876,7 +5857,7 @@
           <a:p>
             <a:r>
               <a:rPr lang="en-US" dirty="0"/>
-              <a:t>TRIVIAL QUESTION</a:t>
+              <a:t>PRESENTATION GUIDELINES</a:t>
             </a:r>
             <a:endParaRPr lang="en-CA" dirty="0"/>
           </a:p>
@@ -4887,7 +5868,7 @@
           <p:cNvPr id="3" name="Content Placeholder 2">
             <a:extLst>
               <a:ext uri="{FF2B5EF4-FFF2-40B4-BE49-F238E27FC236}">
-                <a16:creationId xmlns:a16="http://schemas.microsoft.com/office/drawing/2014/main" id="{C990EB9B-20EF-41D2-BF3A-03ED63507C68}"/>
+                <a16:creationId xmlns:a16="http://schemas.microsoft.com/office/drawing/2014/main" id="{2079D1A8-EC57-4550-8A11-A04DFEDC2D9E}"/>
               </a:ext>
             </a:extLst>
           </p:cNvPr>
@@ -4898,18 +5879,117 @@
             <p:ph idx="1"/>
           </p:nvPr>
         </p:nvSpPr>
-        <p:spPr/>
+        <p:spPr>
+          <a:xfrm>
+            <a:off x="5527810" y="812798"/>
+            <a:ext cx="5928344" cy="5294757"/>
+          </a:xfrm>
+        </p:spPr>
         <p:txBody>
           <a:bodyPr/>
           <a:lstStyle/>
           <a:p>
-            <a:pPr marL="0" indent="0">
-              <a:buNone/>
+            <a:pPr marL="342900" indent="-342900">
+              <a:buFont typeface="+mj-lt"/>
+              <a:buAutoNum type="arabicPeriod"/>
             </a:pPr>
             <a:r>
               <a:rPr lang="en-US" dirty="0"/>
-              <a:t>Do any of you know what your daily sugar intake should be?</a:t>
-            </a:r>
+              <a:t>Trivial Question</a:t>
+            </a:r>
+          </a:p>
+          <a:p>
+            <a:pPr marL="342900" indent="-342900">
+              <a:buFont typeface="+mj-lt"/>
+              <a:buAutoNum type="arabicPeriod"/>
+            </a:pPr>
+            <a:r>
+              <a:rPr lang="en-US" dirty="0"/>
+              <a:t>Core Message</a:t>
+            </a:r>
+          </a:p>
+          <a:p>
+            <a:pPr marL="342900" indent="-342900">
+              <a:buFont typeface="+mj-lt"/>
+              <a:buAutoNum type="arabicPeriod"/>
+            </a:pPr>
+            <a:r>
+              <a:rPr lang="en-US" dirty="0"/>
+              <a:t>Define the Project</a:t>
+            </a:r>
+          </a:p>
+          <a:p>
+            <a:pPr marL="342900" indent="-342900">
+              <a:buFont typeface="+mj-lt"/>
+              <a:buAutoNum type="arabicPeriod"/>
+            </a:pPr>
+            <a:r>
+              <a:rPr lang="en-US" dirty="0"/>
+              <a:t>Data Exploration</a:t>
+            </a:r>
+          </a:p>
+          <a:p>
+            <a:pPr marL="342900" indent="-342900">
+              <a:buFont typeface="+mj-lt"/>
+              <a:buAutoNum type="arabicPeriod"/>
+            </a:pPr>
+            <a:r>
+              <a:rPr lang="en-US" dirty="0"/>
+              <a:t>Data Cleanup</a:t>
+            </a:r>
+          </a:p>
+          <a:p>
+            <a:pPr marL="342900" indent="-342900">
+              <a:buFont typeface="+mj-lt"/>
+              <a:buAutoNum type="arabicPeriod"/>
+            </a:pPr>
+            <a:r>
+              <a:rPr lang="en-US" dirty="0"/>
+              <a:t>Data Analysis</a:t>
+            </a:r>
+          </a:p>
+          <a:p>
+            <a:pPr marL="342900" indent="-342900">
+              <a:buFont typeface="+mj-lt"/>
+              <a:buAutoNum type="arabicPeriod"/>
+            </a:pPr>
+            <a:r>
+              <a:rPr lang="en-US" dirty="0"/>
+              <a:t>Discussion</a:t>
+            </a:r>
+          </a:p>
+          <a:p>
+            <a:pPr marL="342900" indent="-342900">
+              <a:buFont typeface="+mj-lt"/>
+              <a:buAutoNum type="arabicPeriod"/>
+            </a:pPr>
+            <a:r>
+              <a:rPr lang="en-US" dirty="0"/>
+              <a:t>Post Mortem</a:t>
+            </a:r>
+          </a:p>
+          <a:p>
+            <a:pPr marL="342900" indent="-342900">
+              <a:buFont typeface="+mj-lt"/>
+              <a:buAutoNum type="arabicPeriod"/>
+            </a:pPr>
+            <a:r>
+              <a:rPr lang="en-US" dirty="0"/>
+              <a:t>Questions</a:t>
+            </a:r>
+          </a:p>
+          <a:p>
+            <a:pPr marL="342900" indent="-342900">
+              <a:buFont typeface="+mj-lt"/>
+              <a:buAutoNum type="arabicPeriod"/>
+            </a:pPr>
+            <a:endParaRPr lang="en-US" dirty="0"/>
+          </a:p>
+          <a:p>
+            <a:pPr marL="342900" indent="-342900">
+              <a:buFont typeface="+mj-lt"/>
+              <a:buAutoNum type="arabicPeriod"/>
+            </a:pPr>
             <a:endParaRPr lang="en-CA" dirty="0"/>
           </a:p>
         </p:txBody>
@@ -4917,7 +5997,7 @@
     </p:spTree>
     <p:extLst>
       <p:ext uri="{BB962C8B-B14F-4D97-AF65-F5344CB8AC3E}">
-        <p14:creationId xmlns:p14="http://schemas.microsoft.com/office/powerpoint/2010/main" val="715302988"/>
+        <p14:creationId xmlns:p14="http://schemas.microsoft.com/office/powerpoint/2010/main" val="1246328921"/>
       </p:ext>
     </p:extLst>
   </p:cSld>
@@ -4949,7 +6029,7 @@
           <p:cNvPr id="2" name="Title 1">
             <a:extLst>
               <a:ext uri="{FF2B5EF4-FFF2-40B4-BE49-F238E27FC236}">
-                <a16:creationId xmlns:a16="http://schemas.microsoft.com/office/drawing/2014/main" id="{D394FF68-0CEC-423D-AF00-3E7A83639720}"/>
+                <a16:creationId xmlns:a16="http://schemas.microsoft.com/office/drawing/2014/main" id="{9C48BE68-3EC4-4686-A2A0-8A1E03C2580F}"/>
               </a:ext>
             </a:extLst>
           </p:cNvPr>
@@ -4967,7 +6047,7 @@
           <a:p>
             <a:r>
               <a:rPr lang="en-US" dirty="0"/>
-              <a:t>PRESENTATION GUIDELINES</a:t>
+              <a:t>TRIVIAL QUESTION</a:t>
             </a:r>
             <a:endParaRPr lang="en-CA" dirty="0"/>
           </a:p>
@@ -4978,7 +6058,7 @@
           <p:cNvPr id="3" name="Content Placeholder 2">
             <a:extLst>
               <a:ext uri="{FF2B5EF4-FFF2-40B4-BE49-F238E27FC236}">
-                <a16:creationId xmlns:a16="http://schemas.microsoft.com/office/drawing/2014/main" id="{2079D1A8-EC57-4550-8A11-A04DFEDC2D9E}"/>
+                <a16:creationId xmlns:a16="http://schemas.microsoft.com/office/drawing/2014/main" id="{C990EB9B-20EF-41D2-BF3A-03ED63507C68}"/>
               </a:ext>
             </a:extLst>
           </p:cNvPr>
@@ -4989,77 +6069,18 @@
             <p:ph idx="1"/>
           </p:nvPr>
         </p:nvSpPr>
-        <p:spPr>
-          <a:xfrm>
-            <a:off x="5527810" y="812798"/>
-            <a:ext cx="5928344" cy="5294757"/>
-          </a:xfrm>
-        </p:spPr>
+        <p:spPr/>
         <p:txBody>
           <a:bodyPr/>
           <a:lstStyle/>
           <a:p>
-            <a:pPr marL="342900" indent="-342900">
-              <a:buFont typeface="+mj-lt"/>
-              <a:buAutoNum type="arabicPeriod"/>
+            <a:pPr marL="0" indent="0">
+              <a:buNone/>
             </a:pPr>
             <a:r>
               <a:rPr lang="en-US" dirty="0"/>
-              <a:t>Core Message</a:t>
-            </a:r>
-          </a:p>
-          <a:p>
-            <a:pPr marL="342900" indent="-342900">
-              <a:buFont typeface="+mj-lt"/>
-              <a:buAutoNum type="arabicPeriod"/>
-            </a:pPr>
-            <a:r>
-              <a:rPr lang="en-US" dirty="0"/>
-              <a:t>Define the Project</a:t>
-            </a:r>
-          </a:p>
-          <a:p>
-            <a:pPr marL="342900" indent="-342900">
-              <a:buFont typeface="+mj-lt"/>
-              <a:buAutoNum type="arabicPeriod"/>
-            </a:pPr>
-            <a:r>
-              <a:rPr lang="en-US" dirty="0"/>
-              <a:t>Data Exploration</a:t>
-            </a:r>
-          </a:p>
-          <a:p>
-            <a:pPr marL="342900" indent="-342900">
-              <a:buFont typeface="+mj-lt"/>
-              <a:buAutoNum type="arabicPeriod"/>
-            </a:pPr>
-            <a:r>
-              <a:rPr lang="en-US" dirty="0"/>
-              <a:t>Data Cleanup</a:t>
-            </a:r>
-          </a:p>
-          <a:p>
-            <a:pPr marL="342900" indent="-342900">
-              <a:buFont typeface="+mj-lt"/>
-              <a:buAutoNum type="arabicPeriod"/>
-            </a:pPr>
-            <a:r>
-              <a:rPr lang="en-US" dirty="0"/>
-              <a:t>Data Analysis</a:t>
-            </a:r>
-          </a:p>
-          <a:p>
-            <a:pPr marL="342900" indent="-342900">
-              <a:buFont typeface="+mj-lt"/>
-              <a:buAutoNum type="arabicPeriod"/>
-            </a:pPr>
-            <a:endParaRPr lang="en-US" dirty="0"/>
-          </a:p>
-          <a:p>
-            <a:pPr marL="342900" indent="-342900">
-              <a:buFont typeface="+mj-lt"/>
-              <a:buAutoNum type="arabicPeriod"/>
-            </a:pPr>
+              <a:t>Do any of you know what your daily sugar intake should be?</a:t>
+            </a:r>
             <a:endParaRPr lang="en-CA" dirty="0"/>
           </a:p>
         </p:txBody>
@@ -5067,7 +6088,7 @@
     </p:spTree>
     <p:extLst>
       <p:ext uri="{BB962C8B-B14F-4D97-AF65-F5344CB8AC3E}">
-        <p14:creationId xmlns:p14="http://schemas.microsoft.com/office/powerpoint/2010/main" val="507494389"/>
+        <p14:creationId xmlns:p14="http://schemas.microsoft.com/office/powerpoint/2010/main" val="715302988"/>
       </p:ext>
     </p:extLst>
   </p:cSld>
@@ -5421,7 +6442,7 @@
         </p:nvSpPr>
         <p:spPr>
           <a:xfrm>
-            <a:off x="4845826" y="3521466"/>
+            <a:off x="4835993" y="3393646"/>
             <a:ext cx="1995371" cy="760990"/>
           </a:xfrm>
           <a:prstGeom prst="rect">
@@ -5471,7 +6492,7 @@
         </p:nvSpPr>
         <p:spPr>
           <a:xfrm>
-            <a:off x="3284219" y="2214209"/>
+            <a:off x="3274386" y="2086389"/>
             <a:ext cx="1664849" cy="968985"/>
           </a:xfrm>
           <a:prstGeom prst="ellipse">
@@ -5521,7 +6542,7 @@
         </p:nvSpPr>
         <p:spPr>
           <a:xfrm>
-            <a:off x="8520143" y="3445528"/>
+            <a:off x="8510310" y="3317708"/>
             <a:ext cx="1664849" cy="968985"/>
           </a:xfrm>
           <a:prstGeom prst="ellipse">
@@ -5571,7 +6592,7 @@
         </p:nvSpPr>
         <p:spPr>
           <a:xfrm>
-            <a:off x="3164018" y="4957927"/>
+            <a:off x="3154185" y="4830107"/>
             <a:ext cx="1664849" cy="968985"/>
           </a:xfrm>
           <a:prstGeom prst="ellipse">
@@ -5621,7 +6642,7 @@
         </p:nvSpPr>
         <p:spPr>
           <a:xfrm>
-            <a:off x="1613962" y="3445529"/>
+            <a:off x="1604129" y="3317709"/>
             <a:ext cx="1664849" cy="968985"/>
           </a:xfrm>
           <a:prstGeom prst="ellipse">
@@ -5671,7 +6692,7 @@
         </p:nvSpPr>
         <p:spPr>
           <a:xfrm>
-            <a:off x="6855294" y="2214209"/>
+            <a:off x="6845461" y="2086389"/>
             <a:ext cx="1664849" cy="968985"/>
           </a:xfrm>
           <a:prstGeom prst="ellipse">
@@ -5721,7 +6742,7 @@
         </p:nvSpPr>
         <p:spPr>
           <a:xfrm>
-            <a:off x="6841197" y="4957926"/>
+            <a:off x="6831364" y="4830106"/>
             <a:ext cx="1664849" cy="968985"/>
           </a:xfrm>
           <a:prstGeom prst="ellipse">
@@ -5774,7 +6795,7 @@
         </p:nvCxnSpPr>
         <p:spPr>
           <a:xfrm flipV="1">
-            <a:off x="3278811" y="3901961"/>
+            <a:off x="3268978" y="3774141"/>
             <a:ext cx="1567015" cy="28061"/>
           </a:xfrm>
           <a:prstGeom prst="straightConnector1">
@@ -5815,7 +6836,7 @@
         </p:nvCxnSpPr>
         <p:spPr>
           <a:xfrm flipV="1">
-            <a:off x="3996443" y="4282456"/>
+            <a:off x="3986610" y="4154636"/>
             <a:ext cx="849383" cy="675471"/>
           </a:xfrm>
           <a:prstGeom prst="straightConnector1">
@@ -5856,7 +6877,7 @@
         </p:nvCxnSpPr>
         <p:spPr>
           <a:xfrm>
-            <a:off x="4116644" y="3183194"/>
+            <a:off x="4106811" y="3055374"/>
             <a:ext cx="712223" cy="338272"/>
           </a:xfrm>
           <a:prstGeom prst="straightConnector1">
@@ -5897,7 +6918,7 @@
         </p:nvCxnSpPr>
         <p:spPr>
           <a:xfrm flipH="1">
-            <a:off x="6855294" y="3183194"/>
+            <a:off x="6845461" y="3055374"/>
             <a:ext cx="832425" cy="344816"/>
           </a:xfrm>
           <a:prstGeom prst="straightConnector1">
@@ -5939,7 +6960,7 @@
         </p:nvCxnSpPr>
         <p:spPr>
           <a:xfrm flipH="1" flipV="1">
-            <a:off x="6841197" y="3901961"/>
+            <a:off x="6831364" y="3774141"/>
             <a:ext cx="1678946" cy="28060"/>
           </a:xfrm>
           <a:prstGeom prst="straightConnector1">
@@ -5980,7 +7001,7 @@
         </p:nvCxnSpPr>
         <p:spPr>
           <a:xfrm flipH="1" flipV="1">
-            <a:off x="6855294" y="4282456"/>
+            <a:off x="6845461" y="4154636"/>
             <a:ext cx="818328" cy="675470"/>
           </a:xfrm>
           <a:prstGeom prst="straightConnector1">
@@ -6298,7 +7319,7 @@
           <a:p>
             <a:r>
               <a:rPr lang="en-US" dirty="0"/>
-              <a:t>DATA ANALYSIS</a:t>
+              <a:t>DATA ANALYSIS - 2</a:t>
             </a:r>
             <a:endParaRPr lang="en-CA" dirty="0"/>
           </a:p>
@@ -6323,17 +7344,16 @@
         <p:spPr/>
         <p:txBody>
           <a:bodyPr>
-            <a:normAutofit fontScale="62500" lnSpcReduction="20000"/>
+            <a:normAutofit/>
           </a:bodyPr>
           <a:lstStyle/>
           <a:p>
-            <a:pPr marL="342900" indent="-342900">
-              <a:buFont typeface="+mj-lt"/>
-              <a:buAutoNum type="arabicPeriod"/>
+            <a:pPr marL="0" indent="0">
+              <a:buNone/>
             </a:pPr>
             <a:r>
               <a:rPr lang="en-US" dirty="0"/>
-              <a:t>What is the average daily intake of processed sugar globally?</a:t>
+              <a:t>How has the average sugar intake changed over time?</a:t>
             </a:r>
           </a:p>
           <a:p>
@@ -6343,137 +7363,12 @@
             </a:pPr>
             <a:r>
               <a:rPr lang="en-US" dirty="0"/>
-              <a:t>Datasets from Food and Agricultural Organization (FAO) were available for over 150+ countries of daily sugar intake.</a:t>
-            </a:r>
-          </a:p>
-          <a:p>
-            <a:pPr marL="342900" indent="-342900">
-              <a:buFont typeface="+mj-lt"/>
-              <a:buAutoNum type="arabicPeriod"/>
-            </a:pPr>
-            <a:r>
-              <a:rPr lang="en-US" dirty="0"/>
-              <a:t>How has the average sugar intake changed over time?</a:t>
-            </a:r>
-          </a:p>
-          <a:p>
-            <a:pPr marL="635508" lvl="1" indent="-342900">
-              <a:buFont typeface="Arial" panose="020B0604020202020204" pitchFamily="34" charset="0"/>
-              <a:buChar char="•"/>
-            </a:pPr>
-            <a:r>
-              <a:rPr lang="en-US" dirty="0"/>
               <a:t>Based on sugar intake data, there has been an increasing consumption from 1993 to 2013 for majority of countries.</a:t>
             </a:r>
           </a:p>
           <a:p>
-            <a:pPr marL="342900" indent="-342900">
-              <a:buFont typeface="+mj-lt"/>
-              <a:buAutoNum type="arabicPeriod"/>
-            </a:pPr>
-            <a:r>
-              <a:rPr lang="en-US" dirty="0"/>
-              <a:t>What is the correlation between income and sugar intake?</a:t>
-            </a:r>
-          </a:p>
-          <a:p>
-            <a:pPr marL="635508" lvl="1" indent="-342900">
-              <a:buFont typeface="Arial" panose="020B0604020202020204" pitchFamily="34" charset="0"/>
-              <a:buChar char="•"/>
-            </a:pPr>
-            <a:r>
-              <a:rPr lang="en-US" dirty="0"/>
-              <a:t>Comparison of the Income Dataset from </a:t>
-            </a:r>
-            <a:r>
-              <a:rPr lang="en-US" dirty="0" err="1"/>
-              <a:t>Worldbank</a:t>
-            </a:r>
-            <a:r>
-              <a:rPr lang="en-US" dirty="0"/>
-              <a:t> and Sugar Intake Data from FAO show that countries with lower income has higher sugar intake.</a:t>
-            </a:r>
-          </a:p>
-          <a:p>
-            <a:pPr marL="342900" indent="-342900">
-              <a:buFont typeface="+mj-lt"/>
-              <a:buAutoNum type="arabicPeriod"/>
-            </a:pPr>
-            <a:r>
-              <a:rPr lang="en-US" dirty="0"/>
-              <a:t>Is there a correlation between processed sugar and obesity? </a:t>
-            </a:r>
-          </a:p>
-          <a:p>
-            <a:pPr marL="635508" lvl="1" indent="-342900">
-              <a:buFont typeface="Arial" panose="020B0604020202020204" pitchFamily="34" charset="0"/>
-              <a:buChar char="•"/>
-            </a:pPr>
-            <a:r>
-              <a:rPr lang="en-US" dirty="0"/>
-              <a:t>Comparison of Obesity data from WHO and Sugar Intake Data from FAO show that countries with lower income has higher sugar intake.</a:t>
-            </a:r>
-          </a:p>
-          <a:p>
-            <a:pPr marL="342900" indent="-342900">
-              <a:buFont typeface="+mj-lt"/>
-              <a:buAutoNum type="arabicPeriod"/>
-            </a:pPr>
-            <a:r>
-              <a:rPr lang="en-US" dirty="0"/>
-              <a:t>Is there a correlation between processed sugar and dental health? </a:t>
-            </a:r>
-          </a:p>
-          <a:p>
-            <a:pPr marL="635508" lvl="1" indent="-342900">
-              <a:buFont typeface="Arial" panose="020B0604020202020204" pitchFamily="34" charset="0"/>
-              <a:buChar char="•"/>
-            </a:pPr>
-            <a:r>
-              <a:rPr lang="en-US" dirty="0"/>
-              <a:t>Comparison of Bad Teeth Data from WHO and Sugar Intake Data from FAO, there is almost no correlation between sugar intake and dental health.</a:t>
-            </a:r>
-          </a:p>
-          <a:p>
-            <a:pPr marL="342900" indent="-342900">
-              <a:buFont typeface="+mj-lt"/>
-              <a:buAutoNum type="arabicPeriod"/>
-            </a:pPr>
-            <a:r>
-              <a:rPr lang="en-US" dirty="0"/>
-              <a:t> What are the top 5 purchased grocery items in the country with the highest sugar intake? For these 5 top items, what is their sugar content?</a:t>
-            </a:r>
-          </a:p>
-          <a:p>
-            <a:pPr marL="635508" lvl="1" indent="-342900">
-              <a:buFont typeface="Arial" panose="020B0604020202020204" pitchFamily="34" charset="0"/>
-              <a:buChar char="•"/>
-            </a:pPr>
-            <a:r>
-              <a:rPr lang="en-US" dirty="0"/>
-              <a:t>The American Kroger grocery store datasets had a list of groceries item purchased by 38,000+ customers.  Then we had a nutrition API  from Fat Secret to determine the sugar content.</a:t>
-            </a:r>
-          </a:p>
-          <a:p>
-            <a:pPr marL="342900" indent="-342900">
-              <a:buFont typeface="+mj-lt"/>
-              <a:buAutoNum type="arabicPeriod"/>
-            </a:pPr>
-            <a:endParaRPr lang="en-US" dirty="0"/>
-          </a:p>
-          <a:p>
-            <a:pPr marL="201168" lvl="1" indent="0">
-              <a:buNone/>
-            </a:pPr>
-            <a:endParaRPr lang="en-US" dirty="0"/>
-          </a:p>
-          <a:p>
-            <a:endParaRPr lang="en-US" dirty="0"/>
-          </a:p>
-          <a:p>
-            <a:pPr marL="342900" indent="-342900">
-              <a:buFont typeface="+mj-lt"/>
-              <a:buAutoNum type="arabicPeriod"/>
+            <a:pPr marL="0" indent="0">
+              <a:buNone/>
             </a:pPr>
             <a:endParaRPr lang="en-CA" dirty="0"/>
           </a:p>
@@ -6482,7 +7377,7 @@
     </p:spTree>
     <p:extLst>
       <p:ext uri="{BB962C8B-B14F-4D97-AF65-F5344CB8AC3E}">
-        <p14:creationId xmlns:p14="http://schemas.microsoft.com/office/powerpoint/2010/main" val="1135346001"/>
+        <p14:creationId xmlns:p14="http://schemas.microsoft.com/office/powerpoint/2010/main" val="268587227"/>
       </p:ext>
     </p:extLst>
   </p:cSld>

--- a/Effects of Sugar Consumption.pptx
+++ b/Effects of Sugar Consumption.pptx
@@ -5,7 +5,7 @@
     <p:sldMasterId id="2147483768" r:id="rId1"/>
   </p:sldMasterIdLst>
   <p:notesMasterIdLst>
-    <p:notesMasterId r:id="rId19"/>
+    <p:notesMasterId r:id="rId21"/>
   </p:notesMasterIdLst>
   <p:sldIdLst>
     <p:sldId id="256" r:id="rId2"/>
@@ -15,16 +15,18 @@
     <p:sldId id="259" r:id="rId6"/>
     <p:sldId id="260" r:id="rId7"/>
     <p:sldId id="264" r:id="rId8"/>
-    <p:sldId id="265" r:id="rId9"/>
-    <p:sldId id="268" r:id="rId10"/>
-    <p:sldId id="269" r:id="rId11"/>
-    <p:sldId id="270" r:id="rId12"/>
-    <p:sldId id="271" r:id="rId13"/>
-    <p:sldId id="272" r:id="rId14"/>
-    <p:sldId id="267" r:id="rId15"/>
-    <p:sldId id="273" r:id="rId16"/>
-    <p:sldId id="274" r:id="rId17"/>
-    <p:sldId id="275" r:id="rId18"/>
+    <p:sldId id="276" r:id="rId9"/>
+    <p:sldId id="277" r:id="rId10"/>
+    <p:sldId id="268" r:id="rId11"/>
+    <p:sldId id="279" r:id="rId12"/>
+    <p:sldId id="269" r:id="rId13"/>
+    <p:sldId id="270" r:id="rId14"/>
+    <p:sldId id="271" r:id="rId15"/>
+    <p:sldId id="272" r:id="rId16"/>
+    <p:sldId id="267" r:id="rId17"/>
+    <p:sldId id="273" r:id="rId18"/>
+    <p:sldId id="274" r:id="rId19"/>
+    <p:sldId id="275" r:id="rId20"/>
   </p:sldIdLst>
   <p:sldSz cx="12192000" cy="6858000"/>
   <p:notesSz cx="6858000" cy="9144000"/>
@@ -213,7 +215,7 @@
           <a:p>
             <a:fld id="{8F76E72E-06A3-435A-96BB-BE55484027A1}" type="datetimeFigureOut">
               <a:rPr lang="en-CA" smtClean="0"/>
-              <a:t>2020-11-10</a:t>
+              <a:t>2020-11-11</a:t>
             </a:fld>
             <a:endParaRPr lang="en-CA"/>
           </a:p>
@@ -634,7 +636,7 @@
           <a:p>
             <a:fld id="{EE596BCB-CEC5-4086-BD46-775CD732B91C}" type="slidenum">
               <a:rPr lang="en-CA" smtClean="0"/>
-              <a:t>14</a:t>
+              <a:t>16</a:t>
             </a:fld>
             <a:endParaRPr lang="en-CA"/>
           </a:p>
@@ -718,7 +720,7 @@
           <a:p>
             <a:fld id="{EE596BCB-CEC5-4086-BD46-775CD732B91C}" type="slidenum">
               <a:rPr lang="en-CA" smtClean="0"/>
-              <a:t>15</a:t>
+              <a:t>17</a:t>
             </a:fld>
             <a:endParaRPr lang="en-CA"/>
           </a:p>
@@ -802,7 +804,7 @@
           <a:p>
             <a:fld id="{EE596BCB-CEC5-4086-BD46-775CD732B91C}" type="slidenum">
               <a:rPr lang="en-CA" smtClean="0"/>
-              <a:t>16</a:t>
+              <a:t>18</a:t>
             </a:fld>
             <a:endParaRPr lang="en-CA"/>
           </a:p>
@@ -886,7 +888,7 @@
           <a:p>
             <a:fld id="{EE596BCB-CEC5-4086-BD46-775CD732B91C}" type="slidenum">
               <a:rPr lang="en-CA" smtClean="0"/>
-              <a:t>17</a:t>
+              <a:t>19</a:t>
             </a:fld>
             <a:endParaRPr lang="en-CA"/>
           </a:p>
@@ -1149,7 +1151,7 @@
           <a:p>
             <a:fld id="{9184DA70-C731-4C70-880D-CCD4705E623C}" type="datetime1">
               <a:rPr lang="en-US" smtClean="0"/>
-              <a:t>11/10/2020</a:t>
+              <a:t>11/11/2020</a:t>
             </a:fld>
             <a:endParaRPr lang="en-US" dirty="0"/>
           </a:p>
@@ -1337,7 +1339,7 @@
           <a:p>
             <a:fld id="{B612A279-0833-481D-8C56-F67FD0AC6C50}" type="datetime1">
               <a:rPr lang="en-US" smtClean="0"/>
-              <a:t>11/10/2020</a:t>
+              <a:t>11/11/2020</a:t>
             </a:fld>
             <a:endParaRPr lang="en-US" dirty="0"/>
           </a:p>
@@ -1579,7 +1581,7 @@
           <a:p>
             <a:fld id="{6587DA83-5663-4C9C-B9AA-0B40A3DAFF81}" type="datetime1">
               <a:rPr lang="en-US" smtClean="0"/>
-              <a:t>11/10/2020</a:t>
+              <a:t>11/11/2020</a:t>
             </a:fld>
             <a:endParaRPr lang="en-US" dirty="0"/>
           </a:p>
@@ -1767,7 +1769,7 @@
           <a:p>
             <a:fld id="{4BE1D723-8F53-4F53-90B0-1982A396982E}" type="datetime1">
               <a:rPr lang="en-US" smtClean="0"/>
-              <a:t>11/10/2020</a:t>
+              <a:t>11/11/2020</a:t>
             </a:fld>
             <a:endParaRPr lang="en-US" dirty="0"/>
           </a:p>
@@ -2140,7 +2142,7 @@
           <a:p>
             <a:fld id="{97669AF7-7BEB-44E4-9852-375E34362B5B}" type="datetime1">
               <a:rPr lang="en-US" smtClean="0"/>
-              <a:t>11/10/2020</a:t>
+              <a:t>11/11/2020</a:t>
             </a:fld>
             <a:endParaRPr lang="en-US" dirty="0"/>
           </a:p>
@@ -2395,7 +2397,7 @@
           <a:p>
             <a:fld id="{BAAAC38D-0552-4C82-B593-E6124DFADBE2}" type="datetime1">
               <a:rPr lang="en-US" smtClean="0"/>
-              <a:t>11/10/2020</a:t>
+              <a:t>11/11/2020</a:t>
             </a:fld>
             <a:endParaRPr lang="en-US" dirty="0"/>
           </a:p>
@@ -2792,7 +2794,7 @@
           <a:p>
             <a:fld id="{D9DF0F1C-5577-4ACB-BB62-DF8F3C494C7E}" type="datetime1">
               <a:rPr lang="en-US" smtClean="0"/>
-              <a:t>11/10/2020</a:t>
+              <a:t>11/11/2020</a:t>
             </a:fld>
             <a:endParaRPr lang="en-US" dirty="0"/>
           </a:p>
@@ -2928,7 +2930,7 @@
           <a:p>
             <a:fld id="{1775B394-D9F9-4F0C-B15D-605F45CB9E9F}" type="datetime1">
               <a:rPr lang="en-US" smtClean="0"/>
-              <a:t>11/10/2020</a:t>
+              <a:t>11/11/2020</a:t>
             </a:fld>
             <a:endParaRPr lang="en-US" dirty="0"/>
           </a:p>
@@ -3085,7 +3087,7 @@
           <a:p>
             <a:fld id="{39667345-2558-425A-8533-9BFDBCE15005}" type="datetime1">
               <a:rPr lang="en-US" smtClean="0"/>
-              <a:t>11/10/2020</a:t>
+              <a:t>11/11/2020</a:t>
             </a:fld>
             <a:endParaRPr lang="en-US" dirty="0"/>
           </a:p>
@@ -3414,7 +3416,7 @@
           <a:p>
             <a:fld id="{92BEA474-078D-4E9B-9B14-09A87B19DC46}" type="datetime1">
               <a:rPr lang="en-US" smtClean="0"/>
-              <a:t>11/10/2020</a:t>
+              <a:t>11/11/2020</a:t>
             </a:fld>
             <a:endParaRPr lang="en-US" dirty="0"/>
           </a:p>
@@ -3764,7 +3766,7 @@
           <a:p>
             <a:fld id="{4907D986-8816-4272-A432-0437A28A9828}" type="datetime1">
               <a:rPr lang="en-US" smtClean="0"/>
-              <a:t>11/10/2020</a:t>
+              <a:t>11/11/2020</a:t>
             </a:fld>
             <a:endParaRPr lang="en-US" dirty="0"/>
           </a:p>
@@ -4025,7 +4027,7 @@
           <a:p>
             <a:fld id="{62D6E202-B606-4609-B914-27C9371A1F6D}" type="datetime1">
               <a:rPr lang="en-US" smtClean="0"/>
-              <a:t>11/10/2020</a:t>
+              <a:t>11/11/2020</a:t>
             </a:fld>
             <a:endParaRPr lang="en-US" dirty="0"/>
           </a:p>
@@ -4901,6 +4903,14 @@
 <file path=ppt/slides/slide10.xml><?xml version="1.0" encoding="utf-8"?>
 <p:sld xmlns:a="http://schemas.openxmlformats.org/drawingml/2006/main" xmlns:r="http://schemas.openxmlformats.org/officeDocument/2006/relationships" xmlns:p="http://schemas.openxmlformats.org/presentationml/2006/main">
   <p:cSld>
+    <p:bg>
+      <p:bgPr>
+        <a:solidFill>
+          <a:schemeClr val="bg1"/>
+        </a:solidFill>
+        <a:effectLst/>
+      </p:bgPr>
+    </p:bg>
     <p:spTree>
       <p:nvGrpSpPr>
         <p:cNvPr id="1" name=""/>
@@ -4915,6 +4925,121 @@
           <a:chExt cx="0" cy="0"/>
         </a:xfrm>
       </p:grpSpPr>
+      <p:sp useBgFill="1">
+        <p:nvSpPr>
+          <p:cNvPr id="41" name="Rectangle 40">
+            <a:extLst>
+              <a:ext uri="{FF2B5EF4-FFF2-40B4-BE49-F238E27FC236}">
+                <a16:creationId xmlns:a16="http://schemas.microsoft.com/office/drawing/2014/main" id="{0AB6E427-3F73-4C06-A5D5-AE52C3883B50}"/>
+              </a:ext>
+              <a:ext uri="{C183D7F6-B498-43B3-948B-1728B52AA6E4}">
+                <adec:decorative xmlns:adec="http://schemas.microsoft.com/office/drawing/2017/decorative" val="1"/>
+              </a:ext>
+            </a:extLst>
+          </p:cNvPr>
+          <p:cNvSpPr>
+            <a:spLocks noGrp="1" noRot="1" noChangeAspect="1" noMove="1" noResize="1" noEditPoints="1" noAdjustHandles="1" noChangeArrowheads="1" noChangeShapeType="1" noTextEdit="1"/>
+          </p:cNvSpPr>
+          <p:nvPr>
+            <p:extLst>
+              <p:ext uri="{386F3935-93C4-4BCD-93E2-E3B085C9AB24}">
+                <p16:designElem xmlns:p16="http://schemas.microsoft.com/office/powerpoint/2015/main" val="1"/>
+              </p:ext>
+            </p:extLst>
+          </p:nvPr>
+        </p:nvSpPr>
+        <p:spPr>
+          <a:xfrm>
+            <a:off x="5685" y="0"/>
+            <a:ext cx="12186315" cy="6858000"/>
+          </a:xfrm>
+          <a:prstGeom prst="rect">
+            <a:avLst/>
+          </a:prstGeom>
+          <a:ln>
+            <a:noFill/>
+          </a:ln>
+        </p:spPr>
+        <p:style>
+          <a:lnRef idx="2">
+            <a:schemeClr val="accent6">
+              <a:shade val="50000"/>
+            </a:schemeClr>
+          </a:lnRef>
+          <a:fillRef idx="1001">
+            <a:schemeClr val="lt1"/>
+          </a:fillRef>
+          <a:effectRef idx="0">
+            <a:schemeClr val="accent6"/>
+          </a:effectRef>
+          <a:fontRef idx="minor">
+            <a:schemeClr val="lt1"/>
+          </a:fontRef>
+        </p:style>
+        <p:txBody>
+          <a:bodyPr rtlCol="0" anchor="ctr"/>
+          <a:lstStyle/>
+          <a:p>
+            <a:pPr algn="ctr"/>
+            <a:endParaRPr lang="en-US"/>
+          </a:p>
+        </p:txBody>
+      </p:sp>
+      <p:sp>
+        <p:nvSpPr>
+          <p:cNvPr id="43" name="Rectangle 42">
+            <a:extLst>
+              <a:ext uri="{FF2B5EF4-FFF2-40B4-BE49-F238E27FC236}">
+                <a16:creationId xmlns:a16="http://schemas.microsoft.com/office/drawing/2014/main" id="{D8C9BDAA-0390-4B39-9B5C-BC95E5120DA4}"/>
+              </a:ext>
+              <a:ext uri="{C183D7F6-B498-43B3-948B-1728B52AA6E4}">
+                <adec:decorative xmlns:adec="http://schemas.microsoft.com/office/drawing/2017/decorative" val="1"/>
+              </a:ext>
+            </a:extLst>
+          </p:cNvPr>
+          <p:cNvSpPr>
+            <a:spLocks noGrp="1" noRot="1" noChangeAspect="1" noMove="1" noResize="1" noEditPoints="1" noAdjustHandles="1" noChangeArrowheads="1" noChangeShapeType="1" noTextEdit="1"/>
+          </p:cNvSpPr>
+          <p:nvPr>
+            <p:extLst>
+              <p:ext uri="{386F3935-93C4-4BCD-93E2-E3B085C9AB24}">
+                <p16:designElem xmlns:p16="http://schemas.microsoft.com/office/powerpoint/2015/main" val="1"/>
+              </p:ext>
+            </p:extLst>
+          </p:nvPr>
+        </p:nvSpPr>
+        <p:spPr>
+          <a:xfrm>
+            <a:off x="16" y="0"/>
+            <a:ext cx="4059919" cy="6858000"/>
+          </a:xfrm>
+          <a:prstGeom prst="rect">
+            <a:avLst/>
+          </a:prstGeom>
+          <a:solidFill>
+            <a:srgbClr val="262626"/>
+          </a:solidFill>
+          <a:ln>
+            <a:noFill/>
+          </a:ln>
+        </p:spPr>
+        <p:style>
+          <a:lnRef idx="2">
+            <a:schemeClr val="accent1">
+              <a:shade val="50000"/>
+            </a:schemeClr>
+          </a:lnRef>
+          <a:fillRef idx="1">
+            <a:schemeClr val="accent1"/>
+          </a:fillRef>
+          <a:effectRef idx="0">
+            <a:schemeClr val="accent1"/>
+          </a:effectRef>
+          <a:fontRef idx="minor">
+            <a:schemeClr val="lt1"/>
+          </a:fontRef>
+        </p:style>
+      </p:sp>
       <p:sp>
         <p:nvSpPr>
           <p:cNvPr id="2" name="Title 1">
@@ -4931,80 +5056,178 @@
             <p:ph type="title"/>
           </p:nvPr>
         </p:nvSpPr>
-        <p:spPr/>
-        <p:txBody>
-          <a:bodyPr/>
-          <a:lstStyle/>
-          <a:p>
-            <a:r>
-              <a:rPr lang="en-US" dirty="0"/>
-              <a:t>DATA ANALYSIS - 3</a:t>
-            </a:r>
-            <a:endParaRPr lang="en-CA" dirty="0"/>
-          </a:p>
-        </p:txBody>
-      </p:sp>
-      <p:sp>
-        <p:nvSpPr>
-          <p:cNvPr id="3" name="Content Placeholder 2">
-            <a:extLst>
-              <a:ext uri="{FF2B5EF4-FFF2-40B4-BE49-F238E27FC236}">
-                <a16:creationId xmlns:a16="http://schemas.microsoft.com/office/drawing/2014/main" id="{C990EB9B-20EF-41D2-BF3A-03ED63507C68}"/>
-              </a:ext>
-            </a:extLst>
-          </p:cNvPr>
-          <p:cNvSpPr>
-            <a:spLocks noGrp="1"/>
-          </p:cNvSpPr>
-          <p:nvPr>
-            <p:ph idx="1"/>
-          </p:nvPr>
-        </p:nvSpPr>
-        <p:spPr/>
+        <p:spPr>
+          <a:xfrm>
+            <a:off x="492370" y="516836"/>
+            <a:ext cx="3084844" cy="1961086"/>
+          </a:xfrm>
+        </p:spPr>
         <p:txBody>
           <a:bodyPr>
             <a:normAutofit/>
           </a:bodyPr>
           <a:lstStyle/>
           <a:p>
+            <a:r>
+              <a:rPr lang="en-US" sz="4000">
+                <a:solidFill>
+                  <a:srgbClr val="FFFFFF"/>
+                </a:solidFill>
+              </a:rPr>
+              <a:t>DATA ANALYSIS - 2</a:t>
+            </a:r>
+            <a:endParaRPr lang="en-CA" sz="4000">
+              <a:solidFill>
+                <a:srgbClr val="FFFFFF"/>
+              </a:solidFill>
+            </a:endParaRPr>
+          </a:p>
+        </p:txBody>
+      </p:sp>
+      <p:cxnSp>
+        <p:nvCxnSpPr>
+          <p:cNvPr id="45" name="Straight Connector 44">
+            <a:extLst>
+              <a:ext uri="{FF2B5EF4-FFF2-40B4-BE49-F238E27FC236}">
+                <a16:creationId xmlns:a16="http://schemas.microsoft.com/office/drawing/2014/main" id="{E04A321A-A039-4720-87B4-66A4210E0D57}"/>
+              </a:ext>
+              <a:ext uri="{C183D7F6-B498-43B3-948B-1728B52AA6E4}">
+                <adec:decorative xmlns:adec="http://schemas.microsoft.com/office/drawing/2017/decorative" val="1"/>
+              </a:ext>
+            </a:extLst>
+          </p:cNvPr>
+          <p:cNvCxnSpPr>
+            <a:cxnSpLocks noGrp="1" noRot="1" noChangeAspect="1" noMove="1" noResize="1" noEditPoints="1" noAdjustHandles="1" noChangeArrowheads="1" noChangeShapeType="1"/>
+          </p:cNvCxnSpPr>
+          <p:nvPr>
+            <p:extLst>
+              <p:ext uri="{386F3935-93C4-4BCD-93E2-E3B085C9AB24}">
+                <p16:designElem xmlns:p16="http://schemas.microsoft.com/office/powerpoint/2015/main" val="1"/>
+              </p:ext>
+            </p:extLst>
+          </p:nvPr>
+        </p:nvCxnSpPr>
+        <p:spPr>
+          <a:xfrm>
+            <a:off x="571752" y="2638787"/>
+            <a:ext cx="2743200" cy="0"/>
+          </a:xfrm>
+          <a:prstGeom prst="line">
+            <a:avLst/>
+          </a:prstGeom>
+          <a:ln w="19050">
+            <a:solidFill>
+              <a:schemeClr val="accent1"/>
+            </a:solidFill>
+          </a:ln>
+        </p:spPr>
+        <p:style>
+          <a:lnRef idx="1">
+            <a:schemeClr val="accent1"/>
+          </a:lnRef>
+          <a:fillRef idx="0">
+            <a:schemeClr val="accent1"/>
+          </a:fillRef>
+          <a:effectRef idx="0">
+            <a:schemeClr val="accent1"/>
+          </a:effectRef>
+          <a:fontRef idx="minor">
+            <a:schemeClr val="tx1"/>
+          </a:fontRef>
+        </p:style>
+      </p:cxnSp>
+      <p:sp>
+        <p:nvSpPr>
+          <p:cNvPr id="3" name="Content Placeholder 2">
+            <a:extLst>
+              <a:ext uri="{FF2B5EF4-FFF2-40B4-BE49-F238E27FC236}">
+                <a16:creationId xmlns:a16="http://schemas.microsoft.com/office/drawing/2014/main" id="{C990EB9B-20EF-41D2-BF3A-03ED63507C68}"/>
+              </a:ext>
+            </a:extLst>
+          </p:cNvPr>
+          <p:cNvSpPr>
+            <a:spLocks noGrp="1"/>
+          </p:cNvSpPr>
+          <p:nvPr>
+            <p:ph idx="1"/>
+          </p:nvPr>
+        </p:nvSpPr>
+        <p:spPr>
+          <a:xfrm>
+            <a:off x="571752" y="2799654"/>
+            <a:ext cx="3005462" cy="3189665"/>
+          </a:xfrm>
+        </p:spPr>
+        <p:txBody>
+          <a:bodyPr>
+            <a:normAutofit/>
+          </a:bodyPr>
+          <a:lstStyle/>
+          <a:p>
             <a:pPr marL="0" indent="0">
               <a:buNone/>
             </a:pPr>
             <a:r>
-              <a:rPr lang="en-US" dirty="0"/>
-              <a:t>What is the correlation between income and sugar intake?</a:t>
-            </a:r>
-          </a:p>
-          <a:p>
-            <a:pPr marL="635508" lvl="1" indent="-342900">
-              <a:buFont typeface="Arial" panose="020B0604020202020204" pitchFamily="34" charset="0"/>
-              <a:buChar char="•"/>
-            </a:pPr>
-            <a:r>
-              <a:rPr lang="en-US" dirty="0"/>
-              <a:t>Comparison of the Income Dataset from </a:t>
-            </a:r>
-            <a:r>
-              <a:rPr lang="en-US" dirty="0" err="1"/>
-              <a:t>Worldbank</a:t>
-            </a:r>
-            <a:r>
-              <a:rPr lang="en-US" dirty="0"/>
-              <a:t> and Sugar Intake Data from FAO show that countries with lower income has higher sugar intake.</a:t>
+              <a:rPr lang="en-US">
+                <a:solidFill>
+                  <a:srgbClr val="FFFFFF"/>
+                </a:solidFill>
+              </a:rPr>
+              <a:t>How has the average sugar intake changed over time?</a:t>
             </a:r>
           </a:p>
           <a:p>
             <a:pPr marL="0" indent="0">
               <a:buNone/>
             </a:pPr>
-            <a:endParaRPr lang="en-CA" dirty="0"/>
-          </a:p>
-        </p:txBody>
-      </p:sp>
+            <a:endParaRPr lang="en-CA">
+              <a:solidFill>
+                <a:srgbClr val="FFFFFF"/>
+              </a:solidFill>
+            </a:endParaRPr>
+          </a:p>
+        </p:txBody>
+      </p:sp>
+      <p:pic>
+        <p:nvPicPr>
+          <p:cNvPr id="9" name="Picture 8" descr="Chart, line chart&#10;&#10;Description automatically generated">
+            <a:extLst>
+              <a:ext uri="{FF2B5EF4-FFF2-40B4-BE49-F238E27FC236}">
+                <a16:creationId xmlns:a16="http://schemas.microsoft.com/office/drawing/2014/main" id="{F1C01EE7-481C-407B-9B3A-05DA5D5D66BA}"/>
+              </a:ext>
+            </a:extLst>
+          </p:cNvPr>
+          <p:cNvPicPr>
+            <a:picLocks noChangeAspect="1"/>
+          </p:cNvPicPr>
+          <p:nvPr/>
+        </p:nvPicPr>
+        <p:blipFill>
+          <a:blip r:embed="rId2">
+            <a:extLst>
+              <a:ext uri="{28A0092B-C50C-407E-A947-70E740481C1C}">
+                <a14:useLocalDpi xmlns:a14="http://schemas.microsoft.com/office/drawing/2010/main" val="0"/>
+              </a:ext>
+            </a:extLst>
+          </a:blip>
+          <a:stretch>
+            <a:fillRect/>
+          </a:stretch>
+        </p:blipFill>
+        <p:spPr>
+          <a:xfrm>
+            <a:off x="4742017" y="1576523"/>
+            <a:ext cx="6798082" cy="3704954"/>
+          </a:xfrm>
+          <a:prstGeom prst="rect">
+            <a:avLst/>
+          </a:prstGeom>
+        </p:spPr>
+      </p:pic>
     </p:spTree>
     <p:extLst>
       <p:ext uri="{BB962C8B-B14F-4D97-AF65-F5344CB8AC3E}">
-        <p14:creationId xmlns:p14="http://schemas.microsoft.com/office/powerpoint/2010/main" val="542239908"/>
+        <p14:creationId xmlns:p14="http://schemas.microsoft.com/office/powerpoint/2010/main" val="268587227"/>
       </p:ext>
     </p:extLst>
   </p:cSld>
@@ -5017,6 +5240,14 @@
 <file path=ppt/slides/slide11.xml><?xml version="1.0" encoding="utf-8"?>
 <p:sld xmlns:a="http://schemas.openxmlformats.org/drawingml/2006/main" xmlns:r="http://schemas.openxmlformats.org/officeDocument/2006/relationships" xmlns:p="http://schemas.openxmlformats.org/presentationml/2006/main">
   <p:cSld>
+    <p:bg>
+      <p:bgPr>
+        <a:solidFill>
+          <a:schemeClr val="bg1"/>
+        </a:solidFill>
+        <a:effectLst/>
+      </p:bgPr>
+    </p:bg>
     <p:spTree>
       <p:nvGrpSpPr>
         <p:cNvPr id="1" name=""/>
@@ -5033,6 +5264,182 @@
       </p:grpSpPr>
       <p:sp>
         <p:nvSpPr>
+          <p:cNvPr id="87" name="Rectangle 86">
+            <a:extLst>
+              <a:ext uri="{FF2B5EF4-FFF2-40B4-BE49-F238E27FC236}">
+                <a16:creationId xmlns:a16="http://schemas.microsoft.com/office/drawing/2014/main" id="{39E3965E-AC41-4711-9D10-E25ABB132D86}"/>
+              </a:ext>
+              <a:ext uri="{C183D7F6-B498-43B3-948B-1728B52AA6E4}">
+                <adec:decorative xmlns:adec="http://schemas.microsoft.com/office/drawing/2017/decorative" val="1"/>
+              </a:ext>
+            </a:extLst>
+          </p:cNvPr>
+          <p:cNvSpPr>
+            <a:spLocks noGrp="1" noRot="1" noChangeAspect="1" noMove="1" noResize="1" noEditPoints="1" noAdjustHandles="1" noChangeArrowheads="1" noChangeShapeType="1" noTextEdit="1"/>
+          </p:cNvSpPr>
+          <p:nvPr>
+            <p:extLst>
+              <p:ext uri="{386F3935-93C4-4BCD-93E2-E3B085C9AB24}">
+                <p16:designElem xmlns:p16="http://schemas.microsoft.com/office/powerpoint/2015/main" val="1"/>
+              </p:ext>
+            </p:extLst>
+          </p:nvPr>
+        </p:nvSpPr>
+        <p:spPr>
+          <a:xfrm>
+            <a:off x="3175" y="6400800"/>
+            <a:ext cx="12188825" cy="457200"/>
+          </a:xfrm>
+          <a:prstGeom prst="rect">
+            <a:avLst/>
+          </a:prstGeom>
+          <a:solidFill>
+            <a:srgbClr val="262626"/>
+          </a:solidFill>
+          <a:ln>
+            <a:noFill/>
+          </a:ln>
+        </p:spPr>
+        <p:style>
+          <a:lnRef idx="2">
+            <a:schemeClr val="accent1">
+              <a:shade val="50000"/>
+            </a:schemeClr>
+          </a:lnRef>
+          <a:fillRef idx="1">
+            <a:schemeClr val="accent1"/>
+          </a:fillRef>
+          <a:effectRef idx="0">
+            <a:schemeClr val="accent1"/>
+          </a:effectRef>
+          <a:fontRef idx="minor">
+            <a:schemeClr val="lt1"/>
+          </a:fontRef>
+        </p:style>
+      </p:sp>
+      <p:cxnSp>
+        <p:nvCxnSpPr>
+          <p:cNvPr id="89" name="Straight Connector 88">
+            <a:extLst>
+              <a:ext uri="{FF2B5EF4-FFF2-40B4-BE49-F238E27FC236}">
+                <a16:creationId xmlns:a16="http://schemas.microsoft.com/office/drawing/2014/main" id="{1F5DC8C3-BA5F-4EED-BB9A-A14272BD82A1}"/>
+              </a:ext>
+              <a:ext uri="{C183D7F6-B498-43B3-948B-1728B52AA6E4}">
+                <adec:decorative xmlns:adec="http://schemas.microsoft.com/office/drawing/2017/decorative" val="1"/>
+              </a:ext>
+            </a:extLst>
+          </p:cNvPr>
+          <p:cNvCxnSpPr>
+            <a:cxnSpLocks noGrp="1" noRot="1" noChangeAspect="1" noMove="1" noResize="1" noEditPoints="1" noAdjustHandles="1" noChangeArrowheads="1" noChangeShapeType="1"/>
+          </p:cNvCxnSpPr>
+          <p:nvPr>
+            <p:extLst>
+              <p:ext uri="{386F3935-93C4-4BCD-93E2-E3B085C9AB24}">
+                <p16:designElem xmlns:p16="http://schemas.microsoft.com/office/powerpoint/2015/main" val="1"/>
+              </p:ext>
+            </p:extLst>
+          </p:nvPr>
+        </p:nvCxnSpPr>
+        <p:spPr>
+          <a:xfrm>
+            <a:off x="1207658" y="4474741"/>
+            <a:ext cx="9875520" cy="0"/>
+          </a:xfrm>
+          <a:prstGeom prst="line">
+            <a:avLst/>
+          </a:prstGeom>
+          <a:ln w="12700">
+            <a:solidFill>
+              <a:schemeClr val="tx1">
+                <a:lumMod val="75000"/>
+                <a:lumOff val="25000"/>
+              </a:schemeClr>
+            </a:solidFill>
+          </a:ln>
+        </p:spPr>
+        <p:style>
+          <a:lnRef idx="1">
+            <a:schemeClr val="accent1"/>
+          </a:lnRef>
+          <a:fillRef idx="0">
+            <a:schemeClr val="accent1"/>
+          </a:fillRef>
+          <a:effectRef idx="0">
+            <a:schemeClr val="accent1"/>
+          </a:effectRef>
+          <a:fontRef idx="minor">
+            <a:schemeClr val="tx1"/>
+          </a:fontRef>
+        </p:style>
+      </p:cxnSp>
+      <p:sp>
+        <p:nvSpPr>
+          <p:cNvPr id="91" name="Rectangle 90">
+            <a:extLst>
+              <a:ext uri="{FF2B5EF4-FFF2-40B4-BE49-F238E27FC236}">
+                <a16:creationId xmlns:a16="http://schemas.microsoft.com/office/drawing/2014/main" id="{7472B899-9BAA-4120-ABDF-C37ED56BD1F2}"/>
+              </a:ext>
+              <a:ext uri="{C183D7F6-B498-43B3-948B-1728B52AA6E4}">
+                <adec:decorative xmlns:adec="http://schemas.microsoft.com/office/drawing/2017/decorative" val="1"/>
+              </a:ext>
+            </a:extLst>
+          </p:cNvPr>
+          <p:cNvSpPr>
+            <a:spLocks noGrp="1" noRot="1" noChangeAspect="1" noMove="1" noResize="1" noEditPoints="1" noAdjustHandles="1" noChangeArrowheads="1" noChangeShapeType="1" noTextEdit="1"/>
+          </p:cNvSpPr>
+          <p:nvPr>
+            <p:extLst>
+              <p:ext uri="{386F3935-93C4-4BCD-93E2-E3B085C9AB24}">
+                <p16:designElem xmlns:p16="http://schemas.microsoft.com/office/powerpoint/2015/main" val="1"/>
+              </p:ext>
+            </p:extLst>
+          </p:nvPr>
+        </p:nvSpPr>
+        <p:spPr>
+          <a:xfrm>
+            <a:off x="0" y="0"/>
+            <a:ext cx="12192001" cy="6858000"/>
+          </a:xfrm>
+          <a:prstGeom prst="rect">
+            <a:avLst/>
+          </a:prstGeom>
+          <a:solidFill>
+            <a:schemeClr val="bg1">
+              <a:lumMod val="85000"/>
+              <a:lumOff val="15000"/>
+            </a:schemeClr>
+          </a:solidFill>
+          <a:ln>
+            <a:noFill/>
+          </a:ln>
+        </p:spPr>
+        <p:style>
+          <a:lnRef idx="2">
+            <a:schemeClr val="accent1">
+              <a:shade val="50000"/>
+            </a:schemeClr>
+          </a:lnRef>
+          <a:fillRef idx="1">
+            <a:schemeClr val="accent1"/>
+          </a:fillRef>
+          <a:effectRef idx="0">
+            <a:schemeClr val="accent1"/>
+          </a:effectRef>
+          <a:fontRef idx="minor">
+            <a:schemeClr val="lt1"/>
+          </a:fontRef>
+        </p:style>
+        <p:txBody>
+          <a:bodyPr rtlCol="0" anchor="ctr"/>
+          <a:lstStyle/>
+          <a:p>
+            <a:pPr algn="ctr"/>
+            <a:endParaRPr lang="en-US"/>
+          </a:p>
+        </p:txBody>
+      </p:sp>
+      <p:sp>
+        <p:nvSpPr>
           <p:cNvPr id="2" name="Title 1">
             <a:extLst>
               <a:ext uri="{FF2B5EF4-FFF2-40B4-BE49-F238E27FC236}">
@@ -5047,77 +5454,219 @@
             <p:ph type="title"/>
           </p:nvPr>
         </p:nvSpPr>
-        <p:spPr/>
-        <p:txBody>
-          <a:bodyPr/>
-          <a:lstStyle/>
-          <a:p>
-            <a:r>
-              <a:rPr lang="en-US" dirty="0"/>
-              <a:t>DATA ANALYSIS - 4</a:t>
-            </a:r>
-            <a:endParaRPr lang="en-CA" dirty="0"/>
-          </a:p>
-        </p:txBody>
-      </p:sp>
-      <p:sp>
-        <p:nvSpPr>
-          <p:cNvPr id="3" name="Content Placeholder 2">
-            <a:extLst>
-              <a:ext uri="{FF2B5EF4-FFF2-40B4-BE49-F238E27FC236}">
-                <a16:creationId xmlns:a16="http://schemas.microsoft.com/office/drawing/2014/main" id="{C990EB9B-20EF-41D2-BF3A-03ED63507C68}"/>
-              </a:ext>
-            </a:extLst>
-          </p:cNvPr>
-          <p:cNvSpPr>
-            <a:spLocks noGrp="1"/>
-          </p:cNvSpPr>
-          <p:nvPr>
-            <p:ph idx="1"/>
-          </p:nvPr>
-        </p:nvSpPr>
-        <p:spPr/>
-        <p:txBody>
-          <a:bodyPr>
+        <p:spPr>
+          <a:xfrm>
+            <a:off x="484814" y="640081"/>
+            <a:ext cx="3659246" cy="2566652"/>
+          </a:xfrm>
+        </p:spPr>
+        <p:txBody>
+          <a:bodyPr vert="horz" lIns="91440" tIns="45720" rIns="91440" bIns="45720" rtlCol="0" anchor="b">
             <a:normAutofit/>
           </a:bodyPr>
           <a:lstStyle/>
           <a:p>
+            <a:r>
+              <a:rPr lang="en-US" sz="4600">
+                <a:solidFill>
+                  <a:schemeClr val="tx1"/>
+                </a:solidFill>
+              </a:rPr>
+              <a:t>DATA ANALYSIS – 2</a:t>
+            </a:r>
+            <a:br>
+              <a:rPr lang="en-US" sz="4600">
+                <a:solidFill>
+                  <a:schemeClr val="tx1"/>
+                </a:solidFill>
+              </a:rPr>
+            </a:br>
+            <a:endParaRPr lang="en-US" sz="4600">
+              <a:solidFill>
+                <a:schemeClr val="tx1"/>
+              </a:solidFill>
+            </a:endParaRPr>
+          </a:p>
+        </p:txBody>
+      </p:sp>
+      <p:sp>
+        <p:nvSpPr>
+          <p:cNvPr id="3" name="Content Placeholder 2">
+            <a:extLst>
+              <a:ext uri="{FF2B5EF4-FFF2-40B4-BE49-F238E27FC236}">
+                <a16:creationId xmlns:a16="http://schemas.microsoft.com/office/drawing/2014/main" id="{C990EB9B-20EF-41D2-BF3A-03ED63507C68}"/>
+              </a:ext>
+            </a:extLst>
+          </p:cNvPr>
+          <p:cNvSpPr>
+            <a:spLocks noGrp="1"/>
+          </p:cNvSpPr>
+          <p:nvPr>
+            <p:ph idx="1"/>
+          </p:nvPr>
+        </p:nvSpPr>
+        <p:spPr>
+          <a:xfrm>
+            <a:off x="484814" y="3651268"/>
+            <a:ext cx="3659246" cy="2510689"/>
+          </a:xfrm>
+        </p:spPr>
+        <p:txBody>
+          <a:bodyPr vert="horz" lIns="91440" tIns="45720" rIns="91440" bIns="45720" rtlCol="0">
+            <a:normAutofit/>
+          </a:bodyPr>
+          <a:lstStyle/>
+          <a:p>
             <a:pPr marL="0" indent="0">
+              <a:lnSpc>
+                <a:spcPct val="100000"/>
+              </a:lnSpc>
               <a:buNone/>
             </a:pPr>
             <a:r>
-              <a:rPr lang="en-US" dirty="0"/>
-              <a:t>Is there a correlation between processed sugar and obesity? </a:t>
-            </a:r>
-          </a:p>
-          <a:p>
-            <a:pPr marL="635508" lvl="1" indent="-342900">
-              <a:buFont typeface="Arial" panose="020B0604020202020204" pitchFamily="34" charset="0"/>
-              <a:buChar char="•"/>
-            </a:pPr>
-            <a:r>
-              <a:rPr lang="en-US" dirty="0"/>
-              <a:t>Comparison of Obesity data from WHO and Sugar Intake Data from FAO show that countries with lower income has higher sugar intake.</a:t>
-            </a:r>
-          </a:p>
-          <a:p>
-            <a:pPr marL="0" indent="0">
-              <a:buNone/>
-            </a:pPr>
-            <a:endParaRPr lang="en-CA" dirty="0"/>
-          </a:p>
-        </p:txBody>
-      </p:sp>
+              <a:rPr lang="en-US" cap="all" spc="200">
+                <a:solidFill>
+                  <a:schemeClr val="tx1"/>
+                </a:solidFill>
+              </a:rPr>
+              <a:t>How does Canada fare against the other countries?</a:t>
+            </a:r>
+          </a:p>
+        </p:txBody>
+      </p:sp>
+      <p:cxnSp>
+        <p:nvCxnSpPr>
+          <p:cNvPr id="93" name="Straight Connector 92">
+            <a:extLst>
+              <a:ext uri="{FF2B5EF4-FFF2-40B4-BE49-F238E27FC236}">
+                <a16:creationId xmlns:a16="http://schemas.microsoft.com/office/drawing/2014/main" id="{B9EB6DAA-2F0C-43D5-A577-15D5D2C4E3F5}"/>
+              </a:ext>
+              <a:ext uri="{C183D7F6-B498-43B3-948B-1728B52AA6E4}">
+                <adec:decorative xmlns:adec="http://schemas.microsoft.com/office/drawing/2017/decorative" val="1"/>
+              </a:ext>
+            </a:extLst>
+          </p:cNvPr>
+          <p:cNvCxnSpPr>
+            <a:cxnSpLocks noGrp="1" noRot="1" noChangeAspect="1" noMove="1" noResize="1" noEditPoints="1" noAdjustHandles="1" noChangeArrowheads="1" noChangeShapeType="1"/>
+          </p:cNvCxnSpPr>
+          <p:nvPr>
+            <p:extLst>
+              <p:ext uri="{386F3935-93C4-4BCD-93E2-E3B085C9AB24}">
+                <p16:designElem xmlns:p16="http://schemas.microsoft.com/office/powerpoint/2015/main" val="1"/>
+              </p:ext>
+            </p:extLst>
+          </p:nvPr>
+        </p:nvCxnSpPr>
+        <p:spPr>
+          <a:xfrm>
+            <a:off x="622797" y="3429000"/>
+            <a:ext cx="3383280" cy="0"/>
+          </a:xfrm>
+          <a:prstGeom prst="line">
+            <a:avLst/>
+          </a:prstGeom>
+          <a:ln w="19050">
+            <a:solidFill>
+              <a:schemeClr val="accent1"/>
+            </a:solidFill>
+          </a:ln>
+        </p:spPr>
+        <p:style>
+          <a:lnRef idx="1">
+            <a:schemeClr val="accent1"/>
+          </a:lnRef>
+          <a:fillRef idx="0">
+            <a:schemeClr val="accent1"/>
+          </a:fillRef>
+          <a:effectRef idx="0">
+            <a:schemeClr val="accent1"/>
+          </a:effectRef>
+          <a:fontRef idx="minor">
+            <a:schemeClr val="tx1"/>
+          </a:fontRef>
+        </p:style>
+      </p:cxnSp>
+      <p:pic>
+        <p:nvPicPr>
+          <p:cNvPr id="11" name="Picture 10" descr="Chart, line chart&#10;&#10;Description automatically generated">
+            <a:extLst>
+              <a:ext uri="{FF2B5EF4-FFF2-40B4-BE49-F238E27FC236}">
+                <a16:creationId xmlns:a16="http://schemas.microsoft.com/office/drawing/2014/main" id="{B96F6F03-0085-43D6-92DF-42691AC3C1DA}"/>
+              </a:ext>
+            </a:extLst>
+          </p:cNvPr>
+          <p:cNvPicPr>
+            <a:picLocks noChangeAspect="1"/>
+          </p:cNvPicPr>
+          <p:nvPr/>
+        </p:nvPicPr>
+        <p:blipFill>
+          <a:blip r:embed="rId2">
+            <a:extLst>
+              <a:ext uri="{28A0092B-C50C-407E-A947-70E740481C1C}">
+                <a14:useLocalDpi xmlns:a14="http://schemas.microsoft.com/office/drawing/2010/main" val="0"/>
+              </a:ext>
+            </a:extLst>
+          </a:blip>
+          <a:stretch>
+            <a:fillRect/>
+          </a:stretch>
+        </p:blipFill>
+        <p:spPr>
+          <a:xfrm>
+            <a:off x="4769960" y="-1"/>
+            <a:ext cx="7422039" cy="3353865"/>
+          </a:xfrm>
+          <a:prstGeom prst="rect">
+            <a:avLst/>
+          </a:prstGeom>
+        </p:spPr>
+      </p:pic>
+      <p:pic>
+        <p:nvPicPr>
+          <p:cNvPr id="32" name="Picture 31" descr="Chart, line chart&#10;&#10;Description automatically generated">
+            <a:extLst>
+              <a:ext uri="{FF2B5EF4-FFF2-40B4-BE49-F238E27FC236}">
+                <a16:creationId xmlns:a16="http://schemas.microsoft.com/office/drawing/2014/main" id="{B022EEF1-E13B-4ABD-83A0-9472B1C842F4}"/>
+              </a:ext>
+            </a:extLst>
+          </p:cNvPr>
+          <p:cNvPicPr>
+            <a:picLocks noChangeAspect="1"/>
+          </p:cNvPicPr>
+          <p:nvPr/>
+        </p:nvPicPr>
+        <p:blipFill>
+          <a:blip r:embed="rId3">
+            <a:extLst>
+              <a:ext uri="{28A0092B-C50C-407E-A947-70E740481C1C}">
+                <a14:useLocalDpi xmlns:a14="http://schemas.microsoft.com/office/drawing/2010/main" val="0"/>
+              </a:ext>
+            </a:extLst>
+          </a:blip>
+          <a:stretch>
+            <a:fillRect/>
+          </a:stretch>
+        </p:blipFill>
+        <p:spPr>
+          <a:xfrm>
+            <a:off x="4766857" y="3353864"/>
+            <a:ext cx="7421968" cy="3504136"/>
+          </a:xfrm>
+          <a:prstGeom prst="rect">
+            <a:avLst/>
+          </a:prstGeom>
+        </p:spPr>
+      </p:pic>
     </p:spTree>
     <p:extLst>
       <p:ext uri="{BB962C8B-B14F-4D97-AF65-F5344CB8AC3E}">
-        <p14:creationId xmlns:p14="http://schemas.microsoft.com/office/powerpoint/2010/main" val="454901871"/>
+        <p14:creationId xmlns:p14="http://schemas.microsoft.com/office/powerpoint/2010/main" val="1865205129"/>
       </p:ext>
     </p:extLst>
   </p:cSld>
   <p:clrMapOvr>
-    <a:masterClrMapping/>
+    <a:overrideClrMapping bg1="dk1" tx1="lt1" bg2="dk2" tx2="lt2" accent1="accent1" accent2="accent2" accent3="accent3" accent4="accent4" accent5="accent5" accent6="accent6" hlink="hlink" folHlink="folHlink"/>
   </p:clrMapOvr>
 </p:sld>
 </file>
@@ -5125,6 +5674,14 @@
 <file path=ppt/slides/slide12.xml><?xml version="1.0" encoding="utf-8"?>
 <p:sld xmlns:a="http://schemas.openxmlformats.org/drawingml/2006/main" xmlns:r="http://schemas.openxmlformats.org/officeDocument/2006/relationships" xmlns:p="http://schemas.openxmlformats.org/presentationml/2006/main">
   <p:cSld>
+    <p:bg>
+      <p:bgPr>
+        <a:solidFill>
+          <a:schemeClr val="bg1"/>
+        </a:solidFill>
+        <a:effectLst/>
+      </p:bgPr>
+    </p:bg>
     <p:spTree>
       <p:nvGrpSpPr>
         <p:cNvPr id="1" name=""/>
@@ -5139,6 +5696,121 @@
           <a:chExt cx="0" cy="0"/>
         </a:xfrm>
       </p:grpSpPr>
+      <p:sp useBgFill="1">
+        <p:nvSpPr>
+          <p:cNvPr id="8" name="Rectangle 7">
+            <a:extLst>
+              <a:ext uri="{FF2B5EF4-FFF2-40B4-BE49-F238E27FC236}">
+                <a16:creationId xmlns:a16="http://schemas.microsoft.com/office/drawing/2014/main" id="{3741B58E-3B65-4A01-A276-975AB2CF8A08}"/>
+              </a:ext>
+              <a:ext uri="{C183D7F6-B498-43B3-948B-1728B52AA6E4}">
+                <adec:decorative xmlns:adec="http://schemas.microsoft.com/office/drawing/2017/decorative" val="1"/>
+              </a:ext>
+            </a:extLst>
+          </p:cNvPr>
+          <p:cNvSpPr>
+            <a:spLocks noGrp="1" noRot="1" noChangeAspect="1" noMove="1" noResize="1" noEditPoints="1" noAdjustHandles="1" noChangeArrowheads="1" noChangeShapeType="1" noTextEdit="1"/>
+          </p:cNvSpPr>
+          <p:nvPr>
+            <p:extLst>
+              <p:ext uri="{386F3935-93C4-4BCD-93E2-E3B085C9AB24}">
+                <p16:designElem xmlns:p16="http://schemas.microsoft.com/office/powerpoint/2015/main" val="1"/>
+              </p:ext>
+            </p:extLst>
+          </p:nvPr>
+        </p:nvSpPr>
+        <p:spPr>
+          <a:xfrm>
+            <a:off x="0" y="0"/>
+            <a:ext cx="12186315" cy="6858000"/>
+          </a:xfrm>
+          <a:prstGeom prst="rect">
+            <a:avLst/>
+          </a:prstGeom>
+          <a:ln>
+            <a:noFill/>
+          </a:ln>
+        </p:spPr>
+        <p:style>
+          <a:lnRef idx="2">
+            <a:schemeClr val="accent6">
+              <a:shade val="50000"/>
+            </a:schemeClr>
+          </a:lnRef>
+          <a:fillRef idx="1001">
+            <a:schemeClr val="lt1"/>
+          </a:fillRef>
+          <a:effectRef idx="0">
+            <a:schemeClr val="accent6"/>
+          </a:effectRef>
+          <a:fontRef idx="minor">
+            <a:schemeClr val="lt1"/>
+          </a:fontRef>
+        </p:style>
+        <p:txBody>
+          <a:bodyPr rtlCol="0" anchor="ctr"/>
+          <a:lstStyle/>
+          <a:p>
+            <a:pPr algn="ctr"/>
+            <a:endParaRPr lang="en-US"/>
+          </a:p>
+        </p:txBody>
+      </p:sp>
+      <p:sp>
+        <p:nvSpPr>
+          <p:cNvPr id="10" name="Rectangle 9">
+            <a:extLst>
+              <a:ext uri="{FF2B5EF4-FFF2-40B4-BE49-F238E27FC236}">
+                <a16:creationId xmlns:a16="http://schemas.microsoft.com/office/drawing/2014/main" id="{7AAC67C3-831B-4AB1-A259-DFB839CAFAFC}"/>
+              </a:ext>
+              <a:ext uri="{C183D7F6-B498-43B3-948B-1728B52AA6E4}">
+                <adec:decorative xmlns:adec="http://schemas.microsoft.com/office/drawing/2017/decorative" val="1"/>
+              </a:ext>
+            </a:extLst>
+          </p:cNvPr>
+          <p:cNvSpPr>
+            <a:spLocks noGrp="1" noRot="1" noChangeAspect="1" noMove="1" noResize="1" noEditPoints="1" noAdjustHandles="1" noChangeArrowheads="1" noChangeShapeType="1" noTextEdit="1"/>
+          </p:cNvSpPr>
+          <p:nvPr>
+            <p:extLst>
+              <p:ext uri="{386F3935-93C4-4BCD-93E2-E3B085C9AB24}">
+                <p16:designElem xmlns:p16="http://schemas.microsoft.com/office/powerpoint/2015/main" val="1"/>
+              </p:ext>
+            </p:extLst>
+          </p:nvPr>
+        </p:nvSpPr>
+        <p:spPr>
+          <a:xfrm>
+            <a:off x="16" y="0"/>
+            <a:ext cx="4648593" cy="6858000"/>
+          </a:xfrm>
+          <a:prstGeom prst="rect">
+            <a:avLst/>
+          </a:prstGeom>
+          <a:solidFill>
+            <a:srgbClr val="262626"/>
+          </a:solidFill>
+          <a:ln>
+            <a:noFill/>
+          </a:ln>
+        </p:spPr>
+        <p:style>
+          <a:lnRef idx="2">
+            <a:schemeClr val="accent1">
+              <a:shade val="50000"/>
+            </a:schemeClr>
+          </a:lnRef>
+          <a:fillRef idx="1">
+            <a:schemeClr val="accent1"/>
+          </a:fillRef>
+          <a:effectRef idx="0">
+            <a:schemeClr val="accent1"/>
+          </a:effectRef>
+          <a:fontRef idx="minor">
+            <a:schemeClr val="lt1"/>
+          </a:fontRef>
+        </p:style>
+      </p:sp>
       <p:sp>
         <p:nvSpPr>
           <p:cNvPr id="2" name="Title 1">
@@ -5155,16 +5827,31 @@
             <p:ph type="title"/>
           </p:nvPr>
         </p:nvSpPr>
-        <p:spPr/>
-        <p:txBody>
-          <a:bodyPr/>
-          <a:lstStyle/>
-          <a:p>
-            <a:r>
-              <a:rPr lang="en-US" dirty="0"/>
-              <a:t>DATA ANALYSIS - 5</a:t>
-            </a:r>
-            <a:endParaRPr lang="en-CA" dirty="0"/>
+        <p:spPr>
+          <a:xfrm>
+            <a:off x="492369" y="605896"/>
+            <a:ext cx="3642309" cy="5646208"/>
+          </a:xfrm>
+        </p:spPr>
+        <p:txBody>
+          <a:bodyPr anchor="ctr">
+            <a:normAutofit/>
+          </a:bodyPr>
+          <a:lstStyle/>
+          <a:p>
+            <a:r>
+              <a:rPr lang="en-US" sz="4400">
+                <a:solidFill>
+                  <a:srgbClr val="FFFFFF"/>
+                </a:solidFill>
+              </a:rPr>
+              <a:t>DATA ANALYSIS - 3</a:t>
+            </a:r>
+            <a:endParaRPr lang="en-CA" sz="4400">
+              <a:solidFill>
+                <a:srgbClr val="FFFFFF"/>
+              </a:solidFill>
+            </a:endParaRPr>
           </a:p>
         </p:txBody>
       </p:sp>
@@ -5184,9 +5871,14 @@
             <p:ph idx="1"/>
           </p:nvPr>
         </p:nvSpPr>
-        <p:spPr/>
-        <p:txBody>
-          <a:bodyPr>
+        <p:spPr>
+          <a:xfrm>
+            <a:off x="5231958" y="605896"/>
+            <a:ext cx="5923721" cy="5646208"/>
+          </a:xfrm>
+        </p:spPr>
+        <p:txBody>
+          <a:bodyPr anchor="ctr">
             <a:normAutofit/>
           </a:bodyPr>
           <a:lstStyle/>
@@ -5195,8 +5887,8 @@
               <a:buNone/>
             </a:pPr>
             <a:r>
-              <a:rPr lang="en-US" dirty="0"/>
-              <a:t>Is there a correlation between processed sugar and dental health? </a:t>
+              <a:rPr lang="en-US" sz="2400"/>
+              <a:t>What is the correlation between income and sugar intake?</a:t>
             </a:r>
           </a:p>
           <a:p>
@@ -5205,22 +5897,22 @@
               <a:buChar char="•"/>
             </a:pPr>
             <a:r>
-              <a:rPr lang="en-US" dirty="0"/>
-              <a:t>Comparison of Bad Teeth Data from WHO and Sugar Intake Data from FAO, there is almost no correlation between sugar intake and dental health.</a:t>
+              <a:rPr lang="en-US" sz="2400"/>
+              <a:t>Comparison of the Income Dataset from Worldbank and Sugar Intake Data from FAO show that countries with lower income has higher sugar intake.</a:t>
             </a:r>
           </a:p>
           <a:p>
             <a:pPr marL="0" indent="0">
               <a:buNone/>
             </a:pPr>
-            <a:endParaRPr lang="en-CA" dirty="0"/>
+            <a:endParaRPr lang="en-CA" sz="2400"/>
           </a:p>
         </p:txBody>
       </p:sp>
     </p:spTree>
     <p:extLst>
       <p:ext uri="{BB962C8B-B14F-4D97-AF65-F5344CB8AC3E}">
-        <p14:creationId xmlns:p14="http://schemas.microsoft.com/office/powerpoint/2010/main" val="1709233667"/>
+        <p14:creationId xmlns:p14="http://schemas.microsoft.com/office/powerpoint/2010/main" val="542239908"/>
       </p:ext>
     </p:extLst>
   </p:cSld>
@@ -5270,7 +5962,7 @@
           <a:p>
             <a:r>
               <a:rPr lang="en-US" dirty="0"/>
-              <a:t>DATA ANALYSIS - 5</a:t>
+              <a:t>DATA ANALYSIS - 4</a:t>
             </a:r>
             <a:endParaRPr lang="en-CA" dirty="0"/>
           </a:p>
@@ -5304,7 +5996,7 @@
             </a:pPr>
             <a:r>
               <a:rPr lang="en-US" dirty="0"/>
-              <a:t>Is there a correlation between processed sugar and dental health? </a:t>
+              <a:t>Is there a correlation between processed sugar and obesity? </a:t>
             </a:r>
           </a:p>
           <a:p>
@@ -5314,7 +6006,7 @@
             </a:pPr>
             <a:r>
               <a:rPr lang="en-US" dirty="0"/>
-              <a:t>Comparison of Bad Teeth Data from WHO and Sugar Intake Data from FAO, there is almost no correlation between sugar intake and dental health.</a:t>
+              <a:t>Comparison of Obesity data from WHO and Sugar Intake Data from FAO show that countries with lower income has higher sugar intake.</a:t>
             </a:r>
           </a:p>
           <a:p>
@@ -5328,7 +6020,7 @@
     </p:spTree>
     <p:extLst>
       <p:ext uri="{BB962C8B-B14F-4D97-AF65-F5344CB8AC3E}">
-        <p14:creationId xmlns:p14="http://schemas.microsoft.com/office/powerpoint/2010/main" val="1658669183"/>
+        <p14:creationId xmlns:p14="http://schemas.microsoft.com/office/powerpoint/2010/main" val="454901871"/>
       </p:ext>
     </p:extLst>
   </p:cSld>
@@ -5378,7 +6070,7 @@
           <a:p>
             <a:r>
               <a:rPr lang="en-US" dirty="0"/>
-              <a:t>DATA ANALYSIS - 6</a:t>
+              <a:t>DATA ANALYSIS - 5</a:t>
             </a:r>
             <a:endParaRPr lang="en-CA" dirty="0"/>
           </a:p>
@@ -5412,7 +6104,7 @@
             </a:pPr>
             <a:r>
               <a:rPr lang="en-US" dirty="0"/>
-              <a:t>What are the top 5 purchased grocery items in the country with the highest sugar intake? For these 5 top items, what is their sugar content?</a:t>
+              <a:t>Is there a correlation between processed sugar and dental health? </a:t>
             </a:r>
           </a:p>
           <a:p>
@@ -5422,29 +6114,12 @@
             </a:pPr>
             <a:r>
               <a:rPr lang="en-US" dirty="0"/>
-              <a:t>The American Kroger grocery store datasets had a list of groceries item purchased by 38,000+ customers.  Then we had a nutrition API  from Fat Secret to determine the sugar content.</a:t>
-            </a:r>
-          </a:p>
-          <a:p>
-            <a:pPr marL="342900" indent="-342900">
-              <a:buFont typeface="+mj-lt"/>
-              <a:buAutoNum type="arabicPeriod"/>
-            </a:pPr>
-            <a:endParaRPr lang="en-US" dirty="0"/>
-          </a:p>
-          <a:p>
-            <a:pPr marL="201168" lvl="1" indent="0">
+              <a:t>Comparison of Bad Teeth Data from WHO and Sugar Intake Data from FAO, there is almost no correlation between sugar intake and dental health.</a:t>
+            </a:r>
+          </a:p>
+          <a:p>
+            <a:pPr marL="0" indent="0">
               <a:buNone/>
-            </a:pPr>
-            <a:endParaRPr lang="en-US" dirty="0"/>
-          </a:p>
-          <a:p>
-            <a:endParaRPr lang="en-US" dirty="0"/>
-          </a:p>
-          <a:p>
-            <a:pPr marL="342900" indent="-342900">
-              <a:buFont typeface="+mj-lt"/>
-              <a:buAutoNum type="arabicPeriod"/>
             </a:pPr>
             <a:endParaRPr lang="en-CA" dirty="0"/>
           </a:p>
@@ -5453,7 +6128,7 @@
     </p:spTree>
     <p:extLst>
       <p:ext uri="{BB962C8B-B14F-4D97-AF65-F5344CB8AC3E}">
-        <p14:creationId xmlns:p14="http://schemas.microsoft.com/office/powerpoint/2010/main" val="1135346001"/>
+        <p14:creationId xmlns:p14="http://schemas.microsoft.com/office/powerpoint/2010/main" val="1709233667"/>
       </p:ext>
     </p:extLst>
   </p:cSld>
@@ -5503,7 +6178,7 @@
           <a:p>
             <a:r>
               <a:rPr lang="en-US" dirty="0"/>
-              <a:t>DISCUSSION ON FINDINGS</a:t>
+              <a:t>DATA ANALYSIS - 5</a:t>
             </a:r>
             <a:endParaRPr lang="en-CA" dirty="0"/>
           </a:p>
@@ -5537,7 +6212,7 @@
             </a:pPr>
             <a:r>
               <a:rPr lang="en-US" dirty="0"/>
-              <a:t>What are the top 5 purchased grocery items in the country with the highest sugar intake? For these 5 top items, what is their sugar content?</a:t>
+              <a:t>Is there a correlation between processed sugar and dental health? </a:t>
             </a:r>
           </a:p>
           <a:p>
@@ -5547,29 +6222,12 @@
             </a:pPr>
             <a:r>
               <a:rPr lang="en-US" dirty="0"/>
-              <a:t>The American Kroger grocery store datasets had a list of groceries item purchased by 38,000+ customers.  Then we had a nutrition API  from Fat Secret to determine the sugar content.</a:t>
-            </a:r>
-          </a:p>
-          <a:p>
-            <a:pPr marL="342900" indent="-342900">
-              <a:buFont typeface="+mj-lt"/>
-              <a:buAutoNum type="arabicPeriod"/>
-            </a:pPr>
-            <a:endParaRPr lang="en-US" dirty="0"/>
-          </a:p>
-          <a:p>
-            <a:pPr marL="201168" lvl="1" indent="0">
+              <a:t>Comparison of Bad Teeth Data from WHO and Sugar Intake Data from FAO, there is almost no correlation between sugar intake and dental health.</a:t>
+            </a:r>
+          </a:p>
+          <a:p>
+            <a:pPr marL="0" indent="0">
               <a:buNone/>
-            </a:pPr>
-            <a:endParaRPr lang="en-US" dirty="0"/>
-          </a:p>
-          <a:p>
-            <a:endParaRPr lang="en-US" dirty="0"/>
-          </a:p>
-          <a:p>
-            <a:pPr marL="342900" indent="-342900">
-              <a:buFont typeface="+mj-lt"/>
-              <a:buAutoNum type="arabicPeriod"/>
             </a:pPr>
             <a:endParaRPr lang="en-CA" dirty="0"/>
           </a:p>
@@ -5578,7 +6236,7 @@
     </p:spTree>
     <p:extLst>
       <p:ext uri="{BB962C8B-B14F-4D97-AF65-F5344CB8AC3E}">
-        <p14:creationId xmlns:p14="http://schemas.microsoft.com/office/powerpoint/2010/main" val="3079070896"/>
+        <p14:creationId xmlns:p14="http://schemas.microsoft.com/office/powerpoint/2010/main" val="1658669183"/>
       </p:ext>
     </p:extLst>
   </p:cSld>
@@ -5628,6 +6286,256 @@
           <a:p>
             <a:r>
               <a:rPr lang="en-US" dirty="0"/>
+              <a:t>DATA ANALYSIS - 6</a:t>
+            </a:r>
+            <a:endParaRPr lang="en-CA" dirty="0"/>
+          </a:p>
+        </p:txBody>
+      </p:sp>
+      <p:sp>
+        <p:nvSpPr>
+          <p:cNvPr id="3" name="Content Placeholder 2">
+            <a:extLst>
+              <a:ext uri="{FF2B5EF4-FFF2-40B4-BE49-F238E27FC236}">
+                <a16:creationId xmlns:a16="http://schemas.microsoft.com/office/drawing/2014/main" id="{C990EB9B-20EF-41D2-BF3A-03ED63507C68}"/>
+              </a:ext>
+            </a:extLst>
+          </p:cNvPr>
+          <p:cNvSpPr>
+            <a:spLocks noGrp="1"/>
+          </p:cNvSpPr>
+          <p:nvPr>
+            <p:ph idx="1"/>
+          </p:nvPr>
+        </p:nvSpPr>
+        <p:spPr/>
+        <p:txBody>
+          <a:bodyPr>
+            <a:normAutofit/>
+          </a:bodyPr>
+          <a:lstStyle/>
+          <a:p>
+            <a:pPr marL="0" indent="0">
+              <a:buNone/>
+            </a:pPr>
+            <a:r>
+              <a:rPr lang="en-US" dirty="0"/>
+              <a:t>What are the top 5 purchased grocery items in the country with the highest sugar intake? For these 5 top items, what is their sugar content?</a:t>
+            </a:r>
+          </a:p>
+          <a:p>
+            <a:pPr marL="635508" lvl="1" indent="-342900">
+              <a:buFont typeface="Arial" panose="020B0604020202020204" pitchFamily="34" charset="0"/>
+              <a:buChar char="•"/>
+            </a:pPr>
+            <a:r>
+              <a:rPr lang="en-US" dirty="0"/>
+              <a:t>The American Kroger grocery store datasets had a list of groceries item purchased by 38,000+ customers.  Then we had a nutrition API  from Fat Secret to determine the sugar content.</a:t>
+            </a:r>
+          </a:p>
+          <a:p>
+            <a:pPr marL="342900" indent="-342900">
+              <a:buFont typeface="+mj-lt"/>
+              <a:buAutoNum type="arabicPeriod"/>
+            </a:pPr>
+            <a:endParaRPr lang="en-US" dirty="0"/>
+          </a:p>
+          <a:p>
+            <a:pPr marL="201168" lvl="1" indent="0">
+              <a:buNone/>
+            </a:pPr>
+            <a:endParaRPr lang="en-US" dirty="0"/>
+          </a:p>
+          <a:p>
+            <a:endParaRPr lang="en-US" dirty="0"/>
+          </a:p>
+          <a:p>
+            <a:pPr marL="342900" indent="-342900">
+              <a:buFont typeface="+mj-lt"/>
+              <a:buAutoNum type="arabicPeriod"/>
+            </a:pPr>
+            <a:endParaRPr lang="en-CA" dirty="0"/>
+          </a:p>
+        </p:txBody>
+      </p:sp>
+    </p:spTree>
+    <p:extLst>
+      <p:ext uri="{BB962C8B-B14F-4D97-AF65-F5344CB8AC3E}">
+        <p14:creationId xmlns:p14="http://schemas.microsoft.com/office/powerpoint/2010/main" val="1135346001"/>
+      </p:ext>
+    </p:extLst>
+  </p:cSld>
+  <p:clrMapOvr>
+    <a:masterClrMapping/>
+  </p:clrMapOvr>
+</p:sld>
+</file>
+
+<file path=ppt/slides/slide17.xml><?xml version="1.0" encoding="utf-8"?>
+<p:sld xmlns:a="http://schemas.openxmlformats.org/drawingml/2006/main" xmlns:r="http://schemas.openxmlformats.org/officeDocument/2006/relationships" xmlns:p="http://schemas.openxmlformats.org/presentationml/2006/main">
+  <p:cSld>
+    <p:spTree>
+      <p:nvGrpSpPr>
+        <p:cNvPr id="1" name=""/>
+        <p:cNvGrpSpPr/>
+        <p:nvPr/>
+      </p:nvGrpSpPr>
+      <p:grpSpPr>
+        <a:xfrm>
+          <a:off x="0" y="0"/>
+          <a:ext cx="0" cy="0"/>
+          <a:chOff x="0" y="0"/>
+          <a:chExt cx="0" cy="0"/>
+        </a:xfrm>
+      </p:grpSpPr>
+      <p:sp>
+        <p:nvSpPr>
+          <p:cNvPr id="2" name="Title 1">
+            <a:extLst>
+              <a:ext uri="{FF2B5EF4-FFF2-40B4-BE49-F238E27FC236}">
+                <a16:creationId xmlns:a16="http://schemas.microsoft.com/office/drawing/2014/main" id="{9C48BE68-3EC4-4686-A2A0-8A1E03C2580F}"/>
+              </a:ext>
+            </a:extLst>
+          </p:cNvPr>
+          <p:cNvSpPr>
+            <a:spLocks noGrp="1"/>
+          </p:cNvSpPr>
+          <p:nvPr>
+            <p:ph type="title"/>
+          </p:nvPr>
+        </p:nvSpPr>
+        <p:spPr/>
+        <p:txBody>
+          <a:bodyPr/>
+          <a:lstStyle/>
+          <a:p>
+            <a:r>
+              <a:rPr lang="en-US" dirty="0"/>
+              <a:t>DISCUSSION ON FINDINGS</a:t>
+            </a:r>
+            <a:endParaRPr lang="en-CA" dirty="0"/>
+          </a:p>
+        </p:txBody>
+      </p:sp>
+      <p:sp>
+        <p:nvSpPr>
+          <p:cNvPr id="3" name="Content Placeholder 2">
+            <a:extLst>
+              <a:ext uri="{FF2B5EF4-FFF2-40B4-BE49-F238E27FC236}">
+                <a16:creationId xmlns:a16="http://schemas.microsoft.com/office/drawing/2014/main" id="{C990EB9B-20EF-41D2-BF3A-03ED63507C68}"/>
+              </a:ext>
+            </a:extLst>
+          </p:cNvPr>
+          <p:cNvSpPr>
+            <a:spLocks noGrp="1"/>
+          </p:cNvSpPr>
+          <p:nvPr>
+            <p:ph idx="1"/>
+          </p:nvPr>
+        </p:nvSpPr>
+        <p:spPr/>
+        <p:txBody>
+          <a:bodyPr>
+            <a:normAutofit/>
+          </a:bodyPr>
+          <a:lstStyle/>
+          <a:p>
+            <a:pPr marL="0" indent="0">
+              <a:buNone/>
+            </a:pPr>
+            <a:r>
+              <a:rPr lang="en-US" dirty="0"/>
+              <a:t>What are the top 5 purchased grocery items in the country with the highest sugar intake? For these 5 top items, what is their sugar content?</a:t>
+            </a:r>
+          </a:p>
+          <a:p>
+            <a:pPr marL="635508" lvl="1" indent="-342900">
+              <a:buFont typeface="Arial" panose="020B0604020202020204" pitchFamily="34" charset="0"/>
+              <a:buChar char="•"/>
+            </a:pPr>
+            <a:r>
+              <a:rPr lang="en-US" dirty="0"/>
+              <a:t>The American Kroger grocery store datasets had a list of groceries item purchased by 38,000+ customers.  Then we had a nutrition API  from Fat Secret to determine the sugar content.</a:t>
+            </a:r>
+          </a:p>
+          <a:p>
+            <a:pPr marL="342900" indent="-342900">
+              <a:buFont typeface="+mj-lt"/>
+              <a:buAutoNum type="arabicPeriod"/>
+            </a:pPr>
+            <a:endParaRPr lang="en-US" dirty="0"/>
+          </a:p>
+          <a:p>
+            <a:pPr marL="201168" lvl="1" indent="0">
+              <a:buNone/>
+            </a:pPr>
+            <a:endParaRPr lang="en-US" dirty="0"/>
+          </a:p>
+          <a:p>
+            <a:endParaRPr lang="en-US" dirty="0"/>
+          </a:p>
+          <a:p>
+            <a:pPr marL="342900" indent="-342900">
+              <a:buFont typeface="+mj-lt"/>
+              <a:buAutoNum type="arabicPeriod"/>
+            </a:pPr>
+            <a:endParaRPr lang="en-CA" dirty="0"/>
+          </a:p>
+        </p:txBody>
+      </p:sp>
+    </p:spTree>
+    <p:extLst>
+      <p:ext uri="{BB962C8B-B14F-4D97-AF65-F5344CB8AC3E}">
+        <p14:creationId xmlns:p14="http://schemas.microsoft.com/office/powerpoint/2010/main" val="3079070896"/>
+      </p:ext>
+    </p:extLst>
+  </p:cSld>
+  <p:clrMapOvr>
+    <a:masterClrMapping/>
+  </p:clrMapOvr>
+</p:sld>
+</file>
+
+<file path=ppt/slides/slide18.xml><?xml version="1.0" encoding="utf-8"?>
+<p:sld xmlns:a="http://schemas.openxmlformats.org/drawingml/2006/main" xmlns:r="http://schemas.openxmlformats.org/officeDocument/2006/relationships" xmlns:p="http://schemas.openxmlformats.org/presentationml/2006/main">
+  <p:cSld>
+    <p:spTree>
+      <p:nvGrpSpPr>
+        <p:cNvPr id="1" name=""/>
+        <p:cNvGrpSpPr/>
+        <p:nvPr/>
+      </p:nvGrpSpPr>
+      <p:grpSpPr>
+        <a:xfrm>
+          <a:off x="0" y="0"/>
+          <a:ext cx="0" cy="0"/>
+          <a:chOff x="0" y="0"/>
+          <a:chExt cx="0" cy="0"/>
+        </a:xfrm>
+      </p:grpSpPr>
+      <p:sp>
+        <p:nvSpPr>
+          <p:cNvPr id="2" name="Title 1">
+            <a:extLst>
+              <a:ext uri="{FF2B5EF4-FFF2-40B4-BE49-F238E27FC236}">
+                <a16:creationId xmlns:a16="http://schemas.microsoft.com/office/drawing/2014/main" id="{9C48BE68-3EC4-4686-A2A0-8A1E03C2580F}"/>
+              </a:ext>
+            </a:extLst>
+          </p:cNvPr>
+          <p:cNvSpPr>
+            <a:spLocks noGrp="1"/>
+          </p:cNvSpPr>
+          <p:nvPr>
+            <p:ph type="title"/>
+          </p:nvPr>
+        </p:nvSpPr>
+        <p:spPr/>
+        <p:txBody>
+          <a:bodyPr/>
+          <a:lstStyle/>
+          <a:p>
+            <a:r>
+              <a:rPr lang="en-US" dirty="0"/>
               <a:t>POST MORTEM</a:t>
             </a:r>
             <a:endParaRPr lang="en-CA" dirty="0"/>
@@ -5713,7 +6621,7 @@
 </p:sld>
 </file>
 
-<file path=ppt/slides/slide17.xml><?xml version="1.0" encoding="utf-8"?>
+<file path=ppt/slides/slide19.xml><?xml version="1.0" encoding="utf-8"?>
 <p:sld xmlns:a="http://schemas.openxmlformats.org/drawingml/2006/main" xmlns:r="http://schemas.openxmlformats.org/officeDocument/2006/relationships" xmlns:p="http://schemas.openxmlformats.org/presentationml/2006/main">
   <p:cSld>
     <p:spTree>
@@ -6160,7 +7068,12 @@
             <p:ph idx="1"/>
           </p:nvPr>
         </p:nvSpPr>
-        <p:spPr/>
+        <p:spPr>
+          <a:xfrm>
+            <a:off x="1103179" y="2098368"/>
+            <a:ext cx="10058400" cy="3760891"/>
+          </a:xfrm>
+        </p:spPr>
         <p:txBody>
           <a:bodyPr/>
           <a:lstStyle/>
@@ -6297,15 +7210,9 @@
         <p:spPr/>
         <p:txBody>
           <a:bodyPr>
-            <a:normAutofit fontScale="92500" lnSpcReduction="10000"/>
+            <a:normAutofit/>
           </a:bodyPr>
           <a:lstStyle/>
-          <a:p>
-            <a:pPr marL="0" indent="0">
-              <a:buNone/>
-            </a:pPr>
-            <a:endParaRPr lang="en-US" dirty="0"/>
-          </a:p>
           <a:p>
             <a:pPr marL="342900" indent="-342900">
               <a:buFont typeface="+mj-lt"/>
@@ -7079,7 +7986,7 @@
           <a:p>
             <a:r>
               <a:rPr lang="en-US" dirty="0"/>
-              <a:t>DATA CLEANUP</a:t>
+              <a:t>DATA CLEANUP – INSIGHTS AND DIFFICULTIES</a:t>
             </a:r>
             <a:endParaRPr lang="en-CA" dirty="0"/>
           </a:p>
@@ -7108,7 +8015,137 @@
           </a:bodyPr>
           <a:lstStyle/>
           <a:p>
-            <a:pPr marL="0" marR="0">
+            <a:pPr marL="342900" marR="0" lvl="0" indent="-342900">
+              <a:lnSpc>
+                <a:spcPct val="107000"/>
+              </a:lnSpc>
+              <a:spcBef>
+                <a:spcPts val="0"/>
+              </a:spcBef>
+              <a:spcAft>
+                <a:spcPts val="0"/>
+              </a:spcAft>
+              <a:buFont typeface="Symbol" panose="05050102010706020507" pitchFamily="18" charset="2"/>
+              <a:buChar char=""/>
+            </a:pPr>
+            <a:r>
+              <a:rPr lang="en-US" dirty="0">
+                <a:latin typeface="Calibri" panose="020F0502020204030204" pitchFamily="34" charset="0"/>
+                <a:ea typeface="Calibri" panose="020F0502020204030204" pitchFamily="34" charset="0"/>
+                <a:cs typeface="Times New Roman" panose="02020603050405020304" pitchFamily="18" charset="0"/>
+              </a:rPr>
+              <a:t>Requires team effort to brainstorm on where to get the data.</a:t>
+            </a:r>
+          </a:p>
+          <a:p>
+            <a:pPr marL="342900" marR="0" lvl="0" indent="-342900">
+              <a:lnSpc>
+                <a:spcPct val="107000"/>
+              </a:lnSpc>
+              <a:spcBef>
+                <a:spcPts val="0"/>
+              </a:spcBef>
+              <a:spcAft>
+                <a:spcPts val="0"/>
+              </a:spcAft>
+              <a:buFont typeface="Symbol" panose="05050102010706020507" pitchFamily="18" charset="2"/>
+              <a:buChar char=""/>
+            </a:pPr>
+            <a:endParaRPr lang="en-US" dirty="0">
+              <a:latin typeface="Calibri" panose="020F0502020204030204" pitchFamily="34" charset="0"/>
+              <a:ea typeface="Calibri" panose="020F0502020204030204" pitchFamily="34" charset="0"/>
+              <a:cs typeface="Times New Roman" panose="02020603050405020304" pitchFamily="18" charset="0"/>
+            </a:endParaRPr>
+          </a:p>
+          <a:p>
+            <a:pPr marL="342900" indent="-342900">
+              <a:lnSpc>
+                <a:spcPct val="107000"/>
+              </a:lnSpc>
+              <a:spcBef>
+                <a:spcPts val="0"/>
+              </a:spcBef>
+              <a:spcAft>
+                <a:spcPts val="0"/>
+              </a:spcAft>
+              <a:buFont typeface="Symbol" panose="05050102010706020507" pitchFamily="18" charset="2"/>
+              <a:buChar char=""/>
+            </a:pPr>
+            <a:r>
+              <a:rPr lang="en-US" sz="1800" dirty="0">
+                <a:effectLst/>
+                <a:latin typeface="Calibri" panose="020F0502020204030204" pitchFamily="34" charset="0"/>
+                <a:ea typeface="Calibri" panose="020F0502020204030204" pitchFamily="34" charset="0"/>
+                <a:cs typeface="Times New Roman" panose="02020603050405020304" pitchFamily="18" charset="0"/>
+              </a:rPr>
+              <a:t>May require paying money to access the optimal data source for analysis.</a:t>
+            </a:r>
+          </a:p>
+          <a:p>
+            <a:pPr marL="342900" indent="-342900">
+              <a:lnSpc>
+                <a:spcPct val="107000"/>
+              </a:lnSpc>
+              <a:spcBef>
+                <a:spcPts val="0"/>
+              </a:spcBef>
+              <a:spcAft>
+                <a:spcPts val="0"/>
+              </a:spcAft>
+              <a:buFont typeface="Symbol" panose="05050102010706020507" pitchFamily="18" charset="2"/>
+              <a:buChar char=""/>
+            </a:pPr>
+            <a:endParaRPr lang="en-US" dirty="0">
+              <a:latin typeface="Calibri" panose="020F0502020204030204" pitchFamily="34" charset="0"/>
+              <a:ea typeface="Calibri" panose="020F0502020204030204" pitchFamily="34" charset="0"/>
+              <a:cs typeface="Times New Roman" panose="02020603050405020304" pitchFamily="18" charset="0"/>
+            </a:endParaRPr>
+          </a:p>
+          <a:p>
+            <a:pPr marL="342900" indent="-342900">
+              <a:lnSpc>
+                <a:spcPct val="107000"/>
+              </a:lnSpc>
+              <a:spcBef>
+                <a:spcPts val="0"/>
+              </a:spcBef>
+              <a:spcAft>
+                <a:spcPts val="0"/>
+              </a:spcAft>
+              <a:buFont typeface="Symbol" panose="05050102010706020507" pitchFamily="18" charset="2"/>
+              <a:buChar char=""/>
+            </a:pPr>
+            <a:r>
+              <a:rPr lang="en-US" dirty="0">
+                <a:latin typeface="Calibri" panose="020F0502020204030204" pitchFamily="34" charset="0"/>
+                <a:ea typeface="Calibri" panose="020F0502020204030204" pitchFamily="34" charset="0"/>
+                <a:cs typeface="Times New Roman" panose="02020603050405020304" pitchFamily="18" charset="0"/>
+              </a:rPr>
+              <a:t>Time consuming to research the right data for our analysis.</a:t>
+            </a:r>
+          </a:p>
+          <a:p>
+            <a:pPr marL="0" marR="0" lvl="0" indent="0">
+              <a:lnSpc>
+                <a:spcPct val="107000"/>
+              </a:lnSpc>
+              <a:spcBef>
+                <a:spcPts val="0"/>
+              </a:spcBef>
+              <a:spcAft>
+                <a:spcPts val="0"/>
+              </a:spcAft>
+              <a:buNone/>
+            </a:pPr>
+            <a:endParaRPr lang="en-CA" sz="1800" dirty="0">
+              <a:effectLst/>
+              <a:latin typeface="Calibri" panose="020F0502020204030204" pitchFamily="34" charset="0"/>
+              <a:ea typeface="Calibri" panose="020F0502020204030204" pitchFamily="34" charset="0"/>
+              <a:cs typeface="Times New Roman" panose="02020603050405020304" pitchFamily="18" charset="0"/>
+            </a:endParaRPr>
+          </a:p>
+          <a:p>
+            <a:pPr marL="342900" marR="0" lvl="0" indent="-342900">
               <a:lnSpc>
                 <a:spcPct val="107000"/>
               </a:lnSpc>
@@ -7118,15 +8155,181 @@
               <a:spcAft>
                 <a:spcPts val="800"/>
               </a:spcAft>
+              <a:buFont typeface="Symbol" panose="05050102010706020507" pitchFamily="18" charset="2"/>
+              <a:buChar char=""/>
             </a:pPr>
             <a:r>
-              <a:rPr lang="en-US" sz="1100" dirty="0">
+              <a:rPr lang="en-CA" sz="1800" dirty="0">
+                <a:effectLst/>
                 <a:latin typeface="Calibri" panose="020F0502020204030204" pitchFamily="34" charset="0"/>
                 <a:ea typeface="Calibri" panose="020F0502020204030204" pitchFamily="34" charset="0"/>
                 <a:cs typeface="Times New Roman" panose="02020603050405020304" pitchFamily="18" charset="0"/>
               </a:rPr>
-              <a:t>Upon retrieving datasets from various sources, </a:t>
-            </a:r>
+              <a:t>Datasets are not formatted perfectly to answer our questions.</a:t>
+            </a:r>
+          </a:p>
+          <a:p>
+            <a:pPr marL="635508" lvl="1" indent="-342900">
+              <a:lnSpc>
+                <a:spcPct val="107000"/>
+              </a:lnSpc>
+              <a:spcBef>
+                <a:spcPts val="0"/>
+              </a:spcBef>
+              <a:spcAft>
+                <a:spcPts val="800"/>
+              </a:spcAft>
+              <a:buFont typeface="Symbol" panose="05050102010706020507" pitchFamily="18" charset="2"/>
+              <a:buChar char=""/>
+            </a:pPr>
+            <a:r>
+              <a:rPr lang="en-CA" dirty="0">
+                <a:latin typeface="Calibri" panose="020F0502020204030204" pitchFamily="34" charset="0"/>
+                <a:ea typeface="Calibri" panose="020F0502020204030204" pitchFamily="34" charset="0"/>
+                <a:cs typeface="Times New Roman" panose="02020603050405020304" pitchFamily="18" charset="0"/>
+              </a:rPr>
+              <a:t>Requires reformatting CSV files in proper rows and columns.</a:t>
+            </a:r>
+          </a:p>
+          <a:p>
+            <a:pPr marL="635508" lvl="1" indent="-342900">
+              <a:lnSpc>
+                <a:spcPct val="107000"/>
+              </a:lnSpc>
+              <a:spcBef>
+                <a:spcPts val="0"/>
+              </a:spcBef>
+              <a:spcAft>
+                <a:spcPts val="800"/>
+              </a:spcAft>
+              <a:buFont typeface="Symbol" panose="05050102010706020507" pitchFamily="18" charset="2"/>
+              <a:buChar char=""/>
+            </a:pPr>
+            <a:r>
+              <a:rPr lang="en-CA" dirty="0">
+                <a:latin typeface="Calibri" panose="020F0502020204030204" pitchFamily="34" charset="0"/>
+                <a:ea typeface="Calibri" panose="020F0502020204030204" pitchFamily="34" charset="0"/>
+                <a:cs typeface="Times New Roman" panose="02020603050405020304" pitchFamily="18" charset="0"/>
+              </a:rPr>
+              <a:t>Merging </a:t>
+            </a:r>
+            <a:r>
+              <a:rPr lang="en-CA" dirty="0" err="1">
+                <a:latin typeface="Calibri" panose="020F0502020204030204" pitchFamily="34" charset="0"/>
+                <a:ea typeface="Calibri" panose="020F0502020204030204" pitchFamily="34" charset="0"/>
+                <a:cs typeface="Times New Roman" panose="02020603050405020304" pitchFamily="18" charset="0"/>
+              </a:rPr>
+              <a:t>dataframes</a:t>
+            </a:r>
+            <a:r>
+              <a:rPr lang="en-CA" dirty="0">
+                <a:latin typeface="Calibri" panose="020F0502020204030204" pitchFamily="34" charset="0"/>
+                <a:ea typeface="Calibri" panose="020F0502020204030204" pitchFamily="34" charset="0"/>
+                <a:cs typeface="Times New Roman" panose="02020603050405020304" pitchFamily="18" charset="0"/>
+              </a:rPr>
+              <a:t> to determine trends and correlation.</a:t>
+            </a:r>
+          </a:p>
+          <a:p>
+            <a:pPr marL="635508" lvl="1" indent="-342900">
+              <a:lnSpc>
+                <a:spcPct val="107000"/>
+              </a:lnSpc>
+              <a:spcBef>
+                <a:spcPts val="0"/>
+              </a:spcBef>
+              <a:spcAft>
+                <a:spcPts val="800"/>
+              </a:spcAft>
+              <a:buFont typeface="Symbol" panose="05050102010706020507" pitchFamily="18" charset="2"/>
+              <a:buChar char=""/>
+            </a:pPr>
+            <a:r>
+              <a:rPr lang="en-US" dirty="0">
+                <a:latin typeface="Calibri" panose="020F0502020204030204" pitchFamily="34" charset="0"/>
+                <a:cs typeface="Times New Roman" panose="02020603050405020304" pitchFamily="18" charset="0"/>
+              </a:rPr>
+              <a:t>Not all information for a specific country may not be available as some of the countries were not independent until 1990-1993.</a:t>
+            </a:r>
+            <a:endParaRPr lang="en-CA" dirty="0">
+              <a:latin typeface="Calibri" panose="020F0502020204030204" pitchFamily="34" charset="0"/>
+              <a:cs typeface="Times New Roman" panose="02020603050405020304" pitchFamily="18" charset="0"/>
+            </a:endParaRPr>
+          </a:p>
+          <a:p>
+            <a:pPr marL="0" marR="0" lvl="0" indent="0">
+              <a:lnSpc>
+                <a:spcPct val="107000"/>
+              </a:lnSpc>
+              <a:spcBef>
+                <a:spcPts val="0"/>
+              </a:spcBef>
+              <a:spcAft>
+                <a:spcPts val="800"/>
+              </a:spcAft>
+              <a:buNone/>
+            </a:pPr>
+            <a:endParaRPr lang="en-CA" sz="1800" dirty="0">
+              <a:effectLst/>
+              <a:latin typeface="Calibri" panose="020F0502020204030204" pitchFamily="34" charset="0"/>
+              <a:ea typeface="Calibri" panose="020F0502020204030204" pitchFamily="34" charset="0"/>
+              <a:cs typeface="Times New Roman" panose="02020603050405020304" pitchFamily="18" charset="0"/>
+            </a:endParaRPr>
+          </a:p>
+          <a:p>
+            <a:pPr marL="0" marR="0" lvl="0" indent="0">
+              <a:lnSpc>
+                <a:spcPct val="107000"/>
+              </a:lnSpc>
+              <a:spcBef>
+                <a:spcPts val="0"/>
+              </a:spcBef>
+              <a:spcAft>
+                <a:spcPts val="800"/>
+              </a:spcAft>
+              <a:buNone/>
+            </a:pPr>
+            <a:endParaRPr lang="en-CA" sz="1800" dirty="0">
+              <a:effectLst/>
+              <a:latin typeface="Calibri" panose="020F0502020204030204" pitchFamily="34" charset="0"/>
+              <a:ea typeface="Calibri" panose="020F0502020204030204" pitchFamily="34" charset="0"/>
+              <a:cs typeface="Times New Roman" panose="02020603050405020304" pitchFamily="18" charset="0"/>
+            </a:endParaRPr>
+          </a:p>
+          <a:p>
+            <a:pPr marL="342900" marR="0" lvl="0" indent="-342900">
+              <a:lnSpc>
+                <a:spcPct val="107000"/>
+              </a:lnSpc>
+              <a:spcBef>
+                <a:spcPts val="0"/>
+              </a:spcBef>
+              <a:spcAft>
+                <a:spcPts val="800"/>
+              </a:spcAft>
+              <a:buFont typeface="Symbol" panose="05050102010706020507" pitchFamily="18" charset="2"/>
+              <a:buChar char=""/>
+            </a:pPr>
+            <a:endParaRPr lang="en-CA" dirty="0">
+              <a:effectLst/>
+              <a:latin typeface="Calibri" panose="020F0502020204030204" pitchFamily="34" charset="0"/>
+              <a:ea typeface="Calibri" panose="020F0502020204030204" pitchFamily="34" charset="0"/>
+              <a:cs typeface="Times New Roman" panose="02020603050405020304" pitchFamily="18" charset="0"/>
+            </a:endParaRPr>
+          </a:p>
+          <a:p>
+            <a:pPr marL="0" marR="0" indent="0">
+              <a:lnSpc>
+                <a:spcPct val="107000"/>
+              </a:lnSpc>
+              <a:spcBef>
+                <a:spcPts val="0"/>
+              </a:spcBef>
+              <a:spcAft>
+                <a:spcPts val="800"/>
+              </a:spcAft>
+              <a:buNone/>
+            </a:pPr>
             <a:endParaRPr lang="en-CA" sz="1100" dirty="0">
               <a:effectLst/>
               <a:latin typeface="Calibri" panose="020F0502020204030204" pitchFamily="34" charset="0"/>
@@ -7211,7 +8414,7 @@
           <a:p>
             <a:r>
               <a:rPr lang="en-US" dirty="0"/>
-              <a:t>DATA ANALYSIS - 1</a:t>
+              <a:t>DATA CLEANUP – INTERESTING FIGURES</a:t>
             </a:r>
             <a:endParaRPr lang="en-CA" dirty="0"/>
           </a:p>
@@ -7240,27 +8443,233 @@
           </a:bodyPr>
           <a:lstStyle/>
           <a:p>
+            <a:pPr marL="0" marR="0">
+              <a:lnSpc>
+                <a:spcPct val="107000"/>
+              </a:lnSpc>
+              <a:spcBef>
+                <a:spcPts val="0"/>
+              </a:spcBef>
+              <a:spcAft>
+                <a:spcPts val="800"/>
+              </a:spcAft>
+            </a:pPr>
+            <a:r>
+              <a:rPr lang="en-US" b="1" dirty="0">
+                <a:latin typeface="Calibri" panose="020F0502020204030204" pitchFamily="34" charset="0"/>
+                <a:ea typeface="Calibri" panose="020F0502020204030204" pitchFamily="34" charset="0"/>
+                <a:cs typeface="Times New Roman" panose="02020603050405020304" pitchFamily="18" charset="0"/>
+              </a:rPr>
+              <a:t>Upon retrieving the datasets, we were able to find the following trends:</a:t>
+            </a:r>
+          </a:p>
+          <a:p>
+            <a:pPr marL="0" marR="0">
+              <a:lnSpc>
+                <a:spcPct val="107000"/>
+              </a:lnSpc>
+              <a:spcBef>
+                <a:spcPts val="0"/>
+              </a:spcBef>
+              <a:spcAft>
+                <a:spcPts val="800"/>
+              </a:spcAft>
+            </a:pPr>
+            <a:endParaRPr lang="en-CA" sz="1800" dirty="0">
+              <a:effectLst/>
+              <a:latin typeface="Calibri" panose="020F0502020204030204" pitchFamily="34" charset="0"/>
+              <a:ea typeface="Calibri" panose="020F0502020204030204" pitchFamily="34" charset="0"/>
+              <a:cs typeface="Times New Roman" panose="02020603050405020304" pitchFamily="18" charset="0"/>
+            </a:endParaRPr>
+          </a:p>
+          <a:p>
+            <a:pPr marL="342900" marR="0" lvl="0" indent="-342900">
+              <a:lnSpc>
+                <a:spcPct val="107000"/>
+              </a:lnSpc>
+              <a:spcBef>
+                <a:spcPts val="0"/>
+              </a:spcBef>
+              <a:spcAft>
+                <a:spcPts val="0"/>
+              </a:spcAft>
+              <a:buFont typeface="Symbol" panose="05050102010706020507" pitchFamily="18" charset="2"/>
+              <a:buChar char=""/>
+            </a:pPr>
+            <a:r>
+              <a:rPr lang="en-US" sz="1800" dirty="0">
+                <a:effectLst/>
+                <a:latin typeface="Calibri" panose="020F0502020204030204" pitchFamily="34" charset="0"/>
+                <a:ea typeface="Calibri" panose="020F0502020204030204" pitchFamily="34" charset="0"/>
+                <a:cs typeface="Times New Roman" panose="02020603050405020304" pitchFamily="18" charset="0"/>
+              </a:rPr>
+              <a:t>Countries that Consume the most sugars.</a:t>
+            </a:r>
+          </a:p>
+          <a:p>
+            <a:pPr marL="0" marR="0" lvl="0" indent="0">
+              <a:lnSpc>
+                <a:spcPct val="107000"/>
+              </a:lnSpc>
+              <a:spcBef>
+                <a:spcPts val="0"/>
+              </a:spcBef>
+              <a:spcAft>
+                <a:spcPts val="0"/>
+              </a:spcAft>
+              <a:buNone/>
+            </a:pPr>
+            <a:endParaRPr lang="en-US" sz="1800" dirty="0">
+              <a:effectLst/>
+              <a:latin typeface="Calibri" panose="020F0502020204030204" pitchFamily="34" charset="0"/>
+              <a:ea typeface="Calibri" panose="020F0502020204030204" pitchFamily="34" charset="0"/>
+              <a:cs typeface="Times New Roman" panose="02020603050405020304" pitchFamily="18" charset="0"/>
+            </a:endParaRPr>
+          </a:p>
+          <a:p>
+            <a:pPr marL="342900" indent="-342900">
+              <a:lnSpc>
+                <a:spcPct val="107000"/>
+              </a:lnSpc>
+              <a:spcBef>
+                <a:spcPts val="0"/>
+              </a:spcBef>
+              <a:spcAft>
+                <a:spcPts val="0"/>
+              </a:spcAft>
+              <a:buFont typeface="Symbol" panose="05050102010706020507" pitchFamily="18" charset="2"/>
+              <a:buChar char=""/>
+            </a:pPr>
+            <a:r>
+              <a:rPr lang="en-US" sz="1800" dirty="0">
+                <a:effectLst/>
+                <a:latin typeface="Calibri" panose="020F0502020204030204" pitchFamily="34" charset="0"/>
+                <a:ea typeface="Calibri" panose="020F0502020204030204" pitchFamily="34" charset="0"/>
+                <a:cs typeface="Times New Roman" panose="02020603050405020304" pitchFamily="18" charset="0"/>
+              </a:rPr>
+              <a:t>Trends of Sugar Consumption over the years.</a:t>
+            </a:r>
+          </a:p>
+          <a:p>
+            <a:pPr marL="342900" indent="-342900">
+              <a:lnSpc>
+                <a:spcPct val="107000"/>
+              </a:lnSpc>
+              <a:spcBef>
+                <a:spcPts val="0"/>
+              </a:spcBef>
+              <a:spcAft>
+                <a:spcPts val="0"/>
+              </a:spcAft>
+              <a:buFont typeface="Symbol" panose="05050102010706020507" pitchFamily="18" charset="2"/>
+              <a:buChar char=""/>
+            </a:pPr>
+            <a:endParaRPr lang="en-US" dirty="0">
+              <a:latin typeface="Calibri" panose="020F0502020204030204" pitchFamily="34" charset="0"/>
+              <a:ea typeface="Calibri" panose="020F0502020204030204" pitchFamily="34" charset="0"/>
+              <a:cs typeface="Times New Roman" panose="02020603050405020304" pitchFamily="18" charset="0"/>
+            </a:endParaRPr>
+          </a:p>
+          <a:p>
+            <a:pPr marL="342900" indent="-342900">
+              <a:lnSpc>
+                <a:spcPct val="107000"/>
+              </a:lnSpc>
+              <a:spcBef>
+                <a:spcPts val="0"/>
+              </a:spcBef>
+              <a:spcAft>
+                <a:spcPts val="0"/>
+              </a:spcAft>
+              <a:buFont typeface="Symbol" panose="05050102010706020507" pitchFamily="18" charset="2"/>
+              <a:buChar char=""/>
+            </a:pPr>
+            <a:r>
+              <a:rPr lang="en-US" sz="1800" dirty="0">
+                <a:effectLst/>
+                <a:latin typeface="Calibri" panose="020F0502020204030204" pitchFamily="34" charset="0"/>
+                <a:ea typeface="Calibri" panose="020F0502020204030204" pitchFamily="34" charset="0"/>
+                <a:cs typeface="Times New Roman" panose="02020603050405020304" pitchFamily="18" charset="0"/>
+              </a:rPr>
+              <a:t>Correlation of Sugar Consumption between Income, Bad Teeth and Obesity.</a:t>
+            </a:r>
+            <a:endParaRPr lang="en-CA" sz="1800" dirty="0">
+              <a:effectLst/>
+              <a:latin typeface="Calibri" panose="020F0502020204030204" pitchFamily="34" charset="0"/>
+              <a:ea typeface="Calibri" panose="020F0502020204030204" pitchFamily="34" charset="0"/>
+              <a:cs typeface="Times New Roman" panose="02020603050405020304" pitchFamily="18" charset="0"/>
+            </a:endParaRPr>
+          </a:p>
+          <a:p>
+            <a:pPr marL="342900" marR="0" lvl="0" indent="-342900">
+              <a:lnSpc>
+                <a:spcPct val="107000"/>
+              </a:lnSpc>
+              <a:spcBef>
+                <a:spcPts val="0"/>
+              </a:spcBef>
+              <a:spcAft>
+                <a:spcPts val="0"/>
+              </a:spcAft>
+              <a:buFont typeface="Symbol" panose="05050102010706020507" pitchFamily="18" charset="2"/>
+              <a:buChar char=""/>
+            </a:pPr>
+            <a:endParaRPr lang="en-CA" sz="1800" dirty="0">
+              <a:effectLst/>
+              <a:latin typeface="Calibri" panose="020F0502020204030204" pitchFamily="34" charset="0"/>
+              <a:ea typeface="Calibri" panose="020F0502020204030204" pitchFamily="34" charset="0"/>
+              <a:cs typeface="Times New Roman" panose="02020603050405020304" pitchFamily="18" charset="0"/>
+            </a:endParaRPr>
+          </a:p>
+          <a:p>
+            <a:pPr marL="342900" marR="0" lvl="0" indent="-342900">
+              <a:lnSpc>
+                <a:spcPct val="107000"/>
+              </a:lnSpc>
+              <a:spcBef>
+                <a:spcPts val="0"/>
+              </a:spcBef>
+              <a:spcAft>
+                <a:spcPts val="0"/>
+              </a:spcAft>
+              <a:buFont typeface="Symbol" panose="05050102010706020507" pitchFamily="18" charset="2"/>
+              <a:buChar char=""/>
+            </a:pPr>
+            <a:r>
+              <a:rPr lang="en-US" sz="1800" dirty="0">
+                <a:effectLst/>
+                <a:latin typeface="Calibri" panose="020F0502020204030204" pitchFamily="34" charset="0"/>
+                <a:ea typeface="Calibri" panose="020F0502020204030204" pitchFamily="34" charset="0"/>
+                <a:cs typeface="Times New Roman" panose="02020603050405020304" pitchFamily="18" charset="0"/>
+              </a:rPr>
+              <a:t>Grocery Data of Most Purchased Product.</a:t>
+            </a:r>
+            <a:endParaRPr lang="en-CA" sz="1100" dirty="0">
+              <a:effectLst/>
+              <a:latin typeface="Calibri" panose="020F0502020204030204" pitchFamily="34" charset="0"/>
+              <a:ea typeface="Calibri" panose="020F0502020204030204" pitchFamily="34" charset="0"/>
+              <a:cs typeface="Times New Roman" panose="02020603050405020304" pitchFamily="18" charset="0"/>
+            </a:endParaRPr>
+          </a:p>
+          <a:p>
             <a:pPr marL="0" indent="0">
               <a:buNone/>
             </a:pPr>
-            <a:r>
-              <a:rPr lang="en-US" dirty="0"/>
-              <a:t>What is the average daily intake of processed sugar globally?</a:t>
-            </a:r>
-          </a:p>
-          <a:p>
-            <a:pPr marL="635508" lvl="1" indent="-342900">
-              <a:buFont typeface="Arial" panose="020B0604020202020204" pitchFamily="34" charset="0"/>
-              <a:buChar char="•"/>
+            <a:endParaRPr lang="en-US" dirty="0"/>
+          </a:p>
+          <a:p>
+            <a:pPr marL="201168" lvl="1" indent="0">
+              <a:buNone/>
             </a:pPr>
-            <a:r>
-              <a:rPr lang="en-US" dirty="0"/>
-              <a:t>Datasets from Food and Agricultural Organization (FAO) were available for over 150+ countries of daily sugar intake.</a:t>
-            </a:r>
-          </a:p>
-          <a:p>
-            <a:pPr marL="0" indent="0">
-              <a:buNone/>
+            <a:endParaRPr lang="en-US" dirty="0"/>
+          </a:p>
+          <a:p>
+            <a:endParaRPr lang="en-US" dirty="0"/>
+          </a:p>
+          <a:p>
+            <a:pPr marL="342900" indent="-342900">
+              <a:buFont typeface="+mj-lt"/>
+              <a:buAutoNum type="arabicPeriod"/>
             </a:pPr>
             <a:endParaRPr lang="en-CA" dirty="0"/>
           </a:p>
@@ -7269,7 +8678,7 @@
     </p:spTree>
     <p:extLst>
       <p:ext uri="{BB962C8B-B14F-4D97-AF65-F5344CB8AC3E}">
-        <p14:creationId xmlns:p14="http://schemas.microsoft.com/office/powerpoint/2010/main" val="2063640819"/>
+        <p14:creationId xmlns:p14="http://schemas.microsoft.com/office/powerpoint/2010/main" val="1672048214"/>
       </p:ext>
     </p:extLst>
   </p:cSld>
@@ -7282,6 +8691,14 @@
 <file path=ppt/slides/slide9.xml><?xml version="1.0" encoding="utf-8"?>
 <p:sld xmlns:a="http://schemas.openxmlformats.org/drawingml/2006/main" xmlns:r="http://schemas.openxmlformats.org/officeDocument/2006/relationships" xmlns:p="http://schemas.openxmlformats.org/presentationml/2006/main">
   <p:cSld>
+    <p:bg>
+      <p:bgPr>
+        <a:solidFill>
+          <a:schemeClr val="bg1"/>
+        </a:solidFill>
+        <a:effectLst/>
+      </p:bgPr>
+    </p:bg>
     <p:spTree>
       <p:nvGrpSpPr>
         <p:cNvPr id="1" name=""/>
@@ -7298,6 +8715,231 @@
       </p:grpSpPr>
       <p:sp>
         <p:nvSpPr>
+          <p:cNvPr id="38" name="Rectangle 27">
+            <a:extLst>
+              <a:ext uri="{FF2B5EF4-FFF2-40B4-BE49-F238E27FC236}">
+                <a16:creationId xmlns:a16="http://schemas.microsoft.com/office/drawing/2014/main" id="{39E3965E-AC41-4711-9D10-E25ABB132D86}"/>
+              </a:ext>
+              <a:ext uri="{C183D7F6-B498-43B3-948B-1728B52AA6E4}">
+                <adec:decorative xmlns:adec="http://schemas.microsoft.com/office/drawing/2017/decorative" val="1"/>
+              </a:ext>
+            </a:extLst>
+          </p:cNvPr>
+          <p:cNvSpPr>
+            <a:spLocks noGrp="1" noRot="1" noChangeAspect="1" noMove="1" noResize="1" noEditPoints="1" noAdjustHandles="1" noChangeArrowheads="1" noChangeShapeType="1" noTextEdit="1"/>
+          </p:cNvSpPr>
+          <p:nvPr>
+            <p:extLst>
+              <p:ext uri="{386F3935-93C4-4BCD-93E2-E3B085C9AB24}">
+                <p16:designElem xmlns:p16="http://schemas.microsoft.com/office/powerpoint/2015/main" val="1"/>
+              </p:ext>
+            </p:extLst>
+          </p:nvPr>
+        </p:nvSpPr>
+        <p:spPr>
+          <a:xfrm>
+            <a:off x="3175" y="6400800"/>
+            <a:ext cx="12188825" cy="457200"/>
+          </a:xfrm>
+          <a:prstGeom prst="rect">
+            <a:avLst/>
+          </a:prstGeom>
+          <a:solidFill>
+            <a:srgbClr val="262626"/>
+          </a:solidFill>
+          <a:ln>
+            <a:noFill/>
+          </a:ln>
+        </p:spPr>
+        <p:style>
+          <a:lnRef idx="2">
+            <a:schemeClr val="accent1">
+              <a:shade val="50000"/>
+            </a:schemeClr>
+          </a:lnRef>
+          <a:fillRef idx="1">
+            <a:schemeClr val="accent1"/>
+          </a:fillRef>
+          <a:effectRef idx="0">
+            <a:schemeClr val="accent1"/>
+          </a:effectRef>
+          <a:fontRef idx="minor">
+            <a:schemeClr val="lt1"/>
+          </a:fontRef>
+        </p:style>
+      </p:sp>
+      <p:cxnSp>
+        <p:nvCxnSpPr>
+          <p:cNvPr id="39" name="Straight Connector 29">
+            <a:extLst>
+              <a:ext uri="{FF2B5EF4-FFF2-40B4-BE49-F238E27FC236}">
+                <a16:creationId xmlns:a16="http://schemas.microsoft.com/office/drawing/2014/main" id="{1F5DC8C3-BA5F-4EED-BB9A-A14272BD82A1}"/>
+              </a:ext>
+              <a:ext uri="{C183D7F6-B498-43B3-948B-1728B52AA6E4}">
+                <adec:decorative xmlns:adec="http://schemas.microsoft.com/office/drawing/2017/decorative" val="1"/>
+              </a:ext>
+            </a:extLst>
+          </p:cNvPr>
+          <p:cNvCxnSpPr>
+            <a:cxnSpLocks noGrp="1" noRot="1" noChangeAspect="1" noMove="1" noResize="1" noEditPoints="1" noAdjustHandles="1" noChangeArrowheads="1" noChangeShapeType="1"/>
+          </p:cNvCxnSpPr>
+          <p:nvPr>
+            <p:extLst>
+              <p:ext uri="{386F3935-93C4-4BCD-93E2-E3B085C9AB24}">
+                <p16:designElem xmlns:p16="http://schemas.microsoft.com/office/powerpoint/2015/main" val="1"/>
+              </p:ext>
+            </p:extLst>
+          </p:nvPr>
+        </p:nvCxnSpPr>
+        <p:spPr>
+          <a:xfrm>
+            <a:off x="1207658" y="4474741"/>
+            <a:ext cx="9875520" cy="0"/>
+          </a:xfrm>
+          <a:prstGeom prst="line">
+            <a:avLst/>
+          </a:prstGeom>
+          <a:ln w="12700">
+            <a:solidFill>
+              <a:schemeClr val="tx1">
+                <a:lumMod val="75000"/>
+                <a:lumOff val="25000"/>
+              </a:schemeClr>
+            </a:solidFill>
+          </a:ln>
+        </p:spPr>
+        <p:style>
+          <a:lnRef idx="1">
+            <a:schemeClr val="accent1"/>
+          </a:lnRef>
+          <a:fillRef idx="0">
+            <a:schemeClr val="accent1"/>
+          </a:fillRef>
+          <a:effectRef idx="0">
+            <a:schemeClr val="accent1"/>
+          </a:effectRef>
+          <a:fontRef idx="minor">
+            <a:schemeClr val="tx1"/>
+          </a:fontRef>
+        </p:style>
+      </p:cxnSp>
+      <p:sp useBgFill="1">
+        <p:nvSpPr>
+          <p:cNvPr id="40" name="Rectangle 31">
+            <a:extLst>
+              <a:ext uri="{FF2B5EF4-FFF2-40B4-BE49-F238E27FC236}">
+                <a16:creationId xmlns:a16="http://schemas.microsoft.com/office/drawing/2014/main" id="{B4D0E555-16F6-44D0-BF56-AF5FF5BDE9D6}"/>
+              </a:ext>
+              <a:ext uri="{C183D7F6-B498-43B3-948B-1728B52AA6E4}">
+                <adec:decorative xmlns:adec="http://schemas.microsoft.com/office/drawing/2017/decorative" val="1"/>
+              </a:ext>
+            </a:extLst>
+          </p:cNvPr>
+          <p:cNvSpPr>
+            <a:spLocks noGrp="1" noRot="1" noChangeAspect="1" noMove="1" noResize="1" noEditPoints="1" noAdjustHandles="1" noChangeArrowheads="1" noChangeShapeType="1" noTextEdit="1"/>
+          </p:cNvSpPr>
+          <p:nvPr>
+            <p:extLst>
+              <p:ext uri="{386F3935-93C4-4BCD-93E2-E3B085C9AB24}">
+                <p16:designElem xmlns:p16="http://schemas.microsoft.com/office/powerpoint/2015/main" val="1"/>
+              </p:ext>
+            </p:extLst>
+          </p:nvPr>
+        </p:nvSpPr>
+        <p:spPr>
+          <a:xfrm>
+            <a:off x="0" y="0"/>
+            <a:ext cx="12192000" cy="6858000"/>
+          </a:xfrm>
+          <a:prstGeom prst="rect">
+            <a:avLst/>
+          </a:prstGeom>
+          <a:ln>
+            <a:noFill/>
+          </a:ln>
+        </p:spPr>
+        <p:style>
+          <a:lnRef idx="2">
+            <a:schemeClr val="accent1">
+              <a:shade val="50000"/>
+            </a:schemeClr>
+          </a:lnRef>
+          <a:fillRef idx="1001">
+            <a:schemeClr val="lt1"/>
+          </a:fillRef>
+          <a:effectRef idx="0">
+            <a:schemeClr val="accent1"/>
+          </a:effectRef>
+          <a:fontRef idx="minor">
+            <a:schemeClr val="lt1"/>
+          </a:fontRef>
+        </p:style>
+        <p:txBody>
+          <a:bodyPr rtlCol="0" anchor="ctr"/>
+          <a:lstStyle/>
+          <a:p>
+            <a:pPr algn="ctr"/>
+            <a:endParaRPr lang="en-US"/>
+          </a:p>
+        </p:txBody>
+      </p:sp>
+      <p:sp>
+        <p:nvSpPr>
+          <p:cNvPr id="41" name="Rectangle 33">
+            <a:extLst>
+              <a:ext uri="{FF2B5EF4-FFF2-40B4-BE49-F238E27FC236}">
+                <a16:creationId xmlns:a16="http://schemas.microsoft.com/office/drawing/2014/main" id="{8117041D-1A7B-4ECA-AB68-3CFDB6726B8E}"/>
+              </a:ext>
+              <a:ext uri="{C183D7F6-B498-43B3-948B-1728B52AA6E4}">
+                <adec:decorative xmlns:adec="http://schemas.microsoft.com/office/drawing/2017/decorative" val="1"/>
+              </a:ext>
+            </a:extLst>
+          </p:cNvPr>
+          <p:cNvSpPr>
+            <a:spLocks noGrp="1" noRot="1" noChangeAspect="1" noMove="1" noResize="1" noEditPoints="1" noAdjustHandles="1" noChangeArrowheads="1" noChangeShapeType="1" noTextEdit="1"/>
+          </p:cNvSpPr>
+          <p:nvPr>
+            <p:extLst>
+              <p:ext uri="{386F3935-93C4-4BCD-93E2-E3B085C9AB24}">
+                <p16:designElem xmlns:p16="http://schemas.microsoft.com/office/powerpoint/2015/main" val="1"/>
+              </p:ext>
+            </p:extLst>
+          </p:nvPr>
+        </p:nvSpPr>
+        <p:spPr bwMode="white">
+          <a:xfrm>
+            <a:off x="-6220" y="0"/>
+            <a:ext cx="4641314" cy="6858000"/>
+          </a:xfrm>
+          <a:prstGeom prst="rect">
+            <a:avLst/>
+          </a:prstGeom>
+          <a:solidFill>
+            <a:srgbClr val="262626"/>
+          </a:solidFill>
+          <a:ln>
+            <a:noFill/>
+          </a:ln>
+        </p:spPr>
+        <p:style>
+          <a:lnRef idx="2">
+            <a:schemeClr val="accent1">
+              <a:shade val="50000"/>
+            </a:schemeClr>
+          </a:lnRef>
+          <a:fillRef idx="1">
+            <a:schemeClr val="accent1"/>
+          </a:fillRef>
+          <a:effectRef idx="0">
+            <a:schemeClr val="accent1"/>
+          </a:effectRef>
+          <a:fontRef idx="minor">
+            <a:schemeClr val="lt1"/>
+          </a:fontRef>
+        </p:style>
+      </p:sp>
+      <p:sp>
+        <p:nvSpPr>
           <p:cNvPr id="2" name="Title 1">
             <a:extLst>
               <a:ext uri="{FF2B5EF4-FFF2-40B4-BE49-F238E27FC236}">
@@ -7312,72 +8954,166 @@
             <p:ph type="title"/>
           </p:nvPr>
         </p:nvSpPr>
-        <p:spPr/>
-        <p:txBody>
-          <a:bodyPr/>
-          <a:lstStyle/>
-          <a:p>
-            <a:r>
-              <a:rPr lang="en-US" dirty="0"/>
-              <a:t>DATA ANALYSIS - 2</a:t>
-            </a:r>
-            <a:endParaRPr lang="en-CA" dirty="0"/>
-          </a:p>
-        </p:txBody>
-      </p:sp>
-      <p:sp>
-        <p:nvSpPr>
-          <p:cNvPr id="3" name="Content Placeholder 2">
-            <a:extLst>
-              <a:ext uri="{FF2B5EF4-FFF2-40B4-BE49-F238E27FC236}">
-                <a16:creationId xmlns:a16="http://schemas.microsoft.com/office/drawing/2014/main" id="{C990EB9B-20EF-41D2-BF3A-03ED63507C68}"/>
-              </a:ext>
-            </a:extLst>
-          </p:cNvPr>
-          <p:cNvSpPr>
-            <a:spLocks noGrp="1"/>
-          </p:cNvSpPr>
-          <p:nvPr>
-            <p:ph idx="1"/>
-          </p:nvPr>
-        </p:nvSpPr>
-        <p:spPr/>
-        <p:txBody>
-          <a:bodyPr>
+        <p:spPr>
+          <a:xfrm>
+            <a:off x="435869" y="640080"/>
+            <a:ext cx="3659246" cy="2862699"/>
+          </a:xfrm>
+        </p:spPr>
+        <p:txBody>
+          <a:bodyPr vert="horz" lIns="91440" tIns="45720" rIns="91440" bIns="45720" rtlCol="0" anchor="b">
             <a:normAutofit/>
           </a:bodyPr>
           <a:lstStyle/>
           <a:p>
+            <a:r>
+              <a:rPr lang="en-US" sz="4400">
+                <a:solidFill>
+                  <a:srgbClr val="FFFFFF"/>
+                </a:solidFill>
+              </a:rPr>
+              <a:t>DATA ANALYSIS - 1</a:t>
+            </a:r>
+          </a:p>
+        </p:txBody>
+      </p:sp>
+      <p:sp>
+        <p:nvSpPr>
+          <p:cNvPr id="3" name="Content Placeholder 2">
+            <a:extLst>
+              <a:ext uri="{FF2B5EF4-FFF2-40B4-BE49-F238E27FC236}">
+                <a16:creationId xmlns:a16="http://schemas.microsoft.com/office/drawing/2014/main" id="{C990EB9B-20EF-41D2-BF3A-03ED63507C68}"/>
+              </a:ext>
+            </a:extLst>
+          </p:cNvPr>
+          <p:cNvSpPr>
+            <a:spLocks noGrp="1"/>
+          </p:cNvSpPr>
+          <p:nvPr>
+            <p:ph idx="1"/>
+          </p:nvPr>
+        </p:nvSpPr>
+        <p:spPr>
+          <a:xfrm>
+            <a:off x="435869" y="3824516"/>
+            <a:ext cx="3659246" cy="2393403"/>
+          </a:xfrm>
+        </p:spPr>
+        <p:txBody>
+          <a:bodyPr vert="horz" lIns="91440" tIns="45720" rIns="91440" bIns="45720" rtlCol="0">
+            <a:normAutofit/>
+          </a:bodyPr>
+          <a:lstStyle/>
+          <a:p>
             <a:pPr marL="0" indent="0">
+              <a:lnSpc>
+                <a:spcPct val="100000"/>
+              </a:lnSpc>
               <a:buNone/>
             </a:pPr>
             <a:r>
-              <a:rPr lang="en-US" dirty="0"/>
-              <a:t>How has the average sugar intake changed over time?</a:t>
-            </a:r>
-          </a:p>
-          <a:p>
-            <a:pPr marL="635508" lvl="1" indent="-342900">
-              <a:buFont typeface="Arial" panose="020B0604020202020204" pitchFamily="34" charset="0"/>
-              <a:buChar char="•"/>
-            </a:pPr>
-            <a:r>
-              <a:rPr lang="en-US" dirty="0"/>
-              <a:t>Based on sugar intake data, there has been an increasing consumption from 1993 to 2013 for majority of countries.</a:t>
-            </a:r>
-          </a:p>
-          <a:p>
-            <a:pPr marL="0" indent="0">
-              <a:buNone/>
-            </a:pPr>
-            <a:endParaRPr lang="en-CA" dirty="0"/>
-          </a:p>
-        </p:txBody>
-      </p:sp>
+              <a:rPr lang="en-US" sz="1500" cap="all" spc="200">
+                <a:solidFill>
+                  <a:srgbClr val="FFFFFF"/>
+                </a:solidFill>
+              </a:rPr>
+              <a:t>What is the average daily sugar intake and which countries have the highest sugar consumption?</a:t>
+            </a:r>
+          </a:p>
+        </p:txBody>
+      </p:sp>
+      <p:cxnSp>
+        <p:nvCxnSpPr>
+          <p:cNvPr id="42" name="Straight Connector 35">
+            <a:extLst>
+              <a:ext uri="{FF2B5EF4-FFF2-40B4-BE49-F238E27FC236}">
+                <a16:creationId xmlns:a16="http://schemas.microsoft.com/office/drawing/2014/main" id="{ABCD2462-4C1E-401A-AC2D-F799A138B245}"/>
+              </a:ext>
+              <a:ext uri="{C183D7F6-B498-43B3-948B-1728B52AA6E4}">
+                <adec:decorative xmlns:adec="http://schemas.microsoft.com/office/drawing/2017/decorative" val="1"/>
+              </a:ext>
+            </a:extLst>
+          </p:cNvPr>
+          <p:cNvCxnSpPr>
+            <a:cxnSpLocks noGrp="1" noRot="1" noChangeAspect="1" noMove="1" noResize="1" noEditPoints="1" noAdjustHandles="1" noChangeArrowheads="1" noChangeShapeType="1"/>
+          </p:cNvCxnSpPr>
+          <p:nvPr>
+            <p:extLst>
+              <p:ext uri="{386F3935-93C4-4BCD-93E2-E3B085C9AB24}">
+                <p16:designElem xmlns:p16="http://schemas.microsoft.com/office/powerpoint/2015/main" val="1"/>
+              </p:ext>
+            </p:extLst>
+          </p:nvPr>
+        </p:nvCxnSpPr>
+        <p:spPr>
+          <a:xfrm>
+            <a:off x="573852" y="3663649"/>
+            <a:ext cx="3383280" cy="0"/>
+          </a:xfrm>
+          <a:prstGeom prst="line">
+            <a:avLst/>
+          </a:prstGeom>
+          <a:ln w="19050">
+            <a:solidFill>
+              <a:schemeClr val="accent1"/>
+            </a:solidFill>
+          </a:ln>
+        </p:spPr>
+        <p:style>
+          <a:lnRef idx="1">
+            <a:schemeClr val="accent1"/>
+          </a:lnRef>
+          <a:fillRef idx="0">
+            <a:schemeClr val="accent1"/>
+          </a:fillRef>
+          <a:effectRef idx="0">
+            <a:schemeClr val="accent1"/>
+          </a:effectRef>
+          <a:fontRef idx="minor">
+            <a:schemeClr val="tx1"/>
+          </a:fontRef>
+        </p:style>
+      </p:cxnSp>
+      <p:pic>
+        <p:nvPicPr>
+          <p:cNvPr id="5" name="Picture 4" descr="Chart, bar chart&#10;&#10;Description automatically generated">
+            <a:extLst>
+              <a:ext uri="{FF2B5EF4-FFF2-40B4-BE49-F238E27FC236}">
+                <a16:creationId xmlns:a16="http://schemas.microsoft.com/office/drawing/2014/main" id="{71E98362-75E4-4528-8654-D6BA786AF7CB}"/>
+              </a:ext>
+            </a:extLst>
+          </p:cNvPr>
+          <p:cNvPicPr>
+            <a:picLocks noChangeAspect="1"/>
+          </p:cNvPicPr>
+          <p:nvPr/>
+        </p:nvPicPr>
+        <p:blipFill>
+          <a:blip r:embed="rId2">
+            <a:extLst>
+              <a:ext uri="{28A0092B-C50C-407E-A947-70E740481C1C}">
+                <a14:useLocalDpi xmlns:a14="http://schemas.microsoft.com/office/drawing/2010/main" val="0"/>
+              </a:ext>
+            </a:extLst>
+          </a:blip>
+          <a:stretch>
+            <a:fillRect/>
+          </a:stretch>
+        </p:blipFill>
+        <p:spPr>
+          <a:xfrm>
+            <a:off x="5282335" y="1337111"/>
+            <a:ext cx="6275667" cy="4183777"/>
+          </a:xfrm>
+          <a:prstGeom prst="rect">
+            <a:avLst/>
+          </a:prstGeom>
+        </p:spPr>
+      </p:pic>
     </p:spTree>
     <p:extLst>
       <p:ext uri="{BB962C8B-B14F-4D97-AF65-F5344CB8AC3E}">
-        <p14:creationId xmlns:p14="http://schemas.microsoft.com/office/powerpoint/2010/main" val="268587227"/>
+        <p14:creationId xmlns:p14="http://schemas.microsoft.com/office/powerpoint/2010/main" val="2071876068"/>
       </p:ext>
     </p:extLst>
   </p:cSld>

--- a/Effects of Sugar Consumption.pptx
+++ b/Effects of Sugar Consumption.pptx
@@ -7092,7 +7092,7 @@
             </a:pPr>
             <a:r>
               <a:rPr lang="en-US" dirty="0"/>
-              <a:t>As we investigated this article, we wondered what the average daily sugar intake is and got curious if we are eating too much sugar.</a:t>
+              <a:t>As we investigated this article, we wondered what the average daily sugar intake is and got curious if we are eating too much sugar that may be detrimental to our health.</a:t>
             </a:r>
           </a:p>
           <a:p>

--- a/Effects of Sugar Consumption.pptx
+++ b/Effects of Sugar Consumption.pptx
@@ -5,28 +5,29 @@
     <p:sldMasterId id="2147483768" r:id="rId1"/>
   </p:sldMasterIdLst>
   <p:notesMasterIdLst>
-    <p:notesMasterId r:id="rId21"/>
+    <p:notesMasterId r:id="rId22"/>
   </p:notesMasterIdLst>
   <p:sldIdLst>
     <p:sldId id="256" r:id="rId2"/>
     <p:sldId id="266" r:id="rId3"/>
-    <p:sldId id="262" r:id="rId4"/>
-    <p:sldId id="258" r:id="rId5"/>
-    <p:sldId id="259" r:id="rId6"/>
-    <p:sldId id="260" r:id="rId7"/>
-    <p:sldId id="264" r:id="rId8"/>
-    <p:sldId id="276" r:id="rId9"/>
-    <p:sldId id="277" r:id="rId10"/>
-    <p:sldId id="268" r:id="rId11"/>
-    <p:sldId id="279" r:id="rId12"/>
-    <p:sldId id="269" r:id="rId13"/>
-    <p:sldId id="270" r:id="rId14"/>
-    <p:sldId id="271" r:id="rId15"/>
-    <p:sldId id="272" r:id="rId16"/>
-    <p:sldId id="267" r:id="rId17"/>
-    <p:sldId id="273" r:id="rId18"/>
-    <p:sldId id="274" r:id="rId19"/>
-    <p:sldId id="275" r:id="rId20"/>
+    <p:sldId id="284" r:id="rId4"/>
+    <p:sldId id="280" r:id="rId5"/>
+    <p:sldId id="258" r:id="rId6"/>
+    <p:sldId id="287" r:id="rId7"/>
+    <p:sldId id="285" r:id="rId8"/>
+    <p:sldId id="264" r:id="rId9"/>
+    <p:sldId id="276" r:id="rId10"/>
+    <p:sldId id="286" r:id="rId11"/>
+    <p:sldId id="277" r:id="rId12"/>
+    <p:sldId id="268" r:id="rId13"/>
+    <p:sldId id="279" r:id="rId14"/>
+    <p:sldId id="269" r:id="rId15"/>
+    <p:sldId id="270" r:id="rId16"/>
+    <p:sldId id="271" r:id="rId17"/>
+    <p:sldId id="267" r:id="rId18"/>
+    <p:sldId id="273" r:id="rId19"/>
+    <p:sldId id="274" r:id="rId20"/>
+    <p:sldId id="275" r:id="rId21"/>
   </p:sldIdLst>
   <p:sldSz cx="12192000" cy="6858000"/>
   <p:notesSz cx="6858000" cy="9144000"/>
@@ -527,10 +528,23 @@
           <a:bodyPr/>
           <a:lstStyle/>
           <a:p>
-            <a:r>
-              <a:rPr lang="en-US" dirty="0"/>
-              <a:t>We saw various articles about negative effects of sugar consumption, we just wanted to see how it affects our health and economy if this trend continues.</a:t>
-            </a:r>
+            <a:pPr marL="0" marR="0" lvl="0" indent="0" algn="l" defTabSz="914400" rtl="0" eaLnBrk="1" fontAlgn="auto" latinLnBrk="0" hangingPunct="1">
+              <a:lnSpc>
+                <a:spcPct val="100000"/>
+              </a:lnSpc>
+              <a:spcBef>
+                <a:spcPts val="0"/>
+              </a:spcBef>
+              <a:spcAft>
+                <a:spcPts val="0"/>
+              </a:spcAft>
+              <a:buClrTx/>
+              <a:buSzTx/>
+              <a:buFontTx/>
+              <a:buNone/>
+              <a:tabLst/>
+              <a:defRPr/>
+            </a:pPr>
             <a:endParaRPr lang="en-CA" dirty="0"/>
           </a:p>
         </p:txBody>
@@ -561,7 +575,7 @@
     </p:spTree>
     <p:extLst>
       <p:ext uri="{BB962C8B-B14F-4D97-AF65-F5344CB8AC3E}">
-        <p14:creationId xmlns:p14="http://schemas.microsoft.com/office/powerpoint/2010/main" val="993468345"/>
+        <p14:creationId xmlns:p14="http://schemas.microsoft.com/office/powerpoint/2010/main" val="3382267332"/>
       </p:ext>
     </p:extLst>
   </p:cSld>
@@ -615,6 +629,23 @@
           <a:bodyPr/>
           <a:lstStyle/>
           <a:p>
+            <a:pPr marL="0" marR="0" lvl="0" indent="0" algn="l" defTabSz="914400" rtl="0" eaLnBrk="1" fontAlgn="auto" latinLnBrk="0" hangingPunct="1">
+              <a:lnSpc>
+                <a:spcPct val="100000"/>
+              </a:lnSpc>
+              <a:spcBef>
+                <a:spcPts val="0"/>
+              </a:spcBef>
+              <a:spcAft>
+                <a:spcPts val="0"/>
+              </a:spcAft>
+              <a:buClrTx/>
+              <a:buSzTx/>
+              <a:buFontTx/>
+              <a:buNone/>
+              <a:tabLst/>
+              <a:defRPr/>
+            </a:pPr>
             <a:endParaRPr lang="en-CA" dirty="0"/>
           </a:p>
         </p:txBody>
@@ -636,7 +667,7 @@
           <a:p>
             <a:fld id="{EE596BCB-CEC5-4086-BD46-775CD732B91C}" type="slidenum">
               <a:rPr lang="en-CA" smtClean="0"/>
-              <a:t>16</a:t>
+              <a:t>6</a:t>
             </a:fld>
             <a:endParaRPr lang="en-CA"/>
           </a:p>
@@ -645,7 +676,7 @@
     </p:spTree>
     <p:extLst>
       <p:ext uri="{BB962C8B-B14F-4D97-AF65-F5344CB8AC3E}">
-        <p14:creationId xmlns:p14="http://schemas.microsoft.com/office/powerpoint/2010/main" val="4044454483"/>
+        <p14:creationId xmlns:p14="http://schemas.microsoft.com/office/powerpoint/2010/main" val="883847774"/>
       </p:ext>
     </p:extLst>
   </p:cSld>
@@ -729,7 +760,7 @@
     </p:spTree>
     <p:extLst>
       <p:ext uri="{BB962C8B-B14F-4D97-AF65-F5344CB8AC3E}">
-        <p14:creationId xmlns:p14="http://schemas.microsoft.com/office/powerpoint/2010/main" val="2551899433"/>
+        <p14:creationId xmlns:p14="http://schemas.microsoft.com/office/powerpoint/2010/main" val="4044454483"/>
       </p:ext>
     </p:extLst>
   </p:cSld>
@@ -813,7 +844,7 @@
     </p:spTree>
     <p:extLst>
       <p:ext uri="{BB962C8B-B14F-4D97-AF65-F5344CB8AC3E}">
-        <p14:creationId xmlns:p14="http://schemas.microsoft.com/office/powerpoint/2010/main" val="1214460706"/>
+        <p14:creationId xmlns:p14="http://schemas.microsoft.com/office/powerpoint/2010/main" val="2551899433"/>
       </p:ext>
     </p:extLst>
   </p:cSld>
@@ -889,6 +920,90 @@
             <a:fld id="{EE596BCB-CEC5-4086-BD46-775CD732B91C}" type="slidenum">
               <a:rPr lang="en-CA" smtClean="0"/>
               <a:t>19</a:t>
+            </a:fld>
+            <a:endParaRPr lang="en-CA"/>
+          </a:p>
+        </p:txBody>
+      </p:sp>
+    </p:spTree>
+    <p:extLst>
+      <p:ext uri="{BB962C8B-B14F-4D97-AF65-F5344CB8AC3E}">
+        <p14:creationId xmlns:p14="http://schemas.microsoft.com/office/powerpoint/2010/main" val="1214460706"/>
+      </p:ext>
+    </p:extLst>
+  </p:cSld>
+  <p:clrMapOvr>
+    <a:masterClrMapping/>
+  </p:clrMapOvr>
+</p:notes>
+</file>
+
+<file path=ppt/notesSlides/notesSlide6.xml><?xml version="1.0" encoding="utf-8"?>
+<p:notes xmlns:a="http://schemas.openxmlformats.org/drawingml/2006/main" xmlns:r="http://schemas.openxmlformats.org/officeDocument/2006/relationships" xmlns:p="http://schemas.openxmlformats.org/presentationml/2006/main">
+  <p:cSld>
+    <p:spTree>
+      <p:nvGrpSpPr>
+        <p:cNvPr id="1" name=""/>
+        <p:cNvGrpSpPr/>
+        <p:nvPr/>
+      </p:nvGrpSpPr>
+      <p:grpSpPr>
+        <a:xfrm>
+          <a:off x="0" y="0"/>
+          <a:ext cx="0" cy="0"/>
+          <a:chOff x="0" y="0"/>
+          <a:chExt cx="0" cy="0"/>
+        </a:xfrm>
+      </p:grpSpPr>
+      <p:sp>
+        <p:nvSpPr>
+          <p:cNvPr id="2" name="Slide Image Placeholder 1"/>
+          <p:cNvSpPr>
+            <a:spLocks noGrp="1" noRot="1" noChangeAspect="1"/>
+          </p:cNvSpPr>
+          <p:nvPr>
+            <p:ph type="sldImg"/>
+          </p:nvPr>
+        </p:nvSpPr>
+        <p:spPr/>
+      </p:sp>
+      <p:sp>
+        <p:nvSpPr>
+          <p:cNvPr id="3" name="Notes Placeholder 2"/>
+          <p:cNvSpPr>
+            <a:spLocks noGrp="1"/>
+          </p:cNvSpPr>
+          <p:nvPr>
+            <p:ph type="body" idx="1"/>
+          </p:nvPr>
+        </p:nvSpPr>
+        <p:spPr/>
+        <p:txBody>
+          <a:bodyPr/>
+          <a:lstStyle/>
+          <a:p>
+            <a:endParaRPr lang="en-CA" dirty="0"/>
+          </a:p>
+        </p:txBody>
+      </p:sp>
+      <p:sp>
+        <p:nvSpPr>
+          <p:cNvPr id="4" name="Slide Number Placeholder 3"/>
+          <p:cNvSpPr>
+            <a:spLocks noGrp="1"/>
+          </p:cNvSpPr>
+          <p:nvPr>
+            <p:ph type="sldNum" sz="quarter" idx="5"/>
+          </p:nvPr>
+        </p:nvSpPr>
+        <p:spPr/>
+        <p:txBody>
+          <a:bodyPr/>
+          <a:lstStyle/>
+          <a:p>
+            <a:fld id="{EE596BCB-CEC5-4086-BD46-775CD732B91C}" type="slidenum">
+              <a:rPr lang="en-CA" smtClean="0"/>
+              <a:t>20</a:t>
             </a:fld>
             <a:endParaRPr lang="en-CA"/>
           </a:p>
@@ -4903,14 +5018,6 @@
 <file path=ppt/slides/slide10.xml><?xml version="1.0" encoding="utf-8"?>
 <p:sld xmlns:a="http://schemas.openxmlformats.org/drawingml/2006/main" xmlns:r="http://schemas.openxmlformats.org/officeDocument/2006/relationships" xmlns:p="http://schemas.openxmlformats.org/presentationml/2006/main">
   <p:cSld>
-    <p:bg>
-      <p:bgPr>
-        <a:solidFill>
-          <a:schemeClr val="bg1"/>
-        </a:solidFill>
-        <a:effectLst/>
-      </p:bgPr>
-    </p:bg>
     <p:spTree>
       <p:nvGrpSpPr>
         <p:cNvPr id="1" name=""/>
@@ -4925,127 +5032,12 @@
           <a:chExt cx="0" cy="0"/>
         </a:xfrm>
       </p:grpSpPr>
-      <p:sp useBgFill="1">
-        <p:nvSpPr>
-          <p:cNvPr id="41" name="Rectangle 40">
-            <a:extLst>
-              <a:ext uri="{FF2B5EF4-FFF2-40B4-BE49-F238E27FC236}">
-                <a16:creationId xmlns:a16="http://schemas.microsoft.com/office/drawing/2014/main" id="{0AB6E427-3F73-4C06-A5D5-AE52C3883B50}"/>
-              </a:ext>
-              <a:ext uri="{C183D7F6-B498-43B3-948B-1728B52AA6E4}">
-                <adec:decorative xmlns:adec="http://schemas.microsoft.com/office/drawing/2017/decorative" val="1"/>
-              </a:ext>
-            </a:extLst>
-          </p:cNvPr>
-          <p:cNvSpPr>
-            <a:spLocks noGrp="1" noRot="1" noChangeAspect="1" noMove="1" noResize="1" noEditPoints="1" noAdjustHandles="1" noChangeArrowheads="1" noChangeShapeType="1" noTextEdit="1"/>
-          </p:cNvSpPr>
-          <p:nvPr>
-            <p:extLst>
-              <p:ext uri="{386F3935-93C4-4BCD-93E2-E3B085C9AB24}">
-                <p16:designElem xmlns:p16="http://schemas.microsoft.com/office/powerpoint/2015/main" val="1"/>
-              </p:ext>
-            </p:extLst>
-          </p:nvPr>
-        </p:nvSpPr>
-        <p:spPr>
-          <a:xfrm>
-            <a:off x="5685" y="0"/>
-            <a:ext cx="12186315" cy="6858000"/>
-          </a:xfrm>
-          <a:prstGeom prst="rect">
-            <a:avLst/>
-          </a:prstGeom>
-          <a:ln>
-            <a:noFill/>
-          </a:ln>
-        </p:spPr>
-        <p:style>
-          <a:lnRef idx="2">
-            <a:schemeClr val="accent6">
-              <a:shade val="50000"/>
-            </a:schemeClr>
-          </a:lnRef>
-          <a:fillRef idx="1001">
-            <a:schemeClr val="lt1"/>
-          </a:fillRef>
-          <a:effectRef idx="0">
-            <a:schemeClr val="accent6"/>
-          </a:effectRef>
-          <a:fontRef idx="minor">
-            <a:schemeClr val="lt1"/>
-          </a:fontRef>
-        </p:style>
-        <p:txBody>
-          <a:bodyPr rtlCol="0" anchor="ctr"/>
-          <a:lstStyle/>
-          <a:p>
-            <a:pPr algn="ctr"/>
-            <a:endParaRPr lang="en-US"/>
-          </a:p>
-        </p:txBody>
-      </p:sp>
-      <p:sp>
-        <p:nvSpPr>
-          <p:cNvPr id="43" name="Rectangle 42">
-            <a:extLst>
-              <a:ext uri="{FF2B5EF4-FFF2-40B4-BE49-F238E27FC236}">
-                <a16:creationId xmlns:a16="http://schemas.microsoft.com/office/drawing/2014/main" id="{D8C9BDAA-0390-4B39-9B5C-BC95E5120DA4}"/>
-              </a:ext>
-              <a:ext uri="{C183D7F6-B498-43B3-948B-1728B52AA6E4}">
-                <adec:decorative xmlns:adec="http://schemas.microsoft.com/office/drawing/2017/decorative" val="1"/>
-              </a:ext>
-            </a:extLst>
-          </p:cNvPr>
-          <p:cNvSpPr>
-            <a:spLocks noGrp="1" noRot="1" noChangeAspect="1" noMove="1" noResize="1" noEditPoints="1" noAdjustHandles="1" noChangeArrowheads="1" noChangeShapeType="1" noTextEdit="1"/>
-          </p:cNvSpPr>
-          <p:nvPr>
-            <p:extLst>
-              <p:ext uri="{386F3935-93C4-4BCD-93E2-E3B085C9AB24}">
-                <p16:designElem xmlns:p16="http://schemas.microsoft.com/office/powerpoint/2015/main" val="1"/>
-              </p:ext>
-            </p:extLst>
-          </p:nvPr>
-        </p:nvSpPr>
-        <p:spPr>
-          <a:xfrm>
-            <a:off x="16" y="0"/>
-            <a:ext cx="4059919" cy="6858000"/>
-          </a:xfrm>
-          <a:prstGeom prst="rect">
-            <a:avLst/>
-          </a:prstGeom>
-          <a:solidFill>
-            <a:srgbClr val="262626"/>
-          </a:solidFill>
-          <a:ln>
-            <a:noFill/>
-          </a:ln>
-        </p:spPr>
-        <p:style>
-          <a:lnRef idx="2">
-            <a:schemeClr val="accent1">
-              <a:shade val="50000"/>
-            </a:schemeClr>
-          </a:lnRef>
-          <a:fillRef idx="1">
-            <a:schemeClr val="accent1"/>
-          </a:fillRef>
-          <a:effectRef idx="0">
-            <a:schemeClr val="accent1"/>
-          </a:effectRef>
-          <a:fontRef idx="minor">
-            <a:schemeClr val="lt1"/>
-          </a:fontRef>
-        </p:style>
-      </p:sp>
       <p:sp>
         <p:nvSpPr>
           <p:cNvPr id="2" name="Title 1">
             <a:extLst>
               <a:ext uri="{FF2B5EF4-FFF2-40B4-BE49-F238E27FC236}">
-                <a16:creationId xmlns:a16="http://schemas.microsoft.com/office/drawing/2014/main" id="{9C48BE68-3EC4-4686-A2A0-8A1E03C2580F}"/>
+                <a16:creationId xmlns:a16="http://schemas.microsoft.com/office/drawing/2014/main" id="{D394FF68-0CEC-423D-AF00-3E7A83639720}"/>
               </a:ext>
             </a:extLst>
           </p:cNvPr>
@@ -5056,92 +5048,25 @@
             <p:ph type="title"/>
           </p:nvPr>
         </p:nvSpPr>
-        <p:spPr>
-          <a:xfrm>
-            <a:off x="492370" y="516836"/>
-            <a:ext cx="3084844" cy="1961086"/>
-          </a:xfrm>
-        </p:spPr>
-        <p:txBody>
-          <a:bodyPr>
-            <a:normAutofit/>
-          </a:bodyPr>
-          <a:lstStyle/>
-          <a:p>
-            <a:r>
-              <a:rPr lang="en-US" sz="4000">
-                <a:solidFill>
-                  <a:srgbClr val="FFFFFF"/>
-                </a:solidFill>
-              </a:rPr>
-              <a:t>DATA ANALYSIS - 2</a:t>
-            </a:r>
-            <a:endParaRPr lang="en-CA" sz="4000">
-              <a:solidFill>
-                <a:srgbClr val="FFFFFF"/>
-              </a:solidFill>
-            </a:endParaRPr>
-          </a:p>
-        </p:txBody>
-      </p:sp>
-      <p:cxnSp>
-        <p:nvCxnSpPr>
-          <p:cNvPr id="45" name="Straight Connector 44">
-            <a:extLst>
-              <a:ext uri="{FF2B5EF4-FFF2-40B4-BE49-F238E27FC236}">
-                <a16:creationId xmlns:a16="http://schemas.microsoft.com/office/drawing/2014/main" id="{E04A321A-A039-4720-87B4-66A4210E0D57}"/>
-              </a:ext>
-              <a:ext uri="{C183D7F6-B498-43B3-948B-1728B52AA6E4}">
-                <adec:decorative xmlns:adec="http://schemas.microsoft.com/office/drawing/2017/decorative" val="1"/>
-              </a:ext>
-            </a:extLst>
-          </p:cNvPr>
-          <p:cNvCxnSpPr>
-            <a:cxnSpLocks noGrp="1" noRot="1" noChangeAspect="1" noMove="1" noResize="1" noEditPoints="1" noAdjustHandles="1" noChangeArrowheads="1" noChangeShapeType="1"/>
-          </p:cNvCxnSpPr>
-          <p:nvPr>
-            <p:extLst>
-              <p:ext uri="{386F3935-93C4-4BCD-93E2-E3B085C9AB24}">
-                <p16:designElem xmlns:p16="http://schemas.microsoft.com/office/powerpoint/2015/main" val="1"/>
-              </p:ext>
-            </p:extLst>
-          </p:nvPr>
-        </p:nvCxnSpPr>
-        <p:spPr>
-          <a:xfrm>
-            <a:off x="571752" y="2638787"/>
-            <a:ext cx="2743200" cy="0"/>
-          </a:xfrm>
-          <a:prstGeom prst="line">
-            <a:avLst/>
-          </a:prstGeom>
-          <a:ln w="19050">
-            <a:solidFill>
-              <a:schemeClr val="accent1"/>
-            </a:solidFill>
-          </a:ln>
-        </p:spPr>
-        <p:style>
-          <a:lnRef idx="1">
-            <a:schemeClr val="accent1"/>
-          </a:lnRef>
-          <a:fillRef idx="0">
-            <a:schemeClr val="accent1"/>
-          </a:fillRef>
-          <a:effectRef idx="0">
-            <a:schemeClr val="accent1"/>
-          </a:effectRef>
-          <a:fontRef idx="minor">
-            <a:schemeClr val="tx1"/>
-          </a:fontRef>
-        </p:style>
-      </p:cxnSp>
+        <p:spPr/>
+        <p:txBody>
+          <a:bodyPr/>
+          <a:lstStyle/>
+          <a:p>
+            <a:r>
+              <a:rPr lang="en-US" dirty="0"/>
+              <a:t>DATA ANALYSIS</a:t>
+            </a:r>
+            <a:endParaRPr lang="en-CA" dirty="0"/>
+          </a:p>
+        </p:txBody>
+      </p:sp>
       <p:sp>
         <p:nvSpPr>
           <p:cNvPr id="3" name="Content Placeholder 2">
             <a:extLst>
               <a:ext uri="{FF2B5EF4-FFF2-40B4-BE49-F238E27FC236}">
-                <a16:creationId xmlns:a16="http://schemas.microsoft.com/office/drawing/2014/main" id="{C990EB9B-20EF-41D2-BF3A-03ED63507C68}"/>
+                <a16:creationId xmlns:a16="http://schemas.microsoft.com/office/drawing/2014/main" id="{2079D1A8-EC57-4550-8A11-A04DFEDC2D9E}"/>
               </a:ext>
             </a:extLst>
           </p:cNvPr>
@@ -5154,80 +5079,35 @@
         </p:nvSpPr>
         <p:spPr>
           <a:xfrm>
-            <a:off x="571752" y="2799654"/>
-            <a:ext cx="3005462" cy="3189665"/>
-          </a:xfrm>
-        </p:spPr>
-        <p:txBody>
-          <a:bodyPr>
-            <a:normAutofit/>
-          </a:bodyPr>
+            <a:off x="5527810" y="812798"/>
+            <a:ext cx="5928344" cy="5294757"/>
+          </a:xfrm>
+        </p:spPr>
+        <p:txBody>
+          <a:bodyPr/>
           <a:lstStyle/>
           <a:p>
             <a:pPr marL="0" indent="0">
               <a:buNone/>
             </a:pPr>
             <a:r>
-              <a:rPr lang="en-US">
-                <a:solidFill>
-                  <a:srgbClr val="FFFFFF"/>
-                </a:solidFill>
-              </a:rPr>
-              <a:t>How has the average sugar intake changed over time?</a:t>
-            </a:r>
-          </a:p>
-          <a:p>
-            <a:pPr marL="0" indent="0">
-              <a:buNone/>
+              <a:rPr lang="en-US" dirty="0"/>
+              <a:t>The next few slides will show how we get the results.</a:t>
+            </a:r>
+          </a:p>
+          <a:p>
+            <a:pPr marL="342900" indent="-342900">
+              <a:buFont typeface="+mj-lt"/>
+              <a:buAutoNum type="arabicPeriod"/>
             </a:pPr>
-            <a:endParaRPr lang="en-CA">
-              <a:solidFill>
-                <a:srgbClr val="FFFFFF"/>
-              </a:solidFill>
-            </a:endParaRPr>
-          </a:p>
-        </p:txBody>
-      </p:sp>
-      <p:pic>
-        <p:nvPicPr>
-          <p:cNvPr id="9" name="Picture 8" descr="Chart, line chart&#10;&#10;Description automatically generated">
-            <a:extLst>
-              <a:ext uri="{FF2B5EF4-FFF2-40B4-BE49-F238E27FC236}">
-                <a16:creationId xmlns:a16="http://schemas.microsoft.com/office/drawing/2014/main" id="{F1C01EE7-481C-407B-9B3A-05DA5D5D66BA}"/>
-              </a:ext>
-            </a:extLst>
-          </p:cNvPr>
-          <p:cNvPicPr>
-            <a:picLocks noChangeAspect="1"/>
-          </p:cNvPicPr>
-          <p:nvPr/>
-        </p:nvPicPr>
-        <p:blipFill>
-          <a:blip r:embed="rId2">
-            <a:extLst>
-              <a:ext uri="{28A0092B-C50C-407E-A947-70E740481C1C}">
-                <a14:useLocalDpi xmlns:a14="http://schemas.microsoft.com/office/drawing/2010/main" val="0"/>
-              </a:ext>
-            </a:extLst>
-          </a:blip>
-          <a:stretch>
-            <a:fillRect/>
-          </a:stretch>
-        </p:blipFill>
-        <p:spPr>
-          <a:xfrm>
-            <a:off x="4742017" y="1576523"/>
-            <a:ext cx="6798082" cy="3704954"/>
-          </a:xfrm>
-          <a:prstGeom prst="rect">
-            <a:avLst/>
-          </a:prstGeom>
-        </p:spPr>
-      </p:pic>
+            <a:endParaRPr lang="en-CA" dirty="0"/>
+          </a:p>
+        </p:txBody>
+      </p:sp>
     </p:spTree>
     <p:extLst>
       <p:ext uri="{BB962C8B-B14F-4D97-AF65-F5344CB8AC3E}">
-        <p14:creationId xmlns:p14="http://schemas.microsoft.com/office/powerpoint/2010/main" val="268587227"/>
+        <p14:creationId xmlns:p14="http://schemas.microsoft.com/office/powerpoint/2010/main" val="3323730400"/>
       </p:ext>
     </p:extLst>
   </p:cSld>
@@ -5262,12 +5142,12 @@
           <a:chExt cx="0" cy="0"/>
         </a:xfrm>
       </p:grpSpPr>
-      <p:sp>
-        <p:nvSpPr>
-          <p:cNvPr id="87" name="Rectangle 86">
-            <a:extLst>
-              <a:ext uri="{FF2B5EF4-FFF2-40B4-BE49-F238E27FC236}">
-                <a16:creationId xmlns:a16="http://schemas.microsoft.com/office/drawing/2014/main" id="{39E3965E-AC41-4711-9D10-E25ABB132D86}"/>
+      <p:sp useBgFill="1">
+        <p:nvSpPr>
+          <p:cNvPr id="56" name="Rectangle 55">
+            <a:extLst>
+              <a:ext uri="{FF2B5EF4-FFF2-40B4-BE49-F238E27FC236}">
+                <a16:creationId xmlns:a16="http://schemas.microsoft.com/office/drawing/2014/main" id="{0AB6E427-3F73-4C06-A5D5-AE52C3883B50}"/>
               </a:ext>
               <a:ext uri="{C183D7F6-B498-43B3-948B-1728B52AA6E4}">
                 <adec:decorative xmlns:adec="http://schemas.microsoft.com/office/drawing/2017/decorative" val="1"/>
@@ -5287,8 +5167,68 @@
         </p:nvSpPr>
         <p:spPr>
           <a:xfrm>
-            <a:off x="3175" y="6400800"/>
-            <a:ext cx="12188825" cy="457200"/>
+            <a:off x="5685" y="0"/>
+            <a:ext cx="12186315" cy="6858000"/>
+          </a:xfrm>
+          <a:prstGeom prst="rect">
+            <a:avLst/>
+          </a:prstGeom>
+          <a:ln>
+            <a:noFill/>
+          </a:ln>
+        </p:spPr>
+        <p:style>
+          <a:lnRef idx="2">
+            <a:schemeClr val="accent6">
+              <a:shade val="50000"/>
+            </a:schemeClr>
+          </a:lnRef>
+          <a:fillRef idx="1001">
+            <a:schemeClr val="lt1"/>
+          </a:fillRef>
+          <a:effectRef idx="0">
+            <a:schemeClr val="accent6"/>
+          </a:effectRef>
+          <a:fontRef idx="minor">
+            <a:schemeClr val="lt1"/>
+          </a:fontRef>
+        </p:style>
+        <p:txBody>
+          <a:bodyPr rtlCol="0" anchor="ctr"/>
+          <a:lstStyle/>
+          <a:p>
+            <a:pPr algn="ctr"/>
+            <a:endParaRPr lang="en-US"/>
+          </a:p>
+        </p:txBody>
+      </p:sp>
+      <p:sp>
+        <p:nvSpPr>
+          <p:cNvPr id="58" name="Rectangle 57">
+            <a:extLst>
+              <a:ext uri="{FF2B5EF4-FFF2-40B4-BE49-F238E27FC236}">
+                <a16:creationId xmlns:a16="http://schemas.microsoft.com/office/drawing/2014/main" id="{D8C9BDAA-0390-4B39-9B5C-BC95E5120DA4}"/>
+              </a:ext>
+              <a:ext uri="{C183D7F6-B498-43B3-948B-1728B52AA6E4}">
+                <adec:decorative xmlns:adec="http://schemas.microsoft.com/office/drawing/2017/decorative" val="1"/>
+              </a:ext>
+            </a:extLst>
+          </p:cNvPr>
+          <p:cNvSpPr>
+            <a:spLocks noGrp="1" noRot="1" noChangeAspect="1" noMove="1" noResize="1" noEditPoints="1" noAdjustHandles="1" noChangeArrowheads="1" noChangeShapeType="1" noTextEdit="1"/>
+          </p:cNvSpPr>
+          <p:nvPr>
+            <p:extLst>
+              <p:ext uri="{386F3935-93C4-4BCD-93E2-E3B085C9AB24}">
+                <p16:designElem xmlns:p16="http://schemas.microsoft.com/office/powerpoint/2015/main" val="1"/>
+              </p:ext>
+            </p:extLst>
+          </p:nvPr>
+        </p:nvSpPr>
+        <p:spPr>
+          <a:xfrm>
+            <a:off x="16" y="0"/>
+            <a:ext cx="4059919" cy="6858000"/>
           </a:xfrm>
           <a:prstGeom prst="rect">
             <a:avLst/>
@@ -5317,12 +5257,80 @@
           </a:fontRef>
         </p:style>
       </p:sp>
+      <p:sp>
+        <p:nvSpPr>
+          <p:cNvPr id="2" name="Title 1">
+            <a:extLst>
+              <a:ext uri="{FF2B5EF4-FFF2-40B4-BE49-F238E27FC236}">
+                <a16:creationId xmlns:a16="http://schemas.microsoft.com/office/drawing/2014/main" id="{9C48BE68-3EC4-4686-A2A0-8A1E03C2580F}"/>
+              </a:ext>
+            </a:extLst>
+          </p:cNvPr>
+          <p:cNvSpPr>
+            <a:spLocks noGrp="1"/>
+          </p:cNvSpPr>
+          <p:nvPr>
+            <p:ph type="title"/>
+          </p:nvPr>
+        </p:nvSpPr>
+        <p:spPr>
+          <a:xfrm>
+            <a:off x="571752" y="950430"/>
+            <a:ext cx="3084844" cy="1961086"/>
+          </a:xfrm>
+        </p:spPr>
+        <p:txBody>
+          <a:bodyPr vert="horz" lIns="91440" tIns="45720" rIns="91440" bIns="45720" rtlCol="0">
+            <a:normAutofit fontScale="90000"/>
+          </a:bodyPr>
+          <a:lstStyle/>
+          <a:p>
+            <a:r>
+              <a:rPr lang="en-US" sz="2200" b="1" cap="all" spc="200" dirty="0">
+                <a:solidFill>
+                  <a:srgbClr val="FFFFFF"/>
+                </a:solidFill>
+              </a:rPr>
+              <a:t>What I the average daily sugar intake and </a:t>
+            </a:r>
+            <a:r>
+              <a:rPr lang="en-US" sz="2200" cap="all" spc="200" dirty="0">
+                <a:solidFill>
+                  <a:srgbClr val="FFFFFF"/>
+                </a:solidFill>
+                <a:latin typeface="+mn-lt"/>
+              </a:rPr>
+              <a:t>which</a:t>
+            </a:r>
+            <a:r>
+              <a:rPr lang="en-US" sz="2200" b="1" cap="all" spc="200" dirty="0">
+                <a:solidFill>
+                  <a:srgbClr val="FFFFFF"/>
+                </a:solidFill>
+              </a:rPr>
+              <a:t> countries have the highest sugar consumption?</a:t>
+            </a:r>
+            <a:br>
+              <a:rPr lang="en-US" sz="1600" cap="all" spc="200" dirty="0">
+                <a:solidFill>
+                  <a:srgbClr val="FFFFFF"/>
+                </a:solidFill>
+              </a:rPr>
+            </a:br>
+            <a:endParaRPr lang="en-US" sz="4000" dirty="0">
+              <a:solidFill>
+                <a:srgbClr val="FFFFFF"/>
+              </a:solidFill>
+            </a:endParaRPr>
+          </a:p>
+        </p:txBody>
+      </p:sp>
       <p:cxnSp>
         <p:nvCxnSpPr>
-          <p:cNvPr id="89" name="Straight Connector 88">
-            <a:extLst>
-              <a:ext uri="{FF2B5EF4-FFF2-40B4-BE49-F238E27FC236}">
-                <a16:creationId xmlns:a16="http://schemas.microsoft.com/office/drawing/2014/main" id="{1F5DC8C3-BA5F-4EED-BB9A-A14272BD82A1}"/>
+          <p:cNvPr id="60" name="Straight Connector 59">
+            <a:extLst>
+              <a:ext uri="{FF2B5EF4-FFF2-40B4-BE49-F238E27FC236}">
+                <a16:creationId xmlns:a16="http://schemas.microsoft.com/office/drawing/2014/main" id="{E04A321A-A039-4720-87B4-66A4210E0D57}"/>
               </a:ext>
               <a:ext uri="{C183D7F6-B498-43B3-948B-1728B52AA6E4}">
                 <adec:decorative xmlns:adec="http://schemas.microsoft.com/office/drawing/2017/decorative" val="1"/>
@@ -5342,225 +5350,8 @@
         </p:nvCxnSpPr>
         <p:spPr>
           <a:xfrm>
-            <a:off x="1207658" y="4474741"/>
-            <a:ext cx="9875520" cy="0"/>
-          </a:xfrm>
-          <a:prstGeom prst="line">
-            <a:avLst/>
-          </a:prstGeom>
-          <a:ln w="12700">
-            <a:solidFill>
-              <a:schemeClr val="tx1">
-                <a:lumMod val="75000"/>
-                <a:lumOff val="25000"/>
-              </a:schemeClr>
-            </a:solidFill>
-          </a:ln>
-        </p:spPr>
-        <p:style>
-          <a:lnRef idx="1">
-            <a:schemeClr val="accent1"/>
-          </a:lnRef>
-          <a:fillRef idx="0">
-            <a:schemeClr val="accent1"/>
-          </a:fillRef>
-          <a:effectRef idx="0">
-            <a:schemeClr val="accent1"/>
-          </a:effectRef>
-          <a:fontRef idx="minor">
-            <a:schemeClr val="tx1"/>
-          </a:fontRef>
-        </p:style>
-      </p:cxnSp>
-      <p:sp>
-        <p:nvSpPr>
-          <p:cNvPr id="91" name="Rectangle 90">
-            <a:extLst>
-              <a:ext uri="{FF2B5EF4-FFF2-40B4-BE49-F238E27FC236}">
-                <a16:creationId xmlns:a16="http://schemas.microsoft.com/office/drawing/2014/main" id="{7472B899-9BAA-4120-ABDF-C37ED56BD1F2}"/>
-              </a:ext>
-              <a:ext uri="{C183D7F6-B498-43B3-948B-1728B52AA6E4}">
-                <adec:decorative xmlns:adec="http://schemas.microsoft.com/office/drawing/2017/decorative" val="1"/>
-              </a:ext>
-            </a:extLst>
-          </p:cNvPr>
-          <p:cNvSpPr>
-            <a:spLocks noGrp="1" noRot="1" noChangeAspect="1" noMove="1" noResize="1" noEditPoints="1" noAdjustHandles="1" noChangeArrowheads="1" noChangeShapeType="1" noTextEdit="1"/>
-          </p:cNvSpPr>
-          <p:nvPr>
-            <p:extLst>
-              <p:ext uri="{386F3935-93C4-4BCD-93E2-E3B085C9AB24}">
-                <p16:designElem xmlns:p16="http://schemas.microsoft.com/office/powerpoint/2015/main" val="1"/>
-              </p:ext>
-            </p:extLst>
-          </p:nvPr>
-        </p:nvSpPr>
-        <p:spPr>
-          <a:xfrm>
-            <a:off x="0" y="0"/>
-            <a:ext cx="12192001" cy="6858000"/>
-          </a:xfrm>
-          <a:prstGeom prst="rect">
-            <a:avLst/>
-          </a:prstGeom>
-          <a:solidFill>
-            <a:schemeClr val="bg1">
-              <a:lumMod val="85000"/>
-              <a:lumOff val="15000"/>
-            </a:schemeClr>
-          </a:solidFill>
-          <a:ln>
-            <a:noFill/>
-          </a:ln>
-        </p:spPr>
-        <p:style>
-          <a:lnRef idx="2">
-            <a:schemeClr val="accent1">
-              <a:shade val="50000"/>
-            </a:schemeClr>
-          </a:lnRef>
-          <a:fillRef idx="1">
-            <a:schemeClr val="accent1"/>
-          </a:fillRef>
-          <a:effectRef idx="0">
-            <a:schemeClr val="accent1"/>
-          </a:effectRef>
-          <a:fontRef idx="minor">
-            <a:schemeClr val="lt1"/>
-          </a:fontRef>
-        </p:style>
-        <p:txBody>
-          <a:bodyPr rtlCol="0" anchor="ctr"/>
-          <a:lstStyle/>
-          <a:p>
-            <a:pPr algn="ctr"/>
-            <a:endParaRPr lang="en-US"/>
-          </a:p>
-        </p:txBody>
-      </p:sp>
-      <p:sp>
-        <p:nvSpPr>
-          <p:cNvPr id="2" name="Title 1">
-            <a:extLst>
-              <a:ext uri="{FF2B5EF4-FFF2-40B4-BE49-F238E27FC236}">
-                <a16:creationId xmlns:a16="http://schemas.microsoft.com/office/drawing/2014/main" id="{9C48BE68-3EC4-4686-A2A0-8A1E03C2580F}"/>
-              </a:ext>
-            </a:extLst>
-          </p:cNvPr>
-          <p:cNvSpPr>
-            <a:spLocks noGrp="1"/>
-          </p:cNvSpPr>
-          <p:nvPr>
-            <p:ph type="title"/>
-          </p:nvPr>
-        </p:nvSpPr>
-        <p:spPr>
-          <a:xfrm>
-            <a:off x="484814" y="640081"/>
-            <a:ext cx="3659246" cy="2566652"/>
-          </a:xfrm>
-        </p:spPr>
-        <p:txBody>
-          <a:bodyPr vert="horz" lIns="91440" tIns="45720" rIns="91440" bIns="45720" rtlCol="0" anchor="b">
-            <a:normAutofit/>
-          </a:bodyPr>
-          <a:lstStyle/>
-          <a:p>
-            <a:r>
-              <a:rPr lang="en-US" sz="4600">
-                <a:solidFill>
-                  <a:schemeClr val="tx1"/>
-                </a:solidFill>
-              </a:rPr>
-              <a:t>DATA ANALYSIS – 2</a:t>
-            </a:r>
-            <a:br>
-              <a:rPr lang="en-US" sz="4600">
-                <a:solidFill>
-                  <a:schemeClr val="tx1"/>
-                </a:solidFill>
-              </a:rPr>
-            </a:br>
-            <a:endParaRPr lang="en-US" sz="4600">
-              <a:solidFill>
-                <a:schemeClr val="tx1"/>
-              </a:solidFill>
-            </a:endParaRPr>
-          </a:p>
-        </p:txBody>
-      </p:sp>
-      <p:sp>
-        <p:nvSpPr>
-          <p:cNvPr id="3" name="Content Placeholder 2">
-            <a:extLst>
-              <a:ext uri="{FF2B5EF4-FFF2-40B4-BE49-F238E27FC236}">
-                <a16:creationId xmlns:a16="http://schemas.microsoft.com/office/drawing/2014/main" id="{C990EB9B-20EF-41D2-BF3A-03ED63507C68}"/>
-              </a:ext>
-            </a:extLst>
-          </p:cNvPr>
-          <p:cNvSpPr>
-            <a:spLocks noGrp="1"/>
-          </p:cNvSpPr>
-          <p:nvPr>
-            <p:ph idx="1"/>
-          </p:nvPr>
-        </p:nvSpPr>
-        <p:spPr>
-          <a:xfrm>
-            <a:off x="484814" y="3651268"/>
-            <a:ext cx="3659246" cy="2510689"/>
-          </a:xfrm>
-        </p:spPr>
-        <p:txBody>
-          <a:bodyPr vert="horz" lIns="91440" tIns="45720" rIns="91440" bIns="45720" rtlCol="0">
-            <a:normAutofit/>
-          </a:bodyPr>
-          <a:lstStyle/>
-          <a:p>
-            <a:pPr marL="0" indent="0">
-              <a:lnSpc>
-                <a:spcPct val="100000"/>
-              </a:lnSpc>
-              <a:buNone/>
-            </a:pPr>
-            <a:r>
-              <a:rPr lang="en-US" cap="all" spc="200">
-                <a:solidFill>
-                  <a:schemeClr val="tx1"/>
-                </a:solidFill>
-              </a:rPr>
-              <a:t>How does Canada fare against the other countries?</a:t>
-            </a:r>
-          </a:p>
-        </p:txBody>
-      </p:sp>
-      <p:cxnSp>
-        <p:nvCxnSpPr>
-          <p:cNvPr id="93" name="Straight Connector 92">
-            <a:extLst>
-              <a:ext uri="{FF2B5EF4-FFF2-40B4-BE49-F238E27FC236}">
-                <a16:creationId xmlns:a16="http://schemas.microsoft.com/office/drawing/2014/main" id="{B9EB6DAA-2F0C-43D5-A577-15D5D2C4E3F5}"/>
-              </a:ext>
-              <a:ext uri="{C183D7F6-B498-43B3-948B-1728B52AA6E4}">
-                <adec:decorative xmlns:adec="http://schemas.microsoft.com/office/drawing/2017/decorative" val="1"/>
-              </a:ext>
-            </a:extLst>
-          </p:cNvPr>
-          <p:cNvCxnSpPr>
-            <a:cxnSpLocks noGrp="1" noRot="1" noChangeAspect="1" noMove="1" noResize="1" noEditPoints="1" noAdjustHandles="1" noChangeArrowheads="1" noChangeShapeType="1"/>
-          </p:cNvCxnSpPr>
-          <p:nvPr>
-            <p:extLst>
-              <p:ext uri="{386F3935-93C4-4BCD-93E2-E3B085C9AB24}">
-                <p16:designElem xmlns:p16="http://schemas.microsoft.com/office/powerpoint/2015/main" val="1"/>
-              </p:ext>
-            </p:extLst>
-          </p:nvPr>
-        </p:nvCxnSpPr>
-        <p:spPr>
-          <a:xfrm>
-            <a:off x="622797" y="3429000"/>
-            <a:ext cx="3383280" cy="0"/>
+            <a:off x="571752" y="2638787"/>
+            <a:ext cx="2743200" cy="0"/>
           </a:xfrm>
           <a:prstGeom prst="line">
             <a:avLst/>
@@ -5586,12 +5377,167 @@
           </a:fontRef>
         </p:style>
       </p:cxnSp>
+      <p:sp>
+        <p:nvSpPr>
+          <p:cNvPr id="3" name="Content Placeholder 2">
+            <a:extLst>
+              <a:ext uri="{FF2B5EF4-FFF2-40B4-BE49-F238E27FC236}">
+                <a16:creationId xmlns:a16="http://schemas.microsoft.com/office/drawing/2014/main" id="{C990EB9B-20EF-41D2-BF3A-03ED63507C68}"/>
+              </a:ext>
+            </a:extLst>
+          </p:cNvPr>
+          <p:cNvSpPr>
+            <a:spLocks noGrp="1"/>
+          </p:cNvSpPr>
+          <p:nvPr>
+            <p:ph idx="1"/>
+          </p:nvPr>
+        </p:nvSpPr>
+        <p:spPr>
+          <a:xfrm>
+            <a:off x="571752" y="2799654"/>
+            <a:ext cx="3005462" cy="3189665"/>
+          </a:xfrm>
+        </p:spPr>
+        <p:txBody>
+          <a:bodyPr vert="horz" lIns="91440" tIns="45720" rIns="91440" bIns="45720" rtlCol="0">
+            <a:normAutofit/>
+          </a:bodyPr>
+          <a:lstStyle/>
+          <a:p>
+            <a:pPr marL="0" indent="0">
+              <a:buNone/>
+            </a:pPr>
+            <a:r>
+              <a:rPr lang="en-US" sz="1600" b="1" cap="all" spc="200" dirty="0">
+                <a:solidFill>
+                  <a:srgbClr val="FFFFFF"/>
+                </a:solidFill>
+              </a:rPr>
+              <a:t>Results:</a:t>
+            </a:r>
+          </a:p>
+          <a:p>
+            <a:pPr marL="342900" indent="-342900">
+              <a:buAutoNum type="arabicParenR"/>
+            </a:pPr>
+            <a:r>
+              <a:rPr lang="en-US" cap="all" spc="200" dirty="0">
+                <a:solidFill>
+                  <a:srgbClr val="FFFFFF"/>
+                </a:solidFill>
+              </a:rPr>
+              <a:t>USA</a:t>
+            </a:r>
+          </a:p>
+          <a:p>
+            <a:pPr marL="342900" indent="-342900">
+              <a:buAutoNum type="arabicParenR"/>
+            </a:pPr>
+            <a:r>
+              <a:rPr lang="en-US" cap="all" spc="200" dirty="0">
+                <a:solidFill>
+                  <a:srgbClr val="FFFFFF"/>
+                </a:solidFill>
+              </a:rPr>
+              <a:t>Malta</a:t>
+            </a:r>
+          </a:p>
+          <a:p>
+            <a:pPr marL="342900" indent="-342900">
+              <a:buAutoNum type="arabicParenR"/>
+            </a:pPr>
+            <a:r>
+              <a:rPr lang="en-US" cap="all" spc="200" dirty="0">
+                <a:solidFill>
+                  <a:srgbClr val="FFFFFF"/>
+                </a:solidFill>
+              </a:rPr>
+              <a:t>Switzerland</a:t>
+            </a:r>
+          </a:p>
+        </p:txBody>
+      </p:sp>
+      <p:sp>
+        <p:nvSpPr>
+          <p:cNvPr id="4" name="TextBox 3">
+            <a:extLst>
+              <a:ext uri="{FF2B5EF4-FFF2-40B4-BE49-F238E27FC236}">
+                <a16:creationId xmlns:a16="http://schemas.microsoft.com/office/drawing/2014/main" id="{4C8AEAE0-D09B-4820-A7BB-98B57541C5FC}"/>
+              </a:ext>
+            </a:extLst>
+          </p:cNvPr>
+          <p:cNvSpPr txBox="1"/>
+          <p:nvPr/>
+        </p:nvSpPr>
+        <p:spPr>
+          <a:xfrm>
+            <a:off x="5024630" y="4588805"/>
+            <a:ext cx="6202674" cy="1477328"/>
+          </a:xfrm>
+          <a:prstGeom prst="rect">
+            <a:avLst/>
+          </a:prstGeom>
+          <a:noFill/>
+        </p:spPr>
+        <p:txBody>
+          <a:bodyPr wrap="square" rtlCol="0">
+            <a:spAutoFit/>
+          </a:bodyPr>
+          <a:lstStyle/>
+          <a:p>
+            <a:pPr marL="342900" indent="-342900">
+              <a:buFont typeface="+mj-lt"/>
+              <a:buAutoNum type="arabicPeriod"/>
+            </a:pPr>
+            <a:r>
+              <a:rPr lang="en-US" sz="1200" dirty="0"/>
+              <a:t>Import Average Sugar Intake csv dataset  in </a:t>
+            </a:r>
+            <a:r>
+              <a:rPr lang="en-US" sz="1200" dirty="0" err="1"/>
+              <a:t>Jupyter</a:t>
+            </a:r>
+            <a:r>
+              <a:rPr lang="en-US" sz="1200" dirty="0"/>
+              <a:t> Notebook and create a data frame.</a:t>
+            </a:r>
+          </a:p>
+          <a:p>
+            <a:pPr marL="342900" indent="-342900">
+              <a:buFont typeface="+mj-lt"/>
+              <a:buAutoNum type="arabicPeriod"/>
+            </a:pPr>
+            <a:r>
+              <a:rPr lang="en-US" sz="1200" dirty="0"/>
+              <a:t>Filter data to 3 years and sort by descending order for average gram to get countries with highest consumption</a:t>
+            </a:r>
+          </a:p>
+          <a:p>
+            <a:pPr marL="342900" indent="-342900">
+              <a:buFont typeface="+mj-lt"/>
+              <a:buAutoNum type="arabicPeriod"/>
+            </a:pPr>
+            <a:r>
+              <a:rPr lang="en-US" sz="1200" dirty="0"/>
+              <a:t>Used Matplotlib method to get bar graphs of the countries with the highest consumption</a:t>
+            </a:r>
+          </a:p>
+          <a:p>
+            <a:pPr marL="342900" indent="-342900">
+              <a:buFont typeface="+mj-lt"/>
+              <a:buAutoNum type="arabicPeriod"/>
+            </a:pPr>
+            <a:endParaRPr lang="en-CA" dirty="0"/>
+          </a:p>
+        </p:txBody>
+      </p:sp>
       <p:pic>
         <p:nvPicPr>
-          <p:cNvPr id="11" name="Picture 10" descr="Chart, line chart&#10;&#10;Description automatically generated">
-            <a:extLst>
-              <a:ext uri="{FF2B5EF4-FFF2-40B4-BE49-F238E27FC236}">
-                <a16:creationId xmlns:a16="http://schemas.microsoft.com/office/drawing/2014/main" id="{B96F6F03-0085-43D6-92DF-42691AC3C1DA}"/>
+          <p:cNvPr id="9" name="Picture 8" descr="Chart, bar chart&#10;&#10;Description automatically generated">
+            <a:extLst>
+              <a:ext uri="{FF2B5EF4-FFF2-40B4-BE49-F238E27FC236}">
+                <a16:creationId xmlns:a16="http://schemas.microsoft.com/office/drawing/2014/main" id="{C224F34E-D32B-4456-A28C-5501784C2921}"/>
               </a:ext>
             </a:extLst>
           </p:cNvPr>
@@ -5614,44 +5560,8 @@
         </p:blipFill>
         <p:spPr>
           <a:xfrm>
-            <a:off x="4769960" y="-1"/>
-            <a:ext cx="7422039" cy="3353865"/>
-          </a:xfrm>
-          <a:prstGeom prst="rect">
-            <a:avLst/>
-          </a:prstGeom>
-        </p:spPr>
-      </p:pic>
-      <p:pic>
-        <p:nvPicPr>
-          <p:cNvPr id="32" name="Picture 31" descr="Chart, line chart&#10;&#10;Description automatically generated">
-            <a:extLst>
-              <a:ext uri="{FF2B5EF4-FFF2-40B4-BE49-F238E27FC236}">
-                <a16:creationId xmlns:a16="http://schemas.microsoft.com/office/drawing/2014/main" id="{B022EEF1-E13B-4ABD-83A0-9472B1C842F4}"/>
-              </a:ext>
-            </a:extLst>
-          </p:cNvPr>
-          <p:cNvPicPr>
-            <a:picLocks noChangeAspect="1"/>
-          </p:cNvPicPr>
-          <p:nvPr/>
-        </p:nvPicPr>
-        <p:blipFill>
-          <a:blip r:embed="rId3">
-            <a:extLst>
-              <a:ext uri="{28A0092B-C50C-407E-A947-70E740481C1C}">
-                <a14:useLocalDpi xmlns:a14="http://schemas.microsoft.com/office/drawing/2010/main" val="0"/>
-              </a:ext>
-            </a:extLst>
-          </a:blip>
-          <a:stretch>
-            <a:fillRect/>
-          </a:stretch>
-        </p:blipFill>
-        <p:spPr>
-          <a:xfrm>
-            <a:off x="4766857" y="3353864"/>
-            <a:ext cx="7421968" cy="3504136"/>
+            <a:off x="4945001" y="181480"/>
+            <a:ext cx="6588238" cy="4392158"/>
           </a:xfrm>
           <a:prstGeom prst="rect">
             <a:avLst/>
@@ -5661,12 +5571,12 @@
     </p:spTree>
     <p:extLst>
       <p:ext uri="{BB962C8B-B14F-4D97-AF65-F5344CB8AC3E}">
-        <p14:creationId xmlns:p14="http://schemas.microsoft.com/office/powerpoint/2010/main" val="1865205129"/>
+        <p14:creationId xmlns:p14="http://schemas.microsoft.com/office/powerpoint/2010/main" val="2071876068"/>
       </p:ext>
     </p:extLst>
   </p:cSld>
   <p:clrMapOvr>
-    <a:overrideClrMapping bg1="dk1" tx1="lt1" bg2="dk2" tx2="lt2" accent1="accent1" accent2="accent2" accent3="accent3" accent4="accent4" accent5="accent5" accent6="accent6" hlink="hlink" folHlink="folHlink"/>
+    <a:masterClrMapping/>
   </p:clrMapOvr>
 </p:sld>
 </file>
@@ -5698,10 +5608,10 @@
       </p:grpSpPr>
       <p:sp useBgFill="1">
         <p:nvSpPr>
-          <p:cNvPr id="8" name="Rectangle 7">
-            <a:extLst>
-              <a:ext uri="{FF2B5EF4-FFF2-40B4-BE49-F238E27FC236}">
-                <a16:creationId xmlns:a16="http://schemas.microsoft.com/office/drawing/2014/main" id="{3741B58E-3B65-4A01-A276-975AB2CF8A08}"/>
+          <p:cNvPr id="50" name="Rectangle 49">
+            <a:extLst>
+              <a:ext uri="{FF2B5EF4-FFF2-40B4-BE49-F238E27FC236}">
+                <a16:creationId xmlns:a16="http://schemas.microsoft.com/office/drawing/2014/main" id="{0AB6E427-3F73-4C06-A5D5-AE52C3883B50}"/>
               </a:ext>
               <a:ext uri="{C183D7F6-B498-43B3-948B-1728B52AA6E4}">
                 <adec:decorative xmlns:adec="http://schemas.microsoft.com/office/drawing/2017/decorative" val="1"/>
@@ -5721,7 +5631,7 @@
         </p:nvSpPr>
         <p:spPr>
           <a:xfrm>
-            <a:off x="0" y="0"/>
+            <a:off x="5685" y="0"/>
             <a:ext cx="12186315" cy="6858000"/>
           </a:xfrm>
           <a:prstGeom prst="rect">
@@ -5758,10 +5668,10 @@
       </p:sp>
       <p:sp>
         <p:nvSpPr>
-          <p:cNvPr id="10" name="Rectangle 9">
-            <a:extLst>
-              <a:ext uri="{FF2B5EF4-FFF2-40B4-BE49-F238E27FC236}">
-                <a16:creationId xmlns:a16="http://schemas.microsoft.com/office/drawing/2014/main" id="{7AAC67C3-831B-4AB1-A259-DFB839CAFAFC}"/>
+          <p:cNvPr id="52" name="Rectangle 51">
+            <a:extLst>
+              <a:ext uri="{FF2B5EF4-FFF2-40B4-BE49-F238E27FC236}">
+                <a16:creationId xmlns:a16="http://schemas.microsoft.com/office/drawing/2014/main" id="{D8C9BDAA-0390-4B39-9B5C-BC95E5120DA4}"/>
               </a:ext>
               <a:ext uri="{C183D7F6-B498-43B3-948B-1728B52AA6E4}">
                 <adec:decorative xmlns:adec="http://schemas.microsoft.com/office/drawing/2017/decorative" val="1"/>
@@ -5782,7 +5692,7 @@
         <p:spPr>
           <a:xfrm>
             <a:off x="16" y="0"/>
-            <a:ext cx="4648593" cy="6858000"/>
+            <a:ext cx="4059919" cy="6858000"/>
           </a:xfrm>
           <a:prstGeom prst="rect">
             <a:avLst/>
@@ -5829,25 +5739,25 @@
         </p:nvSpPr>
         <p:spPr>
           <a:xfrm>
-            <a:off x="492369" y="605896"/>
-            <a:ext cx="3642309" cy="5646208"/>
-          </a:xfrm>
-        </p:spPr>
-        <p:txBody>
-          <a:bodyPr anchor="ctr">
+            <a:off x="492370" y="516836"/>
+            <a:ext cx="3084844" cy="1961086"/>
+          </a:xfrm>
+        </p:spPr>
+        <p:txBody>
+          <a:bodyPr>
             <a:normAutofit/>
           </a:bodyPr>
           <a:lstStyle/>
           <a:p>
             <a:r>
-              <a:rPr lang="en-US" sz="4400">
+              <a:rPr lang="en-US" sz="1800" b="1" cap="all" spc="200" dirty="0">
                 <a:solidFill>
                   <a:srgbClr val="FFFFFF"/>
                 </a:solidFill>
               </a:rPr>
-              <a:t>DATA ANALYSIS - 3</a:t>
-            </a:r>
-            <a:endParaRPr lang="en-CA" sz="4400">
+              <a:t>HOW HAS THE AVERAGE SUGAR INTAKE CHANGED OVERTIME?</a:t>
+            </a:r>
+            <a:endParaRPr lang="en-CA" sz="1800" dirty="0">
               <a:solidFill>
                 <a:srgbClr val="FFFFFF"/>
               </a:solidFill>
@@ -5855,6 +5765,58 @@
           </a:p>
         </p:txBody>
       </p:sp>
+      <p:cxnSp>
+        <p:nvCxnSpPr>
+          <p:cNvPr id="54" name="Straight Connector 53">
+            <a:extLst>
+              <a:ext uri="{FF2B5EF4-FFF2-40B4-BE49-F238E27FC236}">
+                <a16:creationId xmlns:a16="http://schemas.microsoft.com/office/drawing/2014/main" id="{E04A321A-A039-4720-87B4-66A4210E0D57}"/>
+              </a:ext>
+              <a:ext uri="{C183D7F6-B498-43B3-948B-1728B52AA6E4}">
+                <adec:decorative xmlns:adec="http://schemas.microsoft.com/office/drawing/2017/decorative" val="1"/>
+              </a:ext>
+            </a:extLst>
+          </p:cNvPr>
+          <p:cNvCxnSpPr>
+            <a:cxnSpLocks noGrp="1" noRot="1" noChangeAspect="1" noMove="1" noResize="1" noEditPoints="1" noAdjustHandles="1" noChangeArrowheads="1" noChangeShapeType="1"/>
+          </p:cNvCxnSpPr>
+          <p:nvPr>
+            <p:extLst>
+              <p:ext uri="{386F3935-93C4-4BCD-93E2-E3B085C9AB24}">
+                <p16:designElem xmlns:p16="http://schemas.microsoft.com/office/powerpoint/2015/main" val="1"/>
+              </p:ext>
+            </p:extLst>
+          </p:nvPr>
+        </p:nvCxnSpPr>
+        <p:spPr>
+          <a:xfrm>
+            <a:off x="571752" y="2638787"/>
+            <a:ext cx="2743200" cy="0"/>
+          </a:xfrm>
+          <a:prstGeom prst="line">
+            <a:avLst/>
+          </a:prstGeom>
+          <a:ln w="19050">
+            <a:solidFill>
+              <a:schemeClr val="accent1"/>
+            </a:solidFill>
+          </a:ln>
+        </p:spPr>
+        <p:style>
+          <a:lnRef idx="1">
+            <a:schemeClr val="accent1"/>
+          </a:lnRef>
+          <a:fillRef idx="0">
+            <a:schemeClr val="accent1"/>
+          </a:fillRef>
+          <a:effectRef idx="0">
+            <a:schemeClr val="accent1"/>
+          </a:effectRef>
+          <a:fontRef idx="minor">
+            <a:schemeClr val="tx1"/>
+          </a:fontRef>
+        </p:style>
+      </p:cxnSp>
       <p:sp>
         <p:nvSpPr>
           <p:cNvPr id="3" name="Content Placeholder 2">
@@ -5873,12 +5835,12 @@
         </p:nvSpPr>
         <p:spPr>
           <a:xfrm>
-            <a:off x="5231958" y="605896"/>
-            <a:ext cx="5923721" cy="5646208"/>
-          </a:xfrm>
-        </p:spPr>
-        <p:txBody>
-          <a:bodyPr anchor="ctr">
+            <a:off x="571752" y="2799654"/>
+            <a:ext cx="3005462" cy="3189665"/>
+          </a:xfrm>
+        </p:spPr>
+        <p:txBody>
+          <a:bodyPr>
             <a:normAutofit/>
           </a:bodyPr>
           <a:lstStyle/>
@@ -5887,32 +5849,144 @@
               <a:buNone/>
             </a:pPr>
             <a:r>
-              <a:rPr lang="en-US" sz="2400"/>
-              <a:t>What is the correlation between income and sugar intake?</a:t>
-            </a:r>
-          </a:p>
-          <a:p>
-            <a:pPr marL="635508" lvl="1" indent="-342900">
-              <a:buFont typeface="Arial" panose="020B0604020202020204" pitchFamily="34" charset="0"/>
-              <a:buChar char="•"/>
+              <a:rPr lang="en-US" dirty="0">
+                <a:solidFill>
+                  <a:srgbClr val="FFFFFF"/>
+                </a:solidFill>
+              </a:rPr>
+              <a:t>The trade has shown there has been an increase of sugar intake over the past 10 years. </a:t>
+            </a:r>
+            <a:endParaRPr lang="en-CA" dirty="0">
+              <a:solidFill>
+                <a:srgbClr val="FFFFFF"/>
+              </a:solidFill>
+            </a:endParaRPr>
+          </a:p>
+        </p:txBody>
+      </p:sp>
+      <p:pic>
+        <p:nvPicPr>
+          <p:cNvPr id="9" name="Picture 8" descr="Chart, line chart&#10;&#10;Description automatically generated">
+            <a:extLst>
+              <a:ext uri="{FF2B5EF4-FFF2-40B4-BE49-F238E27FC236}">
+                <a16:creationId xmlns:a16="http://schemas.microsoft.com/office/drawing/2014/main" id="{F1C01EE7-481C-407B-9B3A-05DA5D5D66BA}"/>
+              </a:ext>
+            </a:extLst>
+          </p:cNvPr>
+          <p:cNvPicPr>
+            <a:picLocks noChangeAspect="1"/>
+          </p:cNvPicPr>
+          <p:nvPr/>
+        </p:nvPicPr>
+        <p:blipFill>
+          <a:blip r:embed="rId2">
+            <a:extLst>
+              <a:ext uri="{28A0092B-C50C-407E-A947-70E740481C1C}">
+                <a14:useLocalDpi xmlns:a14="http://schemas.microsoft.com/office/drawing/2010/main" val="0"/>
+              </a:ext>
+            </a:extLst>
+          </a:blip>
+          <a:stretch>
+            <a:fillRect/>
+          </a:stretch>
+        </p:blipFill>
+        <p:spPr>
+          <a:xfrm>
+            <a:off x="5060131" y="413056"/>
+            <a:ext cx="6798082" cy="3704954"/>
+          </a:xfrm>
+          <a:prstGeom prst="rect">
+            <a:avLst/>
+          </a:prstGeom>
+        </p:spPr>
+      </p:pic>
+      <p:sp>
+        <p:nvSpPr>
+          <p:cNvPr id="4" name="TextBox 3">
+            <a:extLst>
+              <a:ext uri="{FF2B5EF4-FFF2-40B4-BE49-F238E27FC236}">
+                <a16:creationId xmlns:a16="http://schemas.microsoft.com/office/drawing/2014/main" id="{6C8A217D-F39F-43F2-A16A-6B149177EAB4}"/>
+              </a:ext>
+            </a:extLst>
+          </p:cNvPr>
+          <p:cNvSpPr txBox="1"/>
+          <p:nvPr/>
+        </p:nvSpPr>
+        <p:spPr>
+          <a:xfrm>
+            <a:off x="4857737" y="4118010"/>
+            <a:ext cx="6202674" cy="1446550"/>
+          </a:xfrm>
+          <a:prstGeom prst="rect">
+            <a:avLst/>
+          </a:prstGeom>
+          <a:noFill/>
+        </p:spPr>
+        <p:txBody>
+          <a:bodyPr wrap="square" rtlCol="0">
+            <a:spAutoFit/>
+          </a:bodyPr>
+          <a:lstStyle/>
+          <a:p>
+            <a:pPr marL="342900" indent="-342900">
+              <a:buFont typeface="+mj-lt"/>
+              <a:buAutoNum type="arabicPeriod"/>
             </a:pPr>
             <a:r>
-              <a:rPr lang="en-US" sz="2400"/>
-              <a:t>Comparison of the Income Dataset from Worldbank and Sugar Intake Data from FAO show that countries with lower income has higher sugar intake.</a:t>
-            </a:r>
-          </a:p>
-          <a:p>
-            <a:pPr marL="0" indent="0">
-              <a:buNone/>
+              <a:rPr lang="en-US" sz="1200" dirty="0"/>
+              <a:t>Import Average Sugar Intake csv dataset  in </a:t>
+            </a:r>
+            <a:r>
+              <a:rPr lang="en-US" sz="1200" dirty="0" err="1"/>
+              <a:t>Jupyter</a:t>
+            </a:r>
+            <a:r>
+              <a:rPr lang="en-US" sz="1200" dirty="0"/>
+              <a:t> Notebook and create a data frame.</a:t>
+            </a:r>
+          </a:p>
+          <a:p>
+            <a:pPr marL="342900" indent="-342900">
+              <a:spcAft>
+                <a:spcPts val="600"/>
+              </a:spcAft>
+              <a:buFont typeface="+mj-lt"/>
+              <a:buAutoNum type="arabicPeriod"/>
             </a:pPr>
-            <a:endParaRPr lang="en-CA" sz="2400"/>
+            <a:r>
+              <a:rPr lang="en-US" sz="1200" dirty="0"/>
+              <a:t>Filter data for 10 years and calculate the mean of sugar intake to get the Global Average</a:t>
+            </a:r>
+          </a:p>
+          <a:p>
+            <a:pPr marL="342900" indent="-342900">
+              <a:spcAft>
+                <a:spcPts val="600"/>
+              </a:spcAft>
+              <a:buFont typeface="+mj-lt"/>
+              <a:buAutoNum type="arabicPeriod"/>
+            </a:pPr>
+            <a:r>
+              <a:rPr lang="en-US" sz="1200" dirty="0"/>
+              <a:t>Used Matplotlib method to get a line graph to show the trend over the years.</a:t>
+            </a:r>
+          </a:p>
+          <a:p>
+            <a:pPr marL="342900" indent="-342900">
+              <a:spcAft>
+                <a:spcPts val="600"/>
+              </a:spcAft>
+              <a:buFont typeface="+mj-lt"/>
+              <a:buAutoNum type="arabicPeriod"/>
+            </a:pPr>
+            <a:endParaRPr lang="en-CA" dirty="0"/>
           </a:p>
         </p:txBody>
       </p:sp>
     </p:spTree>
     <p:extLst>
       <p:ext uri="{BB962C8B-B14F-4D97-AF65-F5344CB8AC3E}">
-        <p14:creationId xmlns:p14="http://schemas.microsoft.com/office/powerpoint/2010/main" val="542239908"/>
+        <p14:creationId xmlns:p14="http://schemas.microsoft.com/office/powerpoint/2010/main" val="268587227"/>
       </p:ext>
     </p:extLst>
   </p:cSld>
@@ -5925,6 +5999,14 @@
 <file path=ppt/slides/slide13.xml><?xml version="1.0" encoding="utf-8"?>
 <p:sld xmlns:a="http://schemas.openxmlformats.org/drawingml/2006/main" xmlns:r="http://schemas.openxmlformats.org/officeDocument/2006/relationships" xmlns:p="http://schemas.openxmlformats.org/presentationml/2006/main">
   <p:cSld>
+    <p:bg>
+      <p:bgPr>
+        <a:solidFill>
+          <a:schemeClr val="bg1"/>
+        </a:solidFill>
+        <a:effectLst/>
+      </p:bgPr>
+    </p:bg>
     <p:spTree>
       <p:nvGrpSpPr>
         <p:cNvPr id="1" name=""/>
@@ -5941,6 +6023,182 @@
       </p:grpSpPr>
       <p:sp>
         <p:nvSpPr>
+          <p:cNvPr id="98" name="Rectangle 97">
+            <a:extLst>
+              <a:ext uri="{FF2B5EF4-FFF2-40B4-BE49-F238E27FC236}">
+                <a16:creationId xmlns:a16="http://schemas.microsoft.com/office/drawing/2014/main" id="{39E3965E-AC41-4711-9D10-E25ABB132D86}"/>
+              </a:ext>
+              <a:ext uri="{C183D7F6-B498-43B3-948B-1728B52AA6E4}">
+                <adec:decorative xmlns:adec="http://schemas.microsoft.com/office/drawing/2017/decorative" val="1"/>
+              </a:ext>
+            </a:extLst>
+          </p:cNvPr>
+          <p:cNvSpPr>
+            <a:spLocks noGrp="1" noRot="1" noChangeAspect="1" noMove="1" noResize="1" noEditPoints="1" noAdjustHandles="1" noChangeArrowheads="1" noChangeShapeType="1" noTextEdit="1"/>
+          </p:cNvSpPr>
+          <p:nvPr>
+            <p:extLst>
+              <p:ext uri="{386F3935-93C4-4BCD-93E2-E3B085C9AB24}">
+                <p16:designElem xmlns:p16="http://schemas.microsoft.com/office/powerpoint/2015/main" val="1"/>
+              </p:ext>
+            </p:extLst>
+          </p:nvPr>
+        </p:nvSpPr>
+        <p:spPr>
+          <a:xfrm>
+            <a:off x="3175" y="6400800"/>
+            <a:ext cx="12188825" cy="457200"/>
+          </a:xfrm>
+          <a:prstGeom prst="rect">
+            <a:avLst/>
+          </a:prstGeom>
+          <a:solidFill>
+            <a:srgbClr val="262626"/>
+          </a:solidFill>
+          <a:ln>
+            <a:noFill/>
+          </a:ln>
+        </p:spPr>
+        <p:style>
+          <a:lnRef idx="2">
+            <a:schemeClr val="accent1">
+              <a:shade val="50000"/>
+            </a:schemeClr>
+          </a:lnRef>
+          <a:fillRef idx="1">
+            <a:schemeClr val="accent1"/>
+          </a:fillRef>
+          <a:effectRef idx="0">
+            <a:schemeClr val="accent1"/>
+          </a:effectRef>
+          <a:fontRef idx="minor">
+            <a:schemeClr val="lt1"/>
+          </a:fontRef>
+        </p:style>
+      </p:sp>
+      <p:cxnSp>
+        <p:nvCxnSpPr>
+          <p:cNvPr id="100" name="Straight Connector 99">
+            <a:extLst>
+              <a:ext uri="{FF2B5EF4-FFF2-40B4-BE49-F238E27FC236}">
+                <a16:creationId xmlns:a16="http://schemas.microsoft.com/office/drawing/2014/main" id="{1F5DC8C3-BA5F-4EED-BB9A-A14272BD82A1}"/>
+              </a:ext>
+              <a:ext uri="{C183D7F6-B498-43B3-948B-1728B52AA6E4}">
+                <adec:decorative xmlns:adec="http://schemas.microsoft.com/office/drawing/2017/decorative" val="1"/>
+              </a:ext>
+            </a:extLst>
+          </p:cNvPr>
+          <p:cNvCxnSpPr>
+            <a:cxnSpLocks noGrp="1" noRot="1" noChangeAspect="1" noMove="1" noResize="1" noEditPoints="1" noAdjustHandles="1" noChangeArrowheads="1" noChangeShapeType="1"/>
+          </p:cNvCxnSpPr>
+          <p:nvPr>
+            <p:extLst>
+              <p:ext uri="{386F3935-93C4-4BCD-93E2-E3B085C9AB24}">
+                <p16:designElem xmlns:p16="http://schemas.microsoft.com/office/powerpoint/2015/main" val="1"/>
+              </p:ext>
+            </p:extLst>
+          </p:nvPr>
+        </p:nvCxnSpPr>
+        <p:spPr>
+          <a:xfrm>
+            <a:off x="1207658" y="4474741"/>
+            <a:ext cx="9875520" cy="0"/>
+          </a:xfrm>
+          <a:prstGeom prst="line">
+            <a:avLst/>
+          </a:prstGeom>
+          <a:ln w="12700">
+            <a:solidFill>
+              <a:schemeClr val="tx1">
+                <a:lumMod val="75000"/>
+                <a:lumOff val="25000"/>
+              </a:schemeClr>
+            </a:solidFill>
+          </a:ln>
+        </p:spPr>
+        <p:style>
+          <a:lnRef idx="1">
+            <a:schemeClr val="accent1"/>
+          </a:lnRef>
+          <a:fillRef idx="0">
+            <a:schemeClr val="accent1"/>
+          </a:fillRef>
+          <a:effectRef idx="0">
+            <a:schemeClr val="accent1"/>
+          </a:effectRef>
+          <a:fontRef idx="minor">
+            <a:schemeClr val="tx1"/>
+          </a:fontRef>
+        </p:style>
+      </p:cxnSp>
+      <p:sp>
+        <p:nvSpPr>
+          <p:cNvPr id="102" name="Rectangle 101">
+            <a:extLst>
+              <a:ext uri="{FF2B5EF4-FFF2-40B4-BE49-F238E27FC236}">
+                <a16:creationId xmlns:a16="http://schemas.microsoft.com/office/drawing/2014/main" id="{7472B899-9BAA-4120-ABDF-C37ED56BD1F2}"/>
+              </a:ext>
+              <a:ext uri="{C183D7F6-B498-43B3-948B-1728B52AA6E4}">
+                <adec:decorative xmlns:adec="http://schemas.microsoft.com/office/drawing/2017/decorative" val="1"/>
+              </a:ext>
+            </a:extLst>
+          </p:cNvPr>
+          <p:cNvSpPr>
+            <a:spLocks noGrp="1" noRot="1" noChangeAspect="1" noMove="1" noResize="1" noEditPoints="1" noAdjustHandles="1" noChangeArrowheads="1" noChangeShapeType="1" noTextEdit="1"/>
+          </p:cNvSpPr>
+          <p:nvPr>
+            <p:extLst>
+              <p:ext uri="{386F3935-93C4-4BCD-93E2-E3B085C9AB24}">
+                <p16:designElem xmlns:p16="http://schemas.microsoft.com/office/powerpoint/2015/main" val="1"/>
+              </p:ext>
+            </p:extLst>
+          </p:nvPr>
+        </p:nvSpPr>
+        <p:spPr>
+          <a:xfrm>
+            <a:off x="0" y="0"/>
+            <a:ext cx="12192001" cy="6858000"/>
+          </a:xfrm>
+          <a:prstGeom prst="rect">
+            <a:avLst/>
+          </a:prstGeom>
+          <a:solidFill>
+            <a:schemeClr val="bg1">
+              <a:lumMod val="85000"/>
+              <a:lumOff val="15000"/>
+            </a:schemeClr>
+          </a:solidFill>
+          <a:ln>
+            <a:noFill/>
+          </a:ln>
+        </p:spPr>
+        <p:style>
+          <a:lnRef idx="2">
+            <a:schemeClr val="accent1">
+              <a:shade val="50000"/>
+            </a:schemeClr>
+          </a:lnRef>
+          <a:fillRef idx="1">
+            <a:schemeClr val="accent1"/>
+          </a:fillRef>
+          <a:effectRef idx="0">
+            <a:schemeClr val="accent1"/>
+          </a:effectRef>
+          <a:fontRef idx="minor">
+            <a:schemeClr val="lt1"/>
+          </a:fontRef>
+        </p:style>
+        <p:txBody>
+          <a:bodyPr rtlCol="0" anchor="ctr"/>
+          <a:lstStyle/>
+          <a:p>
+            <a:pPr algn="ctr"/>
+            <a:endParaRPr lang="en-US"/>
+          </a:p>
+        </p:txBody>
+      </p:sp>
+      <p:sp>
+        <p:nvSpPr>
           <p:cNvPr id="2" name="Title 1">
             <a:extLst>
               <a:ext uri="{FF2B5EF4-FFF2-40B4-BE49-F238E27FC236}">
@@ -5955,77 +6213,207 @@
             <p:ph type="title"/>
           </p:nvPr>
         </p:nvSpPr>
-        <p:spPr/>
-        <p:txBody>
-          <a:bodyPr/>
-          <a:lstStyle/>
-          <a:p>
-            <a:r>
-              <a:rPr lang="en-US" dirty="0"/>
-              <a:t>DATA ANALYSIS - 4</a:t>
-            </a:r>
-            <a:endParaRPr lang="en-CA" dirty="0"/>
-          </a:p>
-        </p:txBody>
-      </p:sp>
-      <p:sp>
-        <p:nvSpPr>
-          <p:cNvPr id="3" name="Content Placeholder 2">
-            <a:extLst>
-              <a:ext uri="{FF2B5EF4-FFF2-40B4-BE49-F238E27FC236}">
-                <a16:creationId xmlns:a16="http://schemas.microsoft.com/office/drawing/2014/main" id="{C990EB9B-20EF-41D2-BF3A-03ED63507C68}"/>
-              </a:ext>
-            </a:extLst>
-          </p:cNvPr>
-          <p:cNvSpPr>
-            <a:spLocks noGrp="1"/>
-          </p:cNvSpPr>
-          <p:nvPr>
-            <p:ph idx="1"/>
-          </p:nvPr>
-        </p:nvSpPr>
-        <p:spPr/>
-        <p:txBody>
-          <a:bodyPr>
+        <p:spPr>
+          <a:xfrm>
+            <a:off x="484814" y="640081"/>
+            <a:ext cx="3659246" cy="2566652"/>
+          </a:xfrm>
+        </p:spPr>
+        <p:txBody>
+          <a:bodyPr vert="horz" lIns="91440" tIns="45720" rIns="91440" bIns="45720" rtlCol="0" anchor="b">
             <a:normAutofit/>
           </a:bodyPr>
           <a:lstStyle/>
           <a:p>
+            <a:r>
+              <a:rPr lang="en-US" sz="3400" b="1" dirty="0">
+                <a:solidFill>
+                  <a:schemeClr val="tx1"/>
+                </a:solidFill>
+              </a:rPr>
+              <a:t>HOW DOES CANADA FARE AGAINST OTHER COUNTRIES?</a:t>
+            </a:r>
+          </a:p>
+        </p:txBody>
+      </p:sp>
+      <p:sp>
+        <p:nvSpPr>
+          <p:cNvPr id="3" name="Content Placeholder 2">
+            <a:extLst>
+              <a:ext uri="{FF2B5EF4-FFF2-40B4-BE49-F238E27FC236}">
+                <a16:creationId xmlns:a16="http://schemas.microsoft.com/office/drawing/2014/main" id="{C990EB9B-20EF-41D2-BF3A-03ED63507C68}"/>
+              </a:ext>
+            </a:extLst>
+          </p:cNvPr>
+          <p:cNvSpPr>
+            <a:spLocks noGrp="1"/>
+          </p:cNvSpPr>
+          <p:nvPr>
+            <p:ph idx="1"/>
+          </p:nvPr>
+        </p:nvSpPr>
+        <p:spPr>
+          <a:xfrm>
+            <a:off x="484814" y="3651268"/>
+            <a:ext cx="3659246" cy="2510689"/>
+          </a:xfrm>
+        </p:spPr>
+        <p:txBody>
+          <a:bodyPr vert="horz" lIns="91440" tIns="45720" rIns="91440" bIns="45720" rtlCol="0">
+            <a:normAutofit/>
+          </a:bodyPr>
+          <a:lstStyle/>
+          <a:p>
             <a:pPr marL="0" indent="0">
+              <a:lnSpc>
+                <a:spcPct val="100000"/>
+              </a:lnSpc>
               <a:buNone/>
             </a:pPr>
             <a:r>
-              <a:rPr lang="en-US" dirty="0"/>
-              <a:t>Is there a correlation between processed sugar and obesity? </a:t>
-            </a:r>
-          </a:p>
-          <a:p>
-            <a:pPr marL="635508" lvl="1" indent="-342900">
-              <a:buFont typeface="Arial" panose="020B0604020202020204" pitchFamily="34" charset="0"/>
-              <a:buChar char="•"/>
-            </a:pPr>
-            <a:r>
-              <a:rPr lang="en-US" dirty="0"/>
-              <a:t>Comparison of Obesity data from WHO and Sugar Intake Data from FAO show that countries with lower income has higher sugar intake.</a:t>
-            </a:r>
-          </a:p>
-          <a:p>
-            <a:pPr marL="0" indent="0">
-              <a:buNone/>
-            </a:pPr>
-            <a:endParaRPr lang="en-CA" dirty="0"/>
-          </a:p>
-        </p:txBody>
-      </p:sp>
+              <a:rPr lang="en-US" cap="all" spc="200" dirty="0">
+                <a:solidFill>
+                  <a:schemeClr val="tx1"/>
+                </a:solidFill>
+              </a:rPr>
+              <a:t>Canada is still way above the world average.</a:t>
+            </a:r>
+          </a:p>
+        </p:txBody>
+      </p:sp>
+      <p:cxnSp>
+        <p:nvCxnSpPr>
+          <p:cNvPr id="104" name="Straight Connector 103">
+            <a:extLst>
+              <a:ext uri="{FF2B5EF4-FFF2-40B4-BE49-F238E27FC236}">
+                <a16:creationId xmlns:a16="http://schemas.microsoft.com/office/drawing/2014/main" id="{B9EB6DAA-2F0C-43D5-A577-15D5D2C4E3F5}"/>
+              </a:ext>
+              <a:ext uri="{C183D7F6-B498-43B3-948B-1728B52AA6E4}">
+                <adec:decorative xmlns:adec="http://schemas.microsoft.com/office/drawing/2017/decorative" val="1"/>
+              </a:ext>
+            </a:extLst>
+          </p:cNvPr>
+          <p:cNvCxnSpPr>
+            <a:cxnSpLocks noGrp="1" noRot="1" noChangeAspect="1" noMove="1" noResize="1" noEditPoints="1" noAdjustHandles="1" noChangeArrowheads="1" noChangeShapeType="1"/>
+          </p:cNvCxnSpPr>
+          <p:nvPr>
+            <p:extLst>
+              <p:ext uri="{386F3935-93C4-4BCD-93E2-E3B085C9AB24}">
+                <p16:designElem xmlns:p16="http://schemas.microsoft.com/office/powerpoint/2015/main" val="1"/>
+              </p:ext>
+            </p:extLst>
+          </p:nvPr>
+        </p:nvCxnSpPr>
+        <p:spPr>
+          <a:xfrm>
+            <a:off x="622797" y="3429000"/>
+            <a:ext cx="3383280" cy="0"/>
+          </a:xfrm>
+          <a:prstGeom prst="line">
+            <a:avLst/>
+          </a:prstGeom>
+          <a:ln w="19050">
+            <a:solidFill>
+              <a:schemeClr val="accent1"/>
+            </a:solidFill>
+          </a:ln>
+        </p:spPr>
+        <p:style>
+          <a:lnRef idx="1">
+            <a:schemeClr val="accent1"/>
+          </a:lnRef>
+          <a:fillRef idx="0">
+            <a:schemeClr val="accent1"/>
+          </a:fillRef>
+          <a:effectRef idx="0">
+            <a:schemeClr val="accent1"/>
+          </a:effectRef>
+          <a:fontRef idx="minor">
+            <a:schemeClr val="tx1"/>
+          </a:fontRef>
+        </p:style>
+      </p:cxnSp>
+      <p:pic>
+        <p:nvPicPr>
+          <p:cNvPr id="5" name="Picture 4" descr="Chart, line chart&#10;&#10;Description automatically generated">
+            <a:extLst>
+              <a:ext uri="{FF2B5EF4-FFF2-40B4-BE49-F238E27FC236}">
+                <a16:creationId xmlns:a16="http://schemas.microsoft.com/office/drawing/2014/main" id="{88A777D8-9C0A-4F24-B8B6-23C25D3BA3F7}"/>
+              </a:ext>
+            </a:extLst>
+          </p:cNvPr>
+          <p:cNvPicPr>
+            <a:picLocks noChangeAspect="1"/>
+          </p:cNvPicPr>
+          <p:nvPr/>
+        </p:nvPicPr>
+        <p:blipFill>
+          <a:blip r:embed="rId2">
+            <a:extLst>
+              <a:ext uri="{28A0092B-C50C-407E-A947-70E740481C1C}">
+                <a14:useLocalDpi xmlns:a14="http://schemas.microsoft.com/office/drawing/2010/main" val="0"/>
+              </a:ext>
+            </a:extLst>
+          </a:blip>
+          <a:stretch>
+            <a:fillRect/>
+          </a:stretch>
+        </p:blipFill>
+        <p:spPr>
+          <a:xfrm>
+            <a:off x="4016305" y="0"/>
+            <a:ext cx="8175695" cy="2566652"/>
+          </a:xfrm>
+          <a:prstGeom prst="rect">
+            <a:avLst/>
+          </a:prstGeom>
+        </p:spPr>
+      </p:pic>
+      <p:pic>
+        <p:nvPicPr>
+          <p:cNvPr id="7" name="Picture 6" descr="Chart, line chart&#10;&#10;Description automatically generated">
+            <a:extLst>
+              <a:ext uri="{FF2B5EF4-FFF2-40B4-BE49-F238E27FC236}">
+                <a16:creationId xmlns:a16="http://schemas.microsoft.com/office/drawing/2014/main" id="{D3F651E4-6541-4081-8BD7-9C3AF8997981}"/>
+              </a:ext>
+            </a:extLst>
+          </p:cNvPr>
+          <p:cNvPicPr>
+            <a:picLocks noChangeAspect="1"/>
+          </p:cNvPicPr>
+          <p:nvPr/>
+        </p:nvPicPr>
+        <p:blipFill>
+          <a:blip r:embed="rId3">
+            <a:extLst>
+              <a:ext uri="{28A0092B-C50C-407E-A947-70E740481C1C}">
+                <a14:useLocalDpi xmlns:a14="http://schemas.microsoft.com/office/drawing/2010/main" val="0"/>
+              </a:ext>
+            </a:extLst>
+          </a:blip>
+          <a:stretch>
+            <a:fillRect/>
+          </a:stretch>
+        </p:blipFill>
+        <p:spPr>
+          <a:xfrm>
+            <a:off x="4008640" y="2566652"/>
+            <a:ext cx="8183360" cy="2326580"/>
+          </a:xfrm>
+          <a:prstGeom prst="rect">
+            <a:avLst/>
+          </a:prstGeom>
+        </p:spPr>
+      </p:pic>
     </p:spTree>
     <p:extLst>
       <p:ext uri="{BB962C8B-B14F-4D97-AF65-F5344CB8AC3E}">
-        <p14:creationId xmlns:p14="http://schemas.microsoft.com/office/powerpoint/2010/main" val="454901871"/>
+        <p14:creationId xmlns:p14="http://schemas.microsoft.com/office/powerpoint/2010/main" val="1865205129"/>
       </p:ext>
     </p:extLst>
   </p:cSld>
   <p:clrMapOvr>
-    <a:masterClrMapping/>
+    <a:overrideClrMapping bg1="dk1" tx1="lt1" bg2="dk2" tx2="lt2" accent1="accent1" accent2="accent2" accent3="accent3" accent4="accent4" accent5="accent5" accent6="accent6" hlink="hlink" folHlink="folHlink"/>
   </p:clrMapOvr>
 </p:sld>
 </file>
@@ -6033,6 +6421,14 @@
 <file path=ppt/slides/slide14.xml><?xml version="1.0" encoding="utf-8"?>
 <p:sld xmlns:a="http://schemas.openxmlformats.org/drawingml/2006/main" xmlns:r="http://schemas.openxmlformats.org/officeDocument/2006/relationships" xmlns:p="http://schemas.openxmlformats.org/presentationml/2006/main">
   <p:cSld>
+    <p:bg>
+      <p:bgPr>
+        <a:solidFill>
+          <a:schemeClr val="bg1"/>
+        </a:solidFill>
+        <a:effectLst/>
+      </p:bgPr>
+    </p:bg>
     <p:spTree>
       <p:nvGrpSpPr>
         <p:cNvPr id="1" name=""/>
@@ -6047,6 +6443,121 @@
           <a:chExt cx="0" cy="0"/>
         </a:xfrm>
       </p:grpSpPr>
+      <p:sp useBgFill="1">
+        <p:nvSpPr>
+          <p:cNvPr id="8" name="Rectangle 7">
+            <a:extLst>
+              <a:ext uri="{FF2B5EF4-FFF2-40B4-BE49-F238E27FC236}">
+                <a16:creationId xmlns:a16="http://schemas.microsoft.com/office/drawing/2014/main" id="{3741B58E-3B65-4A01-A276-975AB2CF8A08}"/>
+              </a:ext>
+              <a:ext uri="{C183D7F6-B498-43B3-948B-1728B52AA6E4}">
+                <adec:decorative xmlns:adec="http://schemas.microsoft.com/office/drawing/2017/decorative" val="1"/>
+              </a:ext>
+            </a:extLst>
+          </p:cNvPr>
+          <p:cNvSpPr>
+            <a:spLocks noGrp="1" noRot="1" noChangeAspect="1" noMove="1" noResize="1" noEditPoints="1" noAdjustHandles="1" noChangeArrowheads="1" noChangeShapeType="1" noTextEdit="1"/>
+          </p:cNvSpPr>
+          <p:nvPr>
+            <p:extLst>
+              <p:ext uri="{386F3935-93C4-4BCD-93E2-E3B085C9AB24}">
+                <p16:designElem xmlns:p16="http://schemas.microsoft.com/office/powerpoint/2015/main" val="1"/>
+              </p:ext>
+            </p:extLst>
+          </p:nvPr>
+        </p:nvSpPr>
+        <p:spPr>
+          <a:xfrm>
+            <a:off x="0" y="0"/>
+            <a:ext cx="12186315" cy="6858000"/>
+          </a:xfrm>
+          <a:prstGeom prst="rect">
+            <a:avLst/>
+          </a:prstGeom>
+          <a:ln>
+            <a:noFill/>
+          </a:ln>
+        </p:spPr>
+        <p:style>
+          <a:lnRef idx="2">
+            <a:schemeClr val="accent6">
+              <a:shade val="50000"/>
+            </a:schemeClr>
+          </a:lnRef>
+          <a:fillRef idx="1001">
+            <a:schemeClr val="lt1"/>
+          </a:fillRef>
+          <a:effectRef idx="0">
+            <a:schemeClr val="accent6"/>
+          </a:effectRef>
+          <a:fontRef idx="minor">
+            <a:schemeClr val="lt1"/>
+          </a:fontRef>
+        </p:style>
+        <p:txBody>
+          <a:bodyPr rtlCol="0" anchor="ctr"/>
+          <a:lstStyle/>
+          <a:p>
+            <a:pPr algn="ctr"/>
+            <a:endParaRPr lang="en-US"/>
+          </a:p>
+        </p:txBody>
+      </p:sp>
+      <p:sp>
+        <p:nvSpPr>
+          <p:cNvPr id="10" name="Rectangle 9">
+            <a:extLst>
+              <a:ext uri="{FF2B5EF4-FFF2-40B4-BE49-F238E27FC236}">
+                <a16:creationId xmlns:a16="http://schemas.microsoft.com/office/drawing/2014/main" id="{7AAC67C3-831B-4AB1-A259-DFB839CAFAFC}"/>
+              </a:ext>
+              <a:ext uri="{C183D7F6-B498-43B3-948B-1728B52AA6E4}">
+                <adec:decorative xmlns:adec="http://schemas.microsoft.com/office/drawing/2017/decorative" val="1"/>
+              </a:ext>
+            </a:extLst>
+          </p:cNvPr>
+          <p:cNvSpPr>
+            <a:spLocks noGrp="1" noRot="1" noChangeAspect="1" noMove="1" noResize="1" noEditPoints="1" noAdjustHandles="1" noChangeArrowheads="1" noChangeShapeType="1" noTextEdit="1"/>
+          </p:cNvSpPr>
+          <p:nvPr>
+            <p:extLst>
+              <p:ext uri="{386F3935-93C4-4BCD-93E2-E3B085C9AB24}">
+                <p16:designElem xmlns:p16="http://schemas.microsoft.com/office/powerpoint/2015/main" val="1"/>
+              </p:ext>
+            </p:extLst>
+          </p:nvPr>
+        </p:nvSpPr>
+        <p:spPr>
+          <a:xfrm>
+            <a:off x="16" y="0"/>
+            <a:ext cx="4648593" cy="6858000"/>
+          </a:xfrm>
+          <a:prstGeom prst="rect">
+            <a:avLst/>
+          </a:prstGeom>
+          <a:solidFill>
+            <a:srgbClr val="262626"/>
+          </a:solidFill>
+          <a:ln>
+            <a:noFill/>
+          </a:ln>
+        </p:spPr>
+        <p:style>
+          <a:lnRef idx="2">
+            <a:schemeClr val="accent1">
+              <a:shade val="50000"/>
+            </a:schemeClr>
+          </a:lnRef>
+          <a:fillRef idx="1">
+            <a:schemeClr val="accent1"/>
+          </a:fillRef>
+          <a:effectRef idx="0">
+            <a:schemeClr val="accent1"/>
+          </a:effectRef>
+          <a:fontRef idx="minor">
+            <a:schemeClr val="lt1"/>
+          </a:fontRef>
+        </p:style>
+      </p:sp>
       <p:sp>
         <p:nvSpPr>
           <p:cNvPr id="2" name="Title 1">
@@ -6063,16 +6574,31 @@
             <p:ph type="title"/>
           </p:nvPr>
         </p:nvSpPr>
-        <p:spPr/>
-        <p:txBody>
-          <a:bodyPr/>
-          <a:lstStyle/>
-          <a:p>
-            <a:r>
-              <a:rPr lang="en-US" dirty="0"/>
-              <a:t>DATA ANALYSIS - 5</a:t>
-            </a:r>
-            <a:endParaRPr lang="en-CA" dirty="0"/>
+        <p:spPr>
+          <a:xfrm>
+            <a:off x="492369" y="605896"/>
+            <a:ext cx="3642309" cy="5646208"/>
+          </a:xfrm>
+        </p:spPr>
+        <p:txBody>
+          <a:bodyPr anchor="ctr">
+            <a:normAutofit/>
+          </a:bodyPr>
+          <a:lstStyle/>
+          <a:p>
+            <a:r>
+              <a:rPr lang="en-US" sz="4400">
+                <a:solidFill>
+                  <a:srgbClr val="FFFFFF"/>
+                </a:solidFill>
+              </a:rPr>
+              <a:t>DATA ANALYSIS - 3</a:t>
+            </a:r>
+            <a:endParaRPr lang="en-CA" sz="4400">
+              <a:solidFill>
+                <a:srgbClr val="FFFFFF"/>
+              </a:solidFill>
+            </a:endParaRPr>
           </a:p>
         </p:txBody>
       </p:sp>
@@ -6092,9 +6618,14 @@
             <p:ph idx="1"/>
           </p:nvPr>
         </p:nvSpPr>
-        <p:spPr/>
-        <p:txBody>
-          <a:bodyPr>
+        <p:spPr>
+          <a:xfrm>
+            <a:off x="5231958" y="605896"/>
+            <a:ext cx="5923721" cy="5646208"/>
+          </a:xfrm>
+        </p:spPr>
+        <p:txBody>
+          <a:bodyPr anchor="ctr">
             <a:normAutofit/>
           </a:bodyPr>
           <a:lstStyle/>
@@ -6103,8 +6634,8 @@
               <a:buNone/>
             </a:pPr>
             <a:r>
-              <a:rPr lang="en-US" dirty="0"/>
-              <a:t>Is there a correlation between processed sugar and dental health? </a:t>
+              <a:rPr lang="en-US" sz="2400"/>
+              <a:t>What is the correlation between income and sugar intake?</a:t>
             </a:r>
           </a:p>
           <a:p>
@@ -6113,22 +6644,22 @@
               <a:buChar char="•"/>
             </a:pPr>
             <a:r>
-              <a:rPr lang="en-US" dirty="0"/>
-              <a:t>Comparison of Bad Teeth Data from WHO and Sugar Intake Data from FAO, there is almost no correlation between sugar intake and dental health.</a:t>
+              <a:rPr lang="en-US" sz="2400"/>
+              <a:t>Comparison of the Income Dataset from Worldbank and Sugar Intake Data from FAO show that countries with lower income has higher sugar intake.</a:t>
             </a:r>
           </a:p>
           <a:p>
             <a:pPr marL="0" indent="0">
               <a:buNone/>
             </a:pPr>
-            <a:endParaRPr lang="en-CA" dirty="0"/>
+            <a:endParaRPr lang="en-CA" sz="2400"/>
           </a:p>
         </p:txBody>
       </p:sp>
     </p:spTree>
     <p:extLst>
       <p:ext uri="{BB962C8B-B14F-4D97-AF65-F5344CB8AC3E}">
-        <p14:creationId xmlns:p14="http://schemas.microsoft.com/office/powerpoint/2010/main" val="1709233667"/>
+        <p14:creationId xmlns:p14="http://schemas.microsoft.com/office/powerpoint/2010/main" val="542239908"/>
       </p:ext>
     </p:extLst>
   </p:cSld>
@@ -6141,6 +6672,14 @@
 <file path=ppt/slides/slide15.xml><?xml version="1.0" encoding="utf-8"?>
 <p:sld xmlns:a="http://schemas.openxmlformats.org/drawingml/2006/main" xmlns:r="http://schemas.openxmlformats.org/officeDocument/2006/relationships" xmlns:p="http://schemas.openxmlformats.org/presentationml/2006/main">
   <p:cSld>
+    <p:bg>
+      <p:bgPr>
+        <a:solidFill>
+          <a:schemeClr val="bg1"/>
+        </a:solidFill>
+        <a:effectLst/>
+      </p:bgPr>
+    </p:bg>
     <p:spTree>
       <p:nvGrpSpPr>
         <p:cNvPr id="1" name=""/>
@@ -6155,6 +6694,121 @@
           <a:chExt cx="0" cy="0"/>
         </a:xfrm>
       </p:grpSpPr>
+      <p:sp useBgFill="1">
+        <p:nvSpPr>
+          <p:cNvPr id="19" name="Rectangle 18">
+            <a:extLst>
+              <a:ext uri="{FF2B5EF4-FFF2-40B4-BE49-F238E27FC236}">
+                <a16:creationId xmlns:a16="http://schemas.microsoft.com/office/drawing/2014/main" id="{0AB6E427-3F73-4C06-A5D5-AE52C3883B50}"/>
+              </a:ext>
+              <a:ext uri="{C183D7F6-B498-43B3-948B-1728B52AA6E4}">
+                <adec:decorative xmlns:adec="http://schemas.microsoft.com/office/drawing/2017/decorative" val="1"/>
+              </a:ext>
+            </a:extLst>
+          </p:cNvPr>
+          <p:cNvSpPr>
+            <a:spLocks noGrp="1" noRot="1" noChangeAspect="1" noMove="1" noResize="1" noEditPoints="1" noAdjustHandles="1" noChangeArrowheads="1" noChangeShapeType="1" noTextEdit="1"/>
+          </p:cNvSpPr>
+          <p:nvPr>
+            <p:extLst>
+              <p:ext uri="{386F3935-93C4-4BCD-93E2-E3B085C9AB24}">
+                <p16:designElem xmlns:p16="http://schemas.microsoft.com/office/powerpoint/2015/main" val="1"/>
+              </p:ext>
+            </p:extLst>
+          </p:nvPr>
+        </p:nvSpPr>
+        <p:spPr>
+          <a:xfrm>
+            <a:off x="5685" y="0"/>
+            <a:ext cx="12186315" cy="6858000"/>
+          </a:xfrm>
+          <a:prstGeom prst="rect">
+            <a:avLst/>
+          </a:prstGeom>
+          <a:ln>
+            <a:noFill/>
+          </a:ln>
+        </p:spPr>
+        <p:style>
+          <a:lnRef idx="2">
+            <a:schemeClr val="accent6">
+              <a:shade val="50000"/>
+            </a:schemeClr>
+          </a:lnRef>
+          <a:fillRef idx="1001">
+            <a:schemeClr val="lt1"/>
+          </a:fillRef>
+          <a:effectRef idx="0">
+            <a:schemeClr val="accent6"/>
+          </a:effectRef>
+          <a:fontRef idx="minor">
+            <a:schemeClr val="lt1"/>
+          </a:fontRef>
+        </p:style>
+        <p:txBody>
+          <a:bodyPr rtlCol="0" anchor="ctr"/>
+          <a:lstStyle/>
+          <a:p>
+            <a:pPr algn="ctr"/>
+            <a:endParaRPr lang="en-US"/>
+          </a:p>
+        </p:txBody>
+      </p:sp>
+      <p:sp>
+        <p:nvSpPr>
+          <p:cNvPr id="21" name="Rectangle 20">
+            <a:extLst>
+              <a:ext uri="{FF2B5EF4-FFF2-40B4-BE49-F238E27FC236}">
+                <a16:creationId xmlns:a16="http://schemas.microsoft.com/office/drawing/2014/main" id="{D8C9BDAA-0390-4B39-9B5C-BC95E5120DA4}"/>
+              </a:ext>
+              <a:ext uri="{C183D7F6-B498-43B3-948B-1728B52AA6E4}">
+                <adec:decorative xmlns:adec="http://schemas.microsoft.com/office/drawing/2017/decorative" val="1"/>
+              </a:ext>
+            </a:extLst>
+          </p:cNvPr>
+          <p:cNvSpPr>
+            <a:spLocks noGrp="1" noRot="1" noChangeAspect="1" noMove="1" noResize="1" noEditPoints="1" noAdjustHandles="1" noChangeArrowheads="1" noChangeShapeType="1" noTextEdit="1"/>
+          </p:cNvSpPr>
+          <p:nvPr>
+            <p:extLst>
+              <p:ext uri="{386F3935-93C4-4BCD-93E2-E3B085C9AB24}">
+                <p16:designElem xmlns:p16="http://schemas.microsoft.com/office/powerpoint/2015/main" val="1"/>
+              </p:ext>
+            </p:extLst>
+          </p:nvPr>
+        </p:nvSpPr>
+        <p:spPr>
+          <a:xfrm>
+            <a:off x="16" y="0"/>
+            <a:ext cx="4059919" cy="6858000"/>
+          </a:xfrm>
+          <a:prstGeom prst="rect">
+            <a:avLst/>
+          </a:prstGeom>
+          <a:solidFill>
+            <a:srgbClr val="262626"/>
+          </a:solidFill>
+          <a:ln>
+            <a:noFill/>
+          </a:ln>
+        </p:spPr>
+        <p:style>
+          <a:lnRef idx="2">
+            <a:schemeClr val="accent1">
+              <a:shade val="50000"/>
+            </a:schemeClr>
+          </a:lnRef>
+          <a:fillRef idx="1">
+            <a:schemeClr val="accent1"/>
+          </a:fillRef>
+          <a:effectRef idx="0">
+            <a:schemeClr val="accent1"/>
+          </a:effectRef>
+          <a:fontRef idx="minor">
+            <a:schemeClr val="lt1"/>
+          </a:fontRef>
+        </p:style>
+      </p:sp>
       <p:sp>
         <p:nvSpPr>
           <p:cNvPr id="2" name="Title 1">
@@ -6171,63 +6825,222 @@
             <p:ph type="title"/>
           </p:nvPr>
         </p:nvSpPr>
-        <p:spPr/>
-        <p:txBody>
-          <a:bodyPr/>
-          <a:lstStyle/>
-          <a:p>
-            <a:r>
-              <a:rPr lang="en-US" dirty="0"/>
-              <a:t>DATA ANALYSIS - 5</a:t>
-            </a:r>
-            <a:endParaRPr lang="en-CA" dirty="0"/>
-          </a:p>
-        </p:txBody>
-      </p:sp>
-      <p:sp>
-        <p:nvSpPr>
-          <p:cNvPr id="3" name="Content Placeholder 2">
-            <a:extLst>
-              <a:ext uri="{FF2B5EF4-FFF2-40B4-BE49-F238E27FC236}">
-                <a16:creationId xmlns:a16="http://schemas.microsoft.com/office/drawing/2014/main" id="{C990EB9B-20EF-41D2-BF3A-03ED63507C68}"/>
-              </a:ext>
-            </a:extLst>
-          </p:cNvPr>
-          <p:cNvSpPr>
-            <a:spLocks noGrp="1"/>
-          </p:cNvSpPr>
-          <p:nvPr>
-            <p:ph idx="1"/>
-          </p:nvPr>
-        </p:nvSpPr>
-        <p:spPr/>
+        <p:spPr>
+          <a:xfrm>
+            <a:off x="492370" y="516836"/>
+            <a:ext cx="3084844" cy="1961086"/>
+          </a:xfrm>
+        </p:spPr>
         <p:txBody>
           <a:bodyPr>
             <a:normAutofit/>
           </a:bodyPr>
           <a:lstStyle/>
           <a:p>
+            <a:r>
+              <a:rPr lang="en-US" sz="2500">
+                <a:solidFill>
+                  <a:srgbClr val="FFFFFF"/>
+                </a:solidFill>
+              </a:rPr>
+              <a:t>IS THERE A CORRELATION BETWEEN PROCESSED SUGAR AND OBESITY?</a:t>
+            </a:r>
+            <a:endParaRPr lang="en-CA" sz="2500">
+              <a:solidFill>
+                <a:srgbClr val="FFFFFF"/>
+              </a:solidFill>
+            </a:endParaRPr>
+          </a:p>
+        </p:txBody>
+      </p:sp>
+      <p:cxnSp>
+        <p:nvCxnSpPr>
+          <p:cNvPr id="23" name="Straight Connector 22">
+            <a:extLst>
+              <a:ext uri="{FF2B5EF4-FFF2-40B4-BE49-F238E27FC236}">
+                <a16:creationId xmlns:a16="http://schemas.microsoft.com/office/drawing/2014/main" id="{E04A321A-A039-4720-87B4-66A4210E0D57}"/>
+              </a:ext>
+              <a:ext uri="{C183D7F6-B498-43B3-948B-1728B52AA6E4}">
+                <adec:decorative xmlns:adec="http://schemas.microsoft.com/office/drawing/2017/decorative" val="1"/>
+              </a:ext>
+            </a:extLst>
+          </p:cNvPr>
+          <p:cNvCxnSpPr>
+            <a:cxnSpLocks noGrp="1" noRot="1" noChangeAspect="1" noMove="1" noResize="1" noEditPoints="1" noAdjustHandles="1" noChangeArrowheads="1" noChangeShapeType="1"/>
+          </p:cNvCxnSpPr>
+          <p:nvPr>
+            <p:extLst>
+              <p:ext uri="{386F3935-93C4-4BCD-93E2-E3B085C9AB24}">
+                <p16:designElem xmlns:p16="http://schemas.microsoft.com/office/powerpoint/2015/main" val="1"/>
+              </p:ext>
+            </p:extLst>
+          </p:nvPr>
+        </p:nvCxnSpPr>
+        <p:spPr>
+          <a:xfrm>
+            <a:off x="571752" y="2638787"/>
+            <a:ext cx="2743200" cy="0"/>
+          </a:xfrm>
+          <a:prstGeom prst="line">
+            <a:avLst/>
+          </a:prstGeom>
+          <a:ln w="19050">
+            <a:solidFill>
+              <a:schemeClr val="accent1"/>
+            </a:solidFill>
+          </a:ln>
+        </p:spPr>
+        <p:style>
+          <a:lnRef idx="1">
+            <a:schemeClr val="accent1"/>
+          </a:lnRef>
+          <a:fillRef idx="0">
+            <a:schemeClr val="accent1"/>
+          </a:fillRef>
+          <a:effectRef idx="0">
+            <a:schemeClr val="accent1"/>
+          </a:effectRef>
+          <a:fontRef idx="minor">
+            <a:schemeClr val="tx1"/>
+          </a:fontRef>
+        </p:style>
+      </p:cxnSp>
+      <p:sp>
+        <p:nvSpPr>
+          <p:cNvPr id="3" name="Content Placeholder 2">
+            <a:extLst>
+              <a:ext uri="{FF2B5EF4-FFF2-40B4-BE49-F238E27FC236}">
+                <a16:creationId xmlns:a16="http://schemas.microsoft.com/office/drawing/2014/main" id="{C990EB9B-20EF-41D2-BF3A-03ED63507C68}"/>
+              </a:ext>
+            </a:extLst>
+          </p:cNvPr>
+          <p:cNvSpPr>
+            <a:spLocks noGrp="1"/>
+          </p:cNvSpPr>
+          <p:nvPr>
+            <p:ph idx="1"/>
+          </p:nvPr>
+        </p:nvSpPr>
+        <p:spPr>
+          <a:xfrm>
+            <a:off x="571752" y="2799654"/>
+            <a:ext cx="3005462" cy="3189665"/>
+          </a:xfrm>
+        </p:spPr>
+        <p:txBody>
+          <a:bodyPr>
+            <a:normAutofit/>
+          </a:bodyPr>
+          <a:lstStyle/>
+          <a:p>
             <a:pPr marL="0" indent="0">
               <a:buNone/>
             </a:pPr>
             <a:r>
+              <a:rPr lang="en-US" dirty="0">
+                <a:solidFill>
+                  <a:srgbClr val="FFFFFF"/>
+                </a:solidFill>
+              </a:rPr>
+              <a:t>The correlation shows  a 0.65 between the Sugar Intake vs the Obesity Rate.</a:t>
+            </a:r>
+          </a:p>
+        </p:txBody>
+      </p:sp>
+      <p:pic>
+        <p:nvPicPr>
+          <p:cNvPr id="5" name="Picture 4" descr="Chart, scatter chart&#10;&#10;Description automatically generated">
+            <a:extLst>
+              <a:ext uri="{FF2B5EF4-FFF2-40B4-BE49-F238E27FC236}">
+                <a16:creationId xmlns:a16="http://schemas.microsoft.com/office/drawing/2014/main" id="{093D9D2D-0D59-48B4-9FE2-7ECE1D38DB8A}"/>
+              </a:ext>
+            </a:extLst>
+          </p:cNvPr>
+          <p:cNvPicPr>
+            <a:picLocks noChangeAspect="1"/>
+          </p:cNvPicPr>
+          <p:nvPr/>
+        </p:nvPicPr>
+        <p:blipFill>
+          <a:blip r:embed="rId2">
+            <a:extLst>
+              <a:ext uri="{28A0092B-C50C-407E-A947-70E740481C1C}">
+                <a14:useLocalDpi xmlns:a14="http://schemas.microsoft.com/office/drawing/2010/main" val="0"/>
+              </a:ext>
+            </a:extLst>
+          </a:blip>
+          <a:stretch>
+            <a:fillRect/>
+          </a:stretch>
+        </p:blipFill>
+        <p:spPr>
+          <a:xfrm>
+            <a:off x="4901548" y="0"/>
+            <a:ext cx="6798082" cy="4532054"/>
+          </a:xfrm>
+          <a:prstGeom prst="rect">
+            <a:avLst/>
+          </a:prstGeom>
+        </p:spPr>
+      </p:pic>
+      <p:sp>
+        <p:nvSpPr>
+          <p:cNvPr id="6" name="TextBox 5">
+            <a:extLst>
+              <a:ext uri="{FF2B5EF4-FFF2-40B4-BE49-F238E27FC236}">
+                <a16:creationId xmlns:a16="http://schemas.microsoft.com/office/drawing/2014/main" id="{AB90CE9F-E12C-4F08-AA8B-8C4C9557D72E}"/>
+              </a:ext>
+            </a:extLst>
+          </p:cNvPr>
+          <p:cNvSpPr txBox="1"/>
+          <p:nvPr/>
+        </p:nvSpPr>
+        <p:spPr>
+          <a:xfrm>
+            <a:off x="5375492" y="4532054"/>
+            <a:ext cx="5850194" cy="1477328"/>
+          </a:xfrm>
+          <a:prstGeom prst="rect">
+            <a:avLst/>
+          </a:prstGeom>
+          <a:noFill/>
+        </p:spPr>
+        <p:txBody>
+          <a:bodyPr wrap="square" rtlCol="0">
+            <a:spAutoFit/>
+          </a:bodyPr>
+          <a:lstStyle/>
+          <a:p>
+            <a:pPr marL="342900" indent="-342900">
+              <a:buAutoNum type="arabicPeriod"/>
+            </a:pPr>
+            <a:r>
               <a:rPr lang="en-US" dirty="0"/>
-              <a:t>Is there a correlation between processed sugar and dental health? </a:t>
-            </a:r>
-          </a:p>
-          <a:p>
-            <a:pPr marL="635508" lvl="1" indent="-342900">
-              <a:buFont typeface="Arial" panose="020B0604020202020204" pitchFamily="34" charset="0"/>
-              <a:buChar char="•"/>
+              <a:t>Imported the Sugar Intake and Obesity CSV files.</a:t>
+            </a:r>
+          </a:p>
+          <a:p>
+            <a:pPr marL="342900" indent="-342900">
+              <a:buAutoNum type="arabicPeriod"/>
             </a:pPr>
             <a:r>
               <a:rPr lang="en-US" dirty="0"/>
-              <a:t>Comparison of Bad Teeth Data from WHO and Sugar Intake Data from FAO, there is almost no correlation between sugar intake and dental health.</a:t>
-            </a:r>
-          </a:p>
-          <a:p>
-            <a:pPr marL="0" indent="0">
-              <a:buNone/>
+              <a:t>Merged the two files together to get all the data in 1 Data Frame.</a:t>
+            </a:r>
+          </a:p>
+          <a:p>
+            <a:pPr marL="342900" indent="-342900">
+              <a:buAutoNum type="arabicPeriod"/>
+            </a:pPr>
+            <a:r>
+              <a:rPr lang="en-US"/>
+              <a:t>Identified the </a:t>
+            </a:r>
+            <a:endParaRPr lang="en-US" dirty="0"/>
+          </a:p>
+          <a:p>
+            <a:pPr marL="342900" indent="-342900">
+              <a:buAutoNum type="arabicPeriod"/>
             </a:pPr>
             <a:endParaRPr lang="en-CA" dirty="0"/>
           </a:p>
@@ -6236,7 +7049,7 @@
     </p:spTree>
     <p:extLst>
       <p:ext uri="{BB962C8B-B14F-4D97-AF65-F5344CB8AC3E}">
-        <p14:creationId xmlns:p14="http://schemas.microsoft.com/office/powerpoint/2010/main" val="1658669183"/>
+        <p14:creationId xmlns:p14="http://schemas.microsoft.com/office/powerpoint/2010/main" val="454901871"/>
       </p:ext>
     </p:extLst>
   </p:cSld>
@@ -6249,6 +7062,14 @@
 <file path=ppt/slides/slide16.xml><?xml version="1.0" encoding="utf-8"?>
 <p:sld xmlns:a="http://schemas.openxmlformats.org/drawingml/2006/main" xmlns:r="http://schemas.openxmlformats.org/officeDocument/2006/relationships" xmlns:p="http://schemas.openxmlformats.org/presentationml/2006/main">
   <p:cSld>
+    <p:bg>
+      <p:bgPr>
+        <a:solidFill>
+          <a:schemeClr val="bg1"/>
+        </a:solidFill>
+        <a:effectLst/>
+      </p:bgPr>
+    </p:bg>
     <p:spTree>
       <p:nvGrpSpPr>
         <p:cNvPr id="1" name=""/>
@@ -6263,6 +7084,121 @@
           <a:chExt cx="0" cy="0"/>
         </a:xfrm>
       </p:grpSpPr>
+      <p:sp useBgFill="1">
+        <p:nvSpPr>
+          <p:cNvPr id="10" name="Rectangle 9">
+            <a:extLst>
+              <a:ext uri="{FF2B5EF4-FFF2-40B4-BE49-F238E27FC236}">
+                <a16:creationId xmlns:a16="http://schemas.microsoft.com/office/drawing/2014/main" id="{0AB6E427-3F73-4C06-A5D5-AE52C3883B50}"/>
+              </a:ext>
+              <a:ext uri="{C183D7F6-B498-43B3-948B-1728B52AA6E4}">
+                <adec:decorative xmlns:adec="http://schemas.microsoft.com/office/drawing/2017/decorative" val="1"/>
+              </a:ext>
+            </a:extLst>
+          </p:cNvPr>
+          <p:cNvSpPr>
+            <a:spLocks noGrp="1" noRot="1" noChangeAspect="1" noMove="1" noResize="1" noEditPoints="1" noAdjustHandles="1" noChangeArrowheads="1" noChangeShapeType="1" noTextEdit="1"/>
+          </p:cNvSpPr>
+          <p:nvPr>
+            <p:extLst>
+              <p:ext uri="{386F3935-93C4-4BCD-93E2-E3B085C9AB24}">
+                <p16:designElem xmlns:p16="http://schemas.microsoft.com/office/powerpoint/2015/main" val="1"/>
+              </p:ext>
+            </p:extLst>
+          </p:nvPr>
+        </p:nvSpPr>
+        <p:spPr>
+          <a:xfrm>
+            <a:off x="5685" y="0"/>
+            <a:ext cx="12186315" cy="6858000"/>
+          </a:xfrm>
+          <a:prstGeom prst="rect">
+            <a:avLst/>
+          </a:prstGeom>
+          <a:ln>
+            <a:noFill/>
+          </a:ln>
+        </p:spPr>
+        <p:style>
+          <a:lnRef idx="2">
+            <a:schemeClr val="accent6">
+              <a:shade val="50000"/>
+            </a:schemeClr>
+          </a:lnRef>
+          <a:fillRef idx="1001">
+            <a:schemeClr val="lt1"/>
+          </a:fillRef>
+          <a:effectRef idx="0">
+            <a:schemeClr val="accent6"/>
+          </a:effectRef>
+          <a:fontRef idx="minor">
+            <a:schemeClr val="lt1"/>
+          </a:fontRef>
+        </p:style>
+        <p:txBody>
+          <a:bodyPr rtlCol="0" anchor="ctr"/>
+          <a:lstStyle/>
+          <a:p>
+            <a:pPr algn="ctr"/>
+            <a:endParaRPr lang="en-US"/>
+          </a:p>
+        </p:txBody>
+      </p:sp>
+      <p:sp>
+        <p:nvSpPr>
+          <p:cNvPr id="12" name="Rectangle 11">
+            <a:extLst>
+              <a:ext uri="{FF2B5EF4-FFF2-40B4-BE49-F238E27FC236}">
+                <a16:creationId xmlns:a16="http://schemas.microsoft.com/office/drawing/2014/main" id="{D8C9BDAA-0390-4B39-9B5C-BC95E5120DA4}"/>
+              </a:ext>
+              <a:ext uri="{C183D7F6-B498-43B3-948B-1728B52AA6E4}">
+                <adec:decorative xmlns:adec="http://schemas.microsoft.com/office/drawing/2017/decorative" val="1"/>
+              </a:ext>
+            </a:extLst>
+          </p:cNvPr>
+          <p:cNvSpPr>
+            <a:spLocks noGrp="1" noRot="1" noChangeAspect="1" noMove="1" noResize="1" noEditPoints="1" noAdjustHandles="1" noChangeArrowheads="1" noChangeShapeType="1" noTextEdit="1"/>
+          </p:cNvSpPr>
+          <p:nvPr>
+            <p:extLst>
+              <p:ext uri="{386F3935-93C4-4BCD-93E2-E3B085C9AB24}">
+                <p16:designElem xmlns:p16="http://schemas.microsoft.com/office/powerpoint/2015/main" val="1"/>
+              </p:ext>
+            </p:extLst>
+          </p:nvPr>
+        </p:nvSpPr>
+        <p:spPr>
+          <a:xfrm>
+            <a:off x="16" y="0"/>
+            <a:ext cx="4059919" cy="6858000"/>
+          </a:xfrm>
+          <a:prstGeom prst="rect">
+            <a:avLst/>
+          </a:prstGeom>
+          <a:solidFill>
+            <a:srgbClr val="262626"/>
+          </a:solidFill>
+          <a:ln>
+            <a:noFill/>
+          </a:ln>
+        </p:spPr>
+        <p:style>
+          <a:lnRef idx="2">
+            <a:schemeClr val="accent1">
+              <a:shade val="50000"/>
+            </a:schemeClr>
+          </a:lnRef>
+          <a:fillRef idx="1">
+            <a:schemeClr val="accent1"/>
+          </a:fillRef>
+          <a:effectRef idx="0">
+            <a:schemeClr val="accent1"/>
+          </a:effectRef>
+          <a:fontRef idx="minor">
+            <a:schemeClr val="lt1"/>
+          </a:fontRef>
+        </p:style>
+      </p:sp>
       <p:sp>
         <p:nvSpPr>
           <p:cNvPr id="2" name="Title 1">
@@ -6279,89 +7215,184 @@
             <p:ph type="title"/>
           </p:nvPr>
         </p:nvSpPr>
-        <p:spPr/>
-        <p:txBody>
-          <a:bodyPr/>
-          <a:lstStyle/>
-          <a:p>
-            <a:r>
-              <a:rPr lang="en-US" dirty="0"/>
-              <a:t>DATA ANALYSIS - 6</a:t>
-            </a:r>
-            <a:endParaRPr lang="en-CA" dirty="0"/>
-          </a:p>
-        </p:txBody>
-      </p:sp>
-      <p:sp>
-        <p:nvSpPr>
-          <p:cNvPr id="3" name="Content Placeholder 2">
-            <a:extLst>
-              <a:ext uri="{FF2B5EF4-FFF2-40B4-BE49-F238E27FC236}">
-                <a16:creationId xmlns:a16="http://schemas.microsoft.com/office/drawing/2014/main" id="{C990EB9B-20EF-41D2-BF3A-03ED63507C68}"/>
-              </a:ext>
-            </a:extLst>
-          </p:cNvPr>
-          <p:cNvSpPr>
-            <a:spLocks noGrp="1"/>
-          </p:cNvSpPr>
-          <p:nvPr>
-            <p:ph idx="1"/>
-          </p:nvPr>
-        </p:nvSpPr>
-        <p:spPr/>
+        <p:spPr>
+          <a:xfrm>
+            <a:off x="492370" y="516836"/>
+            <a:ext cx="3084844" cy="1961086"/>
+          </a:xfrm>
+        </p:spPr>
         <p:txBody>
           <a:bodyPr>
             <a:normAutofit/>
           </a:bodyPr>
           <a:lstStyle/>
           <a:p>
+            <a:r>
+              <a:rPr lang="en-US" sz="4000">
+                <a:solidFill>
+                  <a:srgbClr val="FFFFFF"/>
+                </a:solidFill>
+              </a:rPr>
+              <a:t>DATA ANALYSIS - 5</a:t>
+            </a:r>
+            <a:endParaRPr lang="en-CA" sz="4000">
+              <a:solidFill>
+                <a:srgbClr val="FFFFFF"/>
+              </a:solidFill>
+            </a:endParaRPr>
+          </a:p>
+        </p:txBody>
+      </p:sp>
+      <p:cxnSp>
+        <p:nvCxnSpPr>
+          <p:cNvPr id="14" name="Straight Connector 13">
+            <a:extLst>
+              <a:ext uri="{FF2B5EF4-FFF2-40B4-BE49-F238E27FC236}">
+                <a16:creationId xmlns:a16="http://schemas.microsoft.com/office/drawing/2014/main" id="{E04A321A-A039-4720-87B4-66A4210E0D57}"/>
+              </a:ext>
+              <a:ext uri="{C183D7F6-B498-43B3-948B-1728B52AA6E4}">
+                <adec:decorative xmlns:adec="http://schemas.microsoft.com/office/drawing/2017/decorative" val="1"/>
+              </a:ext>
+            </a:extLst>
+          </p:cNvPr>
+          <p:cNvCxnSpPr>
+            <a:cxnSpLocks noGrp="1" noRot="1" noChangeAspect="1" noMove="1" noResize="1" noEditPoints="1" noAdjustHandles="1" noChangeArrowheads="1" noChangeShapeType="1"/>
+          </p:cNvCxnSpPr>
+          <p:nvPr>
+            <p:extLst>
+              <p:ext uri="{386F3935-93C4-4BCD-93E2-E3B085C9AB24}">
+                <p16:designElem xmlns:p16="http://schemas.microsoft.com/office/powerpoint/2015/main" val="1"/>
+              </p:ext>
+            </p:extLst>
+          </p:nvPr>
+        </p:nvCxnSpPr>
+        <p:spPr>
+          <a:xfrm>
+            <a:off x="571752" y="2638787"/>
+            <a:ext cx="2743200" cy="0"/>
+          </a:xfrm>
+          <a:prstGeom prst="line">
+            <a:avLst/>
+          </a:prstGeom>
+          <a:ln w="19050">
+            <a:solidFill>
+              <a:schemeClr val="accent1"/>
+            </a:solidFill>
+          </a:ln>
+        </p:spPr>
+        <p:style>
+          <a:lnRef idx="1">
+            <a:schemeClr val="accent1"/>
+          </a:lnRef>
+          <a:fillRef idx="0">
+            <a:schemeClr val="accent1"/>
+          </a:fillRef>
+          <a:effectRef idx="0">
+            <a:schemeClr val="accent1"/>
+          </a:effectRef>
+          <a:fontRef idx="minor">
+            <a:schemeClr val="tx1"/>
+          </a:fontRef>
+        </p:style>
+      </p:cxnSp>
+      <p:sp>
+        <p:nvSpPr>
+          <p:cNvPr id="3" name="Content Placeholder 2">
+            <a:extLst>
+              <a:ext uri="{FF2B5EF4-FFF2-40B4-BE49-F238E27FC236}">
+                <a16:creationId xmlns:a16="http://schemas.microsoft.com/office/drawing/2014/main" id="{C990EB9B-20EF-41D2-BF3A-03ED63507C68}"/>
+              </a:ext>
+            </a:extLst>
+          </p:cNvPr>
+          <p:cNvSpPr>
+            <a:spLocks noGrp="1"/>
+          </p:cNvSpPr>
+          <p:nvPr>
+            <p:ph idx="1"/>
+          </p:nvPr>
+        </p:nvSpPr>
+        <p:spPr>
+          <a:xfrm>
+            <a:off x="571752" y="2799654"/>
+            <a:ext cx="3005462" cy="3189665"/>
+          </a:xfrm>
+        </p:spPr>
+        <p:txBody>
+          <a:bodyPr>
+            <a:normAutofit/>
+          </a:bodyPr>
+          <a:lstStyle/>
+          <a:p>
             <a:pPr marL="0" indent="0">
+              <a:lnSpc>
+                <a:spcPct val="110000"/>
+              </a:lnSpc>
               <a:buNone/>
             </a:pPr>
             <a:r>
-              <a:rPr lang="en-US" dirty="0"/>
-              <a:t>What are the top 5 purchased grocery items in the country with the highest sugar intake? For these 5 top items, what is their sugar content?</a:t>
-            </a:r>
-          </a:p>
-          <a:p>
-            <a:pPr marL="635508" lvl="1" indent="-342900">
-              <a:buFont typeface="Arial" panose="020B0604020202020204" pitchFamily="34" charset="0"/>
-              <a:buChar char="•"/>
-            </a:pPr>
-            <a:r>
-              <a:rPr lang="en-US" dirty="0"/>
-              <a:t>The American Kroger grocery store datasets had a list of groceries item purchased by 38,000+ customers.  Then we had a nutrition API  from Fat Secret to determine the sugar content.</a:t>
-            </a:r>
-          </a:p>
-          <a:p>
-            <a:pPr marL="342900" indent="-342900">
-              <a:buFont typeface="+mj-lt"/>
-              <a:buAutoNum type="arabicPeriod"/>
-            </a:pPr>
-            <a:endParaRPr lang="en-US" dirty="0"/>
-          </a:p>
-          <a:p>
-            <a:pPr marL="201168" lvl="1" indent="0">
+              <a:rPr lang="en-US" sz="1700" dirty="0">
+                <a:solidFill>
+                  <a:srgbClr val="FFFFFF"/>
+                </a:solidFill>
+              </a:rPr>
+              <a:t>Is there a correlation between processed sugar and dental health? </a:t>
+            </a:r>
+          </a:p>
+          <a:p>
+            <a:pPr marL="0" indent="0">
+              <a:lnSpc>
+                <a:spcPct val="110000"/>
+              </a:lnSpc>
               <a:buNone/>
             </a:pPr>
-            <a:endParaRPr lang="en-US" dirty="0"/>
-          </a:p>
-          <a:p>
-            <a:endParaRPr lang="en-US" dirty="0"/>
-          </a:p>
-          <a:p>
-            <a:pPr marL="342900" indent="-342900">
-              <a:buFont typeface="+mj-lt"/>
-              <a:buAutoNum type="arabicPeriod"/>
-            </a:pPr>
-            <a:endParaRPr lang="en-CA" dirty="0"/>
-          </a:p>
-        </p:txBody>
-      </p:sp>
+            <a:endParaRPr lang="en-CA" sz="1700" dirty="0">
+              <a:solidFill>
+                <a:srgbClr val="FFFFFF"/>
+              </a:solidFill>
+            </a:endParaRPr>
+          </a:p>
+        </p:txBody>
+      </p:sp>
+      <p:pic>
+        <p:nvPicPr>
+          <p:cNvPr id="5" name="Picture 4" descr="Chart, scatter chart&#10;&#10;Description automatically generated">
+            <a:extLst>
+              <a:ext uri="{FF2B5EF4-FFF2-40B4-BE49-F238E27FC236}">
+                <a16:creationId xmlns:a16="http://schemas.microsoft.com/office/drawing/2014/main" id="{CEB1B933-A33D-4470-B4FD-5A4ECA366E09}"/>
+              </a:ext>
+            </a:extLst>
+          </p:cNvPr>
+          <p:cNvPicPr>
+            <a:picLocks noChangeAspect="1"/>
+          </p:cNvPicPr>
+          <p:nvPr/>
+        </p:nvPicPr>
+        <p:blipFill>
+          <a:blip r:embed="rId2">
+            <a:extLst>
+              <a:ext uri="{28A0092B-C50C-407E-A947-70E740481C1C}">
+                <a14:useLocalDpi xmlns:a14="http://schemas.microsoft.com/office/drawing/2010/main" val="0"/>
+              </a:ext>
+            </a:extLst>
+          </a:blip>
+          <a:stretch>
+            <a:fillRect/>
+          </a:stretch>
+        </p:blipFill>
+        <p:spPr>
+          <a:xfrm>
+            <a:off x="4742017" y="1162973"/>
+            <a:ext cx="6798082" cy="4532054"/>
+          </a:xfrm>
+          <a:prstGeom prst="rect">
+            <a:avLst/>
+          </a:prstGeom>
+        </p:spPr>
+      </p:pic>
     </p:spTree>
     <p:extLst>
       <p:ext uri="{BB962C8B-B14F-4D97-AF65-F5344CB8AC3E}">
-        <p14:creationId xmlns:p14="http://schemas.microsoft.com/office/powerpoint/2010/main" val="1135346001"/>
+        <p14:creationId xmlns:p14="http://schemas.microsoft.com/office/powerpoint/2010/main" val="1709233667"/>
       </p:ext>
     </p:extLst>
   </p:cSld>
@@ -6411,7 +7442,7 @@
           <a:p>
             <a:r>
               <a:rPr lang="en-US" dirty="0"/>
-              <a:t>DISCUSSION ON FINDINGS</a:t>
+              <a:t>DATA ANALYSIS - 6</a:t>
             </a:r>
             <a:endParaRPr lang="en-CA" dirty="0"/>
           </a:p>
@@ -6486,7 +7517,7 @@
     </p:spTree>
     <p:extLst>
       <p:ext uri="{BB962C8B-B14F-4D97-AF65-F5344CB8AC3E}">
-        <p14:creationId xmlns:p14="http://schemas.microsoft.com/office/powerpoint/2010/main" val="3079070896"/>
+        <p14:creationId xmlns:p14="http://schemas.microsoft.com/office/powerpoint/2010/main" val="1135346001"/>
       </p:ext>
     </p:extLst>
   </p:cSld>
@@ -6499,6 +7530,14 @@
 <file path=ppt/slides/slide18.xml><?xml version="1.0" encoding="utf-8"?>
 <p:sld xmlns:a="http://schemas.openxmlformats.org/drawingml/2006/main" xmlns:r="http://schemas.openxmlformats.org/officeDocument/2006/relationships" xmlns:p="http://schemas.openxmlformats.org/presentationml/2006/main">
   <p:cSld>
+    <p:bg>
+      <p:bgPr>
+        <a:solidFill>
+          <a:schemeClr val="bg1"/>
+        </a:solidFill>
+        <a:effectLst/>
+      </p:bgPr>
+    </p:bg>
     <p:spTree>
       <p:nvGrpSpPr>
         <p:cNvPr id="1" name=""/>
@@ -6513,6 +7552,121 @@
           <a:chExt cx="0" cy="0"/>
         </a:xfrm>
       </p:grpSpPr>
+      <p:sp useBgFill="1">
+        <p:nvSpPr>
+          <p:cNvPr id="8" name="Rectangle 7">
+            <a:extLst>
+              <a:ext uri="{FF2B5EF4-FFF2-40B4-BE49-F238E27FC236}">
+                <a16:creationId xmlns:a16="http://schemas.microsoft.com/office/drawing/2014/main" id="{3741B58E-3B65-4A01-A276-975AB2CF8A08}"/>
+              </a:ext>
+              <a:ext uri="{C183D7F6-B498-43B3-948B-1728B52AA6E4}">
+                <adec:decorative xmlns:adec="http://schemas.microsoft.com/office/drawing/2017/decorative" val="1"/>
+              </a:ext>
+            </a:extLst>
+          </p:cNvPr>
+          <p:cNvSpPr>
+            <a:spLocks noGrp="1" noRot="1" noChangeAspect="1" noMove="1" noResize="1" noEditPoints="1" noAdjustHandles="1" noChangeArrowheads="1" noChangeShapeType="1" noTextEdit="1"/>
+          </p:cNvSpPr>
+          <p:nvPr>
+            <p:extLst>
+              <p:ext uri="{386F3935-93C4-4BCD-93E2-E3B085C9AB24}">
+                <p16:designElem xmlns:p16="http://schemas.microsoft.com/office/powerpoint/2015/main" val="1"/>
+              </p:ext>
+            </p:extLst>
+          </p:nvPr>
+        </p:nvSpPr>
+        <p:spPr>
+          <a:xfrm>
+            <a:off x="0" y="0"/>
+            <a:ext cx="12186315" cy="6858000"/>
+          </a:xfrm>
+          <a:prstGeom prst="rect">
+            <a:avLst/>
+          </a:prstGeom>
+          <a:ln>
+            <a:noFill/>
+          </a:ln>
+        </p:spPr>
+        <p:style>
+          <a:lnRef idx="2">
+            <a:schemeClr val="accent6">
+              <a:shade val="50000"/>
+            </a:schemeClr>
+          </a:lnRef>
+          <a:fillRef idx="1001">
+            <a:schemeClr val="lt1"/>
+          </a:fillRef>
+          <a:effectRef idx="0">
+            <a:schemeClr val="accent6"/>
+          </a:effectRef>
+          <a:fontRef idx="minor">
+            <a:schemeClr val="lt1"/>
+          </a:fontRef>
+        </p:style>
+        <p:txBody>
+          <a:bodyPr rtlCol="0" anchor="ctr"/>
+          <a:lstStyle/>
+          <a:p>
+            <a:pPr algn="ctr"/>
+            <a:endParaRPr lang="en-US"/>
+          </a:p>
+        </p:txBody>
+      </p:sp>
+      <p:sp>
+        <p:nvSpPr>
+          <p:cNvPr id="10" name="Rectangle 9">
+            <a:extLst>
+              <a:ext uri="{FF2B5EF4-FFF2-40B4-BE49-F238E27FC236}">
+                <a16:creationId xmlns:a16="http://schemas.microsoft.com/office/drawing/2014/main" id="{7AAC67C3-831B-4AB1-A259-DFB839CAFAFC}"/>
+              </a:ext>
+              <a:ext uri="{C183D7F6-B498-43B3-948B-1728B52AA6E4}">
+                <adec:decorative xmlns:adec="http://schemas.microsoft.com/office/drawing/2017/decorative" val="1"/>
+              </a:ext>
+            </a:extLst>
+          </p:cNvPr>
+          <p:cNvSpPr>
+            <a:spLocks noGrp="1" noRot="1" noChangeAspect="1" noMove="1" noResize="1" noEditPoints="1" noAdjustHandles="1" noChangeArrowheads="1" noChangeShapeType="1" noTextEdit="1"/>
+          </p:cNvSpPr>
+          <p:nvPr>
+            <p:extLst>
+              <p:ext uri="{386F3935-93C4-4BCD-93E2-E3B085C9AB24}">
+                <p16:designElem xmlns:p16="http://schemas.microsoft.com/office/powerpoint/2015/main" val="1"/>
+              </p:ext>
+            </p:extLst>
+          </p:nvPr>
+        </p:nvSpPr>
+        <p:spPr>
+          <a:xfrm>
+            <a:off x="16" y="0"/>
+            <a:ext cx="4648593" cy="6858000"/>
+          </a:xfrm>
+          <a:prstGeom prst="rect">
+            <a:avLst/>
+          </a:prstGeom>
+          <a:solidFill>
+            <a:srgbClr val="262626"/>
+          </a:solidFill>
+          <a:ln>
+            <a:noFill/>
+          </a:ln>
+        </p:spPr>
+        <p:style>
+          <a:lnRef idx="2">
+            <a:schemeClr val="accent1">
+              <a:shade val="50000"/>
+            </a:schemeClr>
+          </a:lnRef>
+          <a:fillRef idx="1">
+            <a:schemeClr val="accent1"/>
+          </a:fillRef>
+          <a:effectRef idx="0">
+            <a:schemeClr val="accent1"/>
+          </a:effectRef>
+          <a:fontRef idx="minor">
+            <a:schemeClr val="lt1"/>
+          </a:fontRef>
+        </p:style>
+      </p:sp>
       <p:sp>
         <p:nvSpPr>
           <p:cNvPr id="2" name="Title 1">
@@ -6529,16 +7683,31 @@
             <p:ph type="title"/>
           </p:nvPr>
         </p:nvSpPr>
-        <p:spPr/>
-        <p:txBody>
-          <a:bodyPr/>
-          <a:lstStyle/>
-          <a:p>
-            <a:r>
-              <a:rPr lang="en-US" dirty="0"/>
-              <a:t>POST MORTEM</a:t>
-            </a:r>
-            <a:endParaRPr lang="en-CA" dirty="0"/>
+        <p:spPr>
+          <a:xfrm>
+            <a:off x="492369" y="605896"/>
+            <a:ext cx="3642309" cy="5646208"/>
+          </a:xfrm>
+        </p:spPr>
+        <p:txBody>
+          <a:bodyPr anchor="ctr">
+            <a:normAutofit/>
+          </a:bodyPr>
+          <a:lstStyle/>
+          <a:p>
+            <a:r>
+              <a:rPr lang="en-US" sz="4400">
+                <a:solidFill>
+                  <a:srgbClr val="FFFFFF"/>
+                </a:solidFill>
+              </a:rPr>
+              <a:t>DISCUSSION ON FINDINGS</a:t>
+            </a:r>
+            <a:endParaRPr lang="en-CA" sz="4400">
+              <a:solidFill>
+                <a:srgbClr val="FFFFFF"/>
+              </a:solidFill>
+            </a:endParaRPr>
           </a:p>
         </p:txBody>
       </p:sp>
@@ -6558,9 +7727,14 @@
             <p:ph idx="1"/>
           </p:nvPr>
         </p:nvSpPr>
-        <p:spPr/>
-        <p:txBody>
-          <a:bodyPr>
+        <p:spPr>
+          <a:xfrm>
+            <a:off x="5231958" y="605896"/>
+            <a:ext cx="5923721" cy="5646208"/>
+          </a:xfrm>
+        </p:spPr>
+        <p:txBody>
+          <a:bodyPr anchor="ctr">
             <a:normAutofit/>
           </a:bodyPr>
           <a:lstStyle/>
@@ -6569,7 +7743,7 @@
               <a:buNone/>
             </a:pPr>
             <a:r>
-              <a:rPr lang="en-US" dirty="0"/>
+              <a:rPr lang="en-US" sz="2400" dirty="0"/>
               <a:t>What are the top 5 purchased grocery items in the country with the highest sugar intake? For these 5 top items, what is their sugar content?</a:t>
             </a:r>
           </a:p>
@@ -6579,7 +7753,7 @@
               <a:buChar char="•"/>
             </a:pPr>
             <a:r>
-              <a:rPr lang="en-US" dirty="0"/>
+              <a:rPr lang="en-US" sz="2400" dirty="0"/>
               <a:t>The American Kroger grocery store datasets had a list of groceries item purchased by 38,000+ customers.  Then we had a nutrition API  from Fat Secret to determine the sugar content.</a:t>
             </a:r>
           </a:p>
@@ -6588,30 +7762,30 @@
               <a:buFont typeface="+mj-lt"/>
               <a:buAutoNum type="arabicPeriod"/>
             </a:pPr>
-            <a:endParaRPr lang="en-US" dirty="0"/>
+            <a:endParaRPr lang="en-US" sz="2400" dirty="0"/>
           </a:p>
           <a:p>
             <a:pPr marL="201168" lvl="1" indent="0">
               <a:buNone/>
             </a:pPr>
-            <a:endParaRPr lang="en-US" dirty="0"/>
-          </a:p>
-          <a:p>
-            <a:endParaRPr lang="en-US" dirty="0"/>
+            <a:endParaRPr lang="en-US" sz="2400" dirty="0"/>
+          </a:p>
+          <a:p>
+            <a:endParaRPr lang="en-US" sz="2400" dirty="0"/>
           </a:p>
           <a:p>
             <a:pPr marL="342900" indent="-342900">
               <a:buFont typeface="+mj-lt"/>
               <a:buAutoNum type="arabicPeriod"/>
             </a:pPr>
-            <a:endParaRPr lang="en-CA" dirty="0"/>
+            <a:endParaRPr lang="en-CA" sz="2400" dirty="0"/>
           </a:p>
         </p:txBody>
       </p:sp>
     </p:spTree>
     <p:extLst>
       <p:ext uri="{BB962C8B-B14F-4D97-AF65-F5344CB8AC3E}">
-        <p14:creationId xmlns:p14="http://schemas.microsoft.com/office/powerpoint/2010/main" val="1648156889"/>
+        <p14:creationId xmlns:p14="http://schemas.microsoft.com/office/powerpoint/2010/main" val="3079070896"/>
       </p:ext>
     </p:extLst>
   </p:cSld>
@@ -6661,7 +7835,7 @@
           <a:p>
             <a:r>
               <a:rPr lang="en-US" dirty="0"/>
-              <a:t>QUESTIONS</a:t>
+              <a:t>POST MORTEM</a:t>
             </a:r>
             <a:endParaRPr lang="en-CA" dirty="0"/>
           </a:p>
@@ -6695,12 +7869,33 @@
             </a:pPr>
             <a:r>
               <a:rPr lang="en-US" dirty="0"/>
-              <a:t>Any questions from all of you regarding </a:t>
-            </a:r>
-            <a:r>
-              <a:rPr lang="en-US"/>
-              <a:t>our project?</a:t>
-            </a:r>
+              <a:t>What are the top 5 purchased grocery items in the country with the highest sugar intake? For these 5 top items, what is their sugar content?</a:t>
+            </a:r>
+          </a:p>
+          <a:p>
+            <a:pPr marL="635508" lvl="1" indent="-342900">
+              <a:buFont typeface="Arial" panose="020B0604020202020204" pitchFamily="34" charset="0"/>
+              <a:buChar char="•"/>
+            </a:pPr>
+            <a:r>
+              <a:rPr lang="en-US" dirty="0"/>
+              <a:t>The American Kroger grocery store datasets had a list of groceries item purchased by 38,000+ customers.  Then we had a nutrition API  from Fat Secret to determine the sugar content.</a:t>
+            </a:r>
+          </a:p>
+          <a:p>
+            <a:pPr marL="342900" indent="-342900">
+              <a:buFont typeface="+mj-lt"/>
+              <a:buAutoNum type="arabicPeriod"/>
+            </a:pPr>
+            <a:endParaRPr lang="en-US" dirty="0"/>
+          </a:p>
+          <a:p>
+            <a:pPr marL="201168" lvl="1" indent="0">
+              <a:buNone/>
+            </a:pPr>
+            <a:endParaRPr lang="en-US" dirty="0"/>
+          </a:p>
+          <a:p>
             <a:endParaRPr lang="en-US" dirty="0"/>
           </a:p>
           <a:p>
@@ -6715,7 +7910,7 @@
     </p:spTree>
     <p:extLst>
       <p:ext uri="{BB962C8B-B14F-4D97-AF65-F5344CB8AC3E}">
-        <p14:creationId xmlns:p14="http://schemas.microsoft.com/office/powerpoint/2010/main" val="3818714174"/>
+        <p14:creationId xmlns:p14="http://schemas.microsoft.com/office/powerpoint/2010/main" val="1648156889"/>
       </p:ext>
     </p:extLst>
   </p:cSld>
@@ -6915,7 +8110,7 @@
 </p:sld>
 </file>
 
-<file path=ppt/slides/slide3.xml><?xml version="1.0" encoding="utf-8"?>
+<file path=ppt/slides/slide20.xml><?xml version="1.0" encoding="utf-8"?>
 <p:sld xmlns:a="http://schemas.openxmlformats.org/drawingml/2006/main" xmlns:r="http://schemas.openxmlformats.org/officeDocument/2006/relationships" xmlns:p="http://schemas.openxmlformats.org/presentationml/2006/main">
   <p:cSld>
     <p:spTree>
@@ -6955,7 +8150,7 @@
           <a:p>
             <a:r>
               <a:rPr lang="en-US" dirty="0"/>
-              <a:t>TRIVIAL QUESTION</a:t>
+              <a:t>QUESTIONS</a:t>
             </a:r>
             <a:endParaRPr lang="en-CA" dirty="0"/>
           </a:p>
@@ -6979,7 +8174,9 @@
         </p:nvSpPr>
         <p:spPr/>
         <p:txBody>
-          <a:bodyPr/>
+          <a:bodyPr>
+            <a:normAutofit/>
+          </a:bodyPr>
           <a:lstStyle/>
           <a:p>
             <a:pPr marL="0" indent="0">
@@ -6987,8 +8184,19 @@
             </a:pPr>
             <a:r>
               <a:rPr lang="en-US" dirty="0"/>
-              <a:t>Do any of you know what your daily sugar intake should be?</a:t>
-            </a:r>
+              <a:t>Any questions from all of you regarding </a:t>
+            </a:r>
+            <a:r>
+              <a:rPr lang="en-US"/>
+              <a:t>our project?</a:t>
+            </a:r>
+            <a:endParaRPr lang="en-US" dirty="0"/>
+          </a:p>
+          <a:p>
+            <a:pPr marL="342900" indent="-342900">
+              <a:buFont typeface="+mj-lt"/>
+              <a:buAutoNum type="arabicPeriod"/>
+            </a:pPr>
             <a:endParaRPr lang="en-CA" dirty="0"/>
           </a:p>
         </p:txBody>
@@ -6996,7 +8204,7 @@
     </p:spTree>
     <p:extLst>
       <p:ext uri="{BB962C8B-B14F-4D97-AF65-F5344CB8AC3E}">
-        <p14:creationId xmlns:p14="http://schemas.microsoft.com/office/powerpoint/2010/main" val="715302988"/>
+        <p14:creationId xmlns:p14="http://schemas.microsoft.com/office/powerpoint/2010/main" val="3818714174"/>
       </p:ext>
     </p:extLst>
   </p:cSld>
@@ -7006,9 +8214,17 @@
 </p:sld>
 </file>
 
-<file path=ppt/slides/slide4.xml><?xml version="1.0" encoding="utf-8"?>
+<file path=ppt/slides/slide3.xml><?xml version="1.0" encoding="utf-8"?>
 <p:sld xmlns:a="http://schemas.openxmlformats.org/drawingml/2006/main" xmlns:r="http://schemas.openxmlformats.org/officeDocument/2006/relationships" xmlns:p="http://schemas.openxmlformats.org/presentationml/2006/main">
   <p:cSld>
+    <p:bg>
+      <p:bgPr>
+        <a:solidFill>
+          <a:schemeClr val="bg1"/>
+        </a:solidFill>
+        <a:effectLst/>
+      </p:bgPr>
+    </p:bg>
     <p:spTree>
       <p:nvGrpSpPr>
         <p:cNvPr id="1" name=""/>
@@ -7025,10 +8241,180 @@
       </p:grpSpPr>
       <p:sp>
         <p:nvSpPr>
+          <p:cNvPr id="27" name="Rectangle 26">
+            <a:extLst>
+              <a:ext uri="{FF2B5EF4-FFF2-40B4-BE49-F238E27FC236}">
+                <a16:creationId xmlns:a16="http://schemas.microsoft.com/office/drawing/2014/main" id="{416A0E3C-60E6-4F39-BC55-5F7C224E1F7C}"/>
+              </a:ext>
+              <a:ext uri="{C183D7F6-B498-43B3-948B-1728B52AA6E4}">
+                <adec:decorative xmlns:adec="http://schemas.microsoft.com/office/drawing/2017/decorative" val="1"/>
+              </a:ext>
+            </a:extLst>
+          </p:cNvPr>
+          <p:cNvSpPr>
+            <a:spLocks noGrp="1" noRot="1" noChangeAspect="1" noMove="1" noResize="1" noEditPoints="1" noAdjustHandles="1" noChangeArrowheads="1" noChangeShapeType="1" noTextEdit="1"/>
+          </p:cNvSpPr>
+          <p:nvPr>
+            <p:extLst>
+              <p:ext uri="{386F3935-93C4-4BCD-93E2-E3B085C9AB24}">
+                <p16:designElem xmlns:p16="http://schemas.microsoft.com/office/powerpoint/2015/main" val="1"/>
+              </p:ext>
+            </p:extLst>
+          </p:nvPr>
+        </p:nvSpPr>
+        <p:spPr>
+          <a:xfrm>
+            <a:off x="3175" y="6400800"/>
+            <a:ext cx="12188825" cy="457200"/>
+          </a:xfrm>
+          <a:prstGeom prst="rect">
+            <a:avLst/>
+          </a:prstGeom>
+          <a:solidFill>
+            <a:srgbClr val="262626"/>
+          </a:solidFill>
+          <a:ln>
+            <a:noFill/>
+          </a:ln>
+        </p:spPr>
+        <p:style>
+          <a:lnRef idx="2">
+            <a:schemeClr val="accent1">
+              <a:shade val="50000"/>
+            </a:schemeClr>
+          </a:lnRef>
+          <a:fillRef idx="1">
+            <a:schemeClr val="accent1"/>
+          </a:fillRef>
+          <a:effectRef idx="0">
+            <a:schemeClr val="accent1"/>
+          </a:effectRef>
+          <a:fontRef idx="minor">
+            <a:schemeClr val="lt1"/>
+          </a:fontRef>
+        </p:style>
+      </p:sp>
+      <p:cxnSp>
+        <p:nvCxnSpPr>
+          <p:cNvPr id="29" name="Straight Connector 28">
+            <a:extLst>
+              <a:ext uri="{FF2B5EF4-FFF2-40B4-BE49-F238E27FC236}">
+                <a16:creationId xmlns:a16="http://schemas.microsoft.com/office/drawing/2014/main" id="{C5025DAC-8B93-4160-B017-3A274A5828C0}"/>
+              </a:ext>
+              <a:ext uri="{C183D7F6-B498-43B3-948B-1728B52AA6E4}">
+                <adec:decorative xmlns:adec="http://schemas.microsoft.com/office/drawing/2017/decorative" val="1"/>
+              </a:ext>
+            </a:extLst>
+          </p:cNvPr>
+          <p:cNvCxnSpPr>
+            <a:cxnSpLocks noGrp="1" noRot="1" noChangeAspect="1" noMove="1" noResize="1" noEditPoints="1" noAdjustHandles="1" noChangeArrowheads="1" noChangeShapeType="1"/>
+          </p:cNvCxnSpPr>
+          <p:nvPr>
+            <p:extLst>
+              <p:ext uri="{386F3935-93C4-4BCD-93E2-E3B085C9AB24}">
+                <p16:designElem xmlns:p16="http://schemas.microsoft.com/office/powerpoint/2015/main" val="1"/>
+              </p:ext>
+            </p:extLst>
+          </p:nvPr>
+        </p:nvCxnSpPr>
+        <p:spPr>
+          <a:xfrm>
+            <a:off x="1193532" y="1897380"/>
+            <a:ext cx="9966960" cy="0"/>
+          </a:xfrm>
+          <a:prstGeom prst="line">
+            <a:avLst/>
+          </a:prstGeom>
+          <a:ln w="12700">
+            <a:solidFill>
+              <a:schemeClr val="tx1">
+                <a:lumMod val="75000"/>
+                <a:lumOff val="25000"/>
+              </a:schemeClr>
+            </a:solidFill>
+          </a:ln>
+        </p:spPr>
+        <p:style>
+          <a:lnRef idx="1">
+            <a:schemeClr val="accent1"/>
+          </a:lnRef>
+          <a:fillRef idx="0">
+            <a:schemeClr val="accent1"/>
+          </a:fillRef>
+          <a:effectRef idx="0">
+            <a:schemeClr val="accent1"/>
+          </a:effectRef>
+          <a:fontRef idx="minor">
+            <a:schemeClr val="tx1"/>
+          </a:fontRef>
+        </p:style>
+      </p:cxnSp>
+      <p:sp useBgFill="1">
+        <p:nvSpPr>
+          <p:cNvPr id="31" name="Rectangle 30">
+            <a:extLst>
+              <a:ext uri="{FF2B5EF4-FFF2-40B4-BE49-F238E27FC236}">
+                <a16:creationId xmlns:a16="http://schemas.microsoft.com/office/drawing/2014/main" id="{67B74F2B-9534-4540-96B0-5C8E958B940F}"/>
+              </a:ext>
+              <a:ext uri="{C183D7F6-B498-43B3-948B-1728B52AA6E4}">
+                <adec:decorative xmlns:adec="http://schemas.microsoft.com/office/drawing/2017/decorative" val="1"/>
+              </a:ext>
+            </a:extLst>
+          </p:cNvPr>
+          <p:cNvSpPr>
+            <a:spLocks noGrp="1" noRot="1" noChangeAspect="1" noMove="1" noResize="1" noEditPoints="1" noAdjustHandles="1" noChangeArrowheads="1" noChangeShapeType="1" noTextEdit="1"/>
+          </p:cNvSpPr>
+          <p:nvPr>
+            <p:extLst>
+              <p:ext uri="{386F3935-93C4-4BCD-93E2-E3B085C9AB24}">
+                <p16:designElem xmlns:p16="http://schemas.microsoft.com/office/powerpoint/2015/main" val="1"/>
+              </p:ext>
+            </p:extLst>
+          </p:nvPr>
+        </p:nvSpPr>
+        <p:spPr>
+          <a:xfrm>
+            <a:off x="0" y="0"/>
+            <a:ext cx="12192001" cy="6858000"/>
+          </a:xfrm>
+          <a:prstGeom prst="rect">
+            <a:avLst/>
+          </a:prstGeom>
+          <a:ln>
+            <a:noFill/>
+          </a:ln>
+        </p:spPr>
+        <p:style>
+          <a:lnRef idx="2">
+            <a:schemeClr val="accent1">
+              <a:shade val="50000"/>
+            </a:schemeClr>
+          </a:lnRef>
+          <a:fillRef idx="1">
+            <a:schemeClr val="accent1"/>
+          </a:fillRef>
+          <a:effectRef idx="0">
+            <a:schemeClr val="accent1"/>
+          </a:effectRef>
+          <a:fontRef idx="minor">
+            <a:schemeClr val="lt1"/>
+          </a:fontRef>
+        </p:style>
+        <p:txBody>
+          <a:bodyPr rtlCol="0" anchor="ctr"/>
+          <a:lstStyle/>
+          <a:p>
+            <a:pPr algn="ctr"/>
+            <a:endParaRPr lang="en-US"/>
+          </a:p>
+        </p:txBody>
+      </p:sp>
+      <p:sp>
+        <p:nvSpPr>
           <p:cNvPr id="2" name="Title 1">
             <a:extLst>
               <a:ext uri="{FF2B5EF4-FFF2-40B4-BE49-F238E27FC236}">
-                <a16:creationId xmlns:a16="http://schemas.microsoft.com/office/drawing/2014/main" id="{9C48BE68-3EC4-4686-A2A0-8A1E03C2580F}"/>
+                <a16:creationId xmlns:a16="http://schemas.microsoft.com/office/drawing/2014/main" id="{D394FF68-0CEC-423D-AF00-3E7A83639720}"/>
               </a:ext>
             </a:extLst>
           </p:cNvPr>
@@ -7039,25 +8425,122 @@
             <p:ph type="title"/>
           </p:nvPr>
         </p:nvSpPr>
-        <p:spPr/>
-        <p:txBody>
-          <a:bodyPr/>
-          <a:lstStyle/>
-          <a:p>
-            <a:r>
-              <a:rPr lang="en-US" dirty="0"/>
-              <a:t>CORE MESSAGE</a:t>
-            </a:r>
-            <a:endParaRPr lang="en-CA" dirty="0"/>
-          </a:p>
-        </p:txBody>
-      </p:sp>
+        <p:spPr>
+          <a:xfrm>
+            <a:off x="5172074" y="286603"/>
+            <a:ext cx="5983605" cy="1450757"/>
+          </a:xfrm>
+        </p:spPr>
+        <p:txBody>
+          <a:bodyPr vert="horz" lIns="91440" tIns="45720" rIns="91440" bIns="45720" rtlCol="0" anchor="b">
+            <a:normAutofit/>
+          </a:bodyPr>
+          <a:lstStyle/>
+          <a:p>
+            <a:r>
+              <a:rPr lang="en-US" sz="4800">
+                <a:solidFill>
+                  <a:schemeClr val="tx1">
+                    <a:lumMod val="75000"/>
+                    <a:lumOff val="25000"/>
+                  </a:schemeClr>
+                </a:solidFill>
+              </a:rPr>
+              <a:t>TRIVIAL QUESTION</a:t>
+            </a:r>
+          </a:p>
+        </p:txBody>
+      </p:sp>
+      <p:pic>
+        <p:nvPicPr>
+          <p:cNvPr id="22" name="Picture 21">
+            <a:extLst>
+              <a:ext uri="{FF2B5EF4-FFF2-40B4-BE49-F238E27FC236}">
+                <a16:creationId xmlns:a16="http://schemas.microsoft.com/office/drawing/2014/main" id="{B1DD7DC7-1D6E-4118-A2F1-DABB02C53C60}"/>
+              </a:ext>
+            </a:extLst>
+          </p:cNvPr>
+          <p:cNvPicPr>
+            <a:picLocks noChangeAspect="1"/>
+          </p:cNvPicPr>
+          <p:nvPr/>
+        </p:nvPicPr>
+        <p:blipFill rotWithShape="1">
+          <a:blip r:embed="rId2"/>
+          <a:srcRect l="43073" r="3261"/>
+          <a:stretch/>
+        </p:blipFill>
+        <p:spPr>
+          <a:xfrm>
+            <a:off x="20" y="10"/>
+            <a:ext cx="4580077" cy="6400784"/>
+          </a:xfrm>
+          <a:prstGeom prst="rect">
+            <a:avLst/>
+          </a:prstGeom>
+        </p:spPr>
+      </p:pic>
+      <p:cxnSp>
+        <p:nvCxnSpPr>
+          <p:cNvPr id="33" name="Straight Connector 32">
+            <a:extLst>
+              <a:ext uri="{FF2B5EF4-FFF2-40B4-BE49-F238E27FC236}">
+                <a16:creationId xmlns:a16="http://schemas.microsoft.com/office/drawing/2014/main" id="{33BECB2B-2CFA-412C-880F-C4B60974936F}"/>
+              </a:ext>
+              <a:ext uri="{C183D7F6-B498-43B3-948B-1728B52AA6E4}">
+                <adec:decorative xmlns:adec="http://schemas.microsoft.com/office/drawing/2017/decorative" val="1"/>
+              </a:ext>
+            </a:extLst>
+          </p:cNvPr>
+          <p:cNvCxnSpPr>
+            <a:cxnSpLocks noGrp="1" noRot="1" noChangeAspect="1" noMove="1" noResize="1" noEditPoints="1" noAdjustHandles="1" noChangeArrowheads="1" noChangeShapeType="1"/>
+          </p:cNvCxnSpPr>
+          <p:nvPr>
+            <p:extLst>
+              <p:ext uri="{386F3935-93C4-4BCD-93E2-E3B085C9AB24}">
+                <p16:designElem xmlns:p16="http://schemas.microsoft.com/office/powerpoint/2015/main" val="1"/>
+              </p:ext>
+            </p:extLst>
+          </p:nvPr>
+        </p:nvCxnSpPr>
+        <p:spPr>
+          <a:xfrm>
+            <a:off x="5242903" y="1917852"/>
+            <a:ext cx="5943600" cy="0"/>
+          </a:xfrm>
+          <a:prstGeom prst="line">
+            <a:avLst/>
+          </a:prstGeom>
+          <a:ln w="12700">
+            <a:solidFill>
+              <a:schemeClr val="tx1">
+                <a:lumMod val="75000"/>
+                <a:lumOff val="25000"/>
+              </a:schemeClr>
+            </a:solidFill>
+          </a:ln>
+        </p:spPr>
+        <p:style>
+          <a:lnRef idx="1">
+            <a:schemeClr val="accent1"/>
+          </a:lnRef>
+          <a:fillRef idx="0">
+            <a:schemeClr val="accent1"/>
+          </a:fillRef>
+          <a:effectRef idx="0">
+            <a:schemeClr val="accent1"/>
+          </a:effectRef>
+          <a:fontRef idx="minor">
+            <a:schemeClr val="tx1"/>
+          </a:fontRef>
+        </p:style>
+      </p:cxnSp>
       <p:sp>
         <p:nvSpPr>
           <p:cNvPr id="3" name="Content Placeholder 2">
             <a:extLst>
               <a:ext uri="{FF2B5EF4-FFF2-40B4-BE49-F238E27FC236}">
-                <a16:creationId xmlns:a16="http://schemas.microsoft.com/office/drawing/2014/main" id="{C990EB9B-20EF-41D2-BF3A-03ED63507C68}"/>
+                <a16:creationId xmlns:a16="http://schemas.microsoft.com/office/drawing/2014/main" id="{2079D1A8-EC57-4550-8A11-A04DFEDC2D9E}"/>
               </a:ext>
             </a:extLst>
           </p:cNvPr>
@@ -7070,72 +8553,119 @@
         </p:nvSpPr>
         <p:spPr>
           <a:xfrm>
-            <a:off x="1103179" y="2098368"/>
-            <a:ext cx="10058400" cy="3760891"/>
-          </a:xfrm>
-        </p:spPr>
-        <p:txBody>
-          <a:bodyPr/>
+            <a:off x="5172074" y="2108201"/>
+            <a:ext cx="5983606" cy="3760891"/>
+          </a:xfrm>
+        </p:spPr>
+        <p:txBody>
+          <a:bodyPr vert="horz" lIns="0" tIns="45720" rIns="0" bIns="45720" rtlCol="0">
+            <a:normAutofit/>
+          </a:bodyPr>
           <a:lstStyle/>
           <a:p>
             <a:pPr marL="0" indent="0">
+              <a:lnSpc>
+                <a:spcPct val="100000"/>
+              </a:lnSpc>
+              <a:buFont typeface="Calibri" panose="020F0502020204030204" pitchFamily="34" charset="0"/>
               <a:buNone/>
             </a:pPr>
-            <a:r>
-              <a:rPr lang="en-US" dirty="0"/>
-              <a:t>“Your sandwich bread is actually a cake!”</a:t>
-            </a:r>
+            <a:endParaRPr lang="en-US" dirty="0"/>
           </a:p>
           <a:p>
             <a:pPr marL="0" indent="0">
+              <a:lnSpc>
+                <a:spcPct val="100000"/>
+              </a:lnSpc>
+              <a:buFont typeface="Calibri" panose="020F0502020204030204" pitchFamily="34" charset="0"/>
               <a:buNone/>
             </a:pPr>
-            <a:r>
-              <a:rPr lang="en-US" dirty="0"/>
-              <a:t>As we investigated this article, we wondered what the average daily sugar intake is and got curious if we are eating too much sugar that may be detrimental to our health.</a:t>
-            </a:r>
+            <a:endParaRPr lang="en-US" dirty="0"/>
           </a:p>
           <a:p>
             <a:pPr marL="0" indent="0">
+              <a:lnSpc>
+                <a:spcPct val="100000"/>
+              </a:lnSpc>
+              <a:buFont typeface="Calibri" panose="020F0502020204030204" pitchFamily="34" charset="0"/>
               <a:buNone/>
             </a:pPr>
             <a:r>
-              <a:rPr lang="en-US" dirty="0"/>
-              <a:t>Based on the facts:</a:t>
-            </a:r>
-          </a:p>
-          <a:p>
-            <a:pPr lvl="1">
-              <a:buFont typeface="Arial" panose="020B0604020202020204" pitchFamily="34" charset="0"/>
-              <a:buChar char="•"/>
+              <a:rPr lang="en-US" b="1" dirty="0"/>
+              <a:t>Do any of you know what your daily sugar intake should be?</a:t>
+            </a:r>
+          </a:p>
+          <a:p>
+            <a:pPr marL="342900" indent="-342900">
+              <a:lnSpc>
+                <a:spcPct val="100000"/>
+              </a:lnSpc>
+              <a:buFont typeface="Calibri" panose="020F0502020204030204" pitchFamily="34" charset="0"/>
+              <a:buAutoNum type="arabicPeriod"/>
             </a:pPr>
-            <a:r>
-              <a:rPr lang="en-US" dirty="0"/>
-              <a:t>Men should consume xx amount per day</a:t>
-            </a:r>
-          </a:p>
-          <a:p>
-            <a:pPr lvl="1">
-              <a:buFont typeface="Arial" panose="020B0604020202020204" pitchFamily="34" charset="0"/>
-              <a:buChar char="•"/>
-            </a:pPr>
-            <a:r>
-              <a:rPr lang="en-US" dirty="0"/>
-              <a:t>Women should consume xx amount per day</a:t>
-            </a:r>
-          </a:p>
-          <a:p>
-            <a:pPr marL="0" indent="0">
-              <a:buNone/>
-            </a:pPr>
-            <a:endParaRPr lang="en-CA" dirty="0"/>
-          </a:p>
-        </p:txBody>
+            <a:endParaRPr lang="en-US" dirty="0"/>
+          </a:p>
+        </p:txBody>
+      </p:sp>
+      <p:sp>
+        <p:nvSpPr>
+          <p:cNvPr id="35" name="Rectangle 34">
+            <a:extLst>
+              <a:ext uri="{FF2B5EF4-FFF2-40B4-BE49-F238E27FC236}">
+                <a16:creationId xmlns:a16="http://schemas.microsoft.com/office/drawing/2014/main" id="{C1B60310-C5C3-46A0-A452-2A0B008434DA}"/>
+              </a:ext>
+              <a:ext uri="{C183D7F6-B498-43B3-948B-1728B52AA6E4}">
+                <adec:decorative xmlns:adec="http://schemas.microsoft.com/office/drawing/2017/decorative" val="1"/>
+              </a:ext>
+            </a:extLst>
+          </p:cNvPr>
+          <p:cNvSpPr>
+            <a:spLocks noGrp="1" noRot="1" noChangeAspect="1" noMove="1" noResize="1" noEditPoints="1" noAdjustHandles="1" noChangeArrowheads="1" noChangeShapeType="1" noTextEdit="1"/>
+          </p:cNvSpPr>
+          <p:nvPr>
+            <p:extLst>
+              <p:ext uri="{386F3935-93C4-4BCD-93E2-E3B085C9AB24}">
+                <p16:designElem xmlns:p16="http://schemas.microsoft.com/office/powerpoint/2015/main" val="1"/>
+              </p:ext>
+            </p:extLst>
+          </p:nvPr>
+        </p:nvSpPr>
+        <p:spPr>
+          <a:xfrm>
+            <a:off x="-1" y="6400800"/>
+            <a:ext cx="12192000" cy="457200"/>
+          </a:xfrm>
+          <a:prstGeom prst="rect">
+            <a:avLst/>
+          </a:prstGeom>
+          <a:solidFill>
+            <a:srgbClr val="262626"/>
+          </a:solidFill>
+          <a:ln>
+            <a:noFill/>
+          </a:ln>
+        </p:spPr>
+        <p:style>
+          <a:lnRef idx="2">
+            <a:schemeClr val="accent1">
+              <a:shade val="50000"/>
+            </a:schemeClr>
+          </a:lnRef>
+          <a:fillRef idx="1">
+            <a:schemeClr val="accent1"/>
+          </a:fillRef>
+          <a:effectRef idx="0">
+            <a:schemeClr val="accent1"/>
+          </a:effectRef>
+          <a:fontRef idx="minor">
+            <a:schemeClr val="lt1"/>
+          </a:fontRef>
+        </p:style>
       </p:sp>
     </p:spTree>
     <p:extLst>
       <p:ext uri="{BB962C8B-B14F-4D97-AF65-F5344CB8AC3E}">
-        <p14:creationId xmlns:p14="http://schemas.microsoft.com/office/powerpoint/2010/main" val="2051128173"/>
+        <p14:creationId xmlns:p14="http://schemas.microsoft.com/office/powerpoint/2010/main" val="861654953"/>
       </p:ext>
     </p:extLst>
   </p:cSld>
@@ -7145,9 +8675,17 @@
 </p:sld>
 </file>
 
-<file path=ppt/slides/slide5.xml><?xml version="1.0" encoding="utf-8"?>
+<file path=ppt/slides/slide4.xml><?xml version="1.0" encoding="utf-8"?>
 <p:sld xmlns:a="http://schemas.openxmlformats.org/drawingml/2006/main" xmlns:r="http://schemas.openxmlformats.org/officeDocument/2006/relationships" xmlns:p="http://schemas.openxmlformats.org/presentationml/2006/main">
   <p:cSld>
+    <p:bg>
+      <p:bgPr>
+        <a:solidFill>
+          <a:schemeClr val="bg1"/>
+        </a:solidFill>
+        <a:effectLst/>
+      </p:bgPr>
+    </p:bg>
     <p:spTree>
       <p:nvGrpSpPr>
         <p:cNvPr id="1" name=""/>
@@ -7164,9 +8702,550 @@
       </p:grpSpPr>
       <p:sp>
         <p:nvSpPr>
+          <p:cNvPr id="26" name="Rectangle 25">
+            <a:extLst>
+              <a:ext uri="{FF2B5EF4-FFF2-40B4-BE49-F238E27FC236}">
+                <a16:creationId xmlns:a16="http://schemas.microsoft.com/office/drawing/2014/main" id="{416A0E3C-60E6-4F39-BC55-5F7C224E1F7C}"/>
+              </a:ext>
+              <a:ext uri="{C183D7F6-B498-43B3-948B-1728B52AA6E4}">
+                <adec:decorative xmlns:adec="http://schemas.microsoft.com/office/drawing/2017/decorative" val="1"/>
+              </a:ext>
+            </a:extLst>
+          </p:cNvPr>
+          <p:cNvSpPr>
+            <a:spLocks noGrp="1" noRot="1" noChangeAspect="1" noMove="1" noResize="1" noEditPoints="1" noAdjustHandles="1" noChangeArrowheads="1" noChangeShapeType="1" noTextEdit="1"/>
+          </p:cNvSpPr>
+          <p:nvPr>
+            <p:extLst>
+              <p:ext uri="{386F3935-93C4-4BCD-93E2-E3B085C9AB24}">
+                <p16:designElem xmlns:p16="http://schemas.microsoft.com/office/powerpoint/2015/main" val="1"/>
+              </p:ext>
+            </p:extLst>
+          </p:nvPr>
+        </p:nvSpPr>
+        <p:spPr>
+          <a:xfrm>
+            <a:off x="3175" y="6400800"/>
+            <a:ext cx="12188825" cy="457200"/>
+          </a:xfrm>
+          <a:prstGeom prst="rect">
+            <a:avLst/>
+          </a:prstGeom>
+          <a:solidFill>
+            <a:srgbClr val="262626"/>
+          </a:solidFill>
+          <a:ln>
+            <a:noFill/>
+          </a:ln>
+        </p:spPr>
+        <p:style>
+          <a:lnRef idx="2">
+            <a:schemeClr val="accent1">
+              <a:shade val="50000"/>
+            </a:schemeClr>
+          </a:lnRef>
+          <a:fillRef idx="1">
+            <a:schemeClr val="accent1"/>
+          </a:fillRef>
+          <a:effectRef idx="0">
+            <a:schemeClr val="accent1"/>
+          </a:effectRef>
+          <a:fontRef idx="minor">
+            <a:schemeClr val="lt1"/>
+          </a:fontRef>
+        </p:style>
+      </p:sp>
+      <p:cxnSp>
+        <p:nvCxnSpPr>
+          <p:cNvPr id="28" name="Straight Connector 27">
+            <a:extLst>
+              <a:ext uri="{FF2B5EF4-FFF2-40B4-BE49-F238E27FC236}">
+                <a16:creationId xmlns:a16="http://schemas.microsoft.com/office/drawing/2014/main" id="{C5025DAC-8B93-4160-B017-3A274A5828C0}"/>
+              </a:ext>
+              <a:ext uri="{C183D7F6-B498-43B3-948B-1728B52AA6E4}">
+                <adec:decorative xmlns:adec="http://schemas.microsoft.com/office/drawing/2017/decorative" val="1"/>
+              </a:ext>
+            </a:extLst>
+          </p:cNvPr>
+          <p:cNvCxnSpPr>
+            <a:cxnSpLocks noGrp="1" noRot="1" noChangeAspect="1" noMove="1" noResize="1" noEditPoints="1" noAdjustHandles="1" noChangeArrowheads="1" noChangeShapeType="1"/>
+          </p:cNvCxnSpPr>
+          <p:nvPr>
+            <p:extLst>
+              <p:ext uri="{386F3935-93C4-4BCD-93E2-E3B085C9AB24}">
+                <p16:designElem xmlns:p16="http://schemas.microsoft.com/office/powerpoint/2015/main" val="1"/>
+              </p:ext>
+            </p:extLst>
+          </p:nvPr>
+        </p:nvCxnSpPr>
+        <p:spPr>
+          <a:xfrm>
+            <a:off x="1193532" y="1897380"/>
+            <a:ext cx="9966960" cy="0"/>
+          </a:xfrm>
+          <a:prstGeom prst="line">
+            <a:avLst/>
+          </a:prstGeom>
+          <a:ln w="12700">
+            <a:solidFill>
+              <a:schemeClr val="tx1">
+                <a:lumMod val="75000"/>
+                <a:lumOff val="25000"/>
+              </a:schemeClr>
+            </a:solidFill>
+          </a:ln>
+        </p:spPr>
+        <p:style>
+          <a:lnRef idx="1">
+            <a:schemeClr val="accent1"/>
+          </a:lnRef>
+          <a:fillRef idx="0">
+            <a:schemeClr val="accent1"/>
+          </a:fillRef>
+          <a:effectRef idx="0">
+            <a:schemeClr val="accent1"/>
+          </a:effectRef>
+          <a:fontRef idx="minor">
+            <a:schemeClr val="tx1"/>
+          </a:fontRef>
+        </p:style>
+      </p:cxnSp>
+      <p:sp useBgFill="1">
+        <p:nvSpPr>
+          <p:cNvPr id="30" name="Rectangle 29">
+            <a:extLst>
+              <a:ext uri="{FF2B5EF4-FFF2-40B4-BE49-F238E27FC236}">
+                <a16:creationId xmlns:a16="http://schemas.microsoft.com/office/drawing/2014/main" id="{67B74F2B-9534-4540-96B0-5C8E958B940F}"/>
+              </a:ext>
+              <a:ext uri="{C183D7F6-B498-43B3-948B-1728B52AA6E4}">
+                <adec:decorative xmlns:adec="http://schemas.microsoft.com/office/drawing/2017/decorative" val="1"/>
+              </a:ext>
+            </a:extLst>
+          </p:cNvPr>
+          <p:cNvSpPr>
+            <a:spLocks noGrp="1" noRot="1" noChangeAspect="1" noMove="1" noResize="1" noEditPoints="1" noAdjustHandles="1" noChangeArrowheads="1" noChangeShapeType="1" noTextEdit="1"/>
+          </p:cNvSpPr>
+          <p:nvPr>
+            <p:extLst>
+              <p:ext uri="{386F3935-93C4-4BCD-93E2-E3B085C9AB24}">
+                <p16:designElem xmlns:p16="http://schemas.microsoft.com/office/powerpoint/2015/main" val="1"/>
+              </p:ext>
+            </p:extLst>
+          </p:nvPr>
+        </p:nvSpPr>
+        <p:spPr>
+          <a:xfrm>
+            <a:off x="0" y="0"/>
+            <a:ext cx="12192001" cy="6858000"/>
+          </a:xfrm>
+          <a:prstGeom prst="rect">
+            <a:avLst/>
+          </a:prstGeom>
+          <a:ln>
+            <a:noFill/>
+          </a:ln>
+        </p:spPr>
+        <p:style>
+          <a:lnRef idx="2">
+            <a:schemeClr val="accent1">
+              <a:shade val="50000"/>
+            </a:schemeClr>
+          </a:lnRef>
+          <a:fillRef idx="1">
+            <a:schemeClr val="accent1"/>
+          </a:fillRef>
+          <a:effectRef idx="0">
+            <a:schemeClr val="accent1"/>
+          </a:effectRef>
+          <a:fontRef idx="minor">
+            <a:schemeClr val="lt1"/>
+          </a:fontRef>
+        </p:style>
+        <p:txBody>
+          <a:bodyPr rtlCol="0" anchor="ctr"/>
+          <a:lstStyle/>
+          <a:p>
+            <a:pPr algn="ctr"/>
+            <a:endParaRPr lang="en-US"/>
+          </a:p>
+        </p:txBody>
+      </p:sp>
+      <p:sp>
+        <p:nvSpPr>
           <p:cNvPr id="2" name="Title 1">
             <a:extLst>
               <a:ext uri="{FF2B5EF4-FFF2-40B4-BE49-F238E27FC236}">
+                <a16:creationId xmlns:a16="http://schemas.microsoft.com/office/drawing/2014/main" id="{D394FF68-0CEC-423D-AF00-3E7A83639720}"/>
+              </a:ext>
+            </a:extLst>
+          </p:cNvPr>
+          <p:cNvSpPr>
+            <a:spLocks noGrp="1"/>
+          </p:cNvSpPr>
+          <p:nvPr>
+            <p:ph type="title"/>
+          </p:nvPr>
+        </p:nvSpPr>
+        <p:spPr>
+          <a:xfrm>
+            <a:off x="5172074" y="286603"/>
+            <a:ext cx="5983605" cy="1450757"/>
+          </a:xfrm>
+        </p:spPr>
+        <p:txBody>
+          <a:bodyPr vert="horz" lIns="91440" tIns="45720" rIns="91440" bIns="45720" rtlCol="0" anchor="b">
+            <a:normAutofit/>
+          </a:bodyPr>
+          <a:lstStyle/>
+          <a:p>
+            <a:r>
+              <a:rPr lang="en-US" sz="4400" dirty="0">
+                <a:solidFill>
+                  <a:schemeClr val="tx1">
+                    <a:lumMod val="75000"/>
+                    <a:lumOff val="25000"/>
+                  </a:schemeClr>
+                </a:solidFill>
+              </a:rPr>
+              <a:t>BASED ON THE FACTS…</a:t>
+            </a:r>
+          </a:p>
+        </p:txBody>
+      </p:sp>
+      <p:cxnSp>
+        <p:nvCxnSpPr>
+          <p:cNvPr id="32" name="Straight Connector 31">
+            <a:extLst>
+              <a:ext uri="{FF2B5EF4-FFF2-40B4-BE49-F238E27FC236}">
+                <a16:creationId xmlns:a16="http://schemas.microsoft.com/office/drawing/2014/main" id="{33BECB2B-2CFA-412C-880F-C4B60974936F}"/>
+              </a:ext>
+              <a:ext uri="{C183D7F6-B498-43B3-948B-1728B52AA6E4}">
+                <adec:decorative xmlns:adec="http://schemas.microsoft.com/office/drawing/2017/decorative" val="1"/>
+              </a:ext>
+            </a:extLst>
+          </p:cNvPr>
+          <p:cNvCxnSpPr>
+            <a:cxnSpLocks noGrp="1" noRot="1" noChangeAspect="1" noMove="1" noResize="1" noEditPoints="1" noAdjustHandles="1" noChangeArrowheads="1" noChangeShapeType="1"/>
+          </p:cNvCxnSpPr>
+          <p:nvPr>
+            <p:extLst>
+              <p:ext uri="{386F3935-93C4-4BCD-93E2-E3B085C9AB24}">
+                <p16:designElem xmlns:p16="http://schemas.microsoft.com/office/powerpoint/2015/main" val="1"/>
+              </p:ext>
+            </p:extLst>
+          </p:nvPr>
+        </p:nvCxnSpPr>
+        <p:spPr>
+          <a:xfrm>
+            <a:off x="5242903" y="1917852"/>
+            <a:ext cx="5943600" cy="0"/>
+          </a:xfrm>
+          <a:prstGeom prst="line">
+            <a:avLst/>
+          </a:prstGeom>
+          <a:ln w="12700">
+            <a:solidFill>
+              <a:schemeClr val="tx1">
+                <a:lumMod val="75000"/>
+                <a:lumOff val="25000"/>
+              </a:schemeClr>
+            </a:solidFill>
+          </a:ln>
+        </p:spPr>
+        <p:style>
+          <a:lnRef idx="1">
+            <a:schemeClr val="accent1"/>
+          </a:lnRef>
+          <a:fillRef idx="0">
+            <a:schemeClr val="accent1"/>
+          </a:fillRef>
+          <a:effectRef idx="0">
+            <a:schemeClr val="accent1"/>
+          </a:effectRef>
+          <a:fontRef idx="minor">
+            <a:schemeClr val="tx1"/>
+          </a:fontRef>
+        </p:style>
+      </p:cxnSp>
+      <p:sp>
+        <p:nvSpPr>
+          <p:cNvPr id="3" name="Content Placeholder 2">
+            <a:extLst>
+              <a:ext uri="{FF2B5EF4-FFF2-40B4-BE49-F238E27FC236}">
+                <a16:creationId xmlns:a16="http://schemas.microsoft.com/office/drawing/2014/main" id="{2079D1A8-EC57-4550-8A11-A04DFEDC2D9E}"/>
+              </a:ext>
+            </a:extLst>
+          </p:cNvPr>
+          <p:cNvSpPr>
+            <a:spLocks noGrp="1"/>
+          </p:cNvSpPr>
+          <p:nvPr>
+            <p:ph idx="1"/>
+          </p:nvPr>
+        </p:nvSpPr>
+        <p:spPr>
+          <a:xfrm>
+            <a:off x="5172074" y="2108201"/>
+            <a:ext cx="5983606" cy="3760891"/>
+          </a:xfrm>
+        </p:spPr>
+        <p:txBody>
+          <a:bodyPr vert="horz" lIns="0" tIns="45720" rIns="0" bIns="45720" rtlCol="0">
+            <a:normAutofit/>
+          </a:bodyPr>
+          <a:lstStyle/>
+          <a:p>
+            <a:pPr marL="0" indent="0">
+              <a:lnSpc>
+                <a:spcPct val="100000"/>
+              </a:lnSpc>
+              <a:buFont typeface="Calibri" panose="020F0502020204030204" pitchFamily="34" charset="0"/>
+              <a:buNone/>
+            </a:pPr>
+            <a:endParaRPr lang="en-US" dirty="0"/>
+          </a:p>
+          <a:p>
+            <a:pPr marL="0" indent="0">
+              <a:lnSpc>
+                <a:spcPct val="100000"/>
+              </a:lnSpc>
+              <a:buFont typeface="Calibri" panose="020F0502020204030204" pitchFamily="34" charset="0"/>
+              <a:buNone/>
+            </a:pPr>
+            <a:endParaRPr lang="en-US" dirty="0"/>
+          </a:p>
+          <a:p>
+            <a:pPr lvl="1">
+              <a:lnSpc>
+                <a:spcPct val="100000"/>
+              </a:lnSpc>
+              <a:buFont typeface="Calibri" panose="020F0502020204030204" pitchFamily="34" charset="0"/>
+              <a:buChar char="•"/>
+            </a:pPr>
+            <a:r>
+              <a:rPr lang="en-US" sz="1800" dirty="0"/>
+              <a:t>Men should consume xx amount per day</a:t>
+            </a:r>
+          </a:p>
+          <a:p>
+            <a:pPr lvl="1">
+              <a:lnSpc>
+                <a:spcPct val="100000"/>
+              </a:lnSpc>
+              <a:buFont typeface="Calibri" panose="020F0502020204030204" pitchFamily="34" charset="0"/>
+              <a:buChar char="•"/>
+            </a:pPr>
+            <a:r>
+              <a:rPr lang="en-US" sz="1800" dirty="0"/>
+              <a:t>Women should consume xx amount per day</a:t>
+            </a:r>
+          </a:p>
+          <a:p>
+            <a:pPr marL="342900" indent="-342900">
+              <a:lnSpc>
+                <a:spcPct val="100000"/>
+              </a:lnSpc>
+              <a:buFont typeface="Calibri" panose="020F0502020204030204" pitchFamily="34" charset="0"/>
+              <a:buAutoNum type="arabicPeriod"/>
+            </a:pPr>
+            <a:endParaRPr lang="en-US" dirty="0"/>
+          </a:p>
+        </p:txBody>
+      </p:sp>
+      <p:sp>
+        <p:nvSpPr>
+          <p:cNvPr id="34" name="Rectangle 33">
+            <a:extLst>
+              <a:ext uri="{FF2B5EF4-FFF2-40B4-BE49-F238E27FC236}">
+                <a16:creationId xmlns:a16="http://schemas.microsoft.com/office/drawing/2014/main" id="{C1B60310-C5C3-46A0-A452-2A0B008434DA}"/>
+              </a:ext>
+              <a:ext uri="{C183D7F6-B498-43B3-948B-1728B52AA6E4}">
+                <adec:decorative xmlns:adec="http://schemas.microsoft.com/office/drawing/2017/decorative" val="1"/>
+              </a:ext>
+            </a:extLst>
+          </p:cNvPr>
+          <p:cNvSpPr>
+            <a:spLocks noGrp="1" noRot="1" noChangeAspect="1" noMove="1" noResize="1" noEditPoints="1" noAdjustHandles="1" noChangeArrowheads="1" noChangeShapeType="1" noTextEdit="1"/>
+          </p:cNvSpPr>
+          <p:nvPr>
+            <p:extLst>
+              <p:ext uri="{386F3935-93C4-4BCD-93E2-E3B085C9AB24}">
+                <p16:designElem xmlns:p16="http://schemas.microsoft.com/office/powerpoint/2015/main" val="1"/>
+              </p:ext>
+            </p:extLst>
+          </p:nvPr>
+        </p:nvSpPr>
+        <p:spPr>
+          <a:xfrm>
+            <a:off x="-1" y="6400800"/>
+            <a:ext cx="12192000" cy="457200"/>
+          </a:xfrm>
+          <a:prstGeom prst="rect">
+            <a:avLst/>
+          </a:prstGeom>
+          <a:solidFill>
+            <a:srgbClr val="262626"/>
+          </a:solidFill>
+          <a:ln>
+            <a:noFill/>
+          </a:ln>
+        </p:spPr>
+        <p:style>
+          <a:lnRef idx="2">
+            <a:schemeClr val="accent1">
+              <a:shade val="50000"/>
+            </a:schemeClr>
+          </a:lnRef>
+          <a:fillRef idx="1">
+            <a:schemeClr val="accent1"/>
+          </a:fillRef>
+          <a:effectRef idx="0">
+            <a:schemeClr val="accent1"/>
+          </a:effectRef>
+          <a:fontRef idx="minor">
+            <a:schemeClr val="lt1"/>
+          </a:fontRef>
+        </p:style>
+      </p:sp>
+      <p:pic>
+        <p:nvPicPr>
+          <p:cNvPr id="7" name="Picture 6" descr="A hand holding a light bulb&#10;&#10;Description automatically generated">
+            <a:extLst>
+              <a:ext uri="{FF2B5EF4-FFF2-40B4-BE49-F238E27FC236}">
+                <a16:creationId xmlns:a16="http://schemas.microsoft.com/office/drawing/2014/main" id="{116E1CA7-3DC3-48E7-8A3A-ED41ACCF204F}"/>
+              </a:ext>
+            </a:extLst>
+          </p:cNvPr>
+          <p:cNvPicPr>
+            <a:picLocks noChangeAspect="1"/>
+          </p:cNvPicPr>
+          <p:nvPr/>
+        </p:nvPicPr>
+        <p:blipFill>
+          <a:blip r:embed="rId2">
+            <a:extLst>
+              <a:ext uri="{28A0092B-C50C-407E-A947-70E740481C1C}">
+                <a14:useLocalDpi xmlns:a14="http://schemas.microsoft.com/office/drawing/2010/main" val="0"/>
+              </a:ext>
+            </a:extLst>
+          </a:blip>
+          <a:stretch>
+            <a:fillRect/>
+          </a:stretch>
+        </p:blipFill>
+        <p:spPr>
+          <a:xfrm>
+            <a:off x="60960" y="-1"/>
+            <a:ext cx="4747323" cy="6400794"/>
+          </a:xfrm>
+          <a:prstGeom prst="rect">
+            <a:avLst/>
+          </a:prstGeom>
+        </p:spPr>
+      </p:pic>
+    </p:spTree>
+    <p:extLst>
+      <p:ext uri="{BB962C8B-B14F-4D97-AF65-F5344CB8AC3E}">
+        <p14:creationId xmlns:p14="http://schemas.microsoft.com/office/powerpoint/2010/main" val="4259774385"/>
+      </p:ext>
+    </p:extLst>
+  </p:cSld>
+  <p:clrMapOvr>
+    <a:masterClrMapping/>
+  </p:clrMapOvr>
+</p:sld>
+</file>
+
+<file path=ppt/slides/slide5.xml><?xml version="1.0" encoding="utf-8"?>
+<p:sld xmlns:a="http://schemas.openxmlformats.org/drawingml/2006/main" xmlns:r="http://schemas.openxmlformats.org/officeDocument/2006/relationships" xmlns:p="http://schemas.openxmlformats.org/presentationml/2006/main">
+  <p:cSld>
+    <p:bg>
+      <p:bgPr>
+        <a:solidFill>
+          <a:schemeClr val="bg1"/>
+        </a:solidFill>
+        <a:effectLst/>
+      </p:bgPr>
+    </p:bg>
+    <p:spTree>
+      <p:nvGrpSpPr>
+        <p:cNvPr id="1" name=""/>
+        <p:cNvGrpSpPr/>
+        <p:nvPr/>
+      </p:nvGrpSpPr>
+      <p:grpSpPr>
+        <a:xfrm>
+          <a:off x="0" y="0"/>
+          <a:ext cx="0" cy="0"/>
+          <a:chOff x="0" y="0"/>
+          <a:chExt cx="0" cy="0"/>
+        </a:xfrm>
+      </p:grpSpPr>
+      <p:sp useBgFill="1">
+        <p:nvSpPr>
+          <p:cNvPr id="45" name="Rectangle 39">
+            <a:extLst>
+              <a:ext uri="{FF2B5EF4-FFF2-40B4-BE49-F238E27FC236}">
+                <a16:creationId xmlns:a16="http://schemas.microsoft.com/office/drawing/2014/main" id="{67B74F2B-9534-4540-96B0-5C8E958B940F}"/>
+              </a:ext>
+              <a:ext uri="{C183D7F6-B498-43B3-948B-1728B52AA6E4}">
+                <adec:decorative xmlns:adec="http://schemas.microsoft.com/office/drawing/2017/decorative" val="1"/>
+              </a:ext>
+            </a:extLst>
+          </p:cNvPr>
+          <p:cNvSpPr>
+            <a:spLocks noGrp="1" noRot="1" noChangeAspect="1" noMove="1" noResize="1" noEditPoints="1" noAdjustHandles="1" noChangeArrowheads="1" noChangeShapeType="1" noTextEdit="1"/>
+          </p:cNvSpPr>
+          <p:nvPr>
+            <p:extLst>
+              <p:ext uri="{386F3935-93C4-4BCD-93E2-E3B085C9AB24}">
+                <p16:designElem xmlns:p16="http://schemas.microsoft.com/office/powerpoint/2015/main" val="1"/>
+              </p:ext>
+            </p:extLst>
+          </p:nvPr>
+        </p:nvSpPr>
+        <p:spPr>
+          <a:xfrm>
+            <a:off x="0" y="0"/>
+            <a:ext cx="12192001" cy="6858000"/>
+          </a:xfrm>
+          <a:prstGeom prst="rect">
+            <a:avLst/>
+          </a:prstGeom>
+          <a:ln>
+            <a:noFill/>
+          </a:ln>
+        </p:spPr>
+        <p:style>
+          <a:lnRef idx="2">
+            <a:schemeClr val="accent1">
+              <a:shade val="50000"/>
+            </a:schemeClr>
+          </a:lnRef>
+          <a:fillRef idx="1">
+            <a:schemeClr val="accent1"/>
+          </a:fillRef>
+          <a:effectRef idx="0">
+            <a:schemeClr val="accent1"/>
+          </a:effectRef>
+          <a:fontRef idx="minor">
+            <a:schemeClr val="lt1"/>
+          </a:fontRef>
+        </p:style>
+        <p:txBody>
+          <a:bodyPr rtlCol="0" anchor="ctr"/>
+          <a:lstStyle/>
+          <a:p>
+            <a:pPr algn="ctr"/>
+            <a:endParaRPr lang="en-US"/>
+          </a:p>
+        </p:txBody>
+      </p:sp>
+      <p:sp>
+        <p:nvSpPr>
+          <p:cNvPr id="2" name="Title 1">
+            <a:extLst>
+              <a:ext uri="{FF2B5EF4-FFF2-40B4-BE49-F238E27FC236}">
                 <a16:creationId xmlns:a16="http://schemas.microsoft.com/office/drawing/2014/main" id="{9C48BE68-3EC4-4686-A2A0-8A1E03C2580F}"/>
               </a:ext>
             </a:extLst>
@@ -7178,108 +9257,256 @@
             <p:ph type="title"/>
           </p:nvPr>
         </p:nvSpPr>
-        <p:spPr/>
-        <p:txBody>
-          <a:bodyPr/>
-          <a:lstStyle/>
-          <a:p>
-            <a:r>
-              <a:rPr lang="en-US" dirty="0"/>
-              <a:t>DEFINE THE PROJECT</a:t>
-            </a:r>
-            <a:endParaRPr lang="en-CA" dirty="0"/>
-          </a:p>
-        </p:txBody>
-      </p:sp>
-      <p:sp>
-        <p:nvSpPr>
-          <p:cNvPr id="3" name="Content Placeholder 2">
-            <a:extLst>
-              <a:ext uri="{FF2B5EF4-FFF2-40B4-BE49-F238E27FC236}">
-                <a16:creationId xmlns:a16="http://schemas.microsoft.com/office/drawing/2014/main" id="{C990EB9B-20EF-41D2-BF3A-03ED63507C68}"/>
-              </a:ext>
-            </a:extLst>
-          </p:cNvPr>
-          <p:cNvSpPr>
-            <a:spLocks noGrp="1"/>
-          </p:cNvSpPr>
-          <p:nvPr>
-            <p:ph idx="1"/>
-          </p:nvPr>
-        </p:nvSpPr>
-        <p:spPr/>
+        <p:spPr>
+          <a:xfrm>
+            <a:off x="5172074" y="286603"/>
+            <a:ext cx="5983605" cy="1450757"/>
+          </a:xfrm>
+        </p:spPr>
         <p:txBody>
           <a:bodyPr>
             <a:normAutofit/>
           </a:bodyPr>
           <a:lstStyle/>
           <a:p>
-            <a:pPr marL="342900" indent="-342900">
-              <a:buFont typeface="+mj-lt"/>
-              <a:buAutoNum type="arabicPeriod"/>
+            <a:r>
+              <a:rPr lang="en-US"/>
+              <a:t>CORE MESSAGE</a:t>
+            </a:r>
+            <a:endParaRPr lang="en-CA"/>
+          </a:p>
+        </p:txBody>
+      </p:sp>
+      <p:pic>
+        <p:nvPicPr>
+          <p:cNvPr id="5" name="Picture 4">
+            <a:extLst>
+              <a:ext uri="{FF2B5EF4-FFF2-40B4-BE49-F238E27FC236}">
+                <a16:creationId xmlns:a16="http://schemas.microsoft.com/office/drawing/2014/main" id="{887FF907-EBD7-4CF4-8013-FBE9D33AA9DD}"/>
+              </a:ext>
+            </a:extLst>
+          </p:cNvPr>
+          <p:cNvPicPr>
+            <a:picLocks noChangeAspect="1"/>
+          </p:cNvPicPr>
+          <p:nvPr/>
+        </p:nvPicPr>
+        <p:blipFill rotWithShape="1">
+          <a:blip r:embed="rId3"/>
+          <a:srcRect l="30851" r="21386"/>
+          <a:stretch/>
+        </p:blipFill>
+        <p:spPr>
+          <a:xfrm>
+            <a:off x="20" y="10"/>
+            <a:ext cx="4580077" cy="6400784"/>
+          </a:xfrm>
+          <a:prstGeom prst="rect">
+            <a:avLst/>
+          </a:prstGeom>
+        </p:spPr>
+      </p:pic>
+      <p:cxnSp>
+        <p:nvCxnSpPr>
+          <p:cNvPr id="46" name="Straight Connector 41">
+            <a:extLst>
+              <a:ext uri="{FF2B5EF4-FFF2-40B4-BE49-F238E27FC236}">
+                <a16:creationId xmlns:a16="http://schemas.microsoft.com/office/drawing/2014/main" id="{33BECB2B-2CFA-412C-880F-C4B60974936F}"/>
+              </a:ext>
+              <a:ext uri="{C183D7F6-B498-43B3-948B-1728B52AA6E4}">
+                <adec:decorative xmlns:adec="http://schemas.microsoft.com/office/drawing/2017/decorative" val="1"/>
+              </a:ext>
+            </a:extLst>
+          </p:cNvPr>
+          <p:cNvCxnSpPr>
+            <a:cxnSpLocks noGrp="1" noRot="1" noChangeAspect="1" noMove="1" noResize="1" noEditPoints="1" noAdjustHandles="1" noChangeArrowheads="1" noChangeShapeType="1"/>
+          </p:cNvCxnSpPr>
+          <p:nvPr>
+            <p:extLst>
+              <p:ext uri="{386F3935-93C4-4BCD-93E2-E3B085C9AB24}">
+                <p16:designElem xmlns:p16="http://schemas.microsoft.com/office/powerpoint/2015/main" val="1"/>
+              </p:ext>
+            </p:extLst>
+          </p:nvPr>
+        </p:nvCxnSpPr>
+        <p:spPr>
+          <a:xfrm>
+            <a:off x="5242903" y="1917852"/>
+            <a:ext cx="5943600" cy="0"/>
+          </a:xfrm>
+          <a:prstGeom prst="line">
+            <a:avLst/>
+          </a:prstGeom>
+          <a:ln w="12700">
+            <a:solidFill>
+              <a:schemeClr val="tx1">
+                <a:lumMod val="75000"/>
+                <a:lumOff val="25000"/>
+              </a:schemeClr>
+            </a:solidFill>
+          </a:ln>
+        </p:spPr>
+        <p:style>
+          <a:lnRef idx="1">
+            <a:schemeClr val="accent1"/>
+          </a:lnRef>
+          <a:fillRef idx="0">
+            <a:schemeClr val="accent1"/>
+          </a:fillRef>
+          <a:effectRef idx="0">
+            <a:schemeClr val="accent1"/>
+          </a:effectRef>
+          <a:fontRef idx="minor">
+            <a:schemeClr val="tx1"/>
+          </a:fontRef>
+        </p:style>
+      </p:cxnSp>
+      <p:sp>
+        <p:nvSpPr>
+          <p:cNvPr id="3" name="Content Placeholder 2">
+            <a:extLst>
+              <a:ext uri="{FF2B5EF4-FFF2-40B4-BE49-F238E27FC236}">
+                <a16:creationId xmlns:a16="http://schemas.microsoft.com/office/drawing/2014/main" id="{C990EB9B-20EF-41D2-BF3A-03ED63507C68}"/>
+              </a:ext>
+            </a:extLst>
+          </p:cNvPr>
+          <p:cNvSpPr>
+            <a:spLocks noGrp="1"/>
+          </p:cNvSpPr>
+          <p:nvPr>
+            <p:ph idx="1"/>
+          </p:nvPr>
+        </p:nvSpPr>
+        <p:spPr>
+          <a:xfrm>
+            <a:off x="5172074" y="2108201"/>
+            <a:ext cx="5983606" cy="3760891"/>
+          </a:xfrm>
+        </p:spPr>
+        <p:txBody>
+          <a:bodyPr>
+            <a:normAutofit/>
+          </a:bodyPr>
+          <a:lstStyle/>
+          <a:p>
+            <a:pPr marL="0" indent="0">
+              <a:spcBef>
+                <a:spcPts val="0"/>
+              </a:spcBef>
+              <a:buNone/>
             </a:pPr>
             <a:r>
-              <a:rPr lang="en-US" dirty="0"/>
-              <a:t>What is the average daily intake of processed sugar globally? Which countries consume the most on average?</a:t>
-            </a:r>
-          </a:p>
-          <a:p>
-            <a:pPr marL="342900" indent="-342900">
-              <a:buFont typeface="+mj-lt"/>
-              <a:buAutoNum type="arabicPeriod"/>
+              <a:rPr lang="en-US" b="1"/>
+              <a:t>“Your Subway sandwich bread is actually a cake!” </a:t>
+            </a:r>
+          </a:p>
+          <a:p>
+            <a:pPr marL="0" indent="0">
+              <a:spcBef>
+                <a:spcPts val="0"/>
+              </a:spcBef>
+              <a:buNone/>
             </a:pPr>
             <a:r>
-              <a:rPr lang="en-US" dirty="0"/>
-              <a:t>How has the average sugar intake changed over time?</a:t>
-            </a:r>
-          </a:p>
-          <a:p>
-            <a:pPr marL="342900" indent="-342900">
-              <a:buFont typeface="+mj-lt"/>
-              <a:buAutoNum type="arabicPeriod"/>
+              <a:rPr lang="en-US"/>
+              <a:t>~ Article from the Guardian</a:t>
+            </a:r>
+          </a:p>
+          <a:p>
+            <a:pPr marL="0" indent="0">
+              <a:spcBef>
+                <a:spcPts val="0"/>
+              </a:spcBef>
+              <a:buNone/>
             </a:pPr>
-            <a:r>
-              <a:rPr lang="en-US" dirty="0"/>
-              <a:t>What is the correlation between income and sugar intake?</a:t>
-            </a:r>
-          </a:p>
-          <a:p>
-            <a:pPr marL="342900" indent="-342900">
-              <a:buFont typeface="+mj-lt"/>
-              <a:buAutoNum type="arabicPeriod"/>
+            <a:endParaRPr lang="en-US"/>
+          </a:p>
+          <a:p>
+            <a:pPr marL="0" indent="0">
+              <a:spcBef>
+                <a:spcPts val="0"/>
+              </a:spcBef>
+              <a:buNone/>
             </a:pPr>
-            <a:r>
-              <a:rPr lang="en-US" dirty="0"/>
-              <a:t>Is there a correlation between processed sugar and obesity? </a:t>
-            </a:r>
-          </a:p>
-          <a:p>
-            <a:pPr marL="342900" indent="-342900">
-              <a:buFont typeface="+mj-lt"/>
-              <a:buAutoNum type="arabicPeriod"/>
+            <a:endParaRPr lang="en-US"/>
+          </a:p>
+          <a:p>
+            <a:pPr>
+              <a:buFont typeface="Wingdings" panose="05000000000000000000" pitchFamily="2" charset="2"/>
+              <a:buChar char="Ø"/>
             </a:pPr>
             <a:r>
-              <a:rPr lang="en-US" dirty="0"/>
-              <a:t>Is there a correlation between processed sugar and dental health? </a:t>
-            </a:r>
-          </a:p>
-          <a:p>
-            <a:pPr marL="342900" indent="-342900">
-              <a:buFont typeface="+mj-lt"/>
-              <a:buAutoNum type="arabicPeriod"/>
+              <a:rPr lang="en-CA"/>
+              <a:t> Upon reading this article, we wondered how high sugar consumption impacts our health.</a:t>
+            </a:r>
+          </a:p>
+          <a:p>
+            <a:pPr marL="0" indent="0">
+              <a:buNone/>
             </a:pPr>
-            <a:r>
-              <a:rPr lang="en-US" dirty="0"/>
-              <a:t> What are the top 5 purchased grocery items in the country with the highest sugar intake? For these 5 top items, what is their sugar content?</a:t>
-            </a:r>
             <a:endParaRPr lang="en-CA" dirty="0"/>
           </a:p>
         </p:txBody>
+      </p:sp>
+      <p:sp>
+        <p:nvSpPr>
+          <p:cNvPr id="44" name="Rectangle 43">
+            <a:extLst>
+              <a:ext uri="{FF2B5EF4-FFF2-40B4-BE49-F238E27FC236}">
+                <a16:creationId xmlns:a16="http://schemas.microsoft.com/office/drawing/2014/main" id="{C1B60310-C5C3-46A0-A452-2A0B008434DA}"/>
+              </a:ext>
+              <a:ext uri="{C183D7F6-B498-43B3-948B-1728B52AA6E4}">
+                <adec:decorative xmlns:adec="http://schemas.microsoft.com/office/drawing/2017/decorative" val="1"/>
+              </a:ext>
+            </a:extLst>
+          </p:cNvPr>
+          <p:cNvSpPr>
+            <a:spLocks noGrp="1" noRot="1" noChangeAspect="1" noMove="1" noResize="1" noEditPoints="1" noAdjustHandles="1" noChangeArrowheads="1" noChangeShapeType="1" noTextEdit="1"/>
+          </p:cNvSpPr>
+          <p:nvPr>
+            <p:extLst>
+              <p:ext uri="{386F3935-93C4-4BCD-93E2-E3B085C9AB24}">
+                <p16:designElem xmlns:p16="http://schemas.microsoft.com/office/powerpoint/2015/main" val="1"/>
+              </p:ext>
+            </p:extLst>
+          </p:nvPr>
+        </p:nvSpPr>
+        <p:spPr>
+          <a:xfrm>
+            <a:off x="-1" y="6400800"/>
+            <a:ext cx="12192000" cy="457200"/>
+          </a:xfrm>
+          <a:prstGeom prst="rect">
+            <a:avLst/>
+          </a:prstGeom>
+          <a:solidFill>
+            <a:srgbClr val="262626"/>
+          </a:solidFill>
+          <a:ln>
+            <a:noFill/>
+          </a:ln>
+        </p:spPr>
+        <p:style>
+          <a:lnRef idx="2">
+            <a:schemeClr val="accent1">
+              <a:shade val="50000"/>
+            </a:schemeClr>
+          </a:lnRef>
+          <a:fillRef idx="1">
+            <a:schemeClr val="accent1"/>
+          </a:fillRef>
+          <a:effectRef idx="0">
+            <a:schemeClr val="accent1"/>
+          </a:effectRef>
+          <a:fontRef idx="minor">
+            <a:schemeClr val="lt1"/>
+          </a:fontRef>
+        </p:style>
       </p:sp>
     </p:spTree>
     <p:extLst>
       <p:ext uri="{BB962C8B-B14F-4D97-AF65-F5344CB8AC3E}">
-        <p14:creationId xmlns:p14="http://schemas.microsoft.com/office/powerpoint/2010/main" val="3982094533"/>
+        <p14:creationId xmlns:p14="http://schemas.microsoft.com/office/powerpoint/2010/main" val="2051128173"/>
       </p:ext>
     </p:extLst>
   </p:cSld>
@@ -7322,14 +9549,21 @@
             <p:ph type="title"/>
           </p:nvPr>
         </p:nvSpPr>
-        <p:spPr/>
-        <p:txBody>
-          <a:bodyPr/>
-          <a:lstStyle/>
-          <a:p>
-            <a:r>
-              <a:rPr lang="en-US" dirty="0"/>
-              <a:t>DATA EXPLORATION</a:t>
+        <p:spPr>
+          <a:xfrm>
+            <a:off x="5172074" y="286603"/>
+            <a:ext cx="5983605" cy="1450757"/>
+          </a:xfrm>
+        </p:spPr>
+        <p:txBody>
+          <a:bodyPr>
+            <a:normAutofit/>
+          </a:bodyPr>
+          <a:lstStyle/>
+          <a:p>
+            <a:r>
+              <a:rPr lang="en-US"/>
+              <a:t>DEFINE THE PROJECT</a:t>
             </a:r>
             <a:endParaRPr lang="en-CA" dirty="0"/>
           </a:p>
@@ -7337,606 +9571,158 @@
       </p:sp>
       <p:sp>
         <p:nvSpPr>
-          <p:cNvPr id="4" name="Rectangle 3">
-            <a:extLst>
-              <a:ext uri="{FF2B5EF4-FFF2-40B4-BE49-F238E27FC236}">
-                <a16:creationId xmlns:a16="http://schemas.microsoft.com/office/drawing/2014/main" id="{1AE5B8C6-392E-4500-A71A-41B70881B461}"/>
-              </a:ext>
-            </a:extLst>
-          </p:cNvPr>
-          <p:cNvSpPr/>
+          <p:cNvPr id="3" name="Content Placeholder 2">
+            <a:extLst>
+              <a:ext uri="{FF2B5EF4-FFF2-40B4-BE49-F238E27FC236}">
+                <a16:creationId xmlns:a16="http://schemas.microsoft.com/office/drawing/2014/main" id="{C990EB9B-20EF-41D2-BF3A-03ED63507C68}"/>
+              </a:ext>
+            </a:extLst>
+          </p:cNvPr>
+          <p:cNvSpPr>
+            <a:spLocks noGrp="1"/>
+          </p:cNvSpPr>
+          <p:nvPr>
+            <p:ph idx="1"/>
+          </p:nvPr>
+        </p:nvSpPr>
+        <p:spPr>
+          <a:xfrm>
+            <a:off x="5172074" y="2108201"/>
+            <a:ext cx="5983606" cy="3760891"/>
+          </a:xfrm>
+        </p:spPr>
+        <p:txBody>
+          <a:bodyPr>
+            <a:normAutofit fontScale="92500" lnSpcReduction="20000"/>
+          </a:bodyPr>
+          <a:lstStyle/>
+          <a:p>
+            <a:pPr marL="342900" indent="-342900">
+              <a:lnSpc>
+                <a:spcPct val="110000"/>
+              </a:lnSpc>
+              <a:buFont typeface="+mj-lt"/>
+              <a:buAutoNum type="arabicPeriod"/>
+            </a:pPr>
+            <a:r>
+              <a:rPr lang="en-US" sz="1800"/>
+              <a:t>What is the average daily intake of processed sugar globally? Which countries consume the most on average?</a:t>
+            </a:r>
+          </a:p>
+          <a:p>
+            <a:pPr marL="342900" indent="-342900">
+              <a:lnSpc>
+                <a:spcPct val="110000"/>
+              </a:lnSpc>
+              <a:buFont typeface="+mj-lt"/>
+              <a:buAutoNum type="arabicPeriod"/>
+            </a:pPr>
+            <a:r>
+              <a:rPr lang="en-US" sz="1800"/>
+              <a:t>How has the average sugar intake changed over time?</a:t>
+            </a:r>
+          </a:p>
+          <a:p>
+            <a:pPr marL="342900" indent="-342900">
+              <a:lnSpc>
+                <a:spcPct val="110000"/>
+              </a:lnSpc>
+              <a:buFont typeface="+mj-lt"/>
+              <a:buAutoNum type="arabicPeriod"/>
+            </a:pPr>
+            <a:r>
+              <a:rPr lang="en-US" sz="1800"/>
+              <a:t>What is the correlation between income and sugar intake?</a:t>
+            </a:r>
+          </a:p>
+          <a:p>
+            <a:pPr marL="342900" indent="-342900">
+              <a:lnSpc>
+                <a:spcPct val="110000"/>
+              </a:lnSpc>
+              <a:buFont typeface="+mj-lt"/>
+              <a:buAutoNum type="arabicPeriod"/>
+            </a:pPr>
+            <a:r>
+              <a:rPr lang="en-US" sz="1800"/>
+              <a:t>Is there a correlation between processed sugar and obesity? </a:t>
+            </a:r>
+          </a:p>
+          <a:p>
+            <a:pPr marL="342900" indent="-342900">
+              <a:lnSpc>
+                <a:spcPct val="110000"/>
+              </a:lnSpc>
+              <a:buFont typeface="+mj-lt"/>
+              <a:buAutoNum type="arabicPeriod"/>
+            </a:pPr>
+            <a:r>
+              <a:rPr lang="en-US" sz="1800"/>
+              <a:t>Is there a correlation between processed sugar and dental health? </a:t>
+            </a:r>
+          </a:p>
+          <a:p>
+            <a:pPr marL="342900" indent="-342900">
+              <a:lnSpc>
+                <a:spcPct val="110000"/>
+              </a:lnSpc>
+              <a:buFont typeface="+mj-lt"/>
+              <a:buAutoNum type="arabicPeriod"/>
+            </a:pPr>
+            <a:r>
+              <a:rPr lang="en-US" sz="1800"/>
+              <a:t> What are the top 5 purchased grocery items in the country with the highest sugar intake? For these 5 top items, what is their sugar content?</a:t>
+            </a:r>
+            <a:endParaRPr lang="en-CA" sz="1800"/>
+          </a:p>
+          <a:p>
+            <a:pPr marL="0" indent="0">
+              <a:buNone/>
+            </a:pPr>
+            <a:endParaRPr lang="en-CA" dirty="0"/>
+          </a:p>
+        </p:txBody>
+      </p:sp>
+      <p:pic>
+        <p:nvPicPr>
+          <p:cNvPr id="6" name="Picture 5" descr="A picture containing food, bread, arranged, fresh&#10;&#10;Description automatically generated">
+            <a:extLst>
+              <a:ext uri="{FF2B5EF4-FFF2-40B4-BE49-F238E27FC236}">
+                <a16:creationId xmlns:a16="http://schemas.microsoft.com/office/drawing/2014/main" id="{4530DEB5-B25B-4E78-9A9A-3C1D64D27E9B}"/>
+              </a:ext>
+            </a:extLst>
+          </p:cNvPr>
+          <p:cNvPicPr>
+            <a:picLocks noChangeAspect="1"/>
+          </p:cNvPicPr>
           <p:nvPr/>
-        </p:nvSpPr>
-        <p:spPr>
-          <a:xfrm>
-            <a:off x="4835993" y="3393646"/>
-            <a:ext cx="1995371" cy="760990"/>
+        </p:nvPicPr>
+        <p:blipFill>
+          <a:blip r:embed="rId3">
+            <a:extLst>
+              <a:ext uri="{28A0092B-C50C-407E-A947-70E740481C1C}">
+                <a14:useLocalDpi xmlns:a14="http://schemas.microsoft.com/office/drawing/2010/main" val="0"/>
+              </a:ext>
+            </a:extLst>
+          </a:blip>
+          <a:stretch>
+            <a:fillRect/>
+          </a:stretch>
+        </p:blipFill>
+        <p:spPr>
+          <a:xfrm>
+            <a:off x="0" y="20527"/>
+            <a:ext cx="4493341" cy="6350776"/>
           </a:xfrm>
           <a:prstGeom prst="rect">
             <a:avLst/>
           </a:prstGeom>
         </p:spPr>
-        <p:style>
-          <a:lnRef idx="2">
-            <a:schemeClr val="accent1">
-              <a:shade val="50000"/>
-            </a:schemeClr>
-          </a:lnRef>
-          <a:fillRef idx="1">
-            <a:schemeClr val="accent1"/>
-          </a:fillRef>
-          <a:effectRef idx="0">
-            <a:schemeClr val="accent1"/>
-          </a:effectRef>
-          <a:fontRef idx="minor">
-            <a:schemeClr val="lt1"/>
-          </a:fontRef>
-        </p:style>
-        <p:txBody>
-          <a:bodyPr rtlCol="0" anchor="ctr"/>
-          <a:lstStyle/>
-          <a:p>
-            <a:pPr algn="ctr"/>
-            <a:r>
-              <a:rPr lang="en-US" dirty="0"/>
-              <a:t>Datasets</a:t>
-            </a:r>
-            <a:endParaRPr lang="en-CA" dirty="0"/>
-          </a:p>
-        </p:txBody>
-      </p:sp>
-      <p:sp>
-        <p:nvSpPr>
-          <p:cNvPr id="16" name="Oval 15">
-            <a:extLst>
-              <a:ext uri="{FF2B5EF4-FFF2-40B4-BE49-F238E27FC236}">
-                <a16:creationId xmlns:a16="http://schemas.microsoft.com/office/drawing/2014/main" id="{9571FAC5-2884-4352-955F-AD74AA6ECF0A}"/>
-              </a:ext>
-            </a:extLst>
-          </p:cNvPr>
-          <p:cNvSpPr/>
-          <p:nvPr/>
-        </p:nvSpPr>
-        <p:spPr>
-          <a:xfrm>
-            <a:off x="3274386" y="2086389"/>
-            <a:ext cx="1664849" cy="968985"/>
-          </a:xfrm>
-          <a:prstGeom prst="ellipse">
-            <a:avLst/>
-          </a:prstGeom>
-        </p:spPr>
-        <p:style>
-          <a:lnRef idx="2">
-            <a:schemeClr val="accent1">
-              <a:shade val="50000"/>
-            </a:schemeClr>
-          </a:lnRef>
-          <a:fillRef idx="1">
-            <a:schemeClr val="accent1"/>
-          </a:fillRef>
-          <a:effectRef idx="0">
-            <a:schemeClr val="accent1"/>
-          </a:effectRef>
-          <a:fontRef idx="minor">
-            <a:schemeClr val="lt1"/>
-          </a:fontRef>
-        </p:style>
-        <p:txBody>
-          <a:bodyPr rtlCol="0" anchor="ctr"/>
-          <a:lstStyle/>
-          <a:p>
-            <a:pPr algn="ctr"/>
-            <a:r>
-              <a:rPr lang="en-US" sz="1400" dirty="0"/>
-              <a:t>FAO</a:t>
-            </a:r>
-            <a:endParaRPr lang="en-CA" sz="1400" dirty="0"/>
-          </a:p>
-        </p:txBody>
-      </p:sp>
-      <p:sp>
-        <p:nvSpPr>
-          <p:cNvPr id="20" name="Oval 19">
-            <a:extLst>
-              <a:ext uri="{FF2B5EF4-FFF2-40B4-BE49-F238E27FC236}">
-                <a16:creationId xmlns:a16="http://schemas.microsoft.com/office/drawing/2014/main" id="{9037997A-BDB8-46C1-8E7C-62273AE7CC25}"/>
-              </a:ext>
-            </a:extLst>
-          </p:cNvPr>
-          <p:cNvSpPr/>
-          <p:nvPr/>
-        </p:nvSpPr>
-        <p:spPr>
-          <a:xfrm>
-            <a:off x="8510310" y="3317708"/>
-            <a:ext cx="1664849" cy="968985"/>
-          </a:xfrm>
-          <a:prstGeom prst="ellipse">
-            <a:avLst/>
-          </a:prstGeom>
-        </p:spPr>
-        <p:style>
-          <a:lnRef idx="2">
-            <a:schemeClr val="accent1">
-              <a:shade val="50000"/>
-            </a:schemeClr>
-          </a:lnRef>
-          <a:fillRef idx="1">
-            <a:schemeClr val="accent1"/>
-          </a:fillRef>
-          <a:effectRef idx="0">
-            <a:schemeClr val="accent1"/>
-          </a:effectRef>
-          <a:fontRef idx="minor">
-            <a:schemeClr val="lt1"/>
-          </a:fontRef>
-        </p:style>
-        <p:txBody>
-          <a:bodyPr rtlCol="0" anchor="ctr"/>
-          <a:lstStyle/>
-          <a:p>
-            <a:pPr algn="ctr"/>
-            <a:r>
-              <a:rPr lang="en-US" sz="1400" dirty="0"/>
-              <a:t>Fat Secret API</a:t>
-            </a:r>
-            <a:endParaRPr lang="en-CA" sz="1400" dirty="0"/>
-          </a:p>
-        </p:txBody>
-      </p:sp>
-      <p:sp>
-        <p:nvSpPr>
-          <p:cNvPr id="22" name="Oval 21">
-            <a:extLst>
-              <a:ext uri="{FF2B5EF4-FFF2-40B4-BE49-F238E27FC236}">
-                <a16:creationId xmlns:a16="http://schemas.microsoft.com/office/drawing/2014/main" id="{BF54EB84-0F76-454A-AA95-0D6408B7CE37}"/>
-              </a:ext>
-            </a:extLst>
-          </p:cNvPr>
-          <p:cNvSpPr/>
-          <p:nvPr/>
-        </p:nvSpPr>
-        <p:spPr>
-          <a:xfrm>
-            <a:off x="3154185" y="4830107"/>
-            <a:ext cx="1664849" cy="968985"/>
-          </a:xfrm>
-          <a:prstGeom prst="ellipse">
-            <a:avLst/>
-          </a:prstGeom>
-        </p:spPr>
-        <p:style>
-          <a:lnRef idx="2">
-            <a:schemeClr val="accent1">
-              <a:shade val="50000"/>
-            </a:schemeClr>
-          </a:lnRef>
-          <a:fillRef idx="1">
-            <a:schemeClr val="accent1"/>
-          </a:fillRef>
-          <a:effectRef idx="0">
-            <a:schemeClr val="accent1"/>
-          </a:effectRef>
-          <a:fontRef idx="minor">
-            <a:schemeClr val="lt1"/>
-          </a:fontRef>
-        </p:style>
-        <p:txBody>
-          <a:bodyPr rtlCol="0" anchor="ctr"/>
-          <a:lstStyle/>
-          <a:p>
-            <a:pPr algn="ctr"/>
-            <a:r>
-              <a:rPr lang="en-US" sz="1400" dirty="0"/>
-              <a:t>WHO</a:t>
-            </a:r>
-            <a:endParaRPr lang="en-CA" sz="1400" dirty="0"/>
-          </a:p>
-        </p:txBody>
-      </p:sp>
-      <p:sp>
-        <p:nvSpPr>
-          <p:cNvPr id="24" name="Oval 23">
-            <a:extLst>
-              <a:ext uri="{FF2B5EF4-FFF2-40B4-BE49-F238E27FC236}">
-                <a16:creationId xmlns:a16="http://schemas.microsoft.com/office/drawing/2014/main" id="{0F7ACE44-DC9A-4FF7-BE9C-9E01400584C8}"/>
-              </a:ext>
-            </a:extLst>
-          </p:cNvPr>
-          <p:cNvSpPr/>
-          <p:nvPr/>
-        </p:nvSpPr>
-        <p:spPr>
-          <a:xfrm>
-            <a:off x="1604129" y="3317709"/>
-            <a:ext cx="1664849" cy="968985"/>
-          </a:xfrm>
-          <a:prstGeom prst="ellipse">
-            <a:avLst/>
-          </a:prstGeom>
-        </p:spPr>
-        <p:style>
-          <a:lnRef idx="2">
-            <a:schemeClr val="accent1">
-              <a:shade val="50000"/>
-            </a:schemeClr>
-          </a:lnRef>
-          <a:fillRef idx="1">
-            <a:schemeClr val="accent1"/>
-          </a:fillRef>
-          <a:effectRef idx="0">
-            <a:schemeClr val="accent1"/>
-          </a:effectRef>
-          <a:fontRef idx="minor">
-            <a:schemeClr val="lt1"/>
-          </a:fontRef>
-        </p:style>
-        <p:txBody>
-          <a:bodyPr rtlCol="0" anchor="ctr"/>
-          <a:lstStyle/>
-          <a:p>
-            <a:pPr algn="ctr"/>
-            <a:r>
-              <a:rPr lang="en-US" sz="1400" dirty="0"/>
-              <a:t>Kroger Purchase Data</a:t>
-            </a:r>
-            <a:endParaRPr lang="en-CA" sz="1400" dirty="0"/>
-          </a:p>
-        </p:txBody>
-      </p:sp>
-      <p:sp>
-        <p:nvSpPr>
-          <p:cNvPr id="36" name="Oval 35">
-            <a:extLst>
-              <a:ext uri="{FF2B5EF4-FFF2-40B4-BE49-F238E27FC236}">
-                <a16:creationId xmlns:a16="http://schemas.microsoft.com/office/drawing/2014/main" id="{99E9A9F3-4BD2-47A8-BBD1-F463087A2E4A}"/>
-              </a:ext>
-            </a:extLst>
-          </p:cNvPr>
-          <p:cNvSpPr/>
-          <p:nvPr/>
-        </p:nvSpPr>
-        <p:spPr>
-          <a:xfrm>
-            <a:off x="6845461" y="2086389"/>
-            <a:ext cx="1664849" cy="968985"/>
-          </a:xfrm>
-          <a:prstGeom prst="ellipse">
-            <a:avLst/>
-          </a:prstGeom>
-        </p:spPr>
-        <p:style>
-          <a:lnRef idx="2">
-            <a:schemeClr val="accent1">
-              <a:shade val="50000"/>
-            </a:schemeClr>
-          </a:lnRef>
-          <a:fillRef idx="1">
-            <a:schemeClr val="accent1"/>
-          </a:fillRef>
-          <a:effectRef idx="0">
-            <a:schemeClr val="accent1"/>
-          </a:effectRef>
-          <a:fontRef idx="minor">
-            <a:schemeClr val="lt1"/>
-          </a:fontRef>
-        </p:style>
-        <p:txBody>
-          <a:bodyPr rtlCol="0" anchor="ctr"/>
-          <a:lstStyle/>
-          <a:p>
-            <a:pPr algn="ctr"/>
-            <a:r>
-              <a:rPr lang="en-US" sz="1400" dirty="0"/>
-              <a:t>Kaggle</a:t>
-            </a:r>
-            <a:endParaRPr lang="en-CA" sz="1400" dirty="0"/>
-          </a:p>
-        </p:txBody>
-      </p:sp>
-      <p:sp>
-        <p:nvSpPr>
-          <p:cNvPr id="38" name="Oval 37">
-            <a:extLst>
-              <a:ext uri="{FF2B5EF4-FFF2-40B4-BE49-F238E27FC236}">
-                <a16:creationId xmlns:a16="http://schemas.microsoft.com/office/drawing/2014/main" id="{558BF0C0-DCC1-440B-95BB-1AF29B770DE8}"/>
-              </a:ext>
-            </a:extLst>
-          </p:cNvPr>
-          <p:cNvSpPr/>
-          <p:nvPr/>
-        </p:nvSpPr>
-        <p:spPr>
-          <a:xfrm>
-            <a:off x="6831364" y="4830106"/>
-            <a:ext cx="1664849" cy="968985"/>
-          </a:xfrm>
-          <a:prstGeom prst="ellipse">
-            <a:avLst/>
-          </a:prstGeom>
-        </p:spPr>
-        <p:style>
-          <a:lnRef idx="2">
-            <a:schemeClr val="accent1">
-              <a:shade val="50000"/>
-            </a:schemeClr>
-          </a:lnRef>
-          <a:fillRef idx="1">
-            <a:schemeClr val="accent1"/>
-          </a:fillRef>
-          <a:effectRef idx="0">
-            <a:schemeClr val="accent1"/>
-          </a:effectRef>
-          <a:fontRef idx="minor">
-            <a:schemeClr val="lt1"/>
-          </a:fontRef>
-        </p:style>
-        <p:txBody>
-          <a:bodyPr rtlCol="0" anchor="ctr"/>
-          <a:lstStyle/>
-          <a:p>
-            <a:pPr algn="ctr"/>
-            <a:r>
-              <a:rPr lang="en-US" sz="1400" dirty="0" err="1"/>
-              <a:t>Worldbank</a:t>
-            </a:r>
-            <a:endParaRPr lang="en-CA" sz="1400" dirty="0"/>
-          </a:p>
-        </p:txBody>
-      </p:sp>
-      <p:cxnSp>
-        <p:nvCxnSpPr>
-          <p:cNvPr id="44" name="Straight Arrow Connector 43">
-            <a:extLst>
-              <a:ext uri="{FF2B5EF4-FFF2-40B4-BE49-F238E27FC236}">
-                <a16:creationId xmlns:a16="http://schemas.microsoft.com/office/drawing/2014/main" id="{D33D4BC0-3A00-491A-AD55-D7815106584F}"/>
-              </a:ext>
-            </a:extLst>
-          </p:cNvPr>
-          <p:cNvCxnSpPr>
-            <a:stCxn id="24" idx="6"/>
-            <a:endCxn id="4" idx="1"/>
-          </p:cNvCxnSpPr>
-          <p:nvPr/>
-        </p:nvCxnSpPr>
-        <p:spPr>
-          <a:xfrm flipV="1">
-            <a:off x="3268978" y="3774141"/>
-            <a:ext cx="1567015" cy="28061"/>
-          </a:xfrm>
-          <a:prstGeom prst="straightConnector1">
-            <a:avLst/>
-          </a:prstGeom>
-          <a:ln>
-            <a:tailEnd type="triangle"/>
-          </a:ln>
-        </p:spPr>
-        <p:style>
-          <a:lnRef idx="1">
-            <a:schemeClr val="accent1"/>
-          </a:lnRef>
-          <a:fillRef idx="0">
-            <a:schemeClr val="accent1"/>
-          </a:fillRef>
-          <a:effectRef idx="0">
-            <a:schemeClr val="accent1"/>
-          </a:effectRef>
-          <a:fontRef idx="minor">
-            <a:schemeClr val="tx1"/>
-          </a:fontRef>
-        </p:style>
-      </p:cxnSp>
-      <p:cxnSp>
-        <p:nvCxnSpPr>
-          <p:cNvPr id="46" name="Straight Arrow Connector 45">
-            <a:extLst>
-              <a:ext uri="{FF2B5EF4-FFF2-40B4-BE49-F238E27FC236}">
-                <a16:creationId xmlns:a16="http://schemas.microsoft.com/office/drawing/2014/main" id="{55278E13-07CD-4D76-9E4D-34E73786D357}"/>
-              </a:ext>
-            </a:extLst>
-          </p:cNvPr>
-          <p:cNvCxnSpPr>
-            <a:stCxn id="22" idx="0"/>
-          </p:cNvCxnSpPr>
-          <p:nvPr/>
-        </p:nvCxnSpPr>
-        <p:spPr>
-          <a:xfrm flipV="1">
-            <a:off x="3986610" y="4154636"/>
-            <a:ext cx="849383" cy="675471"/>
-          </a:xfrm>
-          <a:prstGeom prst="straightConnector1">
-            <a:avLst/>
-          </a:prstGeom>
-          <a:ln>
-            <a:tailEnd type="triangle"/>
-          </a:ln>
-        </p:spPr>
-        <p:style>
-          <a:lnRef idx="1">
-            <a:schemeClr val="accent1"/>
-          </a:lnRef>
-          <a:fillRef idx="0">
-            <a:schemeClr val="accent1"/>
-          </a:fillRef>
-          <a:effectRef idx="0">
-            <a:schemeClr val="accent1"/>
-          </a:effectRef>
-          <a:fontRef idx="minor">
-            <a:schemeClr val="tx1"/>
-          </a:fontRef>
-        </p:style>
-      </p:cxnSp>
-      <p:cxnSp>
-        <p:nvCxnSpPr>
-          <p:cNvPr id="49" name="Straight Arrow Connector 48">
-            <a:extLst>
-              <a:ext uri="{FF2B5EF4-FFF2-40B4-BE49-F238E27FC236}">
-                <a16:creationId xmlns:a16="http://schemas.microsoft.com/office/drawing/2014/main" id="{7F391E45-DCCF-4E07-B5D0-8461EBF675B4}"/>
-              </a:ext>
-            </a:extLst>
-          </p:cNvPr>
-          <p:cNvCxnSpPr>
-            <a:stCxn id="16" idx="4"/>
-          </p:cNvCxnSpPr>
-          <p:nvPr/>
-        </p:nvCxnSpPr>
-        <p:spPr>
-          <a:xfrm>
-            <a:off x="4106811" y="3055374"/>
-            <a:ext cx="712223" cy="338272"/>
-          </a:xfrm>
-          <a:prstGeom prst="straightConnector1">
-            <a:avLst/>
-          </a:prstGeom>
-          <a:ln>
-            <a:tailEnd type="triangle"/>
-          </a:ln>
-        </p:spPr>
-        <p:style>
-          <a:lnRef idx="1">
-            <a:schemeClr val="accent1"/>
-          </a:lnRef>
-          <a:fillRef idx="0">
-            <a:schemeClr val="accent1"/>
-          </a:fillRef>
-          <a:effectRef idx="0">
-            <a:schemeClr val="accent1"/>
-          </a:effectRef>
-          <a:fontRef idx="minor">
-            <a:schemeClr val="tx1"/>
-          </a:fontRef>
-        </p:style>
-      </p:cxnSp>
-      <p:cxnSp>
-        <p:nvCxnSpPr>
-          <p:cNvPr id="51" name="Straight Arrow Connector 50">
-            <a:extLst>
-              <a:ext uri="{FF2B5EF4-FFF2-40B4-BE49-F238E27FC236}">
-                <a16:creationId xmlns:a16="http://schemas.microsoft.com/office/drawing/2014/main" id="{376E298B-18EF-4CE4-9A48-074552EA8CBC}"/>
-              </a:ext>
-            </a:extLst>
-          </p:cNvPr>
-          <p:cNvCxnSpPr>
-            <a:stCxn id="36" idx="4"/>
-          </p:cNvCxnSpPr>
-          <p:nvPr/>
-        </p:nvCxnSpPr>
-        <p:spPr>
-          <a:xfrm flipH="1">
-            <a:off x="6845461" y="3055374"/>
-            <a:ext cx="832425" cy="344816"/>
-          </a:xfrm>
-          <a:prstGeom prst="straightConnector1">
-            <a:avLst/>
-          </a:prstGeom>
-          <a:ln>
-            <a:tailEnd type="triangle"/>
-          </a:ln>
-        </p:spPr>
-        <p:style>
-          <a:lnRef idx="1">
-            <a:schemeClr val="accent1"/>
-          </a:lnRef>
-          <a:fillRef idx="0">
-            <a:schemeClr val="accent1"/>
-          </a:fillRef>
-          <a:effectRef idx="0">
-            <a:schemeClr val="accent1"/>
-          </a:effectRef>
-          <a:fontRef idx="minor">
-            <a:schemeClr val="tx1"/>
-          </a:fontRef>
-        </p:style>
-      </p:cxnSp>
-      <p:cxnSp>
-        <p:nvCxnSpPr>
-          <p:cNvPr id="53" name="Straight Arrow Connector 52">
-            <a:extLst>
-              <a:ext uri="{FF2B5EF4-FFF2-40B4-BE49-F238E27FC236}">
-                <a16:creationId xmlns:a16="http://schemas.microsoft.com/office/drawing/2014/main" id="{BB6ADC2E-5FC1-44CD-9540-2F6BBC1007D1}"/>
-              </a:ext>
-            </a:extLst>
-          </p:cNvPr>
-          <p:cNvCxnSpPr>
-            <a:stCxn id="20" idx="2"/>
-            <a:endCxn id="4" idx="3"/>
-          </p:cNvCxnSpPr>
-          <p:nvPr/>
-        </p:nvCxnSpPr>
-        <p:spPr>
-          <a:xfrm flipH="1" flipV="1">
-            <a:off x="6831364" y="3774141"/>
-            <a:ext cx="1678946" cy="28060"/>
-          </a:xfrm>
-          <a:prstGeom prst="straightConnector1">
-            <a:avLst/>
-          </a:prstGeom>
-          <a:ln>
-            <a:tailEnd type="triangle"/>
-          </a:ln>
-        </p:spPr>
-        <p:style>
-          <a:lnRef idx="1">
-            <a:schemeClr val="accent1"/>
-          </a:lnRef>
-          <a:fillRef idx="0">
-            <a:schemeClr val="accent1"/>
-          </a:fillRef>
-          <a:effectRef idx="0">
-            <a:schemeClr val="accent1"/>
-          </a:effectRef>
-          <a:fontRef idx="minor">
-            <a:schemeClr val="tx1"/>
-          </a:fontRef>
-        </p:style>
-      </p:cxnSp>
-      <p:cxnSp>
-        <p:nvCxnSpPr>
-          <p:cNvPr id="56" name="Straight Arrow Connector 55">
-            <a:extLst>
-              <a:ext uri="{FF2B5EF4-FFF2-40B4-BE49-F238E27FC236}">
-                <a16:creationId xmlns:a16="http://schemas.microsoft.com/office/drawing/2014/main" id="{73245C8B-98F7-49BB-BF72-91A6BF9A6DB4}"/>
-              </a:ext>
-            </a:extLst>
-          </p:cNvPr>
-          <p:cNvCxnSpPr>
-            <a:stCxn id="38" idx="0"/>
-          </p:cNvCxnSpPr>
-          <p:nvPr/>
-        </p:nvCxnSpPr>
-        <p:spPr>
-          <a:xfrm flipH="1" flipV="1">
-            <a:off x="6845461" y="4154636"/>
-            <a:ext cx="818328" cy="675470"/>
-          </a:xfrm>
-          <a:prstGeom prst="straightConnector1">
-            <a:avLst/>
-          </a:prstGeom>
-          <a:ln>
-            <a:tailEnd type="triangle"/>
-          </a:ln>
-        </p:spPr>
-        <p:style>
-          <a:lnRef idx="1">
-            <a:schemeClr val="accent1"/>
-          </a:lnRef>
-          <a:fillRef idx="0">
-            <a:schemeClr val="accent1"/>
-          </a:fillRef>
-          <a:effectRef idx="0">
-            <a:schemeClr val="accent1"/>
-          </a:effectRef>
-          <a:fontRef idx="minor">
-            <a:schemeClr val="tx1"/>
-          </a:fontRef>
-        </p:style>
-      </p:cxnSp>
+      </p:pic>
     </p:spTree>
     <p:extLst>
       <p:ext uri="{BB962C8B-B14F-4D97-AF65-F5344CB8AC3E}">
-        <p14:creationId xmlns:p14="http://schemas.microsoft.com/office/powerpoint/2010/main" val="221122815"/>
+        <p14:creationId xmlns:p14="http://schemas.microsoft.com/office/powerpoint/2010/main" val="4195163392"/>
       </p:ext>
     </p:extLst>
   </p:cSld>
@@ -7968,7 +9754,7 @@
           <p:cNvPr id="2" name="Title 1">
             <a:extLst>
               <a:ext uri="{FF2B5EF4-FFF2-40B4-BE49-F238E27FC236}">
-                <a16:creationId xmlns:a16="http://schemas.microsoft.com/office/drawing/2014/main" id="{9C48BE68-3EC4-4686-A2A0-8A1E03C2580F}"/>
+                <a16:creationId xmlns:a16="http://schemas.microsoft.com/office/drawing/2014/main" id="{D394FF68-0CEC-423D-AF00-3E7A83639720}"/>
               </a:ext>
             </a:extLst>
           </p:cNvPr>
@@ -7986,7 +9772,7 @@
           <a:p>
             <a:r>
               <a:rPr lang="en-US" dirty="0"/>
-              <a:t>DATA CLEANUP – INSIGHTS AND DIFFICULTIES</a:t>
+              <a:t>DATA EXPLORATION</a:t>
             </a:r>
             <a:endParaRPr lang="en-CA" dirty="0"/>
           </a:p>
@@ -7994,377 +9780,610 @@
       </p:sp>
       <p:sp>
         <p:nvSpPr>
-          <p:cNvPr id="3" name="Content Placeholder 2">
-            <a:extLst>
-              <a:ext uri="{FF2B5EF4-FFF2-40B4-BE49-F238E27FC236}">
-                <a16:creationId xmlns:a16="http://schemas.microsoft.com/office/drawing/2014/main" id="{C990EB9B-20EF-41D2-BF3A-03ED63507C68}"/>
-              </a:ext>
-            </a:extLst>
-          </p:cNvPr>
-          <p:cNvSpPr>
-            <a:spLocks noGrp="1"/>
-          </p:cNvSpPr>
-          <p:nvPr>
-            <p:ph idx="1"/>
-          </p:nvPr>
-        </p:nvSpPr>
-        <p:spPr/>
-        <p:txBody>
-          <a:bodyPr>
-            <a:normAutofit/>
-          </a:bodyPr>
-          <a:lstStyle/>
-          <a:p>
-            <a:pPr marL="342900" marR="0" lvl="0" indent="-342900">
-              <a:lnSpc>
-                <a:spcPct val="107000"/>
-              </a:lnSpc>
-              <a:spcBef>
-                <a:spcPts val="0"/>
-              </a:spcBef>
-              <a:spcAft>
-                <a:spcPts val="0"/>
-              </a:spcAft>
-              <a:buFont typeface="Symbol" panose="05050102010706020507" pitchFamily="18" charset="2"/>
-              <a:buChar char=""/>
-            </a:pPr>
-            <a:r>
-              <a:rPr lang="en-US" dirty="0">
-                <a:latin typeface="Calibri" panose="020F0502020204030204" pitchFamily="34" charset="0"/>
-                <a:ea typeface="Calibri" panose="020F0502020204030204" pitchFamily="34" charset="0"/>
-                <a:cs typeface="Times New Roman" panose="02020603050405020304" pitchFamily="18" charset="0"/>
-              </a:rPr>
-              <a:t>Requires team effort to brainstorm on where to get the data.</a:t>
-            </a:r>
-          </a:p>
-          <a:p>
-            <a:pPr marL="342900" marR="0" lvl="0" indent="-342900">
-              <a:lnSpc>
-                <a:spcPct val="107000"/>
-              </a:lnSpc>
-              <a:spcBef>
-                <a:spcPts val="0"/>
-              </a:spcBef>
-              <a:spcAft>
-                <a:spcPts val="0"/>
-              </a:spcAft>
-              <a:buFont typeface="Symbol" panose="05050102010706020507" pitchFamily="18" charset="2"/>
-              <a:buChar char=""/>
-            </a:pPr>
-            <a:endParaRPr lang="en-US" dirty="0">
-              <a:latin typeface="Calibri" panose="020F0502020204030204" pitchFamily="34" charset="0"/>
-              <a:ea typeface="Calibri" panose="020F0502020204030204" pitchFamily="34" charset="0"/>
-              <a:cs typeface="Times New Roman" panose="02020603050405020304" pitchFamily="18" charset="0"/>
-            </a:endParaRPr>
-          </a:p>
-          <a:p>
-            <a:pPr marL="342900" indent="-342900">
-              <a:lnSpc>
-                <a:spcPct val="107000"/>
-              </a:lnSpc>
-              <a:spcBef>
-                <a:spcPts val="0"/>
-              </a:spcBef>
-              <a:spcAft>
-                <a:spcPts val="0"/>
-              </a:spcAft>
-              <a:buFont typeface="Symbol" panose="05050102010706020507" pitchFamily="18" charset="2"/>
-              <a:buChar char=""/>
-            </a:pPr>
-            <a:r>
-              <a:rPr lang="en-US" sz="1800" dirty="0">
-                <a:effectLst/>
-                <a:latin typeface="Calibri" panose="020F0502020204030204" pitchFamily="34" charset="0"/>
-                <a:ea typeface="Calibri" panose="020F0502020204030204" pitchFamily="34" charset="0"/>
-                <a:cs typeface="Times New Roman" panose="02020603050405020304" pitchFamily="18" charset="0"/>
-              </a:rPr>
-              <a:t>May require paying money to access the optimal data source for analysis.</a:t>
-            </a:r>
-          </a:p>
-          <a:p>
-            <a:pPr marL="342900" indent="-342900">
-              <a:lnSpc>
-                <a:spcPct val="107000"/>
-              </a:lnSpc>
-              <a:spcBef>
-                <a:spcPts val="0"/>
-              </a:spcBef>
-              <a:spcAft>
-                <a:spcPts val="0"/>
-              </a:spcAft>
-              <a:buFont typeface="Symbol" panose="05050102010706020507" pitchFamily="18" charset="2"/>
-              <a:buChar char=""/>
-            </a:pPr>
-            <a:endParaRPr lang="en-US" dirty="0">
-              <a:latin typeface="Calibri" panose="020F0502020204030204" pitchFamily="34" charset="0"/>
-              <a:ea typeface="Calibri" panose="020F0502020204030204" pitchFamily="34" charset="0"/>
-              <a:cs typeface="Times New Roman" panose="02020603050405020304" pitchFamily="18" charset="0"/>
-            </a:endParaRPr>
-          </a:p>
-          <a:p>
-            <a:pPr marL="342900" indent="-342900">
-              <a:lnSpc>
-                <a:spcPct val="107000"/>
-              </a:lnSpc>
-              <a:spcBef>
-                <a:spcPts val="0"/>
-              </a:spcBef>
-              <a:spcAft>
-                <a:spcPts val="0"/>
-              </a:spcAft>
-              <a:buFont typeface="Symbol" panose="05050102010706020507" pitchFamily="18" charset="2"/>
-              <a:buChar char=""/>
-            </a:pPr>
-            <a:r>
-              <a:rPr lang="en-US" dirty="0">
-                <a:latin typeface="Calibri" panose="020F0502020204030204" pitchFamily="34" charset="0"/>
-                <a:ea typeface="Calibri" panose="020F0502020204030204" pitchFamily="34" charset="0"/>
-                <a:cs typeface="Times New Roman" panose="02020603050405020304" pitchFamily="18" charset="0"/>
-              </a:rPr>
-              <a:t>Time consuming to research the right data for our analysis.</a:t>
-            </a:r>
-          </a:p>
-          <a:p>
-            <a:pPr marL="0" marR="0" lvl="0" indent="0">
-              <a:lnSpc>
-                <a:spcPct val="107000"/>
-              </a:lnSpc>
-              <a:spcBef>
-                <a:spcPts val="0"/>
-              </a:spcBef>
-              <a:spcAft>
-                <a:spcPts val="0"/>
-              </a:spcAft>
-              <a:buNone/>
-            </a:pPr>
-            <a:endParaRPr lang="en-CA" sz="1800" dirty="0">
-              <a:effectLst/>
-              <a:latin typeface="Calibri" panose="020F0502020204030204" pitchFamily="34" charset="0"/>
-              <a:ea typeface="Calibri" panose="020F0502020204030204" pitchFamily="34" charset="0"/>
-              <a:cs typeface="Times New Roman" panose="02020603050405020304" pitchFamily="18" charset="0"/>
-            </a:endParaRPr>
-          </a:p>
-          <a:p>
-            <a:pPr marL="342900" marR="0" lvl="0" indent="-342900">
-              <a:lnSpc>
-                <a:spcPct val="107000"/>
-              </a:lnSpc>
-              <a:spcBef>
-                <a:spcPts val="0"/>
-              </a:spcBef>
-              <a:spcAft>
-                <a:spcPts val="800"/>
-              </a:spcAft>
-              <a:buFont typeface="Symbol" panose="05050102010706020507" pitchFamily="18" charset="2"/>
-              <a:buChar char=""/>
-            </a:pPr>
-            <a:r>
-              <a:rPr lang="en-CA" sz="1800" dirty="0">
-                <a:effectLst/>
-                <a:latin typeface="Calibri" panose="020F0502020204030204" pitchFamily="34" charset="0"/>
-                <a:ea typeface="Calibri" panose="020F0502020204030204" pitchFamily="34" charset="0"/>
-                <a:cs typeface="Times New Roman" panose="02020603050405020304" pitchFamily="18" charset="0"/>
-              </a:rPr>
-              <a:t>Datasets are not formatted perfectly to answer our questions.</a:t>
-            </a:r>
-          </a:p>
-          <a:p>
-            <a:pPr marL="635508" lvl="1" indent="-342900">
-              <a:lnSpc>
-                <a:spcPct val="107000"/>
-              </a:lnSpc>
-              <a:spcBef>
-                <a:spcPts val="0"/>
-              </a:spcBef>
-              <a:spcAft>
-                <a:spcPts val="800"/>
-              </a:spcAft>
-              <a:buFont typeface="Symbol" panose="05050102010706020507" pitchFamily="18" charset="2"/>
-              <a:buChar char=""/>
-            </a:pPr>
-            <a:r>
-              <a:rPr lang="en-CA" dirty="0">
-                <a:latin typeface="Calibri" panose="020F0502020204030204" pitchFamily="34" charset="0"/>
-                <a:ea typeface="Calibri" panose="020F0502020204030204" pitchFamily="34" charset="0"/>
-                <a:cs typeface="Times New Roman" panose="02020603050405020304" pitchFamily="18" charset="0"/>
-              </a:rPr>
-              <a:t>Requires reformatting CSV files in proper rows and columns.</a:t>
-            </a:r>
-          </a:p>
-          <a:p>
-            <a:pPr marL="635508" lvl="1" indent="-342900">
-              <a:lnSpc>
-                <a:spcPct val="107000"/>
-              </a:lnSpc>
-              <a:spcBef>
-                <a:spcPts val="0"/>
-              </a:spcBef>
-              <a:spcAft>
-                <a:spcPts val="800"/>
-              </a:spcAft>
-              <a:buFont typeface="Symbol" panose="05050102010706020507" pitchFamily="18" charset="2"/>
-              <a:buChar char=""/>
-            </a:pPr>
-            <a:r>
-              <a:rPr lang="en-CA" dirty="0">
-                <a:latin typeface="Calibri" panose="020F0502020204030204" pitchFamily="34" charset="0"/>
-                <a:ea typeface="Calibri" panose="020F0502020204030204" pitchFamily="34" charset="0"/>
-                <a:cs typeface="Times New Roman" panose="02020603050405020304" pitchFamily="18" charset="0"/>
-              </a:rPr>
-              <a:t>Merging </a:t>
-            </a:r>
-            <a:r>
-              <a:rPr lang="en-CA" dirty="0" err="1">
-                <a:latin typeface="Calibri" panose="020F0502020204030204" pitchFamily="34" charset="0"/>
-                <a:ea typeface="Calibri" panose="020F0502020204030204" pitchFamily="34" charset="0"/>
-                <a:cs typeface="Times New Roman" panose="02020603050405020304" pitchFamily="18" charset="0"/>
-              </a:rPr>
-              <a:t>dataframes</a:t>
-            </a:r>
-            <a:r>
-              <a:rPr lang="en-CA" dirty="0">
-                <a:latin typeface="Calibri" panose="020F0502020204030204" pitchFamily="34" charset="0"/>
-                <a:ea typeface="Calibri" panose="020F0502020204030204" pitchFamily="34" charset="0"/>
-                <a:cs typeface="Times New Roman" panose="02020603050405020304" pitchFamily="18" charset="0"/>
-              </a:rPr>
-              <a:t> to determine trends and correlation.</a:t>
-            </a:r>
-          </a:p>
-          <a:p>
-            <a:pPr marL="635508" lvl="1" indent="-342900">
-              <a:lnSpc>
-                <a:spcPct val="107000"/>
-              </a:lnSpc>
-              <a:spcBef>
-                <a:spcPts val="0"/>
-              </a:spcBef>
-              <a:spcAft>
-                <a:spcPts val="800"/>
-              </a:spcAft>
-              <a:buFont typeface="Symbol" panose="05050102010706020507" pitchFamily="18" charset="2"/>
-              <a:buChar char=""/>
-            </a:pPr>
-            <a:r>
-              <a:rPr lang="en-US" dirty="0">
-                <a:latin typeface="Calibri" panose="020F0502020204030204" pitchFamily="34" charset="0"/>
-                <a:cs typeface="Times New Roman" panose="02020603050405020304" pitchFamily="18" charset="0"/>
-              </a:rPr>
-              <a:t>Not all information for a specific country may not be available as some of the countries were not independent until 1990-1993.</a:t>
-            </a:r>
-            <a:endParaRPr lang="en-CA" dirty="0">
-              <a:latin typeface="Calibri" panose="020F0502020204030204" pitchFamily="34" charset="0"/>
-              <a:cs typeface="Times New Roman" panose="02020603050405020304" pitchFamily="18" charset="0"/>
-            </a:endParaRPr>
-          </a:p>
-          <a:p>
-            <a:pPr marL="0" marR="0" lvl="0" indent="0">
-              <a:lnSpc>
-                <a:spcPct val="107000"/>
-              </a:lnSpc>
-              <a:spcBef>
-                <a:spcPts val="0"/>
-              </a:spcBef>
-              <a:spcAft>
-                <a:spcPts val="800"/>
-              </a:spcAft>
-              <a:buNone/>
-            </a:pPr>
-            <a:endParaRPr lang="en-CA" sz="1800" dirty="0">
-              <a:effectLst/>
-              <a:latin typeface="Calibri" panose="020F0502020204030204" pitchFamily="34" charset="0"/>
-              <a:ea typeface="Calibri" panose="020F0502020204030204" pitchFamily="34" charset="0"/>
-              <a:cs typeface="Times New Roman" panose="02020603050405020304" pitchFamily="18" charset="0"/>
-            </a:endParaRPr>
-          </a:p>
-          <a:p>
-            <a:pPr marL="0" marR="0" lvl="0" indent="0">
-              <a:lnSpc>
-                <a:spcPct val="107000"/>
-              </a:lnSpc>
-              <a:spcBef>
-                <a:spcPts val="0"/>
-              </a:spcBef>
-              <a:spcAft>
-                <a:spcPts val="800"/>
-              </a:spcAft>
-              <a:buNone/>
-            </a:pPr>
-            <a:endParaRPr lang="en-CA" sz="1800" dirty="0">
-              <a:effectLst/>
-              <a:latin typeface="Calibri" panose="020F0502020204030204" pitchFamily="34" charset="0"/>
-              <a:ea typeface="Calibri" panose="020F0502020204030204" pitchFamily="34" charset="0"/>
-              <a:cs typeface="Times New Roman" panose="02020603050405020304" pitchFamily="18" charset="0"/>
-            </a:endParaRPr>
-          </a:p>
-          <a:p>
-            <a:pPr marL="342900" marR="0" lvl="0" indent="-342900">
-              <a:lnSpc>
-                <a:spcPct val="107000"/>
-              </a:lnSpc>
-              <a:spcBef>
-                <a:spcPts val="0"/>
-              </a:spcBef>
-              <a:spcAft>
-                <a:spcPts val="800"/>
-              </a:spcAft>
-              <a:buFont typeface="Symbol" panose="05050102010706020507" pitchFamily="18" charset="2"/>
-              <a:buChar char=""/>
-            </a:pPr>
-            <a:endParaRPr lang="en-CA" dirty="0">
-              <a:effectLst/>
-              <a:latin typeface="Calibri" panose="020F0502020204030204" pitchFamily="34" charset="0"/>
-              <a:ea typeface="Calibri" panose="020F0502020204030204" pitchFamily="34" charset="0"/>
-              <a:cs typeface="Times New Roman" panose="02020603050405020304" pitchFamily="18" charset="0"/>
-            </a:endParaRPr>
-          </a:p>
-          <a:p>
-            <a:pPr marL="0" marR="0" indent="0">
-              <a:lnSpc>
-                <a:spcPct val="107000"/>
-              </a:lnSpc>
-              <a:spcBef>
-                <a:spcPts val="0"/>
-              </a:spcBef>
-              <a:spcAft>
-                <a:spcPts val="800"/>
-              </a:spcAft>
-              <a:buNone/>
-            </a:pPr>
-            <a:endParaRPr lang="en-CA" sz="1100" dirty="0">
-              <a:effectLst/>
-              <a:latin typeface="Calibri" panose="020F0502020204030204" pitchFamily="34" charset="0"/>
-              <a:ea typeface="Calibri" panose="020F0502020204030204" pitchFamily="34" charset="0"/>
-              <a:cs typeface="Times New Roman" panose="02020603050405020304" pitchFamily="18" charset="0"/>
-            </a:endParaRPr>
-          </a:p>
-          <a:p>
-            <a:pPr marL="0" indent="0">
-              <a:buNone/>
-            </a:pPr>
-            <a:endParaRPr lang="en-US" dirty="0"/>
-          </a:p>
-          <a:p>
-            <a:pPr marL="201168" lvl="1" indent="0">
-              <a:buNone/>
-            </a:pPr>
-            <a:endParaRPr lang="en-US" dirty="0"/>
-          </a:p>
-          <a:p>
-            <a:endParaRPr lang="en-US" dirty="0"/>
-          </a:p>
-          <a:p>
-            <a:pPr marL="342900" indent="-342900">
-              <a:buFont typeface="+mj-lt"/>
-              <a:buAutoNum type="arabicPeriod"/>
-            </a:pPr>
+          <p:cNvPr id="4" name="Rectangle 3">
+            <a:extLst>
+              <a:ext uri="{FF2B5EF4-FFF2-40B4-BE49-F238E27FC236}">
+                <a16:creationId xmlns:a16="http://schemas.microsoft.com/office/drawing/2014/main" id="{724585C8-53A5-4A9A-9DF0-861607C88191}"/>
+              </a:ext>
+            </a:extLst>
+          </p:cNvPr>
+          <p:cNvSpPr/>
+          <p:nvPr/>
+        </p:nvSpPr>
+        <p:spPr>
+          <a:xfrm>
+            <a:off x="7915411" y="2833321"/>
+            <a:ext cx="1351406" cy="918446"/>
+          </a:xfrm>
+          <a:prstGeom prst="rect">
+            <a:avLst/>
+          </a:prstGeom>
+        </p:spPr>
+        <p:style>
+          <a:lnRef idx="2">
+            <a:schemeClr val="accent1">
+              <a:shade val="50000"/>
+            </a:schemeClr>
+          </a:lnRef>
+          <a:fillRef idx="1">
+            <a:schemeClr val="accent1"/>
+          </a:fillRef>
+          <a:effectRef idx="0">
+            <a:schemeClr val="accent1"/>
+          </a:effectRef>
+          <a:fontRef idx="minor">
+            <a:schemeClr val="lt1"/>
+          </a:fontRef>
+        </p:style>
+        <p:txBody>
+          <a:bodyPr rtlCol="0" anchor="ctr"/>
+          <a:lstStyle/>
+          <a:p>
+            <a:pPr algn="ctr"/>
+            <a:r>
+              <a:rPr lang="en-US" dirty="0"/>
+              <a:t>Datasets</a:t>
+            </a:r>
             <a:endParaRPr lang="en-CA" dirty="0"/>
           </a:p>
         </p:txBody>
       </p:sp>
+      <p:sp>
+        <p:nvSpPr>
+          <p:cNvPr id="5" name="Oval 4">
+            <a:extLst>
+              <a:ext uri="{FF2B5EF4-FFF2-40B4-BE49-F238E27FC236}">
+                <a16:creationId xmlns:a16="http://schemas.microsoft.com/office/drawing/2014/main" id="{EE4D6864-6E9E-4C5B-B8A6-0070B2162D6E}"/>
+              </a:ext>
+            </a:extLst>
+          </p:cNvPr>
+          <p:cNvSpPr/>
+          <p:nvPr/>
+        </p:nvSpPr>
+        <p:spPr>
+          <a:xfrm>
+            <a:off x="6301273" y="786383"/>
+            <a:ext cx="1127553" cy="1169477"/>
+          </a:xfrm>
+          <a:prstGeom prst="ellipse">
+            <a:avLst/>
+          </a:prstGeom>
+        </p:spPr>
+        <p:style>
+          <a:lnRef idx="2">
+            <a:schemeClr val="accent1">
+              <a:shade val="50000"/>
+            </a:schemeClr>
+          </a:lnRef>
+          <a:fillRef idx="1">
+            <a:schemeClr val="accent1"/>
+          </a:fillRef>
+          <a:effectRef idx="0">
+            <a:schemeClr val="accent1"/>
+          </a:effectRef>
+          <a:fontRef idx="minor">
+            <a:schemeClr val="lt1"/>
+          </a:fontRef>
+        </p:style>
+        <p:txBody>
+          <a:bodyPr rtlCol="0" anchor="ctr"/>
+          <a:lstStyle/>
+          <a:p>
+            <a:pPr algn="ctr"/>
+            <a:r>
+              <a:rPr lang="en-US" sz="1400" dirty="0"/>
+              <a:t>FAO</a:t>
+            </a:r>
+            <a:endParaRPr lang="en-CA" sz="1400" dirty="0"/>
+          </a:p>
+        </p:txBody>
+      </p:sp>
+      <p:sp>
+        <p:nvSpPr>
+          <p:cNvPr id="6" name="Oval 5">
+            <a:extLst>
+              <a:ext uri="{FF2B5EF4-FFF2-40B4-BE49-F238E27FC236}">
+                <a16:creationId xmlns:a16="http://schemas.microsoft.com/office/drawing/2014/main" id="{49CBA62F-3022-4799-AE9B-9D52CAB7C60E}"/>
+              </a:ext>
+            </a:extLst>
+          </p:cNvPr>
+          <p:cNvSpPr/>
+          <p:nvPr/>
+        </p:nvSpPr>
+        <p:spPr>
+          <a:xfrm>
+            <a:off x="10741086" y="2833321"/>
+            <a:ext cx="1127553" cy="1169477"/>
+          </a:xfrm>
+          <a:prstGeom prst="ellipse">
+            <a:avLst/>
+          </a:prstGeom>
+        </p:spPr>
+        <p:style>
+          <a:lnRef idx="2">
+            <a:schemeClr val="accent1">
+              <a:shade val="50000"/>
+            </a:schemeClr>
+          </a:lnRef>
+          <a:fillRef idx="1">
+            <a:schemeClr val="accent1"/>
+          </a:fillRef>
+          <a:effectRef idx="0">
+            <a:schemeClr val="accent1"/>
+          </a:effectRef>
+          <a:fontRef idx="minor">
+            <a:schemeClr val="lt1"/>
+          </a:fontRef>
+        </p:style>
+        <p:txBody>
+          <a:bodyPr rtlCol="0" anchor="ctr"/>
+          <a:lstStyle/>
+          <a:p>
+            <a:pPr algn="ctr"/>
+            <a:r>
+              <a:rPr lang="en-US" sz="1400" dirty="0"/>
+              <a:t>Fat Secret API</a:t>
+            </a:r>
+            <a:endParaRPr lang="en-CA" sz="1400" dirty="0"/>
+          </a:p>
+        </p:txBody>
+      </p:sp>
+      <p:sp>
+        <p:nvSpPr>
+          <p:cNvPr id="7" name="Oval 6">
+            <a:extLst>
+              <a:ext uri="{FF2B5EF4-FFF2-40B4-BE49-F238E27FC236}">
+                <a16:creationId xmlns:a16="http://schemas.microsoft.com/office/drawing/2014/main" id="{24386BCF-7F2B-47B2-9576-BFA49C02286D}"/>
+              </a:ext>
+            </a:extLst>
+          </p:cNvPr>
+          <p:cNvSpPr/>
+          <p:nvPr/>
+        </p:nvSpPr>
+        <p:spPr>
+          <a:xfrm>
+            <a:off x="6210205" y="4613402"/>
+            <a:ext cx="1127553" cy="1169477"/>
+          </a:xfrm>
+          <a:prstGeom prst="ellipse">
+            <a:avLst/>
+          </a:prstGeom>
+        </p:spPr>
+        <p:style>
+          <a:lnRef idx="2">
+            <a:schemeClr val="accent1">
+              <a:shade val="50000"/>
+            </a:schemeClr>
+          </a:lnRef>
+          <a:fillRef idx="1">
+            <a:schemeClr val="accent1"/>
+          </a:fillRef>
+          <a:effectRef idx="0">
+            <a:schemeClr val="accent1"/>
+          </a:effectRef>
+          <a:fontRef idx="minor">
+            <a:schemeClr val="lt1"/>
+          </a:fontRef>
+        </p:style>
+        <p:txBody>
+          <a:bodyPr rtlCol="0" anchor="ctr"/>
+          <a:lstStyle/>
+          <a:p>
+            <a:pPr algn="ctr"/>
+            <a:r>
+              <a:rPr lang="en-US" sz="1400" dirty="0"/>
+              <a:t>WHO</a:t>
+            </a:r>
+            <a:endParaRPr lang="en-CA" sz="1400" dirty="0"/>
+          </a:p>
+        </p:txBody>
+      </p:sp>
+      <p:sp>
+        <p:nvSpPr>
+          <p:cNvPr id="8" name="Oval 7">
+            <a:extLst>
+              <a:ext uri="{FF2B5EF4-FFF2-40B4-BE49-F238E27FC236}">
+                <a16:creationId xmlns:a16="http://schemas.microsoft.com/office/drawing/2014/main" id="{4118F87B-BF7F-4FBD-93C4-5373B4B464C9}"/>
+              </a:ext>
+            </a:extLst>
+          </p:cNvPr>
+          <p:cNvSpPr/>
+          <p:nvPr/>
+        </p:nvSpPr>
+        <p:spPr>
+          <a:xfrm>
+            <a:off x="5156760" y="2764431"/>
+            <a:ext cx="1127553" cy="1169477"/>
+          </a:xfrm>
+          <a:prstGeom prst="ellipse">
+            <a:avLst/>
+          </a:prstGeom>
+        </p:spPr>
+        <p:style>
+          <a:lnRef idx="2">
+            <a:schemeClr val="accent1">
+              <a:shade val="50000"/>
+            </a:schemeClr>
+          </a:lnRef>
+          <a:fillRef idx="1">
+            <a:schemeClr val="accent1"/>
+          </a:fillRef>
+          <a:effectRef idx="0">
+            <a:schemeClr val="accent1"/>
+          </a:effectRef>
+          <a:fontRef idx="minor">
+            <a:schemeClr val="lt1"/>
+          </a:fontRef>
+        </p:style>
+        <p:txBody>
+          <a:bodyPr rtlCol="0" anchor="ctr"/>
+          <a:lstStyle/>
+          <a:p>
+            <a:pPr algn="ctr"/>
+            <a:r>
+              <a:rPr lang="en-US" sz="1300" dirty="0"/>
+              <a:t>Kroger Grocery Data</a:t>
+            </a:r>
+            <a:endParaRPr lang="en-CA" sz="1300" dirty="0"/>
+          </a:p>
+        </p:txBody>
+      </p:sp>
+      <p:sp>
+        <p:nvSpPr>
+          <p:cNvPr id="9" name="Oval 8">
+            <a:extLst>
+              <a:ext uri="{FF2B5EF4-FFF2-40B4-BE49-F238E27FC236}">
+                <a16:creationId xmlns:a16="http://schemas.microsoft.com/office/drawing/2014/main" id="{EB15EDBE-1478-4B75-8BC0-49928372562B}"/>
+              </a:ext>
+            </a:extLst>
+          </p:cNvPr>
+          <p:cNvSpPr/>
+          <p:nvPr/>
+        </p:nvSpPr>
+        <p:spPr>
+          <a:xfrm>
+            <a:off x="9266817" y="786383"/>
+            <a:ext cx="1127553" cy="1169477"/>
+          </a:xfrm>
+          <a:prstGeom prst="ellipse">
+            <a:avLst/>
+          </a:prstGeom>
+        </p:spPr>
+        <p:style>
+          <a:lnRef idx="2">
+            <a:schemeClr val="accent1">
+              <a:shade val="50000"/>
+            </a:schemeClr>
+          </a:lnRef>
+          <a:fillRef idx="1">
+            <a:schemeClr val="accent1"/>
+          </a:fillRef>
+          <a:effectRef idx="0">
+            <a:schemeClr val="accent1"/>
+          </a:effectRef>
+          <a:fontRef idx="minor">
+            <a:schemeClr val="lt1"/>
+          </a:fontRef>
+        </p:style>
+        <p:txBody>
+          <a:bodyPr rtlCol="0" anchor="ctr"/>
+          <a:lstStyle/>
+          <a:p>
+            <a:pPr algn="ctr"/>
+            <a:r>
+              <a:rPr lang="en-US" sz="1400" dirty="0"/>
+              <a:t>Kaggle</a:t>
+            </a:r>
+            <a:endParaRPr lang="en-CA" sz="1400" dirty="0"/>
+          </a:p>
+        </p:txBody>
+      </p:sp>
+      <p:sp>
+        <p:nvSpPr>
+          <p:cNvPr id="10" name="Oval 9">
+            <a:extLst>
+              <a:ext uri="{FF2B5EF4-FFF2-40B4-BE49-F238E27FC236}">
+                <a16:creationId xmlns:a16="http://schemas.microsoft.com/office/drawing/2014/main" id="{A5069CFC-870F-4587-8A0C-1730AE292E75}"/>
+              </a:ext>
+            </a:extLst>
+          </p:cNvPr>
+          <p:cNvSpPr/>
+          <p:nvPr/>
+        </p:nvSpPr>
+        <p:spPr>
+          <a:xfrm>
+            <a:off x="9602651" y="4690306"/>
+            <a:ext cx="1127553" cy="1169477"/>
+          </a:xfrm>
+          <a:prstGeom prst="ellipse">
+            <a:avLst/>
+          </a:prstGeom>
+        </p:spPr>
+        <p:style>
+          <a:lnRef idx="2">
+            <a:schemeClr val="accent1">
+              <a:shade val="50000"/>
+            </a:schemeClr>
+          </a:lnRef>
+          <a:fillRef idx="1">
+            <a:schemeClr val="accent1"/>
+          </a:fillRef>
+          <a:effectRef idx="0">
+            <a:schemeClr val="accent1"/>
+          </a:effectRef>
+          <a:fontRef idx="minor">
+            <a:schemeClr val="lt1"/>
+          </a:fontRef>
+        </p:style>
+        <p:txBody>
+          <a:bodyPr rtlCol="0" anchor="ctr"/>
+          <a:lstStyle/>
+          <a:p>
+            <a:pPr algn="ctr"/>
+            <a:r>
+              <a:rPr lang="en-US" sz="1300" dirty="0"/>
+              <a:t>World-bank</a:t>
+            </a:r>
+            <a:endParaRPr lang="en-CA" sz="1300" dirty="0"/>
+          </a:p>
+        </p:txBody>
+      </p:sp>
+      <p:cxnSp>
+        <p:nvCxnSpPr>
+          <p:cNvPr id="11" name="Straight Arrow Connector 10">
+            <a:extLst>
+              <a:ext uri="{FF2B5EF4-FFF2-40B4-BE49-F238E27FC236}">
+                <a16:creationId xmlns:a16="http://schemas.microsoft.com/office/drawing/2014/main" id="{3B5641E4-4928-4ABD-80F7-EC339F4EDB65}"/>
+              </a:ext>
+            </a:extLst>
+          </p:cNvPr>
+          <p:cNvCxnSpPr>
+            <a:cxnSpLocks/>
+            <a:endCxn id="4" idx="1"/>
+          </p:cNvCxnSpPr>
+          <p:nvPr/>
+        </p:nvCxnSpPr>
+        <p:spPr>
+          <a:xfrm>
+            <a:off x="6301273" y="3292544"/>
+            <a:ext cx="1614138" cy="0"/>
+          </a:xfrm>
+          <a:prstGeom prst="straightConnector1">
+            <a:avLst/>
+          </a:prstGeom>
+          <a:ln>
+            <a:tailEnd type="triangle"/>
+          </a:ln>
+        </p:spPr>
+        <p:style>
+          <a:lnRef idx="1">
+            <a:schemeClr val="accent1"/>
+          </a:lnRef>
+          <a:fillRef idx="0">
+            <a:schemeClr val="accent1"/>
+          </a:fillRef>
+          <a:effectRef idx="0">
+            <a:schemeClr val="accent1"/>
+          </a:effectRef>
+          <a:fontRef idx="minor">
+            <a:schemeClr val="tx1"/>
+          </a:fontRef>
+        </p:style>
+      </p:cxnSp>
+      <p:cxnSp>
+        <p:nvCxnSpPr>
+          <p:cNvPr id="12" name="Straight Arrow Connector 11">
+            <a:extLst>
+              <a:ext uri="{FF2B5EF4-FFF2-40B4-BE49-F238E27FC236}">
+                <a16:creationId xmlns:a16="http://schemas.microsoft.com/office/drawing/2014/main" id="{734ACEF5-C73F-4CD0-998B-6FEC449F38B9}"/>
+              </a:ext>
+            </a:extLst>
+          </p:cNvPr>
+          <p:cNvCxnSpPr>
+            <a:cxnSpLocks/>
+            <a:stCxn id="7" idx="0"/>
+          </p:cNvCxnSpPr>
+          <p:nvPr/>
+        </p:nvCxnSpPr>
+        <p:spPr>
+          <a:xfrm flipV="1">
+            <a:off x="6773982" y="3764416"/>
+            <a:ext cx="1138434" cy="848986"/>
+          </a:xfrm>
+          <a:prstGeom prst="straightConnector1">
+            <a:avLst/>
+          </a:prstGeom>
+          <a:ln>
+            <a:tailEnd type="triangle"/>
+          </a:ln>
+        </p:spPr>
+        <p:style>
+          <a:lnRef idx="1">
+            <a:schemeClr val="accent1"/>
+          </a:lnRef>
+          <a:fillRef idx="0">
+            <a:schemeClr val="accent1"/>
+          </a:fillRef>
+          <a:effectRef idx="0">
+            <a:schemeClr val="accent1"/>
+          </a:effectRef>
+          <a:fontRef idx="minor">
+            <a:schemeClr val="tx1"/>
+          </a:fontRef>
+        </p:style>
+      </p:cxnSp>
+      <p:cxnSp>
+        <p:nvCxnSpPr>
+          <p:cNvPr id="13" name="Straight Arrow Connector 12">
+            <a:extLst>
+              <a:ext uri="{FF2B5EF4-FFF2-40B4-BE49-F238E27FC236}">
+                <a16:creationId xmlns:a16="http://schemas.microsoft.com/office/drawing/2014/main" id="{0B2663C2-736F-4557-8F4B-53C5C6A577E5}"/>
+              </a:ext>
+            </a:extLst>
+          </p:cNvPr>
+          <p:cNvCxnSpPr>
+            <a:cxnSpLocks/>
+            <a:stCxn id="5" idx="4"/>
+          </p:cNvCxnSpPr>
+          <p:nvPr/>
+        </p:nvCxnSpPr>
+        <p:spPr>
+          <a:xfrm>
+            <a:off x="6865050" y="1955860"/>
+            <a:ext cx="1050360" cy="877461"/>
+          </a:xfrm>
+          <a:prstGeom prst="straightConnector1">
+            <a:avLst/>
+          </a:prstGeom>
+          <a:ln>
+            <a:tailEnd type="triangle"/>
+          </a:ln>
+        </p:spPr>
+        <p:style>
+          <a:lnRef idx="1">
+            <a:schemeClr val="accent1"/>
+          </a:lnRef>
+          <a:fillRef idx="0">
+            <a:schemeClr val="accent1"/>
+          </a:fillRef>
+          <a:effectRef idx="0">
+            <a:schemeClr val="accent1"/>
+          </a:effectRef>
+          <a:fontRef idx="minor">
+            <a:schemeClr val="tx1"/>
+          </a:fontRef>
+        </p:style>
+      </p:cxnSp>
+      <p:cxnSp>
+        <p:nvCxnSpPr>
+          <p:cNvPr id="14" name="Straight Arrow Connector 13">
+            <a:extLst>
+              <a:ext uri="{FF2B5EF4-FFF2-40B4-BE49-F238E27FC236}">
+                <a16:creationId xmlns:a16="http://schemas.microsoft.com/office/drawing/2014/main" id="{46DD48B8-09B4-454B-93C4-D44802A6696E}"/>
+              </a:ext>
+            </a:extLst>
+          </p:cNvPr>
+          <p:cNvCxnSpPr>
+            <a:cxnSpLocks/>
+            <a:stCxn id="9" idx="4"/>
+          </p:cNvCxnSpPr>
+          <p:nvPr/>
+        </p:nvCxnSpPr>
+        <p:spPr>
+          <a:xfrm flipH="1">
+            <a:off x="9266817" y="1955860"/>
+            <a:ext cx="563777" cy="864813"/>
+          </a:xfrm>
+          <a:prstGeom prst="straightConnector1">
+            <a:avLst/>
+          </a:prstGeom>
+          <a:ln>
+            <a:tailEnd type="triangle"/>
+          </a:ln>
+        </p:spPr>
+        <p:style>
+          <a:lnRef idx="1">
+            <a:schemeClr val="accent1"/>
+          </a:lnRef>
+          <a:fillRef idx="0">
+            <a:schemeClr val="accent1"/>
+          </a:fillRef>
+          <a:effectRef idx="0">
+            <a:schemeClr val="accent1"/>
+          </a:effectRef>
+          <a:fontRef idx="minor">
+            <a:schemeClr val="tx1"/>
+          </a:fontRef>
+        </p:style>
+      </p:cxnSp>
+      <p:cxnSp>
+        <p:nvCxnSpPr>
+          <p:cNvPr id="15" name="Straight Arrow Connector 14">
+            <a:extLst>
+              <a:ext uri="{FF2B5EF4-FFF2-40B4-BE49-F238E27FC236}">
+                <a16:creationId xmlns:a16="http://schemas.microsoft.com/office/drawing/2014/main" id="{2B6B13E4-B324-4783-9CCC-569161EC6CD0}"/>
+              </a:ext>
+            </a:extLst>
+          </p:cNvPr>
+          <p:cNvCxnSpPr>
+            <a:cxnSpLocks/>
+            <a:endCxn id="4" idx="3"/>
+          </p:cNvCxnSpPr>
+          <p:nvPr/>
+        </p:nvCxnSpPr>
+        <p:spPr>
+          <a:xfrm flipH="1">
+            <a:off x="9266817" y="3292544"/>
+            <a:ext cx="1463387" cy="0"/>
+          </a:xfrm>
+          <a:prstGeom prst="straightConnector1">
+            <a:avLst/>
+          </a:prstGeom>
+          <a:ln>
+            <a:tailEnd type="triangle"/>
+          </a:ln>
+        </p:spPr>
+        <p:style>
+          <a:lnRef idx="1">
+            <a:schemeClr val="accent1"/>
+          </a:lnRef>
+          <a:fillRef idx="0">
+            <a:schemeClr val="accent1"/>
+          </a:fillRef>
+          <a:effectRef idx="0">
+            <a:schemeClr val="accent1"/>
+          </a:effectRef>
+          <a:fontRef idx="minor">
+            <a:schemeClr val="tx1"/>
+          </a:fontRef>
+        </p:style>
+      </p:cxnSp>
+      <p:cxnSp>
+        <p:nvCxnSpPr>
+          <p:cNvPr id="16" name="Straight Arrow Connector 15">
+            <a:extLst>
+              <a:ext uri="{FF2B5EF4-FFF2-40B4-BE49-F238E27FC236}">
+                <a16:creationId xmlns:a16="http://schemas.microsoft.com/office/drawing/2014/main" id="{347CC324-A17A-4F12-9826-A25D166102AE}"/>
+              </a:ext>
+            </a:extLst>
+          </p:cNvPr>
+          <p:cNvCxnSpPr>
+            <a:cxnSpLocks/>
+            <a:stCxn id="10" idx="0"/>
+          </p:cNvCxnSpPr>
+          <p:nvPr/>
+        </p:nvCxnSpPr>
+        <p:spPr>
+          <a:xfrm flipH="1" flipV="1">
+            <a:off x="9266817" y="3764416"/>
+            <a:ext cx="899611" cy="925890"/>
+          </a:xfrm>
+          <a:prstGeom prst="straightConnector1">
+            <a:avLst/>
+          </a:prstGeom>
+          <a:ln>
+            <a:tailEnd type="triangle"/>
+          </a:ln>
+        </p:spPr>
+        <p:style>
+          <a:lnRef idx="1">
+            <a:schemeClr val="accent1"/>
+          </a:lnRef>
+          <a:fillRef idx="0">
+            <a:schemeClr val="accent1"/>
+          </a:fillRef>
+          <a:effectRef idx="0">
+            <a:schemeClr val="accent1"/>
+          </a:effectRef>
+          <a:fontRef idx="minor">
+            <a:schemeClr val="tx1"/>
+          </a:fontRef>
+        </p:style>
+      </p:cxnSp>
     </p:spTree>
     <p:extLst>
       <p:ext uri="{BB962C8B-B14F-4D97-AF65-F5344CB8AC3E}">
-        <p14:creationId xmlns:p14="http://schemas.microsoft.com/office/powerpoint/2010/main" val="2792338795"/>
+        <p14:creationId xmlns:p14="http://schemas.microsoft.com/office/powerpoint/2010/main" val="2538375715"/>
       </p:ext>
     </p:extLst>
   </p:cSld>
@@ -8377,6 +10396,14 @@
 <file path=ppt/slides/slide8.xml><?xml version="1.0" encoding="utf-8"?>
 <p:sld xmlns:a="http://schemas.openxmlformats.org/drawingml/2006/main" xmlns:r="http://schemas.openxmlformats.org/officeDocument/2006/relationships" xmlns:p="http://schemas.openxmlformats.org/presentationml/2006/main">
   <p:cSld>
+    <p:bg>
+      <p:bgPr>
+        <a:solidFill>
+          <a:schemeClr val="bg1"/>
+        </a:solidFill>
+        <a:effectLst/>
+      </p:bgPr>
+    </p:bg>
     <p:spTree>
       <p:nvGrpSpPr>
         <p:cNvPr id="1" name=""/>
@@ -8391,6 +10418,121 @@
           <a:chExt cx="0" cy="0"/>
         </a:xfrm>
       </p:grpSpPr>
+      <p:sp useBgFill="1">
+        <p:nvSpPr>
+          <p:cNvPr id="8" name="Rectangle 7">
+            <a:extLst>
+              <a:ext uri="{FF2B5EF4-FFF2-40B4-BE49-F238E27FC236}">
+                <a16:creationId xmlns:a16="http://schemas.microsoft.com/office/drawing/2014/main" id="{3741B58E-3B65-4A01-A276-975AB2CF8A08}"/>
+              </a:ext>
+              <a:ext uri="{C183D7F6-B498-43B3-948B-1728B52AA6E4}">
+                <adec:decorative xmlns:adec="http://schemas.microsoft.com/office/drawing/2017/decorative" val="1"/>
+              </a:ext>
+            </a:extLst>
+          </p:cNvPr>
+          <p:cNvSpPr>
+            <a:spLocks noGrp="1" noRot="1" noChangeAspect="1" noMove="1" noResize="1" noEditPoints="1" noAdjustHandles="1" noChangeArrowheads="1" noChangeShapeType="1" noTextEdit="1"/>
+          </p:cNvSpPr>
+          <p:nvPr>
+            <p:extLst>
+              <p:ext uri="{386F3935-93C4-4BCD-93E2-E3B085C9AB24}">
+                <p16:designElem xmlns:p16="http://schemas.microsoft.com/office/powerpoint/2015/main" val="1"/>
+              </p:ext>
+            </p:extLst>
+          </p:nvPr>
+        </p:nvSpPr>
+        <p:spPr>
+          <a:xfrm>
+            <a:off x="0" y="0"/>
+            <a:ext cx="12186315" cy="6858000"/>
+          </a:xfrm>
+          <a:prstGeom prst="rect">
+            <a:avLst/>
+          </a:prstGeom>
+          <a:ln>
+            <a:noFill/>
+          </a:ln>
+        </p:spPr>
+        <p:style>
+          <a:lnRef idx="2">
+            <a:schemeClr val="accent6">
+              <a:shade val="50000"/>
+            </a:schemeClr>
+          </a:lnRef>
+          <a:fillRef idx="1001">
+            <a:schemeClr val="lt1"/>
+          </a:fillRef>
+          <a:effectRef idx="0">
+            <a:schemeClr val="accent6"/>
+          </a:effectRef>
+          <a:fontRef idx="minor">
+            <a:schemeClr val="lt1"/>
+          </a:fontRef>
+        </p:style>
+        <p:txBody>
+          <a:bodyPr rtlCol="0" anchor="ctr"/>
+          <a:lstStyle/>
+          <a:p>
+            <a:pPr algn="ctr"/>
+            <a:endParaRPr lang="en-US"/>
+          </a:p>
+        </p:txBody>
+      </p:sp>
+      <p:sp>
+        <p:nvSpPr>
+          <p:cNvPr id="10" name="Rectangle 9">
+            <a:extLst>
+              <a:ext uri="{FF2B5EF4-FFF2-40B4-BE49-F238E27FC236}">
+                <a16:creationId xmlns:a16="http://schemas.microsoft.com/office/drawing/2014/main" id="{7AAC67C3-831B-4AB1-A259-DFB839CAFAFC}"/>
+              </a:ext>
+              <a:ext uri="{C183D7F6-B498-43B3-948B-1728B52AA6E4}">
+                <adec:decorative xmlns:adec="http://schemas.microsoft.com/office/drawing/2017/decorative" val="1"/>
+              </a:ext>
+            </a:extLst>
+          </p:cNvPr>
+          <p:cNvSpPr>
+            <a:spLocks noGrp="1" noRot="1" noChangeAspect="1" noMove="1" noResize="1" noEditPoints="1" noAdjustHandles="1" noChangeArrowheads="1" noChangeShapeType="1" noTextEdit="1"/>
+          </p:cNvSpPr>
+          <p:nvPr>
+            <p:extLst>
+              <p:ext uri="{386F3935-93C4-4BCD-93E2-E3B085C9AB24}">
+                <p16:designElem xmlns:p16="http://schemas.microsoft.com/office/powerpoint/2015/main" val="1"/>
+              </p:ext>
+            </p:extLst>
+          </p:nvPr>
+        </p:nvSpPr>
+        <p:spPr>
+          <a:xfrm>
+            <a:off x="16" y="0"/>
+            <a:ext cx="4648593" cy="6858000"/>
+          </a:xfrm>
+          <a:prstGeom prst="rect">
+            <a:avLst/>
+          </a:prstGeom>
+          <a:solidFill>
+            <a:srgbClr val="262626"/>
+          </a:solidFill>
+          <a:ln>
+            <a:noFill/>
+          </a:ln>
+        </p:spPr>
+        <p:style>
+          <a:lnRef idx="2">
+            <a:schemeClr val="accent1">
+              <a:shade val="50000"/>
+            </a:schemeClr>
+          </a:lnRef>
+          <a:fillRef idx="1">
+            <a:schemeClr val="accent1"/>
+          </a:fillRef>
+          <a:effectRef idx="0">
+            <a:schemeClr val="accent1"/>
+          </a:effectRef>
+          <a:fontRef idx="minor">
+            <a:schemeClr val="lt1"/>
+          </a:fontRef>
+        </p:style>
+      </p:sp>
       <p:sp>
         <p:nvSpPr>
           <p:cNvPr id="2" name="Title 1">
@@ -8407,25 +10549,40 @@
             <p:ph type="title"/>
           </p:nvPr>
         </p:nvSpPr>
-        <p:spPr/>
-        <p:txBody>
-          <a:bodyPr/>
-          <a:lstStyle/>
-          <a:p>
-            <a:r>
-              <a:rPr lang="en-US" dirty="0"/>
-              <a:t>DATA CLEANUP – INTERESTING FIGURES</a:t>
-            </a:r>
-            <a:endParaRPr lang="en-CA" dirty="0"/>
-          </a:p>
-        </p:txBody>
-      </p:sp>
-      <p:sp>
-        <p:nvSpPr>
-          <p:cNvPr id="3" name="Content Placeholder 2">
-            <a:extLst>
-              <a:ext uri="{FF2B5EF4-FFF2-40B4-BE49-F238E27FC236}">
-                <a16:creationId xmlns:a16="http://schemas.microsoft.com/office/drawing/2014/main" id="{C990EB9B-20EF-41D2-BF3A-03ED63507C68}"/>
+        <p:spPr>
+          <a:xfrm>
+            <a:off x="492369" y="605896"/>
+            <a:ext cx="3642309" cy="5646208"/>
+          </a:xfrm>
+        </p:spPr>
+        <p:txBody>
+          <a:bodyPr anchor="ctr">
+            <a:normAutofit/>
+          </a:bodyPr>
+          <a:lstStyle/>
+          <a:p>
+            <a:r>
+              <a:rPr lang="en-US" sz="4400">
+                <a:solidFill>
+                  <a:srgbClr val="FFFFFF"/>
+                </a:solidFill>
+              </a:rPr>
+              <a:t>DATA CLEANUP – INSIGHTS AND DIFFICULTIES</a:t>
+            </a:r>
+            <a:endParaRPr lang="en-CA" sz="4400">
+              <a:solidFill>
+                <a:srgbClr val="FFFFFF"/>
+              </a:solidFill>
+            </a:endParaRPr>
+          </a:p>
+        </p:txBody>
+      </p:sp>
+      <p:sp>
+        <p:nvSpPr>
+          <p:cNvPr id="5" name="Content Placeholder 4">
+            <a:extLst>
+              <a:ext uri="{FF2B5EF4-FFF2-40B4-BE49-F238E27FC236}">
+                <a16:creationId xmlns:a16="http://schemas.microsoft.com/office/drawing/2014/main" id="{E7CDEC20-C4AE-4AC2-B317-585237B482AD}"/>
               </a:ext>
             </a:extLst>
           </p:cNvPr>
@@ -8436,16 +10593,152 @@
             <p:ph idx="1"/>
           </p:nvPr>
         </p:nvSpPr>
-        <p:spPr/>
+        <p:spPr>
+          <a:xfrm>
+            <a:off x="5140962" y="605896"/>
+            <a:ext cx="6014718" cy="5589174"/>
+          </a:xfrm>
+        </p:spPr>
         <p:txBody>
           <a:bodyPr>
             <a:normAutofit/>
           </a:bodyPr>
           <a:lstStyle/>
           <a:p>
-            <a:pPr marL="0" marR="0">
+            <a:pPr lvl="1">
               <a:lnSpc>
-                <a:spcPct val="107000"/>
+                <a:spcPct val="110000"/>
+              </a:lnSpc>
+              <a:spcBef>
+                <a:spcPts val="0"/>
+              </a:spcBef>
+              <a:spcAft>
+                <a:spcPts val="0"/>
+              </a:spcAft>
+              <a:buFont typeface="Arial" panose="020B0604020202020204" pitchFamily="34" charset="0"/>
+              <a:buChar char="•"/>
+            </a:pPr>
+            <a:r>
+              <a:rPr lang="en-US" sz="1900" dirty="0">
+                <a:latin typeface="Calibri" panose="020F0502020204030204" pitchFamily="34" charset="0"/>
+                <a:ea typeface="Calibri" panose="020F0502020204030204" pitchFamily="34" charset="0"/>
+                <a:cs typeface="Times New Roman" panose="02020603050405020304" pitchFamily="18" charset="0"/>
+              </a:rPr>
+              <a:t>Requires team effort to brainstorm on where to get the data.</a:t>
+            </a:r>
+          </a:p>
+          <a:p>
+            <a:pPr marR="0" lvl="0">
+              <a:lnSpc>
+                <a:spcPct val="110000"/>
+              </a:lnSpc>
+              <a:spcBef>
+                <a:spcPts val="0"/>
+              </a:spcBef>
+              <a:spcAft>
+                <a:spcPts val="0"/>
+              </a:spcAft>
+              <a:buFont typeface="Arial" panose="020B0604020202020204" pitchFamily="34" charset="0"/>
+              <a:buChar char="•"/>
+            </a:pPr>
+            <a:endParaRPr lang="en-US" sz="1900" dirty="0">
+              <a:latin typeface="Calibri" panose="020F0502020204030204" pitchFamily="34" charset="0"/>
+              <a:ea typeface="Calibri" panose="020F0502020204030204" pitchFamily="34" charset="0"/>
+              <a:cs typeface="Times New Roman" panose="02020603050405020304" pitchFamily="18" charset="0"/>
+            </a:endParaRPr>
+          </a:p>
+          <a:p>
+            <a:pPr lvl="1">
+              <a:lnSpc>
+                <a:spcPct val="110000"/>
+              </a:lnSpc>
+              <a:spcBef>
+                <a:spcPts val="0"/>
+              </a:spcBef>
+              <a:spcAft>
+                <a:spcPts val="0"/>
+              </a:spcAft>
+              <a:buFont typeface="Arial" panose="020B0604020202020204" pitchFamily="34" charset="0"/>
+              <a:buChar char="•"/>
+            </a:pPr>
+            <a:r>
+              <a:rPr lang="en-US" sz="1900" dirty="0">
+                <a:effectLst/>
+                <a:latin typeface="Calibri" panose="020F0502020204030204" pitchFamily="34" charset="0"/>
+                <a:ea typeface="Calibri" panose="020F0502020204030204" pitchFamily="34" charset="0"/>
+                <a:cs typeface="Times New Roman" panose="02020603050405020304" pitchFamily="18" charset="0"/>
+              </a:rPr>
+              <a:t>May require paying money to access the optimal data source for analysis.</a:t>
+            </a:r>
+          </a:p>
+          <a:p>
+            <a:pPr>
+              <a:lnSpc>
+                <a:spcPct val="110000"/>
+              </a:lnSpc>
+              <a:spcBef>
+                <a:spcPts val="0"/>
+              </a:spcBef>
+              <a:spcAft>
+                <a:spcPts val="0"/>
+              </a:spcAft>
+              <a:buFont typeface="Arial" panose="020B0604020202020204" pitchFamily="34" charset="0"/>
+              <a:buChar char="•"/>
+            </a:pPr>
+            <a:endParaRPr lang="en-US" sz="1900" dirty="0">
+              <a:latin typeface="Calibri" panose="020F0502020204030204" pitchFamily="34" charset="0"/>
+              <a:ea typeface="Calibri" panose="020F0502020204030204" pitchFamily="34" charset="0"/>
+              <a:cs typeface="Times New Roman" panose="02020603050405020304" pitchFamily="18" charset="0"/>
+            </a:endParaRPr>
+          </a:p>
+          <a:p>
+            <a:pPr lvl="1">
+              <a:lnSpc>
+                <a:spcPct val="110000"/>
+              </a:lnSpc>
+              <a:spcBef>
+                <a:spcPts val="0"/>
+              </a:spcBef>
+              <a:spcAft>
+                <a:spcPts val="0"/>
+              </a:spcAft>
+              <a:buFont typeface="Arial" panose="020B0604020202020204" pitchFamily="34" charset="0"/>
+              <a:buChar char="•"/>
+            </a:pPr>
+            <a:r>
+              <a:rPr lang="en-US" sz="1900" dirty="0">
+                <a:latin typeface="Calibri" panose="020F0502020204030204" pitchFamily="34" charset="0"/>
+                <a:ea typeface="Calibri" panose="020F0502020204030204" pitchFamily="34" charset="0"/>
+                <a:cs typeface="Times New Roman" panose="02020603050405020304" pitchFamily="18" charset="0"/>
+              </a:rPr>
+              <a:t>Time consuming to research the right data for our analysis.</a:t>
+            </a:r>
+          </a:p>
+          <a:p>
+            <a:pPr marR="0" lvl="0">
+              <a:lnSpc>
+                <a:spcPct val="110000"/>
+              </a:lnSpc>
+              <a:spcBef>
+                <a:spcPts val="0"/>
+              </a:spcBef>
+              <a:spcAft>
+                <a:spcPts val="0"/>
+              </a:spcAft>
+              <a:buFont typeface="Arial" panose="020B0604020202020204" pitchFamily="34" charset="0"/>
+              <a:buChar char="•"/>
+            </a:pPr>
+            <a:endParaRPr lang="en-CA" sz="1900" dirty="0">
+              <a:effectLst/>
+              <a:latin typeface="Calibri" panose="020F0502020204030204" pitchFamily="34" charset="0"/>
+              <a:ea typeface="Calibri" panose="020F0502020204030204" pitchFamily="34" charset="0"/>
+              <a:cs typeface="Times New Roman" panose="02020603050405020304" pitchFamily="18" charset="0"/>
+            </a:endParaRPr>
+          </a:p>
+          <a:p>
+            <a:pPr lvl="1">
+              <a:lnSpc>
+                <a:spcPct val="110000"/>
               </a:lnSpc>
               <a:spcBef>
                 <a:spcPts val="0"/>
@@ -8453,20 +10746,23 @@
               <a:spcAft>
                 <a:spcPts val="800"/>
               </a:spcAft>
+              <a:buFont typeface="Arial" panose="020B0604020202020204" pitchFamily="34" charset="0"/>
+              <a:buChar char="•"/>
             </a:pPr>
             <a:r>
-              <a:rPr lang="en-US" b="1" dirty="0">
+              <a:rPr lang="en-CA" sz="1900" dirty="0">
+                <a:effectLst/>
                 <a:latin typeface="Calibri" panose="020F0502020204030204" pitchFamily="34" charset="0"/>
                 <a:ea typeface="Calibri" panose="020F0502020204030204" pitchFamily="34" charset="0"/>
                 <a:cs typeface="Times New Roman" panose="02020603050405020304" pitchFamily="18" charset="0"/>
               </a:rPr>
-              <a:t>Upon retrieving the datasets, we were able to find the following trends:</a:t>
-            </a:r>
-          </a:p>
-          <a:p>
-            <a:pPr marL="0" marR="0">
+              <a:t>Datasets are not formatted perfectly to answer our questions.</a:t>
+            </a:r>
+          </a:p>
+          <a:p>
+            <a:pPr marL="635508" lvl="1" indent="-342900">
               <a:lnSpc>
-                <a:spcPct val="107000"/>
+                <a:spcPct val="110000"/>
               </a:lnSpc>
               <a:spcBef>
                 <a:spcPts val="0"/>
@@ -8474,8 +10770,98 @@
               <a:spcAft>
                 <a:spcPts val="800"/>
               </a:spcAft>
+              <a:buFont typeface="Wingdings" panose="05000000000000000000" pitchFamily="2" charset="2"/>
+              <a:buChar char="Ø"/>
             </a:pPr>
-            <a:endParaRPr lang="en-CA" sz="1800" dirty="0">
+            <a:r>
+              <a:rPr lang="en-CA" sz="1700" dirty="0">
+                <a:latin typeface="Calibri" panose="020F0502020204030204" pitchFamily="34" charset="0"/>
+                <a:ea typeface="Calibri" panose="020F0502020204030204" pitchFamily="34" charset="0"/>
+                <a:cs typeface="Times New Roman" panose="02020603050405020304" pitchFamily="18" charset="0"/>
+              </a:rPr>
+              <a:t>Requires reformatting CSV files in proper rows and columns.</a:t>
+            </a:r>
+          </a:p>
+          <a:p>
+            <a:pPr marL="635508" lvl="1" indent="-342900">
+              <a:lnSpc>
+                <a:spcPct val="110000"/>
+              </a:lnSpc>
+              <a:spcBef>
+                <a:spcPts val="0"/>
+              </a:spcBef>
+              <a:spcAft>
+                <a:spcPts val="800"/>
+              </a:spcAft>
+              <a:buFont typeface="Wingdings" panose="05000000000000000000" pitchFamily="2" charset="2"/>
+              <a:buChar char="Ø"/>
+            </a:pPr>
+            <a:r>
+              <a:rPr lang="en-CA" sz="1700" dirty="0">
+                <a:latin typeface="Calibri" panose="020F0502020204030204" pitchFamily="34" charset="0"/>
+                <a:ea typeface="Calibri" panose="020F0502020204030204" pitchFamily="34" charset="0"/>
+                <a:cs typeface="Times New Roman" panose="02020603050405020304" pitchFamily="18" charset="0"/>
+              </a:rPr>
+              <a:t>Merging </a:t>
+            </a:r>
+            <a:r>
+              <a:rPr lang="en-CA" sz="1700" dirty="0" err="1">
+                <a:latin typeface="Calibri" panose="020F0502020204030204" pitchFamily="34" charset="0"/>
+                <a:ea typeface="Calibri" panose="020F0502020204030204" pitchFamily="34" charset="0"/>
+                <a:cs typeface="Times New Roman" panose="02020603050405020304" pitchFamily="18" charset="0"/>
+              </a:rPr>
+              <a:t>dataframes</a:t>
+            </a:r>
+            <a:r>
+              <a:rPr lang="en-CA" sz="1700" dirty="0">
+                <a:latin typeface="Calibri" panose="020F0502020204030204" pitchFamily="34" charset="0"/>
+                <a:ea typeface="Calibri" panose="020F0502020204030204" pitchFamily="34" charset="0"/>
+                <a:cs typeface="Times New Roman" panose="02020603050405020304" pitchFamily="18" charset="0"/>
+              </a:rPr>
+              <a:t> to determine trends and correlation.</a:t>
+            </a:r>
+          </a:p>
+          <a:p>
+            <a:pPr marL="635508" lvl="1" indent="-342900">
+              <a:lnSpc>
+                <a:spcPct val="110000"/>
+              </a:lnSpc>
+              <a:spcBef>
+                <a:spcPts val="0"/>
+              </a:spcBef>
+              <a:spcAft>
+                <a:spcPts val="800"/>
+              </a:spcAft>
+              <a:buFont typeface="Wingdings" panose="05000000000000000000" pitchFamily="2" charset="2"/>
+              <a:buChar char="Ø"/>
+            </a:pPr>
+            <a:r>
+              <a:rPr lang="en-US" sz="1700" dirty="0">
+                <a:latin typeface="Calibri" panose="020F0502020204030204" pitchFamily="34" charset="0"/>
+                <a:cs typeface="Times New Roman" panose="02020603050405020304" pitchFamily="18" charset="0"/>
+              </a:rPr>
+              <a:t>Not all information for a specific country may not be available as some of the countries were not independent until 1990-1993.</a:t>
+            </a:r>
+            <a:endParaRPr lang="en-CA" sz="1700" dirty="0">
+              <a:latin typeface="Calibri" panose="020F0502020204030204" pitchFamily="34" charset="0"/>
+              <a:cs typeface="Times New Roman" panose="02020603050405020304" pitchFamily="18" charset="0"/>
+            </a:endParaRPr>
+          </a:p>
+          <a:p>
+            <a:pPr marR="0" lvl="0">
+              <a:lnSpc>
+                <a:spcPct val="110000"/>
+              </a:lnSpc>
+              <a:spcBef>
+                <a:spcPts val="0"/>
+              </a:spcBef>
+              <a:spcAft>
+                <a:spcPts val="800"/>
+              </a:spcAft>
+              <a:buFont typeface="Wingdings" panose="05000000000000000000" pitchFamily="2" charset="2"/>
+              <a:buChar char="Ø"/>
+            </a:pPr>
+            <a:endParaRPr lang="en-CA" sz="1700" dirty="0">
               <a:effectLst/>
               <a:latin typeface="Calibri" panose="020F0502020204030204" pitchFamily="34" charset="0"/>
               <a:ea typeface="Calibri" panose="020F0502020204030204" pitchFamily="34" charset="0"/>
@@ -8483,43 +10869,20 @@
             </a:endParaRPr>
           </a:p>
           <a:p>
-            <a:pPr marL="342900" marR="0" lvl="0" indent="-342900">
+            <a:pPr marR="0" lvl="0">
               <a:lnSpc>
-                <a:spcPct val="107000"/>
+                <a:spcPct val="110000"/>
               </a:lnSpc>
               <a:spcBef>
                 <a:spcPts val="0"/>
               </a:spcBef>
               <a:spcAft>
-                <a:spcPts val="0"/>
+                <a:spcPts val="800"/>
               </a:spcAft>
-              <a:buFont typeface="Symbol" panose="05050102010706020507" pitchFamily="18" charset="2"/>
-              <a:buChar char=""/>
+              <a:buFont typeface="Wingdings" panose="05000000000000000000" pitchFamily="2" charset="2"/>
+              <a:buChar char="Ø"/>
             </a:pPr>
-            <a:r>
-              <a:rPr lang="en-US" sz="1800" dirty="0">
-                <a:effectLst/>
-                <a:latin typeface="Calibri" panose="020F0502020204030204" pitchFamily="34" charset="0"/>
-                <a:ea typeface="Calibri" panose="020F0502020204030204" pitchFamily="34" charset="0"/>
-                <a:cs typeface="Times New Roman" panose="02020603050405020304" pitchFamily="18" charset="0"/>
-              </a:rPr>
-              <a:t>Countries that Consume the most sugars.</a:t>
-            </a:r>
-          </a:p>
-          <a:p>
-            <a:pPr marL="0" marR="0" lvl="0" indent="0">
-              <a:lnSpc>
-                <a:spcPct val="107000"/>
-              </a:lnSpc>
-              <a:spcBef>
-                <a:spcPts val="0"/>
-              </a:spcBef>
-              <a:spcAft>
-                <a:spcPts val="0"/>
-              </a:spcAft>
-              <a:buNone/>
-            </a:pPr>
-            <a:endParaRPr lang="en-US" sz="1800" dirty="0">
+            <a:endParaRPr lang="en-CA" sz="1700" dirty="0">
               <a:effectLst/>
               <a:latin typeface="Calibri" panose="020F0502020204030204" pitchFamily="34" charset="0"/>
               <a:ea typeface="Calibri" panose="020F0502020204030204" pitchFamily="34" charset="0"/>
@@ -8527,149 +10890,9 @@
             </a:endParaRPr>
           </a:p>
           <a:p>
-            <a:pPr marL="342900" indent="-342900">
-              <a:lnSpc>
-                <a:spcPct val="107000"/>
-              </a:lnSpc>
-              <a:spcBef>
-                <a:spcPts val="0"/>
-              </a:spcBef>
-              <a:spcAft>
-                <a:spcPts val="0"/>
-              </a:spcAft>
-              <a:buFont typeface="Symbol" panose="05050102010706020507" pitchFamily="18" charset="2"/>
-              <a:buChar char=""/>
-            </a:pPr>
-            <a:r>
-              <a:rPr lang="en-US" sz="1800" dirty="0">
-                <a:effectLst/>
-                <a:latin typeface="Calibri" panose="020F0502020204030204" pitchFamily="34" charset="0"/>
-                <a:ea typeface="Calibri" panose="020F0502020204030204" pitchFamily="34" charset="0"/>
-                <a:cs typeface="Times New Roman" panose="02020603050405020304" pitchFamily="18" charset="0"/>
-              </a:rPr>
-              <a:t>Trends of Sugar Consumption over the years.</a:t>
-            </a:r>
-          </a:p>
-          <a:p>
-            <a:pPr marL="342900" indent="-342900">
-              <a:lnSpc>
-                <a:spcPct val="107000"/>
-              </a:lnSpc>
-              <a:spcBef>
-                <a:spcPts val="0"/>
-              </a:spcBef>
-              <a:spcAft>
-                <a:spcPts val="0"/>
-              </a:spcAft>
-              <a:buFont typeface="Symbol" panose="05050102010706020507" pitchFamily="18" charset="2"/>
-              <a:buChar char=""/>
-            </a:pPr>
-            <a:endParaRPr lang="en-US" dirty="0">
-              <a:latin typeface="Calibri" panose="020F0502020204030204" pitchFamily="34" charset="0"/>
-              <a:ea typeface="Calibri" panose="020F0502020204030204" pitchFamily="34" charset="0"/>
-              <a:cs typeface="Times New Roman" panose="02020603050405020304" pitchFamily="18" charset="0"/>
-            </a:endParaRPr>
-          </a:p>
-          <a:p>
-            <a:pPr marL="342900" indent="-342900">
-              <a:lnSpc>
-                <a:spcPct val="107000"/>
-              </a:lnSpc>
-              <a:spcBef>
-                <a:spcPts val="0"/>
-              </a:spcBef>
-              <a:spcAft>
-                <a:spcPts val="0"/>
-              </a:spcAft>
-              <a:buFont typeface="Symbol" panose="05050102010706020507" pitchFamily="18" charset="2"/>
-              <a:buChar char=""/>
-            </a:pPr>
-            <a:r>
-              <a:rPr lang="en-US" sz="1800" dirty="0">
-                <a:effectLst/>
-                <a:latin typeface="Calibri" panose="020F0502020204030204" pitchFamily="34" charset="0"/>
-                <a:ea typeface="Calibri" panose="020F0502020204030204" pitchFamily="34" charset="0"/>
-                <a:cs typeface="Times New Roman" panose="02020603050405020304" pitchFamily="18" charset="0"/>
-              </a:rPr>
-              <a:t>Correlation of Sugar Consumption between Income, Bad Teeth and Obesity.</a:t>
-            </a:r>
-            <a:endParaRPr lang="en-CA" sz="1800" dirty="0">
-              <a:effectLst/>
-              <a:latin typeface="Calibri" panose="020F0502020204030204" pitchFamily="34" charset="0"/>
-              <a:ea typeface="Calibri" panose="020F0502020204030204" pitchFamily="34" charset="0"/>
-              <a:cs typeface="Times New Roman" panose="02020603050405020304" pitchFamily="18" charset="0"/>
-            </a:endParaRPr>
-          </a:p>
-          <a:p>
-            <a:pPr marL="342900" marR="0" lvl="0" indent="-342900">
-              <a:lnSpc>
-                <a:spcPct val="107000"/>
-              </a:lnSpc>
-              <a:spcBef>
-                <a:spcPts val="0"/>
-              </a:spcBef>
-              <a:spcAft>
-                <a:spcPts val="0"/>
-              </a:spcAft>
-              <a:buFont typeface="Symbol" panose="05050102010706020507" pitchFamily="18" charset="2"/>
-              <a:buChar char=""/>
-            </a:pPr>
-            <a:endParaRPr lang="en-CA" sz="1800" dirty="0">
-              <a:effectLst/>
-              <a:latin typeface="Calibri" panose="020F0502020204030204" pitchFamily="34" charset="0"/>
-              <a:ea typeface="Calibri" panose="020F0502020204030204" pitchFamily="34" charset="0"/>
-              <a:cs typeface="Times New Roman" panose="02020603050405020304" pitchFamily="18" charset="0"/>
-            </a:endParaRPr>
-          </a:p>
-          <a:p>
-            <a:pPr marL="342900" marR="0" lvl="0" indent="-342900">
-              <a:lnSpc>
-                <a:spcPct val="107000"/>
-              </a:lnSpc>
-              <a:spcBef>
-                <a:spcPts val="0"/>
-              </a:spcBef>
-              <a:spcAft>
-                <a:spcPts val="0"/>
-              </a:spcAft>
-              <a:buFont typeface="Symbol" panose="05050102010706020507" pitchFamily="18" charset="2"/>
-              <a:buChar char=""/>
-            </a:pPr>
-            <a:r>
-              <a:rPr lang="en-US" sz="1800" dirty="0">
-                <a:effectLst/>
-                <a:latin typeface="Calibri" panose="020F0502020204030204" pitchFamily="34" charset="0"/>
-                <a:ea typeface="Calibri" panose="020F0502020204030204" pitchFamily="34" charset="0"/>
-                <a:cs typeface="Times New Roman" panose="02020603050405020304" pitchFamily="18" charset="0"/>
-              </a:rPr>
-              <a:t>Grocery Data of Most Purchased Product.</a:t>
-            </a:r>
-            <a:endParaRPr lang="en-CA" sz="1100" dirty="0">
-              <a:effectLst/>
-              <a:latin typeface="Calibri" panose="020F0502020204030204" pitchFamily="34" charset="0"/>
-              <a:ea typeface="Calibri" panose="020F0502020204030204" pitchFamily="34" charset="0"/>
-              <a:cs typeface="Times New Roman" panose="02020603050405020304" pitchFamily="18" charset="0"/>
-            </a:endParaRPr>
-          </a:p>
-          <a:p>
-            <a:pPr marL="0" indent="0">
-              <a:buNone/>
-            </a:pPr>
-            <a:endParaRPr lang="en-US" dirty="0"/>
-          </a:p>
-          <a:p>
-            <a:pPr marL="201168" lvl="1" indent="0">
-              <a:buNone/>
-            </a:pPr>
-            <a:endParaRPr lang="en-US" dirty="0"/>
-          </a:p>
-          <a:p>
-            <a:endParaRPr lang="en-US" dirty="0"/>
-          </a:p>
-          <a:p>
-            <a:pPr marL="342900" indent="-342900">
-              <a:buFont typeface="+mj-lt"/>
-              <a:buAutoNum type="arabicPeriod"/>
+            <a:pPr>
+              <a:buFont typeface="Wingdings" panose="05000000000000000000" pitchFamily="2" charset="2"/>
+              <a:buChar char="Ø"/>
             </a:pPr>
             <a:endParaRPr lang="en-CA" dirty="0"/>
           </a:p>
@@ -8678,7 +10901,7 @@
     </p:spTree>
     <p:extLst>
       <p:ext uri="{BB962C8B-B14F-4D97-AF65-F5344CB8AC3E}">
-        <p14:creationId xmlns:p14="http://schemas.microsoft.com/office/powerpoint/2010/main" val="1672048214"/>
+        <p14:creationId xmlns:p14="http://schemas.microsoft.com/office/powerpoint/2010/main" val="2792338795"/>
       </p:ext>
     </p:extLst>
   </p:cSld>
@@ -8713,12 +10936,12 @@
           <a:chExt cx="0" cy="0"/>
         </a:xfrm>
       </p:grpSpPr>
-      <p:sp>
-        <p:nvSpPr>
-          <p:cNvPr id="38" name="Rectangle 27">
-            <a:extLst>
-              <a:ext uri="{FF2B5EF4-FFF2-40B4-BE49-F238E27FC236}">
-                <a16:creationId xmlns:a16="http://schemas.microsoft.com/office/drawing/2014/main" id="{39E3965E-AC41-4711-9D10-E25ABB132D86}"/>
+      <p:sp useBgFill="1">
+        <p:nvSpPr>
+          <p:cNvPr id="8" name="Rectangle 7">
+            <a:extLst>
+              <a:ext uri="{FF2B5EF4-FFF2-40B4-BE49-F238E27FC236}">
+                <a16:creationId xmlns:a16="http://schemas.microsoft.com/office/drawing/2014/main" id="{3741B58E-3B65-4A01-A276-975AB2CF8A08}"/>
               </a:ext>
               <a:ext uri="{C183D7F6-B498-43B3-948B-1728B52AA6E4}">
                 <adec:decorative xmlns:adec="http://schemas.microsoft.com/office/drawing/2017/decorative" val="1"/>
@@ -8738,8 +10961,68 @@
         </p:nvSpPr>
         <p:spPr>
           <a:xfrm>
-            <a:off x="3175" y="6400800"/>
-            <a:ext cx="12188825" cy="457200"/>
+            <a:off x="0" y="0"/>
+            <a:ext cx="12186315" cy="6858000"/>
+          </a:xfrm>
+          <a:prstGeom prst="rect">
+            <a:avLst/>
+          </a:prstGeom>
+          <a:ln>
+            <a:noFill/>
+          </a:ln>
+        </p:spPr>
+        <p:style>
+          <a:lnRef idx="2">
+            <a:schemeClr val="accent6">
+              <a:shade val="50000"/>
+            </a:schemeClr>
+          </a:lnRef>
+          <a:fillRef idx="1001">
+            <a:schemeClr val="lt1"/>
+          </a:fillRef>
+          <a:effectRef idx="0">
+            <a:schemeClr val="accent6"/>
+          </a:effectRef>
+          <a:fontRef idx="minor">
+            <a:schemeClr val="lt1"/>
+          </a:fontRef>
+        </p:style>
+        <p:txBody>
+          <a:bodyPr rtlCol="0" anchor="ctr"/>
+          <a:lstStyle/>
+          <a:p>
+            <a:pPr algn="ctr"/>
+            <a:endParaRPr lang="en-US"/>
+          </a:p>
+        </p:txBody>
+      </p:sp>
+      <p:sp>
+        <p:nvSpPr>
+          <p:cNvPr id="10" name="Rectangle 9">
+            <a:extLst>
+              <a:ext uri="{FF2B5EF4-FFF2-40B4-BE49-F238E27FC236}">
+                <a16:creationId xmlns:a16="http://schemas.microsoft.com/office/drawing/2014/main" id="{7AAC67C3-831B-4AB1-A259-DFB839CAFAFC}"/>
+              </a:ext>
+              <a:ext uri="{C183D7F6-B498-43B3-948B-1728B52AA6E4}">
+                <adec:decorative xmlns:adec="http://schemas.microsoft.com/office/drawing/2017/decorative" val="1"/>
+              </a:ext>
+            </a:extLst>
+          </p:cNvPr>
+          <p:cNvSpPr>
+            <a:spLocks noGrp="1" noRot="1" noChangeAspect="1" noMove="1" noResize="1" noEditPoints="1" noAdjustHandles="1" noChangeArrowheads="1" noChangeShapeType="1" noTextEdit="1"/>
+          </p:cNvSpPr>
+          <p:nvPr>
+            <p:extLst>
+              <p:ext uri="{386F3935-93C4-4BCD-93E2-E3B085C9AB24}">
+                <p16:designElem xmlns:p16="http://schemas.microsoft.com/office/powerpoint/2015/main" val="1"/>
+              </p:ext>
+            </p:extLst>
+          </p:nvPr>
+        </p:nvSpPr>
+        <p:spPr>
+          <a:xfrm>
+            <a:off x="16" y="0"/>
+            <a:ext cx="4648593" cy="6858000"/>
           </a:xfrm>
           <a:prstGeom prst="rect">
             <a:avLst/>
@@ -8768,176 +11051,6 @@
           </a:fontRef>
         </p:style>
       </p:sp>
-      <p:cxnSp>
-        <p:nvCxnSpPr>
-          <p:cNvPr id="39" name="Straight Connector 29">
-            <a:extLst>
-              <a:ext uri="{FF2B5EF4-FFF2-40B4-BE49-F238E27FC236}">
-                <a16:creationId xmlns:a16="http://schemas.microsoft.com/office/drawing/2014/main" id="{1F5DC8C3-BA5F-4EED-BB9A-A14272BD82A1}"/>
-              </a:ext>
-              <a:ext uri="{C183D7F6-B498-43B3-948B-1728B52AA6E4}">
-                <adec:decorative xmlns:adec="http://schemas.microsoft.com/office/drawing/2017/decorative" val="1"/>
-              </a:ext>
-            </a:extLst>
-          </p:cNvPr>
-          <p:cNvCxnSpPr>
-            <a:cxnSpLocks noGrp="1" noRot="1" noChangeAspect="1" noMove="1" noResize="1" noEditPoints="1" noAdjustHandles="1" noChangeArrowheads="1" noChangeShapeType="1"/>
-          </p:cNvCxnSpPr>
-          <p:nvPr>
-            <p:extLst>
-              <p:ext uri="{386F3935-93C4-4BCD-93E2-E3B085C9AB24}">
-                <p16:designElem xmlns:p16="http://schemas.microsoft.com/office/powerpoint/2015/main" val="1"/>
-              </p:ext>
-            </p:extLst>
-          </p:nvPr>
-        </p:nvCxnSpPr>
-        <p:spPr>
-          <a:xfrm>
-            <a:off x="1207658" y="4474741"/>
-            <a:ext cx="9875520" cy="0"/>
-          </a:xfrm>
-          <a:prstGeom prst="line">
-            <a:avLst/>
-          </a:prstGeom>
-          <a:ln w="12700">
-            <a:solidFill>
-              <a:schemeClr val="tx1">
-                <a:lumMod val="75000"/>
-                <a:lumOff val="25000"/>
-              </a:schemeClr>
-            </a:solidFill>
-          </a:ln>
-        </p:spPr>
-        <p:style>
-          <a:lnRef idx="1">
-            <a:schemeClr val="accent1"/>
-          </a:lnRef>
-          <a:fillRef idx="0">
-            <a:schemeClr val="accent1"/>
-          </a:fillRef>
-          <a:effectRef idx="0">
-            <a:schemeClr val="accent1"/>
-          </a:effectRef>
-          <a:fontRef idx="minor">
-            <a:schemeClr val="tx1"/>
-          </a:fontRef>
-        </p:style>
-      </p:cxnSp>
-      <p:sp useBgFill="1">
-        <p:nvSpPr>
-          <p:cNvPr id="40" name="Rectangle 31">
-            <a:extLst>
-              <a:ext uri="{FF2B5EF4-FFF2-40B4-BE49-F238E27FC236}">
-                <a16:creationId xmlns:a16="http://schemas.microsoft.com/office/drawing/2014/main" id="{B4D0E555-16F6-44D0-BF56-AF5FF5BDE9D6}"/>
-              </a:ext>
-              <a:ext uri="{C183D7F6-B498-43B3-948B-1728B52AA6E4}">
-                <adec:decorative xmlns:adec="http://schemas.microsoft.com/office/drawing/2017/decorative" val="1"/>
-              </a:ext>
-            </a:extLst>
-          </p:cNvPr>
-          <p:cNvSpPr>
-            <a:spLocks noGrp="1" noRot="1" noChangeAspect="1" noMove="1" noResize="1" noEditPoints="1" noAdjustHandles="1" noChangeArrowheads="1" noChangeShapeType="1" noTextEdit="1"/>
-          </p:cNvSpPr>
-          <p:nvPr>
-            <p:extLst>
-              <p:ext uri="{386F3935-93C4-4BCD-93E2-E3B085C9AB24}">
-                <p16:designElem xmlns:p16="http://schemas.microsoft.com/office/powerpoint/2015/main" val="1"/>
-              </p:ext>
-            </p:extLst>
-          </p:nvPr>
-        </p:nvSpPr>
-        <p:spPr>
-          <a:xfrm>
-            <a:off x="0" y="0"/>
-            <a:ext cx="12192000" cy="6858000"/>
-          </a:xfrm>
-          <a:prstGeom prst="rect">
-            <a:avLst/>
-          </a:prstGeom>
-          <a:ln>
-            <a:noFill/>
-          </a:ln>
-        </p:spPr>
-        <p:style>
-          <a:lnRef idx="2">
-            <a:schemeClr val="accent1">
-              <a:shade val="50000"/>
-            </a:schemeClr>
-          </a:lnRef>
-          <a:fillRef idx="1001">
-            <a:schemeClr val="lt1"/>
-          </a:fillRef>
-          <a:effectRef idx="0">
-            <a:schemeClr val="accent1"/>
-          </a:effectRef>
-          <a:fontRef idx="minor">
-            <a:schemeClr val="lt1"/>
-          </a:fontRef>
-        </p:style>
-        <p:txBody>
-          <a:bodyPr rtlCol="0" anchor="ctr"/>
-          <a:lstStyle/>
-          <a:p>
-            <a:pPr algn="ctr"/>
-            <a:endParaRPr lang="en-US"/>
-          </a:p>
-        </p:txBody>
-      </p:sp>
-      <p:sp>
-        <p:nvSpPr>
-          <p:cNvPr id="41" name="Rectangle 33">
-            <a:extLst>
-              <a:ext uri="{FF2B5EF4-FFF2-40B4-BE49-F238E27FC236}">
-                <a16:creationId xmlns:a16="http://schemas.microsoft.com/office/drawing/2014/main" id="{8117041D-1A7B-4ECA-AB68-3CFDB6726B8E}"/>
-              </a:ext>
-              <a:ext uri="{C183D7F6-B498-43B3-948B-1728B52AA6E4}">
-                <adec:decorative xmlns:adec="http://schemas.microsoft.com/office/drawing/2017/decorative" val="1"/>
-              </a:ext>
-            </a:extLst>
-          </p:cNvPr>
-          <p:cNvSpPr>
-            <a:spLocks noGrp="1" noRot="1" noChangeAspect="1" noMove="1" noResize="1" noEditPoints="1" noAdjustHandles="1" noChangeArrowheads="1" noChangeShapeType="1" noTextEdit="1"/>
-          </p:cNvSpPr>
-          <p:nvPr>
-            <p:extLst>
-              <p:ext uri="{386F3935-93C4-4BCD-93E2-E3B085C9AB24}">
-                <p16:designElem xmlns:p16="http://schemas.microsoft.com/office/powerpoint/2015/main" val="1"/>
-              </p:ext>
-            </p:extLst>
-          </p:nvPr>
-        </p:nvSpPr>
-        <p:spPr bwMode="white">
-          <a:xfrm>
-            <a:off x="-6220" y="0"/>
-            <a:ext cx="4641314" cy="6858000"/>
-          </a:xfrm>
-          <a:prstGeom prst="rect">
-            <a:avLst/>
-          </a:prstGeom>
-          <a:solidFill>
-            <a:srgbClr val="262626"/>
-          </a:solidFill>
-          <a:ln>
-            <a:noFill/>
-          </a:ln>
-        </p:spPr>
-        <p:style>
-          <a:lnRef idx="2">
-            <a:schemeClr val="accent1">
-              <a:shade val="50000"/>
-            </a:schemeClr>
-          </a:lnRef>
-          <a:fillRef idx="1">
-            <a:schemeClr val="accent1"/>
-          </a:fillRef>
-          <a:effectRef idx="0">
-            <a:schemeClr val="accent1"/>
-          </a:effectRef>
-          <a:fontRef idx="minor">
-            <a:schemeClr val="lt1"/>
-          </a:fontRef>
-        </p:style>
-      </p:sp>
       <p:sp>
         <p:nvSpPr>
           <p:cNvPr id="2" name="Title 1">
@@ -8956,12 +11069,12 @@
         </p:nvSpPr>
         <p:spPr>
           <a:xfrm>
-            <a:off x="435869" y="640080"/>
-            <a:ext cx="3659246" cy="2862699"/>
-          </a:xfrm>
-        </p:spPr>
-        <p:txBody>
-          <a:bodyPr vert="horz" lIns="91440" tIns="45720" rIns="91440" bIns="45720" rtlCol="0" anchor="b">
+            <a:off x="492369" y="605896"/>
+            <a:ext cx="3642309" cy="5646208"/>
+          </a:xfrm>
+        </p:spPr>
+        <p:txBody>
+          <a:bodyPr anchor="ctr">
             <a:normAutofit/>
           </a:bodyPr>
           <a:lstStyle/>
@@ -8972,148 +11085,262 @@
                   <a:srgbClr val="FFFFFF"/>
                 </a:solidFill>
               </a:rPr>
-              <a:t>DATA ANALYSIS - 1</a:t>
-            </a:r>
-          </a:p>
-        </p:txBody>
-      </p:sp>
-      <p:sp>
-        <p:nvSpPr>
-          <p:cNvPr id="3" name="Content Placeholder 2">
-            <a:extLst>
-              <a:ext uri="{FF2B5EF4-FFF2-40B4-BE49-F238E27FC236}">
-                <a16:creationId xmlns:a16="http://schemas.microsoft.com/office/drawing/2014/main" id="{C990EB9B-20EF-41D2-BF3A-03ED63507C68}"/>
-              </a:ext>
-            </a:extLst>
-          </p:cNvPr>
-          <p:cNvSpPr>
-            <a:spLocks noGrp="1"/>
-          </p:cNvSpPr>
-          <p:nvPr>
-            <p:ph idx="1"/>
-          </p:nvPr>
-        </p:nvSpPr>
-        <p:spPr>
-          <a:xfrm>
-            <a:off x="435869" y="3824516"/>
-            <a:ext cx="3659246" cy="2393403"/>
-          </a:xfrm>
-        </p:spPr>
-        <p:txBody>
-          <a:bodyPr vert="horz" lIns="91440" tIns="45720" rIns="91440" bIns="45720" rtlCol="0">
-            <a:normAutofit/>
-          </a:bodyPr>
-          <a:lstStyle/>
-          <a:p>
-            <a:pPr marL="0" indent="0">
-              <a:lnSpc>
-                <a:spcPct val="100000"/>
-              </a:lnSpc>
-              <a:buNone/>
-            </a:pPr>
-            <a:r>
-              <a:rPr lang="en-US" sz="1500" cap="all" spc="200">
-                <a:solidFill>
-                  <a:srgbClr val="FFFFFF"/>
-                </a:solidFill>
-              </a:rPr>
-              <a:t>What is the average daily sugar intake and which countries have the highest sugar consumption?</a:t>
-            </a:r>
-          </a:p>
-        </p:txBody>
-      </p:sp>
-      <p:cxnSp>
-        <p:nvCxnSpPr>
-          <p:cNvPr id="42" name="Straight Connector 35">
-            <a:extLst>
-              <a:ext uri="{FF2B5EF4-FFF2-40B4-BE49-F238E27FC236}">
-                <a16:creationId xmlns:a16="http://schemas.microsoft.com/office/drawing/2014/main" id="{ABCD2462-4C1E-401A-AC2D-F799A138B245}"/>
-              </a:ext>
-              <a:ext uri="{C183D7F6-B498-43B3-948B-1728B52AA6E4}">
-                <adec:decorative xmlns:adec="http://schemas.microsoft.com/office/drawing/2017/decorative" val="1"/>
-              </a:ext>
-            </a:extLst>
-          </p:cNvPr>
-          <p:cNvCxnSpPr>
-            <a:cxnSpLocks noGrp="1" noRot="1" noChangeAspect="1" noMove="1" noResize="1" noEditPoints="1" noAdjustHandles="1" noChangeArrowheads="1" noChangeShapeType="1"/>
-          </p:cNvCxnSpPr>
-          <p:nvPr>
-            <p:extLst>
-              <p:ext uri="{386F3935-93C4-4BCD-93E2-E3B085C9AB24}">
-                <p16:designElem xmlns:p16="http://schemas.microsoft.com/office/powerpoint/2015/main" val="1"/>
-              </p:ext>
-            </p:extLst>
-          </p:nvPr>
-        </p:nvCxnSpPr>
-        <p:spPr>
-          <a:xfrm>
-            <a:off x="573852" y="3663649"/>
-            <a:ext cx="3383280" cy="0"/>
-          </a:xfrm>
-          <a:prstGeom prst="line">
-            <a:avLst/>
-          </a:prstGeom>
-          <a:ln w="19050">
-            <a:solidFill>
-              <a:schemeClr val="accent1"/>
-            </a:solidFill>
-          </a:ln>
-        </p:spPr>
-        <p:style>
-          <a:lnRef idx="1">
-            <a:schemeClr val="accent1"/>
-          </a:lnRef>
-          <a:fillRef idx="0">
-            <a:schemeClr val="accent1"/>
-          </a:fillRef>
-          <a:effectRef idx="0">
-            <a:schemeClr val="accent1"/>
-          </a:effectRef>
-          <a:fontRef idx="minor">
-            <a:schemeClr val="tx1"/>
-          </a:fontRef>
-        </p:style>
-      </p:cxnSp>
-      <p:pic>
-        <p:nvPicPr>
-          <p:cNvPr id="5" name="Picture 4" descr="Chart, bar chart&#10;&#10;Description automatically generated">
-            <a:extLst>
-              <a:ext uri="{FF2B5EF4-FFF2-40B4-BE49-F238E27FC236}">
-                <a16:creationId xmlns:a16="http://schemas.microsoft.com/office/drawing/2014/main" id="{71E98362-75E4-4528-8654-D6BA786AF7CB}"/>
-              </a:ext>
-            </a:extLst>
-          </p:cNvPr>
-          <p:cNvPicPr>
-            <a:picLocks noChangeAspect="1"/>
-          </p:cNvPicPr>
+              <a:t>INTERESTING DISCOVERY</a:t>
+            </a:r>
+            <a:endParaRPr lang="en-CA" sz="4400">
+              <a:solidFill>
+                <a:srgbClr val="FFFFFF"/>
+              </a:solidFill>
+            </a:endParaRPr>
+          </a:p>
+        </p:txBody>
+      </p:sp>
+      <p:sp>
+        <p:nvSpPr>
+          <p:cNvPr id="7" name="TextBox 6">
+            <a:extLst>
+              <a:ext uri="{FF2B5EF4-FFF2-40B4-BE49-F238E27FC236}">
+                <a16:creationId xmlns:a16="http://schemas.microsoft.com/office/drawing/2014/main" id="{1A6CCA0A-BC49-45B5-83A2-84F2AA51B5D8}"/>
+              </a:ext>
+            </a:extLst>
+          </p:cNvPr>
+          <p:cNvSpPr txBox="1"/>
           <p:nvPr/>
-        </p:nvPicPr>
-        <p:blipFill>
-          <a:blip r:embed="rId2">
-            <a:extLst>
-              <a:ext uri="{28A0092B-C50C-407E-A947-70E740481C1C}">
-                <a14:useLocalDpi xmlns:a14="http://schemas.microsoft.com/office/drawing/2010/main" val="0"/>
-              </a:ext>
-            </a:extLst>
-          </a:blip>
-          <a:stretch>
-            <a:fillRect/>
-          </a:stretch>
-        </p:blipFill>
-        <p:spPr>
-          <a:xfrm>
-            <a:off x="5282335" y="1337111"/>
-            <a:ext cx="6275667" cy="4183777"/>
+        </p:nvSpPr>
+        <p:spPr>
+          <a:xfrm>
+            <a:off x="5144072" y="258325"/>
+            <a:ext cx="6481871" cy="4760278"/>
           </a:xfrm>
           <a:prstGeom prst="rect">
             <a:avLst/>
           </a:prstGeom>
-        </p:spPr>
-      </p:pic>
+          <a:noFill/>
+        </p:spPr>
+        <p:txBody>
+          <a:bodyPr wrap="square">
+            <a:spAutoFit/>
+          </a:bodyPr>
+          <a:lstStyle/>
+          <a:p>
+            <a:pPr marL="0" marR="0">
+              <a:spcBef>
+                <a:spcPts val="0"/>
+              </a:spcBef>
+              <a:spcAft>
+                <a:spcPts val="800"/>
+              </a:spcAft>
+            </a:pPr>
+            <a:r>
+              <a:rPr lang="en-US" sz="1900" b="1" dirty="0">
+                <a:latin typeface="Calibri" panose="020F0502020204030204" pitchFamily="34" charset="0"/>
+                <a:ea typeface="Calibri" panose="020F0502020204030204" pitchFamily="34" charset="0"/>
+                <a:cs typeface="Times New Roman" panose="02020603050405020304" pitchFamily="18" charset="0"/>
+              </a:rPr>
+              <a:t>Upon retrieving the datasets, we were able to find the following trends:</a:t>
+            </a:r>
+          </a:p>
+          <a:p>
+            <a:pPr marL="342900" marR="0" indent="-342900">
+              <a:spcBef>
+                <a:spcPts val="0"/>
+              </a:spcBef>
+              <a:spcAft>
+                <a:spcPts val="800"/>
+              </a:spcAft>
+              <a:buFont typeface="Wingdings" panose="05000000000000000000" pitchFamily="2" charset="2"/>
+              <a:buChar char="Ø"/>
+            </a:pPr>
+            <a:endParaRPr lang="en-CA" sz="1900" dirty="0">
+              <a:effectLst/>
+              <a:latin typeface="Calibri" panose="020F0502020204030204" pitchFamily="34" charset="0"/>
+              <a:ea typeface="Calibri" panose="020F0502020204030204" pitchFamily="34" charset="0"/>
+              <a:cs typeface="Times New Roman" panose="02020603050405020304" pitchFamily="18" charset="0"/>
+            </a:endParaRPr>
+          </a:p>
+          <a:p>
+            <a:pPr marL="342900" marR="0" lvl="0" indent="-342900">
+              <a:spcBef>
+                <a:spcPts val="0"/>
+              </a:spcBef>
+              <a:spcAft>
+                <a:spcPts val="0"/>
+              </a:spcAft>
+              <a:buFont typeface="Wingdings" panose="05000000000000000000" pitchFamily="2" charset="2"/>
+              <a:buChar char="Ø"/>
+            </a:pPr>
+            <a:r>
+              <a:rPr lang="en-US" sz="1900" dirty="0">
+                <a:effectLst/>
+                <a:latin typeface="Calibri" panose="020F0502020204030204" pitchFamily="34" charset="0"/>
+                <a:ea typeface="Calibri" panose="020F0502020204030204" pitchFamily="34" charset="0"/>
+                <a:cs typeface="Times New Roman" panose="02020603050405020304" pitchFamily="18" charset="0"/>
+              </a:rPr>
+              <a:t>Countries that Consume the most sugars.</a:t>
+            </a:r>
+          </a:p>
+          <a:p>
+            <a:pPr marL="342900" marR="0" lvl="0" indent="-342900">
+              <a:spcBef>
+                <a:spcPts val="0"/>
+              </a:spcBef>
+              <a:spcAft>
+                <a:spcPts val="0"/>
+              </a:spcAft>
+              <a:buFont typeface="Wingdings" panose="05000000000000000000" pitchFamily="2" charset="2"/>
+              <a:buChar char="Ø"/>
+            </a:pPr>
+            <a:endParaRPr lang="en-US" sz="1900" dirty="0">
+              <a:effectLst/>
+              <a:latin typeface="Calibri" panose="020F0502020204030204" pitchFamily="34" charset="0"/>
+              <a:ea typeface="Calibri" panose="020F0502020204030204" pitchFamily="34" charset="0"/>
+              <a:cs typeface="Times New Roman" panose="02020603050405020304" pitchFamily="18" charset="0"/>
+            </a:endParaRPr>
+          </a:p>
+          <a:p>
+            <a:pPr marL="342900" indent="-342900">
+              <a:spcBef>
+                <a:spcPts val="0"/>
+              </a:spcBef>
+              <a:spcAft>
+                <a:spcPts val="0"/>
+              </a:spcAft>
+              <a:buFont typeface="Wingdings" panose="05000000000000000000" pitchFamily="2" charset="2"/>
+              <a:buChar char="Ø"/>
+            </a:pPr>
+            <a:r>
+              <a:rPr lang="en-US" sz="1900" dirty="0">
+                <a:effectLst/>
+                <a:latin typeface="Calibri" panose="020F0502020204030204" pitchFamily="34" charset="0"/>
+                <a:ea typeface="Calibri" panose="020F0502020204030204" pitchFamily="34" charset="0"/>
+                <a:cs typeface="Times New Roman" panose="02020603050405020304" pitchFamily="18" charset="0"/>
+              </a:rPr>
+              <a:t>Trends of Sugar Consumption over the years.</a:t>
+            </a:r>
+          </a:p>
+          <a:p>
+            <a:pPr marL="342900" indent="-342900">
+              <a:spcBef>
+                <a:spcPts val="0"/>
+              </a:spcBef>
+              <a:spcAft>
+                <a:spcPts val="0"/>
+              </a:spcAft>
+              <a:buFont typeface="Wingdings" panose="05000000000000000000" pitchFamily="2" charset="2"/>
+              <a:buChar char="Ø"/>
+            </a:pPr>
+            <a:endParaRPr lang="en-US" sz="1900" dirty="0">
+              <a:latin typeface="Calibri" panose="020F0502020204030204" pitchFamily="34" charset="0"/>
+              <a:ea typeface="Calibri" panose="020F0502020204030204" pitchFamily="34" charset="0"/>
+              <a:cs typeface="Times New Roman" panose="02020603050405020304" pitchFamily="18" charset="0"/>
+            </a:endParaRPr>
+          </a:p>
+          <a:p>
+            <a:pPr marL="342900" indent="-342900">
+              <a:spcBef>
+                <a:spcPts val="0"/>
+              </a:spcBef>
+              <a:spcAft>
+                <a:spcPts val="0"/>
+              </a:spcAft>
+              <a:buFont typeface="Wingdings" panose="05000000000000000000" pitchFamily="2" charset="2"/>
+              <a:buChar char="Ø"/>
+            </a:pPr>
+            <a:r>
+              <a:rPr lang="en-US" sz="1900" dirty="0">
+                <a:effectLst/>
+                <a:latin typeface="Calibri" panose="020F0502020204030204" pitchFamily="34" charset="0"/>
+                <a:ea typeface="Calibri" panose="020F0502020204030204" pitchFamily="34" charset="0"/>
+                <a:cs typeface="Times New Roman" panose="02020603050405020304" pitchFamily="18" charset="0"/>
+              </a:rPr>
+              <a:t>Correlation of Sugar Consumption between Income, Bad Teeth and Obesity.</a:t>
+            </a:r>
+            <a:endParaRPr lang="en-CA" sz="1900" dirty="0">
+              <a:effectLst/>
+              <a:latin typeface="Calibri" panose="020F0502020204030204" pitchFamily="34" charset="0"/>
+              <a:ea typeface="Calibri" panose="020F0502020204030204" pitchFamily="34" charset="0"/>
+              <a:cs typeface="Times New Roman" panose="02020603050405020304" pitchFamily="18" charset="0"/>
+            </a:endParaRPr>
+          </a:p>
+          <a:p>
+            <a:pPr marL="342900" marR="0" lvl="0" indent="-342900">
+              <a:spcBef>
+                <a:spcPts val="0"/>
+              </a:spcBef>
+              <a:spcAft>
+                <a:spcPts val="0"/>
+              </a:spcAft>
+              <a:buFont typeface="Wingdings" panose="05000000000000000000" pitchFamily="2" charset="2"/>
+              <a:buChar char="Ø"/>
+            </a:pPr>
+            <a:endParaRPr lang="en-CA" sz="1900" dirty="0">
+              <a:effectLst/>
+              <a:latin typeface="Calibri" panose="020F0502020204030204" pitchFamily="34" charset="0"/>
+              <a:ea typeface="Calibri" panose="020F0502020204030204" pitchFamily="34" charset="0"/>
+              <a:cs typeface="Times New Roman" panose="02020603050405020304" pitchFamily="18" charset="0"/>
+            </a:endParaRPr>
+          </a:p>
+          <a:p>
+            <a:pPr marL="342900" marR="0" lvl="0" indent="-342900">
+              <a:spcBef>
+                <a:spcPts val="0"/>
+              </a:spcBef>
+              <a:spcAft>
+                <a:spcPts val="0"/>
+              </a:spcAft>
+              <a:buFont typeface="Wingdings" panose="05000000000000000000" pitchFamily="2" charset="2"/>
+              <a:buChar char="Ø"/>
+            </a:pPr>
+            <a:r>
+              <a:rPr lang="en-US" sz="1900" dirty="0">
+                <a:effectLst/>
+                <a:latin typeface="Calibri" panose="020F0502020204030204" pitchFamily="34" charset="0"/>
+                <a:ea typeface="Calibri" panose="020F0502020204030204" pitchFamily="34" charset="0"/>
+                <a:cs typeface="Times New Roman" panose="02020603050405020304" pitchFamily="18" charset="0"/>
+              </a:rPr>
+              <a:t>Grocery Data of Most Purchased Product.</a:t>
+            </a:r>
+            <a:endParaRPr lang="en-CA" sz="1900" dirty="0">
+              <a:effectLst/>
+              <a:latin typeface="Calibri" panose="020F0502020204030204" pitchFamily="34" charset="0"/>
+              <a:ea typeface="Calibri" panose="020F0502020204030204" pitchFamily="34" charset="0"/>
+              <a:cs typeface="Times New Roman" panose="02020603050405020304" pitchFamily="18" charset="0"/>
+            </a:endParaRPr>
+          </a:p>
+          <a:p>
+            <a:pPr marL="342900" indent="-342900">
+              <a:buFont typeface="Wingdings" panose="05000000000000000000" pitchFamily="2" charset="2"/>
+              <a:buChar char="Ø"/>
+            </a:pPr>
+            <a:endParaRPr lang="en-US" sz="1900" dirty="0"/>
+          </a:p>
+          <a:p>
+            <a:pPr marL="544068" lvl="1" indent="-342900">
+              <a:buFont typeface="Wingdings" panose="05000000000000000000" pitchFamily="2" charset="2"/>
+              <a:buChar char="Ø"/>
+            </a:pPr>
+            <a:endParaRPr lang="en-US" sz="1900" dirty="0"/>
+          </a:p>
+          <a:p>
+            <a:pPr marL="342900" indent="-342900">
+              <a:buFont typeface="Wingdings" panose="05000000000000000000" pitchFamily="2" charset="2"/>
+              <a:buChar char="Ø"/>
+            </a:pPr>
+            <a:endParaRPr lang="en-US" sz="1900" dirty="0"/>
+          </a:p>
+          <a:p>
+            <a:pPr marL="342900" indent="-342900">
+              <a:buFont typeface="+mj-lt"/>
+              <a:buAutoNum type="arabicPeriod"/>
+            </a:pPr>
+            <a:endParaRPr lang="en-CA" sz="2400" dirty="0"/>
+          </a:p>
+        </p:txBody>
+      </p:sp>
     </p:spTree>
     <p:extLst>
       <p:ext uri="{BB962C8B-B14F-4D97-AF65-F5344CB8AC3E}">
-        <p14:creationId xmlns:p14="http://schemas.microsoft.com/office/powerpoint/2010/main" val="2071876068"/>
+        <p14:creationId xmlns:p14="http://schemas.microsoft.com/office/powerpoint/2010/main" val="1672048214"/>
       </p:ext>
     </p:extLst>
   </p:cSld>

--- a/Effects of Sugar Consumption.pptx
+++ b/Effects of Sugar Consumption.pptx
@@ -15,8 +15,8 @@
     <p:sldId id="258" r:id="rId6"/>
     <p:sldId id="287" r:id="rId7"/>
     <p:sldId id="285" r:id="rId8"/>
-    <p:sldId id="264" r:id="rId9"/>
-    <p:sldId id="276" r:id="rId10"/>
+    <p:sldId id="288" r:id="rId9"/>
+    <p:sldId id="289" r:id="rId10"/>
     <p:sldId id="286" r:id="rId11"/>
     <p:sldId id="277" r:id="rId12"/>
     <p:sldId id="268" r:id="rId13"/>
@@ -25,9 +25,9 @@
     <p:sldId id="270" r:id="rId16"/>
     <p:sldId id="271" r:id="rId17"/>
     <p:sldId id="267" r:id="rId18"/>
-    <p:sldId id="273" r:id="rId19"/>
-    <p:sldId id="274" r:id="rId20"/>
-    <p:sldId id="275" r:id="rId21"/>
+    <p:sldId id="290" r:id="rId19"/>
+    <p:sldId id="291" r:id="rId20"/>
+    <p:sldId id="292" r:id="rId21"/>
   </p:sldIdLst>
   <p:sldSz cx="12192000" cy="6858000"/>
   <p:notesSz cx="6858000" cy="9144000"/>
@@ -585,6 +585,191 @@
 </p:notes>
 </file>
 
+<file path=ppt/notesSlides/notesSlide10.xml><?xml version="1.0" encoding="utf-8"?>
+<p:notes xmlns:a="http://schemas.openxmlformats.org/drawingml/2006/main" xmlns:r="http://schemas.openxmlformats.org/officeDocument/2006/relationships" xmlns:p="http://schemas.openxmlformats.org/presentationml/2006/main">
+  <p:cSld>
+    <p:spTree>
+      <p:nvGrpSpPr>
+        <p:cNvPr id="1" name=""/>
+        <p:cNvGrpSpPr/>
+        <p:nvPr/>
+      </p:nvGrpSpPr>
+      <p:grpSpPr>
+        <a:xfrm>
+          <a:off x="0" y="0"/>
+          <a:ext cx="0" cy="0"/>
+          <a:chOff x="0" y="0"/>
+          <a:chExt cx="0" cy="0"/>
+        </a:xfrm>
+      </p:grpSpPr>
+      <p:sp>
+        <p:nvSpPr>
+          <p:cNvPr id="2" name="Slide Image Placeholder 1"/>
+          <p:cNvSpPr>
+            <a:spLocks noGrp="1" noRot="1" noChangeAspect="1"/>
+          </p:cNvSpPr>
+          <p:nvPr>
+            <p:ph type="sldImg"/>
+          </p:nvPr>
+        </p:nvSpPr>
+        <p:spPr/>
+      </p:sp>
+      <p:sp>
+        <p:nvSpPr>
+          <p:cNvPr id="3" name="Notes Placeholder 2"/>
+          <p:cNvSpPr>
+            <a:spLocks noGrp="1"/>
+          </p:cNvSpPr>
+          <p:nvPr>
+            <p:ph type="body" idx="1"/>
+          </p:nvPr>
+        </p:nvSpPr>
+        <p:spPr/>
+        <p:txBody>
+          <a:bodyPr/>
+          <a:lstStyle/>
+          <a:p>
+            <a:pPr marL="0" marR="0" lvl="0" indent="0" algn="l" defTabSz="914400" rtl="0" eaLnBrk="1" fontAlgn="auto" latinLnBrk="0" hangingPunct="1">
+              <a:lnSpc>
+                <a:spcPct val="100000"/>
+              </a:lnSpc>
+              <a:spcBef>
+                <a:spcPts val="0"/>
+              </a:spcBef>
+              <a:spcAft>
+                <a:spcPts val="0"/>
+              </a:spcAft>
+              <a:buClrTx/>
+              <a:buSzTx/>
+              <a:buFontTx/>
+              <a:buNone/>
+              <a:tabLst/>
+              <a:defRPr/>
+            </a:pPr>
+            <a:endParaRPr lang="en-CA" dirty="0"/>
+          </a:p>
+        </p:txBody>
+      </p:sp>
+      <p:sp>
+        <p:nvSpPr>
+          <p:cNvPr id="4" name="Slide Number Placeholder 3"/>
+          <p:cNvSpPr>
+            <a:spLocks noGrp="1"/>
+          </p:cNvSpPr>
+          <p:nvPr>
+            <p:ph type="sldNum" sz="quarter" idx="5"/>
+          </p:nvPr>
+        </p:nvSpPr>
+        <p:spPr/>
+        <p:txBody>
+          <a:bodyPr/>
+          <a:lstStyle/>
+          <a:p>
+            <a:fld id="{EE596BCB-CEC5-4086-BD46-775CD732B91C}" type="slidenum">
+              <a:rPr lang="en-CA" smtClean="0"/>
+              <a:t>19</a:t>
+            </a:fld>
+            <a:endParaRPr lang="en-CA"/>
+          </a:p>
+        </p:txBody>
+      </p:sp>
+    </p:spTree>
+    <p:extLst>
+      <p:ext uri="{BB962C8B-B14F-4D97-AF65-F5344CB8AC3E}">
+        <p14:creationId xmlns:p14="http://schemas.microsoft.com/office/powerpoint/2010/main" val="1746527081"/>
+      </p:ext>
+    </p:extLst>
+  </p:cSld>
+  <p:clrMapOvr>
+    <a:masterClrMapping/>
+  </p:clrMapOvr>
+</p:notes>
+</file>
+
+<file path=ppt/notesSlides/notesSlide11.xml><?xml version="1.0" encoding="utf-8"?>
+<p:notes xmlns:a="http://schemas.openxmlformats.org/drawingml/2006/main" xmlns:r="http://schemas.openxmlformats.org/officeDocument/2006/relationships" xmlns:p="http://schemas.openxmlformats.org/presentationml/2006/main">
+  <p:cSld>
+    <p:spTree>
+      <p:nvGrpSpPr>
+        <p:cNvPr id="1" name=""/>
+        <p:cNvGrpSpPr/>
+        <p:nvPr/>
+      </p:nvGrpSpPr>
+      <p:grpSpPr>
+        <a:xfrm>
+          <a:off x="0" y="0"/>
+          <a:ext cx="0" cy="0"/>
+          <a:chOff x="0" y="0"/>
+          <a:chExt cx="0" cy="0"/>
+        </a:xfrm>
+      </p:grpSpPr>
+      <p:sp>
+        <p:nvSpPr>
+          <p:cNvPr id="2" name="Slide Image Placeholder 1"/>
+          <p:cNvSpPr>
+            <a:spLocks noGrp="1" noRot="1" noChangeAspect="1"/>
+          </p:cNvSpPr>
+          <p:nvPr>
+            <p:ph type="sldImg"/>
+          </p:nvPr>
+        </p:nvSpPr>
+        <p:spPr/>
+      </p:sp>
+      <p:sp>
+        <p:nvSpPr>
+          <p:cNvPr id="3" name="Notes Placeholder 2"/>
+          <p:cNvSpPr>
+            <a:spLocks noGrp="1"/>
+          </p:cNvSpPr>
+          <p:nvPr>
+            <p:ph type="body" idx="1"/>
+          </p:nvPr>
+        </p:nvSpPr>
+        <p:spPr/>
+        <p:txBody>
+          <a:bodyPr/>
+          <a:lstStyle/>
+          <a:p>
+            <a:endParaRPr lang="en-CA" dirty="0"/>
+          </a:p>
+        </p:txBody>
+      </p:sp>
+      <p:sp>
+        <p:nvSpPr>
+          <p:cNvPr id="4" name="Slide Number Placeholder 3"/>
+          <p:cNvSpPr>
+            <a:spLocks noGrp="1"/>
+          </p:cNvSpPr>
+          <p:nvPr>
+            <p:ph type="sldNum" sz="quarter" idx="5"/>
+          </p:nvPr>
+        </p:nvSpPr>
+        <p:spPr/>
+        <p:txBody>
+          <a:bodyPr/>
+          <a:lstStyle/>
+          <a:p>
+            <a:fld id="{EE596BCB-CEC5-4086-BD46-775CD732B91C}" type="slidenum">
+              <a:rPr lang="en-CA" smtClean="0"/>
+              <a:t>20</a:t>
+            </a:fld>
+            <a:endParaRPr lang="en-CA"/>
+          </a:p>
+        </p:txBody>
+      </p:sp>
+    </p:spTree>
+    <p:extLst>
+      <p:ext uri="{BB962C8B-B14F-4D97-AF65-F5344CB8AC3E}">
+        <p14:creationId xmlns:p14="http://schemas.microsoft.com/office/powerpoint/2010/main" val="1504692480"/>
+      </p:ext>
+    </p:extLst>
+  </p:cSld>
+  <p:clrMapOvr>
+    <a:masterClrMapping/>
+  </p:clrMapOvr>
+</p:notes>
+</file>
+
 <file path=ppt/notesSlides/notesSlide2.xml><?xml version="1.0" encoding="utf-8"?>
 <p:notes xmlns:a="http://schemas.openxmlformats.org/drawingml/2006/main" xmlns:r="http://schemas.openxmlformats.org/officeDocument/2006/relationships" xmlns:p="http://schemas.openxmlformats.org/presentationml/2006/main">
   <p:cSld>
@@ -730,6 +915,23 @@
           <a:bodyPr/>
           <a:lstStyle/>
           <a:p>
+            <a:pPr marL="0" marR="0" lvl="0" indent="0" algn="l" defTabSz="914400" rtl="0" eaLnBrk="1" fontAlgn="auto" latinLnBrk="0" hangingPunct="1">
+              <a:lnSpc>
+                <a:spcPct val="100000"/>
+              </a:lnSpc>
+              <a:spcBef>
+                <a:spcPts val="0"/>
+              </a:spcBef>
+              <a:spcAft>
+                <a:spcPts val="0"/>
+              </a:spcAft>
+              <a:buClrTx/>
+              <a:buSzTx/>
+              <a:buFontTx/>
+              <a:buNone/>
+              <a:tabLst/>
+              <a:defRPr/>
+            </a:pPr>
             <a:endParaRPr lang="en-CA" dirty="0"/>
           </a:p>
         </p:txBody>
@@ -751,7 +953,7 @@
           <a:p>
             <a:fld id="{EE596BCB-CEC5-4086-BD46-775CD732B91C}" type="slidenum">
               <a:rPr lang="en-CA" smtClean="0"/>
-              <a:t>17</a:t>
+              <a:t>8</a:t>
             </a:fld>
             <a:endParaRPr lang="en-CA"/>
           </a:p>
@@ -760,7 +962,7 @@
     </p:spTree>
     <p:extLst>
       <p:ext uri="{BB962C8B-B14F-4D97-AF65-F5344CB8AC3E}">
-        <p14:creationId xmlns:p14="http://schemas.microsoft.com/office/powerpoint/2010/main" val="4044454483"/>
+        <p14:creationId xmlns:p14="http://schemas.microsoft.com/office/powerpoint/2010/main" val="1693989859"/>
       </p:ext>
     </p:extLst>
   </p:cSld>
@@ -814,6 +1016,23 @@
           <a:bodyPr/>
           <a:lstStyle/>
           <a:p>
+            <a:pPr marL="0" marR="0" lvl="0" indent="0" algn="l" defTabSz="914400" rtl="0" eaLnBrk="1" fontAlgn="auto" latinLnBrk="0" hangingPunct="1">
+              <a:lnSpc>
+                <a:spcPct val="100000"/>
+              </a:lnSpc>
+              <a:spcBef>
+                <a:spcPts val="0"/>
+              </a:spcBef>
+              <a:spcAft>
+                <a:spcPts val="0"/>
+              </a:spcAft>
+              <a:buClrTx/>
+              <a:buSzTx/>
+              <a:buFontTx/>
+              <a:buNone/>
+              <a:tabLst/>
+              <a:defRPr/>
+            </a:pPr>
             <a:endParaRPr lang="en-CA" dirty="0"/>
           </a:p>
         </p:txBody>
@@ -835,7 +1054,7 @@
           <a:p>
             <a:fld id="{EE596BCB-CEC5-4086-BD46-775CD732B91C}" type="slidenum">
               <a:rPr lang="en-CA" smtClean="0"/>
-              <a:t>18</a:t>
+              <a:t>9</a:t>
             </a:fld>
             <a:endParaRPr lang="en-CA"/>
           </a:p>
@@ -844,7 +1063,7 @@
     </p:spTree>
     <p:extLst>
       <p:ext uri="{BB962C8B-B14F-4D97-AF65-F5344CB8AC3E}">
-        <p14:creationId xmlns:p14="http://schemas.microsoft.com/office/powerpoint/2010/main" val="2551899433"/>
+        <p14:creationId xmlns:p14="http://schemas.microsoft.com/office/powerpoint/2010/main" val="229754301"/>
       </p:ext>
     </p:extLst>
   </p:cSld>
@@ -898,6 +1117,16 @@
           <a:bodyPr/>
           <a:lstStyle/>
           <a:p>
+            <a:r>
+              <a:rPr lang="en-US" dirty="0"/>
+              <a:t>AMARIS TO INPUT HER GRAPH </a:t>
+            </a:r>
+            <a:r>
+              <a:rPr lang="en-US" dirty="0">
+                <a:sym typeface="Wingdings" panose="05000000000000000000" pitchFamily="2" charset="2"/>
+              </a:rPr>
+              <a:t> WILL FIX TONIGHT</a:t>
+            </a:r>
             <a:endParaRPr lang="en-CA" dirty="0"/>
           </a:p>
         </p:txBody>
@@ -919,7 +1148,7 @@
           <a:p>
             <a:fld id="{EE596BCB-CEC5-4086-BD46-775CD732B91C}" type="slidenum">
               <a:rPr lang="en-CA" smtClean="0"/>
-              <a:t>19</a:t>
+              <a:t>14</a:t>
             </a:fld>
             <a:endParaRPr lang="en-CA"/>
           </a:p>
@@ -928,7 +1157,7 @@
     </p:spTree>
     <p:extLst>
       <p:ext uri="{BB962C8B-B14F-4D97-AF65-F5344CB8AC3E}">
-        <p14:creationId xmlns:p14="http://schemas.microsoft.com/office/powerpoint/2010/main" val="1214460706"/>
+        <p14:creationId xmlns:p14="http://schemas.microsoft.com/office/powerpoint/2010/main" val="4097402806"/>
       </p:ext>
     </p:extLst>
   </p:cSld>
@@ -1003,7 +1232,7 @@
           <a:p>
             <a:fld id="{EE596BCB-CEC5-4086-BD46-775CD732B91C}" type="slidenum">
               <a:rPr lang="en-CA" smtClean="0"/>
-              <a:t>20</a:t>
+              <a:t>15</a:t>
             </a:fld>
             <a:endParaRPr lang="en-CA"/>
           </a:p>
@@ -1012,7 +1241,280 @@
     </p:spTree>
     <p:extLst>
       <p:ext uri="{BB962C8B-B14F-4D97-AF65-F5344CB8AC3E}">
-        <p14:creationId xmlns:p14="http://schemas.microsoft.com/office/powerpoint/2010/main" val="3428814818"/>
+        <p14:creationId xmlns:p14="http://schemas.microsoft.com/office/powerpoint/2010/main" val="1661738706"/>
+      </p:ext>
+    </p:extLst>
+  </p:cSld>
+  <p:clrMapOvr>
+    <a:masterClrMapping/>
+  </p:clrMapOvr>
+</p:notes>
+</file>
+
+<file path=ppt/notesSlides/notesSlide7.xml><?xml version="1.0" encoding="utf-8"?>
+<p:notes xmlns:a="http://schemas.openxmlformats.org/drawingml/2006/main" xmlns:r="http://schemas.openxmlformats.org/officeDocument/2006/relationships" xmlns:p="http://schemas.openxmlformats.org/presentationml/2006/main">
+  <p:cSld>
+    <p:spTree>
+      <p:nvGrpSpPr>
+        <p:cNvPr id="1" name=""/>
+        <p:cNvGrpSpPr/>
+        <p:nvPr/>
+      </p:nvGrpSpPr>
+      <p:grpSpPr>
+        <a:xfrm>
+          <a:off x="0" y="0"/>
+          <a:ext cx="0" cy="0"/>
+          <a:chOff x="0" y="0"/>
+          <a:chExt cx="0" cy="0"/>
+        </a:xfrm>
+      </p:grpSpPr>
+      <p:sp>
+        <p:nvSpPr>
+          <p:cNvPr id="2" name="Slide Image Placeholder 1"/>
+          <p:cNvSpPr>
+            <a:spLocks noGrp="1" noRot="1" noChangeAspect="1"/>
+          </p:cNvSpPr>
+          <p:nvPr>
+            <p:ph type="sldImg"/>
+          </p:nvPr>
+        </p:nvSpPr>
+        <p:spPr/>
+      </p:sp>
+      <p:sp>
+        <p:nvSpPr>
+          <p:cNvPr id="3" name="Notes Placeholder 2"/>
+          <p:cNvSpPr>
+            <a:spLocks noGrp="1"/>
+          </p:cNvSpPr>
+          <p:nvPr>
+            <p:ph type="body" idx="1"/>
+          </p:nvPr>
+        </p:nvSpPr>
+        <p:spPr/>
+        <p:txBody>
+          <a:bodyPr/>
+          <a:lstStyle/>
+          <a:p>
+            <a:endParaRPr lang="en-CA" dirty="0"/>
+          </a:p>
+        </p:txBody>
+      </p:sp>
+      <p:sp>
+        <p:nvSpPr>
+          <p:cNvPr id="4" name="Slide Number Placeholder 3"/>
+          <p:cNvSpPr>
+            <a:spLocks noGrp="1"/>
+          </p:cNvSpPr>
+          <p:nvPr>
+            <p:ph type="sldNum" sz="quarter" idx="5"/>
+          </p:nvPr>
+        </p:nvSpPr>
+        <p:spPr/>
+        <p:txBody>
+          <a:bodyPr/>
+          <a:lstStyle/>
+          <a:p>
+            <a:fld id="{EE596BCB-CEC5-4086-BD46-775CD732B91C}" type="slidenum">
+              <a:rPr lang="en-CA" smtClean="0"/>
+              <a:t>16</a:t>
+            </a:fld>
+            <a:endParaRPr lang="en-CA"/>
+          </a:p>
+        </p:txBody>
+      </p:sp>
+    </p:spTree>
+    <p:extLst>
+      <p:ext uri="{BB962C8B-B14F-4D97-AF65-F5344CB8AC3E}">
+        <p14:creationId xmlns:p14="http://schemas.microsoft.com/office/powerpoint/2010/main" val="1362587745"/>
+      </p:ext>
+    </p:extLst>
+  </p:cSld>
+  <p:clrMapOvr>
+    <a:masterClrMapping/>
+  </p:clrMapOvr>
+</p:notes>
+</file>
+
+<file path=ppt/notesSlides/notesSlide8.xml><?xml version="1.0" encoding="utf-8"?>
+<p:notes xmlns:a="http://schemas.openxmlformats.org/drawingml/2006/main" xmlns:r="http://schemas.openxmlformats.org/officeDocument/2006/relationships" xmlns:p="http://schemas.openxmlformats.org/presentationml/2006/main">
+  <p:cSld>
+    <p:spTree>
+      <p:nvGrpSpPr>
+        <p:cNvPr id="1" name=""/>
+        <p:cNvGrpSpPr/>
+        <p:nvPr/>
+      </p:nvGrpSpPr>
+      <p:grpSpPr>
+        <a:xfrm>
+          <a:off x="0" y="0"/>
+          <a:ext cx="0" cy="0"/>
+          <a:chOff x="0" y="0"/>
+          <a:chExt cx="0" cy="0"/>
+        </a:xfrm>
+      </p:grpSpPr>
+      <p:sp>
+        <p:nvSpPr>
+          <p:cNvPr id="2" name="Slide Image Placeholder 1"/>
+          <p:cNvSpPr>
+            <a:spLocks noGrp="1" noRot="1" noChangeAspect="1"/>
+          </p:cNvSpPr>
+          <p:nvPr>
+            <p:ph type="sldImg"/>
+          </p:nvPr>
+        </p:nvSpPr>
+        <p:spPr/>
+      </p:sp>
+      <p:sp>
+        <p:nvSpPr>
+          <p:cNvPr id="3" name="Notes Placeholder 2"/>
+          <p:cNvSpPr>
+            <a:spLocks noGrp="1"/>
+          </p:cNvSpPr>
+          <p:nvPr>
+            <p:ph type="body" idx="1"/>
+          </p:nvPr>
+        </p:nvSpPr>
+        <p:spPr/>
+        <p:txBody>
+          <a:bodyPr/>
+          <a:lstStyle/>
+          <a:p>
+            <a:r>
+              <a:rPr lang="en-US" dirty="0"/>
+              <a:t>Need Kapil and Caitlan to get final graph</a:t>
+            </a:r>
+            <a:endParaRPr lang="en-CA" dirty="0"/>
+          </a:p>
+        </p:txBody>
+      </p:sp>
+      <p:sp>
+        <p:nvSpPr>
+          <p:cNvPr id="4" name="Slide Number Placeholder 3"/>
+          <p:cNvSpPr>
+            <a:spLocks noGrp="1"/>
+          </p:cNvSpPr>
+          <p:nvPr>
+            <p:ph type="sldNum" sz="quarter" idx="5"/>
+          </p:nvPr>
+        </p:nvSpPr>
+        <p:spPr/>
+        <p:txBody>
+          <a:bodyPr/>
+          <a:lstStyle/>
+          <a:p>
+            <a:fld id="{EE596BCB-CEC5-4086-BD46-775CD732B91C}" type="slidenum">
+              <a:rPr lang="en-CA" smtClean="0"/>
+              <a:t>17</a:t>
+            </a:fld>
+            <a:endParaRPr lang="en-CA"/>
+          </a:p>
+        </p:txBody>
+      </p:sp>
+    </p:spTree>
+    <p:extLst>
+      <p:ext uri="{BB962C8B-B14F-4D97-AF65-F5344CB8AC3E}">
+        <p14:creationId xmlns:p14="http://schemas.microsoft.com/office/powerpoint/2010/main" val="4044454483"/>
+      </p:ext>
+    </p:extLst>
+  </p:cSld>
+  <p:clrMapOvr>
+    <a:masterClrMapping/>
+  </p:clrMapOvr>
+</p:notes>
+</file>
+
+<file path=ppt/notesSlides/notesSlide9.xml><?xml version="1.0" encoding="utf-8"?>
+<p:notes xmlns:a="http://schemas.openxmlformats.org/drawingml/2006/main" xmlns:r="http://schemas.openxmlformats.org/officeDocument/2006/relationships" xmlns:p="http://schemas.openxmlformats.org/presentationml/2006/main">
+  <p:cSld>
+    <p:spTree>
+      <p:nvGrpSpPr>
+        <p:cNvPr id="1" name=""/>
+        <p:cNvGrpSpPr/>
+        <p:nvPr/>
+      </p:nvGrpSpPr>
+      <p:grpSpPr>
+        <a:xfrm>
+          <a:off x="0" y="0"/>
+          <a:ext cx="0" cy="0"/>
+          <a:chOff x="0" y="0"/>
+          <a:chExt cx="0" cy="0"/>
+        </a:xfrm>
+      </p:grpSpPr>
+      <p:sp>
+        <p:nvSpPr>
+          <p:cNvPr id="2" name="Slide Image Placeholder 1"/>
+          <p:cNvSpPr>
+            <a:spLocks noGrp="1" noRot="1" noChangeAspect="1"/>
+          </p:cNvSpPr>
+          <p:nvPr>
+            <p:ph type="sldImg"/>
+          </p:nvPr>
+        </p:nvSpPr>
+        <p:spPr/>
+      </p:sp>
+      <p:sp>
+        <p:nvSpPr>
+          <p:cNvPr id="3" name="Notes Placeholder 2"/>
+          <p:cNvSpPr>
+            <a:spLocks noGrp="1"/>
+          </p:cNvSpPr>
+          <p:nvPr>
+            <p:ph type="body" idx="1"/>
+          </p:nvPr>
+        </p:nvSpPr>
+        <p:spPr/>
+        <p:txBody>
+          <a:bodyPr/>
+          <a:lstStyle/>
+          <a:p>
+            <a:pPr marL="0" marR="0" lvl="0" indent="0" algn="l" defTabSz="914400" rtl="0" eaLnBrk="1" fontAlgn="auto" latinLnBrk="0" hangingPunct="1">
+              <a:lnSpc>
+                <a:spcPct val="100000"/>
+              </a:lnSpc>
+              <a:spcBef>
+                <a:spcPts val="0"/>
+              </a:spcBef>
+              <a:spcAft>
+                <a:spcPts val="0"/>
+              </a:spcAft>
+              <a:buClrTx/>
+              <a:buSzTx/>
+              <a:buFontTx/>
+              <a:buNone/>
+              <a:tabLst/>
+              <a:defRPr/>
+            </a:pPr>
+            <a:endParaRPr lang="en-CA" dirty="0"/>
+          </a:p>
+        </p:txBody>
+      </p:sp>
+      <p:sp>
+        <p:nvSpPr>
+          <p:cNvPr id="4" name="Slide Number Placeholder 3"/>
+          <p:cNvSpPr>
+            <a:spLocks noGrp="1"/>
+          </p:cNvSpPr>
+          <p:nvPr>
+            <p:ph type="sldNum" sz="quarter" idx="5"/>
+          </p:nvPr>
+        </p:nvSpPr>
+        <p:spPr/>
+        <p:txBody>
+          <a:bodyPr/>
+          <a:lstStyle/>
+          <a:p>
+            <a:fld id="{EE596BCB-CEC5-4086-BD46-775CD732B91C}" type="slidenum">
+              <a:rPr lang="en-CA" smtClean="0"/>
+              <a:t>18</a:t>
+            </a:fld>
+            <a:endParaRPr lang="en-CA"/>
+          </a:p>
+        </p:txBody>
+      </p:sp>
+    </p:spTree>
+    <p:extLst>
+      <p:ext uri="{BB962C8B-B14F-4D97-AF65-F5344CB8AC3E}">
+        <p14:creationId xmlns:p14="http://schemas.microsoft.com/office/powerpoint/2010/main" val="267783443"/>
       </p:ext>
     </p:extLst>
   </p:cSld>
@@ -5018,6 +5520,14 @@
 <file path=ppt/slides/slide10.xml><?xml version="1.0" encoding="utf-8"?>
 <p:sld xmlns:a="http://schemas.openxmlformats.org/drawingml/2006/main" xmlns:r="http://schemas.openxmlformats.org/officeDocument/2006/relationships" xmlns:p="http://schemas.openxmlformats.org/presentationml/2006/main">
   <p:cSld>
+    <p:bg>
+      <p:bgPr>
+        <a:solidFill>
+          <a:schemeClr val="bg1"/>
+        </a:solidFill>
+        <a:effectLst/>
+      </p:bgPr>
+    </p:bg>
     <p:spTree>
       <p:nvGrpSpPr>
         <p:cNvPr id="1" name=""/>
@@ -5034,6 +5544,171 @@
       </p:grpSpPr>
       <p:sp>
         <p:nvSpPr>
+          <p:cNvPr id="10" name="Rectangle 9">
+            <a:extLst>
+              <a:ext uri="{FF2B5EF4-FFF2-40B4-BE49-F238E27FC236}">
+                <a16:creationId xmlns:a16="http://schemas.microsoft.com/office/drawing/2014/main" id="{39E3965E-AC41-4711-9D10-E25ABB132D86}"/>
+              </a:ext>
+              <a:ext uri="{C183D7F6-B498-43B3-948B-1728B52AA6E4}">
+                <adec:decorative xmlns:adec="http://schemas.microsoft.com/office/drawing/2017/decorative" val="1"/>
+              </a:ext>
+            </a:extLst>
+          </p:cNvPr>
+          <p:cNvSpPr>
+            <a:spLocks noGrp="1" noRot="1" noChangeAspect="1" noMove="1" noResize="1" noEditPoints="1" noAdjustHandles="1" noChangeArrowheads="1" noChangeShapeType="1" noTextEdit="1"/>
+          </p:cNvSpPr>
+          <p:nvPr>
+            <p:extLst>
+              <p:ext uri="{386F3935-93C4-4BCD-93E2-E3B085C9AB24}">
+                <p16:designElem xmlns:p16="http://schemas.microsoft.com/office/powerpoint/2015/main" val="1"/>
+              </p:ext>
+            </p:extLst>
+          </p:nvPr>
+        </p:nvSpPr>
+        <p:spPr>
+          <a:xfrm>
+            <a:off x="3175" y="6400800"/>
+            <a:ext cx="12188825" cy="457200"/>
+          </a:xfrm>
+          <a:prstGeom prst="rect">
+            <a:avLst/>
+          </a:prstGeom>
+          <a:solidFill>
+            <a:srgbClr val="262626"/>
+          </a:solidFill>
+          <a:ln>
+            <a:noFill/>
+          </a:ln>
+        </p:spPr>
+        <p:style>
+          <a:lnRef idx="2">
+            <a:schemeClr val="accent1">
+              <a:shade val="50000"/>
+            </a:schemeClr>
+          </a:lnRef>
+          <a:fillRef idx="1">
+            <a:schemeClr val="accent1"/>
+          </a:fillRef>
+          <a:effectRef idx="0">
+            <a:schemeClr val="accent1"/>
+          </a:effectRef>
+          <a:fontRef idx="minor">
+            <a:schemeClr val="lt1"/>
+          </a:fontRef>
+        </p:style>
+      </p:sp>
+      <p:cxnSp>
+        <p:nvCxnSpPr>
+          <p:cNvPr id="12" name="Straight Connector 11">
+            <a:extLst>
+              <a:ext uri="{FF2B5EF4-FFF2-40B4-BE49-F238E27FC236}">
+                <a16:creationId xmlns:a16="http://schemas.microsoft.com/office/drawing/2014/main" id="{1F5DC8C3-BA5F-4EED-BB9A-A14272BD82A1}"/>
+              </a:ext>
+              <a:ext uri="{C183D7F6-B498-43B3-948B-1728B52AA6E4}">
+                <adec:decorative xmlns:adec="http://schemas.microsoft.com/office/drawing/2017/decorative" val="1"/>
+              </a:ext>
+            </a:extLst>
+          </p:cNvPr>
+          <p:cNvCxnSpPr>
+            <a:cxnSpLocks noGrp="1" noRot="1" noChangeAspect="1" noMove="1" noResize="1" noEditPoints="1" noAdjustHandles="1" noChangeArrowheads="1" noChangeShapeType="1"/>
+          </p:cNvCxnSpPr>
+          <p:nvPr>
+            <p:extLst>
+              <p:ext uri="{386F3935-93C4-4BCD-93E2-E3B085C9AB24}">
+                <p16:designElem xmlns:p16="http://schemas.microsoft.com/office/powerpoint/2015/main" val="1"/>
+              </p:ext>
+            </p:extLst>
+          </p:nvPr>
+        </p:nvCxnSpPr>
+        <p:spPr>
+          <a:xfrm>
+            <a:off x="1207658" y="4474741"/>
+            <a:ext cx="9875520" cy="0"/>
+          </a:xfrm>
+          <a:prstGeom prst="line">
+            <a:avLst/>
+          </a:prstGeom>
+          <a:ln w="12700">
+            <a:solidFill>
+              <a:schemeClr val="tx1">
+                <a:lumMod val="75000"/>
+                <a:lumOff val="25000"/>
+              </a:schemeClr>
+            </a:solidFill>
+          </a:ln>
+        </p:spPr>
+        <p:style>
+          <a:lnRef idx="1">
+            <a:schemeClr val="accent1"/>
+          </a:lnRef>
+          <a:fillRef idx="0">
+            <a:schemeClr val="accent1"/>
+          </a:fillRef>
+          <a:effectRef idx="0">
+            <a:schemeClr val="accent1"/>
+          </a:effectRef>
+          <a:fontRef idx="minor">
+            <a:schemeClr val="tx1"/>
+          </a:fontRef>
+        </p:style>
+      </p:cxnSp>
+      <p:sp>
+        <p:nvSpPr>
+          <p:cNvPr id="14" name="Rectangle 13">
+            <a:extLst>
+              <a:ext uri="{FF2B5EF4-FFF2-40B4-BE49-F238E27FC236}">
+                <a16:creationId xmlns:a16="http://schemas.microsoft.com/office/drawing/2014/main" id="{6482F060-A4AF-4E0B-B364-7C6BA4AE9C03}"/>
+              </a:ext>
+              <a:ext uri="{C183D7F6-B498-43B3-948B-1728B52AA6E4}">
+                <adec:decorative xmlns:adec="http://schemas.microsoft.com/office/drawing/2017/decorative" val="1"/>
+              </a:ext>
+            </a:extLst>
+          </p:cNvPr>
+          <p:cNvSpPr>
+            <a:spLocks noGrp="1" noRot="1" noChangeAspect="1" noMove="1" noResize="1" noEditPoints="1" noAdjustHandles="1" noChangeArrowheads="1" noChangeShapeType="1" noTextEdit="1"/>
+          </p:cNvSpPr>
+          <p:nvPr>
+            <p:extLst>
+              <p:ext uri="{386F3935-93C4-4BCD-93E2-E3B085C9AB24}">
+                <p16:designElem xmlns:p16="http://schemas.microsoft.com/office/powerpoint/2015/main" val="1"/>
+              </p:ext>
+            </p:extLst>
+          </p:nvPr>
+        </p:nvSpPr>
+        <p:spPr bwMode="white">
+          <a:xfrm>
+            <a:off x="-6220" y="0"/>
+            <a:ext cx="4641315" cy="6858000"/>
+          </a:xfrm>
+          <a:prstGeom prst="rect">
+            <a:avLst/>
+          </a:prstGeom>
+          <a:solidFill>
+            <a:srgbClr val="262626"/>
+          </a:solidFill>
+          <a:ln>
+            <a:noFill/>
+          </a:ln>
+        </p:spPr>
+        <p:style>
+          <a:lnRef idx="2">
+            <a:schemeClr val="accent1">
+              <a:shade val="50000"/>
+            </a:schemeClr>
+          </a:lnRef>
+          <a:fillRef idx="1">
+            <a:schemeClr val="accent1"/>
+          </a:fillRef>
+          <a:effectRef idx="0">
+            <a:schemeClr val="accent1"/>
+          </a:effectRef>
+          <a:fontRef idx="minor">
+            <a:schemeClr val="lt1"/>
+          </a:fontRef>
+        </p:style>
+      </p:sp>
+      <p:sp>
+        <p:nvSpPr>
           <p:cNvPr id="2" name="Title 1">
             <a:extLst>
               <a:ext uri="{FF2B5EF4-FFF2-40B4-BE49-F238E27FC236}">
@@ -5048,62 +5723,114 @@
             <p:ph type="title"/>
           </p:nvPr>
         </p:nvSpPr>
-        <p:spPr/>
-        <p:txBody>
-          <a:bodyPr/>
+        <p:spPr>
+          <a:xfrm>
+            <a:off x="484814" y="640080"/>
+            <a:ext cx="3659246" cy="2850319"/>
+          </a:xfrm>
+        </p:spPr>
+        <p:txBody>
+          <a:bodyPr vert="horz" lIns="91440" tIns="45720" rIns="91440" bIns="45720" rtlCol="0" anchor="b">
+            <a:normAutofit/>
+          </a:bodyPr>
           <a:lstStyle/>
           <a:p>
             <a:r>
-              <a:rPr lang="en-US" dirty="0"/>
+              <a:rPr lang="en-US" sz="5400"/>
               <a:t>DATA ANALYSIS</a:t>
             </a:r>
-            <a:endParaRPr lang="en-CA" dirty="0"/>
-          </a:p>
-        </p:txBody>
-      </p:sp>
-      <p:sp>
-        <p:nvSpPr>
-          <p:cNvPr id="3" name="Content Placeholder 2">
-            <a:extLst>
-              <a:ext uri="{FF2B5EF4-FFF2-40B4-BE49-F238E27FC236}">
-                <a16:creationId xmlns:a16="http://schemas.microsoft.com/office/drawing/2014/main" id="{2079D1A8-EC57-4550-8A11-A04DFEDC2D9E}"/>
-              </a:ext>
-            </a:extLst>
-          </p:cNvPr>
-          <p:cNvSpPr>
-            <a:spLocks noGrp="1"/>
-          </p:cNvSpPr>
+          </a:p>
+        </p:txBody>
+      </p:sp>
+      <p:cxnSp>
+        <p:nvCxnSpPr>
+          <p:cNvPr id="16" name="Straight Connector 15">
+            <a:extLst>
+              <a:ext uri="{FF2B5EF4-FFF2-40B4-BE49-F238E27FC236}">
+                <a16:creationId xmlns:a16="http://schemas.microsoft.com/office/drawing/2014/main" id="{B9EB6DAA-2F0C-43D5-A577-15D5D2C4E3F5}"/>
+              </a:ext>
+              <a:ext uri="{C183D7F6-B498-43B3-948B-1728B52AA6E4}">
+                <adec:decorative xmlns:adec="http://schemas.microsoft.com/office/drawing/2017/decorative" val="1"/>
+              </a:ext>
+            </a:extLst>
+          </p:cNvPr>
+          <p:cNvCxnSpPr>
+            <a:cxnSpLocks noGrp="1" noRot="1" noChangeAspect="1" noMove="1" noResize="1" noEditPoints="1" noAdjustHandles="1" noChangeArrowheads="1" noChangeShapeType="1"/>
+          </p:cNvCxnSpPr>
+          <p:nvPr>
+            <p:extLst>
+              <p:ext uri="{386F3935-93C4-4BCD-93E2-E3B085C9AB24}">
+                <p16:designElem xmlns:p16="http://schemas.microsoft.com/office/powerpoint/2015/main" val="1"/>
+              </p:ext>
+            </p:extLst>
+          </p:nvPr>
+        </p:nvCxnSpPr>
+        <p:spPr>
+          <a:xfrm>
+            <a:off x="622797" y="3651268"/>
+            <a:ext cx="3383280" cy="0"/>
+          </a:xfrm>
+          <a:prstGeom prst="line">
+            <a:avLst/>
+          </a:prstGeom>
+          <a:ln w="19050">
+            <a:solidFill>
+              <a:schemeClr val="accent1"/>
+            </a:solidFill>
+          </a:ln>
+        </p:spPr>
+        <p:style>
+          <a:lnRef idx="1">
+            <a:schemeClr val="accent1"/>
+          </a:lnRef>
+          <a:fillRef idx="0">
+            <a:schemeClr val="accent1"/>
+          </a:fillRef>
+          <a:effectRef idx="0">
+            <a:schemeClr val="accent1"/>
+          </a:effectRef>
+          <a:fontRef idx="minor">
+            <a:schemeClr val="tx1"/>
+          </a:fontRef>
+        </p:style>
+      </p:cxnSp>
+      <p:pic>
+        <p:nvPicPr>
+          <p:cNvPr id="5" name="Content Placeholder 4" descr="A picture containing shape&#10;&#10;Description automatically generated">
+            <a:extLst>
+              <a:ext uri="{FF2B5EF4-FFF2-40B4-BE49-F238E27FC236}">
+                <a16:creationId xmlns:a16="http://schemas.microsoft.com/office/drawing/2014/main" id="{772CD907-E1CA-4128-A28D-FCE1A2A8D004}"/>
+              </a:ext>
+            </a:extLst>
+          </p:cNvPr>
+          <p:cNvPicPr>
+            <a:picLocks noGrp="1" noChangeAspect="1"/>
+          </p:cNvPicPr>
           <p:nvPr>
             <p:ph idx="1"/>
           </p:nvPr>
-        </p:nvSpPr>
-        <p:spPr>
-          <a:xfrm>
-            <a:off x="5527810" y="812798"/>
-            <a:ext cx="5928344" cy="5294757"/>
-          </a:xfrm>
-        </p:spPr>
-        <p:txBody>
-          <a:bodyPr/>
-          <a:lstStyle/>
-          <a:p>
-            <a:pPr marL="0" indent="0">
-              <a:buNone/>
-            </a:pPr>
-            <a:r>
-              <a:rPr lang="en-US" dirty="0"/>
-              <a:t>The next few slides will show how we get the results.</a:t>
-            </a:r>
-          </a:p>
-          <a:p>
-            <a:pPr marL="342900" indent="-342900">
-              <a:buFont typeface="+mj-lt"/>
-              <a:buAutoNum type="arabicPeriod"/>
-            </a:pPr>
-            <a:endParaRPr lang="en-CA" dirty="0"/>
-          </a:p>
-        </p:txBody>
-      </p:sp>
+        </p:nvPicPr>
+        <p:blipFill rotWithShape="1">
+          <a:blip r:embed="rId2">
+            <a:extLst>
+              <a:ext uri="{28A0092B-C50C-407E-A947-70E740481C1C}">
+                <a14:useLocalDpi xmlns:a14="http://schemas.microsoft.com/office/drawing/2010/main" val="0"/>
+              </a:ext>
+            </a:extLst>
+          </a:blip>
+          <a:srcRect l="45315" r="4065" b="-2"/>
+          <a:stretch/>
+        </p:blipFill>
+        <p:spPr>
+          <a:xfrm>
+            <a:off x="4635095" y="10"/>
+            <a:ext cx="7556889" cy="6857990"/>
+          </a:xfrm>
+          <a:prstGeom prst="rect">
+            <a:avLst/>
+          </a:prstGeom>
+        </p:spPr>
+      </p:pic>
     </p:spTree>
     <p:extLst>
       <p:ext uri="{BB962C8B-B14F-4D97-AF65-F5344CB8AC3E}">
@@ -5112,7 +5839,7 @@
     </p:extLst>
   </p:cSld>
   <p:clrMapOvr>
-    <a:masterClrMapping/>
+    <a:overrideClrMapping bg1="dk1" tx1="lt1" bg2="dk2" tx2="lt2" accent1="accent1" accent2="accent2" accent3="accent3" accent4="accent4" accent5="accent5" accent6="accent6" hlink="hlink" folHlink="folHlink"/>
   </p:clrMapOvr>
 </p:sld>
 </file>
@@ -5510,7 +6237,7 @@
             </a:pPr>
             <a:r>
               <a:rPr lang="en-US" sz="1200" dirty="0"/>
-              <a:t>Filter data to 3 years and sort by descending order for average gram to get countries with highest consumption</a:t>
+              <a:t>Filter data to 3 years and sort by descending order for average gram to get countries with highest consumption.</a:t>
             </a:r>
           </a:p>
           <a:p>
@@ -5520,7 +6247,7 @@
             </a:pPr>
             <a:r>
               <a:rPr lang="en-US" sz="1200" dirty="0"/>
-              <a:t>Used Matplotlib method to get bar graphs of the countries with the highest consumption</a:t>
+              <a:t>Used Matplotlib method to get bar graphs of the countries with the highest consumption.</a:t>
             </a:r>
           </a:p>
           <a:p>
@@ -6933,8 +7660,9 @@
           </a:bodyPr>
           <a:lstStyle/>
           <a:p>
-            <a:pPr marL="0" indent="0">
-              <a:buNone/>
+            <a:pPr>
+              <a:buFont typeface="Wingdings" panose="05000000000000000000" pitchFamily="2" charset="2"/>
+              <a:buChar char="Ø"/>
             </a:pPr>
             <a:r>
               <a:rPr lang="en-US" dirty="0">
@@ -6942,7 +7670,35 @@
                   <a:srgbClr val="FFFFFF"/>
                 </a:solidFill>
               </a:rPr>
-              <a:t>The correlation shows  a 0.65 between the Sugar Intake vs the Obesity Rate.</a:t>
+              <a:t> Correlation = 0.65</a:t>
+            </a:r>
+          </a:p>
+          <a:p>
+            <a:pPr>
+              <a:buFont typeface="Wingdings" panose="05000000000000000000" pitchFamily="2" charset="2"/>
+              <a:buChar char="Ø"/>
+            </a:pPr>
+            <a:r>
+              <a:rPr lang="en-US" dirty="0">
+                <a:solidFill>
+                  <a:srgbClr val="FFFFFF"/>
+                </a:solidFill>
+              </a:rPr>
+              <a:t> Moderate Correlation</a:t>
+            </a:r>
+          </a:p>
+          <a:p>
+            <a:pPr>
+              <a:buFont typeface="Wingdings" panose="05000000000000000000" pitchFamily="2" charset="2"/>
+              <a:buChar char="Ø"/>
+            </a:pPr>
+            <a:r>
+              <a:rPr lang="en-US" dirty="0">
+                <a:solidFill>
+                  <a:srgbClr val="FFFFFF"/>
+                </a:solidFill>
+              </a:rPr>
+              <a:t> For most cases, obesity rate increases as sugar consumption increases.</a:t>
             </a:r>
           </a:p>
         </p:txBody>
@@ -6962,7 +7718,7 @@
           <p:nvPr/>
         </p:nvPicPr>
         <p:blipFill>
-          <a:blip r:embed="rId2">
+          <a:blip r:embed="rId3">
             <a:extLst>
               <a:ext uri="{28A0092B-C50C-407E-A947-70E740481C1C}">
                 <a14:useLocalDpi xmlns:a14="http://schemas.microsoft.com/office/drawing/2010/main" val="0"/>
@@ -6997,8 +7753,8 @@
         </p:nvSpPr>
         <p:spPr>
           <a:xfrm>
-            <a:off x="5375492" y="4532054"/>
-            <a:ext cx="5850194" cy="1477328"/>
+            <a:off x="5206970" y="5103674"/>
+            <a:ext cx="5850194" cy="1754326"/>
           </a:xfrm>
           <a:prstGeom prst="rect">
             <a:avLst/>
@@ -7015,7 +7771,7 @@
               <a:buAutoNum type="arabicPeriod"/>
             </a:pPr>
             <a:r>
-              <a:rPr lang="en-US" dirty="0"/>
+              <a:rPr lang="en-US" sz="1200" dirty="0"/>
               <a:t>Imported the Sugar Intake and Obesity CSV files.</a:t>
             </a:r>
           </a:p>
@@ -7024,8 +7780,8 @@
               <a:buAutoNum type="arabicPeriod"/>
             </a:pPr>
             <a:r>
-              <a:rPr lang="en-US" dirty="0"/>
-              <a:t>Merged the two files together to get all the data in 1 Data Frame.</a:t>
+              <a:rPr lang="en-US" sz="1200" dirty="0"/>
+              <a:t>Conducted an inner merge for the two files together to get all the data in 1 Data Frame.</a:t>
             </a:r>
           </a:p>
           <a:p>
@@ -7033,9 +7789,23 @@
               <a:buAutoNum type="arabicPeriod"/>
             </a:pPr>
             <a:r>
-              <a:rPr lang="en-US"/>
-              <a:t>Identified the </a:t>
-            </a:r>
+              <a:rPr lang="en-US" sz="1200" dirty="0"/>
+              <a:t>Validated the data and ensure there enough samples to do a Scatterplot.</a:t>
+            </a:r>
+          </a:p>
+          <a:p>
+            <a:pPr marL="342900" indent="-342900">
+              <a:buAutoNum type="arabicPeriod"/>
+            </a:pPr>
+            <a:r>
+              <a:rPr lang="en-US" sz="1200" dirty="0"/>
+              <a:t>Used the Matplotlib method to get the scatterplot and linear regression model to determine if the two factors are correlated.</a:t>
+            </a:r>
+          </a:p>
+          <a:p>
+            <a:pPr marL="342900" indent="-342900">
+              <a:buAutoNum type="arabicPeriod"/>
+            </a:pPr>
             <a:endParaRPr lang="en-US" dirty="0"/>
           </a:p>
           <a:p>
@@ -7046,6 +7816,36 @@
           </a:p>
         </p:txBody>
       </p:sp>
+      <p:pic>
+        <p:nvPicPr>
+          <p:cNvPr id="7" name="Picture 6">
+            <a:extLst>
+              <a:ext uri="{FF2B5EF4-FFF2-40B4-BE49-F238E27FC236}">
+                <a16:creationId xmlns:a16="http://schemas.microsoft.com/office/drawing/2014/main" id="{1BE69BB0-1C1B-4F04-B128-49002311AD1C}"/>
+              </a:ext>
+            </a:extLst>
+          </p:cNvPr>
+          <p:cNvPicPr>
+            <a:picLocks noChangeAspect="1"/>
+          </p:cNvPicPr>
+          <p:nvPr/>
+        </p:nvPicPr>
+        <p:blipFill>
+          <a:blip r:embed="rId4"/>
+          <a:stretch>
+            <a:fillRect/>
+          </a:stretch>
+        </p:blipFill>
+        <p:spPr>
+          <a:xfrm>
+            <a:off x="5126584" y="4486306"/>
+            <a:ext cx="6348010" cy="342930"/>
+          </a:xfrm>
+          <a:prstGeom prst="rect">
+            <a:avLst/>
+          </a:prstGeom>
+        </p:spPr>
+      </p:pic>
     </p:spTree>
     <p:extLst>
       <p:ext uri="{BB962C8B-B14F-4D97-AF65-F5344CB8AC3E}">
@@ -7086,7 +7886,7 @@
       </p:grpSpPr>
       <p:sp useBgFill="1">
         <p:nvSpPr>
-          <p:cNvPr id="10" name="Rectangle 9">
+          <p:cNvPr id="19" name="Rectangle 18">
             <a:extLst>
               <a:ext uri="{FF2B5EF4-FFF2-40B4-BE49-F238E27FC236}">
                 <a16:creationId xmlns:a16="http://schemas.microsoft.com/office/drawing/2014/main" id="{0AB6E427-3F73-4C06-A5D5-AE52C3883B50}"/>
@@ -7146,7 +7946,7 @@
       </p:sp>
       <p:sp>
         <p:nvSpPr>
-          <p:cNvPr id="12" name="Rectangle 11">
+          <p:cNvPr id="21" name="Rectangle 20">
             <a:extLst>
               <a:ext uri="{FF2B5EF4-FFF2-40B4-BE49-F238E27FC236}">
                 <a16:creationId xmlns:a16="http://schemas.microsoft.com/office/drawing/2014/main" id="{D8C9BDAA-0390-4B39-9B5C-BC95E5120DA4}"/>
@@ -7223,29 +8023,27 @@
         </p:spPr>
         <p:txBody>
           <a:bodyPr>
-            <a:normAutofit/>
+            <a:normAutofit fontScale="90000"/>
           </a:bodyPr>
           <a:lstStyle/>
           <a:p>
-            <a:r>
-              <a:rPr lang="en-US" sz="4000">
+            <a:pPr marL="0" indent="0">
+              <a:buNone/>
+            </a:pPr>
+            <a:r>
+              <a:rPr lang="en-US" sz="2800" dirty="0">
                 <a:solidFill>
                   <a:srgbClr val="FFFFFF"/>
                 </a:solidFill>
               </a:rPr>
-              <a:t>DATA ANALYSIS - 5</a:t>
-            </a:r>
-            <a:endParaRPr lang="en-CA" sz="4000">
-              <a:solidFill>
-                <a:srgbClr val="FFFFFF"/>
-              </a:solidFill>
-            </a:endParaRPr>
+              <a:t>IS THERE A CORRELATION BETWEEN PROCESSED SUGAR AND DENTAL HEALTH?</a:t>
+            </a:r>
           </a:p>
         </p:txBody>
       </p:sp>
       <p:cxnSp>
         <p:nvCxnSpPr>
-          <p:cNvPr id="14" name="Straight Connector 13">
+          <p:cNvPr id="23" name="Straight Connector 22">
             <a:extLst>
               <a:ext uri="{FF2B5EF4-FFF2-40B4-BE49-F238E27FC236}">
                 <a16:creationId xmlns:a16="http://schemas.microsoft.com/office/drawing/2014/main" id="{E04A321A-A039-4720-87B4-66A4210E0D57}"/>
@@ -7295,64 +8093,6 @@
           </a:fontRef>
         </p:style>
       </p:cxnSp>
-      <p:sp>
-        <p:nvSpPr>
-          <p:cNvPr id="3" name="Content Placeholder 2">
-            <a:extLst>
-              <a:ext uri="{FF2B5EF4-FFF2-40B4-BE49-F238E27FC236}">
-                <a16:creationId xmlns:a16="http://schemas.microsoft.com/office/drawing/2014/main" id="{C990EB9B-20EF-41D2-BF3A-03ED63507C68}"/>
-              </a:ext>
-            </a:extLst>
-          </p:cNvPr>
-          <p:cNvSpPr>
-            <a:spLocks noGrp="1"/>
-          </p:cNvSpPr>
-          <p:nvPr>
-            <p:ph idx="1"/>
-          </p:nvPr>
-        </p:nvSpPr>
-        <p:spPr>
-          <a:xfrm>
-            <a:off x="571752" y="2799654"/>
-            <a:ext cx="3005462" cy="3189665"/>
-          </a:xfrm>
-        </p:spPr>
-        <p:txBody>
-          <a:bodyPr>
-            <a:normAutofit/>
-          </a:bodyPr>
-          <a:lstStyle/>
-          <a:p>
-            <a:pPr marL="0" indent="0">
-              <a:lnSpc>
-                <a:spcPct val="110000"/>
-              </a:lnSpc>
-              <a:buNone/>
-            </a:pPr>
-            <a:r>
-              <a:rPr lang="en-US" sz="1700" dirty="0">
-                <a:solidFill>
-                  <a:srgbClr val="FFFFFF"/>
-                </a:solidFill>
-              </a:rPr>
-              <a:t>Is there a correlation between processed sugar and dental health? </a:t>
-            </a:r>
-          </a:p>
-          <a:p>
-            <a:pPr marL="0" indent="0">
-              <a:lnSpc>
-                <a:spcPct val="110000"/>
-              </a:lnSpc>
-              <a:buNone/>
-            </a:pPr>
-            <a:endParaRPr lang="en-CA" sz="1700" dirty="0">
-              <a:solidFill>
-                <a:srgbClr val="FFFFFF"/>
-              </a:solidFill>
-            </a:endParaRPr>
-          </a:p>
-        </p:txBody>
-      </p:sp>
       <p:pic>
         <p:nvPicPr>
           <p:cNvPr id="5" name="Picture 4" descr="Chart, scatter chart&#10;&#10;Description automatically generated">
@@ -7368,7 +8108,7 @@
           <p:nvPr/>
         </p:nvPicPr>
         <p:blipFill>
-          <a:blip r:embed="rId2">
+          <a:blip r:embed="rId3">
             <a:extLst>
               <a:ext uri="{28A0092B-C50C-407E-A947-70E740481C1C}">
                 <a14:useLocalDpi xmlns:a14="http://schemas.microsoft.com/office/drawing/2010/main" val="0"/>
@@ -7381,14 +8121,162 @@
         </p:blipFill>
         <p:spPr>
           <a:xfrm>
-            <a:off x="4742017" y="1162973"/>
-            <a:ext cx="6798082" cy="4532054"/>
+            <a:off x="4895425" y="0"/>
+            <a:ext cx="6473284" cy="4315522"/>
           </a:xfrm>
           <a:prstGeom prst="rect">
             <a:avLst/>
           </a:prstGeom>
         </p:spPr>
       </p:pic>
+      <p:sp>
+        <p:nvSpPr>
+          <p:cNvPr id="11" name="Content Placeholder 2">
+            <a:extLst>
+              <a:ext uri="{FF2B5EF4-FFF2-40B4-BE49-F238E27FC236}">
+                <a16:creationId xmlns:a16="http://schemas.microsoft.com/office/drawing/2014/main" id="{CD4C22A8-6AF2-48F7-A5D2-76F732A45D28}"/>
+              </a:ext>
+            </a:extLst>
+          </p:cNvPr>
+          <p:cNvSpPr>
+            <a:spLocks noGrp="1"/>
+          </p:cNvSpPr>
+          <p:nvPr>
+            <p:ph idx="1"/>
+          </p:nvPr>
+        </p:nvSpPr>
+        <p:spPr>
+          <a:xfrm>
+            <a:off x="571500" y="2800350"/>
+            <a:ext cx="3005138" cy="3189288"/>
+          </a:xfrm>
+        </p:spPr>
+        <p:txBody>
+          <a:bodyPr>
+            <a:normAutofit/>
+          </a:bodyPr>
+          <a:lstStyle/>
+          <a:p>
+            <a:pPr>
+              <a:buFont typeface="Wingdings" panose="05000000000000000000" pitchFamily="2" charset="2"/>
+              <a:buChar char="Ø"/>
+            </a:pPr>
+            <a:r>
+              <a:rPr lang="en-US" dirty="0">
+                <a:solidFill>
+                  <a:srgbClr val="FFFFFF"/>
+                </a:solidFill>
+              </a:rPr>
+              <a:t> Correlation = 0.14</a:t>
+            </a:r>
+          </a:p>
+          <a:p>
+            <a:pPr>
+              <a:buFont typeface="Wingdings" panose="05000000000000000000" pitchFamily="2" charset="2"/>
+              <a:buChar char="Ø"/>
+            </a:pPr>
+            <a:r>
+              <a:rPr lang="en-US" dirty="0">
+                <a:solidFill>
+                  <a:srgbClr val="FFFFFF"/>
+                </a:solidFill>
+              </a:rPr>
+              <a:t> Weak Correlation</a:t>
+            </a:r>
+          </a:p>
+          <a:p>
+            <a:pPr>
+              <a:buFont typeface="Wingdings" panose="05000000000000000000" pitchFamily="2" charset="2"/>
+              <a:buChar char="Ø"/>
+            </a:pPr>
+            <a:r>
+              <a:rPr lang="en-US" dirty="0">
+                <a:solidFill>
+                  <a:srgbClr val="FFFFFF"/>
+                </a:solidFill>
+              </a:rPr>
+              <a:t> The 2 variables do not have an effect with one another.</a:t>
+            </a:r>
+          </a:p>
+        </p:txBody>
+      </p:sp>
+      <p:sp>
+        <p:nvSpPr>
+          <p:cNvPr id="4" name="TextBox 3">
+            <a:extLst>
+              <a:ext uri="{FF2B5EF4-FFF2-40B4-BE49-F238E27FC236}">
+                <a16:creationId xmlns:a16="http://schemas.microsoft.com/office/drawing/2014/main" id="{A79970EA-9653-46F2-8B40-5A986BBDFE14}"/>
+              </a:ext>
+            </a:extLst>
+          </p:cNvPr>
+          <p:cNvSpPr txBox="1"/>
+          <p:nvPr/>
+        </p:nvSpPr>
+        <p:spPr>
+          <a:xfrm>
+            <a:off x="5035451" y="4577217"/>
+            <a:ext cx="5850194" cy="1754326"/>
+          </a:xfrm>
+          <a:prstGeom prst="rect">
+            <a:avLst/>
+          </a:prstGeom>
+          <a:noFill/>
+        </p:spPr>
+        <p:txBody>
+          <a:bodyPr wrap="square" rtlCol="0">
+            <a:spAutoFit/>
+          </a:bodyPr>
+          <a:lstStyle/>
+          <a:p>
+            <a:pPr marL="342900" indent="-342900">
+              <a:buAutoNum type="arabicPeriod"/>
+            </a:pPr>
+            <a:r>
+              <a:rPr lang="en-US" sz="1200" dirty="0"/>
+              <a:t>Imported the Sugar Intake and Bad Teeth CSV files.</a:t>
+            </a:r>
+          </a:p>
+          <a:p>
+            <a:pPr marL="342900" indent="-342900">
+              <a:buAutoNum type="arabicPeriod"/>
+            </a:pPr>
+            <a:r>
+              <a:rPr lang="en-US" sz="1200" dirty="0"/>
+              <a:t>Conducted an inner merge for the two files together to get all the data in 1 Data Frame.</a:t>
+            </a:r>
+          </a:p>
+          <a:p>
+            <a:pPr marL="342900" indent="-342900">
+              <a:buAutoNum type="arabicPeriod"/>
+            </a:pPr>
+            <a:r>
+              <a:rPr lang="en-US" sz="1200" dirty="0"/>
+              <a:t>Validated the data and ensure there enough samples to do a Scatterplot.</a:t>
+            </a:r>
+          </a:p>
+          <a:p>
+            <a:pPr marL="342900" indent="-342900">
+              <a:buAutoNum type="arabicPeriod"/>
+            </a:pPr>
+            <a:r>
+              <a:rPr lang="en-US" sz="1200" dirty="0"/>
+              <a:t>Used the Matplotlib method to get the scatterplot and linear regression model to determine if the two factors are correlated.</a:t>
+            </a:r>
+          </a:p>
+          <a:p>
+            <a:pPr marL="342900" indent="-342900">
+              <a:buAutoNum type="arabicPeriod"/>
+            </a:pPr>
+            <a:endParaRPr lang="en-US" dirty="0"/>
+          </a:p>
+          <a:p>
+            <a:pPr marL="342900" indent="-342900">
+              <a:buAutoNum type="arabicPeriod"/>
+            </a:pPr>
+            <a:endParaRPr lang="en-CA" dirty="0"/>
+          </a:p>
+        </p:txBody>
+      </p:sp>
     </p:spTree>
     <p:extLst>
       <p:ext uri="{BB962C8B-B14F-4D97-AF65-F5344CB8AC3E}">
@@ -7403,131 +8291,6 @@
 </file>
 
 <file path=ppt/slides/slide17.xml><?xml version="1.0" encoding="utf-8"?>
-<p:sld xmlns:a="http://schemas.openxmlformats.org/drawingml/2006/main" xmlns:r="http://schemas.openxmlformats.org/officeDocument/2006/relationships" xmlns:p="http://schemas.openxmlformats.org/presentationml/2006/main">
-  <p:cSld>
-    <p:spTree>
-      <p:nvGrpSpPr>
-        <p:cNvPr id="1" name=""/>
-        <p:cNvGrpSpPr/>
-        <p:nvPr/>
-      </p:nvGrpSpPr>
-      <p:grpSpPr>
-        <a:xfrm>
-          <a:off x="0" y="0"/>
-          <a:ext cx="0" cy="0"/>
-          <a:chOff x="0" y="0"/>
-          <a:chExt cx="0" cy="0"/>
-        </a:xfrm>
-      </p:grpSpPr>
-      <p:sp>
-        <p:nvSpPr>
-          <p:cNvPr id="2" name="Title 1">
-            <a:extLst>
-              <a:ext uri="{FF2B5EF4-FFF2-40B4-BE49-F238E27FC236}">
-                <a16:creationId xmlns:a16="http://schemas.microsoft.com/office/drawing/2014/main" id="{9C48BE68-3EC4-4686-A2A0-8A1E03C2580F}"/>
-              </a:ext>
-            </a:extLst>
-          </p:cNvPr>
-          <p:cNvSpPr>
-            <a:spLocks noGrp="1"/>
-          </p:cNvSpPr>
-          <p:nvPr>
-            <p:ph type="title"/>
-          </p:nvPr>
-        </p:nvSpPr>
-        <p:spPr/>
-        <p:txBody>
-          <a:bodyPr/>
-          <a:lstStyle/>
-          <a:p>
-            <a:r>
-              <a:rPr lang="en-US" dirty="0"/>
-              <a:t>DATA ANALYSIS - 6</a:t>
-            </a:r>
-            <a:endParaRPr lang="en-CA" dirty="0"/>
-          </a:p>
-        </p:txBody>
-      </p:sp>
-      <p:sp>
-        <p:nvSpPr>
-          <p:cNvPr id="3" name="Content Placeholder 2">
-            <a:extLst>
-              <a:ext uri="{FF2B5EF4-FFF2-40B4-BE49-F238E27FC236}">
-                <a16:creationId xmlns:a16="http://schemas.microsoft.com/office/drawing/2014/main" id="{C990EB9B-20EF-41D2-BF3A-03ED63507C68}"/>
-              </a:ext>
-            </a:extLst>
-          </p:cNvPr>
-          <p:cNvSpPr>
-            <a:spLocks noGrp="1"/>
-          </p:cNvSpPr>
-          <p:nvPr>
-            <p:ph idx="1"/>
-          </p:nvPr>
-        </p:nvSpPr>
-        <p:spPr/>
-        <p:txBody>
-          <a:bodyPr>
-            <a:normAutofit/>
-          </a:bodyPr>
-          <a:lstStyle/>
-          <a:p>
-            <a:pPr marL="0" indent="0">
-              <a:buNone/>
-            </a:pPr>
-            <a:r>
-              <a:rPr lang="en-US" dirty="0"/>
-              <a:t>What are the top 5 purchased grocery items in the country with the highest sugar intake? For these 5 top items, what is their sugar content?</a:t>
-            </a:r>
-          </a:p>
-          <a:p>
-            <a:pPr marL="635508" lvl="1" indent="-342900">
-              <a:buFont typeface="Arial" panose="020B0604020202020204" pitchFamily="34" charset="0"/>
-              <a:buChar char="•"/>
-            </a:pPr>
-            <a:r>
-              <a:rPr lang="en-US" dirty="0"/>
-              <a:t>The American Kroger grocery store datasets had a list of groceries item purchased by 38,000+ customers.  Then we had a nutrition API  from Fat Secret to determine the sugar content.</a:t>
-            </a:r>
-          </a:p>
-          <a:p>
-            <a:pPr marL="342900" indent="-342900">
-              <a:buFont typeface="+mj-lt"/>
-              <a:buAutoNum type="arabicPeriod"/>
-            </a:pPr>
-            <a:endParaRPr lang="en-US" dirty="0"/>
-          </a:p>
-          <a:p>
-            <a:pPr marL="201168" lvl="1" indent="0">
-              <a:buNone/>
-            </a:pPr>
-            <a:endParaRPr lang="en-US" dirty="0"/>
-          </a:p>
-          <a:p>
-            <a:endParaRPr lang="en-US" dirty="0"/>
-          </a:p>
-          <a:p>
-            <a:pPr marL="342900" indent="-342900">
-              <a:buFont typeface="+mj-lt"/>
-              <a:buAutoNum type="arabicPeriod"/>
-            </a:pPr>
-            <a:endParaRPr lang="en-CA" dirty="0"/>
-          </a:p>
-        </p:txBody>
-      </p:sp>
-    </p:spTree>
-    <p:extLst>
-      <p:ext uri="{BB962C8B-B14F-4D97-AF65-F5344CB8AC3E}">
-        <p14:creationId xmlns:p14="http://schemas.microsoft.com/office/powerpoint/2010/main" val="1135346001"/>
-      </p:ext>
-    </p:extLst>
-  </p:cSld>
-  <p:clrMapOvr>
-    <a:masterClrMapping/>
-  </p:clrMapOvr>
-</p:sld>
-</file>
-
-<file path=ppt/slides/slide18.xml><?xml version="1.0" encoding="utf-8"?>
 <p:sld xmlns:a="http://schemas.openxmlformats.org/drawingml/2006/main" xmlns:r="http://schemas.openxmlformats.org/officeDocument/2006/relationships" xmlns:p="http://schemas.openxmlformats.org/presentationml/2006/main">
   <p:cSld>
     <p:bg>
@@ -7701,7 +8464,7 @@
                   <a:srgbClr val="FFFFFF"/>
                 </a:solidFill>
               </a:rPr>
-              <a:t>DISCUSSION ON FINDINGS</a:t>
+              <a:t>DATA ANALYSIS - 6</a:t>
             </a:r>
             <a:endParaRPr lang="en-CA" sz="4400">
               <a:solidFill>
@@ -7743,7 +8506,7 @@
               <a:buNone/>
             </a:pPr>
             <a:r>
-              <a:rPr lang="en-US" sz="2400" dirty="0"/>
+              <a:rPr lang="en-US" sz="2400"/>
               <a:t>What are the top 5 purchased grocery items in the country with the highest sugar intake? For these 5 top items, what is their sugar content?</a:t>
             </a:r>
           </a:p>
@@ -7753,7 +8516,7 @@
               <a:buChar char="•"/>
             </a:pPr>
             <a:r>
-              <a:rPr lang="en-US" sz="2400" dirty="0"/>
+              <a:rPr lang="en-US" sz="2400"/>
               <a:t>The American Kroger grocery store datasets had a list of groceries item purchased by 38,000+ customers.  Then we had a nutrition API  from Fat Secret to determine the sugar content.</a:t>
             </a:r>
           </a:p>
@@ -7762,30 +8525,429 @@
               <a:buFont typeface="+mj-lt"/>
               <a:buAutoNum type="arabicPeriod"/>
             </a:pPr>
-            <a:endParaRPr lang="en-US" sz="2400" dirty="0"/>
+            <a:endParaRPr lang="en-US" sz="2400"/>
           </a:p>
           <a:p>
             <a:pPr marL="201168" lvl="1" indent="0">
               <a:buNone/>
             </a:pPr>
-            <a:endParaRPr lang="en-US" sz="2400" dirty="0"/>
-          </a:p>
-          <a:p>
-            <a:endParaRPr lang="en-US" sz="2400" dirty="0"/>
+            <a:endParaRPr lang="en-US" sz="2400"/>
+          </a:p>
+          <a:p>
+            <a:endParaRPr lang="en-US" sz="2400"/>
           </a:p>
           <a:p>
             <a:pPr marL="342900" indent="-342900">
               <a:buFont typeface="+mj-lt"/>
               <a:buAutoNum type="arabicPeriod"/>
             </a:pPr>
-            <a:endParaRPr lang="en-CA" sz="2400" dirty="0"/>
+            <a:endParaRPr lang="en-CA" sz="2400"/>
           </a:p>
         </p:txBody>
       </p:sp>
     </p:spTree>
     <p:extLst>
       <p:ext uri="{BB962C8B-B14F-4D97-AF65-F5344CB8AC3E}">
-        <p14:creationId xmlns:p14="http://schemas.microsoft.com/office/powerpoint/2010/main" val="3079070896"/>
+        <p14:creationId xmlns:p14="http://schemas.microsoft.com/office/powerpoint/2010/main" val="1135346001"/>
+      </p:ext>
+    </p:extLst>
+  </p:cSld>
+  <p:clrMapOvr>
+    <a:masterClrMapping/>
+  </p:clrMapOvr>
+</p:sld>
+</file>
+
+<file path=ppt/slides/slide18.xml><?xml version="1.0" encoding="utf-8"?>
+<p:sld xmlns:a="http://schemas.openxmlformats.org/drawingml/2006/main" xmlns:r="http://schemas.openxmlformats.org/officeDocument/2006/relationships" xmlns:p="http://schemas.openxmlformats.org/presentationml/2006/main">
+  <p:cSld>
+    <p:spTree>
+      <p:nvGrpSpPr>
+        <p:cNvPr id="1" name=""/>
+        <p:cNvGrpSpPr/>
+        <p:nvPr/>
+      </p:nvGrpSpPr>
+      <p:grpSpPr>
+        <a:xfrm>
+          <a:off x="0" y="0"/>
+          <a:ext cx="0" cy="0"/>
+          <a:chOff x="0" y="0"/>
+          <a:chExt cx="0" cy="0"/>
+        </a:xfrm>
+      </p:grpSpPr>
+      <p:sp>
+        <p:nvSpPr>
+          <p:cNvPr id="2" name="Title 1">
+            <a:extLst>
+              <a:ext uri="{FF2B5EF4-FFF2-40B4-BE49-F238E27FC236}">
+                <a16:creationId xmlns:a16="http://schemas.microsoft.com/office/drawing/2014/main" id="{9C48BE68-3EC4-4686-A2A0-8A1E03C2580F}"/>
+              </a:ext>
+            </a:extLst>
+          </p:cNvPr>
+          <p:cNvSpPr>
+            <a:spLocks noGrp="1"/>
+          </p:cNvSpPr>
+          <p:nvPr>
+            <p:ph type="title"/>
+          </p:nvPr>
+        </p:nvSpPr>
+        <p:spPr>
+          <a:xfrm>
+            <a:off x="5172074" y="286604"/>
+            <a:ext cx="6491191" cy="1374246"/>
+          </a:xfrm>
+        </p:spPr>
+        <p:txBody>
+          <a:bodyPr>
+            <a:normAutofit/>
+          </a:bodyPr>
+          <a:lstStyle/>
+          <a:p>
+            <a:r>
+              <a:rPr lang="en-US" dirty="0"/>
+              <a:t>DISCUSSIONS AND FINDINGS</a:t>
+            </a:r>
+            <a:endParaRPr lang="en-CA" dirty="0"/>
+          </a:p>
+        </p:txBody>
+      </p:sp>
+      <p:sp>
+        <p:nvSpPr>
+          <p:cNvPr id="3" name="Content Placeholder 2">
+            <a:extLst>
+              <a:ext uri="{FF2B5EF4-FFF2-40B4-BE49-F238E27FC236}">
+                <a16:creationId xmlns:a16="http://schemas.microsoft.com/office/drawing/2014/main" id="{C990EB9B-20EF-41D2-BF3A-03ED63507C68}"/>
+              </a:ext>
+            </a:extLst>
+          </p:cNvPr>
+          <p:cNvSpPr>
+            <a:spLocks noGrp="1"/>
+          </p:cNvSpPr>
+          <p:nvPr>
+            <p:ph idx="1"/>
+          </p:nvPr>
+        </p:nvSpPr>
+        <p:spPr>
+          <a:xfrm>
+            <a:off x="5172074" y="2108201"/>
+            <a:ext cx="5983606" cy="3760891"/>
+          </a:xfrm>
+        </p:spPr>
+        <p:txBody>
+          <a:bodyPr>
+            <a:normAutofit fontScale="55000" lnSpcReduction="20000"/>
+          </a:bodyPr>
+          <a:lstStyle/>
+          <a:p>
+            <a:pPr marL="201168" lvl="1" indent="0">
+              <a:lnSpc>
+                <a:spcPct val="110000"/>
+              </a:lnSpc>
+              <a:spcBef>
+                <a:spcPts val="0"/>
+              </a:spcBef>
+              <a:spcAft>
+                <a:spcPts val="0"/>
+              </a:spcAft>
+              <a:buNone/>
+            </a:pPr>
+            <a:r>
+              <a:rPr lang="en-US" sz="2800" dirty="0"/>
+              <a:t>Expected Results:</a:t>
+            </a:r>
+          </a:p>
+          <a:p>
+            <a:pPr lvl="1">
+              <a:lnSpc>
+                <a:spcPct val="110000"/>
+              </a:lnSpc>
+              <a:spcBef>
+                <a:spcPts val="0"/>
+              </a:spcBef>
+              <a:spcAft>
+                <a:spcPts val="0"/>
+              </a:spcAft>
+              <a:buFont typeface="Arial" panose="020B0604020202020204" pitchFamily="34" charset="0"/>
+              <a:buChar char="•"/>
+            </a:pPr>
+            <a:r>
+              <a:rPr lang="en-US" sz="2800" dirty="0"/>
+              <a:t>Increase intake in sugar consumption over the last decade.</a:t>
+            </a:r>
+          </a:p>
+          <a:p>
+            <a:pPr lvl="1">
+              <a:lnSpc>
+                <a:spcPct val="110000"/>
+              </a:lnSpc>
+              <a:spcBef>
+                <a:spcPts val="0"/>
+              </a:spcBef>
+              <a:spcAft>
+                <a:spcPts val="0"/>
+              </a:spcAft>
+              <a:buFont typeface="Arial" panose="020B0604020202020204" pitchFamily="34" charset="0"/>
+              <a:buChar char="•"/>
+            </a:pPr>
+            <a:r>
+              <a:rPr lang="en-US" sz="2800" dirty="0"/>
+              <a:t>Lower income households consumes more sugar.</a:t>
+            </a:r>
+          </a:p>
+          <a:p>
+            <a:pPr lvl="1">
+              <a:lnSpc>
+                <a:spcPct val="110000"/>
+              </a:lnSpc>
+              <a:spcBef>
+                <a:spcPts val="0"/>
+              </a:spcBef>
+              <a:spcAft>
+                <a:spcPts val="0"/>
+              </a:spcAft>
+              <a:buFont typeface="Arial" panose="020B0604020202020204" pitchFamily="34" charset="0"/>
+              <a:buChar char="•"/>
+            </a:pPr>
+            <a:r>
+              <a:rPr lang="en-US" sz="2800" dirty="0"/>
+              <a:t>Overall, high sugar consumption can lead to health impacts like obesity.</a:t>
+            </a:r>
+          </a:p>
+          <a:p>
+            <a:pPr marL="201168" lvl="1" indent="0">
+              <a:lnSpc>
+                <a:spcPct val="110000"/>
+              </a:lnSpc>
+              <a:spcBef>
+                <a:spcPts val="0"/>
+              </a:spcBef>
+              <a:spcAft>
+                <a:spcPts val="0"/>
+              </a:spcAft>
+              <a:buNone/>
+            </a:pPr>
+            <a:endParaRPr lang="en-US" sz="2800" dirty="0"/>
+          </a:p>
+          <a:p>
+            <a:pPr marL="201168" lvl="1" indent="0">
+              <a:lnSpc>
+                <a:spcPct val="110000"/>
+              </a:lnSpc>
+              <a:spcBef>
+                <a:spcPts val="0"/>
+              </a:spcBef>
+              <a:spcAft>
+                <a:spcPts val="0"/>
+              </a:spcAft>
+              <a:buNone/>
+            </a:pPr>
+            <a:r>
+              <a:rPr lang="en-US" sz="2800" dirty="0"/>
+              <a:t>Unexpected Results:</a:t>
+            </a:r>
+          </a:p>
+          <a:p>
+            <a:pPr lvl="1">
+              <a:lnSpc>
+                <a:spcPct val="110000"/>
+              </a:lnSpc>
+              <a:spcBef>
+                <a:spcPts val="0"/>
+              </a:spcBef>
+              <a:spcAft>
+                <a:spcPts val="0"/>
+              </a:spcAft>
+              <a:buFont typeface="Arial" panose="020B0604020202020204" pitchFamily="34" charset="0"/>
+              <a:buChar char="•"/>
+            </a:pPr>
+            <a:r>
+              <a:rPr lang="en-US" sz="2800" dirty="0"/>
+              <a:t>Bad dental health is not correlated to sugar intake.</a:t>
+            </a:r>
+          </a:p>
+          <a:p>
+            <a:pPr marL="201168" lvl="1" indent="0">
+              <a:lnSpc>
+                <a:spcPct val="110000"/>
+              </a:lnSpc>
+              <a:spcBef>
+                <a:spcPts val="0"/>
+              </a:spcBef>
+              <a:spcAft>
+                <a:spcPts val="0"/>
+              </a:spcAft>
+              <a:buNone/>
+            </a:pPr>
+            <a:endParaRPr lang="en-US" sz="2800" dirty="0"/>
+          </a:p>
+          <a:p>
+            <a:pPr marL="201168" lvl="1" indent="0">
+              <a:lnSpc>
+                <a:spcPct val="110000"/>
+              </a:lnSpc>
+              <a:spcBef>
+                <a:spcPts val="0"/>
+              </a:spcBef>
+              <a:spcAft>
+                <a:spcPts val="0"/>
+              </a:spcAft>
+              <a:buNone/>
+            </a:pPr>
+            <a:r>
+              <a:rPr lang="en-US" sz="2800" dirty="0"/>
+              <a:t>Conclusions:</a:t>
+            </a:r>
+          </a:p>
+          <a:p>
+            <a:pPr lvl="1">
+              <a:lnSpc>
+                <a:spcPct val="110000"/>
+              </a:lnSpc>
+              <a:spcBef>
+                <a:spcPts val="0"/>
+              </a:spcBef>
+              <a:spcAft>
+                <a:spcPts val="0"/>
+              </a:spcAft>
+              <a:buFont typeface="Arial" panose="020B0604020202020204" pitchFamily="34" charset="0"/>
+              <a:buChar char="•"/>
+            </a:pPr>
+            <a:r>
+              <a:rPr lang="en-US" sz="2800" dirty="0"/>
+              <a:t>Need to be aware of your sugar intake to maintain a healthy lifestyle.</a:t>
+            </a:r>
+          </a:p>
+          <a:p>
+            <a:pPr lvl="1">
+              <a:lnSpc>
+                <a:spcPct val="110000"/>
+              </a:lnSpc>
+              <a:spcBef>
+                <a:spcPts val="0"/>
+              </a:spcBef>
+              <a:spcAft>
+                <a:spcPts val="0"/>
+              </a:spcAft>
+              <a:buFont typeface="Arial" panose="020B0604020202020204" pitchFamily="34" charset="0"/>
+              <a:buChar char="•"/>
+            </a:pPr>
+            <a:r>
+              <a:rPr lang="en-US" sz="2800" dirty="0"/>
+              <a:t>Unhealthy items are lower priced than healthy/organic products.</a:t>
+            </a:r>
+          </a:p>
+          <a:p>
+            <a:pPr lvl="1">
+              <a:lnSpc>
+                <a:spcPct val="110000"/>
+              </a:lnSpc>
+              <a:spcBef>
+                <a:spcPts val="0"/>
+              </a:spcBef>
+              <a:spcAft>
+                <a:spcPts val="0"/>
+              </a:spcAft>
+              <a:buFont typeface="Arial" panose="020B0604020202020204" pitchFamily="34" charset="0"/>
+              <a:buChar char="•"/>
+            </a:pPr>
+            <a:r>
+              <a:rPr lang="en-US" sz="2800" dirty="0"/>
+              <a:t>Increasing sugar intake will have negative health impacts for the majority.</a:t>
+            </a:r>
+          </a:p>
+          <a:p>
+            <a:pPr lvl="1">
+              <a:lnSpc>
+                <a:spcPct val="110000"/>
+              </a:lnSpc>
+              <a:spcBef>
+                <a:spcPts val="0"/>
+              </a:spcBef>
+              <a:spcAft>
+                <a:spcPts val="0"/>
+              </a:spcAft>
+              <a:buFont typeface="Arial" panose="020B0604020202020204" pitchFamily="34" charset="0"/>
+              <a:buChar char="•"/>
+            </a:pPr>
+            <a:r>
+              <a:rPr lang="en-US" sz="2800" dirty="0"/>
+              <a:t>Increase in Health Care Spending if trend continues.</a:t>
+            </a:r>
+          </a:p>
+          <a:p>
+            <a:pPr lvl="1">
+              <a:lnSpc>
+                <a:spcPct val="110000"/>
+              </a:lnSpc>
+              <a:spcBef>
+                <a:spcPts val="0"/>
+              </a:spcBef>
+              <a:spcAft>
+                <a:spcPts val="0"/>
+              </a:spcAft>
+              <a:buFont typeface="Arial" panose="020B0604020202020204" pitchFamily="34" charset="0"/>
+              <a:buChar char="•"/>
+            </a:pPr>
+            <a:endParaRPr lang="en-US" sz="2800" dirty="0"/>
+          </a:p>
+          <a:p>
+            <a:pPr lvl="2">
+              <a:lnSpc>
+                <a:spcPct val="110000"/>
+              </a:lnSpc>
+              <a:spcBef>
+                <a:spcPts val="0"/>
+              </a:spcBef>
+              <a:spcAft>
+                <a:spcPts val="0"/>
+              </a:spcAft>
+              <a:buFont typeface="Arial" panose="020B0604020202020204" pitchFamily="34" charset="0"/>
+              <a:buChar char="•"/>
+            </a:pPr>
+            <a:endParaRPr lang="en-US" sz="2800" dirty="0"/>
+          </a:p>
+        </p:txBody>
+      </p:sp>
+      <p:pic>
+        <p:nvPicPr>
+          <p:cNvPr id="6" name="Picture 5" descr="A picture containing person, table&#10;&#10;Description automatically generated">
+            <a:extLst>
+              <a:ext uri="{FF2B5EF4-FFF2-40B4-BE49-F238E27FC236}">
+                <a16:creationId xmlns:a16="http://schemas.microsoft.com/office/drawing/2014/main" id="{E4220F78-7F8B-4671-B15F-AFC179F7AC30}"/>
+              </a:ext>
+            </a:extLst>
+          </p:cNvPr>
+          <p:cNvPicPr>
+            <a:picLocks noChangeAspect="1"/>
+          </p:cNvPicPr>
+          <p:nvPr/>
+        </p:nvPicPr>
+        <p:blipFill>
+          <a:blip r:embed="rId3">
+            <a:extLst>
+              <a:ext uri="{28A0092B-C50C-407E-A947-70E740481C1C}">
+                <a14:useLocalDpi xmlns:a14="http://schemas.microsoft.com/office/drawing/2010/main" val="0"/>
+              </a:ext>
+            </a:extLst>
+          </a:blip>
+          <a:stretch>
+            <a:fillRect/>
+          </a:stretch>
+        </p:blipFill>
+        <p:spPr>
+          <a:xfrm>
+            <a:off x="0" y="-1"/>
+            <a:ext cx="4777740" cy="6389649"/>
+          </a:xfrm>
+          <a:prstGeom prst="rect">
+            <a:avLst/>
+          </a:prstGeom>
+        </p:spPr>
+      </p:pic>
+    </p:spTree>
+    <p:extLst>
+      <p:ext uri="{BB962C8B-B14F-4D97-AF65-F5344CB8AC3E}">
+        <p14:creationId xmlns:p14="http://schemas.microsoft.com/office/powerpoint/2010/main" val="2312304452"/>
       </p:ext>
     </p:extLst>
   </p:cSld>
@@ -7828,89 +8990,173 @@
             <p:ph type="title"/>
           </p:nvPr>
         </p:nvSpPr>
-        <p:spPr/>
-        <p:txBody>
-          <a:bodyPr/>
-          <a:lstStyle/>
-          <a:p>
-            <a:r>
-              <a:rPr lang="en-US" dirty="0"/>
-              <a:t>POST MORTEM</a:t>
-            </a:r>
-            <a:endParaRPr lang="en-CA" dirty="0"/>
-          </a:p>
-        </p:txBody>
-      </p:sp>
-      <p:sp>
-        <p:nvSpPr>
-          <p:cNvPr id="3" name="Content Placeholder 2">
-            <a:extLst>
-              <a:ext uri="{FF2B5EF4-FFF2-40B4-BE49-F238E27FC236}">
-                <a16:creationId xmlns:a16="http://schemas.microsoft.com/office/drawing/2014/main" id="{C990EB9B-20EF-41D2-BF3A-03ED63507C68}"/>
-              </a:ext>
-            </a:extLst>
-          </p:cNvPr>
-          <p:cNvSpPr>
-            <a:spLocks noGrp="1"/>
-          </p:cNvSpPr>
-          <p:nvPr>
-            <p:ph idx="1"/>
-          </p:nvPr>
-        </p:nvSpPr>
-        <p:spPr/>
+        <p:spPr>
+          <a:xfrm>
+            <a:off x="5172074" y="286604"/>
+            <a:ext cx="6491191" cy="1374246"/>
+          </a:xfrm>
+        </p:spPr>
         <p:txBody>
           <a:bodyPr>
             <a:normAutofit/>
           </a:bodyPr>
           <a:lstStyle/>
           <a:p>
-            <a:pPr marL="0" indent="0">
-              <a:buNone/>
+            <a:r>
+              <a:rPr lang="en-US" dirty="0"/>
+              <a:t>POST MORTEM</a:t>
+            </a:r>
+            <a:endParaRPr lang="en-CA" dirty="0"/>
+          </a:p>
+        </p:txBody>
+      </p:sp>
+      <p:sp>
+        <p:nvSpPr>
+          <p:cNvPr id="3" name="Content Placeholder 2">
+            <a:extLst>
+              <a:ext uri="{FF2B5EF4-FFF2-40B4-BE49-F238E27FC236}">
+                <a16:creationId xmlns:a16="http://schemas.microsoft.com/office/drawing/2014/main" id="{C990EB9B-20EF-41D2-BF3A-03ED63507C68}"/>
+              </a:ext>
+            </a:extLst>
+          </p:cNvPr>
+          <p:cNvSpPr>
+            <a:spLocks noGrp="1"/>
+          </p:cNvSpPr>
+          <p:nvPr>
+            <p:ph idx="1"/>
+          </p:nvPr>
+        </p:nvSpPr>
+        <p:spPr>
+          <a:xfrm>
+            <a:off x="5172074" y="2108201"/>
+            <a:ext cx="5983606" cy="3760891"/>
+          </a:xfrm>
+        </p:spPr>
+        <p:txBody>
+          <a:bodyPr>
+            <a:normAutofit/>
+          </a:bodyPr>
+          <a:lstStyle/>
+          <a:p>
+            <a:pPr marL="0" marR="0" lvl="0" indent="0" algn="l" defTabSz="914400" rtl="0" eaLnBrk="0" fontAlgn="base" latinLnBrk="0" hangingPunct="0">
+              <a:lnSpc>
+                <a:spcPct val="100000"/>
+              </a:lnSpc>
+              <a:spcBef>
+                <a:spcPct val="0"/>
+              </a:spcBef>
+              <a:spcAft>
+                <a:spcPct val="0"/>
+              </a:spcAft>
+              <a:buClrTx/>
+              <a:buSzTx/>
+              <a:buFontTx/>
+              <a:buChar char="•"/>
+              <a:tabLst/>
             </a:pPr>
             <a:r>
-              <a:rPr lang="en-US" dirty="0"/>
-              <a:t>What are the top 5 purchased grocery items in the country with the highest sugar intake? For these 5 top items, what is their sugar content?</a:t>
-            </a:r>
-          </a:p>
-          <a:p>
-            <a:pPr marL="635508" lvl="1" indent="-342900">
+              <a:rPr kumimoji="0" lang="en-US" altLang="en-US" sz="2800" b="0" i="0" u="none" strike="noStrike" cap="none" normalizeH="0" baseline="0" dirty="0">
+                <a:ln>
+                  <a:noFill/>
+                </a:ln>
+                <a:solidFill>
+                  <a:schemeClr val="tx1"/>
+                </a:solidFill>
+                <a:effectLst/>
+                <a:latin typeface="Arial" panose="020B0604020202020204" pitchFamily="34" charset="0"/>
+              </a:rPr>
+              <a:t>Discuss any difficulties that arose, and how you dealt with them </a:t>
+            </a:r>
+          </a:p>
+          <a:p>
+            <a:pPr marL="0" marR="0" lvl="0" indent="0" algn="l" defTabSz="914400" rtl="0" eaLnBrk="0" fontAlgn="base" latinLnBrk="0" hangingPunct="0">
+              <a:lnSpc>
+                <a:spcPct val="100000"/>
+              </a:lnSpc>
+              <a:spcBef>
+                <a:spcPct val="0"/>
+              </a:spcBef>
+              <a:spcAft>
+                <a:spcPct val="0"/>
+              </a:spcAft>
+              <a:buClrTx/>
+              <a:buSzTx/>
+              <a:buFontTx/>
+              <a:buChar char="•"/>
+              <a:tabLst/>
+            </a:pPr>
+            <a:r>
+              <a:rPr kumimoji="0" lang="en-US" altLang="en-US" sz="2800" b="0" i="0" u="none" strike="noStrike" cap="none" normalizeH="0" baseline="0" dirty="0">
+                <a:ln>
+                  <a:noFill/>
+                </a:ln>
+                <a:solidFill>
+                  <a:schemeClr val="tx1"/>
+                </a:solidFill>
+                <a:effectLst/>
+                <a:latin typeface="Arial" panose="020B0604020202020204" pitchFamily="34" charset="0"/>
+              </a:rPr>
+              <a:t>Discuss any additional questions that came up, but which you didn't have time to answer: What would you research next, if you had two more weeks? </a:t>
+            </a:r>
+          </a:p>
+          <a:p>
+            <a:pPr lvl="2">
+              <a:lnSpc>
+                <a:spcPct val="110000"/>
+              </a:lnSpc>
+              <a:spcBef>
+                <a:spcPts val="0"/>
+              </a:spcBef>
+              <a:spcAft>
+                <a:spcPts val="0"/>
+              </a:spcAft>
               <a:buFont typeface="Arial" panose="020B0604020202020204" pitchFamily="34" charset="0"/>
               <a:buChar char="•"/>
             </a:pPr>
-            <a:r>
-              <a:rPr lang="en-US" dirty="0"/>
-              <a:t>The American Kroger grocery store datasets had a list of groceries item purchased by 38,000+ customers.  Then we had a nutrition API  from Fat Secret to determine the sugar content.</a:t>
-            </a:r>
-          </a:p>
-          <a:p>
-            <a:pPr marL="342900" indent="-342900">
-              <a:buFont typeface="+mj-lt"/>
-              <a:buAutoNum type="arabicPeriod"/>
-            </a:pPr>
-            <a:endParaRPr lang="en-US" dirty="0"/>
-          </a:p>
-          <a:p>
-            <a:pPr marL="201168" lvl="1" indent="0">
-              <a:buNone/>
-            </a:pPr>
-            <a:endParaRPr lang="en-US" dirty="0"/>
-          </a:p>
-          <a:p>
-            <a:endParaRPr lang="en-US" dirty="0"/>
-          </a:p>
-          <a:p>
-            <a:pPr marL="342900" indent="-342900">
-              <a:buFont typeface="+mj-lt"/>
-              <a:buAutoNum type="arabicPeriod"/>
-            </a:pPr>
-            <a:endParaRPr lang="en-CA" dirty="0"/>
-          </a:p>
-        </p:txBody>
-      </p:sp>
+            <a:endParaRPr lang="en-US" sz="2800" dirty="0"/>
+          </a:p>
+        </p:txBody>
+      </p:sp>
+      <p:pic>
+        <p:nvPicPr>
+          <p:cNvPr id="5" name="Picture 4" descr="A picture containing text, clock, hand, gauge&#10;&#10;Description automatically generated">
+            <a:extLst>
+              <a:ext uri="{FF2B5EF4-FFF2-40B4-BE49-F238E27FC236}">
+                <a16:creationId xmlns:a16="http://schemas.microsoft.com/office/drawing/2014/main" id="{433DC625-9174-4629-B740-B9A47A8AA9B3}"/>
+              </a:ext>
+            </a:extLst>
+          </p:cNvPr>
+          <p:cNvPicPr>
+            <a:picLocks noChangeAspect="1"/>
+          </p:cNvPicPr>
+          <p:nvPr/>
+        </p:nvPicPr>
+        <p:blipFill>
+          <a:blip r:embed="rId3">
+            <a:extLst>
+              <a:ext uri="{28A0092B-C50C-407E-A947-70E740481C1C}">
+                <a14:useLocalDpi xmlns:a14="http://schemas.microsoft.com/office/drawing/2010/main" val="0"/>
+              </a:ext>
+            </a:extLst>
+          </a:blip>
+          <a:stretch>
+            <a:fillRect/>
+          </a:stretch>
+        </p:blipFill>
+        <p:spPr>
+          <a:xfrm>
+            <a:off x="0" y="15903"/>
+            <a:ext cx="4638907" cy="6362595"/>
+          </a:xfrm>
+          <a:prstGeom prst="rect">
+            <a:avLst/>
+          </a:prstGeom>
+        </p:spPr>
+      </p:pic>
     </p:spTree>
     <p:extLst>
       <p:ext uri="{BB962C8B-B14F-4D97-AF65-F5344CB8AC3E}">
-        <p14:creationId xmlns:p14="http://schemas.microsoft.com/office/powerpoint/2010/main" val="1648156889"/>
+        <p14:creationId xmlns:p14="http://schemas.microsoft.com/office/powerpoint/2010/main" val="275583699"/>
       </p:ext>
     </p:extLst>
   </p:cSld>
@@ -8113,6 +9359,14 @@
 <file path=ppt/slides/slide20.xml><?xml version="1.0" encoding="utf-8"?>
 <p:sld xmlns:a="http://schemas.openxmlformats.org/drawingml/2006/main" xmlns:r="http://schemas.openxmlformats.org/officeDocument/2006/relationships" xmlns:p="http://schemas.openxmlformats.org/presentationml/2006/main">
   <p:cSld>
+    <p:bg>
+      <p:bgPr>
+        <a:solidFill>
+          <a:schemeClr val="bg1"/>
+        </a:solidFill>
+        <a:effectLst/>
+      </p:bgPr>
+    </p:bg>
     <p:spTree>
       <p:nvGrpSpPr>
         <p:cNvPr id="1" name=""/>
@@ -8127,84 +9381,45 @@
           <a:chExt cx="0" cy="0"/>
         </a:xfrm>
       </p:grpSpPr>
-      <p:sp>
-        <p:nvSpPr>
-          <p:cNvPr id="2" name="Title 1">
-            <a:extLst>
-              <a:ext uri="{FF2B5EF4-FFF2-40B4-BE49-F238E27FC236}">
-                <a16:creationId xmlns:a16="http://schemas.microsoft.com/office/drawing/2014/main" id="{9C48BE68-3EC4-4686-A2A0-8A1E03C2580F}"/>
-              </a:ext>
-            </a:extLst>
-          </p:cNvPr>
-          <p:cNvSpPr>
-            <a:spLocks noGrp="1"/>
-          </p:cNvSpPr>
-          <p:nvPr>
-            <p:ph type="title"/>
-          </p:nvPr>
-        </p:nvSpPr>
-        <p:spPr/>
-        <p:txBody>
-          <a:bodyPr/>
-          <a:lstStyle/>
-          <a:p>
-            <a:r>
-              <a:rPr lang="en-US" dirty="0"/>
-              <a:t>QUESTIONS</a:t>
-            </a:r>
-            <a:endParaRPr lang="en-CA" dirty="0"/>
-          </a:p>
-        </p:txBody>
-      </p:sp>
-      <p:sp>
-        <p:nvSpPr>
-          <p:cNvPr id="3" name="Content Placeholder 2">
-            <a:extLst>
-              <a:ext uri="{FF2B5EF4-FFF2-40B4-BE49-F238E27FC236}">
-                <a16:creationId xmlns:a16="http://schemas.microsoft.com/office/drawing/2014/main" id="{C990EB9B-20EF-41D2-BF3A-03ED63507C68}"/>
-              </a:ext>
-            </a:extLst>
-          </p:cNvPr>
-          <p:cNvSpPr>
-            <a:spLocks noGrp="1"/>
-          </p:cNvSpPr>
-          <p:nvPr>
-            <p:ph idx="1"/>
-          </p:nvPr>
-        </p:nvSpPr>
-        <p:spPr/>
-        <p:txBody>
-          <a:bodyPr>
-            <a:normAutofit/>
-          </a:bodyPr>
-          <a:lstStyle/>
-          <a:p>
-            <a:pPr marL="0" indent="0">
-              <a:buNone/>
-            </a:pPr>
-            <a:r>
-              <a:rPr lang="en-US" dirty="0"/>
-              <a:t>Any questions from all of you regarding </a:t>
-            </a:r>
-            <a:r>
-              <a:rPr lang="en-US"/>
-              <a:t>our project?</a:t>
-            </a:r>
-            <a:endParaRPr lang="en-US" dirty="0"/>
-          </a:p>
-          <a:p>
-            <a:pPr marL="342900" indent="-342900">
-              <a:buFont typeface="+mj-lt"/>
-              <a:buAutoNum type="arabicPeriod"/>
-            </a:pPr>
-            <a:endParaRPr lang="en-CA" dirty="0"/>
-          </a:p>
-        </p:txBody>
-      </p:sp>
+      <p:pic>
+        <p:nvPicPr>
+          <p:cNvPr id="3" name="Picture 2">
+            <a:extLst>
+              <a:ext uri="{FF2B5EF4-FFF2-40B4-BE49-F238E27FC236}">
+                <a16:creationId xmlns:a16="http://schemas.microsoft.com/office/drawing/2014/main" id="{9E9F1B9E-F625-4363-B5F5-ED8D94CB2F72}"/>
+              </a:ext>
+            </a:extLst>
+          </p:cNvPr>
+          <p:cNvPicPr>
+            <a:picLocks noChangeAspect="1"/>
+          </p:cNvPicPr>
+          <p:nvPr/>
+        </p:nvPicPr>
+        <p:blipFill rotWithShape="1">
+          <a:blip r:embed="rId3">
+            <a:extLst>
+              <a:ext uri="{28A0092B-C50C-407E-A947-70E740481C1C}">
+                <a14:useLocalDpi xmlns:a14="http://schemas.microsoft.com/office/drawing/2010/main" val="0"/>
+              </a:ext>
+            </a:extLst>
+          </a:blip>
+          <a:srcRect t="13567" b="18457"/>
+          <a:stretch/>
+        </p:blipFill>
+        <p:spPr>
+          <a:xfrm>
+            <a:off x="20" y="10"/>
+            <a:ext cx="12191980" cy="6857990"/>
+          </a:xfrm>
+          <a:prstGeom prst="rect">
+            <a:avLst/>
+          </a:prstGeom>
+        </p:spPr>
+      </p:pic>
     </p:spTree>
     <p:extLst>
       <p:ext uri="{BB962C8B-B14F-4D97-AF65-F5344CB8AC3E}">
-        <p14:creationId xmlns:p14="http://schemas.microsoft.com/office/powerpoint/2010/main" val="3818714174"/>
+        <p14:creationId xmlns:p14="http://schemas.microsoft.com/office/powerpoint/2010/main" val="1811054921"/>
       </p:ext>
     </p:extLst>
   </p:cSld>
@@ -10396,14 +11611,6 @@
 <file path=ppt/slides/slide8.xml><?xml version="1.0" encoding="utf-8"?>
 <p:sld xmlns:a="http://schemas.openxmlformats.org/drawingml/2006/main" xmlns:r="http://schemas.openxmlformats.org/officeDocument/2006/relationships" xmlns:p="http://schemas.openxmlformats.org/presentationml/2006/main">
   <p:cSld>
-    <p:bg>
-      <p:bgPr>
-        <a:solidFill>
-          <a:schemeClr val="bg1"/>
-        </a:solidFill>
-        <a:effectLst/>
-      </p:bgPr>
-    </p:bg>
     <p:spTree>
       <p:nvGrpSpPr>
         <p:cNvPr id="1" name=""/>
@@ -10418,121 +11625,6 @@
           <a:chExt cx="0" cy="0"/>
         </a:xfrm>
       </p:grpSpPr>
-      <p:sp useBgFill="1">
-        <p:nvSpPr>
-          <p:cNvPr id="8" name="Rectangle 7">
-            <a:extLst>
-              <a:ext uri="{FF2B5EF4-FFF2-40B4-BE49-F238E27FC236}">
-                <a16:creationId xmlns:a16="http://schemas.microsoft.com/office/drawing/2014/main" id="{3741B58E-3B65-4A01-A276-975AB2CF8A08}"/>
-              </a:ext>
-              <a:ext uri="{C183D7F6-B498-43B3-948B-1728B52AA6E4}">
-                <adec:decorative xmlns:adec="http://schemas.microsoft.com/office/drawing/2017/decorative" val="1"/>
-              </a:ext>
-            </a:extLst>
-          </p:cNvPr>
-          <p:cNvSpPr>
-            <a:spLocks noGrp="1" noRot="1" noChangeAspect="1" noMove="1" noResize="1" noEditPoints="1" noAdjustHandles="1" noChangeArrowheads="1" noChangeShapeType="1" noTextEdit="1"/>
-          </p:cNvSpPr>
-          <p:nvPr>
-            <p:extLst>
-              <p:ext uri="{386F3935-93C4-4BCD-93E2-E3B085C9AB24}">
-                <p16:designElem xmlns:p16="http://schemas.microsoft.com/office/powerpoint/2015/main" val="1"/>
-              </p:ext>
-            </p:extLst>
-          </p:nvPr>
-        </p:nvSpPr>
-        <p:spPr>
-          <a:xfrm>
-            <a:off x="0" y="0"/>
-            <a:ext cx="12186315" cy="6858000"/>
-          </a:xfrm>
-          <a:prstGeom prst="rect">
-            <a:avLst/>
-          </a:prstGeom>
-          <a:ln>
-            <a:noFill/>
-          </a:ln>
-        </p:spPr>
-        <p:style>
-          <a:lnRef idx="2">
-            <a:schemeClr val="accent6">
-              <a:shade val="50000"/>
-            </a:schemeClr>
-          </a:lnRef>
-          <a:fillRef idx="1001">
-            <a:schemeClr val="lt1"/>
-          </a:fillRef>
-          <a:effectRef idx="0">
-            <a:schemeClr val="accent6"/>
-          </a:effectRef>
-          <a:fontRef idx="minor">
-            <a:schemeClr val="lt1"/>
-          </a:fontRef>
-        </p:style>
-        <p:txBody>
-          <a:bodyPr rtlCol="0" anchor="ctr"/>
-          <a:lstStyle/>
-          <a:p>
-            <a:pPr algn="ctr"/>
-            <a:endParaRPr lang="en-US"/>
-          </a:p>
-        </p:txBody>
-      </p:sp>
-      <p:sp>
-        <p:nvSpPr>
-          <p:cNvPr id="10" name="Rectangle 9">
-            <a:extLst>
-              <a:ext uri="{FF2B5EF4-FFF2-40B4-BE49-F238E27FC236}">
-                <a16:creationId xmlns:a16="http://schemas.microsoft.com/office/drawing/2014/main" id="{7AAC67C3-831B-4AB1-A259-DFB839CAFAFC}"/>
-              </a:ext>
-              <a:ext uri="{C183D7F6-B498-43B3-948B-1728B52AA6E4}">
-                <adec:decorative xmlns:adec="http://schemas.microsoft.com/office/drawing/2017/decorative" val="1"/>
-              </a:ext>
-            </a:extLst>
-          </p:cNvPr>
-          <p:cNvSpPr>
-            <a:spLocks noGrp="1" noRot="1" noChangeAspect="1" noMove="1" noResize="1" noEditPoints="1" noAdjustHandles="1" noChangeArrowheads="1" noChangeShapeType="1" noTextEdit="1"/>
-          </p:cNvSpPr>
-          <p:nvPr>
-            <p:extLst>
-              <p:ext uri="{386F3935-93C4-4BCD-93E2-E3B085C9AB24}">
-                <p16:designElem xmlns:p16="http://schemas.microsoft.com/office/powerpoint/2015/main" val="1"/>
-              </p:ext>
-            </p:extLst>
-          </p:nvPr>
-        </p:nvSpPr>
-        <p:spPr>
-          <a:xfrm>
-            <a:off x="16" y="0"/>
-            <a:ext cx="4648593" cy="6858000"/>
-          </a:xfrm>
-          <a:prstGeom prst="rect">
-            <a:avLst/>
-          </a:prstGeom>
-          <a:solidFill>
-            <a:srgbClr val="262626"/>
-          </a:solidFill>
-          <a:ln>
-            <a:noFill/>
-          </a:ln>
-        </p:spPr>
-        <p:style>
-          <a:lnRef idx="2">
-            <a:schemeClr val="accent1">
-              <a:shade val="50000"/>
-            </a:schemeClr>
-          </a:lnRef>
-          <a:fillRef idx="1">
-            <a:schemeClr val="accent1"/>
-          </a:fillRef>
-          <a:effectRef idx="0">
-            <a:schemeClr val="accent1"/>
-          </a:effectRef>
-          <a:fontRef idx="minor">
-            <a:schemeClr val="lt1"/>
-          </a:fontRef>
-        </p:style>
-      </p:sp>
       <p:sp>
         <p:nvSpPr>
           <p:cNvPr id="2" name="Title 1">
@@ -10551,38 +11643,37 @@
         </p:nvSpPr>
         <p:spPr>
           <a:xfrm>
-            <a:off x="492369" y="605896"/>
-            <a:ext cx="3642309" cy="5646208"/>
-          </a:xfrm>
-        </p:spPr>
-        <p:txBody>
-          <a:bodyPr anchor="ctr">
-            <a:normAutofit/>
+            <a:off x="5172074" y="286604"/>
+            <a:ext cx="6491191" cy="1374246"/>
+          </a:xfrm>
+        </p:spPr>
+        <p:txBody>
+          <a:bodyPr>
+            <a:normAutofit fontScale="90000"/>
           </a:bodyPr>
           <a:lstStyle/>
           <a:p>
             <a:r>
-              <a:rPr lang="en-US" sz="4400">
-                <a:solidFill>
-                  <a:srgbClr val="FFFFFF"/>
-                </a:solidFill>
-              </a:rPr>
-              <a:t>DATA CLEANUP – INSIGHTS AND DIFFICULTIES</a:t>
-            </a:r>
-            <a:endParaRPr lang="en-CA" sz="4400">
-              <a:solidFill>
-                <a:srgbClr val="FFFFFF"/>
-              </a:solidFill>
-            </a:endParaRPr>
-          </a:p>
-        </p:txBody>
-      </p:sp>
-      <p:sp>
-        <p:nvSpPr>
-          <p:cNvPr id="5" name="Content Placeholder 4">
-            <a:extLst>
-              <a:ext uri="{FF2B5EF4-FFF2-40B4-BE49-F238E27FC236}">
-                <a16:creationId xmlns:a16="http://schemas.microsoft.com/office/drawing/2014/main" id="{E7CDEC20-C4AE-4AC2-B317-585237B482AD}"/>
+              <a:rPr lang="en-US" dirty="0"/>
+              <a:t>DATA CLEANUP – </a:t>
+            </a:r>
+            <a:br>
+              <a:rPr lang="en-US" dirty="0"/>
+            </a:br>
+            <a:r>
+              <a:rPr lang="en-US" dirty="0"/>
+              <a:t>INSIGHTS AND DIFFICULTIES</a:t>
+            </a:r>
+            <a:endParaRPr lang="en-CA" dirty="0"/>
+          </a:p>
+        </p:txBody>
+      </p:sp>
+      <p:sp>
+        <p:nvSpPr>
+          <p:cNvPr id="3" name="Content Placeholder 2">
+            <a:extLst>
+              <a:ext uri="{FF2B5EF4-FFF2-40B4-BE49-F238E27FC236}">
+                <a16:creationId xmlns:a16="http://schemas.microsoft.com/office/drawing/2014/main" id="{C990EB9B-20EF-41D2-BF3A-03ED63507C68}"/>
               </a:ext>
             </a:extLst>
           </p:cNvPr>
@@ -10595,13 +11686,13 @@
         </p:nvSpPr>
         <p:spPr>
           <a:xfrm>
-            <a:off x="5140962" y="605896"/>
-            <a:ext cx="6014718" cy="5589174"/>
+            <a:off x="5172074" y="2108201"/>
+            <a:ext cx="5983606" cy="3760891"/>
           </a:xfrm>
         </p:spPr>
         <p:txBody>
           <a:bodyPr>
-            <a:normAutofit/>
+            <a:normAutofit fontScale="77500" lnSpcReduction="20000"/>
           </a:bodyPr>
           <a:lstStyle/>
           <a:p>
@@ -10619,7 +11710,7 @@
               <a:buChar char="•"/>
             </a:pPr>
             <a:r>
-              <a:rPr lang="en-US" sz="1900" dirty="0">
+              <a:rPr lang="en-US" sz="2200" dirty="0">
                 <a:latin typeface="Calibri" panose="020F0502020204030204" pitchFamily="34" charset="0"/>
                 <a:ea typeface="Calibri" panose="020F0502020204030204" pitchFamily="34" charset="0"/>
                 <a:cs typeface="Times New Roman" panose="02020603050405020304" pitchFamily="18" charset="0"/>
@@ -10641,7 +11732,7 @@
               <a:buFont typeface="Arial" panose="020B0604020202020204" pitchFamily="34" charset="0"/>
               <a:buChar char="•"/>
             </a:pPr>
-            <a:endParaRPr lang="en-US" sz="1900" dirty="0">
+            <a:endParaRPr lang="en-US" sz="2200" dirty="0">
               <a:latin typeface="Calibri" panose="020F0502020204030204" pitchFamily="34" charset="0"/>
               <a:ea typeface="Calibri" panose="020F0502020204030204" pitchFamily="34" charset="0"/>
               <a:cs typeface="Times New Roman" panose="02020603050405020304" pitchFamily="18" charset="0"/>
@@ -10662,7 +11753,7 @@
               <a:buChar char="•"/>
             </a:pPr>
             <a:r>
-              <a:rPr lang="en-US" sz="1900" dirty="0">
+              <a:rPr lang="en-US" sz="2200" dirty="0">
                 <a:effectLst/>
                 <a:latin typeface="Calibri" panose="020F0502020204030204" pitchFamily="34" charset="0"/>
                 <a:ea typeface="Calibri" panose="020F0502020204030204" pitchFamily="34" charset="0"/>
@@ -10685,7 +11776,7 @@
               <a:buFont typeface="Arial" panose="020B0604020202020204" pitchFamily="34" charset="0"/>
               <a:buChar char="•"/>
             </a:pPr>
-            <a:endParaRPr lang="en-US" sz="1900" dirty="0">
+            <a:endParaRPr lang="en-US" sz="2200" dirty="0">
               <a:latin typeface="Calibri" panose="020F0502020204030204" pitchFamily="34" charset="0"/>
               <a:ea typeface="Calibri" panose="020F0502020204030204" pitchFamily="34" charset="0"/>
               <a:cs typeface="Times New Roman" panose="02020603050405020304" pitchFamily="18" charset="0"/>
@@ -10706,7 +11797,7 @@
               <a:buChar char="•"/>
             </a:pPr>
             <a:r>
-              <a:rPr lang="en-US" sz="1900" dirty="0">
+              <a:rPr lang="en-US" sz="2200" dirty="0">
                 <a:latin typeface="Calibri" panose="020F0502020204030204" pitchFamily="34" charset="0"/>
                 <a:ea typeface="Calibri" panose="020F0502020204030204" pitchFamily="34" charset="0"/>
                 <a:cs typeface="Times New Roman" panose="02020603050405020304" pitchFamily="18" charset="0"/>
@@ -10728,7 +11819,7 @@
               <a:buFont typeface="Arial" panose="020B0604020202020204" pitchFamily="34" charset="0"/>
               <a:buChar char="•"/>
             </a:pPr>
-            <a:endParaRPr lang="en-CA" sz="1900" dirty="0">
+            <a:endParaRPr lang="en-CA" sz="2200" dirty="0">
               <a:effectLst/>
               <a:latin typeface="Calibri" panose="020F0502020204030204" pitchFamily="34" charset="0"/>
               <a:ea typeface="Calibri" panose="020F0502020204030204" pitchFamily="34" charset="0"/>
@@ -10750,7 +11841,7 @@
               <a:buChar char="•"/>
             </a:pPr>
             <a:r>
-              <a:rPr lang="en-CA" sz="1900" dirty="0">
+              <a:rPr lang="en-CA" sz="2200" dirty="0">
                 <a:effectLst/>
                 <a:latin typeface="Calibri" panose="020F0502020204030204" pitchFamily="34" charset="0"/>
                 <a:ea typeface="Calibri" panose="020F0502020204030204" pitchFamily="34" charset="0"/>
@@ -10774,7 +11865,7 @@
               <a:buChar char="Ø"/>
             </a:pPr>
             <a:r>
-              <a:rPr lang="en-CA" sz="1700" dirty="0">
+              <a:rPr lang="en-CA" sz="2100" dirty="0">
                 <a:latin typeface="Calibri" panose="020F0502020204030204" pitchFamily="34" charset="0"/>
                 <a:ea typeface="Calibri" panose="020F0502020204030204" pitchFamily="34" charset="0"/>
                 <a:cs typeface="Times New Roman" panose="02020603050405020304" pitchFamily="18" charset="0"/>
@@ -10797,7 +11888,7 @@
               <a:buChar char="Ø"/>
             </a:pPr>
             <a:r>
-              <a:rPr lang="en-CA" sz="1700" dirty="0">
+              <a:rPr lang="en-CA" sz="2100" dirty="0">
                 <a:latin typeface="Calibri" panose="020F0502020204030204" pitchFamily="34" charset="0"/>
                 <a:ea typeface="Calibri" panose="020F0502020204030204" pitchFamily="34" charset="0"/>
                 <a:cs typeface="Times New Roman" panose="02020603050405020304" pitchFamily="18" charset="0"/>
@@ -10805,7 +11896,7 @@
               <a:t>Merging </a:t>
             </a:r>
             <a:r>
-              <a:rPr lang="en-CA" sz="1700" dirty="0" err="1">
+              <a:rPr lang="en-CA" sz="2100" dirty="0" err="1">
                 <a:latin typeface="Calibri" panose="020F0502020204030204" pitchFamily="34" charset="0"/>
                 <a:ea typeface="Calibri" panose="020F0502020204030204" pitchFamily="34" charset="0"/>
                 <a:cs typeface="Times New Roman" panose="02020603050405020304" pitchFamily="18" charset="0"/>
@@ -10813,7 +11904,7 @@
               <a:t>dataframes</a:t>
             </a:r>
             <a:r>
-              <a:rPr lang="en-CA" sz="1700" dirty="0">
+              <a:rPr lang="en-CA" sz="2100" dirty="0">
                 <a:latin typeface="Calibri" panose="020F0502020204030204" pitchFamily="34" charset="0"/>
                 <a:ea typeface="Calibri" panose="020F0502020204030204" pitchFamily="34" charset="0"/>
                 <a:cs typeface="Times New Roman" panose="02020603050405020304" pitchFamily="18" charset="0"/>
@@ -10836,72 +11927,65 @@
               <a:buChar char="Ø"/>
             </a:pPr>
             <a:r>
-              <a:rPr lang="en-US" sz="1700" dirty="0">
+              <a:rPr lang="en-US" sz="2100" dirty="0">
                 <a:latin typeface="Calibri" panose="020F0502020204030204" pitchFamily="34" charset="0"/>
                 <a:cs typeface="Times New Roman" panose="02020603050405020304" pitchFamily="18" charset="0"/>
               </a:rPr>
               <a:t>Not all information for a specific country may not be available as some of the countries were not independent until 1990-1993.</a:t>
             </a:r>
-            <a:endParaRPr lang="en-CA" sz="1700" dirty="0">
+            <a:endParaRPr lang="en-CA" sz="2100" dirty="0">
               <a:latin typeface="Calibri" panose="020F0502020204030204" pitchFamily="34" charset="0"/>
               <a:cs typeface="Times New Roman" panose="02020603050405020304" pitchFamily="18" charset="0"/>
             </a:endParaRPr>
           </a:p>
           <a:p>
-            <a:pPr marR="0" lvl="0">
-              <a:lnSpc>
-                <a:spcPct val="110000"/>
-              </a:lnSpc>
-              <a:spcBef>
-                <a:spcPts val="0"/>
-              </a:spcBef>
-              <a:spcAft>
-                <a:spcPts val="800"/>
-              </a:spcAft>
-              <a:buFont typeface="Wingdings" panose="05000000000000000000" pitchFamily="2" charset="2"/>
-              <a:buChar char="Ø"/>
-            </a:pPr>
-            <a:endParaRPr lang="en-CA" sz="1700" dirty="0">
-              <a:effectLst/>
-              <a:latin typeface="Calibri" panose="020F0502020204030204" pitchFamily="34" charset="0"/>
-              <a:ea typeface="Calibri" panose="020F0502020204030204" pitchFamily="34" charset="0"/>
-              <a:cs typeface="Times New Roman" panose="02020603050405020304" pitchFamily="18" charset="0"/>
-            </a:endParaRPr>
-          </a:p>
-          <a:p>
-            <a:pPr marR="0" lvl="0">
-              <a:lnSpc>
-                <a:spcPct val="110000"/>
-              </a:lnSpc>
-              <a:spcBef>
-                <a:spcPts val="0"/>
-              </a:spcBef>
-              <a:spcAft>
-                <a:spcPts val="800"/>
-              </a:spcAft>
-              <a:buFont typeface="Wingdings" panose="05000000000000000000" pitchFamily="2" charset="2"/>
-              <a:buChar char="Ø"/>
-            </a:pPr>
-            <a:endParaRPr lang="en-CA" sz="1700" dirty="0">
-              <a:effectLst/>
-              <a:latin typeface="Calibri" panose="020F0502020204030204" pitchFamily="34" charset="0"/>
-              <a:ea typeface="Calibri" panose="020F0502020204030204" pitchFamily="34" charset="0"/>
-              <a:cs typeface="Times New Roman" panose="02020603050405020304" pitchFamily="18" charset="0"/>
-            </a:endParaRPr>
-          </a:p>
-          <a:p>
-            <a:pPr>
-              <a:buFont typeface="Wingdings" panose="05000000000000000000" pitchFamily="2" charset="2"/>
-              <a:buChar char="Ø"/>
+            <a:pPr marL="0" indent="0">
+              <a:buNone/>
             </a:pPr>
             <a:endParaRPr lang="en-CA" dirty="0"/>
           </a:p>
         </p:txBody>
       </p:sp>
+      <p:pic>
+        <p:nvPicPr>
+          <p:cNvPr id="5" name="Picture 4" descr="A picture containing text, light&#10;&#10;Description automatically generated">
+            <a:extLst>
+              <a:ext uri="{FF2B5EF4-FFF2-40B4-BE49-F238E27FC236}">
+                <a16:creationId xmlns:a16="http://schemas.microsoft.com/office/drawing/2014/main" id="{C7403585-643A-4CD5-8120-2A09D1D480DF}"/>
+              </a:ext>
+            </a:extLst>
+          </p:cNvPr>
+          <p:cNvPicPr>
+            <a:picLocks noChangeAspect="1"/>
+          </p:cNvPicPr>
+          <p:nvPr/>
+        </p:nvPicPr>
+        <p:blipFill>
+          <a:blip r:embed="rId3">
+            <a:extLst>
+              <a:ext uri="{28A0092B-C50C-407E-A947-70E740481C1C}">
+                <a14:useLocalDpi xmlns:a14="http://schemas.microsoft.com/office/drawing/2010/main" val="0"/>
+              </a:ext>
+            </a:extLst>
+          </a:blip>
+          <a:stretch>
+            <a:fillRect/>
+          </a:stretch>
+        </p:blipFill>
+        <p:spPr>
+          <a:xfrm>
+            <a:off x="0" y="0"/>
+            <a:ext cx="4768645" cy="6416795"/>
+          </a:xfrm>
+          <a:prstGeom prst="rect">
+            <a:avLst/>
+          </a:prstGeom>
+        </p:spPr>
+      </p:pic>
     </p:spTree>
     <p:extLst>
       <p:ext uri="{BB962C8B-B14F-4D97-AF65-F5344CB8AC3E}">
-        <p14:creationId xmlns:p14="http://schemas.microsoft.com/office/powerpoint/2010/main" val="2792338795"/>
+        <p14:creationId xmlns:p14="http://schemas.microsoft.com/office/powerpoint/2010/main" val="1809479447"/>
       </p:ext>
     </p:extLst>
   </p:cSld>
@@ -10914,14 +11998,6 @@
 <file path=ppt/slides/slide9.xml><?xml version="1.0" encoding="utf-8"?>
 <p:sld xmlns:a="http://schemas.openxmlformats.org/drawingml/2006/main" xmlns:r="http://schemas.openxmlformats.org/officeDocument/2006/relationships" xmlns:p="http://schemas.openxmlformats.org/presentationml/2006/main">
   <p:cSld>
-    <p:bg>
-      <p:bgPr>
-        <a:solidFill>
-          <a:schemeClr val="bg1"/>
-        </a:solidFill>
-        <a:effectLst/>
-      </p:bgPr>
-    </p:bg>
     <p:spTree>
       <p:nvGrpSpPr>
         <p:cNvPr id="1" name=""/>
@@ -10936,121 +12012,6 @@
           <a:chExt cx="0" cy="0"/>
         </a:xfrm>
       </p:grpSpPr>
-      <p:sp useBgFill="1">
-        <p:nvSpPr>
-          <p:cNvPr id="8" name="Rectangle 7">
-            <a:extLst>
-              <a:ext uri="{FF2B5EF4-FFF2-40B4-BE49-F238E27FC236}">
-                <a16:creationId xmlns:a16="http://schemas.microsoft.com/office/drawing/2014/main" id="{3741B58E-3B65-4A01-A276-975AB2CF8A08}"/>
-              </a:ext>
-              <a:ext uri="{C183D7F6-B498-43B3-948B-1728B52AA6E4}">
-                <adec:decorative xmlns:adec="http://schemas.microsoft.com/office/drawing/2017/decorative" val="1"/>
-              </a:ext>
-            </a:extLst>
-          </p:cNvPr>
-          <p:cNvSpPr>
-            <a:spLocks noGrp="1" noRot="1" noChangeAspect="1" noMove="1" noResize="1" noEditPoints="1" noAdjustHandles="1" noChangeArrowheads="1" noChangeShapeType="1" noTextEdit="1"/>
-          </p:cNvSpPr>
-          <p:nvPr>
-            <p:extLst>
-              <p:ext uri="{386F3935-93C4-4BCD-93E2-E3B085C9AB24}">
-                <p16:designElem xmlns:p16="http://schemas.microsoft.com/office/powerpoint/2015/main" val="1"/>
-              </p:ext>
-            </p:extLst>
-          </p:nvPr>
-        </p:nvSpPr>
-        <p:spPr>
-          <a:xfrm>
-            <a:off x="0" y="0"/>
-            <a:ext cx="12186315" cy="6858000"/>
-          </a:xfrm>
-          <a:prstGeom prst="rect">
-            <a:avLst/>
-          </a:prstGeom>
-          <a:ln>
-            <a:noFill/>
-          </a:ln>
-        </p:spPr>
-        <p:style>
-          <a:lnRef idx="2">
-            <a:schemeClr val="accent6">
-              <a:shade val="50000"/>
-            </a:schemeClr>
-          </a:lnRef>
-          <a:fillRef idx="1001">
-            <a:schemeClr val="lt1"/>
-          </a:fillRef>
-          <a:effectRef idx="0">
-            <a:schemeClr val="accent6"/>
-          </a:effectRef>
-          <a:fontRef idx="minor">
-            <a:schemeClr val="lt1"/>
-          </a:fontRef>
-        </p:style>
-        <p:txBody>
-          <a:bodyPr rtlCol="0" anchor="ctr"/>
-          <a:lstStyle/>
-          <a:p>
-            <a:pPr algn="ctr"/>
-            <a:endParaRPr lang="en-US"/>
-          </a:p>
-        </p:txBody>
-      </p:sp>
-      <p:sp>
-        <p:nvSpPr>
-          <p:cNvPr id="10" name="Rectangle 9">
-            <a:extLst>
-              <a:ext uri="{FF2B5EF4-FFF2-40B4-BE49-F238E27FC236}">
-                <a16:creationId xmlns:a16="http://schemas.microsoft.com/office/drawing/2014/main" id="{7AAC67C3-831B-4AB1-A259-DFB839CAFAFC}"/>
-              </a:ext>
-              <a:ext uri="{C183D7F6-B498-43B3-948B-1728B52AA6E4}">
-                <adec:decorative xmlns:adec="http://schemas.microsoft.com/office/drawing/2017/decorative" val="1"/>
-              </a:ext>
-            </a:extLst>
-          </p:cNvPr>
-          <p:cNvSpPr>
-            <a:spLocks noGrp="1" noRot="1" noChangeAspect="1" noMove="1" noResize="1" noEditPoints="1" noAdjustHandles="1" noChangeArrowheads="1" noChangeShapeType="1" noTextEdit="1"/>
-          </p:cNvSpPr>
-          <p:nvPr>
-            <p:extLst>
-              <p:ext uri="{386F3935-93C4-4BCD-93E2-E3B085C9AB24}">
-                <p16:designElem xmlns:p16="http://schemas.microsoft.com/office/powerpoint/2015/main" val="1"/>
-              </p:ext>
-            </p:extLst>
-          </p:nvPr>
-        </p:nvSpPr>
-        <p:spPr>
-          <a:xfrm>
-            <a:off x="16" y="0"/>
-            <a:ext cx="4648593" cy="6858000"/>
-          </a:xfrm>
-          <a:prstGeom prst="rect">
-            <a:avLst/>
-          </a:prstGeom>
-          <a:solidFill>
-            <a:srgbClr val="262626"/>
-          </a:solidFill>
-          <a:ln>
-            <a:noFill/>
-          </a:ln>
-        </p:spPr>
-        <p:style>
-          <a:lnRef idx="2">
-            <a:schemeClr val="accent1">
-              <a:shade val="50000"/>
-            </a:schemeClr>
-          </a:lnRef>
-          <a:fillRef idx="1">
-            <a:schemeClr val="accent1"/>
-          </a:fillRef>
-          <a:effectRef idx="0">
-            <a:schemeClr val="accent1"/>
-          </a:effectRef>
-          <a:fontRef idx="minor">
-            <a:schemeClr val="lt1"/>
-          </a:fontRef>
-        </p:style>
-      </p:sp>
       <p:sp>
         <p:nvSpPr>
           <p:cNvPr id="2" name="Title 1">
@@ -11069,67 +12030,60 @@
         </p:nvSpPr>
         <p:spPr>
           <a:xfrm>
-            <a:off x="492369" y="605896"/>
-            <a:ext cx="3642309" cy="5646208"/>
-          </a:xfrm>
-        </p:spPr>
-        <p:txBody>
-          <a:bodyPr anchor="ctr">
+            <a:off x="5172074" y="286604"/>
+            <a:ext cx="6491191" cy="1374246"/>
+          </a:xfrm>
+        </p:spPr>
+        <p:txBody>
+          <a:bodyPr>
             <a:normAutofit/>
           </a:bodyPr>
           <a:lstStyle/>
           <a:p>
             <a:r>
-              <a:rPr lang="en-US" sz="4400">
-                <a:solidFill>
-                  <a:srgbClr val="FFFFFF"/>
-                </a:solidFill>
-              </a:rPr>
+              <a:rPr lang="en-US" dirty="0"/>
               <a:t>INTERESTING DISCOVERY</a:t>
             </a:r>
-            <a:endParaRPr lang="en-CA" sz="4400">
-              <a:solidFill>
-                <a:srgbClr val="FFFFFF"/>
-              </a:solidFill>
-            </a:endParaRPr>
-          </a:p>
-        </p:txBody>
-      </p:sp>
-      <p:sp>
-        <p:nvSpPr>
-          <p:cNvPr id="7" name="TextBox 6">
-            <a:extLst>
-              <a:ext uri="{FF2B5EF4-FFF2-40B4-BE49-F238E27FC236}">
-                <a16:creationId xmlns:a16="http://schemas.microsoft.com/office/drawing/2014/main" id="{1A6CCA0A-BC49-45B5-83A2-84F2AA51B5D8}"/>
-              </a:ext>
-            </a:extLst>
-          </p:cNvPr>
-          <p:cNvSpPr txBox="1"/>
-          <p:nvPr/>
-        </p:nvSpPr>
-        <p:spPr>
-          <a:xfrm>
-            <a:off x="5144072" y="258325"/>
-            <a:ext cx="6481871" cy="4760278"/>
-          </a:xfrm>
-          <a:prstGeom prst="rect">
-            <a:avLst/>
-          </a:prstGeom>
-          <a:noFill/>
-        </p:spPr>
-        <p:txBody>
-          <a:bodyPr wrap="square">
-            <a:spAutoFit/>
+            <a:endParaRPr lang="en-CA" dirty="0"/>
+          </a:p>
+        </p:txBody>
+      </p:sp>
+      <p:sp>
+        <p:nvSpPr>
+          <p:cNvPr id="3" name="Content Placeholder 2">
+            <a:extLst>
+              <a:ext uri="{FF2B5EF4-FFF2-40B4-BE49-F238E27FC236}">
+                <a16:creationId xmlns:a16="http://schemas.microsoft.com/office/drawing/2014/main" id="{C990EB9B-20EF-41D2-BF3A-03ED63507C68}"/>
+              </a:ext>
+            </a:extLst>
+          </p:cNvPr>
+          <p:cNvSpPr>
+            <a:spLocks noGrp="1"/>
+          </p:cNvSpPr>
+          <p:nvPr>
+            <p:ph idx="1"/>
+          </p:nvPr>
+        </p:nvSpPr>
+        <p:spPr>
+          <a:xfrm>
+            <a:off x="5172074" y="2108201"/>
+            <a:ext cx="5983606" cy="3760891"/>
+          </a:xfrm>
+        </p:spPr>
+        <p:txBody>
+          <a:bodyPr>
+            <a:normAutofit/>
           </a:bodyPr>
           <a:lstStyle/>
           <a:p>
-            <a:pPr marL="0" marR="0">
+            <a:pPr marL="0" marR="0" indent="0">
               <a:spcBef>
                 <a:spcPts val="0"/>
               </a:spcBef>
               <a:spcAft>
                 <a:spcPts val="800"/>
               </a:spcAft>
+              <a:buNone/>
             </a:pPr>
             <a:r>
               <a:rPr lang="en-US" sz="1900" b="1" dirty="0">
@@ -11139,18 +12093,6 @@
               </a:rPr>
               <a:t>Upon retrieving the datasets, we were able to find the following trends:</a:t>
             </a:r>
-          </a:p>
-          <a:p>
-            <a:pPr marL="342900" marR="0" indent="-342900">
-              <a:spcBef>
-                <a:spcPts val="0"/>
-              </a:spcBef>
-              <a:spcAft>
-                <a:spcPts val="800"/>
-              </a:spcAft>
-              <a:buFont typeface="Wingdings" panose="05000000000000000000" pitchFamily="2" charset="2"/>
-              <a:buChar char="Ø"/>
-            </a:pPr>
             <a:endParaRPr lang="en-CA" sz="1900" dirty="0">
               <a:effectLst/>
               <a:latin typeface="Calibri" panose="020F0502020204030204" pitchFamily="34" charset="0"/>
@@ -11329,18 +12271,53 @@
             <a:endParaRPr lang="en-US" sz="1900" dirty="0"/>
           </a:p>
           <a:p>
-            <a:pPr marL="342900" indent="-342900">
-              <a:buFont typeface="+mj-lt"/>
-              <a:buAutoNum type="arabicPeriod"/>
+            <a:pPr marL="0" indent="0">
+              <a:buNone/>
             </a:pPr>
-            <a:endParaRPr lang="en-CA" sz="2400" dirty="0"/>
-          </a:p>
-        </p:txBody>
-      </p:sp>
+            <a:endParaRPr lang="en-CA" dirty="0"/>
+          </a:p>
+        </p:txBody>
+      </p:sp>
+      <p:pic>
+        <p:nvPicPr>
+          <p:cNvPr id="6" name="Picture 5" descr="A picture containing background pattern&#10;&#10;Description automatically generated">
+            <a:extLst>
+              <a:ext uri="{FF2B5EF4-FFF2-40B4-BE49-F238E27FC236}">
+                <a16:creationId xmlns:a16="http://schemas.microsoft.com/office/drawing/2014/main" id="{AB07CA6C-FC58-41F8-B25D-1F1877B55D0E}"/>
+              </a:ext>
+            </a:extLst>
+          </p:cNvPr>
+          <p:cNvPicPr>
+            <a:picLocks noChangeAspect="1"/>
+          </p:cNvPicPr>
+          <p:nvPr/>
+        </p:nvPicPr>
+        <p:blipFill>
+          <a:blip r:embed="rId3">
+            <a:extLst>
+              <a:ext uri="{28A0092B-C50C-407E-A947-70E740481C1C}">
+                <a14:useLocalDpi xmlns:a14="http://schemas.microsoft.com/office/drawing/2010/main" val="0"/>
+              </a:ext>
+            </a:extLst>
+          </a:blip>
+          <a:stretch>
+            <a:fillRect/>
+          </a:stretch>
+        </p:blipFill>
+        <p:spPr>
+          <a:xfrm>
+            <a:off x="66481" y="0"/>
+            <a:ext cx="4700827" cy="6400800"/>
+          </a:xfrm>
+          <a:prstGeom prst="rect">
+            <a:avLst/>
+          </a:prstGeom>
+        </p:spPr>
+      </p:pic>
     </p:spTree>
     <p:extLst>
       <p:ext uri="{BB962C8B-B14F-4D97-AF65-F5344CB8AC3E}">
-        <p14:creationId xmlns:p14="http://schemas.microsoft.com/office/powerpoint/2010/main" val="1672048214"/>
+        <p14:creationId xmlns:p14="http://schemas.microsoft.com/office/powerpoint/2010/main" val="1173712984"/>
       </p:ext>
     </p:extLst>
   </p:cSld>

--- a/Effects of Sugar Consumption.pptx
+++ b/Effects of Sugar Consumption.pptx
@@ -14,7 +14,7 @@
     <p:sldId id="280" r:id="rId5"/>
     <p:sldId id="258" r:id="rId6"/>
     <p:sldId id="287" r:id="rId7"/>
-    <p:sldId id="285" r:id="rId8"/>
+    <p:sldId id="293" r:id="rId8"/>
     <p:sldId id="288" r:id="rId9"/>
     <p:sldId id="289" r:id="rId10"/>
     <p:sldId id="286" r:id="rId11"/>
@@ -667,6 +667,148 @@
           <a:p>
             <a:fld id="{EE596BCB-CEC5-4086-BD46-775CD732B91C}" type="slidenum">
               <a:rPr lang="en-CA" smtClean="0"/>
+              <a:t>18</a:t>
+            </a:fld>
+            <a:endParaRPr lang="en-CA"/>
+          </a:p>
+        </p:txBody>
+      </p:sp>
+    </p:spTree>
+    <p:extLst>
+      <p:ext uri="{BB962C8B-B14F-4D97-AF65-F5344CB8AC3E}">
+        <p14:creationId xmlns:p14="http://schemas.microsoft.com/office/powerpoint/2010/main" val="267783443"/>
+      </p:ext>
+    </p:extLst>
+  </p:cSld>
+  <p:clrMapOvr>
+    <a:masterClrMapping/>
+  </p:clrMapOvr>
+</p:notes>
+</file>
+
+<file path=ppt/notesSlides/notesSlide11.xml><?xml version="1.0" encoding="utf-8"?>
+<p:notes xmlns:a="http://schemas.openxmlformats.org/drawingml/2006/main" xmlns:r="http://schemas.openxmlformats.org/officeDocument/2006/relationships" xmlns:p="http://schemas.openxmlformats.org/presentationml/2006/main">
+  <p:cSld>
+    <p:spTree>
+      <p:nvGrpSpPr>
+        <p:cNvPr id="1" name=""/>
+        <p:cNvGrpSpPr/>
+        <p:nvPr/>
+      </p:nvGrpSpPr>
+      <p:grpSpPr>
+        <a:xfrm>
+          <a:off x="0" y="0"/>
+          <a:ext cx="0" cy="0"/>
+          <a:chOff x="0" y="0"/>
+          <a:chExt cx="0" cy="0"/>
+        </a:xfrm>
+      </p:grpSpPr>
+      <p:sp>
+        <p:nvSpPr>
+          <p:cNvPr id="2" name="Slide Image Placeholder 1"/>
+          <p:cNvSpPr>
+            <a:spLocks noGrp="1" noRot="1" noChangeAspect="1"/>
+          </p:cNvSpPr>
+          <p:nvPr>
+            <p:ph type="sldImg"/>
+          </p:nvPr>
+        </p:nvSpPr>
+        <p:spPr/>
+      </p:sp>
+      <p:sp>
+        <p:nvSpPr>
+          <p:cNvPr id="3" name="Notes Placeholder 2"/>
+          <p:cNvSpPr>
+            <a:spLocks noGrp="1"/>
+          </p:cNvSpPr>
+          <p:nvPr>
+            <p:ph type="body" idx="1"/>
+          </p:nvPr>
+        </p:nvSpPr>
+        <p:spPr/>
+        <p:txBody>
+          <a:bodyPr/>
+          <a:lstStyle/>
+          <a:p>
+            <a:pPr marL="0" marR="0" lvl="0" indent="0" algn="l" defTabSz="914400" rtl="0" eaLnBrk="1" fontAlgn="auto" latinLnBrk="0" hangingPunct="1">
+              <a:lnSpc>
+                <a:spcPct val="100000"/>
+              </a:lnSpc>
+              <a:spcBef>
+                <a:spcPts val="0"/>
+              </a:spcBef>
+              <a:spcAft>
+                <a:spcPts val="0"/>
+              </a:spcAft>
+              <a:buClrTx/>
+              <a:buSzTx/>
+              <a:buFontTx/>
+              <a:buNone/>
+              <a:tabLst/>
+              <a:defRPr/>
+            </a:pPr>
+            <a:r>
+              <a:rPr lang="en-US" dirty="0"/>
+              <a:t>Difficulties – API </a:t>
+            </a:r>
+            <a:r>
+              <a:rPr lang="en-US" dirty="0">
+                <a:sym typeface="Wingdings" panose="05000000000000000000" pitchFamily="2" charset="2"/>
+              </a:rPr>
+              <a:t> Kapil to fill in </a:t>
+            </a:r>
+          </a:p>
+          <a:p>
+            <a:pPr marL="0" marR="0" lvl="0" indent="0" algn="l" defTabSz="914400" rtl="0" eaLnBrk="1" fontAlgn="auto" latinLnBrk="0" hangingPunct="1">
+              <a:lnSpc>
+                <a:spcPct val="100000"/>
+              </a:lnSpc>
+              <a:spcBef>
+                <a:spcPts val="0"/>
+              </a:spcBef>
+              <a:spcAft>
+                <a:spcPts val="0"/>
+              </a:spcAft>
+              <a:buClrTx/>
+              <a:buSzTx/>
+              <a:buFontTx/>
+              <a:buNone/>
+              <a:tabLst/>
+              <a:defRPr/>
+            </a:pPr>
+            <a:r>
+              <a:rPr lang="en-US" dirty="0">
+                <a:sym typeface="Wingdings" panose="05000000000000000000" pitchFamily="2" charset="2"/>
+              </a:rPr>
+              <a:t>Questions – How it has impacts on other disease, how it relates to age, does having a healthy </a:t>
+            </a:r>
+            <a:r>
+              <a:rPr lang="en-US">
+                <a:sym typeface="Wingdings" panose="05000000000000000000" pitchFamily="2" charset="2"/>
+              </a:rPr>
+              <a:t>lifestyle affect it?</a:t>
+            </a:r>
+            <a:endParaRPr lang="en-CA" dirty="0"/>
+          </a:p>
+        </p:txBody>
+      </p:sp>
+      <p:sp>
+        <p:nvSpPr>
+          <p:cNvPr id="4" name="Slide Number Placeholder 3"/>
+          <p:cNvSpPr>
+            <a:spLocks noGrp="1"/>
+          </p:cNvSpPr>
+          <p:nvPr>
+            <p:ph type="sldNum" sz="quarter" idx="5"/>
+          </p:nvPr>
+        </p:nvSpPr>
+        <p:spPr/>
+        <p:txBody>
+          <a:bodyPr/>
+          <a:lstStyle/>
+          <a:p>
+            <a:fld id="{EE596BCB-CEC5-4086-BD46-775CD732B91C}" type="slidenum">
+              <a:rPr lang="en-CA" smtClean="0"/>
               <a:t>19</a:t>
             </a:fld>
             <a:endParaRPr lang="en-CA"/>
@@ -686,7 +828,7 @@
 </p:notes>
 </file>
 
-<file path=ppt/notesSlides/notesSlide11.xml><?xml version="1.0" encoding="utf-8"?>
+<file path=ppt/notesSlides/notesSlide12.xml><?xml version="1.0" encoding="utf-8"?>
 <p:notes xmlns:a="http://schemas.openxmlformats.org/drawingml/2006/main" xmlns:r="http://schemas.openxmlformats.org/officeDocument/2006/relationships" xmlns:p="http://schemas.openxmlformats.org/presentationml/2006/main">
   <p:cSld>
     <p:spTree>
@@ -953,7 +1095,7 @@
           <a:p>
             <a:fld id="{EE596BCB-CEC5-4086-BD46-775CD732B91C}" type="slidenum">
               <a:rPr lang="en-CA" smtClean="0"/>
-              <a:t>8</a:t>
+              <a:t>7</a:t>
             </a:fld>
             <a:endParaRPr lang="en-CA"/>
           </a:p>
@@ -962,7 +1104,7 @@
     </p:spTree>
     <p:extLst>
       <p:ext uri="{BB962C8B-B14F-4D97-AF65-F5344CB8AC3E}">
-        <p14:creationId xmlns:p14="http://schemas.microsoft.com/office/powerpoint/2010/main" val="1693989859"/>
+        <p14:creationId xmlns:p14="http://schemas.microsoft.com/office/powerpoint/2010/main" val="1718359506"/>
       </p:ext>
     </p:extLst>
   </p:cSld>
@@ -1054,7 +1196,7 @@
           <a:p>
             <a:fld id="{EE596BCB-CEC5-4086-BD46-775CD732B91C}" type="slidenum">
               <a:rPr lang="en-CA" smtClean="0"/>
-              <a:t>9</a:t>
+              <a:t>8</a:t>
             </a:fld>
             <a:endParaRPr lang="en-CA"/>
           </a:p>
@@ -1063,7 +1205,7 @@
     </p:spTree>
     <p:extLst>
       <p:ext uri="{BB962C8B-B14F-4D97-AF65-F5344CB8AC3E}">
-        <p14:creationId xmlns:p14="http://schemas.microsoft.com/office/powerpoint/2010/main" val="229754301"/>
+        <p14:creationId xmlns:p14="http://schemas.microsoft.com/office/powerpoint/2010/main" val="1693989859"/>
       </p:ext>
     </p:extLst>
   </p:cSld>
@@ -1117,16 +1259,23 @@
           <a:bodyPr/>
           <a:lstStyle/>
           <a:p>
-            <a:r>
-              <a:rPr lang="en-US" dirty="0"/>
-              <a:t>AMARIS TO INPUT HER GRAPH </a:t>
-            </a:r>
-            <a:r>
-              <a:rPr lang="en-US" dirty="0">
-                <a:sym typeface="Wingdings" panose="05000000000000000000" pitchFamily="2" charset="2"/>
-              </a:rPr>
-              <a:t> WILL FIX TONIGHT</a:t>
-            </a:r>
+            <a:pPr marL="0" marR="0" lvl="0" indent="0" algn="l" defTabSz="914400" rtl="0" eaLnBrk="1" fontAlgn="auto" latinLnBrk="0" hangingPunct="1">
+              <a:lnSpc>
+                <a:spcPct val="100000"/>
+              </a:lnSpc>
+              <a:spcBef>
+                <a:spcPts val="0"/>
+              </a:spcBef>
+              <a:spcAft>
+                <a:spcPts val="0"/>
+              </a:spcAft>
+              <a:buClrTx/>
+              <a:buSzTx/>
+              <a:buFontTx/>
+              <a:buNone/>
+              <a:tabLst/>
+              <a:defRPr/>
+            </a:pPr>
             <a:endParaRPr lang="en-CA" dirty="0"/>
           </a:p>
         </p:txBody>
@@ -1148,7 +1297,7 @@
           <a:p>
             <a:fld id="{EE596BCB-CEC5-4086-BD46-775CD732B91C}" type="slidenum">
               <a:rPr lang="en-CA" smtClean="0"/>
-              <a:t>14</a:t>
+              <a:t>9</a:t>
             </a:fld>
             <a:endParaRPr lang="en-CA"/>
           </a:p>
@@ -1157,7 +1306,7 @@
     </p:spTree>
     <p:extLst>
       <p:ext uri="{BB962C8B-B14F-4D97-AF65-F5344CB8AC3E}">
-        <p14:creationId xmlns:p14="http://schemas.microsoft.com/office/powerpoint/2010/main" val="4097402806"/>
+        <p14:creationId xmlns:p14="http://schemas.microsoft.com/office/powerpoint/2010/main" val="229754301"/>
       </p:ext>
     </p:extLst>
   </p:cSld>
@@ -1211,6 +1360,16 @@
           <a:bodyPr/>
           <a:lstStyle/>
           <a:p>
+            <a:r>
+              <a:rPr lang="en-US" dirty="0"/>
+              <a:t>AMARIS TO INPUT HER GRAPH </a:t>
+            </a:r>
+            <a:r>
+              <a:rPr lang="en-US" dirty="0">
+                <a:sym typeface="Wingdings" panose="05000000000000000000" pitchFamily="2" charset="2"/>
+              </a:rPr>
+              <a:t> WILL FIX TONIGHT</a:t>
+            </a:r>
             <a:endParaRPr lang="en-CA" dirty="0"/>
           </a:p>
         </p:txBody>
@@ -1232,7 +1391,7 @@
           <a:p>
             <a:fld id="{EE596BCB-CEC5-4086-BD46-775CD732B91C}" type="slidenum">
               <a:rPr lang="en-CA" smtClean="0"/>
-              <a:t>15</a:t>
+              <a:t>14</a:t>
             </a:fld>
             <a:endParaRPr lang="en-CA"/>
           </a:p>
@@ -1241,7 +1400,7 @@
     </p:spTree>
     <p:extLst>
       <p:ext uri="{BB962C8B-B14F-4D97-AF65-F5344CB8AC3E}">
-        <p14:creationId xmlns:p14="http://schemas.microsoft.com/office/powerpoint/2010/main" val="1661738706"/>
+        <p14:creationId xmlns:p14="http://schemas.microsoft.com/office/powerpoint/2010/main" val="4097402806"/>
       </p:ext>
     </p:extLst>
   </p:cSld>
@@ -1316,7 +1475,7 @@
           <a:p>
             <a:fld id="{EE596BCB-CEC5-4086-BD46-775CD732B91C}" type="slidenum">
               <a:rPr lang="en-CA" smtClean="0"/>
-              <a:t>16</a:t>
+              <a:t>15</a:t>
             </a:fld>
             <a:endParaRPr lang="en-CA"/>
           </a:p>
@@ -1325,7 +1484,7 @@
     </p:spTree>
     <p:extLst>
       <p:ext uri="{BB962C8B-B14F-4D97-AF65-F5344CB8AC3E}">
-        <p14:creationId xmlns:p14="http://schemas.microsoft.com/office/powerpoint/2010/main" val="1362587745"/>
+        <p14:creationId xmlns:p14="http://schemas.microsoft.com/office/powerpoint/2010/main" val="1661738706"/>
       </p:ext>
     </p:extLst>
   </p:cSld>
@@ -1379,10 +1538,6 @@
           <a:bodyPr/>
           <a:lstStyle/>
           <a:p>
-            <a:r>
-              <a:rPr lang="en-US" dirty="0"/>
-              <a:t>Need Kapil and Caitlan to get final graph</a:t>
-            </a:r>
             <a:endParaRPr lang="en-CA" dirty="0"/>
           </a:p>
         </p:txBody>
@@ -1404,7 +1559,7 @@
           <a:p>
             <a:fld id="{EE596BCB-CEC5-4086-BD46-775CD732B91C}" type="slidenum">
               <a:rPr lang="en-CA" smtClean="0"/>
-              <a:t>17</a:t>
+              <a:t>16</a:t>
             </a:fld>
             <a:endParaRPr lang="en-CA"/>
           </a:p>
@@ -1413,7 +1568,7 @@
     </p:spTree>
     <p:extLst>
       <p:ext uri="{BB962C8B-B14F-4D97-AF65-F5344CB8AC3E}">
-        <p14:creationId xmlns:p14="http://schemas.microsoft.com/office/powerpoint/2010/main" val="4044454483"/>
+        <p14:creationId xmlns:p14="http://schemas.microsoft.com/office/powerpoint/2010/main" val="1362587745"/>
       </p:ext>
     </p:extLst>
   </p:cSld>
@@ -1467,23 +1622,10 @@
           <a:bodyPr/>
           <a:lstStyle/>
           <a:p>
-            <a:pPr marL="0" marR="0" lvl="0" indent="0" algn="l" defTabSz="914400" rtl="0" eaLnBrk="1" fontAlgn="auto" latinLnBrk="0" hangingPunct="1">
-              <a:lnSpc>
-                <a:spcPct val="100000"/>
-              </a:lnSpc>
-              <a:spcBef>
-                <a:spcPts val="0"/>
-              </a:spcBef>
-              <a:spcAft>
-                <a:spcPts val="0"/>
-              </a:spcAft>
-              <a:buClrTx/>
-              <a:buSzTx/>
-              <a:buFontTx/>
-              <a:buNone/>
-              <a:tabLst/>
-              <a:defRPr/>
-            </a:pPr>
+            <a:r>
+              <a:rPr lang="en-US" dirty="0"/>
+              <a:t>Need Kapil and Caitlan to get final graph</a:t>
+            </a:r>
             <a:endParaRPr lang="en-CA" dirty="0"/>
           </a:p>
         </p:txBody>
@@ -1505,7 +1647,7 @@
           <a:p>
             <a:fld id="{EE596BCB-CEC5-4086-BD46-775CD732B91C}" type="slidenum">
               <a:rPr lang="en-CA" smtClean="0"/>
-              <a:t>18</a:t>
+              <a:t>17</a:t>
             </a:fld>
             <a:endParaRPr lang="en-CA"/>
           </a:p>
@@ -1514,7 +1656,7 @@
     </p:spTree>
     <p:extLst>
       <p:ext uri="{BB962C8B-B14F-4D97-AF65-F5344CB8AC3E}">
-        <p14:creationId xmlns:p14="http://schemas.microsoft.com/office/powerpoint/2010/main" val="267783443"/>
+        <p14:creationId xmlns:p14="http://schemas.microsoft.com/office/powerpoint/2010/main" val="4044454483"/>
       </p:ext>
     </p:extLst>
   </p:cSld>
@@ -10969,7 +11111,7 @@
           <p:cNvPr id="2" name="Title 1">
             <a:extLst>
               <a:ext uri="{FF2B5EF4-FFF2-40B4-BE49-F238E27FC236}">
-                <a16:creationId xmlns:a16="http://schemas.microsoft.com/office/drawing/2014/main" id="{D394FF68-0CEC-423D-AF00-3E7A83639720}"/>
+                <a16:creationId xmlns:a16="http://schemas.microsoft.com/office/drawing/2014/main" id="{9C48BE68-3EC4-4686-A2A0-8A1E03C2580F}"/>
               </a:ext>
             </a:extLst>
           </p:cNvPr>
@@ -10980,14 +11122,28 @@
             <p:ph type="title"/>
           </p:nvPr>
         </p:nvSpPr>
-        <p:spPr/>
-        <p:txBody>
-          <a:bodyPr/>
+        <p:spPr>
+          <a:xfrm>
+            <a:off x="5172074" y="286604"/>
+            <a:ext cx="6491191" cy="1374246"/>
+          </a:xfrm>
+        </p:spPr>
+        <p:txBody>
+          <a:bodyPr>
+            <a:normAutofit fontScale="90000"/>
+          </a:bodyPr>
           <a:lstStyle/>
           <a:p>
             <a:r>
               <a:rPr lang="en-US" dirty="0"/>
-              <a:t>DATA EXPLORATION</a:t>
+              <a:t>DATA CLEANUP – </a:t>
+            </a:r>
+            <a:br>
+              <a:rPr lang="en-US" dirty="0"/>
+            </a:br>
+            <a:r>
+              <a:rPr lang="en-US" dirty="0"/>
+              <a:t>INSIGHTS AND DIFFICULTIES</a:t>
             </a:r>
             <a:endParaRPr lang="en-CA" dirty="0"/>
           </a:p>
@@ -10995,610 +11151,322 @@
       </p:sp>
       <p:sp>
         <p:nvSpPr>
-          <p:cNvPr id="4" name="Rectangle 3">
-            <a:extLst>
-              <a:ext uri="{FF2B5EF4-FFF2-40B4-BE49-F238E27FC236}">
-                <a16:creationId xmlns:a16="http://schemas.microsoft.com/office/drawing/2014/main" id="{724585C8-53A5-4A9A-9DF0-861607C88191}"/>
-              </a:ext>
-            </a:extLst>
-          </p:cNvPr>
-          <p:cNvSpPr/>
+          <p:cNvPr id="3" name="Content Placeholder 2">
+            <a:extLst>
+              <a:ext uri="{FF2B5EF4-FFF2-40B4-BE49-F238E27FC236}">
+                <a16:creationId xmlns:a16="http://schemas.microsoft.com/office/drawing/2014/main" id="{C990EB9B-20EF-41D2-BF3A-03ED63507C68}"/>
+              </a:ext>
+            </a:extLst>
+          </p:cNvPr>
+          <p:cNvSpPr>
+            <a:spLocks noGrp="1"/>
+          </p:cNvSpPr>
+          <p:nvPr>
+            <p:ph idx="1"/>
+          </p:nvPr>
+        </p:nvSpPr>
+        <p:spPr>
+          <a:xfrm>
+            <a:off x="5172074" y="2108201"/>
+            <a:ext cx="5983606" cy="3760891"/>
+          </a:xfrm>
+        </p:spPr>
+        <p:txBody>
+          <a:bodyPr>
+            <a:normAutofit fontScale="77500" lnSpcReduction="20000"/>
+          </a:bodyPr>
+          <a:lstStyle/>
+          <a:p>
+            <a:pPr lvl="1">
+              <a:lnSpc>
+                <a:spcPct val="110000"/>
+              </a:lnSpc>
+              <a:spcBef>
+                <a:spcPts val="0"/>
+              </a:spcBef>
+              <a:spcAft>
+                <a:spcPts val="0"/>
+              </a:spcAft>
+              <a:buFont typeface="Arial" panose="020B0604020202020204" pitchFamily="34" charset="0"/>
+              <a:buChar char="•"/>
+            </a:pPr>
+            <a:r>
+              <a:rPr lang="en-US" sz="2200" dirty="0">
+                <a:latin typeface="Calibri" panose="020F0502020204030204" pitchFamily="34" charset="0"/>
+                <a:ea typeface="Calibri" panose="020F0502020204030204" pitchFamily="34" charset="0"/>
+                <a:cs typeface="Times New Roman" panose="02020603050405020304" pitchFamily="18" charset="0"/>
+              </a:rPr>
+              <a:t>Requires team effort to brainstorm on where to get the data.</a:t>
+            </a:r>
+          </a:p>
+          <a:p>
+            <a:pPr marR="0" lvl="0">
+              <a:lnSpc>
+                <a:spcPct val="110000"/>
+              </a:lnSpc>
+              <a:spcBef>
+                <a:spcPts val="0"/>
+              </a:spcBef>
+              <a:spcAft>
+                <a:spcPts val="0"/>
+              </a:spcAft>
+              <a:buFont typeface="Arial" panose="020B0604020202020204" pitchFamily="34" charset="0"/>
+              <a:buChar char="•"/>
+            </a:pPr>
+            <a:endParaRPr lang="en-US" sz="2200" dirty="0">
+              <a:latin typeface="Calibri" panose="020F0502020204030204" pitchFamily="34" charset="0"/>
+              <a:ea typeface="Calibri" panose="020F0502020204030204" pitchFamily="34" charset="0"/>
+              <a:cs typeface="Times New Roman" panose="02020603050405020304" pitchFamily="18" charset="0"/>
+            </a:endParaRPr>
+          </a:p>
+          <a:p>
+            <a:pPr lvl="1">
+              <a:lnSpc>
+                <a:spcPct val="110000"/>
+              </a:lnSpc>
+              <a:spcBef>
+                <a:spcPts val="0"/>
+              </a:spcBef>
+              <a:spcAft>
+                <a:spcPts val="0"/>
+              </a:spcAft>
+              <a:buFont typeface="Arial" panose="020B0604020202020204" pitchFamily="34" charset="0"/>
+              <a:buChar char="•"/>
+            </a:pPr>
+            <a:r>
+              <a:rPr lang="en-US" sz="2200" dirty="0">
+                <a:effectLst/>
+                <a:latin typeface="Calibri" panose="020F0502020204030204" pitchFamily="34" charset="0"/>
+                <a:ea typeface="Calibri" panose="020F0502020204030204" pitchFamily="34" charset="0"/>
+                <a:cs typeface="Times New Roman" panose="02020603050405020304" pitchFamily="18" charset="0"/>
+              </a:rPr>
+              <a:t>May require paying money to access the optimal data source for analysis.</a:t>
+            </a:r>
+          </a:p>
+          <a:p>
+            <a:pPr>
+              <a:lnSpc>
+                <a:spcPct val="110000"/>
+              </a:lnSpc>
+              <a:spcBef>
+                <a:spcPts val="0"/>
+              </a:spcBef>
+              <a:spcAft>
+                <a:spcPts val="0"/>
+              </a:spcAft>
+              <a:buFont typeface="Arial" panose="020B0604020202020204" pitchFamily="34" charset="0"/>
+              <a:buChar char="•"/>
+            </a:pPr>
+            <a:endParaRPr lang="en-US" sz="2200" dirty="0">
+              <a:latin typeface="Calibri" panose="020F0502020204030204" pitchFamily="34" charset="0"/>
+              <a:ea typeface="Calibri" panose="020F0502020204030204" pitchFamily="34" charset="0"/>
+              <a:cs typeface="Times New Roman" panose="02020603050405020304" pitchFamily="18" charset="0"/>
+            </a:endParaRPr>
+          </a:p>
+          <a:p>
+            <a:pPr lvl="1">
+              <a:lnSpc>
+                <a:spcPct val="110000"/>
+              </a:lnSpc>
+              <a:spcBef>
+                <a:spcPts val="0"/>
+              </a:spcBef>
+              <a:spcAft>
+                <a:spcPts val="0"/>
+              </a:spcAft>
+              <a:buFont typeface="Arial" panose="020B0604020202020204" pitchFamily="34" charset="0"/>
+              <a:buChar char="•"/>
+            </a:pPr>
+            <a:r>
+              <a:rPr lang="en-US" sz="2200" dirty="0">
+                <a:latin typeface="Calibri" panose="020F0502020204030204" pitchFamily="34" charset="0"/>
+                <a:ea typeface="Calibri" panose="020F0502020204030204" pitchFamily="34" charset="0"/>
+                <a:cs typeface="Times New Roman" panose="02020603050405020304" pitchFamily="18" charset="0"/>
+              </a:rPr>
+              <a:t>Time consuming to research the right data for our analysis.</a:t>
+            </a:r>
+          </a:p>
+          <a:p>
+            <a:pPr marR="0" lvl="0">
+              <a:lnSpc>
+                <a:spcPct val="110000"/>
+              </a:lnSpc>
+              <a:spcBef>
+                <a:spcPts val="0"/>
+              </a:spcBef>
+              <a:spcAft>
+                <a:spcPts val="0"/>
+              </a:spcAft>
+              <a:buFont typeface="Arial" panose="020B0604020202020204" pitchFamily="34" charset="0"/>
+              <a:buChar char="•"/>
+            </a:pPr>
+            <a:endParaRPr lang="en-CA" sz="2200" dirty="0">
+              <a:effectLst/>
+              <a:latin typeface="Calibri" panose="020F0502020204030204" pitchFamily="34" charset="0"/>
+              <a:ea typeface="Calibri" panose="020F0502020204030204" pitchFamily="34" charset="0"/>
+              <a:cs typeface="Times New Roman" panose="02020603050405020304" pitchFamily="18" charset="0"/>
+            </a:endParaRPr>
+          </a:p>
+          <a:p>
+            <a:pPr lvl="1">
+              <a:lnSpc>
+                <a:spcPct val="110000"/>
+              </a:lnSpc>
+              <a:spcBef>
+                <a:spcPts val="0"/>
+              </a:spcBef>
+              <a:spcAft>
+                <a:spcPts val="800"/>
+              </a:spcAft>
+              <a:buFont typeface="Arial" panose="020B0604020202020204" pitchFamily="34" charset="0"/>
+              <a:buChar char="•"/>
+            </a:pPr>
+            <a:r>
+              <a:rPr lang="en-CA" sz="2200" dirty="0">
+                <a:effectLst/>
+                <a:latin typeface="Calibri" panose="020F0502020204030204" pitchFamily="34" charset="0"/>
+                <a:ea typeface="Calibri" panose="020F0502020204030204" pitchFamily="34" charset="0"/>
+                <a:cs typeface="Times New Roman" panose="02020603050405020304" pitchFamily="18" charset="0"/>
+              </a:rPr>
+              <a:t>Datasets are not formatted perfectly to answer our questions.</a:t>
+            </a:r>
+          </a:p>
+          <a:p>
+            <a:pPr marL="635508" lvl="1" indent="-342900">
+              <a:lnSpc>
+                <a:spcPct val="110000"/>
+              </a:lnSpc>
+              <a:spcBef>
+                <a:spcPts val="0"/>
+              </a:spcBef>
+              <a:spcAft>
+                <a:spcPts val="800"/>
+              </a:spcAft>
+              <a:buFont typeface="Wingdings" panose="05000000000000000000" pitchFamily="2" charset="2"/>
+              <a:buChar char="Ø"/>
+            </a:pPr>
+            <a:r>
+              <a:rPr lang="en-CA" sz="2100" dirty="0">
+                <a:latin typeface="Calibri" panose="020F0502020204030204" pitchFamily="34" charset="0"/>
+                <a:ea typeface="Calibri" panose="020F0502020204030204" pitchFamily="34" charset="0"/>
+                <a:cs typeface="Times New Roman" panose="02020603050405020304" pitchFamily="18" charset="0"/>
+              </a:rPr>
+              <a:t>Requires reformatting CSV files in proper rows and columns.</a:t>
+            </a:r>
+          </a:p>
+          <a:p>
+            <a:pPr marL="635508" lvl="1" indent="-342900">
+              <a:lnSpc>
+                <a:spcPct val="110000"/>
+              </a:lnSpc>
+              <a:spcBef>
+                <a:spcPts val="0"/>
+              </a:spcBef>
+              <a:spcAft>
+                <a:spcPts val="800"/>
+              </a:spcAft>
+              <a:buFont typeface="Wingdings" panose="05000000000000000000" pitchFamily="2" charset="2"/>
+              <a:buChar char="Ø"/>
+            </a:pPr>
+            <a:r>
+              <a:rPr lang="en-CA" sz="2100" dirty="0">
+                <a:latin typeface="Calibri" panose="020F0502020204030204" pitchFamily="34" charset="0"/>
+                <a:ea typeface="Calibri" panose="020F0502020204030204" pitchFamily="34" charset="0"/>
+                <a:cs typeface="Times New Roman" panose="02020603050405020304" pitchFamily="18" charset="0"/>
+              </a:rPr>
+              <a:t>Merging </a:t>
+            </a:r>
+            <a:r>
+              <a:rPr lang="en-CA" sz="2100" dirty="0" err="1">
+                <a:latin typeface="Calibri" panose="020F0502020204030204" pitchFamily="34" charset="0"/>
+                <a:ea typeface="Calibri" panose="020F0502020204030204" pitchFamily="34" charset="0"/>
+                <a:cs typeface="Times New Roman" panose="02020603050405020304" pitchFamily="18" charset="0"/>
+              </a:rPr>
+              <a:t>dataframes</a:t>
+            </a:r>
+            <a:r>
+              <a:rPr lang="en-CA" sz="2100" dirty="0">
+                <a:latin typeface="Calibri" panose="020F0502020204030204" pitchFamily="34" charset="0"/>
+                <a:ea typeface="Calibri" panose="020F0502020204030204" pitchFamily="34" charset="0"/>
+                <a:cs typeface="Times New Roman" panose="02020603050405020304" pitchFamily="18" charset="0"/>
+              </a:rPr>
+              <a:t> to determine trends and correlation.</a:t>
+            </a:r>
+          </a:p>
+          <a:p>
+            <a:pPr marL="635508" lvl="1" indent="-342900">
+              <a:lnSpc>
+                <a:spcPct val="110000"/>
+              </a:lnSpc>
+              <a:spcBef>
+                <a:spcPts val="0"/>
+              </a:spcBef>
+              <a:spcAft>
+                <a:spcPts val="800"/>
+              </a:spcAft>
+              <a:buFont typeface="Wingdings" panose="05000000000000000000" pitchFamily="2" charset="2"/>
+              <a:buChar char="Ø"/>
+            </a:pPr>
+            <a:r>
+              <a:rPr lang="en-US" sz="2100" dirty="0">
+                <a:latin typeface="Calibri" panose="020F0502020204030204" pitchFamily="34" charset="0"/>
+                <a:cs typeface="Times New Roman" panose="02020603050405020304" pitchFamily="18" charset="0"/>
+              </a:rPr>
+              <a:t>Not all information for a specific country may not be available as some of the countries were not independent until 1990-1993.</a:t>
+            </a:r>
+            <a:endParaRPr lang="en-CA" sz="2100" dirty="0">
+              <a:latin typeface="Calibri" panose="020F0502020204030204" pitchFamily="34" charset="0"/>
+              <a:cs typeface="Times New Roman" panose="02020603050405020304" pitchFamily="18" charset="0"/>
+            </a:endParaRPr>
+          </a:p>
+          <a:p>
+            <a:pPr marL="0" indent="0">
+              <a:buNone/>
+            </a:pPr>
+            <a:endParaRPr lang="en-CA" dirty="0"/>
+          </a:p>
+        </p:txBody>
+      </p:sp>
+      <p:pic>
+        <p:nvPicPr>
+          <p:cNvPr id="5" name="Picture 4" descr="A picture containing text, light&#10;&#10;Description automatically generated">
+            <a:extLst>
+              <a:ext uri="{FF2B5EF4-FFF2-40B4-BE49-F238E27FC236}">
+                <a16:creationId xmlns:a16="http://schemas.microsoft.com/office/drawing/2014/main" id="{C7403585-643A-4CD5-8120-2A09D1D480DF}"/>
+              </a:ext>
+            </a:extLst>
+          </p:cNvPr>
+          <p:cNvPicPr>
+            <a:picLocks noChangeAspect="1"/>
+          </p:cNvPicPr>
           <p:nvPr/>
-        </p:nvSpPr>
-        <p:spPr>
-          <a:xfrm>
-            <a:off x="7915411" y="2833321"/>
-            <a:ext cx="1351406" cy="918446"/>
+        </p:nvPicPr>
+        <p:blipFill>
+          <a:blip r:embed="rId3">
+            <a:extLst>
+              <a:ext uri="{28A0092B-C50C-407E-A947-70E740481C1C}">
+                <a14:useLocalDpi xmlns:a14="http://schemas.microsoft.com/office/drawing/2010/main" val="0"/>
+              </a:ext>
+            </a:extLst>
+          </a:blip>
+          <a:stretch>
+            <a:fillRect/>
+          </a:stretch>
+        </p:blipFill>
+        <p:spPr>
+          <a:xfrm>
+            <a:off x="0" y="0"/>
+            <a:ext cx="4768645" cy="6416795"/>
           </a:xfrm>
           <a:prstGeom prst="rect">
             <a:avLst/>
           </a:prstGeom>
         </p:spPr>
-        <p:style>
-          <a:lnRef idx="2">
-            <a:schemeClr val="accent1">
-              <a:shade val="50000"/>
-            </a:schemeClr>
-          </a:lnRef>
-          <a:fillRef idx="1">
-            <a:schemeClr val="accent1"/>
-          </a:fillRef>
-          <a:effectRef idx="0">
-            <a:schemeClr val="accent1"/>
-          </a:effectRef>
-          <a:fontRef idx="minor">
-            <a:schemeClr val="lt1"/>
-          </a:fontRef>
-        </p:style>
-        <p:txBody>
-          <a:bodyPr rtlCol="0" anchor="ctr"/>
-          <a:lstStyle/>
-          <a:p>
-            <a:pPr algn="ctr"/>
-            <a:r>
-              <a:rPr lang="en-US" dirty="0"/>
-              <a:t>Datasets</a:t>
-            </a:r>
-            <a:endParaRPr lang="en-CA" dirty="0"/>
-          </a:p>
-        </p:txBody>
-      </p:sp>
-      <p:sp>
-        <p:nvSpPr>
-          <p:cNvPr id="5" name="Oval 4">
-            <a:extLst>
-              <a:ext uri="{FF2B5EF4-FFF2-40B4-BE49-F238E27FC236}">
-                <a16:creationId xmlns:a16="http://schemas.microsoft.com/office/drawing/2014/main" id="{EE4D6864-6E9E-4C5B-B8A6-0070B2162D6E}"/>
-              </a:ext>
-            </a:extLst>
-          </p:cNvPr>
-          <p:cNvSpPr/>
-          <p:nvPr/>
-        </p:nvSpPr>
-        <p:spPr>
-          <a:xfrm>
-            <a:off x="6301273" y="786383"/>
-            <a:ext cx="1127553" cy="1169477"/>
-          </a:xfrm>
-          <a:prstGeom prst="ellipse">
-            <a:avLst/>
-          </a:prstGeom>
-        </p:spPr>
-        <p:style>
-          <a:lnRef idx="2">
-            <a:schemeClr val="accent1">
-              <a:shade val="50000"/>
-            </a:schemeClr>
-          </a:lnRef>
-          <a:fillRef idx="1">
-            <a:schemeClr val="accent1"/>
-          </a:fillRef>
-          <a:effectRef idx="0">
-            <a:schemeClr val="accent1"/>
-          </a:effectRef>
-          <a:fontRef idx="minor">
-            <a:schemeClr val="lt1"/>
-          </a:fontRef>
-        </p:style>
-        <p:txBody>
-          <a:bodyPr rtlCol="0" anchor="ctr"/>
-          <a:lstStyle/>
-          <a:p>
-            <a:pPr algn="ctr"/>
-            <a:r>
-              <a:rPr lang="en-US" sz="1400" dirty="0"/>
-              <a:t>FAO</a:t>
-            </a:r>
-            <a:endParaRPr lang="en-CA" sz="1400" dirty="0"/>
-          </a:p>
-        </p:txBody>
-      </p:sp>
-      <p:sp>
-        <p:nvSpPr>
-          <p:cNvPr id="6" name="Oval 5">
-            <a:extLst>
-              <a:ext uri="{FF2B5EF4-FFF2-40B4-BE49-F238E27FC236}">
-                <a16:creationId xmlns:a16="http://schemas.microsoft.com/office/drawing/2014/main" id="{49CBA62F-3022-4799-AE9B-9D52CAB7C60E}"/>
-              </a:ext>
-            </a:extLst>
-          </p:cNvPr>
-          <p:cNvSpPr/>
-          <p:nvPr/>
-        </p:nvSpPr>
-        <p:spPr>
-          <a:xfrm>
-            <a:off x="10741086" y="2833321"/>
-            <a:ext cx="1127553" cy="1169477"/>
-          </a:xfrm>
-          <a:prstGeom prst="ellipse">
-            <a:avLst/>
-          </a:prstGeom>
-        </p:spPr>
-        <p:style>
-          <a:lnRef idx="2">
-            <a:schemeClr val="accent1">
-              <a:shade val="50000"/>
-            </a:schemeClr>
-          </a:lnRef>
-          <a:fillRef idx="1">
-            <a:schemeClr val="accent1"/>
-          </a:fillRef>
-          <a:effectRef idx="0">
-            <a:schemeClr val="accent1"/>
-          </a:effectRef>
-          <a:fontRef idx="minor">
-            <a:schemeClr val="lt1"/>
-          </a:fontRef>
-        </p:style>
-        <p:txBody>
-          <a:bodyPr rtlCol="0" anchor="ctr"/>
-          <a:lstStyle/>
-          <a:p>
-            <a:pPr algn="ctr"/>
-            <a:r>
-              <a:rPr lang="en-US" sz="1400" dirty="0"/>
-              <a:t>Fat Secret API</a:t>
-            </a:r>
-            <a:endParaRPr lang="en-CA" sz="1400" dirty="0"/>
-          </a:p>
-        </p:txBody>
-      </p:sp>
-      <p:sp>
-        <p:nvSpPr>
-          <p:cNvPr id="7" name="Oval 6">
-            <a:extLst>
-              <a:ext uri="{FF2B5EF4-FFF2-40B4-BE49-F238E27FC236}">
-                <a16:creationId xmlns:a16="http://schemas.microsoft.com/office/drawing/2014/main" id="{24386BCF-7F2B-47B2-9576-BFA49C02286D}"/>
-              </a:ext>
-            </a:extLst>
-          </p:cNvPr>
-          <p:cNvSpPr/>
-          <p:nvPr/>
-        </p:nvSpPr>
-        <p:spPr>
-          <a:xfrm>
-            <a:off x="6210205" y="4613402"/>
-            <a:ext cx="1127553" cy="1169477"/>
-          </a:xfrm>
-          <a:prstGeom prst="ellipse">
-            <a:avLst/>
-          </a:prstGeom>
-        </p:spPr>
-        <p:style>
-          <a:lnRef idx="2">
-            <a:schemeClr val="accent1">
-              <a:shade val="50000"/>
-            </a:schemeClr>
-          </a:lnRef>
-          <a:fillRef idx="1">
-            <a:schemeClr val="accent1"/>
-          </a:fillRef>
-          <a:effectRef idx="0">
-            <a:schemeClr val="accent1"/>
-          </a:effectRef>
-          <a:fontRef idx="minor">
-            <a:schemeClr val="lt1"/>
-          </a:fontRef>
-        </p:style>
-        <p:txBody>
-          <a:bodyPr rtlCol="0" anchor="ctr"/>
-          <a:lstStyle/>
-          <a:p>
-            <a:pPr algn="ctr"/>
-            <a:r>
-              <a:rPr lang="en-US" sz="1400" dirty="0"/>
-              <a:t>WHO</a:t>
-            </a:r>
-            <a:endParaRPr lang="en-CA" sz="1400" dirty="0"/>
-          </a:p>
-        </p:txBody>
-      </p:sp>
-      <p:sp>
-        <p:nvSpPr>
-          <p:cNvPr id="8" name="Oval 7">
-            <a:extLst>
-              <a:ext uri="{FF2B5EF4-FFF2-40B4-BE49-F238E27FC236}">
-                <a16:creationId xmlns:a16="http://schemas.microsoft.com/office/drawing/2014/main" id="{4118F87B-BF7F-4FBD-93C4-5373B4B464C9}"/>
-              </a:ext>
-            </a:extLst>
-          </p:cNvPr>
-          <p:cNvSpPr/>
-          <p:nvPr/>
-        </p:nvSpPr>
-        <p:spPr>
-          <a:xfrm>
-            <a:off x="5156760" y="2764431"/>
-            <a:ext cx="1127553" cy="1169477"/>
-          </a:xfrm>
-          <a:prstGeom prst="ellipse">
-            <a:avLst/>
-          </a:prstGeom>
-        </p:spPr>
-        <p:style>
-          <a:lnRef idx="2">
-            <a:schemeClr val="accent1">
-              <a:shade val="50000"/>
-            </a:schemeClr>
-          </a:lnRef>
-          <a:fillRef idx="1">
-            <a:schemeClr val="accent1"/>
-          </a:fillRef>
-          <a:effectRef idx="0">
-            <a:schemeClr val="accent1"/>
-          </a:effectRef>
-          <a:fontRef idx="minor">
-            <a:schemeClr val="lt1"/>
-          </a:fontRef>
-        </p:style>
-        <p:txBody>
-          <a:bodyPr rtlCol="0" anchor="ctr"/>
-          <a:lstStyle/>
-          <a:p>
-            <a:pPr algn="ctr"/>
-            <a:r>
-              <a:rPr lang="en-US" sz="1300" dirty="0"/>
-              <a:t>Kroger Grocery Data</a:t>
-            </a:r>
-            <a:endParaRPr lang="en-CA" sz="1300" dirty="0"/>
-          </a:p>
-        </p:txBody>
-      </p:sp>
-      <p:sp>
-        <p:nvSpPr>
-          <p:cNvPr id="9" name="Oval 8">
-            <a:extLst>
-              <a:ext uri="{FF2B5EF4-FFF2-40B4-BE49-F238E27FC236}">
-                <a16:creationId xmlns:a16="http://schemas.microsoft.com/office/drawing/2014/main" id="{EB15EDBE-1478-4B75-8BC0-49928372562B}"/>
-              </a:ext>
-            </a:extLst>
-          </p:cNvPr>
-          <p:cNvSpPr/>
-          <p:nvPr/>
-        </p:nvSpPr>
-        <p:spPr>
-          <a:xfrm>
-            <a:off x="9266817" y="786383"/>
-            <a:ext cx="1127553" cy="1169477"/>
-          </a:xfrm>
-          <a:prstGeom prst="ellipse">
-            <a:avLst/>
-          </a:prstGeom>
-        </p:spPr>
-        <p:style>
-          <a:lnRef idx="2">
-            <a:schemeClr val="accent1">
-              <a:shade val="50000"/>
-            </a:schemeClr>
-          </a:lnRef>
-          <a:fillRef idx="1">
-            <a:schemeClr val="accent1"/>
-          </a:fillRef>
-          <a:effectRef idx="0">
-            <a:schemeClr val="accent1"/>
-          </a:effectRef>
-          <a:fontRef idx="minor">
-            <a:schemeClr val="lt1"/>
-          </a:fontRef>
-        </p:style>
-        <p:txBody>
-          <a:bodyPr rtlCol="0" anchor="ctr"/>
-          <a:lstStyle/>
-          <a:p>
-            <a:pPr algn="ctr"/>
-            <a:r>
-              <a:rPr lang="en-US" sz="1400" dirty="0"/>
-              <a:t>Kaggle</a:t>
-            </a:r>
-            <a:endParaRPr lang="en-CA" sz="1400" dirty="0"/>
-          </a:p>
-        </p:txBody>
-      </p:sp>
-      <p:sp>
-        <p:nvSpPr>
-          <p:cNvPr id="10" name="Oval 9">
-            <a:extLst>
-              <a:ext uri="{FF2B5EF4-FFF2-40B4-BE49-F238E27FC236}">
-                <a16:creationId xmlns:a16="http://schemas.microsoft.com/office/drawing/2014/main" id="{A5069CFC-870F-4587-8A0C-1730AE292E75}"/>
-              </a:ext>
-            </a:extLst>
-          </p:cNvPr>
-          <p:cNvSpPr/>
-          <p:nvPr/>
-        </p:nvSpPr>
-        <p:spPr>
-          <a:xfrm>
-            <a:off x="9602651" y="4690306"/>
-            <a:ext cx="1127553" cy="1169477"/>
-          </a:xfrm>
-          <a:prstGeom prst="ellipse">
-            <a:avLst/>
-          </a:prstGeom>
-        </p:spPr>
-        <p:style>
-          <a:lnRef idx="2">
-            <a:schemeClr val="accent1">
-              <a:shade val="50000"/>
-            </a:schemeClr>
-          </a:lnRef>
-          <a:fillRef idx="1">
-            <a:schemeClr val="accent1"/>
-          </a:fillRef>
-          <a:effectRef idx="0">
-            <a:schemeClr val="accent1"/>
-          </a:effectRef>
-          <a:fontRef idx="minor">
-            <a:schemeClr val="lt1"/>
-          </a:fontRef>
-        </p:style>
-        <p:txBody>
-          <a:bodyPr rtlCol="0" anchor="ctr"/>
-          <a:lstStyle/>
-          <a:p>
-            <a:pPr algn="ctr"/>
-            <a:r>
-              <a:rPr lang="en-US" sz="1300" dirty="0"/>
-              <a:t>World-bank</a:t>
-            </a:r>
-            <a:endParaRPr lang="en-CA" sz="1300" dirty="0"/>
-          </a:p>
-        </p:txBody>
-      </p:sp>
-      <p:cxnSp>
-        <p:nvCxnSpPr>
-          <p:cNvPr id="11" name="Straight Arrow Connector 10">
-            <a:extLst>
-              <a:ext uri="{FF2B5EF4-FFF2-40B4-BE49-F238E27FC236}">
-                <a16:creationId xmlns:a16="http://schemas.microsoft.com/office/drawing/2014/main" id="{3B5641E4-4928-4ABD-80F7-EC339F4EDB65}"/>
-              </a:ext>
-            </a:extLst>
-          </p:cNvPr>
-          <p:cNvCxnSpPr>
-            <a:cxnSpLocks/>
-            <a:endCxn id="4" idx="1"/>
-          </p:cNvCxnSpPr>
-          <p:nvPr/>
-        </p:nvCxnSpPr>
-        <p:spPr>
-          <a:xfrm>
-            <a:off x="6301273" y="3292544"/>
-            <a:ext cx="1614138" cy="0"/>
-          </a:xfrm>
-          <a:prstGeom prst="straightConnector1">
-            <a:avLst/>
-          </a:prstGeom>
-          <a:ln>
-            <a:tailEnd type="triangle"/>
-          </a:ln>
-        </p:spPr>
-        <p:style>
-          <a:lnRef idx="1">
-            <a:schemeClr val="accent1"/>
-          </a:lnRef>
-          <a:fillRef idx="0">
-            <a:schemeClr val="accent1"/>
-          </a:fillRef>
-          <a:effectRef idx="0">
-            <a:schemeClr val="accent1"/>
-          </a:effectRef>
-          <a:fontRef idx="minor">
-            <a:schemeClr val="tx1"/>
-          </a:fontRef>
-        </p:style>
-      </p:cxnSp>
-      <p:cxnSp>
-        <p:nvCxnSpPr>
-          <p:cNvPr id="12" name="Straight Arrow Connector 11">
-            <a:extLst>
-              <a:ext uri="{FF2B5EF4-FFF2-40B4-BE49-F238E27FC236}">
-                <a16:creationId xmlns:a16="http://schemas.microsoft.com/office/drawing/2014/main" id="{734ACEF5-C73F-4CD0-998B-6FEC449F38B9}"/>
-              </a:ext>
-            </a:extLst>
-          </p:cNvPr>
-          <p:cNvCxnSpPr>
-            <a:cxnSpLocks/>
-            <a:stCxn id="7" idx="0"/>
-          </p:cNvCxnSpPr>
-          <p:nvPr/>
-        </p:nvCxnSpPr>
-        <p:spPr>
-          <a:xfrm flipV="1">
-            <a:off x="6773982" y="3764416"/>
-            <a:ext cx="1138434" cy="848986"/>
-          </a:xfrm>
-          <a:prstGeom prst="straightConnector1">
-            <a:avLst/>
-          </a:prstGeom>
-          <a:ln>
-            <a:tailEnd type="triangle"/>
-          </a:ln>
-        </p:spPr>
-        <p:style>
-          <a:lnRef idx="1">
-            <a:schemeClr val="accent1"/>
-          </a:lnRef>
-          <a:fillRef idx="0">
-            <a:schemeClr val="accent1"/>
-          </a:fillRef>
-          <a:effectRef idx="0">
-            <a:schemeClr val="accent1"/>
-          </a:effectRef>
-          <a:fontRef idx="minor">
-            <a:schemeClr val="tx1"/>
-          </a:fontRef>
-        </p:style>
-      </p:cxnSp>
-      <p:cxnSp>
-        <p:nvCxnSpPr>
-          <p:cNvPr id="13" name="Straight Arrow Connector 12">
-            <a:extLst>
-              <a:ext uri="{FF2B5EF4-FFF2-40B4-BE49-F238E27FC236}">
-                <a16:creationId xmlns:a16="http://schemas.microsoft.com/office/drawing/2014/main" id="{0B2663C2-736F-4557-8F4B-53C5C6A577E5}"/>
-              </a:ext>
-            </a:extLst>
-          </p:cNvPr>
-          <p:cNvCxnSpPr>
-            <a:cxnSpLocks/>
-            <a:stCxn id="5" idx="4"/>
-          </p:cNvCxnSpPr>
-          <p:nvPr/>
-        </p:nvCxnSpPr>
-        <p:spPr>
-          <a:xfrm>
-            <a:off x="6865050" y="1955860"/>
-            <a:ext cx="1050360" cy="877461"/>
-          </a:xfrm>
-          <a:prstGeom prst="straightConnector1">
-            <a:avLst/>
-          </a:prstGeom>
-          <a:ln>
-            <a:tailEnd type="triangle"/>
-          </a:ln>
-        </p:spPr>
-        <p:style>
-          <a:lnRef idx="1">
-            <a:schemeClr val="accent1"/>
-          </a:lnRef>
-          <a:fillRef idx="0">
-            <a:schemeClr val="accent1"/>
-          </a:fillRef>
-          <a:effectRef idx="0">
-            <a:schemeClr val="accent1"/>
-          </a:effectRef>
-          <a:fontRef idx="minor">
-            <a:schemeClr val="tx1"/>
-          </a:fontRef>
-        </p:style>
-      </p:cxnSp>
-      <p:cxnSp>
-        <p:nvCxnSpPr>
-          <p:cNvPr id="14" name="Straight Arrow Connector 13">
-            <a:extLst>
-              <a:ext uri="{FF2B5EF4-FFF2-40B4-BE49-F238E27FC236}">
-                <a16:creationId xmlns:a16="http://schemas.microsoft.com/office/drawing/2014/main" id="{46DD48B8-09B4-454B-93C4-D44802A6696E}"/>
-              </a:ext>
-            </a:extLst>
-          </p:cNvPr>
-          <p:cNvCxnSpPr>
-            <a:cxnSpLocks/>
-            <a:stCxn id="9" idx="4"/>
-          </p:cNvCxnSpPr>
-          <p:nvPr/>
-        </p:nvCxnSpPr>
-        <p:spPr>
-          <a:xfrm flipH="1">
-            <a:off x="9266817" y="1955860"/>
-            <a:ext cx="563777" cy="864813"/>
-          </a:xfrm>
-          <a:prstGeom prst="straightConnector1">
-            <a:avLst/>
-          </a:prstGeom>
-          <a:ln>
-            <a:tailEnd type="triangle"/>
-          </a:ln>
-        </p:spPr>
-        <p:style>
-          <a:lnRef idx="1">
-            <a:schemeClr val="accent1"/>
-          </a:lnRef>
-          <a:fillRef idx="0">
-            <a:schemeClr val="accent1"/>
-          </a:fillRef>
-          <a:effectRef idx="0">
-            <a:schemeClr val="accent1"/>
-          </a:effectRef>
-          <a:fontRef idx="minor">
-            <a:schemeClr val="tx1"/>
-          </a:fontRef>
-        </p:style>
-      </p:cxnSp>
-      <p:cxnSp>
-        <p:nvCxnSpPr>
-          <p:cNvPr id="15" name="Straight Arrow Connector 14">
-            <a:extLst>
-              <a:ext uri="{FF2B5EF4-FFF2-40B4-BE49-F238E27FC236}">
-                <a16:creationId xmlns:a16="http://schemas.microsoft.com/office/drawing/2014/main" id="{2B6B13E4-B324-4783-9CCC-569161EC6CD0}"/>
-              </a:ext>
-            </a:extLst>
-          </p:cNvPr>
-          <p:cNvCxnSpPr>
-            <a:cxnSpLocks/>
-            <a:endCxn id="4" idx="3"/>
-          </p:cNvCxnSpPr>
-          <p:nvPr/>
-        </p:nvCxnSpPr>
-        <p:spPr>
-          <a:xfrm flipH="1">
-            <a:off x="9266817" y="3292544"/>
-            <a:ext cx="1463387" cy="0"/>
-          </a:xfrm>
-          <a:prstGeom prst="straightConnector1">
-            <a:avLst/>
-          </a:prstGeom>
-          <a:ln>
-            <a:tailEnd type="triangle"/>
-          </a:ln>
-        </p:spPr>
-        <p:style>
-          <a:lnRef idx="1">
-            <a:schemeClr val="accent1"/>
-          </a:lnRef>
-          <a:fillRef idx="0">
-            <a:schemeClr val="accent1"/>
-          </a:fillRef>
-          <a:effectRef idx="0">
-            <a:schemeClr val="accent1"/>
-          </a:effectRef>
-          <a:fontRef idx="minor">
-            <a:schemeClr val="tx1"/>
-          </a:fontRef>
-        </p:style>
-      </p:cxnSp>
-      <p:cxnSp>
-        <p:nvCxnSpPr>
-          <p:cNvPr id="16" name="Straight Arrow Connector 15">
-            <a:extLst>
-              <a:ext uri="{FF2B5EF4-FFF2-40B4-BE49-F238E27FC236}">
-                <a16:creationId xmlns:a16="http://schemas.microsoft.com/office/drawing/2014/main" id="{347CC324-A17A-4F12-9826-A25D166102AE}"/>
-              </a:ext>
-            </a:extLst>
-          </p:cNvPr>
-          <p:cNvCxnSpPr>
-            <a:cxnSpLocks/>
-            <a:stCxn id="10" idx="0"/>
-          </p:cNvCxnSpPr>
-          <p:nvPr/>
-        </p:nvCxnSpPr>
-        <p:spPr>
-          <a:xfrm flipH="1" flipV="1">
-            <a:off x="9266817" y="3764416"/>
-            <a:ext cx="899611" cy="925890"/>
-          </a:xfrm>
-          <a:prstGeom prst="straightConnector1">
-            <a:avLst/>
-          </a:prstGeom>
-          <a:ln>
-            <a:tailEnd type="triangle"/>
-          </a:ln>
-        </p:spPr>
-        <p:style>
-          <a:lnRef idx="1">
-            <a:schemeClr val="accent1"/>
-          </a:lnRef>
-          <a:fillRef idx="0">
-            <a:schemeClr val="accent1"/>
-          </a:fillRef>
-          <a:effectRef idx="0">
-            <a:schemeClr val="accent1"/>
-          </a:effectRef>
-          <a:fontRef idx="minor">
-            <a:schemeClr val="tx1"/>
-          </a:fontRef>
-        </p:style>
-      </p:cxnSp>
+      </p:pic>
     </p:spTree>
     <p:extLst>
       <p:ext uri="{BB962C8B-B14F-4D97-AF65-F5344CB8AC3E}">
-        <p14:creationId xmlns:p14="http://schemas.microsoft.com/office/powerpoint/2010/main" val="2538375715"/>
+        <p14:creationId xmlns:p14="http://schemas.microsoft.com/office/powerpoint/2010/main" val="3829639878"/>
       </p:ext>
     </p:extLst>
   </p:cSld>
@@ -11649,316 +11517,33 @@
         </p:spPr>
         <p:txBody>
           <a:bodyPr>
-            <a:normAutofit fontScale="90000"/>
+            <a:normAutofit/>
           </a:bodyPr>
           <a:lstStyle/>
           <a:p>
             <a:r>
               <a:rPr lang="en-US" dirty="0"/>
-              <a:t>DATA CLEANUP – </a:t>
-            </a:r>
-            <a:br>
-              <a:rPr lang="en-US" dirty="0"/>
-            </a:br>
-            <a:r>
-              <a:rPr lang="en-US" dirty="0"/>
-              <a:t>INSIGHTS AND DIFFICULTIES</a:t>
-            </a:r>
-            <a:endParaRPr lang="en-CA" dirty="0"/>
-          </a:p>
-        </p:txBody>
-      </p:sp>
-      <p:sp>
-        <p:nvSpPr>
-          <p:cNvPr id="3" name="Content Placeholder 2">
-            <a:extLst>
-              <a:ext uri="{FF2B5EF4-FFF2-40B4-BE49-F238E27FC236}">
-                <a16:creationId xmlns:a16="http://schemas.microsoft.com/office/drawing/2014/main" id="{C990EB9B-20EF-41D2-BF3A-03ED63507C68}"/>
-              </a:ext>
-            </a:extLst>
-          </p:cNvPr>
-          <p:cNvSpPr>
-            <a:spLocks noGrp="1"/>
-          </p:cNvSpPr>
-          <p:nvPr>
-            <p:ph idx="1"/>
-          </p:nvPr>
-        </p:nvSpPr>
-        <p:spPr>
-          <a:xfrm>
-            <a:off x="5172074" y="2108201"/>
-            <a:ext cx="5983606" cy="3760891"/>
-          </a:xfrm>
-        </p:spPr>
-        <p:txBody>
-          <a:bodyPr>
-            <a:normAutofit fontScale="77500" lnSpcReduction="20000"/>
-          </a:bodyPr>
-          <a:lstStyle/>
-          <a:p>
-            <a:pPr lvl="1">
-              <a:lnSpc>
-                <a:spcPct val="110000"/>
-              </a:lnSpc>
-              <a:spcBef>
-                <a:spcPts val="0"/>
-              </a:spcBef>
-              <a:spcAft>
-                <a:spcPts val="0"/>
-              </a:spcAft>
-              <a:buFont typeface="Arial" panose="020B0604020202020204" pitchFamily="34" charset="0"/>
-              <a:buChar char="•"/>
-            </a:pPr>
-            <a:r>
-              <a:rPr lang="en-US" sz="2200" dirty="0">
-                <a:latin typeface="Calibri" panose="020F0502020204030204" pitchFamily="34" charset="0"/>
-                <a:ea typeface="Calibri" panose="020F0502020204030204" pitchFamily="34" charset="0"/>
-                <a:cs typeface="Times New Roman" panose="02020603050405020304" pitchFamily="18" charset="0"/>
-              </a:rPr>
-              <a:t>Requires team effort to brainstorm on where to get the data.</a:t>
-            </a:r>
-          </a:p>
-          <a:p>
-            <a:pPr marR="0" lvl="0">
-              <a:lnSpc>
-                <a:spcPct val="110000"/>
-              </a:lnSpc>
-              <a:spcBef>
-                <a:spcPts val="0"/>
-              </a:spcBef>
-              <a:spcAft>
-                <a:spcPts val="0"/>
-              </a:spcAft>
-              <a:buFont typeface="Arial" panose="020B0604020202020204" pitchFamily="34" charset="0"/>
-              <a:buChar char="•"/>
-            </a:pPr>
-            <a:endParaRPr lang="en-US" sz="2200" dirty="0">
-              <a:latin typeface="Calibri" panose="020F0502020204030204" pitchFamily="34" charset="0"/>
-              <a:ea typeface="Calibri" panose="020F0502020204030204" pitchFamily="34" charset="0"/>
-              <a:cs typeface="Times New Roman" panose="02020603050405020304" pitchFamily="18" charset="0"/>
-            </a:endParaRPr>
-          </a:p>
-          <a:p>
-            <a:pPr lvl="1">
-              <a:lnSpc>
-                <a:spcPct val="110000"/>
-              </a:lnSpc>
-              <a:spcBef>
-                <a:spcPts val="0"/>
-              </a:spcBef>
-              <a:spcAft>
-                <a:spcPts val="0"/>
-              </a:spcAft>
-              <a:buFont typeface="Arial" panose="020B0604020202020204" pitchFamily="34" charset="0"/>
-              <a:buChar char="•"/>
-            </a:pPr>
-            <a:r>
-              <a:rPr lang="en-US" sz="2200" dirty="0">
-                <a:effectLst/>
-                <a:latin typeface="Calibri" panose="020F0502020204030204" pitchFamily="34" charset="0"/>
-                <a:ea typeface="Calibri" panose="020F0502020204030204" pitchFamily="34" charset="0"/>
-                <a:cs typeface="Times New Roman" panose="02020603050405020304" pitchFamily="18" charset="0"/>
-              </a:rPr>
-              <a:t>May require paying money to access the optimal data source for analysis.</a:t>
-            </a:r>
-          </a:p>
-          <a:p>
-            <a:pPr>
-              <a:lnSpc>
-                <a:spcPct val="110000"/>
-              </a:lnSpc>
-              <a:spcBef>
-                <a:spcPts val="0"/>
-              </a:spcBef>
-              <a:spcAft>
-                <a:spcPts val="0"/>
-              </a:spcAft>
-              <a:buFont typeface="Arial" panose="020B0604020202020204" pitchFamily="34" charset="0"/>
-              <a:buChar char="•"/>
-            </a:pPr>
-            <a:endParaRPr lang="en-US" sz="2200" dirty="0">
-              <a:latin typeface="Calibri" panose="020F0502020204030204" pitchFamily="34" charset="0"/>
-              <a:ea typeface="Calibri" panose="020F0502020204030204" pitchFamily="34" charset="0"/>
-              <a:cs typeface="Times New Roman" panose="02020603050405020304" pitchFamily="18" charset="0"/>
-            </a:endParaRPr>
-          </a:p>
-          <a:p>
-            <a:pPr lvl="1">
-              <a:lnSpc>
-                <a:spcPct val="110000"/>
-              </a:lnSpc>
-              <a:spcBef>
-                <a:spcPts val="0"/>
-              </a:spcBef>
-              <a:spcAft>
-                <a:spcPts val="0"/>
-              </a:spcAft>
-              <a:buFont typeface="Arial" panose="020B0604020202020204" pitchFamily="34" charset="0"/>
-              <a:buChar char="•"/>
-            </a:pPr>
-            <a:r>
-              <a:rPr lang="en-US" sz="2200" dirty="0">
-                <a:latin typeface="Calibri" panose="020F0502020204030204" pitchFamily="34" charset="0"/>
-                <a:ea typeface="Calibri" panose="020F0502020204030204" pitchFamily="34" charset="0"/>
-                <a:cs typeface="Times New Roman" panose="02020603050405020304" pitchFamily="18" charset="0"/>
-              </a:rPr>
-              <a:t>Time consuming to research the right data for our analysis.</a:t>
-            </a:r>
-          </a:p>
-          <a:p>
-            <a:pPr marR="0" lvl="0">
-              <a:lnSpc>
-                <a:spcPct val="110000"/>
-              </a:lnSpc>
-              <a:spcBef>
-                <a:spcPts val="0"/>
-              </a:spcBef>
-              <a:spcAft>
-                <a:spcPts val="0"/>
-              </a:spcAft>
-              <a:buFont typeface="Arial" panose="020B0604020202020204" pitchFamily="34" charset="0"/>
-              <a:buChar char="•"/>
-            </a:pPr>
-            <a:endParaRPr lang="en-CA" sz="2200" dirty="0">
-              <a:effectLst/>
-              <a:latin typeface="Calibri" panose="020F0502020204030204" pitchFamily="34" charset="0"/>
-              <a:ea typeface="Calibri" panose="020F0502020204030204" pitchFamily="34" charset="0"/>
-              <a:cs typeface="Times New Roman" panose="02020603050405020304" pitchFamily="18" charset="0"/>
-            </a:endParaRPr>
-          </a:p>
-          <a:p>
-            <a:pPr lvl="1">
-              <a:lnSpc>
-                <a:spcPct val="110000"/>
-              </a:lnSpc>
-              <a:spcBef>
-                <a:spcPts val="0"/>
-              </a:spcBef>
-              <a:spcAft>
-                <a:spcPts val="800"/>
-              </a:spcAft>
-              <a:buFont typeface="Arial" panose="020B0604020202020204" pitchFamily="34" charset="0"/>
-              <a:buChar char="•"/>
-            </a:pPr>
-            <a:r>
-              <a:rPr lang="en-CA" sz="2200" dirty="0">
-                <a:effectLst/>
-                <a:latin typeface="Calibri" panose="020F0502020204030204" pitchFamily="34" charset="0"/>
-                <a:ea typeface="Calibri" panose="020F0502020204030204" pitchFamily="34" charset="0"/>
-                <a:cs typeface="Times New Roman" panose="02020603050405020304" pitchFamily="18" charset="0"/>
-              </a:rPr>
-              <a:t>Datasets are not formatted perfectly to answer our questions.</a:t>
-            </a:r>
-          </a:p>
-          <a:p>
-            <a:pPr marL="635508" lvl="1" indent="-342900">
-              <a:lnSpc>
-                <a:spcPct val="110000"/>
-              </a:lnSpc>
-              <a:spcBef>
-                <a:spcPts val="0"/>
-              </a:spcBef>
-              <a:spcAft>
-                <a:spcPts val="800"/>
-              </a:spcAft>
-              <a:buFont typeface="Wingdings" panose="05000000000000000000" pitchFamily="2" charset="2"/>
-              <a:buChar char="Ø"/>
-            </a:pPr>
-            <a:r>
-              <a:rPr lang="en-CA" sz="2100" dirty="0">
-                <a:latin typeface="Calibri" panose="020F0502020204030204" pitchFamily="34" charset="0"/>
-                <a:ea typeface="Calibri" panose="020F0502020204030204" pitchFamily="34" charset="0"/>
-                <a:cs typeface="Times New Roman" panose="02020603050405020304" pitchFamily="18" charset="0"/>
-              </a:rPr>
-              <a:t>Requires reformatting CSV files in proper rows and columns.</a:t>
-            </a:r>
-          </a:p>
-          <a:p>
-            <a:pPr marL="635508" lvl="1" indent="-342900">
-              <a:lnSpc>
-                <a:spcPct val="110000"/>
-              </a:lnSpc>
-              <a:spcBef>
-                <a:spcPts val="0"/>
-              </a:spcBef>
-              <a:spcAft>
-                <a:spcPts val="800"/>
-              </a:spcAft>
-              <a:buFont typeface="Wingdings" panose="05000000000000000000" pitchFamily="2" charset="2"/>
-              <a:buChar char="Ø"/>
-            </a:pPr>
-            <a:r>
-              <a:rPr lang="en-CA" sz="2100" dirty="0">
-                <a:latin typeface="Calibri" panose="020F0502020204030204" pitchFamily="34" charset="0"/>
-                <a:ea typeface="Calibri" panose="020F0502020204030204" pitchFamily="34" charset="0"/>
-                <a:cs typeface="Times New Roman" panose="02020603050405020304" pitchFamily="18" charset="0"/>
-              </a:rPr>
-              <a:t>Merging </a:t>
-            </a:r>
-            <a:r>
-              <a:rPr lang="en-CA" sz="2100" dirty="0" err="1">
-                <a:latin typeface="Calibri" panose="020F0502020204030204" pitchFamily="34" charset="0"/>
-                <a:ea typeface="Calibri" panose="020F0502020204030204" pitchFamily="34" charset="0"/>
-                <a:cs typeface="Times New Roman" panose="02020603050405020304" pitchFamily="18" charset="0"/>
-              </a:rPr>
-              <a:t>dataframes</a:t>
-            </a:r>
-            <a:r>
-              <a:rPr lang="en-CA" sz="2100" dirty="0">
-                <a:latin typeface="Calibri" panose="020F0502020204030204" pitchFamily="34" charset="0"/>
-                <a:ea typeface="Calibri" panose="020F0502020204030204" pitchFamily="34" charset="0"/>
-                <a:cs typeface="Times New Roman" panose="02020603050405020304" pitchFamily="18" charset="0"/>
-              </a:rPr>
-              <a:t> to determine trends and correlation.</a:t>
-            </a:r>
-          </a:p>
-          <a:p>
-            <a:pPr marL="635508" lvl="1" indent="-342900">
-              <a:lnSpc>
-                <a:spcPct val="110000"/>
-              </a:lnSpc>
-              <a:spcBef>
-                <a:spcPts val="0"/>
-              </a:spcBef>
-              <a:spcAft>
-                <a:spcPts val="800"/>
-              </a:spcAft>
-              <a:buFont typeface="Wingdings" panose="05000000000000000000" pitchFamily="2" charset="2"/>
-              <a:buChar char="Ø"/>
-            </a:pPr>
-            <a:r>
-              <a:rPr lang="en-US" sz="2100" dirty="0">
-                <a:latin typeface="Calibri" panose="020F0502020204030204" pitchFamily="34" charset="0"/>
-                <a:cs typeface="Times New Roman" panose="02020603050405020304" pitchFamily="18" charset="0"/>
-              </a:rPr>
-              <a:t>Not all information for a specific country may not be available as some of the countries were not independent until 1990-1993.</a:t>
-            </a:r>
-            <a:endParaRPr lang="en-CA" sz="2100" dirty="0">
-              <a:latin typeface="Calibri" panose="020F0502020204030204" pitchFamily="34" charset="0"/>
-              <a:cs typeface="Times New Roman" panose="02020603050405020304" pitchFamily="18" charset="0"/>
-            </a:endParaRPr>
-          </a:p>
-          <a:p>
-            <a:pPr marL="0" indent="0">
-              <a:buNone/>
-            </a:pPr>
+              <a:t>DATA EXPLORATION</a:t>
+            </a:r>
             <a:endParaRPr lang="en-CA" dirty="0"/>
           </a:p>
         </p:txBody>
       </p:sp>
       <p:pic>
         <p:nvPicPr>
-          <p:cNvPr id="5" name="Picture 4" descr="A picture containing text, light&#10;&#10;Description automatically generated">
-            <a:extLst>
-              <a:ext uri="{FF2B5EF4-FFF2-40B4-BE49-F238E27FC236}">
-                <a16:creationId xmlns:a16="http://schemas.microsoft.com/office/drawing/2014/main" id="{C7403585-643A-4CD5-8120-2A09D1D480DF}"/>
+          <p:cNvPr id="8" name="Content Placeholder 7" descr="A picture containing text&#10;&#10;Description automatically generated">
+            <a:extLst>
+              <a:ext uri="{FF2B5EF4-FFF2-40B4-BE49-F238E27FC236}">
+                <a16:creationId xmlns:a16="http://schemas.microsoft.com/office/drawing/2014/main" id="{D5AE3E7C-14C6-4B2C-B393-4C13F5AD4274}"/>
               </a:ext>
             </a:extLst>
           </p:cNvPr>
           <p:cNvPicPr>
-            <a:picLocks noChangeAspect="1"/>
+            <a:picLocks noGrp="1" noChangeAspect="1"/>
           </p:cNvPicPr>
-          <p:nvPr/>
+          <p:nvPr>
+            <p:ph idx="1"/>
+          </p:nvPr>
         </p:nvPicPr>
         <p:blipFill>
           <a:blip r:embed="rId3">
@@ -11975,13 +11560,608 @@
         <p:spPr>
           <a:xfrm>
             <a:off x="0" y="0"/>
-            <a:ext cx="4768645" cy="6416795"/>
+            <a:ext cx="4783873" cy="6345044"/>
+          </a:xfrm>
+        </p:spPr>
+      </p:pic>
+      <p:sp>
+        <p:nvSpPr>
+          <p:cNvPr id="9" name="Rectangle 8">
+            <a:extLst>
+              <a:ext uri="{FF2B5EF4-FFF2-40B4-BE49-F238E27FC236}">
+                <a16:creationId xmlns:a16="http://schemas.microsoft.com/office/drawing/2014/main" id="{62D13B08-296C-49C6-96D9-F6D7F4B4719C}"/>
+              </a:ext>
+            </a:extLst>
+          </p:cNvPr>
+          <p:cNvSpPr/>
+          <p:nvPr/>
+        </p:nvSpPr>
+        <p:spPr>
+          <a:xfrm>
+            <a:off x="7542870" y="3725418"/>
+            <a:ext cx="1351406" cy="918446"/>
           </a:xfrm>
           <a:prstGeom prst="rect">
             <a:avLst/>
           </a:prstGeom>
         </p:spPr>
-      </p:pic>
+        <p:style>
+          <a:lnRef idx="2">
+            <a:schemeClr val="accent1">
+              <a:shade val="50000"/>
+            </a:schemeClr>
+          </a:lnRef>
+          <a:fillRef idx="1">
+            <a:schemeClr val="accent1"/>
+          </a:fillRef>
+          <a:effectRef idx="0">
+            <a:schemeClr val="accent1"/>
+          </a:effectRef>
+          <a:fontRef idx="minor">
+            <a:schemeClr val="lt1"/>
+          </a:fontRef>
+        </p:style>
+        <p:txBody>
+          <a:bodyPr rtlCol="0" anchor="ctr"/>
+          <a:lstStyle/>
+          <a:p>
+            <a:pPr algn="ctr"/>
+            <a:r>
+              <a:rPr lang="en-US" dirty="0"/>
+              <a:t>Datasets</a:t>
+            </a:r>
+            <a:endParaRPr lang="en-CA" dirty="0"/>
+          </a:p>
+        </p:txBody>
+      </p:sp>
+      <p:sp>
+        <p:nvSpPr>
+          <p:cNvPr id="10" name="Oval 9">
+            <a:extLst>
+              <a:ext uri="{FF2B5EF4-FFF2-40B4-BE49-F238E27FC236}">
+                <a16:creationId xmlns:a16="http://schemas.microsoft.com/office/drawing/2014/main" id="{25678D19-0D4B-4E01-A4C5-BCB7C3366B1E}"/>
+              </a:ext>
+            </a:extLst>
+          </p:cNvPr>
+          <p:cNvSpPr/>
+          <p:nvPr/>
+        </p:nvSpPr>
+        <p:spPr>
+          <a:xfrm>
+            <a:off x="6306840" y="2236687"/>
+            <a:ext cx="1127553" cy="1169477"/>
+          </a:xfrm>
+          <a:prstGeom prst="ellipse">
+            <a:avLst/>
+          </a:prstGeom>
+        </p:spPr>
+        <p:style>
+          <a:lnRef idx="2">
+            <a:schemeClr val="accent1">
+              <a:shade val="50000"/>
+            </a:schemeClr>
+          </a:lnRef>
+          <a:fillRef idx="1">
+            <a:schemeClr val="accent1"/>
+          </a:fillRef>
+          <a:effectRef idx="0">
+            <a:schemeClr val="accent1"/>
+          </a:effectRef>
+          <a:fontRef idx="minor">
+            <a:schemeClr val="lt1"/>
+          </a:fontRef>
+        </p:style>
+        <p:txBody>
+          <a:bodyPr rtlCol="0" anchor="ctr"/>
+          <a:lstStyle/>
+          <a:p>
+            <a:pPr algn="ctr"/>
+            <a:r>
+              <a:rPr lang="en-US" sz="1400" dirty="0"/>
+              <a:t>FAO</a:t>
+            </a:r>
+            <a:endParaRPr lang="en-CA" sz="1400" dirty="0"/>
+          </a:p>
+        </p:txBody>
+      </p:sp>
+      <p:sp>
+        <p:nvSpPr>
+          <p:cNvPr id="11" name="Oval 10">
+            <a:extLst>
+              <a:ext uri="{FF2B5EF4-FFF2-40B4-BE49-F238E27FC236}">
+                <a16:creationId xmlns:a16="http://schemas.microsoft.com/office/drawing/2014/main" id="{1B1ADF70-D845-4B8B-8885-278B06D782F2}"/>
+              </a:ext>
+            </a:extLst>
+          </p:cNvPr>
+          <p:cNvSpPr/>
+          <p:nvPr/>
+        </p:nvSpPr>
+        <p:spPr>
+          <a:xfrm>
+            <a:off x="10041203" y="3501291"/>
+            <a:ext cx="1127553" cy="1169477"/>
+          </a:xfrm>
+          <a:prstGeom prst="ellipse">
+            <a:avLst/>
+          </a:prstGeom>
+        </p:spPr>
+        <p:style>
+          <a:lnRef idx="2">
+            <a:schemeClr val="accent1">
+              <a:shade val="50000"/>
+            </a:schemeClr>
+          </a:lnRef>
+          <a:fillRef idx="1">
+            <a:schemeClr val="accent1"/>
+          </a:fillRef>
+          <a:effectRef idx="0">
+            <a:schemeClr val="accent1"/>
+          </a:effectRef>
+          <a:fontRef idx="minor">
+            <a:schemeClr val="lt1"/>
+          </a:fontRef>
+        </p:style>
+        <p:txBody>
+          <a:bodyPr rtlCol="0" anchor="ctr"/>
+          <a:lstStyle/>
+          <a:p>
+            <a:pPr algn="ctr"/>
+            <a:r>
+              <a:rPr lang="en-US" sz="1400" dirty="0"/>
+              <a:t>Fat Secret API</a:t>
+            </a:r>
+            <a:endParaRPr lang="en-CA" sz="1400" dirty="0"/>
+          </a:p>
+        </p:txBody>
+      </p:sp>
+      <p:sp>
+        <p:nvSpPr>
+          <p:cNvPr id="12" name="Oval 11">
+            <a:extLst>
+              <a:ext uri="{FF2B5EF4-FFF2-40B4-BE49-F238E27FC236}">
+                <a16:creationId xmlns:a16="http://schemas.microsoft.com/office/drawing/2014/main" id="{34302020-AD9A-4D73-AF3F-22E4D48E2ADD}"/>
+              </a:ext>
+            </a:extLst>
+          </p:cNvPr>
+          <p:cNvSpPr/>
+          <p:nvPr/>
+        </p:nvSpPr>
+        <p:spPr>
+          <a:xfrm>
+            <a:off x="5939344" y="4782028"/>
+            <a:ext cx="1127553" cy="1169477"/>
+          </a:xfrm>
+          <a:prstGeom prst="ellipse">
+            <a:avLst/>
+          </a:prstGeom>
+        </p:spPr>
+        <p:style>
+          <a:lnRef idx="2">
+            <a:schemeClr val="accent1">
+              <a:shade val="50000"/>
+            </a:schemeClr>
+          </a:lnRef>
+          <a:fillRef idx="1">
+            <a:schemeClr val="accent1"/>
+          </a:fillRef>
+          <a:effectRef idx="0">
+            <a:schemeClr val="accent1"/>
+          </a:effectRef>
+          <a:fontRef idx="minor">
+            <a:schemeClr val="lt1"/>
+          </a:fontRef>
+        </p:style>
+        <p:txBody>
+          <a:bodyPr rtlCol="0" anchor="ctr"/>
+          <a:lstStyle/>
+          <a:p>
+            <a:pPr algn="ctr"/>
+            <a:r>
+              <a:rPr lang="en-US" sz="1400" dirty="0"/>
+              <a:t>WHO</a:t>
+            </a:r>
+            <a:endParaRPr lang="en-CA" sz="1400" dirty="0"/>
+          </a:p>
+        </p:txBody>
+      </p:sp>
+      <p:sp>
+        <p:nvSpPr>
+          <p:cNvPr id="13" name="Oval 12">
+            <a:extLst>
+              <a:ext uri="{FF2B5EF4-FFF2-40B4-BE49-F238E27FC236}">
+                <a16:creationId xmlns:a16="http://schemas.microsoft.com/office/drawing/2014/main" id="{6DD501AF-B4AA-442C-BED9-AC1DEC8FE25E}"/>
+              </a:ext>
+            </a:extLst>
+          </p:cNvPr>
+          <p:cNvSpPr/>
+          <p:nvPr/>
+        </p:nvSpPr>
+        <p:spPr>
+          <a:xfrm>
+            <a:off x="5456024" y="3599902"/>
+            <a:ext cx="1127553" cy="1169477"/>
+          </a:xfrm>
+          <a:prstGeom prst="ellipse">
+            <a:avLst/>
+          </a:prstGeom>
+        </p:spPr>
+        <p:style>
+          <a:lnRef idx="2">
+            <a:schemeClr val="accent1">
+              <a:shade val="50000"/>
+            </a:schemeClr>
+          </a:lnRef>
+          <a:fillRef idx="1">
+            <a:schemeClr val="accent1"/>
+          </a:fillRef>
+          <a:effectRef idx="0">
+            <a:schemeClr val="accent1"/>
+          </a:effectRef>
+          <a:fontRef idx="minor">
+            <a:schemeClr val="lt1"/>
+          </a:fontRef>
+        </p:style>
+        <p:txBody>
+          <a:bodyPr rtlCol="0" anchor="ctr"/>
+          <a:lstStyle/>
+          <a:p>
+            <a:pPr algn="ctr"/>
+            <a:r>
+              <a:rPr lang="en-US" sz="1300" dirty="0"/>
+              <a:t>Kroger Grocery Data</a:t>
+            </a:r>
+            <a:endParaRPr lang="en-CA" sz="1300" dirty="0"/>
+          </a:p>
+        </p:txBody>
+      </p:sp>
+      <p:sp>
+        <p:nvSpPr>
+          <p:cNvPr id="14" name="Oval 13">
+            <a:extLst>
+              <a:ext uri="{FF2B5EF4-FFF2-40B4-BE49-F238E27FC236}">
+                <a16:creationId xmlns:a16="http://schemas.microsoft.com/office/drawing/2014/main" id="{14172290-5E6B-44F8-A8D2-BF534ABA64E6}"/>
+              </a:ext>
+            </a:extLst>
+          </p:cNvPr>
+          <p:cNvSpPr/>
+          <p:nvPr/>
+        </p:nvSpPr>
+        <p:spPr>
+          <a:xfrm>
+            <a:off x="9003385" y="2220566"/>
+            <a:ext cx="1127553" cy="1169477"/>
+          </a:xfrm>
+          <a:prstGeom prst="ellipse">
+            <a:avLst/>
+          </a:prstGeom>
+        </p:spPr>
+        <p:style>
+          <a:lnRef idx="2">
+            <a:schemeClr val="accent1">
+              <a:shade val="50000"/>
+            </a:schemeClr>
+          </a:lnRef>
+          <a:fillRef idx="1">
+            <a:schemeClr val="accent1"/>
+          </a:fillRef>
+          <a:effectRef idx="0">
+            <a:schemeClr val="accent1"/>
+          </a:effectRef>
+          <a:fontRef idx="minor">
+            <a:schemeClr val="lt1"/>
+          </a:fontRef>
+        </p:style>
+        <p:txBody>
+          <a:bodyPr rtlCol="0" anchor="ctr"/>
+          <a:lstStyle/>
+          <a:p>
+            <a:pPr algn="ctr"/>
+            <a:r>
+              <a:rPr lang="en-US" sz="1400" dirty="0"/>
+              <a:t>Kaggle</a:t>
+            </a:r>
+            <a:endParaRPr lang="en-CA" sz="1400" dirty="0"/>
+          </a:p>
+        </p:txBody>
+      </p:sp>
+      <p:sp>
+        <p:nvSpPr>
+          <p:cNvPr id="15" name="Oval 14">
+            <a:extLst>
+              <a:ext uri="{FF2B5EF4-FFF2-40B4-BE49-F238E27FC236}">
+                <a16:creationId xmlns:a16="http://schemas.microsoft.com/office/drawing/2014/main" id="{ADD52E81-6248-4C6E-9CF3-F3BE91642B07}"/>
+              </a:ext>
+            </a:extLst>
+          </p:cNvPr>
+          <p:cNvSpPr/>
+          <p:nvPr/>
+        </p:nvSpPr>
+        <p:spPr>
+          <a:xfrm>
+            <a:off x="9348436" y="4659789"/>
+            <a:ext cx="1127553" cy="1169477"/>
+          </a:xfrm>
+          <a:prstGeom prst="ellipse">
+            <a:avLst/>
+          </a:prstGeom>
+        </p:spPr>
+        <p:style>
+          <a:lnRef idx="2">
+            <a:schemeClr val="accent1">
+              <a:shade val="50000"/>
+            </a:schemeClr>
+          </a:lnRef>
+          <a:fillRef idx="1">
+            <a:schemeClr val="accent1"/>
+          </a:fillRef>
+          <a:effectRef idx="0">
+            <a:schemeClr val="accent1"/>
+          </a:effectRef>
+          <a:fontRef idx="minor">
+            <a:schemeClr val="lt1"/>
+          </a:fontRef>
+        </p:style>
+        <p:txBody>
+          <a:bodyPr rtlCol="0" anchor="ctr"/>
+          <a:lstStyle/>
+          <a:p>
+            <a:pPr algn="ctr"/>
+            <a:r>
+              <a:rPr lang="en-US" sz="1300" dirty="0"/>
+              <a:t>World-bank</a:t>
+            </a:r>
+            <a:endParaRPr lang="en-CA" sz="1300" dirty="0"/>
+          </a:p>
+        </p:txBody>
+      </p:sp>
+      <p:cxnSp>
+        <p:nvCxnSpPr>
+          <p:cNvPr id="16" name="Straight Arrow Connector 15">
+            <a:extLst>
+              <a:ext uri="{FF2B5EF4-FFF2-40B4-BE49-F238E27FC236}">
+                <a16:creationId xmlns:a16="http://schemas.microsoft.com/office/drawing/2014/main" id="{723592B5-4DE8-4684-B21C-70DD372D81E4}"/>
+              </a:ext>
+            </a:extLst>
+          </p:cNvPr>
+          <p:cNvCxnSpPr>
+            <a:cxnSpLocks/>
+            <a:endCxn id="9" idx="1"/>
+          </p:cNvCxnSpPr>
+          <p:nvPr/>
+        </p:nvCxnSpPr>
+        <p:spPr>
+          <a:xfrm>
+            <a:off x="6556917" y="4184641"/>
+            <a:ext cx="985953" cy="0"/>
+          </a:xfrm>
+          <a:prstGeom prst="straightConnector1">
+            <a:avLst/>
+          </a:prstGeom>
+          <a:ln>
+            <a:tailEnd type="triangle"/>
+          </a:ln>
+        </p:spPr>
+        <p:style>
+          <a:lnRef idx="1">
+            <a:schemeClr val="accent1"/>
+          </a:lnRef>
+          <a:fillRef idx="0">
+            <a:schemeClr val="accent1"/>
+          </a:fillRef>
+          <a:effectRef idx="0">
+            <a:schemeClr val="accent1"/>
+          </a:effectRef>
+          <a:fontRef idx="minor">
+            <a:schemeClr val="tx1"/>
+          </a:fontRef>
+        </p:style>
+      </p:cxnSp>
+      <p:cxnSp>
+        <p:nvCxnSpPr>
+          <p:cNvPr id="17" name="Straight Arrow Connector 16">
+            <a:extLst>
+              <a:ext uri="{FF2B5EF4-FFF2-40B4-BE49-F238E27FC236}">
+                <a16:creationId xmlns:a16="http://schemas.microsoft.com/office/drawing/2014/main" id="{9705B0CB-DBEB-448F-B19A-BFBDC8E2B0DF}"/>
+              </a:ext>
+            </a:extLst>
+          </p:cNvPr>
+          <p:cNvCxnSpPr>
+            <a:cxnSpLocks/>
+          </p:cNvCxnSpPr>
+          <p:nvPr/>
+        </p:nvCxnSpPr>
+        <p:spPr>
+          <a:xfrm flipV="1">
+            <a:off x="6999824" y="4656513"/>
+            <a:ext cx="540051" cy="446574"/>
+          </a:xfrm>
+          <a:prstGeom prst="straightConnector1">
+            <a:avLst/>
+          </a:prstGeom>
+          <a:ln>
+            <a:tailEnd type="triangle"/>
+          </a:ln>
+        </p:spPr>
+        <p:style>
+          <a:lnRef idx="1">
+            <a:schemeClr val="accent1"/>
+          </a:lnRef>
+          <a:fillRef idx="0">
+            <a:schemeClr val="accent1"/>
+          </a:fillRef>
+          <a:effectRef idx="0">
+            <a:schemeClr val="accent1"/>
+          </a:effectRef>
+          <a:fontRef idx="minor">
+            <a:schemeClr val="tx1"/>
+          </a:fontRef>
+        </p:style>
+      </p:cxnSp>
+      <p:cxnSp>
+        <p:nvCxnSpPr>
+          <p:cNvPr id="18" name="Straight Arrow Connector 17">
+            <a:extLst>
+              <a:ext uri="{FF2B5EF4-FFF2-40B4-BE49-F238E27FC236}">
+                <a16:creationId xmlns:a16="http://schemas.microsoft.com/office/drawing/2014/main" id="{196FF2B3-6960-4F0A-B109-E623993CF8F1}"/>
+              </a:ext>
+            </a:extLst>
+          </p:cNvPr>
+          <p:cNvCxnSpPr>
+            <a:cxnSpLocks/>
+          </p:cNvCxnSpPr>
+          <p:nvPr/>
+        </p:nvCxnSpPr>
+        <p:spPr>
+          <a:xfrm>
+            <a:off x="7117933" y="3406164"/>
+            <a:ext cx="424936" cy="319254"/>
+          </a:xfrm>
+          <a:prstGeom prst="straightConnector1">
+            <a:avLst/>
+          </a:prstGeom>
+          <a:ln>
+            <a:tailEnd type="triangle"/>
+          </a:ln>
+        </p:spPr>
+        <p:style>
+          <a:lnRef idx="1">
+            <a:schemeClr val="accent1"/>
+          </a:lnRef>
+          <a:fillRef idx="0">
+            <a:schemeClr val="accent1"/>
+          </a:fillRef>
+          <a:effectRef idx="0">
+            <a:schemeClr val="accent1"/>
+          </a:effectRef>
+          <a:fontRef idx="minor">
+            <a:schemeClr val="tx1"/>
+          </a:fontRef>
+        </p:style>
+      </p:cxnSp>
+      <p:cxnSp>
+        <p:nvCxnSpPr>
+          <p:cNvPr id="19" name="Straight Arrow Connector 18">
+            <a:extLst>
+              <a:ext uri="{FF2B5EF4-FFF2-40B4-BE49-F238E27FC236}">
+                <a16:creationId xmlns:a16="http://schemas.microsoft.com/office/drawing/2014/main" id="{C42A7BAC-23D4-4E9F-9933-4430E1F0A074}"/>
+              </a:ext>
+            </a:extLst>
+          </p:cNvPr>
+          <p:cNvCxnSpPr>
+            <a:cxnSpLocks/>
+          </p:cNvCxnSpPr>
+          <p:nvPr/>
+        </p:nvCxnSpPr>
+        <p:spPr>
+          <a:xfrm flipH="1">
+            <a:off x="8894277" y="3286687"/>
+            <a:ext cx="335833" cy="426083"/>
+          </a:xfrm>
+          <a:prstGeom prst="straightConnector1">
+            <a:avLst/>
+          </a:prstGeom>
+          <a:ln>
+            <a:tailEnd type="triangle"/>
+          </a:ln>
+        </p:spPr>
+        <p:style>
+          <a:lnRef idx="1">
+            <a:schemeClr val="accent1"/>
+          </a:lnRef>
+          <a:fillRef idx="0">
+            <a:schemeClr val="accent1"/>
+          </a:fillRef>
+          <a:effectRef idx="0">
+            <a:schemeClr val="accent1"/>
+          </a:effectRef>
+          <a:fontRef idx="minor">
+            <a:schemeClr val="tx1"/>
+          </a:fontRef>
+        </p:style>
+      </p:cxnSp>
+      <p:cxnSp>
+        <p:nvCxnSpPr>
+          <p:cNvPr id="20" name="Straight Arrow Connector 19">
+            <a:extLst>
+              <a:ext uri="{FF2B5EF4-FFF2-40B4-BE49-F238E27FC236}">
+                <a16:creationId xmlns:a16="http://schemas.microsoft.com/office/drawing/2014/main" id="{FAE35438-32AF-4C16-B426-240900B139B2}"/>
+              </a:ext>
+            </a:extLst>
+          </p:cNvPr>
+          <p:cNvCxnSpPr>
+            <a:cxnSpLocks/>
+            <a:endCxn id="9" idx="3"/>
+          </p:cNvCxnSpPr>
+          <p:nvPr/>
+        </p:nvCxnSpPr>
+        <p:spPr>
+          <a:xfrm flipH="1">
+            <a:off x="8894276" y="4184641"/>
+            <a:ext cx="1141822" cy="0"/>
+          </a:xfrm>
+          <a:prstGeom prst="straightConnector1">
+            <a:avLst/>
+          </a:prstGeom>
+          <a:ln>
+            <a:tailEnd type="triangle"/>
+          </a:ln>
+        </p:spPr>
+        <p:style>
+          <a:lnRef idx="1">
+            <a:schemeClr val="accent1"/>
+          </a:lnRef>
+          <a:fillRef idx="0">
+            <a:schemeClr val="accent1"/>
+          </a:fillRef>
+          <a:effectRef idx="0">
+            <a:schemeClr val="accent1"/>
+          </a:effectRef>
+          <a:fontRef idx="minor">
+            <a:schemeClr val="tx1"/>
+          </a:fontRef>
+        </p:style>
+      </p:cxnSp>
+      <p:cxnSp>
+        <p:nvCxnSpPr>
+          <p:cNvPr id="21" name="Straight Arrow Connector 20">
+            <a:extLst>
+              <a:ext uri="{FF2B5EF4-FFF2-40B4-BE49-F238E27FC236}">
+                <a16:creationId xmlns:a16="http://schemas.microsoft.com/office/drawing/2014/main" id="{5E965949-46E7-442E-81C3-4D1B0A6A27C7}"/>
+              </a:ext>
+            </a:extLst>
+          </p:cNvPr>
+          <p:cNvCxnSpPr>
+            <a:cxnSpLocks/>
+          </p:cNvCxnSpPr>
+          <p:nvPr/>
+        </p:nvCxnSpPr>
+        <p:spPr>
+          <a:xfrm flipH="1" flipV="1">
+            <a:off x="8894277" y="4656513"/>
+            <a:ext cx="517353" cy="325402"/>
+          </a:xfrm>
+          <a:prstGeom prst="straightConnector1">
+            <a:avLst/>
+          </a:prstGeom>
+          <a:ln>
+            <a:tailEnd type="triangle"/>
+          </a:ln>
+        </p:spPr>
+        <p:style>
+          <a:lnRef idx="1">
+            <a:schemeClr val="accent1"/>
+          </a:lnRef>
+          <a:fillRef idx="0">
+            <a:schemeClr val="accent1"/>
+          </a:fillRef>
+          <a:effectRef idx="0">
+            <a:schemeClr val="accent1"/>
+          </a:effectRef>
+          <a:fontRef idx="minor">
+            <a:schemeClr val="tx1"/>
+          </a:fontRef>
+        </p:style>
+      </p:cxnSp>
     </p:spTree>
     <p:extLst>
       <p:ext uri="{BB962C8B-B14F-4D97-AF65-F5344CB8AC3E}">

--- a/Effects of Sugar Consumption.pptx
+++ b/Effects of Sugar Consumption.pptx
@@ -528,23 +528,6 @@
           <a:bodyPr/>
           <a:lstStyle/>
           <a:p>
-            <a:pPr marL="0" marR="0" lvl="0" indent="0" algn="l" defTabSz="914400" rtl="0" eaLnBrk="1" fontAlgn="auto" latinLnBrk="0" hangingPunct="1">
-              <a:lnSpc>
-                <a:spcPct val="100000"/>
-              </a:lnSpc>
-              <a:spcBef>
-                <a:spcPts val="0"/>
-              </a:spcBef>
-              <a:spcAft>
-                <a:spcPts val="0"/>
-              </a:spcAft>
-              <a:buClrTx/>
-              <a:buSzTx/>
-              <a:buFontTx/>
-              <a:buNone/>
-              <a:tabLst/>
-              <a:defRPr/>
-            </a:pPr>
             <a:endParaRPr lang="en-CA" dirty="0"/>
           </a:p>
         </p:txBody>
@@ -566,7 +549,7 @@
           <a:p>
             <a:fld id="{EE596BCB-CEC5-4086-BD46-775CD732B91C}" type="slidenum">
               <a:rPr lang="en-CA" smtClean="0"/>
-              <a:t>5</a:t>
+              <a:t>2</a:t>
             </a:fld>
             <a:endParaRPr lang="en-CA"/>
           </a:p>
@@ -575,7 +558,7 @@
     </p:spTree>
     <p:extLst>
       <p:ext uri="{BB962C8B-B14F-4D97-AF65-F5344CB8AC3E}">
-        <p14:creationId xmlns:p14="http://schemas.microsoft.com/office/powerpoint/2010/main" val="3382267332"/>
+        <p14:creationId xmlns:p14="http://schemas.microsoft.com/office/powerpoint/2010/main" val="1070892581"/>
       </p:ext>
     </p:extLst>
   </p:cSld>
@@ -629,23 +612,6 @@
           <a:bodyPr/>
           <a:lstStyle/>
           <a:p>
-            <a:pPr marL="0" marR="0" lvl="0" indent="0" algn="l" defTabSz="914400" rtl="0" eaLnBrk="1" fontAlgn="auto" latinLnBrk="0" hangingPunct="1">
-              <a:lnSpc>
-                <a:spcPct val="100000"/>
-              </a:lnSpc>
-              <a:spcBef>
-                <a:spcPts val="0"/>
-              </a:spcBef>
-              <a:spcAft>
-                <a:spcPts val="0"/>
-              </a:spcAft>
-              <a:buClrTx/>
-              <a:buSzTx/>
-              <a:buFontTx/>
-              <a:buNone/>
-              <a:tabLst/>
-              <a:defRPr/>
-            </a:pPr>
             <a:endParaRPr lang="en-CA" dirty="0"/>
           </a:p>
         </p:txBody>
@@ -667,7 +633,7 @@
           <a:p>
             <a:fld id="{EE596BCB-CEC5-4086-BD46-775CD732B91C}" type="slidenum">
               <a:rPr lang="en-CA" smtClean="0"/>
-              <a:t>18</a:t>
+              <a:t>16</a:t>
             </a:fld>
             <a:endParaRPr lang="en-CA"/>
           </a:p>
@@ -676,7 +642,7 @@
     </p:spTree>
     <p:extLst>
       <p:ext uri="{BB962C8B-B14F-4D97-AF65-F5344CB8AC3E}">
-        <p14:creationId xmlns:p14="http://schemas.microsoft.com/office/powerpoint/2010/main" val="267783443"/>
+        <p14:creationId xmlns:p14="http://schemas.microsoft.com/office/powerpoint/2010/main" val="1362587745"/>
       </p:ext>
     </p:extLst>
   </p:cSld>
@@ -730,6 +696,94 @@
           <a:bodyPr/>
           <a:lstStyle/>
           <a:p>
+            <a:r>
+              <a:rPr lang="en-US" dirty="0"/>
+              <a:t>Need Kapil and Caitlan to get final graph</a:t>
+            </a:r>
+            <a:endParaRPr lang="en-CA" dirty="0"/>
+          </a:p>
+        </p:txBody>
+      </p:sp>
+      <p:sp>
+        <p:nvSpPr>
+          <p:cNvPr id="4" name="Slide Number Placeholder 3"/>
+          <p:cNvSpPr>
+            <a:spLocks noGrp="1"/>
+          </p:cNvSpPr>
+          <p:nvPr>
+            <p:ph type="sldNum" sz="quarter" idx="5"/>
+          </p:nvPr>
+        </p:nvSpPr>
+        <p:spPr/>
+        <p:txBody>
+          <a:bodyPr/>
+          <a:lstStyle/>
+          <a:p>
+            <a:fld id="{EE596BCB-CEC5-4086-BD46-775CD732B91C}" type="slidenum">
+              <a:rPr lang="en-CA" smtClean="0"/>
+              <a:t>17</a:t>
+            </a:fld>
+            <a:endParaRPr lang="en-CA"/>
+          </a:p>
+        </p:txBody>
+      </p:sp>
+    </p:spTree>
+    <p:extLst>
+      <p:ext uri="{BB962C8B-B14F-4D97-AF65-F5344CB8AC3E}">
+        <p14:creationId xmlns:p14="http://schemas.microsoft.com/office/powerpoint/2010/main" val="4044454483"/>
+      </p:ext>
+    </p:extLst>
+  </p:cSld>
+  <p:clrMapOvr>
+    <a:masterClrMapping/>
+  </p:clrMapOvr>
+</p:notes>
+</file>
+
+<file path=ppt/notesSlides/notesSlide12.xml><?xml version="1.0" encoding="utf-8"?>
+<p:notes xmlns:a="http://schemas.openxmlformats.org/drawingml/2006/main" xmlns:r="http://schemas.openxmlformats.org/officeDocument/2006/relationships" xmlns:p="http://schemas.openxmlformats.org/presentationml/2006/main">
+  <p:cSld>
+    <p:spTree>
+      <p:nvGrpSpPr>
+        <p:cNvPr id="1" name=""/>
+        <p:cNvGrpSpPr/>
+        <p:nvPr/>
+      </p:nvGrpSpPr>
+      <p:grpSpPr>
+        <a:xfrm>
+          <a:off x="0" y="0"/>
+          <a:ext cx="0" cy="0"/>
+          <a:chOff x="0" y="0"/>
+          <a:chExt cx="0" cy="0"/>
+        </a:xfrm>
+      </p:grpSpPr>
+      <p:sp>
+        <p:nvSpPr>
+          <p:cNvPr id="2" name="Slide Image Placeholder 1"/>
+          <p:cNvSpPr>
+            <a:spLocks noGrp="1" noRot="1" noChangeAspect="1"/>
+          </p:cNvSpPr>
+          <p:nvPr>
+            <p:ph type="sldImg"/>
+          </p:nvPr>
+        </p:nvSpPr>
+        <p:spPr/>
+      </p:sp>
+      <p:sp>
+        <p:nvSpPr>
+          <p:cNvPr id="3" name="Notes Placeholder 2"/>
+          <p:cNvSpPr>
+            <a:spLocks noGrp="1"/>
+          </p:cNvSpPr>
+          <p:nvPr>
+            <p:ph type="body" idx="1"/>
+          </p:nvPr>
+        </p:nvSpPr>
+        <p:spPr/>
+        <p:txBody>
+          <a:bodyPr/>
+          <a:lstStyle/>
+          <a:p>
             <a:pPr marL="0" marR="0" lvl="0" indent="0" algn="l" defTabSz="914400" rtl="0" eaLnBrk="1" fontAlgn="auto" latinLnBrk="0" hangingPunct="1">
               <a:lnSpc>
                 <a:spcPct val="100000"/>
@@ -747,17 +801,89 @@
               <a:tabLst/>
               <a:defRPr/>
             </a:pPr>
-            <a:r>
-              <a:rPr lang="en-US" dirty="0"/>
-              <a:t>Difficulties – API </a:t>
-            </a:r>
-            <a:r>
-              <a:rPr lang="en-US" dirty="0">
-                <a:sym typeface="Wingdings" panose="05000000000000000000" pitchFamily="2" charset="2"/>
-              </a:rPr>
-              <a:t> Kapil to fill in </a:t>
-            </a:r>
-          </a:p>
+            <a:endParaRPr lang="en-CA" dirty="0"/>
+          </a:p>
+        </p:txBody>
+      </p:sp>
+      <p:sp>
+        <p:nvSpPr>
+          <p:cNvPr id="4" name="Slide Number Placeholder 3"/>
+          <p:cNvSpPr>
+            <a:spLocks noGrp="1"/>
+          </p:cNvSpPr>
+          <p:nvPr>
+            <p:ph type="sldNum" sz="quarter" idx="5"/>
+          </p:nvPr>
+        </p:nvSpPr>
+        <p:spPr/>
+        <p:txBody>
+          <a:bodyPr/>
+          <a:lstStyle/>
+          <a:p>
+            <a:fld id="{EE596BCB-CEC5-4086-BD46-775CD732B91C}" type="slidenum">
+              <a:rPr lang="en-CA" smtClean="0"/>
+              <a:t>18</a:t>
+            </a:fld>
+            <a:endParaRPr lang="en-CA"/>
+          </a:p>
+        </p:txBody>
+      </p:sp>
+    </p:spTree>
+    <p:extLst>
+      <p:ext uri="{BB962C8B-B14F-4D97-AF65-F5344CB8AC3E}">
+        <p14:creationId xmlns:p14="http://schemas.microsoft.com/office/powerpoint/2010/main" val="267783443"/>
+      </p:ext>
+    </p:extLst>
+  </p:cSld>
+  <p:clrMapOvr>
+    <a:masterClrMapping/>
+  </p:clrMapOvr>
+</p:notes>
+</file>
+
+<file path=ppt/notesSlides/notesSlide13.xml><?xml version="1.0" encoding="utf-8"?>
+<p:notes xmlns:a="http://schemas.openxmlformats.org/drawingml/2006/main" xmlns:r="http://schemas.openxmlformats.org/officeDocument/2006/relationships" xmlns:p="http://schemas.openxmlformats.org/presentationml/2006/main">
+  <p:cSld>
+    <p:spTree>
+      <p:nvGrpSpPr>
+        <p:cNvPr id="1" name=""/>
+        <p:cNvGrpSpPr/>
+        <p:nvPr/>
+      </p:nvGrpSpPr>
+      <p:grpSpPr>
+        <a:xfrm>
+          <a:off x="0" y="0"/>
+          <a:ext cx="0" cy="0"/>
+          <a:chOff x="0" y="0"/>
+          <a:chExt cx="0" cy="0"/>
+        </a:xfrm>
+      </p:grpSpPr>
+      <p:sp>
+        <p:nvSpPr>
+          <p:cNvPr id="2" name="Slide Image Placeholder 1"/>
+          <p:cNvSpPr>
+            <a:spLocks noGrp="1" noRot="1" noChangeAspect="1"/>
+          </p:cNvSpPr>
+          <p:nvPr>
+            <p:ph type="sldImg"/>
+          </p:nvPr>
+        </p:nvSpPr>
+        <p:spPr/>
+      </p:sp>
+      <p:sp>
+        <p:nvSpPr>
+          <p:cNvPr id="3" name="Notes Placeholder 2"/>
+          <p:cNvSpPr>
+            <a:spLocks noGrp="1"/>
+          </p:cNvSpPr>
+          <p:nvPr>
+            <p:ph type="body" idx="1"/>
+          </p:nvPr>
+        </p:nvSpPr>
+        <p:spPr/>
+        <p:txBody>
+          <a:bodyPr/>
+          <a:lstStyle/>
           <a:p>
             <a:pPr marL="0" marR="0" lvl="0" indent="0" algn="l" defTabSz="914400" rtl="0" eaLnBrk="1" fontAlgn="auto" latinLnBrk="0" hangingPunct="1">
               <a:lnSpc>
@@ -777,6 +903,35 @@
               <a:defRPr/>
             </a:pPr>
             <a:r>
+              <a:rPr lang="en-US" dirty="0"/>
+              <a:t>Difficulties – API </a:t>
+            </a:r>
+            <a:r>
+              <a:rPr lang="en-US" dirty="0">
+                <a:sym typeface="Wingdings" panose="05000000000000000000" pitchFamily="2" charset="2"/>
+              </a:rPr>
+              <a:t> Kapil to fill in </a:t>
+            </a:r>
+          </a:p>
+          <a:p>
+            <a:pPr marL="0" marR="0" lvl="0" indent="0" algn="l" defTabSz="914400" rtl="0" eaLnBrk="1" fontAlgn="auto" latinLnBrk="0" hangingPunct="1">
+              <a:lnSpc>
+                <a:spcPct val="100000"/>
+              </a:lnSpc>
+              <a:spcBef>
+                <a:spcPts val="0"/>
+              </a:spcBef>
+              <a:spcAft>
+                <a:spcPts val="0"/>
+              </a:spcAft>
+              <a:buClrTx/>
+              <a:buSzTx/>
+              <a:buFontTx/>
+              <a:buNone/>
+              <a:tabLst/>
+              <a:defRPr/>
+            </a:pPr>
+            <a:r>
               <a:rPr lang="en-US" dirty="0">
                 <a:sym typeface="Wingdings" panose="05000000000000000000" pitchFamily="2" charset="2"/>
               </a:rPr>
@@ -828,7 +983,7 @@
 </p:notes>
 </file>
 
-<file path=ppt/notesSlides/notesSlide12.xml><?xml version="1.0" encoding="utf-8"?>
+<file path=ppt/notesSlides/notesSlide14.xml><?xml version="1.0" encoding="utf-8"?>
 <p:notes xmlns:a="http://schemas.openxmlformats.org/drawingml/2006/main" xmlns:r="http://schemas.openxmlformats.org/officeDocument/2006/relationships" xmlns:p="http://schemas.openxmlformats.org/presentationml/2006/main">
   <p:cSld>
     <p:spTree>
@@ -994,7 +1149,7 @@
           <a:p>
             <a:fld id="{EE596BCB-CEC5-4086-BD46-775CD732B91C}" type="slidenum">
               <a:rPr lang="en-CA" smtClean="0"/>
-              <a:t>6</a:t>
+              <a:t>5</a:t>
             </a:fld>
             <a:endParaRPr lang="en-CA"/>
           </a:p>
@@ -1003,7 +1158,7 @@
     </p:spTree>
     <p:extLst>
       <p:ext uri="{BB962C8B-B14F-4D97-AF65-F5344CB8AC3E}">
-        <p14:creationId xmlns:p14="http://schemas.microsoft.com/office/powerpoint/2010/main" val="883847774"/>
+        <p14:creationId xmlns:p14="http://schemas.microsoft.com/office/powerpoint/2010/main" val="3382267332"/>
       </p:ext>
     </p:extLst>
   </p:cSld>
@@ -1095,7 +1250,7 @@
           <a:p>
             <a:fld id="{EE596BCB-CEC5-4086-BD46-775CD732B91C}" type="slidenum">
               <a:rPr lang="en-CA" smtClean="0"/>
-              <a:t>7</a:t>
+              <a:t>6</a:t>
             </a:fld>
             <a:endParaRPr lang="en-CA"/>
           </a:p>
@@ -1104,7 +1259,7 @@
     </p:spTree>
     <p:extLst>
       <p:ext uri="{BB962C8B-B14F-4D97-AF65-F5344CB8AC3E}">
-        <p14:creationId xmlns:p14="http://schemas.microsoft.com/office/powerpoint/2010/main" val="1718359506"/>
+        <p14:creationId xmlns:p14="http://schemas.microsoft.com/office/powerpoint/2010/main" val="883847774"/>
       </p:ext>
     </p:extLst>
   </p:cSld>
@@ -1196,7 +1351,7 @@
           <a:p>
             <a:fld id="{EE596BCB-CEC5-4086-BD46-775CD732B91C}" type="slidenum">
               <a:rPr lang="en-CA" smtClean="0"/>
-              <a:t>8</a:t>
+              <a:t>7</a:t>
             </a:fld>
             <a:endParaRPr lang="en-CA"/>
           </a:p>
@@ -1205,7 +1360,7 @@
     </p:spTree>
     <p:extLst>
       <p:ext uri="{BB962C8B-B14F-4D97-AF65-F5344CB8AC3E}">
-        <p14:creationId xmlns:p14="http://schemas.microsoft.com/office/powerpoint/2010/main" val="1693989859"/>
+        <p14:creationId xmlns:p14="http://schemas.microsoft.com/office/powerpoint/2010/main" val="1718359506"/>
       </p:ext>
     </p:extLst>
   </p:cSld>
@@ -1297,7 +1452,7 @@
           <a:p>
             <a:fld id="{EE596BCB-CEC5-4086-BD46-775CD732B91C}" type="slidenum">
               <a:rPr lang="en-CA" smtClean="0"/>
-              <a:t>9</a:t>
+              <a:t>8</a:t>
             </a:fld>
             <a:endParaRPr lang="en-CA"/>
           </a:p>
@@ -1306,7 +1461,7 @@
     </p:spTree>
     <p:extLst>
       <p:ext uri="{BB962C8B-B14F-4D97-AF65-F5344CB8AC3E}">
-        <p14:creationId xmlns:p14="http://schemas.microsoft.com/office/powerpoint/2010/main" val="229754301"/>
+        <p14:creationId xmlns:p14="http://schemas.microsoft.com/office/powerpoint/2010/main" val="1693989859"/>
       </p:ext>
     </p:extLst>
   </p:cSld>
@@ -1360,16 +1515,23 @@
           <a:bodyPr/>
           <a:lstStyle/>
           <a:p>
-            <a:r>
-              <a:rPr lang="en-US" dirty="0"/>
-              <a:t>AMARIS TO INPUT HER GRAPH </a:t>
-            </a:r>
-            <a:r>
-              <a:rPr lang="en-US" dirty="0">
-                <a:sym typeface="Wingdings" panose="05000000000000000000" pitchFamily="2" charset="2"/>
-              </a:rPr>
-              <a:t> WILL FIX TONIGHT</a:t>
-            </a:r>
+            <a:pPr marL="0" marR="0" lvl="0" indent="0" algn="l" defTabSz="914400" rtl="0" eaLnBrk="1" fontAlgn="auto" latinLnBrk="0" hangingPunct="1">
+              <a:lnSpc>
+                <a:spcPct val="100000"/>
+              </a:lnSpc>
+              <a:spcBef>
+                <a:spcPts val="0"/>
+              </a:spcBef>
+              <a:spcAft>
+                <a:spcPts val="0"/>
+              </a:spcAft>
+              <a:buClrTx/>
+              <a:buSzTx/>
+              <a:buFontTx/>
+              <a:buNone/>
+              <a:tabLst/>
+              <a:defRPr/>
+            </a:pPr>
             <a:endParaRPr lang="en-CA" dirty="0"/>
           </a:p>
         </p:txBody>
@@ -1391,7 +1553,7 @@
           <a:p>
             <a:fld id="{EE596BCB-CEC5-4086-BD46-775CD732B91C}" type="slidenum">
               <a:rPr lang="en-CA" smtClean="0"/>
-              <a:t>14</a:t>
+              <a:t>9</a:t>
             </a:fld>
             <a:endParaRPr lang="en-CA"/>
           </a:p>
@@ -1400,7 +1562,7 @@
     </p:spTree>
     <p:extLst>
       <p:ext uri="{BB962C8B-B14F-4D97-AF65-F5344CB8AC3E}">
-        <p14:creationId xmlns:p14="http://schemas.microsoft.com/office/powerpoint/2010/main" val="4097402806"/>
+        <p14:creationId xmlns:p14="http://schemas.microsoft.com/office/powerpoint/2010/main" val="229754301"/>
       </p:ext>
     </p:extLst>
   </p:cSld>
@@ -1475,7 +1637,7 @@
           <a:p>
             <a:fld id="{EE596BCB-CEC5-4086-BD46-775CD732B91C}" type="slidenum">
               <a:rPr lang="en-CA" smtClean="0"/>
-              <a:t>15</a:t>
+              <a:t>12</a:t>
             </a:fld>
             <a:endParaRPr lang="en-CA"/>
           </a:p>
@@ -1484,7 +1646,7 @@
     </p:spTree>
     <p:extLst>
       <p:ext uri="{BB962C8B-B14F-4D97-AF65-F5344CB8AC3E}">
-        <p14:creationId xmlns:p14="http://schemas.microsoft.com/office/powerpoint/2010/main" val="1661738706"/>
+        <p14:creationId xmlns:p14="http://schemas.microsoft.com/office/powerpoint/2010/main" val="2658120533"/>
       </p:ext>
     </p:extLst>
   </p:cSld>
@@ -1538,6 +1700,16 @@
           <a:bodyPr/>
           <a:lstStyle/>
           <a:p>
+            <a:r>
+              <a:rPr lang="en-US" dirty="0"/>
+              <a:t>AMARIS TO INPUT HER GRAPH </a:t>
+            </a:r>
+            <a:r>
+              <a:rPr lang="en-US" dirty="0">
+                <a:sym typeface="Wingdings" panose="05000000000000000000" pitchFamily="2" charset="2"/>
+              </a:rPr>
+              <a:t> WILL FIX TONIGHT</a:t>
+            </a:r>
             <a:endParaRPr lang="en-CA" dirty="0"/>
           </a:p>
         </p:txBody>
@@ -1559,7 +1731,7 @@
           <a:p>
             <a:fld id="{EE596BCB-CEC5-4086-BD46-775CD732B91C}" type="slidenum">
               <a:rPr lang="en-CA" smtClean="0"/>
-              <a:t>16</a:t>
+              <a:t>14</a:t>
             </a:fld>
             <a:endParaRPr lang="en-CA"/>
           </a:p>
@@ -1568,7 +1740,7 @@
     </p:spTree>
     <p:extLst>
       <p:ext uri="{BB962C8B-B14F-4D97-AF65-F5344CB8AC3E}">
-        <p14:creationId xmlns:p14="http://schemas.microsoft.com/office/powerpoint/2010/main" val="1362587745"/>
+        <p14:creationId xmlns:p14="http://schemas.microsoft.com/office/powerpoint/2010/main" val="4097402806"/>
       </p:ext>
     </p:extLst>
   </p:cSld>
@@ -1622,10 +1794,6 @@
           <a:bodyPr/>
           <a:lstStyle/>
           <a:p>
-            <a:r>
-              <a:rPr lang="en-US" dirty="0"/>
-              <a:t>Need Kapil and Caitlan to get final graph</a:t>
-            </a:r>
             <a:endParaRPr lang="en-CA" dirty="0"/>
           </a:p>
         </p:txBody>
@@ -1647,7 +1815,7 @@
           <a:p>
             <a:fld id="{EE596BCB-CEC5-4086-BD46-775CD732B91C}" type="slidenum">
               <a:rPr lang="en-CA" smtClean="0"/>
-              <a:t>17</a:t>
+              <a:t>15</a:t>
             </a:fld>
             <a:endParaRPr lang="en-CA"/>
           </a:p>
@@ -1656,7 +1824,7 @@
     </p:spTree>
     <p:extLst>
       <p:ext uri="{BB962C8B-B14F-4D97-AF65-F5344CB8AC3E}">
-        <p14:creationId xmlns:p14="http://schemas.microsoft.com/office/powerpoint/2010/main" val="4044454483"/>
+        <p14:creationId xmlns:p14="http://schemas.microsoft.com/office/powerpoint/2010/main" val="1661738706"/>
       </p:ext>
     </p:extLst>
   </p:cSld>
@@ -6341,7 +6509,7 @@
         </p:nvSpPr>
         <p:spPr>
           <a:xfrm>
-            <a:off x="5024630" y="4588805"/>
+            <a:off x="4945001" y="4889887"/>
             <a:ext cx="6202674" cy="1477328"/>
           </a:xfrm>
           <a:prstGeom prst="rect">
@@ -6429,7 +6597,7 @@
         </p:blipFill>
         <p:spPr>
           <a:xfrm>
-            <a:off x="4945001" y="181480"/>
+            <a:off x="4752219" y="442708"/>
             <a:ext cx="6588238" cy="4392158"/>
           </a:xfrm>
           <a:prstGeom prst="rect">
@@ -6477,7 +6645,7 @@
       </p:grpSpPr>
       <p:sp useBgFill="1">
         <p:nvSpPr>
-          <p:cNvPr id="50" name="Rectangle 49">
+          <p:cNvPr id="59" name="Rectangle 58">
             <a:extLst>
               <a:ext uri="{FF2B5EF4-FFF2-40B4-BE49-F238E27FC236}">
                 <a16:creationId xmlns:a16="http://schemas.microsoft.com/office/drawing/2014/main" id="{0AB6E427-3F73-4C06-A5D5-AE52C3883B50}"/>
@@ -6537,7 +6705,7 @@
       </p:sp>
       <p:sp>
         <p:nvSpPr>
-          <p:cNvPr id="52" name="Rectangle 51">
+          <p:cNvPr id="61" name="Rectangle 60">
             <a:extLst>
               <a:ext uri="{FF2B5EF4-FFF2-40B4-BE49-F238E27FC236}">
                 <a16:creationId xmlns:a16="http://schemas.microsoft.com/office/drawing/2014/main" id="{D8C9BDAA-0390-4B39-9B5C-BC95E5120DA4}"/>
@@ -6619,14 +6787,14 @@
           <a:lstStyle/>
           <a:p>
             <a:r>
-              <a:rPr lang="en-US" sz="1800" b="1" cap="all" spc="200" dirty="0">
+              <a:rPr lang="en-US" sz="2500" b="1" cap="all" spc="200">
                 <a:solidFill>
                   <a:srgbClr val="FFFFFF"/>
                 </a:solidFill>
               </a:rPr>
               <a:t>HOW HAS THE AVERAGE SUGAR INTAKE CHANGED OVERTIME?</a:t>
             </a:r>
-            <a:endParaRPr lang="en-CA" sz="1800" dirty="0">
+            <a:endParaRPr lang="en-CA" sz="2500">
               <a:solidFill>
                 <a:srgbClr val="FFFFFF"/>
               </a:solidFill>
@@ -6636,7 +6804,7 @@
       </p:sp>
       <p:cxnSp>
         <p:nvCxnSpPr>
-          <p:cNvPr id="54" name="Straight Connector 53">
+          <p:cNvPr id="63" name="Straight Connector 62">
             <a:extLst>
               <a:ext uri="{FF2B5EF4-FFF2-40B4-BE49-F238E27FC236}">
                 <a16:creationId xmlns:a16="http://schemas.microsoft.com/office/drawing/2014/main" id="{E04A321A-A039-4720-87B4-66A4210E0D57}"/>
@@ -6748,7 +6916,7 @@
           <p:nvPr/>
         </p:nvPicPr>
         <p:blipFill>
-          <a:blip r:embed="rId2">
+          <a:blip r:embed="rId3">
             <a:extLst>
               <a:ext uri="{28A0092B-C50C-407E-A947-70E740481C1C}">
                 <a14:useLocalDpi xmlns:a14="http://schemas.microsoft.com/office/drawing/2010/main" val="0"/>
@@ -6761,8 +6929,8 @@
         </p:blipFill>
         <p:spPr>
           <a:xfrm>
-            <a:off x="5060131" y="413056"/>
-            <a:ext cx="6798082" cy="3704954"/>
+            <a:off x="4909908" y="356923"/>
+            <a:ext cx="7105687" cy="3872599"/>
           </a:xfrm>
           <a:prstGeom prst="rect">
             <a:avLst/>
@@ -6783,7 +6951,7 @@
         </p:nvSpPr>
         <p:spPr>
           <a:xfrm>
-            <a:off x="4857737" y="4118010"/>
+            <a:off x="5024630" y="4534777"/>
             <a:ext cx="6202674" cy="1446550"/>
           </a:xfrm>
           <a:prstGeom prst="rect">
@@ -9311,6 +9479,14 @@
 <file path=ppt/slides/slide2.xml><?xml version="1.0" encoding="utf-8"?>
 <p:sld xmlns:a="http://schemas.openxmlformats.org/drawingml/2006/main" xmlns:r="http://schemas.openxmlformats.org/officeDocument/2006/relationships" xmlns:p="http://schemas.openxmlformats.org/presentationml/2006/main">
   <p:cSld>
+    <p:bg>
+      <p:bgPr>
+        <a:solidFill>
+          <a:schemeClr val="bg1"/>
+        </a:solidFill>
+        <a:effectLst/>
+      </p:bgPr>
+    </p:bg>
     <p:spTree>
       <p:nvGrpSpPr>
         <p:cNvPr id="1" name=""/>
@@ -9327,6 +9503,176 @@
       </p:grpSpPr>
       <p:sp>
         <p:nvSpPr>
+          <p:cNvPr id="8" name="Rectangle 7">
+            <a:extLst>
+              <a:ext uri="{FF2B5EF4-FFF2-40B4-BE49-F238E27FC236}">
+                <a16:creationId xmlns:a16="http://schemas.microsoft.com/office/drawing/2014/main" id="{416A0E3C-60E6-4F39-BC55-5F7C224E1F7C}"/>
+              </a:ext>
+              <a:ext uri="{C183D7F6-B498-43B3-948B-1728B52AA6E4}">
+                <adec:decorative xmlns:adec="http://schemas.microsoft.com/office/drawing/2017/decorative" val="1"/>
+              </a:ext>
+            </a:extLst>
+          </p:cNvPr>
+          <p:cNvSpPr>
+            <a:spLocks noGrp="1" noRot="1" noChangeAspect="1" noMove="1" noResize="1" noEditPoints="1" noAdjustHandles="1" noChangeArrowheads="1" noChangeShapeType="1" noTextEdit="1"/>
+          </p:cNvSpPr>
+          <p:nvPr>
+            <p:extLst>
+              <p:ext uri="{386F3935-93C4-4BCD-93E2-E3B085C9AB24}">
+                <p16:designElem xmlns:p16="http://schemas.microsoft.com/office/powerpoint/2015/main" val="1"/>
+              </p:ext>
+            </p:extLst>
+          </p:nvPr>
+        </p:nvSpPr>
+        <p:spPr>
+          <a:xfrm>
+            <a:off x="3175" y="6400800"/>
+            <a:ext cx="12188825" cy="457200"/>
+          </a:xfrm>
+          <a:prstGeom prst="rect">
+            <a:avLst/>
+          </a:prstGeom>
+          <a:solidFill>
+            <a:srgbClr val="262626"/>
+          </a:solidFill>
+          <a:ln>
+            <a:noFill/>
+          </a:ln>
+        </p:spPr>
+        <p:style>
+          <a:lnRef idx="2">
+            <a:schemeClr val="accent1">
+              <a:shade val="50000"/>
+            </a:schemeClr>
+          </a:lnRef>
+          <a:fillRef idx="1">
+            <a:schemeClr val="accent1"/>
+          </a:fillRef>
+          <a:effectRef idx="0">
+            <a:schemeClr val="accent1"/>
+          </a:effectRef>
+          <a:fontRef idx="minor">
+            <a:schemeClr val="lt1"/>
+          </a:fontRef>
+        </p:style>
+      </p:sp>
+      <p:cxnSp>
+        <p:nvCxnSpPr>
+          <p:cNvPr id="10" name="Straight Connector 9">
+            <a:extLst>
+              <a:ext uri="{FF2B5EF4-FFF2-40B4-BE49-F238E27FC236}">
+                <a16:creationId xmlns:a16="http://schemas.microsoft.com/office/drawing/2014/main" id="{C5025DAC-8B93-4160-B017-3A274A5828C0}"/>
+              </a:ext>
+              <a:ext uri="{C183D7F6-B498-43B3-948B-1728B52AA6E4}">
+                <adec:decorative xmlns:adec="http://schemas.microsoft.com/office/drawing/2017/decorative" val="1"/>
+              </a:ext>
+            </a:extLst>
+          </p:cNvPr>
+          <p:cNvCxnSpPr>
+            <a:cxnSpLocks noGrp="1" noRot="1" noChangeAspect="1" noMove="1" noResize="1" noEditPoints="1" noAdjustHandles="1" noChangeArrowheads="1" noChangeShapeType="1"/>
+          </p:cNvCxnSpPr>
+          <p:nvPr>
+            <p:extLst>
+              <p:ext uri="{386F3935-93C4-4BCD-93E2-E3B085C9AB24}">
+                <p16:designElem xmlns:p16="http://schemas.microsoft.com/office/powerpoint/2015/main" val="1"/>
+              </p:ext>
+            </p:extLst>
+          </p:nvPr>
+        </p:nvCxnSpPr>
+        <p:spPr>
+          <a:xfrm>
+            <a:off x="1193532" y="1897380"/>
+            <a:ext cx="9966960" cy="0"/>
+          </a:xfrm>
+          <a:prstGeom prst="line">
+            <a:avLst/>
+          </a:prstGeom>
+          <a:ln w="12700">
+            <a:solidFill>
+              <a:schemeClr val="tx1">
+                <a:lumMod val="75000"/>
+                <a:lumOff val="25000"/>
+              </a:schemeClr>
+            </a:solidFill>
+          </a:ln>
+        </p:spPr>
+        <p:style>
+          <a:lnRef idx="1">
+            <a:schemeClr val="accent1"/>
+          </a:lnRef>
+          <a:fillRef idx="0">
+            <a:schemeClr val="accent1"/>
+          </a:fillRef>
+          <a:effectRef idx="0">
+            <a:schemeClr val="accent1"/>
+          </a:effectRef>
+          <a:fontRef idx="minor">
+            <a:schemeClr val="tx1"/>
+          </a:fontRef>
+        </p:style>
+      </p:cxnSp>
+      <p:sp useBgFill="1">
+        <p:nvSpPr>
+          <p:cNvPr id="12" name="Rectangle 11">
+            <a:extLst>
+              <a:ext uri="{FF2B5EF4-FFF2-40B4-BE49-F238E27FC236}">
+                <a16:creationId xmlns:a16="http://schemas.microsoft.com/office/drawing/2014/main" id="{C8DD82D3-D002-45B0-B16A-82B3DA4EFDDB}"/>
+              </a:ext>
+              <a:ext uri="{C183D7F6-B498-43B3-948B-1728B52AA6E4}">
+                <adec:decorative xmlns:adec="http://schemas.microsoft.com/office/drawing/2017/decorative" val="1"/>
+              </a:ext>
+            </a:extLst>
+          </p:cNvPr>
+          <p:cNvSpPr>
+            <a:spLocks noGrp="1" noRot="1" noChangeAspect="1" noMove="1" noResize="1" noEditPoints="1" noAdjustHandles="1" noChangeArrowheads="1" noChangeShapeType="1" noTextEdit="1"/>
+          </p:cNvSpPr>
+          <p:nvPr>
+            <p:extLst>
+              <p:ext uri="{386F3935-93C4-4BCD-93E2-E3B085C9AB24}">
+                <p16:designElem xmlns:p16="http://schemas.microsoft.com/office/powerpoint/2015/main" val="1"/>
+              </p:ext>
+            </p:extLst>
+          </p:nvPr>
+        </p:nvSpPr>
+        <p:spPr>
+          <a:xfrm>
+            <a:off x="3175" y="0"/>
+            <a:ext cx="12188952" cy="6858000"/>
+          </a:xfrm>
+          <a:prstGeom prst="rect">
+            <a:avLst/>
+          </a:prstGeom>
+          <a:ln>
+            <a:noFill/>
+          </a:ln>
+        </p:spPr>
+        <p:style>
+          <a:lnRef idx="2">
+            <a:schemeClr val="accent1">
+              <a:shade val="50000"/>
+            </a:schemeClr>
+          </a:lnRef>
+          <a:fillRef idx="1">
+            <a:schemeClr val="accent1"/>
+          </a:fillRef>
+          <a:effectRef idx="0">
+            <a:schemeClr val="accent1"/>
+          </a:effectRef>
+          <a:fontRef idx="minor">
+            <a:schemeClr val="lt1"/>
+          </a:fontRef>
+        </p:style>
+        <p:txBody>
+          <a:bodyPr rtlCol="0" anchor="ctr"/>
+          <a:lstStyle/>
+          <a:p>
+            <a:pPr algn="ctr"/>
+            <a:endParaRPr lang="en-US"/>
+          </a:p>
+        </p:txBody>
+      </p:sp>
+      <p:sp>
+        <p:nvSpPr>
           <p:cNvPr id="2" name="Title 1">
             <a:extLst>
               <a:ext uri="{FF2B5EF4-FFF2-40B4-BE49-F238E27FC236}">
@@ -9341,19 +9687,85 @@
             <p:ph type="title"/>
           </p:nvPr>
         </p:nvSpPr>
-        <p:spPr/>
-        <p:txBody>
-          <a:bodyPr/>
+        <p:spPr>
+          <a:xfrm>
+            <a:off x="949047" y="643466"/>
+            <a:ext cx="2771273" cy="5470463"/>
+          </a:xfrm>
+        </p:spPr>
+        <p:txBody>
+          <a:bodyPr vert="horz" lIns="91440" tIns="45720" rIns="91440" bIns="45720" rtlCol="0" anchor="ctr">
+            <a:normAutofit/>
+          </a:bodyPr>
           <a:lstStyle/>
           <a:p>
             <a:r>
-              <a:rPr lang="en-US" dirty="0"/>
+              <a:rPr lang="en-US" sz="2800">
+                <a:solidFill>
+                  <a:schemeClr val="tx1">
+                    <a:lumMod val="75000"/>
+                    <a:lumOff val="25000"/>
+                  </a:schemeClr>
+                </a:solidFill>
+              </a:rPr>
               <a:t>PRESENTATION GUIDELINES</a:t>
             </a:r>
-            <a:endParaRPr lang="en-CA" dirty="0"/>
-          </a:p>
-        </p:txBody>
-      </p:sp>
+          </a:p>
+        </p:txBody>
+      </p:sp>
+      <p:cxnSp>
+        <p:nvCxnSpPr>
+          <p:cNvPr id="14" name="Straight Connector 13">
+            <a:extLst>
+              <a:ext uri="{FF2B5EF4-FFF2-40B4-BE49-F238E27FC236}">
+                <a16:creationId xmlns:a16="http://schemas.microsoft.com/office/drawing/2014/main" id="{9F09C252-16FE-4557-AD6D-BB5CA773496C}"/>
+              </a:ext>
+              <a:ext uri="{C183D7F6-B498-43B3-948B-1728B52AA6E4}">
+                <adec:decorative xmlns:adec="http://schemas.microsoft.com/office/drawing/2017/decorative" val="1"/>
+              </a:ext>
+            </a:extLst>
+          </p:cNvPr>
+          <p:cNvCxnSpPr>
+            <a:cxnSpLocks noGrp="1" noRot="1" noChangeAspect="1" noMove="1" noResize="1" noEditPoints="1" noAdjustHandles="1" noChangeArrowheads="1" noChangeShapeType="1"/>
+          </p:cNvCxnSpPr>
+          <p:nvPr>
+            <p:extLst>
+              <p:ext uri="{386F3935-93C4-4BCD-93E2-E3B085C9AB24}">
+                <p16:designElem xmlns:p16="http://schemas.microsoft.com/office/powerpoint/2015/main" val="1"/>
+              </p:ext>
+            </p:extLst>
+          </p:nvPr>
+        </p:nvCxnSpPr>
+        <p:spPr>
+          <a:xfrm>
+            <a:off x="4042053" y="1778497"/>
+            <a:ext cx="0" cy="3200400"/>
+          </a:xfrm>
+          <a:prstGeom prst="line">
+            <a:avLst/>
+          </a:prstGeom>
+          <a:ln w="19050">
+            <a:solidFill>
+              <a:schemeClr val="tx1"/>
+            </a:solidFill>
+            <a:miter lim="800000"/>
+          </a:ln>
+        </p:spPr>
+        <p:style>
+          <a:lnRef idx="1">
+            <a:schemeClr val="accent1"/>
+          </a:lnRef>
+          <a:fillRef idx="0">
+            <a:schemeClr val="accent1"/>
+          </a:fillRef>
+          <a:effectRef idx="0">
+            <a:schemeClr val="accent1"/>
+          </a:effectRef>
+          <a:fontRef idx="minor">
+            <a:schemeClr val="tx1"/>
+          </a:fontRef>
+        </p:style>
+      </p:cxnSp>
       <p:sp>
         <p:nvSpPr>
           <p:cNvPr id="3" name="Content Placeholder 2">
@@ -9372,116 +9784,174 @@
         </p:nvSpPr>
         <p:spPr>
           <a:xfrm>
-            <a:off x="5527810" y="812798"/>
-            <a:ext cx="5928344" cy="5294757"/>
-          </a:xfrm>
-        </p:spPr>
-        <p:txBody>
-          <a:bodyPr/>
+            <a:off x="4428565" y="643466"/>
+            <a:ext cx="6818427" cy="5470462"/>
+          </a:xfrm>
+        </p:spPr>
+        <p:txBody>
+          <a:bodyPr vert="horz" lIns="0" tIns="45720" rIns="0" bIns="45720" rtlCol="0" anchor="ctr">
+            <a:normAutofit/>
+          </a:bodyPr>
           <a:lstStyle/>
           <a:p>
             <a:pPr marL="342900" indent="-342900">
-              <a:buFont typeface="+mj-lt"/>
+              <a:lnSpc>
+                <a:spcPct val="100000"/>
+              </a:lnSpc>
+              <a:buFont typeface="Calibri" panose="020F0502020204030204" pitchFamily="34" charset="0"/>
               <a:buAutoNum type="arabicPeriod"/>
             </a:pPr>
             <a:r>
               <a:rPr lang="en-US" dirty="0"/>
               <a:t>Trivial Question</a:t>
             </a:r>
+            <a:endParaRPr lang="en-US"/>
           </a:p>
           <a:p>
             <a:pPr marL="342900" indent="-342900">
-              <a:buFont typeface="+mj-lt"/>
+              <a:lnSpc>
+                <a:spcPct val="100000"/>
+              </a:lnSpc>
+              <a:buFont typeface="Calibri" panose="020F0502020204030204" pitchFamily="34" charset="0"/>
               <a:buAutoNum type="arabicPeriod"/>
             </a:pPr>
             <a:r>
               <a:rPr lang="en-US" dirty="0"/>
-              <a:t>Core Message</a:t>
-            </a:r>
+              <a:t>Behind the Facts</a:t>
+            </a:r>
+            <a:endParaRPr lang="en-US"/>
           </a:p>
           <a:p>
             <a:pPr marL="342900" indent="-342900">
-              <a:buFont typeface="+mj-lt"/>
+              <a:lnSpc>
+                <a:spcPct val="100000"/>
+              </a:lnSpc>
+              <a:buFont typeface="Calibri" panose="020F0502020204030204" pitchFamily="34" charset="0"/>
               <a:buAutoNum type="arabicPeriod"/>
             </a:pPr>
             <a:r>
               <a:rPr lang="en-US" dirty="0"/>
-              <a:t>Define the Project</a:t>
-            </a:r>
+              <a:t>Core Message</a:t>
+            </a:r>
+            <a:endParaRPr lang="en-US"/>
           </a:p>
           <a:p>
             <a:pPr marL="342900" indent="-342900">
-              <a:buFont typeface="+mj-lt"/>
+              <a:lnSpc>
+                <a:spcPct val="100000"/>
+              </a:lnSpc>
+              <a:buFont typeface="Calibri" panose="020F0502020204030204" pitchFamily="34" charset="0"/>
               <a:buAutoNum type="arabicPeriod"/>
             </a:pPr>
             <a:r>
               <a:rPr lang="en-US" dirty="0"/>
-              <a:t>Data Exploration</a:t>
-            </a:r>
+              <a:t>Define the Project</a:t>
+            </a:r>
+            <a:endParaRPr lang="en-US"/>
           </a:p>
           <a:p>
             <a:pPr marL="342900" indent="-342900">
-              <a:buFont typeface="+mj-lt"/>
+              <a:lnSpc>
+                <a:spcPct val="100000"/>
+              </a:lnSpc>
+              <a:buFont typeface="Calibri" panose="020F0502020204030204" pitchFamily="34" charset="0"/>
               <a:buAutoNum type="arabicPeriod"/>
             </a:pPr>
             <a:r>
               <a:rPr lang="en-US" dirty="0"/>
-              <a:t>Data Cleanup</a:t>
-            </a:r>
+              <a:t>Data Exploration</a:t>
+            </a:r>
+            <a:endParaRPr lang="en-US"/>
           </a:p>
           <a:p>
             <a:pPr marL="342900" indent="-342900">
-              <a:buFont typeface="+mj-lt"/>
+              <a:lnSpc>
+                <a:spcPct val="100000"/>
+              </a:lnSpc>
+              <a:buFont typeface="Calibri" panose="020F0502020204030204" pitchFamily="34" charset="0"/>
               <a:buAutoNum type="arabicPeriod"/>
             </a:pPr>
             <a:r>
               <a:rPr lang="en-US" dirty="0"/>
-              <a:t>Data Analysis</a:t>
-            </a:r>
+              <a:t>Data Cleanup</a:t>
+            </a:r>
+            <a:endParaRPr lang="en-US"/>
           </a:p>
           <a:p>
             <a:pPr marL="342900" indent="-342900">
-              <a:buFont typeface="+mj-lt"/>
+              <a:lnSpc>
+                <a:spcPct val="100000"/>
+              </a:lnSpc>
+              <a:buFont typeface="Calibri" panose="020F0502020204030204" pitchFamily="34" charset="0"/>
               <a:buAutoNum type="arabicPeriod"/>
             </a:pPr>
             <a:r>
               <a:rPr lang="en-US" dirty="0"/>
-              <a:t>Discussion</a:t>
-            </a:r>
+              <a:t>Data Analysis</a:t>
+            </a:r>
+            <a:endParaRPr lang="en-US"/>
           </a:p>
           <a:p>
             <a:pPr marL="342900" indent="-342900">
-              <a:buFont typeface="+mj-lt"/>
+              <a:lnSpc>
+                <a:spcPct val="100000"/>
+              </a:lnSpc>
+              <a:buFont typeface="Calibri" panose="020F0502020204030204" pitchFamily="34" charset="0"/>
               <a:buAutoNum type="arabicPeriod"/>
             </a:pPr>
             <a:r>
               <a:rPr lang="en-US" dirty="0"/>
-              <a:t>Post Mortem</a:t>
-            </a:r>
+              <a:t>Discussion</a:t>
+            </a:r>
+            <a:endParaRPr lang="en-US"/>
           </a:p>
           <a:p>
             <a:pPr marL="342900" indent="-342900">
-              <a:buFont typeface="+mj-lt"/>
+              <a:lnSpc>
+                <a:spcPct val="100000"/>
+              </a:lnSpc>
+              <a:buFont typeface="Calibri" panose="020F0502020204030204" pitchFamily="34" charset="0"/>
               <a:buAutoNum type="arabicPeriod"/>
             </a:pPr>
             <a:r>
               <a:rPr lang="en-US" dirty="0"/>
-              <a:t>Questions</a:t>
-            </a:r>
+              <a:t>Post Mortem</a:t>
+            </a:r>
+            <a:endParaRPr lang="en-US"/>
           </a:p>
           <a:p>
             <a:pPr marL="342900" indent="-342900">
-              <a:buFont typeface="+mj-lt"/>
+              <a:lnSpc>
+                <a:spcPct val="100000"/>
+              </a:lnSpc>
+              <a:buFont typeface="Calibri" panose="020F0502020204030204" pitchFamily="34" charset="0"/>
               <a:buAutoNum type="arabicPeriod"/>
             </a:pPr>
-            <a:endParaRPr lang="en-US" dirty="0"/>
+            <a:r>
+              <a:rPr lang="en-US" dirty="0"/>
+              <a:t>Questions</a:t>
+            </a:r>
+            <a:endParaRPr lang="en-US"/>
           </a:p>
           <a:p>
             <a:pPr marL="342900" indent="-342900">
-              <a:buFont typeface="+mj-lt"/>
+              <a:lnSpc>
+                <a:spcPct val="100000"/>
+              </a:lnSpc>
+              <a:buFont typeface="Calibri" panose="020F0502020204030204" pitchFamily="34" charset="0"/>
               <a:buAutoNum type="arabicPeriod"/>
             </a:pPr>
-            <a:endParaRPr lang="en-CA" dirty="0"/>
+            <a:endParaRPr lang="en-US"/>
+          </a:p>
+          <a:p>
+            <a:pPr marL="342900" indent="-342900">
+              <a:lnSpc>
+                <a:spcPct val="100000"/>
+              </a:lnSpc>
+              <a:buFont typeface="Calibri" panose="020F0502020204030204" pitchFamily="34" charset="0"/>
+              <a:buAutoNum type="arabicPeriod"/>
+            </a:pPr>
+            <a:endParaRPr lang="en-US"/>
           </a:p>
         </p:txBody>
       </p:sp>
@@ -9493,7 +9963,7 @@
     </p:extLst>
   </p:cSld>
   <p:clrMapOvr>
-    <a:masterClrMapping/>
+    <a:overrideClrMapping bg1="dk1" tx1="lt1" bg2="dk2" tx2="lt2" accent1="accent1" accent2="accent2" accent3="accent3" accent4="accent4" accent5="accent5" accent6="accent6" hlink="hlink" folHlink="folHlink"/>
   </p:clrMapOvr>
 </p:sld>
 </file>
@@ -9525,10 +9995,10 @@
       </p:grpSpPr>
       <p:pic>
         <p:nvPicPr>
-          <p:cNvPr id="3" name="Picture 2">
-            <a:extLst>
-              <a:ext uri="{FF2B5EF4-FFF2-40B4-BE49-F238E27FC236}">
-                <a16:creationId xmlns:a16="http://schemas.microsoft.com/office/drawing/2014/main" id="{9E9F1B9E-F625-4363-B5F5-ED8D94CB2F72}"/>
+          <p:cNvPr id="4" name="Picture 3">
+            <a:extLst>
+              <a:ext uri="{FF2B5EF4-FFF2-40B4-BE49-F238E27FC236}">
+                <a16:creationId xmlns:a16="http://schemas.microsoft.com/office/drawing/2014/main" id="{E2ED57FE-8B4D-4E79-AD06-4D6D2AA3E80E}"/>
               </a:ext>
             </a:extLst>
           </p:cNvPr>
@@ -9545,7 +10015,7 @@
               </a:ext>
             </a:extLst>
           </a:blip>
-          <a:srcRect t="13567" b="18457"/>
+          <a:srcRect b="15414"/>
           <a:stretch/>
         </p:blipFill>
         <p:spPr>
@@ -10369,7 +10839,10 @@
               <a:buFont typeface="Calibri" panose="020F0502020204030204" pitchFamily="34" charset="0"/>
               <a:buNone/>
             </a:pPr>
-            <a:endParaRPr lang="en-US" dirty="0"/>
+            <a:r>
+              <a:rPr lang="en-US" dirty="0"/>
+              <a:t>Maximum Amount of Added Sugar to Eat per Day</a:t>
+            </a:r>
           </a:p>
           <a:p>
             <a:pPr lvl="1">
@@ -10381,7 +10854,7 @@
             </a:pPr>
             <a:r>
               <a:rPr lang="en-US" sz="1800" dirty="0"/>
-              <a:t>Men should consume xx amount per day</a:t>
+              <a:t>Men: 37.5 grams or 9 teaspoons </a:t>
             </a:r>
           </a:p>
           <a:p>
@@ -10394,18 +10867,13 @@
             </a:pPr>
             <a:r>
               <a:rPr lang="en-US" sz="1800" dirty="0"/>
-              <a:t>Women should consume xx amount per day</a:t>
-            </a:r>
-          </a:p>
-          <a:p>
-            <a:pPr marL="342900" indent="-342900">
-              <a:lnSpc>
-                <a:spcPct val="100000"/>
-              </a:lnSpc>
-              <a:buFont typeface="Calibri" panose="020F0502020204030204" pitchFamily="34" charset="0"/>
-              <a:buAutoNum type="arabicPeriod"/>
-            </a:pPr>
-            <a:endParaRPr lang="en-US" dirty="0"/>
+              <a:t>Women: 25 grams or 6 </a:t>
+            </a:r>
+            <a:r>
+              <a:rPr lang="en-US" sz="1800" dirty="0" err="1"/>
+              <a:t>teaspoo</a:t>
+            </a:r>
+            <a:endParaRPr lang="en-US" sz="1800" dirty="0"/>
           </a:p>
         </p:txBody>
       </p:sp>

--- a/Effects of Sugar Consumption.pptx
+++ b/Effects of Sugar Consumption.pptx
@@ -6328,7 +6328,7 @@
                   <a:srgbClr val="FFFFFF"/>
                 </a:solidFill>
               </a:rPr>
-              <a:t>What I the average daily sugar intake and </a:t>
+              <a:t>What IS the average daily sugar intake and </a:t>
             </a:r>
             <a:r>
               <a:rPr lang="en-US" sz="2200" cap="all" spc="200" dirty="0">
@@ -12720,7 +12720,7 @@
         </p:spPr>
         <p:txBody>
           <a:bodyPr>
-            <a:normAutofit/>
+            <a:normAutofit lnSpcReduction="10000"/>
           </a:bodyPr>
           <a:lstStyle/>
           <a:p>
@@ -12741,45 +12741,6 @@
               </a:rPr>
               <a:t>Upon retrieving the datasets, we were able to find the following trends:</a:t>
             </a:r>
-            <a:endParaRPr lang="en-CA" sz="1900" dirty="0">
-              <a:effectLst/>
-              <a:latin typeface="Calibri" panose="020F0502020204030204" pitchFamily="34" charset="0"/>
-              <a:ea typeface="Calibri" panose="020F0502020204030204" pitchFamily="34" charset="0"/>
-              <a:cs typeface="Times New Roman" panose="02020603050405020304" pitchFamily="18" charset="0"/>
-            </a:endParaRPr>
-          </a:p>
-          <a:p>
-            <a:pPr marL="342900" marR="0" lvl="0" indent="-342900">
-              <a:spcBef>
-                <a:spcPts val="0"/>
-              </a:spcBef>
-              <a:spcAft>
-                <a:spcPts val="0"/>
-              </a:spcAft>
-              <a:buFont typeface="Wingdings" panose="05000000000000000000" pitchFamily="2" charset="2"/>
-              <a:buChar char="Ø"/>
-            </a:pPr>
-            <a:r>
-              <a:rPr lang="en-US" sz="1900" dirty="0">
-                <a:effectLst/>
-                <a:latin typeface="Calibri" panose="020F0502020204030204" pitchFamily="34" charset="0"/>
-                <a:ea typeface="Calibri" panose="020F0502020204030204" pitchFamily="34" charset="0"/>
-                <a:cs typeface="Times New Roman" panose="02020603050405020304" pitchFamily="18" charset="0"/>
-              </a:rPr>
-              <a:t>Countries that Consume the most sugars.</a:t>
-            </a:r>
-          </a:p>
-          <a:p>
-            <a:pPr marL="342900" marR="0" lvl="0" indent="-342900">
-              <a:spcBef>
-                <a:spcPts val="0"/>
-              </a:spcBef>
-              <a:spcAft>
-                <a:spcPts val="0"/>
-              </a:spcAft>
-              <a:buFont typeface="Wingdings" panose="05000000000000000000" pitchFamily="2" charset="2"/>
-              <a:buChar char="Ø"/>
-            </a:pPr>
             <a:endParaRPr lang="en-US" sz="1900" dirty="0">
               <a:effectLst/>
               <a:latin typeface="Calibri" panose="020F0502020204030204" pitchFamily="34" charset="0"/>
@@ -12843,7 +12804,45 @@
                 <a:ea typeface="Calibri" panose="020F0502020204030204" pitchFamily="34" charset="0"/>
                 <a:cs typeface="Times New Roman" panose="02020603050405020304" pitchFamily="18" charset="0"/>
               </a:rPr>
-              <a:t>Correlation of Sugar Consumption between Income, Bad Teeth and Obesity.</a:t>
+              <a:t>Lower income Households consume more sugar.</a:t>
+            </a:r>
+          </a:p>
+          <a:p>
+            <a:pPr marL="342900" indent="-342900">
+              <a:spcBef>
+                <a:spcPts val="0"/>
+              </a:spcBef>
+              <a:spcAft>
+                <a:spcPts val="0"/>
+              </a:spcAft>
+              <a:buFont typeface="Wingdings" panose="05000000000000000000" pitchFamily="2" charset="2"/>
+              <a:buChar char="Ø"/>
+            </a:pPr>
+            <a:endParaRPr lang="en-US" sz="1900" dirty="0">
+              <a:latin typeface="Calibri" panose="020F0502020204030204" pitchFamily="34" charset="0"/>
+              <a:ea typeface="Calibri" panose="020F0502020204030204" pitchFamily="34" charset="0"/>
+              <a:cs typeface="Times New Roman" panose="02020603050405020304" pitchFamily="18" charset="0"/>
+            </a:endParaRPr>
+          </a:p>
+          <a:p>
+            <a:pPr marL="342900" indent="-342900">
+              <a:spcBef>
+                <a:spcPts val="0"/>
+              </a:spcBef>
+              <a:spcAft>
+                <a:spcPts val="0"/>
+              </a:spcAft>
+              <a:buFont typeface="Wingdings" panose="05000000000000000000" pitchFamily="2" charset="2"/>
+              <a:buChar char="Ø"/>
+            </a:pPr>
+            <a:r>
+              <a:rPr lang="en-US" sz="1900" dirty="0">
+                <a:effectLst/>
+                <a:latin typeface="Calibri" panose="020F0502020204030204" pitchFamily="34" charset="0"/>
+                <a:ea typeface="Calibri" panose="020F0502020204030204" pitchFamily="34" charset="0"/>
+                <a:cs typeface="Times New Roman" panose="02020603050405020304" pitchFamily="18" charset="0"/>
+              </a:rPr>
+              <a:t>Correlation of High Sugar Consumption may have negative health impacts.</a:t>
             </a:r>
             <a:endParaRPr lang="en-CA" sz="1900" dirty="0">
               <a:effectLst/>
@@ -12888,7 +12887,7 @@
                 <a:ea typeface="Calibri" panose="020F0502020204030204" pitchFamily="34" charset="0"/>
                 <a:cs typeface="Times New Roman" panose="02020603050405020304" pitchFamily="18" charset="0"/>
               </a:rPr>
-              <a:t>Grocery Data of Most Purchased Product.</a:t>
+              <a:t>Grocery Data of Most Purchased Product have higher sugar contents.</a:t>
             </a:r>
             <a:endParaRPr lang="en-CA" sz="1900" dirty="0">
               <a:effectLst/>

--- a/Effects of Sugar Consumption.pptx
+++ b/Effects of Sugar Consumption.pptx
@@ -14,9 +14,9 @@
     <p:sldId id="280" r:id="rId5"/>
     <p:sldId id="258" r:id="rId6"/>
     <p:sldId id="287" r:id="rId7"/>
-    <p:sldId id="293" r:id="rId8"/>
+    <p:sldId id="294" r:id="rId8"/>
     <p:sldId id="288" r:id="rId9"/>
-    <p:sldId id="289" r:id="rId10"/>
+    <p:sldId id="293" r:id="rId10"/>
     <p:sldId id="286" r:id="rId11"/>
     <p:sldId id="277" r:id="rId12"/>
     <p:sldId id="268" r:id="rId13"/>
@@ -612,6 +612,16 @@
           <a:bodyPr/>
           <a:lstStyle/>
           <a:p>
+            <a:r>
+              <a:rPr lang="en-US" dirty="0"/>
+              <a:t>AMARIS TO INPUT HER GRAPH </a:t>
+            </a:r>
+            <a:r>
+              <a:rPr lang="en-US" dirty="0">
+                <a:sym typeface="Wingdings" panose="05000000000000000000" pitchFamily="2" charset="2"/>
+              </a:rPr>
+              <a:t> WILL FIX TONIGHT</a:t>
+            </a:r>
             <a:endParaRPr lang="en-CA" dirty="0"/>
           </a:p>
         </p:txBody>
@@ -633,7 +643,7 @@
           <a:p>
             <a:fld id="{EE596BCB-CEC5-4086-BD46-775CD732B91C}" type="slidenum">
               <a:rPr lang="en-CA" smtClean="0"/>
-              <a:t>16</a:t>
+              <a:t>14</a:t>
             </a:fld>
             <a:endParaRPr lang="en-CA"/>
           </a:p>
@@ -642,7 +652,7 @@
     </p:spTree>
     <p:extLst>
       <p:ext uri="{BB962C8B-B14F-4D97-AF65-F5344CB8AC3E}">
-        <p14:creationId xmlns:p14="http://schemas.microsoft.com/office/powerpoint/2010/main" val="1362587745"/>
+        <p14:creationId xmlns:p14="http://schemas.microsoft.com/office/powerpoint/2010/main" val="4097402806"/>
       </p:ext>
     </p:extLst>
   </p:cSld>
@@ -696,10 +706,6 @@
           <a:bodyPr/>
           <a:lstStyle/>
           <a:p>
-            <a:r>
-              <a:rPr lang="en-US" dirty="0"/>
-              <a:t>Need Kapil and Caitlan to get final graph</a:t>
-            </a:r>
             <a:endParaRPr lang="en-CA" dirty="0"/>
           </a:p>
         </p:txBody>
@@ -721,7 +727,7 @@
           <a:p>
             <a:fld id="{EE596BCB-CEC5-4086-BD46-775CD732B91C}" type="slidenum">
               <a:rPr lang="en-CA" smtClean="0"/>
-              <a:t>17</a:t>
+              <a:t>15</a:t>
             </a:fld>
             <a:endParaRPr lang="en-CA"/>
           </a:p>
@@ -730,7 +736,7 @@
     </p:spTree>
     <p:extLst>
       <p:ext uri="{BB962C8B-B14F-4D97-AF65-F5344CB8AC3E}">
-        <p14:creationId xmlns:p14="http://schemas.microsoft.com/office/powerpoint/2010/main" val="4044454483"/>
+        <p14:creationId xmlns:p14="http://schemas.microsoft.com/office/powerpoint/2010/main" val="1661738706"/>
       </p:ext>
     </p:extLst>
   </p:cSld>
@@ -784,23 +790,6 @@
           <a:bodyPr/>
           <a:lstStyle/>
           <a:p>
-            <a:pPr marL="0" marR="0" lvl="0" indent="0" algn="l" defTabSz="914400" rtl="0" eaLnBrk="1" fontAlgn="auto" latinLnBrk="0" hangingPunct="1">
-              <a:lnSpc>
-                <a:spcPct val="100000"/>
-              </a:lnSpc>
-              <a:spcBef>
-                <a:spcPts val="0"/>
-              </a:spcBef>
-              <a:spcAft>
-                <a:spcPts val="0"/>
-              </a:spcAft>
-              <a:buClrTx/>
-              <a:buSzTx/>
-              <a:buFontTx/>
-              <a:buNone/>
-              <a:tabLst/>
-              <a:defRPr/>
-            </a:pPr>
             <a:endParaRPr lang="en-CA" dirty="0"/>
           </a:p>
         </p:txBody>
@@ -822,7 +811,7 @@
           <a:p>
             <a:fld id="{EE596BCB-CEC5-4086-BD46-775CD732B91C}" type="slidenum">
               <a:rPr lang="en-CA" smtClean="0"/>
-              <a:t>18</a:t>
+              <a:t>16</a:t>
             </a:fld>
             <a:endParaRPr lang="en-CA"/>
           </a:p>
@@ -831,7 +820,7 @@
     </p:spTree>
     <p:extLst>
       <p:ext uri="{BB962C8B-B14F-4D97-AF65-F5344CB8AC3E}">
-        <p14:creationId xmlns:p14="http://schemas.microsoft.com/office/powerpoint/2010/main" val="267783443"/>
+        <p14:creationId xmlns:p14="http://schemas.microsoft.com/office/powerpoint/2010/main" val="1362587745"/>
       </p:ext>
     </p:extLst>
   </p:cSld>
@@ -885,6 +874,94 @@
           <a:bodyPr/>
           <a:lstStyle/>
           <a:p>
+            <a:r>
+              <a:rPr lang="en-US" dirty="0"/>
+              <a:t>Need Kapil and Caitlan to get final graph</a:t>
+            </a:r>
+            <a:endParaRPr lang="en-CA" dirty="0"/>
+          </a:p>
+        </p:txBody>
+      </p:sp>
+      <p:sp>
+        <p:nvSpPr>
+          <p:cNvPr id="4" name="Slide Number Placeholder 3"/>
+          <p:cNvSpPr>
+            <a:spLocks noGrp="1"/>
+          </p:cNvSpPr>
+          <p:nvPr>
+            <p:ph type="sldNum" sz="quarter" idx="5"/>
+          </p:nvPr>
+        </p:nvSpPr>
+        <p:spPr/>
+        <p:txBody>
+          <a:bodyPr/>
+          <a:lstStyle/>
+          <a:p>
+            <a:fld id="{EE596BCB-CEC5-4086-BD46-775CD732B91C}" type="slidenum">
+              <a:rPr lang="en-CA" smtClean="0"/>
+              <a:t>17</a:t>
+            </a:fld>
+            <a:endParaRPr lang="en-CA"/>
+          </a:p>
+        </p:txBody>
+      </p:sp>
+    </p:spTree>
+    <p:extLst>
+      <p:ext uri="{BB962C8B-B14F-4D97-AF65-F5344CB8AC3E}">
+        <p14:creationId xmlns:p14="http://schemas.microsoft.com/office/powerpoint/2010/main" val="4044454483"/>
+      </p:ext>
+    </p:extLst>
+  </p:cSld>
+  <p:clrMapOvr>
+    <a:masterClrMapping/>
+  </p:clrMapOvr>
+</p:notes>
+</file>
+
+<file path=ppt/notesSlides/notesSlide14.xml><?xml version="1.0" encoding="utf-8"?>
+<p:notes xmlns:a="http://schemas.openxmlformats.org/drawingml/2006/main" xmlns:r="http://schemas.openxmlformats.org/officeDocument/2006/relationships" xmlns:p="http://schemas.openxmlformats.org/presentationml/2006/main">
+  <p:cSld>
+    <p:spTree>
+      <p:nvGrpSpPr>
+        <p:cNvPr id="1" name=""/>
+        <p:cNvGrpSpPr/>
+        <p:nvPr/>
+      </p:nvGrpSpPr>
+      <p:grpSpPr>
+        <a:xfrm>
+          <a:off x="0" y="0"/>
+          <a:ext cx="0" cy="0"/>
+          <a:chOff x="0" y="0"/>
+          <a:chExt cx="0" cy="0"/>
+        </a:xfrm>
+      </p:grpSpPr>
+      <p:sp>
+        <p:nvSpPr>
+          <p:cNvPr id="2" name="Slide Image Placeholder 1"/>
+          <p:cNvSpPr>
+            <a:spLocks noGrp="1" noRot="1" noChangeAspect="1"/>
+          </p:cNvSpPr>
+          <p:nvPr>
+            <p:ph type="sldImg"/>
+          </p:nvPr>
+        </p:nvSpPr>
+        <p:spPr/>
+      </p:sp>
+      <p:sp>
+        <p:nvSpPr>
+          <p:cNvPr id="3" name="Notes Placeholder 2"/>
+          <p:cNvSpPr>
+            <a:spLocks noGrp="1"/>
+          </p:cNvSpPr>
+          <p:nvPr>
+            <p:ph type="body" idx="1"/>
+          </p:nvPr>
+        </p:nvSpPr>
+        <p:spPr/>
+        <p:txBody>
+          <a:bodyPr/>
+          <a:lstStyle/>
+          <a:p>
             <a:pPr marL="0" marR="0" lvl="0" indent="0" algn="l" defTabSz="914400" rtl="0" eaLnBrk="1" fontAlgn="auto" latinLnBrk="0" hangingPunct="1">
               <a:lnSpc>
                 <a:spcPct val="100000"/>
@@ -902,17 +979,89 @@
               <a:tabLst/>
               <a:defRPr/>
             </a:pPr>
-            <a:r>
-              <a:rPr lang="en-US" dirty="0"/>
-              <a:t>Difficulties – API </a:t>
-            </a:r>
-            <a:r>
-              <a:rPr lang="en-US" dirty="0">
-                <a:sym typeface="Wingdings" panose="05000000000000000000" pitchFamily="2" charset="2"/>
-              </a:rPr>
-              <a:t> Kapil to fill in </a:t>
-            </a:r>
-          </a:p>
+            <a:endParaRPr lang="en-CA" dirty="0"/>
+          </a:p>
+        </p:txBody>
+      </p:sp>
+      <p:sp>
+        <p:nvSpPr>
+          <p:cNvPr id="4" name="Slide Number Placeholder 3"/>
+          <p:cNvSpPr>
+            <a:spLocks noGrp="1"/>
+          </p:cNvSpPr>
+          <p:nvPr>
+            <p:ph type="sldNum" sz="quarter" idx="5"/>
+          </p:nvPr>
+        </p:nvSpPr>
+        <p:spPr/>
+        <p:txBody>
+          <a:bodyPr/>
+          <a:lstStyle/>
+          <a:p>
+            <a:fld id="{EE596BCB-CEC5-4086-BD46-775CD732B91C}" type="slidenum">
+              <a:rPr lang="en-CA" smtClean="0"/>
+              <a:t>18</a:t>
+            </a:fld>
+            <a:endParaRPr lang="en-CA"/>
+          </a:p>
+        </p:txBody>
+      </p:sp>
+    </p:spTree>
+    <p:extLst>
+      <p:ext uri="{BB962C8B-B14F-4D97-AF65-F5344CB8AC3E}">
+        <p14:creationId xmlns:p14="http://schemas.microsoft.com/office/powerpoint/2010/main" val="267783443"/>
+      </p:ext>
+    </p:extLst>
+  </p:cSld>
+  <p:clrMapOvr>
+    <a:masterClrMapping/>
+  </p:clrMapOvr>
+</p:notes>
+</file>
+
+<file path=ppt/notesSlides/notesSlide15.xml><?xml version="1.0" encoding="utf-8"?>
+<p:notes xmlns:a="http://schemas.openxmlformats.org/drawingml/2006/main" xmlns:r="http://schemas.openxmlformats.org/officeDocument/2006/relationships" xmlns:p="http://schemas.openxmlformats.org/presentationml/2006/main">
+  <p:cSld>
+    <p:spTree>
+      <p:nvGrpSpPr>
+        <p:cNvPr id="1" name=""/>
+        <p:cNvGrpSpPr/>
+        <p:nvPr/>
+      </p:nvGrpSpPr>
+      <p:grpSpPr>
+        <a:xfrm>
+          <a:off x="0" y="0"/>
+          <a:ext cx="0" cy="0"/>
+          <a:chOff x="0" y="0"/>
+          <a:chExt cx="0" cy="0"/>
+        </a:xfrm>
+      </p:grpSpPr>
+      <p:sp>
+        <p:nvSpPr>
+          <p:cNvPr id="2" name="Slide Image Placeholder 1"/>
+          <p:cNvSpPr>
+            <a:spLocks noGrp="1" noRot="1" noChangeAspect="1"/>
+          </p:cNvSpPr>
+          <p:nvPr>
+            <p:ph type="sldImg"/>
+          </p:nvPr>
+        </p:nvSpPr>
+        <p:spPr/>
+      </p:sp>
+      <p:sp>
+        <p:nvSpPr>
+          <p:cNvPr id="3" name="Notes Placeholder 2"/>
+          <p:cNvSpPr>
+            <a:spLocks noGrp="1"/>
+          </p:cNvSpPr>
+          <p:nvPr>
+            <p:ph type="body" idx="1"/>
+          </p:nvPr>
+        </p:nvSpPr>
+        <p:spPr/>
+        <p:txBody>
+          <a:bodyPr/>
+          <a:lstStyle/>
           <a:p>
             <a:pPr marL="0" marR="0" lvl="0" indent="0" algn="l" defTabSz="914400" rtl="0" eaLnBrk="1" fontAlgn="auto" latinLnBrk="0" hangingPunct="1">
               <a:lnSpc>
@@ -932,6 +1081,35 @@
               <a:defRPr/>
             </a:pPr>
             <a:r>
+              <a:rPr lang="en-US" dirty="0"/>
+              <a:t>Difficulties – API </a:t>
+            </a:r>
+            <a:r>
+              <a:rPr lang="en-US" dirty="0">
+                <a:sym typeface="Wingdings" panose="05000000000000000000" pitchFamily="2" charset="2"/>
+              </a:rPr>
+              <a:t> Kapil to fill in </a:t>
+            </a:r>
+          </a:p>
+          <a:p>
+            <a:pPr marL="0" marR="0" lvl="0" indent="0" algn="l" defTabSz="914400" rtl="0" eaLnBrk="1" fontAlgn="auto" latinLnBrk="0" hangingPunct="1">
+              <a:lnSpc>
+                <a:spcPct val="100000"/>
+              </a:lnSpc>
+              <a:spcBef>
+                <a:spcPts val="0"/>
+              </a:spcBef>
+              <a:spcAft>
+                <a:spcPts val="0"/>
+              </a:spcAft>
+              <a:buClrTx/>
+              <a:buSzTx/>
+              <a:buFontTx/>
+              <a:buNone/>
+              <a:tabLst/>
+              <a:defRPr/>
+            </a:pPr>
+            <a:r>
               <a:rPr lang="en-US" dirty="0">
                 <a:sym typeface="Wingdings" panose="05000000000000000000" pitchFamily="2" charset="2"/>
               </a:rPr>
@@ -983,7 +1161,7 @@
 </p:notes>
 </file>
 
-<file path=ppt/notesSlides/notesSlide14.xml><?xml version="1.0" encoding="utf-8"?>
+<file path=ppt/notesSlides/notesSlide16.xml><?xml version="1.0" encoding="utf-8"?>
 <p:notes xmlns:a="http://schemas.openxmlformats.org/drawingml/2006/main" xmlns:r="http://schemas.openxmlformats.org/officeDocument/2006/relationships" xmlns:p="http://schemas.openxmlformats.org/presentationml/2006/main">
   <p:cSld>
     <p:spTree>
@@ -1111,23 +1289,6 @@
           <a:bodyPr/>
           <a:lstStyle/>
           <a:p>
-            <a:pPr marL="0" marR="0" lvl="0" indent="0" algn="l" defTabSz="914400" rtl="0" eaLnBrk="1" fontAlgn="auto" latinLnBrk="0" hangingPunct="1">
-              <a:lnSpc>
-                <a:spcPct val="100000"/>
-              </a:lnSpc>
-              <a:spcBef>
-                <a:spcPts val="0"/>
-              </a:spcBef>
-              <a:spcAft>
-                <a:spcPts val="0"/>
-              </a:spcAft>
-              <a:buClrTx/>
-              <a:buSzTx/>
-              <a:buFontTx/>
-              <a:buNone/>
-              <a:tabLst/>
-              <a:defRPr/>
-            </a:pPr>
             <a:endParaRPr lang="en-CA" dirty="0"/>
           </a:p>
         </p:txBody>
@@ -1149,7 +1310,7 @@
           <a:p>
             <a:fld id="{EE596BCB-CEC5-4086-BD46-775CD732B91C}" type="slidenum">
               <a:rPr lang="en-CA" smtClean="0"/>
-              <a:t>5</a:t>
+              <a:t>3</a:t>
             </a:fld>
             <a:endParaRPr lang="en-CA"/>
           </a:p>
@@ -1158,7 +1319,7 @@
     </p:spTree>
     <p:extLst>
       <p:ext uri="{BB962C8B-B14F-4D97-AF65-F5344CB8AC3E}">
-        <p14:creationId xmlns:p14="http://schemas.microsoft.com/office/powerpoint/2010/main" val="3382267332"/>
+        <p14:creationId xmlns:p14="http://schemas.microsoft.com/office/powerpoint/2010/main" val="651773311"/>
       </p:ext>
     </p:extLst>
   </p:cSld>
@@ -1250,7 +1411,7 @@
           <a:p>
             <a:fld id="{EE596BCB-CEC5-4086-BD46-775CD732B91C}" type="slidenum">
               <a:rPr lang="en-CA" smtClean="0"/>
-              <a:t>6</a:t>
+              <a:t>5</a:t>
             </a:fld>
             <a:endParaRPr lang="en-CA"/>
           </a:p>
@@ -1259,7 +1420,7 @@
     </p:spTree>
     <p:extLst>
       <p:ext uri="{BB962C8B-B14F-4D97-AF65-F5344CB8AC3E}">
-        <p14:creationId xmlns:p14="http://schemas.microsoft.com/office/powerpoint/2010/main" val="883847774"/>
+        <p14:creationId xmlns:p14="http://schemas.microsoft.com/office/powerpoint/2010/main" val="3382267332"/>
       </p:ext>
     </p:extLst>
   </p:cSld>
@@ -1351,7 +1512,7 @@
           <a:p>
             <a:fld id="{EE596BCB-CEC5-4086-BD46-775CD732B91C}" type="slidenum">
               <a:rPr lang="en-CA" smtClean="0"/>
-              <a:t>7</a:t>
+              <a:t>6</a:t>
             </a:fld>
             <a:endParaRPr lang="en-CA"/>
           </a:p>
@@ -1360,7 +1521,7 @@
     </p:spTree>
     <p:extLst>
       <p:ext uri="{BB962C8B-B14F-4D97-AF65-F5344CB8AC3E}">
-        <p14:creationId xmlns:p14="http://schemas.microsoft.com/office/powerpoint/2010/main" val="1718359506"/>
+        <p14:creationId xmlns:p14="http://schemas.microsoft.com/office/powerpoint/2010/main" val="883847774"/>
       </p:ext>
     </p:extLst>
   </p:cSld>
@@ -1431,6 +1592,10 @@
               <a:tabLst/>
               <a:defRPr/>
             </a:pPr>
+            <a:r>
+              <a:rPr lang="en-US" dirty="0"/>
+              <a:t>FIND ANOTHER PICTURE</a:t>
+            </a:r>
             <a:endParaRPr lang="en-CA" dirty="0"/>
           </a:p>
         </p:txBody>
@@ -1452,7 +1617,7 @@
           <a:p>
             <a:fld id="{EE596BCB-CEC5-4086-BD46-775CD732B91C}" type="slidenum">
               <a:rPr lang="en-CA" smtClean="0"/>
-              <a:t>8</a:t>
+              <a:t>7</a:t>
             </a:fld>
             <a:endParaRPr lang="en-CA"/>
           </a:p>
@@ -1461,7 +1626,7 @@
     </p:spTree>
     <p:extLst>
       <p:ext uri="{BB962C8B-B14F-4D97-AF65-F5344CB8AC3E}">
-        <p14:creationId xmlns:p14="http://schemas.microsoft.com/office/powerpoint/2010/main" val="1693989859"/>
+        <p14:creationId xmlns:p14="http://schemas.microsoft.com/office/powerpoint/2010/main" val="1430912617"/>
       </p:ext>
     </p:extLst>
   </p:cSld>
@@ -1553,7 +1718,7 @@
           <a:p>
             <a:fld id="{EE596BCB-CEC5-4086-BD46-775CD732B91C}" type="slidenum">
               <a:rPr lang="en-CA" smtClean="0"/>
-              <a:t>9</a:t>
+              <a:t>8</a:t>
             </a:fld>
             <a:endParaRPr lang="en-CA"/>
           </a:p>
@@ -1562,7 +1727,7 @@
     </p:spTree>
     <p:extLst>
       <p:ext uri="{BB962C8B-B14F-4D97-AF65-F5344CB8AC3E}">
-        <p14:creationId xmlns:p14="http://schemas.microsoft.com/office/powerpoint/2010/main" val="229754301"/>
+        <p14:creationId xmlns:p14="http://schemas.microsoft.com/office/powerpoint/2010/main" val="1693989859"/>
       </p:ext>
     </p:extLst>
   </p:cSld>
@@ -1616,6 +1781,23 @@
           <a:bodyPr/>
           <a:lstStyle/>
           <a:p>
+            <a:pPr marL="0" marR="0" lvl="0" indent="0" algn="l" defTabSz="914400" rtl="0" eaLnBrk="1" fontAlgn="auto" latinLnBrk="0" hangingPunct="1">
+              <a:lnSpc>
+                <a:spcPct val="100000"/>
+              </a:lnSpc>
+              <a:spcBef>
+                <a:spcPts val="0"/>
+              </a:spcBef>
+              <a:spcAft>
+                <a:spcPts val="0"/>
+              </a:spcAft>
+              <a:buClrTx/>
+              <a:buSzTx/>
+              <a:buFontTx/>
+              <a:buNone/>
+              <a:tabLst/>
+              <a:defRPr/>
+            </a:pPr>
             <a:endParaRPr lang="en-CA" dirty="0"/>
           </a:p>
         </p:txBody>
@@ -1637,7 +1819,7 @@
           <a:p>
             <a:fld id="{EE596BCB-CEC5-4086-BD46-775CD732B91C}" type="slidenum">
               <a:rPr lang="en-CA" smtClean="0"/>
-              <a:t>12</a:t>
+              <a:t>9</a:t>
             </a:fld>
             <a:endParaRPr lang="en-CA"/>
           </a:p>
@@ -1646,7 +1828,7 @@
     </p:spTree>
     <p:extLst>
       <p:ext uri="{BB962C8B-B14F-4D97-AF65-F5344CB8AC3E}">
-        <p14:creationId xmlns:p14="http://schemas.microsoft.com/office/powerpoint/2010/main" val="2658120533"/>
+        <p14:creationId xmlns:p14="http://schemas.microsoft.com/office/powerpoint/2010/main" val="1718359506"/>
       </p:ext>
     </p:extLst>
   </p:cSld>
@@ -1700,16 +1882,6 @@
           <a:bodyPr/>
           <a:lstStyle/>
           <a:p>
-            <a:r>
-              <a:rPr lang="en-US" dirty="0"/>
-              <a:t>AMARIS TO INPUT HER GRAPH </a:t>
-            </a:r>
-            <a:r>
-              <a:rPr lang="en-US" dirty="0">
-                <a:sym typeface="Wingdings" panose="05000000000000000000" pitchFamily="2" charset="2"/>
-              </a:rPr>
-              <a:t> WILL FIX TONIGHT</a:t>
-            </a:r>
             <a:endParaRPr lang="en-CA" dirty="0"/>
           </a:p>
         </p:txBody>
@@ -1731,7 +1903,7 @@
           <a:p>
             <a:fld id="{EE596BCB-CEC5-4086-BD46-775CD732B91C}" type="slidenum">
               <a:rPr lang="en-CA" smtClean="0"/>
-              <a:t>14</a:t>
+              <a:t>12</a:t>
             </a:fld>
             <a:endParaRPr lang="en-CA"/>
           </a:p>
@@ -1740,7 +1912,7 @@
     </p:spTree>
     <p:extLst>
       <p:ext uri="{BB962C8B-B14F-4D97-AF65-F5344CB8AC3E}">
-        <p14:creationId xmlns:p14="http://schemas.microsoft.com/office/powerpoint/2010/main" val="4097402806"/>
+        <p14:creationId xmlns:p14="http://schemas.microsoft.com/office/powerpoint/2010/main" val="2658120533"/>
       </p:ext>
     </p:extLst>
   </p:cSld>
@@ -1815,7 +1987,7 @@
           <a:p>
             <a:fld id="{EE596BCB-CEC5-4086-BD46-775CD732B91C}" type="slidenum">
               <a:rPr lang="en-CA" smtClean="0"/>
-              <a:t>15</a:t>
+              <a:t>13</a:t>
             </a:fld>
             <a:endParaRPr lang="en-CA"/>
           </a:p>
@@ -1824,7 +1996,7 @@
     </p:spTree>
     <p:extLst>
       <p:ext uri="{BB962C8B-B14F-4D97-AF65-F5344CB8AC3E}">
-        <p14:creationId xmlns:p14="http://schemas.microsoft.com/office/powerpoint/2010/main" val="1661738706"/>
+        <p14:creationId xmlns:p14="http://schemas.microsoft.com/office/powerpoint/2010/main" val="3669905146"/>
       </p:ext>
     </p:extLst>
   </p:cSld>
@@ -5613,7 +5785,7 @@
                   <a:schemeClr val="tx1"/>
                 </a:solidFill>
               </a:rPr>
-              <a:t>Effects of Sugar Consumption</a:t>
+              <a:t>Global Sugar Intake Analysis</a:t>
             </a:r>
             <a:endParaRPr lang="en-CA" sz="5400" dirty="0">
               <a:solidFill>
@@ -6971,7 +7143,7 @@
             </a:pPr>
             <a:r>
               <a:rPr lang="en-US" sz="1200" dirty="0"/>
-              <a:t>Import Average Sugar Intake csv dataset  in </a:t>
+              <a:t>Import Average Sugar Intake csv dataset in </a:t>
             </a:r>
             <a:r>
               <a:rPr lang="en-US" sz="1200" dirty="0" err="1"/>
@@ -7385,7 +7557,7 @@
           <p:nvPr/>
         </p:nvPicPr>
         <p:blipFill>
-          <a:blip r:embed="rId2">
+          <a:blip r:embed="rId3">
             <a:extLst>
               <a:ext uri="{28A0092B-C50C-407E-A947-70E740481C1C}">
                 <a14:useLocalDpi xmlns:a14="http://schemas.microsoft.com/office/drawing/2010/main" val="0"/>
@@ -7398,8 +7570,8 @@
         </p:blipFill>
         <p:spPr>
           <a:xfrm>
-            <a:off x="4016305" y="0"/>
-            <a:ext cx="8175695" cy="2566652"/>
+            <a:off x="3952429" y="505341"/>
+            <a:ext cx="8175695" cy="2684815"/>
           </a:xfrm>
           <a:prstGeom prst="rect">
             <a:avLst/>
@@ -7421,7 +7593,7 @@
           <p:nvPr/>
         </p:nvPicPr>
         <p:blipFill>
-          <a:blip r:embed="rId3">
+          <a:blip r:embed="rId4">
             <a:extLst>
               <a:ext uri="{28A0092B-C50C-407E-A947-70E740481C1C}">
                 <a14:useLocalDpi xmlns:a14="http://schemas.microsoft.com/office/drawing/2010/main" val="0"/>
@@ -7434,8 +7606,8 @@
         </p:blipFill>
         <p:spPr>
           <a:xfrm>
-            <a:off x="4008640" y="2566652"/>
-            <a:ext cx="8183360" cy="2326580"/>
+            <a:off x="3940932" y="3667844"/>
+            <a:ext cx="8183360" cy="2553986"/>
           </a:xfrm>
           <a:prstGeom prst="rect">
             <a:avLst/>
@@ -9784,7 +9956,7 @@
         </p:nvSpPr>
         <p:spPr>
           <a:xfrm>
-            <a:off x="4428565" y="643466"/>
+            <a:off x="4492070" y="695918"/>
             <a:ext cx="6818427" cy="5470462"/>
           </a:xfrm>
         </p:spPr>
@@ -9793,6 +9965,146 @@
             <a:normAutofit/>
           </a:bodyPr>
           <a:lstStyle/>
+          <a:p>
+            <a:pPr>
+              <a:lnSpc>
+                <a:spcPct val="100000"/>
+              </a:lnSpc>
+              <a:buFont typeface="Wingdings" panose="05000000000000000000" pitchFamily="2" charset="2"/>
+              <a:buChar char="Ø"/>
+            </a:pPr>
+            <a:r>
+              <a:rPr lang="en-US" dirty="0"/>
+              <a:t> Trivial Question</a:t>
+            </a:r>
+          </a:p>
+          <a:p>
+            <a:pPr>
+              <a:lnSpc>
+                <a:spcPct val="100000"/>
+              </a:lnSpc>
+              <a:buFont typeface="Wingdings" panose="05000000000000000000" pitchFamily="2" charset="2"/>
+              <a:buChar char="Ø"/>
+            </a:pPr>
+            <a:r>
+              <a:rPr lang="en-US" dirty="0"/>
+              <a:t> Behind the Facts</a:t>
+            </a:r>
+          </a:p>
+          <a:p>
+            <a:pPr>
+              <a:lnSpc>
+                <a:spcPct val="100000"/>
+              </a:lnSpc>
+              <a:buFont typeface="Wingdings" panose="05000000000000000000" pitchFamily="2" charset="2"/>
+              <a:buChar char="Ø"/>
+            </a:pPr>
+            <a:r>
+              <a:rPr lang="en-US" dirty="0"/>
+              <a:t> Core Message</a:t>
+            </a:r>
+          </a:p>
+          <a:p>
+            <a:pPr>
+              <a:lnSpc>
+                <a:spcPct val="100000"/>
+              </a:lnSpc>
+              <a:buFont typeface="Wingdings" panose="05000000000000000000" pitchFamily="2" charset="2"/>
+              <a:buChar char="Ø"/>
+            </a:pPr>
+            <a:r>
+              <a:rPr lang="en-US" dirty="0"/>
+              <a:t> Define the Project</a:t>
+            </a:r>
+          </a:p>
+          <a:p>
+            <a:pPr>
+              <a:lnSpc>
+                <a:spcPct val="100000"/>
+              </a:lnSpc>
+              <a:buFont typeface="Wingdings" panose="05000000000000000000" pitchFamily="2" charset="2"/>
+              <a:buChar char="Ø"/>
+            </a:pPr>
+            <a:r>
+              <a:rPr lang="en-US" dirty="0"/>
+              <a:t> Data Exploration</a:t>
+            </a:r>
+          </a:p>
+          <a:p>
+            <a:pPr>
+              <a:lnSpc>
+                <a:spcPct val="100000"/>
+              </a:lnSpc>
+              <a:buFont typeface="Wingdings" panose="05000000000000000000" pitchFamily="2" charset="2"/>
+              <a:buChar char="Ø"/>
+            </a:pPr>
+            <a:r>
+              <a:rPr lang="en-US" dirty="0"/>
+              <a:t> Data Cleanup</a:t>
+            </a:r>
+          </a:p>
+          <a:p>
+            <a:pPr>
+              <a:lnSpc>
+                <a:spcPct val="100000"/>
+              </a:lnSpc>
+              <a:buFont typeface="Wingdings" panose="05000000000000000000" pitchFamily="2" charset="2"/>
+              <a:buChar char="Ø"/>
+            </a:pPr>
+            <a:r>
+              <a:rPr lang="en-US" dirty="0"/>
+              <a:t> Data Analysis</a:t>
+            </a:r>
+          </a:p>
+          <a:p>
+            <a:pPr>
+              <a:lnSpc>
+                <a:spcPct val="100000"/>
+              </a:lnSpc>
+              <a:buFont typeface="Wingdings" panose="05000000000000000000" pitchFamily="2" charset="2"/>
+              <a:buChar char="Ø"/>
+            </a:pPr>
+            <a:r>
+              <a:rPr lang="en-US" dirty="0"/>
+              <a:t> Discussion</a:t>
+            </a:r>
+          </a:p>
+          <a:p>
+            <a:pPr>
+              <a:lnSpc>
+                <a:spcPct val="100000"/>
+              </a:lnSpc>
+              <a:buFont typeface="Wingdings" panose="05000000000000000000" pitchFamily="2" charset="2"/>
+              <a:buChar char="Ø"/>
+            </a:pPr>
+            <a:r>
+              <a:rPr lang="en-US" dirty="0"/>
+              <a:t> Post Mortem</a:t>
+            </a:r>
+          </a:p>
+          <a:p>
+            <a:pPr>
+              <a:lnSpc>
+                <a:spcPct val="100000"/>
+              </a:lnSpc>
+              <a:buFont typeface="Wingdings" panose="05000000000000000000" pitchFamily="2" charset="2"/>
+              <a:buChar char="Ø"/>
+            </a:pPr>
+            <a:r>
+              <a:rPr lang="en-US" dirty="0"/>
+              <a:t> Questions</a:t>
+            </a:r>
+          </a:p>
+          <a:p>
+            <a:pPr>
+              <a:lnSpc>
+                <a:spcPct val="100000"/>
+              </a:lnSpc>
+              <a:buFont typeface="Wingdings" panose="05000000000000000000" pitchFamily="2" charset="2"/>
+              <a:buChar char="Ø"/>
+            </a:pPr>
+            <a:endParaRPr lang="en-US" dirty="0"/>
+          </a:p>
           <a:p>
             <a:pPr marL="342900" indent="-342900">
               <a:lnSpc>
@@ -9801,157 +10113,7 @@
               <a:buFont typeface="Calibri" panose="020F0502020204030204" pitchFamily="34" charset="0"/>
               <a:buAutoNum type="arabicPeriod"/>
             </a:pPr>
-            <a:r>
-              <a:rPr lang="en-US" dirty="0"/>
-              <a:t>Trivial Question</a:t>
-            </a:r>
-            <a:endParaRPr lang="en-US"/>
-          </a:p>
-          <a:p>
-            <a:pPr marL="342900" indent="-342900">
-              <a:lnSpc>
-                <a:spcPct val="100000"/>
-              </a:lnSpc>
-              <a:buFont typeface="Calibri" panose="020F0502020204030204" pitchFamily="34" charset="0"/>
-              <a:buAutoNum type="arabicPeriod"/>
-            </a:pPr>
-            <a:r>
-              <a:rPr lang="en-US" dirty="0"/>
-              <a:t>Behind the Facts</a:t>
-            </a:r>
-            <a:endParaRPr lang="en-US"/>
-          </a:p>
-          <a:p>
-            <a:pPr marL="342900" indent="-342900">
-              <a:lnSpc>
-                <a:spcPct val="100000"/>
-              </a:lnSpc>
-              <a:buFont typeface="Calibri" panose="020F0502020204030204" pitchFamily="34" charset="0"/>
-              <a:buAutoNum type="arabicPeriod"/>
-            </a:pPr>
-            <a:r>
-              <a:rPr lang="en-US" dirty="0"/>
-              <a:t>Core Message</a:t>
-            </a:r>
-            <a:endParaRPr lang="en-US"/>
-          </a:p>
-          <a:p>
-            <a:pPr marL="342900" indent="-342900">
-              <a:lnSpc>
-                <a:spcPct val="100000"/>
-              </a:lnSpc>
-              <a:buFont typeface="Calibri" panose="020F0502020204030204" pitchFamily="34" charset="0"/>
-              <a:buAutoNum type="arabicPeriod"/>
-            </a:pPr>
-            <a:r>
-              <a:rPr lang="en-US" dirty="0"/>
-              <a:t>Define the Project</a:t>
-            </a:r>
-            <a:endParaRPr lang="en-US"/>
-          </a:p>
-          <a:p>
-            <a:pPr marL="342900" indent="-342900">
-              <a:lnSpc>
-                <a:spcPct val="100000"/>
-              </a:lnSpc>
-              <a:buFont typeface="Calibri" panose="020F0502020204030204" pitchFamily="34" charset="0"/>
-              <a:buAutoNum type="arabicPeriod"/>
-            </a:pPr>
-            <a:r>
-              <a:rPr lang="en-US" dirty="0"/>
-              <a:t>Data Exploration</a:t>
-            </a:r>
-            <a:endParaRPr lang="en-US"/>
-          </a:p>
-          <a:p>
-            <a:pPr marL="342900" indent="-342900">
-              <a:lnSpc>
-                <a:spcPct val="100000"/>
-              </a:lnSpc>
-              <a:buFont typeface="Calibri" panose="020F0502020204030204" pitchFamily="34" charset="0"/>
-              <a:buAutoNum type="arabicPeriod"/>
-            </a:pPr>
-            <a:r>
-              <a:rPr lang="en-US" dirty="0"/>
-              <a:t>Data Cleanup</a:t>
-            </a:r>
-            <a:endParaRPr lang="en-US"/>
-          </a:p>
-          <a:p>
-            <a:pPr marL="342900" indent="-342900">
-              <a:lnSpc>
-                <a:spcPct val="100000"/>
-              </a:lnSpc>
-              <a:buFont typeface="Calibri" panose="020F0502020204030204" pitchFamily="34" charset="0"/>
-              <a:buAutoNum type="arabicPeriod"/>
-            </a:pPr>
-            <a:r>
-              <a:rPr lang="en-US" dirty="0"/>
-              <a:t>Data Analysis</a:t>
-            </a:r>
-            <a:endParaRPr lang="en-US"/>
-          </a:p>
-          <a:p>
-            <a:pPr marL="342900" indent="-342900">
-              <a:lnSpc>
-                <a:spcPct val="100000"/>
-              </a:lnSpc>
-              <a:buFont typeface="Calibri" panose="020F0502020204030204" pitchFamily="34" charset="0"/>
-              <a:buAutoNum type="arabicPeriod"/>
-            </a:pPr>
-            <a:r>
-              <a:rPr lang="en-US" dirty="0"/>
-              <a:t>Discussion</a:t>
-            </a:r>
-            <a:endParaRPr lang="en-US"/>
-          </a:p>
-          <a:p>
-            <a:pPr marL="342900" indent="-342900">
-              <a:lnSpc>
-                <a:spcPct val="100000"/>
-              </a:lnSpc>
-              <a:buFont typeface="Calibri" panose="020F0502020204030204" pitchFamily="34" charset="0"/>
-              <a:buAutoNum type="arabicPeriod"/>
-            </a:pPr>
-            <a:r>
-              <a:rPr lang="en-US" dirty="0"/>
-              <a:t>Post Mortem</a:t>
-            </a:r>
-            <a:endParaRPr lang="en-US"/>
-          </a:p>
-          <a:p>
-            <a:pPr marL="342900" indent="-342900">
-              <a:lnSpc>
-                <a:spcPct val="100000"/>
-              </a:lnSpc>
-              <a:buFont typeface="Calibri" panose="020F0502020204030204" pitchFamily="34" charset="0"/>
-              <a:buAutoNum type="arabicPeriod"/>
-            </a:pPr>
-            <a:r>
-              <a:rPr lang="en-US" dirty="0"/>
-              <a:t>Questions</a:t>
-            </a:r>
-            <a:endParaRPr lang="en-US"/>
-          </a:p>
-          <a:p>
-            <a:pPr marL="342900" indent="-342900">
-              <a:lnSpc>
-                <a:spcPct val="100000"/>
-              </a:lnSpc>
-              <a:buFont typeface="Calibri" panose="020F0502020204030204" pitchFamily="34" charset="0"/>
-              <a:buAutoNum type="arabicPeriod"/>
-            </a:pPr>
-            <a:endParaRPr lang="en-US"/>
-          </a:p>
-          <a:p>
-            <a:pPr marL="342900" indent="-342900">
-              <a:lnSpc>
-                <a:spcPct val="100000"/>
-              </a:lnSpc>
-              <a:buFont typeface="Calibri" panose="020F0502020204030204" pitchFamily="34" charset="0"/>
-              <a:buAutoNum type="arabicPeriod"/>
-            </a:pPr>
-            <a:endParaRPr lang="en-US"/>
+            <a:endParaRPr lang="en-US" dirty="0"/>
           </a:p>
         </p:txBody>
       </p:sp>
@@ -10265,7 +10427,7 @@
           <a:lstStyle/>
           <a:p>
             <a:r>
-              <a:rPr lang="en-US" sz="4800">
+              <a:rPr lang="en-US" sz="4800" b="1" dirty="0">
                 <a:solidFill>
                   <a:schemeClr val="tx1">
                     <a:lumMod val="75000"/>
@@ -10293,7 +10455,7 @@
           <p:nvPr/>
         </p:nvPicPr>
         <p:blipFill rotWithShape="1">
-          <a:blip r:embed="rId2"/>
+          <a:blip r:embed="rId3"/>
           <a:srcRect l="43073" r="3261"/>
           <a:stretch/>
         </p:blipFill>
@@ -10407,7 +10569,7 @@
               <a:buFont typeface="Calibri" panose="020F0502020204030204" pitchFamily="34" charset="0"/>
               <a:buNone/>
             </a:pPr>
-            <a:endParaRPr lang="en-US" dirty="0"/>
+            <a:endParaRPr lang="en-US" sz="2800" dirty="0"/>
           </a:p>
           <a:p>
             <a:pPr marL="0" indent="0">
@@ -10418,7 +10580,7 @@
               <a:buNone/>
             </a:pPr>
             <a:r>
-              <a:rPr lang="en-US" b="1" dirty="0"/>
+              <a:rPr lang="en-US" sz="2800" b="1" dirty="0"/>
               <a:t>Do any of you know what your daily sugar intake should be?</a:t>
             </a:r>
           </a:p>
@@ -10726,7 +10888,7 @@
           <a:lstStyle/>
           <a:p>
             <a:r>
-              <a:rPr lang="en-US" sz="4400" dirty="0">
+              <a:rPr lang="en-US" sz="4400" b="1" dirty="0">
                 <a:solidFill>
                   <a:schemeClr val="tx1">
                     <a:lumMod val="75000"/>
@@ -10845,16 +11007,26 @@
             </a:r>
           </a:p>
           <a:p>
+            <a:pPr marL="0" indent="0">
+              <a:lnSpc>
+                <a:spcPct val="100000"/>
+              </a:lnSpc>
+              <a:buFont typeface="Calibri" panose="020F0502020204030204" pitchFamily="34" charset="0"/>
+              <a:buNone/>
+            </a:pPr>
+            <a:endParaRPr lang="en-US" dirty="0"/>
+          </a:p>
+          <a:p>
             <a:pPr lvl="1">
               <a:lnSpc>
                 <a:spcPct val="100000"/>
               </a:lnSpc>
-              <a:buFont typeface="Calibri" panose="020F0502020204030204" pitchFamily="34" charset="0"/>
-              <a:buChar char="•"/>
+              <a:buFont typeface="Wingdings" panose="05000000000000000000" pitchFamily="2" charset="2"/>
+              <a:buChar char="Ø"/>
             </a:pPr>
             <a:r>
               <a:rPr lang="en-US" sz="1800" dirty="0"/>
-              <a:t>Men: 37.5 grams or 9 teaspoons </a:t>
+              <a:t>   Men: 37.5 grams or 9 teaspoons </a:t>
             </a:r>
           </a:p>
           <a:p>
@@ -10862,18 +11034,23 @@
               <a:lnSpc>
                 <a:spcPct val="100000"/>
               </a:lnSpc>
-              <a:buFont typeface="Calibri" panose="020F0502020204030204" pitchFamily="34" charset="0"/>
-              <a:buChar char="•"/>
+              <a:buFont typeface="Wingdings" panose="05000000000000000000" pitchFamily="2" charset="2"/>
+              <a:buChar char="Ø"/>
             </a:pPr>
+            <a:endParaRPr lang="en-US" sz="1800" dirty="0"/>
+          </a:p>
+          <a:p>
+            <a:pPr lvl="1">
+              <a:lnSpc>
+                <a:spcPct val="100000"/>
+              </a:lnSpc>
+              <a:buFont typeface="Wingdings" panose="05000000000000000000" pitchFamily="2" charset="2"/>
+              <a:buChar char="Ø"/>
+            </a:pPr>
             <a:r>
               <a:rPr lang="en-US" sz="1800" dirty="0"/>
-              <a:t>Women: 25 grams or 6 </a:t>
-            </a:r>
-            <a:r>
-              <a:rPr lang="en-US" sz="1800" dirty="0" err="1"/>
-              <a:t>teaspoo</a:t>
-            </a:r>
-            <a:endParaRPr lang="en-US" sz="1800" dirty="0"/>
+              <a:t>   Women: 25 grams or 6 teaspoons</a:t>
+            </a:r>
           </a:p>
         </p:txBody>
       </p:sp>
@@ -11095,10 +11272,10 @@
           <a:lstStyle/>
           <a:p>
             <a:r>
-              <a:rPr lang="en-US"/>
+              <a:rPr lang="en-US" b="1" dirty="0"/>
               <a:t>CORE MESSAGE</a:t>
             </a:r>
-            <a:endParaRPr lang="en-CA"/>
+            <a:endParaRPr lang="en-CA" b="1" dirty="0"/>
           </a:p>
         </p:txBody>
       </p:sp>
@@ -11221,7 +11398,7 @@
               <a:buNone/>
             </a:pPr>
             <a:r>
-              <a:rPr lang="en-US" b="1"/>
+              <a:rPr lang="en-US" b="1" dirty="0"/>
               <a:t>“Your Subway sandwich bread is actually a cake!” </a:t>
             </a:r>
           </a:p>
@@ -11233,7 +11410,7 @@
               <a:buNone/>
             </a:pPr>
             <a:r>
-              <a:rPr lang="en-US"/>
+              <a:rPr lang="en-US" dirty="0"/>
               <a:t>~ Article from the Guardian</a:t>
             </a:r>
           </a:p>
@@ -11244,7 +11421,7 @@
               </a:spcBef>
               <a:buNone/>
             </a:pPr>
-            <a:endParaRPr lang="en-US"/>
+            <a:endParaRPr lang="en-US" dirty="0"/>
           </a:p>
           <a:p>
             <a:pPr marL="0" indent="0">
@@ -11253,7 +11430,7 @@
               </a:spcBef>
               <a:buNone/>
             </a:pPr>
-            <a:endParaRPr lang="en-US"/>
+            <a:endParaRPr lang="en-US" dirty="0"/>
           </a:p>
           <a:p>
             <a:pPr>
@@ -11261,15 +11438,9 @@
               <a:buChar char="Ø"/>
             </a:pPr>
             <a:r>
-              <a:rPr lang="en-CA"/>
-              <a:t> Upon reading this article, we wondered how high sugar consumption impacts our health.</a:t>
-            </a:r>
-          </a:p>
-          <a:p>
-            <a:pPr marL="0" indent="0">
-              <a:buNone/>
-            </a:pPr>
-            <a:endParaRPr lang="en-CA" dirty="0"/>
+              <a:rPr lang="en-CA" dirty="0"/>
+              <a:t> Upon reading this article, we wondered what the global average daily sugar consumption and the impacts it has on our health.</a:t>
+            </a:r>
           </a:p>
         </p:txBody>
       </p:sp>
@@ -11387,10 +11558,10 @@
           <a:lstStyle/>
           <a:p>
             <a:r>
-              <a:rPr lang="en-US"/>
+              <a:rPr lang="en-US" b="1" dirty="0"/>
               <a:t>DEFINE THE PROJECT</a:t>
             </a:r>
-            <a:endParaRPr lang="en-CA" dirty="0"/>
+            <a:endParaRPr lang="en-CA" b="1" dirty="0"/>
           </a:p>
         </p:txBody>
       </p:sp>
@@ -11430,8 +11601,8 @@
               <a:buAutoNum type="arabicPeriod"/>
             </a:pPr>
             <a:r>
-              <a:rPr lang="en-US" sz="1800"/>
-              <a:t>What is the average daily intake of processed sugar globally? Which countries consume the most on average?</a:t>
+              <a:rPr lang="en-US" sz="1800" dirty="0"/>
+              <a:t>What is the average daily intake sugar globally? Which countries consume the most on average?</a:t>
             </a:r>
           </a:p>
           <a:p>
@@ -11443,7 +11614,7 @@
               <a:buAutoNum type="arabicPeriod"/>
             </a:pPr>
             <a:r>
-              <a:rPr lang="en-US" sz="1800"/>
+              <a:rPr lang="en-US" sz="1800" dirty="0"/>
               <a:t>How has the average sugar intake changed over time?</a:t>
             </a:r>
           </a:p>
@@ -11456,7 +11627,7 @@
               <a:buAutoNum type="arabicPeriod"/>
             </a:pPr>
             <a:r>
-              <a:rPr lang="en-US" sz="1800"/>
+              <a:rPr lang="en-US" sz="1800" dirty="0"/>
               <a:t>What is the correlation between income and sugar intake?</a:t>
             </a:r>
           </a:p>
@@ -11469,7 +11640,7 @@
               <a:buAutoNum type="arabicPeriod"/>
             </a:pPr>
             <a:r>
-              <a:rPr lang="en-US" sz="1800"/>
+              <a:rPr lang="en-US" sz="1800" dirty="0"/>
               <a:t>Is there a correlation between processed sugar and obesity? </a:t>
             </a:r>
           </a:p>
@@ -11482,7 +11653,7 @@
               <a:buAutoNum type="arabicPeriod"/>
             </a:pPr>
             <a:r>
-              <a:rPr lang="en-US" sz="1800"/>
+              <a:rPr lang="en-US" sz="1800" dirty="0"/>
               <a:t>Is there a correlation between processed sugar and dental health? </a:t>
             </a:r>
           </a:p>
@@ -11495,10 +11666,10 @@
               <a:buAutoNum type="arabicPeriod"/>
             </a:pPr>
             <a:r>
-              <a:rPr lang="en-US" sz="1800"/>
+              <a:rPr lang="en-US" sz="1800" dirty="0"/>
               <a:t> What are the top 5 purchased grocery items in the country with the highest sugar intake? For these 5 top items, what is their sugar content?</a:t>
             </a:r>
-            <a:endParaRPr lang="en-CA" sz="1800"/>
+            <a:endParaRPr lang="en-CA" sz="1800" dirty="0"/>
           </a:p>
           <a:p>
             <a:pPr marL="0" indent="0">
@@ -11592,28 +11763,21 @@
         </p:nvSpPr>
         <p:spPr>
           <a:xfrm>
-            <a:off x="5172074" y="286604"/>
-            <a:ext cx="6491191" cy="1374246"/>
+            <a:off x="5172074" y="286603"/>
+            <a:ext cx="5983605" cy="1450757"/>
           </a:xfrm>
         </p:spPr>
         <p:txBody>
           <a:bodyPr>
-            <a:normAutofit fontScale="90000"/>
+            <a:normAutofit/>
           </a:bodyPr>
           <a:lstStyle/>
           <a:p>
             <a:r>
-              <a:rPr lang="en-US" dirty="0"/>
-              <a:t>DATA CLEANUP – </a:t>
-            </a:r>
-            <a:br>
-              <a:rPr lang="en-US" dirty="0"/>
-            </a:br>
-            <a:r>
-              <a:rPr lang="en-US" dirty="0"/>
-              <a:t>INSIGHTS AND DIFFICULTIES</a:t>
-            </a:r>
-            <a:endParaRPr lang="en-CA" dirty="0"/>
+              <a:rPr lang="en-US" b="1" dirty="0"/>
+              <a:t>SUMMARY OF FINDINGS</a:t>
+            </a:r>
+            <a:endParaRPr lang="en-CA" b="1" dirty="0"/>
           </a:p>
         </p:txBody>
       </p:sp>
@@ -11641,254 +11805,71 @@
         </p:spPr>
         <p:txBody>
           <a:bodyPr>
-            <a:normAutofit fontScale="77500" lnSpcReduction="20000"/>
+            <a:normAutofit/>
           </a:bodyPr>
           <a:lstStyle/>
           <a:p>
-            <a:pPr lvl="1">
-              <a:lnSpc>
-                <a:spcPct val="110000"/>
-              </a:lnSpc>
-              <a:spcBef>
-                <a:spcPts val="0"/>
-              </a:spcBef>
-              <a:spcAft>
-                <a:spcPts val="0"/>
-              </a:spcAft>
-              <a:buFont typeface="Arial" panose="020B0604020202020204" pitchFamily="34" charset="0"/>
-              <a:buChar char="•"/>
-            </a:pPr>
-            <a:r>
-              <a:rPr lang="en-US" sz="2200" dirty="0">
-                <a:latin typeface="Calibri" panose="020F0502020204030204" pitchFamily="34" charset="0"/>
-                <a:ea typeface="Calibri" panose="020F0502020204030204" pitchFamily="34" charset="0"/>
-                <a:cs typeface="Times New Roman" panose="02020603050405020304" pitchFamily="18" charset="0"/>
-              </a:rPr>
-              <a:t>Requires team effort to brainstorm on where to get the data.</a:t>
-            </a:r>
-          </a:p>
-          <a:p>
-            <a:pPr marR="0" lvl="0">
-              <a:lnSpc>
-                <a:spcPct val="110000"/>
-              </a:lnSpc>
-              <a:spcBef>
-                <a:spcPts val="0"/>
-              </a:spcBef>
-              <a:spcAft>
-                <a:spcPts val="0"/>
-              </a:spcAft>
-              <a:buFont typeface="Arial" panose="020B0604020202020204" pitchFamily="34" charset="0"/>
-              <a:buChar char="•"/>
-            </a:pPr>
-            <a:endParaRPr lang="en-US" sz="2200" dirty="0">
-              <a:latin typeface="Calibri" panose="020F0502020204030204" pitchFamily="34" charset="0"/>
-              <a:ea typeface="Calibri" panose="020F0502020204030204" pitchFamily="34" charset="0"/>
-              <a:cs typeface="Times New Roman" panose="02020603050405020304" pitchFamily="18" charset="0"/>
-            </a:endParaRPr>
-          </a:p>
-          <a:p>
-            <a:pPr lvl="1">
-              <a:lnSpc>
-                <a:spcPct val="110000"/>
-              </a:lnSpc>
-              <a:spcBef>
-                <a:spcPts val="0"/>
-              </a:spcBef>
-              <a:spcAft>
-                <a:spcPts val="0"/>
-              </a:spcAft>
-              <a:buFont typeface="Arial" panose="020B0604020202020204" pitchFamily="34" charset="0"/>
-              <a:buChar char="•"/>
-            </a:pPr>
-            <a:r>
-              <a:rPr lang="en-US" sz="2200" dirty="0">
-                <a:effectLst/>
-                <a:latin typeface="Calibri" panose="020F0502020204030204" pitchFamily="34" charset="0"/>
-                <a:ea typeface="Calibri" panose="020F0502020204030204" pitchFamily="34" charset="0"/>
-                <a:cs typeface="Times New Roman" panose="02020603050405020304" pitchFamily="18" charset="0"/>
-              </a:rPr>
-              <a:t>May require paying money to access the optimal data source for analysis.</a:t>
-            </a:r>
-          </a:p>
-          <a:p>
             <a:pPr>
-              <a:lnSpc>
-                <a:spcPct val="110000"/>
-              </a:lnSpc>
-              <a:spcBef>
-                <a:spcPts val="0"/>
-              </a:spcBef>
-              <a:spcAft>
-                <a:spcPts val="0"/>
-              </a:spcAft>
-              <a:buFont typeface="Arial" panose="020B0604020202020204" pitchFamily="34" charset="0"/>
-              <a:buChar char="•"/>
-            </a:pPr>
-            <a:endParaRPr lang="en-US" sz="2200" dirty="0">
-              <a:latin typeface="Calibri" panose="020F0502020204030204" pitchFamily="34" charset="0"/>
-              <a:ea typeface="Calibri" panose="020F0502020204030204" pitchFamily="34" charset="0"/>
-              <a:cs typeface="Times New Roman" panose="02020603050405020304" pitchFamily="18" charset="0"/>
-            </a:endParaRPr>
-          </a:p>
-          <a:p>
-            <a:pPr lvl="1">
-              <a:lnSpc>
-                <a:spcPct val="110000"/>
-              </a:lnSpc>
-              <a:spcBef>
-                <a:spcPts val="0"/>
-              </a:spcBef>
-              <a:spcAft>
-                <a:spcPts val="0"/>
-              </a:spcAft>
-              <a:buFont typeface="Arial" panose="020B0604020202020204" pitchFamily="34" charset="0"/>
-              <a:buChar char="•"/>
-            </a:pPr>
-            <a:r>
-              <a:rPr lang="en-US" sz="2200" dirty="0">
-                <a:latin typeface="Calibri" panose="020F0502020204030204" pitchFamily="34" charset="0"/>
-                <a:ea typeface="Calibri" panose="020F0502020204030204" pitchFamily="34" charset="0"/>
-                <a:cs typeface="Times New Roman" panose="02020603050405020304" pitchFamily="18" charset="0"/>
-              </a:rPr>
-              <a:t>Time consuming to research the right data for our analysis.</a:t>
-            </a:r>
-          </a:p>
-          <a:p>
-            <a:pPr marR="0" lvl="0">
-              <a:lnSpc>
-                <a:spcPct val="110000"/>
-              </a:lnSpc>
-              <a:spcBef>
-                <a:spcPts val="0"/>
-              </a:spcBef>
-              <a:spcAft>
-                <a:spcPts val="0"/>
-              </a:spcAft>
-              <a:buFont typeface="Arial" panose="020B0604020202020204" pitchFamily="34" charset="0"/>
-              <a:buChar char="•"/>
-            </a:pPr>
-            <a:endParaRPr lang="en-CA" sz="2200" dirty="0">
-              <a:effectLst/>
-              <a:latin typeface="Calibri" panose="020F0502020204030204" pitchFamily="34" charset="0"/>
-              <a:ea typeface="Calibri" panose="020F0502020204030204" pitchFamily="34" charset="0"/>
-              <a:cs typeface="Times New Roman" panose="02020603050405020304" pitchFamily="18" charset="0"/>
-            </a:endParaRPr>
-          </a:p>
-          <a:p>
-            <a:pPr lvl="1">
-              <a:lnSpc>
-                <a:spcPct val="110000"/>
-              </a:lnSpc>
-              <a:spcBef>
-                <a:spcPts val="0"/>
-              </a:spcBef>
-              <a:spcAft>
-                <a:spcPts val="800"/>
-              </a:spcAft>
-              <a:buFont typeface="Arial" panose="020B0604020202020204" pitchFamily="34" charset="0"/>
-              <a:buChar char="•"/>
-            </a:pPr>
-            <a:r>
-              <a:rPr lang="en-CA" sz="2200" dirty="0">
-                <a:effectLst/>
-                <a:latin typeface="Calibri" panose="020F0502020204030204" pitchFamily="34" charset="0"/>
-                <a:ea typeface="Calibri" panose="020F0502020204030204" pitchFamily="34" charset="0"/>
-                <a:cs typeface="Times New Roman" panose="02020603050405020304" pitchFamily="18" charset="0"/>
-              </a:rPr>
-              <a:t>Datasets are not formatted perfectly to answer our questions.</a:t>
-            </a:r>
-          </a:p>
-          <a:p>
-            <a:pPr marL="635508" lvl="1" indent="-342900">
-              <a:lnSpc>
-                <a:spcPct val="110000"/>
-              </a:lnSpc>
-              <a:spcBef>
-                <a:spcPts val="0"/>
-              </a:spcBef>
-              <a:spcAft>
-                <a:spcPts val="800"/>
-              </a:spcAft>
               <a:buFont typeface="Wingdings" panose="05000000000000000000" pitchFamily="2" charset="2"/>
               <a:buChar char="Ø"/>
             </a:pPr>
             <a:r>
-              <a:rPr lang="en-CA" sz="2100" dirty="0">
-                <a:latin typeface="Calibri" panose="020F0502020204030204" pitchFamily="34" charset="0"/>
-                <a:ea typeface="Calibri" panose="020F0502020204030204" pitchFamily="34" charset="0"/>
-                <a:cs typeface="Times New Roman" panose="02020603050405020304" pitchFamily="18" charset="0"/>
-              </a:rPr>
-              <a:t>Requires reformatting CSV files in proper rows and columns.</a:t>
-            </a:r>
-          </a:p>
-          <a:p>
-            <a:pPr marL="635508" lvl="1" indent="-342900">
-              <a:lnSpc>
-                <a:spcPct val="110000"/>
-              </a:lnSpc>
-              <a:spcBef>
-                <a:spcPts val="0"/>
-              </a:spcBef>
-              <a:spcAft>
-                <a:spcPts val="800"/>
-              </a:spcAft>
+              <a:rPr lang="en-US" dirty="0"/>
+              <a:t> Overall, sugar consumption has been increasing globally</a:t>
+            </a:r>
+          </a:p>
+          <a:p>
+            <a:pPr lvl="1">
               <a:buFont typeface="Wingdings" panose="05000000000000000000" pitchFamily="2" charset="2"/>
               <a:buChar char="Ø"/>
             </a:pPr>
             <a:r>
-              <a:rPr lang="en-CA" sz="2100" dirty="0">
-                <a:latin typeface="Calibri" panose="020F0502020204030204" pitchFamily="34" charset="0"/>
-                <a:ea typeface="Calibri" panose="020F0502020204030204" pitchFamily="34" charset="0"/>
-                <a:cs typeface="Times New Roman" panose="02020603050405020304" pitchFamily="18" charset="0"/>
-              </a:rPr>
-              <a:t>Merging </a:t>
-            </a:r>
-            <a:r>
-              <a:rPr lang="en-CA" sz="2100" dirty="0" err="1">
-                <a:latin typeface="Calibri" panose="020F0502020204030204" pitchFamily="34" charset="0"/>
-                <a:ea typeface="Calibri" panose="020F0502020204030204" pitchFamily="34" charset="0"/>
-                <a:cs typeface="Times New Roman" panose="02020603050405020304" pitchFamily="18" charset="0"/>
-              </a:rPr>
-              <a:t>dataframes</a:t>
-            </a:r>
-            <a:r>
-              <a:rPr lang="en-CA" sz="2100" dirty="0">
-                <a:latin typeface="Calibri" panose="020F0502020204030204" pitchFamily="34" charset="0"/>
-                <a:ea typeface="Calibri" panose="020F0502020204030204" pitchFamily="34" charset="0"/>
-                <a:cs typeface="Times New Roman" panose="02020603050405020304" pitchFamily="18" charset="0"/>
-              </a:rPr>
-              <a:t> to determine trends and correlation.</a:t>
-            </a:r>
-          </a:p>
-          <a:p>
-            <a:pPr marL="635508" lvl="1" indent="-342900">
-              <a:lnSpc>
-                <a:spcPct val="110000"/>
-              </a:lnSpc>
-              <a:spcBef>
-                <a:spcPts val="0"/>
-              </a:spcBef>
-              <a:spcAft>
-                <a:spcPts val="800"/>
-              </a:spcAft>
+              <a:rPr lang="en-US" dirty="0"/>
+              <a:t>US has been the highest sugar intake country for 2011-2013</a:t>
+            </a:r>
+          </a:p>
+          <a:p>
+            <a:pPr lvl="1">
               <a:buFont typeface="Wingdings" panose="05000000000000000000" pitchFamily="2" charset="2"/>
               <a:buChar char="Ø"/>
             </a:pPr>
             <a:r>
-              <a:rPr lang="en-US" sz="2100" dirty="0">
-                <a:latin typeface="Calibri" panose="020F0502020204030204" pitchFamily="34" charset="0"/>
-                <a:cs typeface="Times New Roman" panose="02020603050405020304" pitchFamily="18" charset="0"/>
-              </a:rPr>
-              <a:t>Not all information for a specific country may not be available as some of the countries were not independent until 1990-1993.</a:t>
-            </a:r>
-            <a:endParaRPr lang="en-CA" sz="2100" dirty="0">
-              <a:latin typeface="Calibri" panose="020F0502020204030204" pitchFamily="34" charset="0"/>
-              <a:cs typeface="Times New Roman" panose="02020603050405020304" pitchFamily="18" charset="0"/>
-            </a:endParaRPr>
-          </a:p>
-          <a:p>
-            <a:pPr marL="0" indent="0">
+              <a:rPr lang="en-US" dirty="0"/>
+              <a:t>US has been well above the global average</a:t>
+            </a:r>
+          </a:p>
+          <a:p>
+            <a:pPr lvl="1">
+              <a:buFont typeface="Wingdings" panose="05000000000000000000" pitchFamily="2" charset="2"/>
+              <a:buChar char="Ø"/>
+            </a:pPr>
+            <a:r>
+              <a:rPr lang="en-US" dirty="0"/>
+              <a:t>US grocery data indicates that soda is one of the highest purchased product</a:t>
+            </a:r>
+          </a:p>
+          <a:p>
+            <a:pPr>
+              <a:buFont typeface="Wingdings" panose="05000000000000000000" pitchFamily="2" charset="2"/>
+              <a:buChar char="Ø"/>
+            </a:pPr>
+            <a:r>
+              <a:rPr lang="en-US" dirty="0"/>
+              <a:t>The lower the income, the higher the sugar intake</a:t>
+            </a:r>
+          </a:p>
+          <a:p>
+            <a:pPr>
+              <a:buFont typeface="Wingdings" panose="05000000000000000000" pitchFamily="2" charset="2"/>
+              <a:buChar char="Ø"/>
+            </a:pPr>
+            <a:r>
+              <a:rPr lang="en-US" dirty="0"/>
+              <a:t>The higher the sugar intake, the higher the obesity rate</a:t>
+            </a:r>
+          </a:p>
+          <a:p>
+            <a:pPr marL="201168" lvl="1" indent="0">
               <a:buNone/>
             </a:pPr>
             <a:endParaRPr lang="en-CA" dirty="0"/>
@@ -11897,10 +11878,10 @@
       </p:sp>
       <p:pic>
         <p:nvPicPr>
-          <p:cNvPr id="5" name="Picture 4" descr="A picture containing text, light&#10;&#10;Description automatically generated">
-            <a:extLst>
-              <a:ext uri="{FF2B5EF4-FFF2-40B4-BE49-F238E27FC236}">
-                <a16:creationId xmlns:a16="http://schemas.microsoft.com/office/drawing/2014/main" id="{C7403585-643A-4CD5-8120-2A09D1D480DF}"/>
+          <p:cNvPr id="4" name="Picture 3" descr="A picture containing background pattern&#10;&#10;Description automatically generated">
+            <a:extLst>
+              <a:ext uri="{FF2B5EF4-FFF2-40B4-BE49-F238E27FC236}">
+                <a16:creationId xmlns:a16="http://schemas.microsoft.com/office/drawing/2014/main" id="{BF27F904-CB55-45BC-B660-9E50521DE28D}"/>
               </a:ext>
             </a:extLst>
           </p:cNvPr>
@@ -11923,8 +11904,8 @@
         </p:blipFill>
         <p:spPr>
           <a:xfrm>
-            <a:off x="0" y="0"/>
-            <a:ext cx="4768645" cy="6416795"/>
+            <a:off x="66481" y="0"/>
+            <a:ext cx="4700827" cy="6400800"/>
           </a:xfrm>
           <a:prstGeom prst="rect">
             <a:avLst/>
@@ -11934,7 +11915,7 @@
     </p:spTree>
     <p:extLst>
       <p:ext uri="{BB962C8B-B14F-4D97-AF65-F5344CB8AC3E}">
-        <p14:creationId xmlns:p14="http://schemas.microsoft.com/office/powerpoint/2010/main" val="3829639878"/>
+        <p14:creationId xmlns:p14="http://schemas.microsoft.com/office/powerpoint/2010/main" val="2472201004"/>
       </p:ext>
     </p:extLst>
   </p:cSld>
@@ -11990,10 +11971,10 @@
           <a:lstStyle/>
           <a:p>
             <a:r>
-              <a:rPr lang="en-US" dirty="0"/>
+              <a:rPr lang="en-US" b="1" dirty="0"/>
               <a:t>DATA EXPLORATION</a:t>
             </a:r>
-            <a:endParaRPr lang="en-CA" dirty="0"/>
+            <a:endParaRPr lang="en-CA" b="1" dirty="0"/>
           </a:p>
         </p:txBody>
       </p:sp>
@@ -12196,7 +12177,7 @@
         </p:nvSpPr>
         <p:spPr>
           <a:xfrm>
-            <a:off x="5939344" y="4782028"/>
+            <a:off x="6096000" y="4990219"/>
             <a:ext cx="1127553" cy="1169477"/>
           </a:xfrm>
           <a:prstGeom prst="ellipse">
@@ -12346,7 +12327,7 @@
         </p:nvSpPr>
         <p:spPr>
           <a:xfrm>
-            <a:off x="9348436" y="4659789"/>
+            <a:off x="9472321" y="4893800"/>
             <a:ext cx="1127553" cy="1169477"/>
           </a:xfrm>
           <a:prstGeom prst="ellipse">
@@ -12440,7 +12421,7 @@
         </p:nvCxnSpPr>
         <p:spPr>
           <a:xfrm flipV="1">
-            <a:off x="6999824" y="4656513"/>
+            <a:off x="6998949" y="4656513"/>
             <a:ext cx="540051" cy="446574"/>
           </a:xfrm>
           <a:prstGeom prst="straightConnector1">
@@ -12600,13 +12581,14 @@
           </p:cNvPr>
           <p:cNvCxnSpPr>
             <a:cxnSpLocks/>
+            <a:stCxn id="15" idx="1"/>
           </p:cNvCxnSpPr>
           <p:nvPr/>
         </p:nvCxnSpPr>
         <p:spPr>
           <a:xfrm flipH="1" flipV="1">
-            <a:off x="8894277" y="4656513"/>
-            <a:ext cx="517353" cy="325402"/>
+            <a:off x="8894279" y="4656514"/>
+            <a:ext cx="743168" cy="408552"/>
           </a:xfrm>
           <a:prstGeom prst="straightConnector1">
             <a:avLst/>
@@ -12678,21 +12660,28 @@
         </p:nvSpPr>
         <p:spPr>
           <a:xfrm>
-            <a:off x="5172074" y="286604"/>
-            <a:ext cx="6491191" cy="1374246"/>
+            <a:off x="5172074" y="286603"/>
+            <a:ext cx="7019926" cy="1475289"/>
           </a:xfrm>
         </p:spPr>
         <p:txBody>
           <a:bodyPr>
-            <a:normAutofit/>
+            <a:noAutofit/>
           </a:bodyPr>
           <a:lstStyle/>
           <a:p>
             <a:r>
-              <a:rPr lang="en-US" dirty="0"/>
-              <a:t>INTERESTING DISCOVERY</a:t>
-            </a:r>
-            <a:endParaRPr lang="en-CA" dirty="0"/>
+              <a:rPr lang="en-US" b="1" dirty="0"/>
+              <a:t>DATA CLEANUP – </a:t>
+            </a:r>
+            <a:br>
+              <a:rPr lang="en-US" b="1" dirty="0"/>
+            </a:br>
+            <a:r>
+              <a:rPr lang="en-US" b="1" dirty="0"/>
+              <a:t>INSIGHTS AND DIFFICULTIES</a:t>
+            </a:r>
+            <a:endParaRPr lang="en-CA" b="1" dirty="0"/>
           </a:p>
         </p:txBody>
       </p:sp>
@@ -12720,202 +12709,251 @@
         </p:spPr>
         <p:txBody>
           <a:bodyPr>
-            <a:normAutofit lnSpcReduction="10000"/>
+            <a:normAutofit fontScale="77500" lnSpcReduction="20000"/>
           </a:bodyPr>
           <a:lstStyle/>
           <a:p>
-            <a:pPr marL="0" marR="0" indent="0">
+            <a:pPr lvl="1">
+              <a:lnSpc>
+                <a:spcPct val="110000"/>
+              </a:lnSpc>
+              <a:spcBef>
+                <a:spcPts val="0"/>
+              </a:spcBef>
+              <a:spcAft>
+                <a:spcPts val="0"/>
+              </a:spcAft>
+              <a:buFont typeface="Arial" panose="020B0604020202020204" pitchFamily="34" charset="0"/>
+              <a:buChar char="•"/>
+            </a:pPr>
+            <a:r>
+              <a:rPr lang="en-US" sz="2200" dirty="0">
+                <a:latin typeface="Calibri" panose="020F0502020204030204" pitchFamily="34" charset="0"/>
+                <a:ea typeface="Calibri" panose="020F0502020204030204" pitchFamily="34" charset="0"/>
+                <a:cs typeface="Times New Roman" panose="02020603050405020304" pitchFamily="18" charset="0"/>
+              </a:rPr>
+              <a:t>Requires team effort to brainstorm on where to get the data.</a:t>
+            </a:r>
+          </a:p>
+          <a:p>
+            <a:pPr marR="0" lvl="0">
+              <a:lnSpc>
+                <a:spcPct val="110000"/>
+              </a:lnSpc>
+              <a:spcBef>
+                <a:spcPts val="0"/>
+              </a:spcBef>
+              <a:spcAft>
+                <a:spcPts val="0"/>
+              </a:spcAft>
+              <a:buFont typeface="Arial" panose="020B0604020202020204" pitchFamily="34" charset="0"/>
+              <a:buChar char="•"/>
+            </a:pPr>
+            <a:endParaRPr lang="en-US" sz="2200" dirty="0">
+              <a:latin typeface="Calibri" panose="020F0502020204030204" pitchFamily="34" charset="0"/>
+              <a:ea typeface="Calibri" panose="020F0502020204030204" pitchFamily="34" charset="0"/>
+              <a:cs typeface="Times New Roman" panose="02020603050405020304" pitchFamily="18" charset="0"/>
+            </a:endParaRPr>
+          </a:p>
+          <a:p>
+            <a:pPr lvl="1">
+              <a:lnSpc>
+                <a:spcPct val="110000"/>
+              </a:lnSpc>
+              <a:spcBef>
+                <a:spcPts val="0"/>
+              </a:spcBef>
+              <a:spcAft>
+                <a:spcPts val="0"/>
+              </a:spcAft>
+              <a:buFont typeface="Arial" panose="020B0604020202020204" pitchFamily="34" charset="0"/>
+              <a:buChar char="•"/>
+            </a:pPr>
+            <a:r>
+              <a:rPr lang="en-US" sz="2200" dirty="0">
+                <a:effectLst/>
+                <a:latin typeface="Calibri" panose="020F0502020204030204" pitchFamily="34" charset="0"/>
+                <a:ea typeface="Calibri" panose="020F0502020204030204" pitchFamily="34" charset="0"/>
+                <a:cs typeface="Times New Roman" panose="02020603050405020304" pitchFamily="18" charset="0"/>
+              </a:rPr>
+              <a:t>May require paying money to access the optimal data source for analysis.</a:t>
+            </a:r>
+          </a:p>
+          <a:p>
+            <a:pPr>
+              <a:lnSpc>
+                <a:spcPct val="110000"/>
+              </a:lnSpc>
+              <a:spcBef>
+                <a:spcPts val="0"/>
+              </a:spcBef>
+              <a:spcAft>
+                <a:spcPts val="0"/>
+              </a:spcAft>
+              <a:buFont typeface="Arial" panose="020B0604020202020204" pitchFamily="34" charset="0"/>
+              <a:buChar char="•"/>
+            </a:pPr>
+            <a:endParaRPr lang="en-US" sz="2200" dirty="0">
+              <a:latin typeface="Calibri" panose="020F0502020204030204" pitchFamily="34" charset="0"/>
+              <a:ea typeface="Calibri" panose="020F0502020204030204" pitchFamily="34" charset="0"/>
+              <a:cs typeface="Times New Roman" panose="02020603050405020304" pitchFamily="18" charset="0"/>
+            </a:endParaRPr>
+          </a:p>
+          <a:p>
+            <a:pPr lvl="1">
+              <a:lnSpc>
+                <a:spcPct val="110000"/>
+              </a:lnSpc>
+              <a:spcBef>
+                <a:spcPts val="0"/>
+              </a:spcBef>
+              <a:spcAft>
+                <a:spcPts val="0"/>
+              </a:spcAft>
+              <a:buFont typeface="Arial" panose="020B0604020202020204" pitchFamily="34" charset="0"/>
+              <a:buChar char="•"/>
+            </a:pPr>
+            <a:r>
+              <a:rPr lang="en-US" sz="2200" dirty="0">
+                <a:latin typeface="Calibri" panose="020F0502020204030204" pitchFamily="34" charset="0"/>
+                <a:ea typeface="Calibri" panose="020F0502020204030204" pitchFamily="34" charset="0"/>
+                <a:cs typeface="Times New Roman" panose="02020603050405020304" pitchFamily="18" charset="0"/>
+              </a:rPr>
+              <a:t>Time consuming to research the right data for our analysis.</a:t>
+            </a:r>
+          </a:p>
+          <a:p>
+            <a:pPr marR="0" lvl="0">
+              <a:lnSpc>
+                <a:spcPct val="110000"/>
+              </a:lnSpc>
+              <a:spcBef>
+                <a:spcPts val="0"/>
+              </a:spcBef>
+              <a:spcAft>
+                <a:spcPts val="0"/>
+              </a:spcAft>
+              <a:buFont typeface="Arial" panose="020B0604020202020204" pitchFamily="34" charset="0"/>
+              <a:buChar char="•"/>
+            </a:pPr>
+            <a:endParaRPr lang="en-CA" sz="2200" dirty="0">
+              <a:effectLst/>
+              <a:latin typeface="Calibri" panose="020F0502020204030204" pitchFamily="34" charset="0"/>
+              <a:ea typeface="Calibri" panose="020F0502020204030204" pitchFamily="34" charset="0"/>
+              <a:cs typeface="Times New Roman" panose="02020603050405020304" pitchFamily="18" charset="0"/>
+            </a:endParaRPr>
+          </a:p>
+          <a:p>
+            <a:pPr lvl="1">
+              <a:lnSpc>
+                <a:spcPct val="110000"/>
+              </a:lnSpc>
               <a:spcBef>
                 <a:spcPts val="0"/>
               </a:spcBef>
               <a:spcAft>
                 <a:spcPts val="800"/>
               </a:spcAft>
-              <a:buNone/>
+              <a:buFont typeface="Arial" panose="020B0604020202020204" pitchFamily="34" charset="0"/>
+              <a:buChar char="•"/>
             </a:pPr>
             <a:r>
-              <a:rPr lang="en-US" sz="1900" b="1" dirty="0">
-                <a:latin typeface="Calibri" panose="020F0502020204030204" pitchFamily="34" charset="0"/>
-                <a:ea typeface="Calibri" panose="020F0502020204030204" pitchFamily="34" charset="0"/>
-                <a:cs typeface="Times New Roman" panose="02020603050405020304" pitchFamily="18" charset="0"/>
-              </a:rPr>
-              <a:t>Upon retrieving the datasets, we were able to find the following trends:</a:t>
-            </a:r>
-            <a:endParaRPr lang="en-US" sz="1900" dirty="0">
-              <a:effectLst/>
-              <a:latin typeface="Calibri" panose="020F0502020204030204" pitchFamily="34" charset="0"/>
-              <a:ea typeface="Calibri" panose="020F0502020204030204" pitchFamily="34" charset="0"/>
-              <a:cs typeface="Times New Roman" panose="02020603050405020304" pitchFamily="18" charset="0"/>
-            </a:endParaRPr>
-          </a:p>
-          <a:p>
-            <a:pPr marL="342900" indent="-342900">
-              <a:spcBef>
-                <a:spcPts val="0"/>
-              </a:spcBef>
-              <a:spcAft>
-                <a:spcPts val="0"/>
-              </a:spcAft>
-              <a:buFont typeface="Wingdings" panose="05000000000000000000" pitchFamily="2" charset="2"/>
-              <a:buChar char="Ø"/>
-            </a:pPr>
-            <a:r>
-              <a:rPr lang="en-US" sz="1900" dirty="0">
+              <a:rPr lang="en-CA" sz="2200" dirty="0">
                 <a:effectLst/>
                 <a:latin typeface="Calibri" panose="020F0502020204030204" pitchFamily="34" charset="0"/>
                 <a:ea typeface="Calibri" panose="020F0502020204030204" pitchFamily="34" charset="0"/>
                 <a:cs typeface="Times New Roman" panose="02020603050405020304" pitchFamily="18" charset="0"/>
               </a:rPr>
-              <a:t>Trends of Sugar Consumption over the years.</a:t>
-            </a:r>
-          </a:p>
-          <a:p>
-            <a:pPr marL="342900" indent="-342900">
+              <a:t>Datasets are not formatted perfectly to answer our questions.</a:t>
+            </a:r>
+          </a:p>
+          <a:p>
+            <a:pPr marL="635508" lvl="1" indent="-342900">
+              <a:lnSpc>
+                <a:spcPct val="110000"/>
+              </a:lnSpc>
               <a:spcBef>
                 <a:spcPts val="0"/>
               </a:spcBef>
               <a:spcAft>
-                <a:spcPts val="0"/>
+                <a:spcPts val="800"/>
               </a:spcAft>
               <a:buFont typeface="Wingdings" panose="05000000000000000000" pitchFamily="2" charset="2"/>
               <a:buChar char="Ø"/>
             </a:pPr>
-            <a:endParaRPr lang="en-US" sz="1900" dirty="0">
-              <a:latin typeface="Calibri" panose="020F0502020204030204" pitchFamily="34" charset="0"/>
-              <a:ea typeface="Calibri" panose="020F0502020204030204" pitchFamily="34" charset="0"/>
-              <a:cs typeface="Times New Roman" panose="02020603050405020304" pitchFamily="18" charset="0"/>
-            </a:endParaRPr>
-          </a:p>
-          <a:p>
-            <a:pPr marL="342900" indent="-342900">
+            <a:r>
+              <a:rPr lang="en-CA" sz="2100" dirty="0">
+                <a:latin typeface="Calibri" panose="020F0502020204030204" pitchFamily="34" charset="0"/>
+                <a:ea typeface="Calibri" panose="020F0502020204030204" pitchFamily="34" charset="0"/>
+                <a:cs typeface="Times New Roman" panose="02020603050405020304" pitchFamily="18" charset="0"/>
+              </a:rPr>
+              <a:t>Requires reformatting CSV files in proper rows and columns.</a:t>
+            </a:r>
+          </a:p>
+          <a:p>
+            <a:pPr marL="635508" lvl="1" indent="-342900">
+              <a:lnSpc>
+                <a:spcPct val="110000"/>
+              </a:lnSpc>
               <a:spcBef>
                 <a:spcPts val="0"/>
               </a:spcBef>
               <a:spcAft>
-                <a:spcPts val="0"/>
+                <a:spcPts val="800"/>
               </a:spcAft>
               <a:buFont typeface="Wingdings" panose="05000000000000000000" pitchFamily="2" charset="2"/>
               <a:buChar char="Ø"/>
             </a:pPr>
             <a:r>
-              <a:rPr lang="en-US" sz="1900" dirty="0">
-                <a:effectLst/>
+              <a:rPr lang="en-CA" sz="2100" dirty="0">
                 <a:latin typeface="Calibri" panose="020F0502020204030204" pitchFamily="34" charset="0"/>
                 <a:ea typeface="Calibri" panose="020F0502020204030204" pitchFamily="34" charset="0"/>
                 <a:cs typeface="Times New Roman" panose="02020603050405020304" pitchFamily="18" charset="0"/>
               </a:rPr>
-              <a:t>Lower income Households consume more sugar.</a:t>
-            </a:r>
-          </a:p>
-          <a:p>
-            <a:pPr marL="342900" indent="-342900">
+              <a:t>Merging </a:t>
+            </a:r>
+            <a:r>
+              <a:rPr lang="en-CA" sz="2100" dirty="0" err="1">
+                <a:latin typeface="Calibri" panose="020F0502020204030204" pitchFamily="34" charset="0"/>
+                <a:ea typeface="Calibri" panose="020F0502020204030204" pitchFamily="34" charset="0"/>
+                <a:cs typeface="Times New Roman" panose="02020603050405020304" pitchFamily="18" charset="0"/>
+              </a:rPr>
+              <a:t>dataframes</a:t>
+            </a:r>
+            <a:r>
+              <a:rPr lang="en-CA" sz="2100" dirty="0">
+                <a:latin typeface="Calibri" panose="020F0502020204030204" pitchFamily="34" charset="0"/>
+                <a:ea typeface="Calibri" panose="020F0502020204030204" pitchFamily="34" charset="0"/>
+                <a:cs typeface="Times New Roman" panose="02020603050405020304" pitchFamily="18" charset="0"/>
+              </a:rPr>
+              <a:t> to determine trends and correlation.</a:t>
+            </a:r>
+          </a:p>
+          <a:p>
+            <a:pPr marL="635508" lvl="1" indent="-342900">
+              <a:lnSpc>
+                <a:spcPct val="110000"/>
+              </a:lnSpc>
               <a:spcBef>
                 <a:spcPts val="0"/>
               </a:spcBef>
               <a:spcAft>
-                <a:spcPts val="0"/>
+                <a:spcPts val="800"/>
               </a:spcAft>
               <a:buFont typeface="Wingdings" panose="05000000000000000000" pitchFamily="2" charset="2"/>
               <a:buChar char="Ø"/>
             </a:pPr>
-            <a:endParaRPr lang="en-US" sz="1900" dirty="0">
+            <a:r>
+              <a:rPr lang="en-US" sz="2100" dirty="0">
+                <a:latin typeface="Calibri" panose="020F0502020204030204" pitchFamily="34" charset="0"/>
+                <a:cs typeface="Times New Roman" panose="02020603050405020304" pitchFamily="18" charset="0"/>
+              </a:rPr>
+              <a:t>Not all information for a specific country may not be available as some of the countries were not independent until 1990-1993.</a:t>
+            </a:r>
+            <a:endParaRPr lang="en-CA" sz="2100" dirty="0">
               <a:latin typeface="Calibri" panose="020F0502020204030204" pitchFamily="34" charset="0"/>
-              <a:ea typeface="Calibri" panose="020F0502020204030204" pitchFamily="34" charset="0"/>
               <a:cs typeface="Times New Roman" panose="02020603050405020304" pitchFamily="18" charset="0"/>
             </a:endParaRPr>
-          </a:p>
-          <a:p>
-            <a:pPr marL="342900" indent="-342900">
-              <a:spcBef>
-                <a:spcPts val="0"/>
-              </a:spcBef>
-              <a:spcAft>
-                <a:spcPts val="0"/>
-              </a:spcAft>
-              <a:buFont typeface="Wingdings" panose="05000000000000000000" pitchFamily="2" charset="2"/>
-              <a:buChar char="Ø"/>
-            </a:pPr>
-            <a:r>
-              <a:rPr lang="en-US" sz="1900" dirty="0">
-                <a:effectLst/>
-                <a:latin typeface="Calibri" panose="020F0502020204030204" pitchFamily="34" charset="0"/>
-                <a:ea typeface="Calibri" panose="020F0502020204030204" pitchFamily="34" charset="0"/>
-                <a:cs typeface="Times New Roman" panose="02020603050405020304" pitchFamily="18" charset="0"/>
-              </a:rPr>
-              <a:t>Correlation of High Sugar Consumption may have negative health impacts.</a:t>
-            </a:r>
-            <a:endParaRPr lang="en-CA" sz="1900" dirty="0">
-              <a:effectLst/>
-              <a:latin typeface="Calibri" panose="020F0502020204030204" pitchFamily="34" charset="0"/>
-              <a:ea typeface="Calibri" panose="020F0502020204030204" pitchFamily="34" charset="0"/>
-              <a:cs typeface="Times New Roman" panose="02020603050405020304" pitchFamily="18" charset="0"/>
-            </a:endParaRPr>
-          </a:p>
-          <a:p>
-            <a:pPr marL="342900" marR="0" lvl="0" indent="-342900">
-              <a:spcBef>
-                <a:spcPts val="0"/>
-              </a:spcBef>
-              <a:spcAft>
-                <a:spcPts val="0"/>
-              </a:spcAft>
-              <a:buFont typeface="Wingdings" panose="05000000000000000000" pitchFamily="2" charset="2"/>
-              <a:buChar char="Ø"/>
-            </a:pPr>
-            <a:endParaRPr lang="en-CA" sz="1900" dirty="0">
-              <a:effectLst/>
-              <a:latin typeface="Calibri" panose="020F0502020204030204" pitchFamily="34" charset="0"/>
-              <a:ea typeface="Calibri" panose="020F0502020204030204" pitchFamily="34" charset="0"/>
-              <a:cs typeface="Times New Roman" panose="02020603050405020304" pitchFamily="18" charset="0"/>
-            </a:endParaRPr>
-          </a:p>
-          <a:p>
-            <a:pPr marL="342900" marR="0" lvl="0" indent="-342900">
-              <a:spcBef>
-                <a:spcPts val="0"/>
-              </a:spcBef>
-              <a:spcAft>
-                <a:spcPts val="0"/>
-              </a:spcAft>
-              <a:buFont typeface="Wingdings" panose="05000000000000000000" pitchFamily="2" charset="2"/>
-              <a:buChar char="Ø"/>
-            </a:pPr>
-            <a:r>
-              <a:rPr lang="en-US" sz="1900" dirty="0">
-                <a:effectLst/>
-                <a:latin typeface="Calibri" panose="020F0502020204030204" pitchFamily="34" charset="0"/>
-                <a:ea typeface="Calibri" panose="020F0502020204030204" pitchFamily="34" charset="0"/>
-                <a:cs typeface="Times New Roman" panose="02020603050405020304" pitchFamily="18" charset="0"/>
-              </a:rPr>
-              <a:t>Grocery Data of Most Purchased Product have higher sugar contents.</a:t>
-            </a:r>
-            <a:endParaRPr lang="en-CA" sz="1900" dirty="0">
-              <a:effectLst/>
-              <a:latin typeface="Calibri" panose="020F0502020204030204" pitchFamily="34" charset="0"/>
-              <a:ea typeface="Calibri" panose="020F0502020204030204" pitchFamily="34" charset="0"/>
-              <a:cs typeface="Times New Roman" panose="02020603050405020304" pitchFamily="18" charset="0"/>
-            </a:endParaRPr>
-          </a:p>
-          <a:p>
-            <a:pPr marL="342900" indent="-342900">
-              <a:buFont typeface="Wingdings" panose="05000000000000000000" pitchFamily="2" charset="2"/>
-              <a:buChar char="Ø"/>
-            </a:pPr>
-            <a:endParaRPr lang="en-US" sz="1900" dirty="0"/>
-          </a:p>
-          <a:p>
-            <a:pPr marL="544068" lvl="1" indent="-342900">
-              <a:buFont typeface="Wingdings" panose="05000000000000000000" pitchFamily="2" charset="2"/>
-              <a:buChar char="Ø"/>
-            </a:pPr>
-            <a:endParaRPr lang="en-US" sz="1900" dirty="0"/>
-          </a:p>
-          <a:p>
-            <a:pPr marL="342900" indent="-342900">
-              <a:buFont typeface="Wingdings" panose="05000000000000000000" pitchFamily="2" charset="2"/>
-              <a:buChar char="Ø"/>
-            </a:pPr>
-            <a:endParaRPr lang="en-US" sz="1900" dirty="0"/>
           </a:p>
           <a:p>
             <a:pPr marL="0" indent="0">
@@ -12927,10 +12965,10 @@
       </p:sp>
       <p:pic>
         <p:nvPicPr>
-          <p:cNvPr id="6" name="Picture 5" descr="A picture containing background pattern&#10;&#10;Description automatically generated">
-            <a:extLst>
-              <a:ext uri="{FF2B5EF4-FFF2-40B4-BE49-F238E27FC236}">
-                <a16:creationId xmlns:a16="http://schemas.microsoft.com/office/drawing/2014/main" id="{AB07CA6C-FC58-41F8-B25D-1F1877B55D0E}"/>
+          <p:cNvPr id="5" name="Picture 4" descr="A picture containing text, light&#10;&#10;Description automatically generated">
+            <a:extLst>
+              <a:ext uri="{FF2B5EF4-FFF2-40B4-BE49-F238E27FC236}">
+                <a16:creationId xmlns:a16="http://schemas.microsoft.com/office/drawing/2014/main" id="{C7403585-643A-4CD5-8120-2A09D1D480DF}"/>
               </a:ext>
             </a:extLst>
           </p:cNvPr>
@@ -12953,8 +12991,8 @@
         </p:blipFill>
         <p:spPr>
           <a:xfrm>
-            <a:off x="66481" y="0"/>
-            <a:ext cx="4700827" cy="6400800"/>
+            <a:off x="0" y="0"/>
+            <a:ext cx="4768645" cy="6416795"/>
           </a:xfrm>
           <a:prstGeom prst="rect">
             <a:avLst/>
@@ -12964,7 +13002,7 @@
     </p:spTree>
     <p:extLst>
       <p:ext uri="{BB962C8B-B14F-4D97-AF65-F5344CB8AC3E}">
-        <p14:creationId xmlns:p14="http://schemas.microsoft.com/office/powerpoint/2010/main" val="1173712984"/>
+        <p14:creationId xmlns:p14="http://schemas.microsoft.com/office/powerpoint/2010/main" val="3829639878"/>
       </p:ext>
     </p:extLst>
   </p:cSld>

--- a/Effects of Sugar Consumption.pptx
+++ b/Effects of Sugar Consumption.pptx
@@ -8047,14 +8047,14 @@
           <a:lstStyle/>
           <a:p>
             <a:r>
-              <a:rPr lang="en-US" sz="2500">
+              <a:rPr lang="en-US" sz="2500" dirty="0">
                 <a:solidFill>
                   <a:srgbClr val="FFFFFF"/>
                 </a:solidFill>
               </a:rPr>
-              <a:t>IS THERE A CORRELATION BETWEEN PROCESSED SUGAR AND OBESITY?</a:t>
-            </a:r>
-            <a:endParaRPr lang="en-CA" sz="2500">
+              <a:t>IS THERE A CORRELATION BETWEEN SUGAR INTAKE AND OBESITY?</a:t>
+            </a:r>
+            <a:endParaRPr lang="en-CA" sz="2500" dirty="0">
               <a:solidFill>
                 <a:srgbClr val="FFFFFF"/>
               </a:solidFill>
@@ -8518,7 +8518,7 @@
                   <a:srgbClr val="FFFFFF"/>
                 </a:solidFill>
               </a:rPr>
-              <a:t>IS THERE A CORRELATION BETWEEN PROCESSED SUGAR AND DENTAL HEALTH?</a:t>
+              <a:t>IS THERE A CORRELATION BETWEEN SUGAR INTAKE AND DENTAL HEALTH?</a:t>
             </a:r>
           </a:p>
         </p:txBody>

--- a/Effects of Sugar Consumption.pptx
+++ b/Effects of Sugar Consumption.pptx
@@ -790,6 +790,10 @@
           <a:bodyPr/>
           <a:lstStyle/>
           <a:p>
+            <a:r>
+              <a:rPr lang="en-US" dirty="0"/>
+              <a:t>Screen shot the linear regression results</a:t>
+            </a:r>
             <a:endParaRPr lang="en-CA" dirty="0"/>
           </a:p>
         </p:txBody>
@@ -876,7 +880,7 @@
           <a:p>
             <a:r>
               <a:rPr lang="en-US" dirty="0"/>
-              <a:t>Need Kapil and Caitlan to get final graph</a:t>
+              <a:t>Soda size = 1 can </a:t>
             </a:r>
             <a:endParaRPr lang="en-CA" dirty="0"/>
           </a:p>
@@ -8799,10 +8803,10 @@
       </p:grpSpPr>
       <p:sp useBgFill="1">
         <p:nvSpPr>
-          <p:cNvPr id="8" name="Rectangle 7">
-            <a:extLst>
-              <a:ext uri="{FF2B5EF4-FFF2-40B4-BE49-F238E27FC236}">
-                <a16:creationId xmlns:a16="http://schemas.microsoft.com/office/drawing/2014/main" id="{3741B58E-3B65-4A01-A276-975AB2CF8A08}"/>
+          <p:cNvPr id="39" name="Rectangle 38">
+            <a:extLst>
+              <a:ext uri="{FF2B5EF4-FFF2-40B4-BE49-F238E27FC236}">
+                <a16:creationId xmlns:a16="http://schemas.microsoft.com/office/drawing/2014/main" id="{0AB6E427-3F73-4C06-A5D5-AE52C3883B50}"/>
               </a:ext>
               <a:ext uri="{C183D7F6-B498-43B3-948B-1728B52AA6E4}">
                 <adec:decorative xmlns:adec="http://schemas.microsoft.com/office/drawing/2017/decorative" val="1"/>
@@ -8822,7 +8826,7 @@
         </p:nvSpPr>
         <p:spPr>
           <a:xfrm>
-            <a:off x="0" y="0"/>
+            <a:off x="5685" y="0"/>
             <a:ext cx="12186315" cy="6858000"/>
           </a:xfrm>
           <a:prstGeom prst="rect">
@@ -8859,10 +8863,10 @@
       </p:sp>
       <p:sp>
         <p:nvSpPr>
-          <p:cNvPr id="10" name="Rectangle 9">
-            <a:extLst>
-              <a:ext uri="{FF2B5EF4-FFF2-40B4-BE49-F238E27FC236}">
-                <a16:creationId xmlns:a16="http://schemas.microsoft.com/office/drawing/2014/main" id="{7AAC67C3-831B-4AB1-A259-DFB839CAFAFC}"/>
+          <p:cNvPr id="41" name="Rectangle 40">
+            <a:extLst>
+              <a:ext uri="{FF2B5EF4-FFF2-40B4-BE49-F238E27FC236}">
+                <a16:creationId xmlns:a16="http://schemas.microsoft.com/office/drawing/2014/main" id="{D8C9BDAA-0390-4B39-9B5C-BC95E5120DA4}"/>
               </a:ext>
               <a:ext uri="{C183D7F6-B498-43B3-948B-1728B52AA6E4}">
                 <adec:decorative xmlns:adec="http://schemas.microsoft.com/office/drawing/2017/decorative" val="1"/>
@@ -8883,7 +8887,7 @@
         <p:spPr>
           <a:xfrm>
             <a:off x="16" y="0"/>
-            <a:ext cx="4648593" cy="6858000"/>
+            <a:ext cx="4059919" cy="6858000"/>
           </a:xfrm>
           <a:prstGeom prst="rect">
             <a:avLst/>
@@ -8930,38 +8934,85 @@
         </p:nvSpPr>
         <p:spPr>
           <a:xfrm>
-            <a:off x="492369" y="605896"/>
-            <a:ext cx="3642309" cy="5646208"/>
-          </a:xfrm>
-        </p:spPr>
-        <p:txBody>
-          <a:bodyPr anchor="ctr">
+            <a:off x="492370" y="516836"/>
+            <a:ext cx="3084844" cy="1961086"/>
+          </a:xfrm>
+        </p:spPr>
+        <p:txBody>
+          <a:bodyPr vert="horz" lIns="91440" tIns="45720" rIns="91440" bIns="45720" rtlCol="0">
             <a:normAutofit/>
           </a:bodyPr>
           <a:lstStyle/>
           <a:p>
             <a:r>
-              <a:rPr lang="en-US" sz="4400">
+              <a:rPr lang="en-US" sz="2200">
                 <a:solidFill>
                   <a:srgbClr val="FFFFFF"/>
                 </a:solidFill>
               </a:rPr>
-              <a:t>DATA ANALYSIS - 6</a:t>
-            </a:r>
-            <a:endParaRPr lang="en-CA" sz="4400">
-              <a:solidFill>
-                <a:srgbClr val="FFFFFF"/>
-              </a:solidFill>
-            </a:endParaRPr>
-          </a:p>
-        </p:txBody>
-      </p:sp>
-      <p:sp>
-        <p:nvSpPr>
-          <p:cNvPr id="3" name="Content Placeholder 2">
-            <a:extLst>
-              <a:ext uri="{FF2B5EF4-FFF2-40B4-BE49-F238E27FC236}">
-                <a16:creationId xmlns:a16="http://schemas.microsoft.com/office/drawing/2014/main" id="{C990EB9B-20EF-41D2-BF3A-03ED63507C68}"/>
+              <a:t>WHAT ARE THE TOP 5 PURCHASED GROCERY ITEMS IN THE COUNTRY WITH THE HIGHEST SUGAR INTAKE?</a:t>
+            </a:r>
+          </a:p>
+        </p:txBody>
+      </p:sp>
+      <p:cxnSp>
+        <p:nvCxnSpPr>
+          <p:cNvPr id="43" name="Straight Connector 42">
+            <a:extLst>
+              <a:ext uri="{FF2B5EF4-FFF2-40B4-BE49-F238E27FC236}">
+                <a16:creationId xmlns:a16="http://schemas.microsoft.com/office/drawing/2014/main" id="{E04A321A-A039-4720-87B4-66A4210E0D57}"/>
+              </a:ext>
+              <a:ext uri="{C183D7F6-B498-43B3-948B-1728B52AA6E4}">
+                <adec:decorative xmlns:adec="http://schemas.microsoft.com/office/drawing/2017/decorative" val="1"/>
+              </a:ext>
+            </a:extLst>
+          </p:cNvPr>
+          <p:cNvCxnSpPr>
+            <a:cxnSpLocks noGrp="1" noRot="1" noChangeAspect="1" noMove="1" noResize="1" noEditPoints="1" noAdjustHandles="1" noChangeArrowheads="1" noChangeShapeType="1"/>
+          </p:cNvCxnSpPr>
+          <p:nvPr>
+            <p:extLst>
+              <p:ext uri="{386F3935-93C4-4BCD-93E2-E3B085C9AB24}">
+                <p16:designElem xmlns:p16="http://schemas.microsoft.com/office/powerpoint/2015/main" val="1"/>
+              </p:ext>
+            </p:extLst>
+          </p:nvPr>
+        </p:nvCxnSpPr>
+        <p:spPr>
+          <a:xfrm>
+            <a:off x="571752" y="2638787"/>
+            <a:ext cx="2743200" cy="0"/>
+          </a:xfrm>
+          <a:prstGeom prst="line">
+            <a:avLst/>
+          </a:prstGeom>
+          <a:ln w="19050">
+            <a:solidFill>
+              <a:schemeClr val="accent1"/>
+            </a:solidFill>
+          </a:ln>
+        </p:spPr>
+        <p:style>
+          <a:lnRef idx="1">
+            <a:schemeClr val="accent1"/>
+          </a:lnRef>
+          <a:fillRef idx="0">
+            <a:schemeClr val="accent1"/>
+          </a:fillRef>
+          <a:effectRef idx="0">
+            <a:schemeClr val="accent1"/>
+          </a:effectRef>
+          <a:fontRef idx="minor">
+            <a:schemeClr val="tx1"/>
+          </a:fontRef>
+        </p:style>
+      </p:cxnSp>
+      <p:sp>
+        <p:nvSpPr>
+          <p:cNvPr id="27" name="Content Placeholder 26">
+            <a:extLst>
+              <a:ext uri="{FF2B5EF4-FFF2-40B4-BE49-F238E27FC236}">
+                <a16:creationId xmlns:a16="http://schemas.microsoft.com/office/drawing/2014/main" id="{276C6323-DF8F-4D01-87E1-EB768400DCB1}"/>
               </a:ext>
             </a:extLst>
           </p:cNvPr>
@@ -8974,59 +9025,210 @@
         </p:nvSpPr>
         <p:spPr>
           <a:xfrm>
-            <a:off x="5231958" y="605896"/>
-            <a:ext cx="5923721" cy="5646208"/>
-          </a:xfrm>
-        </p:spPr>
-        <p:txBody>
-          <a:bodyPr anchor="ctr">
+            <a:off x="571752" y="2799654"/>
+            <a:ext cx="3005462" cy="3189665"/>
+          </a:xfrm>
+        </p:spPr>
+        <p:txBody>
+          <a:bodyPr>
             <a:normAutofit/>
           </a:bodyPr>
           <a:lstStyle/>
           <a:p>
-            <a:pPr marL="0" indent="0">
-              <a:buNone/>
-            </a:pPr>
-            <a:r>
-              <a:rPr lang="en-US" sz="2400"/>
-              <a:t>What are the top 5 purchased grocery items in the country with the highest sugar intake? For these 5 top items, what is their sugar content?</a:t>
-            </a:r>
-          </a:p>
-          <a:p>
-            <a:pPr marL="635508" lvl="1" indent="-342900">
-              <a:buFont typeface="Arial" panose="020B0604020202020204" pitchFamily="34" charset="0"/>
-              <a:buChar char="•"/>
-            </a:pPr>
-            <a:r>
-              <a:rPr lang="en-US" sz="2400"/>
-              <a:t>The American Kroger grocery store datasets had a list of groceries item purchased by 38,000+ customers.  Then we had a nutrition API  from Fat Secret to determine the sugar content.</a:t>
-            </a:r>
-          </a:p>
+            <a:r>
+              <a:rPr lang="en-US" dirty="0">
+                <a:solidFill>
+                  <a:srgbClr val="FFFFFF"/>
+                </a:solidFill>
+              </a:rPr>
+              <a:t>Aside from the basic food products like Whole Milk, Other Vegetables, Rolls/Buns and Yogurt,  Americans purchase a lot of sodas.</a:t>
+            </a:r>
+          </a:p>
+          <a:p>
+            <a:r>
+              <a:rPr lang="en-US" dirty="0">
+                <a:solidFill>
+                  <a:srgbClr val="FFFFFF"/>
+                </a:solidFill>
+              </a:rPr>
+              <a:t>Based on the results, soda is high in sugar content.</a:t>
+            </a:r>
+          </a:p>
+        </p:txBody>
+      </p:sp>
+      <p:pic>
+        <p:nvPicPr>
+          <p:cNvPr id="13" name="Picture 12">
+            <a:extLst>
+              <a:ext uri="{FF2B5EF4-FFF2-40B4-BE49-F238E27FC236}">
+                <a16:creationId xmlns:a16="http://schemas.microsoft.com/office/drawing/2014/main" id="{6C971FEA-34CB-4F31-8183-457E7FE39BA1}"/>
+              </a:ext>
+            </a:extLst>
+          </p:cNvPr>
+          <p:cNvPicPr>
+            <a:picLocks noChangeAspect="1"/>
+          </p:cNvPicPr>
+          <p:nvPr/>
+        </p:nvPicPr>
+        <p:blipFill>
+          <a:blip r:embed="rId3"/>
+          <a:stretch>
+            <a:fillRect/>
+          </a:stretch>
+        </p:blipFill>
+        <p:spPr>
+          <a:xfrm>
+            <a:off x="4059935" y="485964"/>
+            <a:ext cx="4471286" cy="3152256"/>
+          </a:xfrm>
+          <a:prstGeom prst="rect">
+            <a:avLst/>
+          </a:prstGeom>
+        </p:spPr>
+      </p:pic>
+      <p:sp>
+        <p:nvSpPr>
+          <p:cNvPr id="14" name="TextBox 13">
+            <a:extLst>
+              <a:ext uri="{FF2B5EF4-FFF2-40B4-BE49-F238E27FC236}">
+                <a16:creationId xmlns:a16="http://schemas.microsoft.com/office/drawing/2014/main" id="{08A0B583-177B-4B4B-9703-4FE58C2F12BB}"/>
+              </a:ext>
+            </a:extLst>
+          </p:cNvPr>
+          <p:cNvSpPr txBox="1"/>
+          <p:nvPr/>
+        </p:nvSpPr>
+        <p:spPr>
+          <a:xfrm>
+            <a:off x="4596542" y="3964688"/>
+            <a:ext cx="5850194" cy="1938992"/>
+          </a:xfrm>
+          <a:prstGeom prst="rect">
+            <a:avLst/>
+          </a:prstGeom>
+          <a:noFill/>
+        </p:spPr>
+        <p:txBody>
+          <a:bodyPr wrap="square" rtlCol="0">
+            <a:spAutoFit/>
+          </a:bodyPr>
+          <a:lstStyle/>
           <a:p>
             <a:pPr marL="342900" indent="-342900">
-              <a:buFont typeface="+mj-lt"/>
               <a:buAutoNum type="arabicPeriod"/>
             </a:pPr>
-            <a:endParaRPr lang="en-US" sz="2400"/>
-          </a:p>
-          <a:p>
-            <a:pPr marL="201168" lvl="1" indent="0">
-              <a:buNone/>
-            </a:pPr>
-            <a:endParaRPr lang="en-US" sz="2400"/>
-          </a:p>
-          <a:p>
-            <a:endParaRPr lang="en-US" sz="2400"/>
+            <a:r>
+              <a:rPr lang="en-US" sz="1200" dirty="0"/>
+              <a:t>Imported the Grocery data CSV files.</a:t>
+            </a:r>
           </a:p>
           <a:p>
             <a:pPr marL="342900" indent="-342900">
-              <a:buFont typeface="+mj-lt"/>
               <a:buAutoNum type="arabicPeriod"/>
             </a:pPr>
-            <a:endParaRPr lang="en-CA" sz="2400"/>
-          </a:p>
-        </p:txBody>
-      </p:sp>
+            <a:r>
+              <a:rPr lang="en-US" sz="1200" dirty="0" err="1"/>
+              <a:t>Groupby</a:t>
+            </a:r>
+            <a:r>
+              <a:rPr lang="en-US" sz="1200" dirty="0"/>
+              <a:t> Item List to get a count of the most purchased product.</a:t>
+            </a:r>
+          </a:p>
+          <a:p>
+            <a:pPr marL="342900" indent="-342900">
+              <a:buAutoNum type="arabicPeriod"/>
+            </a:pPr>
+            <a:r>
+              <a:rPr lang="en-US" sz="1200" dirty="0"/>
+              <a:t>Validated the data to ensure the data is accurate.</a:t>
+            </a:r>
+          </a:p>
+          <a:p>
+            <a:pPr marL="342900" indent="-342900">
+              <a:buAutoNum type="arabicPeriod"/>
+            </a:pPr>
+            <a:r>
+              <a:rPr lang="en-US" sz="1200" dirty="0"/>
+              <a:t>Used the Matplotlib method to get the bar graph.</a:t>
+            </a:r>
+          </a:p>
+          <a:p>
+            <a:pPr marL="342900" indent="-342900">
+              <a:buAutoNum type="arabicPeriod"/>
+            </a:pPr>
+            <a:r>
+              <a:rPr lang="en-US" sz="1200" dirty="0"/>
+              <a:t>Pulled the API from Fat Secret to get the sugar contents of the products.</a:t>
+            </a:r>
+          </a:p>
+          <a:p>
+            <a:pPr marL="800100" lvl="1" indent="-342900">
+              <a:buFont typeface="Wingdings" panose="05000000000000000000" pitchFamily="2" charset="2"/>
+              <a:buChar char="Ø"/>
+            </a:pPr>
+            <a:r>
+              <a:rPr lang="en-US" sz="1200" dirty="0"/>
+              <a:t>Extracted a can of Pepsi sugar content</a:t>
+            </a:r>
+          </a:p>
+          <a:p>
+            <a:pPr marL="800100" lvl="1" indent="-342900">
+              <a:buFont typeface="Wingdings" panose="05000000000000000000" pitchFamily="2" charset="2"/>
+              <a:buChar char="Ø"/>
+            </a:pPr>
+            <a:endParaRPr lang="en-US" sz="1200" dirty="0"/>
+          </a:p>
+          <a:p>
+            <a:pPr marL="342900" indent="-342900">
+              <a:buAutoNum type="arabicPeriod"/>
+            </a:pPr>
+            <a:endParaRPr lang="en-US" dirty="0"/>
+          </a:p>
+          <a:p>
+            <a:pPr marL="342900" indent="-342900">
+              <a:buAutoNum type="arabicPeriod"/>
+            </a:pPr>
+            <a:endParaRPr lang="en-CA" dirty="0"/>
+          </a:p>
+        </p:txBody>
+      </p:sp>
+      <p:pic>
+        <p:nvPicPr>
+          <p:cNvPr id="18" name="Picture 17" descr="Chart, bar chart&#10;&#10;Description automatically generated">
+            <a:extLst>
+              <a:ext uri="{FF2B5EF4-FFF2-40B4-BE49-F238E27FC236}">
+                <a16:creationId xmlns:a16="http://schemas.microsoft.com/office/drawing/2014/main" id="{7F9E6E3A-29A9-4D9A-8E5E-3F251F321A50}"/>
+              </a:ext>
+            </a:extLst>
+          </p:cNvPr>
+          <p:cNvPicPr>
+            <a:picLocks noChangeAspect="1"/>
+          </p:cNvPicPr>
+          <p:nvPr/>
+        </p:nvPicPr>
+        <p:blipFill>
+          <a:blip r:embed="rId4">
+            <a:extLst>
+              <a:ext uri="{28A0092B-C50C-407E-A947-70E740481C1C}">
+                <a14:useLocalDpi xmlns:a14="http://schemas.microsoft.com/office/drawing/2010/main" val="0"/>
+              </a:ext>
+            </a:extLst>
+          </a:blip>
+          <a:stretch>
+            <a:fillRect/>
+          </a:stretch>
+        </p:blipFill>
+        <p:spPr>
+          <a:xfrm>
+            <a:off x="7932511" y="479566"/>
+            <a:ext cx="4059919" cy="2592249"/>
+          </a:xfrm>
+          <a:prstGeom prst="rect">
+            <a:avLst/>
+          </a:prstGeom>
+        </p:spPr>
+      </p:pic>
     </p:spTree>
     <p:extLst>
       <p:ext uri="{BB962C8B-B14F-4D97-AF65-F5344CB8AC3E}">

--- a/Effects of Sugar Consumption.pptx
+++ b/Effects of Sugar Consumption.pptx
@@ -9169,7 +9169,7 @@
             </a:pPr>
             <a:r>
               <a:rPr lang="en-US" sz="1200" dirty="0"/>
-              <a:t>Extracted a can of Pepsi sugar content</a:t>
+              <a:t>API was reviewed and generic product were chosen for each item.</a:t>
             </a:r>
           </a:p>
           <a:p>

--- a/Effects of Sugar Consumption.pptx
+++ b/Effects of Sugar Consumption.pptx
@@ -8700,7 +8700,7 @@
         </p:nvSpPr>
         <p:spPr>
           <a:xfrm>
-            <a:off x="5035451" y="4577217"/>
+            <a:off x="5035451" y="4878300"/>
             <a:ext cx="5850194" cy="1754326"/>
           </a:xfrm>
           <a:prstGeom prst="rect">
@@ -8763,6 +8763,36 @@
           </a:p>
         </p:txBody>
       </p:sp>
+      <p:pic>
+        <p:nvPicPr>
+          <p:cNvPr id="6" name="Picture 5">
+            <a:extLst>
+              <a:ext uri="{FF2B5EF4-FFF2-40B4-BE49-F238E27FC236}">
+                <a16:creationId xmlns:a16="http://schemas.microsoft.com/office/drawing/2014/main" id="{5F55F93B-FC2D-4E8E-B439-712257F60675}"/>
+              </a:ext>
+            </a:extLst>
+          </p:cNvPr>
+          <p:cNvPicPr>
+            <a:picLocks noChangeAspect="1"/>
+          </p:cNvPicPr>
+          <p:nvPr/>
+        </p:nvPicPr>
+        <p:blipFill>
+          <a:blip r:embed="rId4"/>
+          <a:stretch>
+            <a:fillRect/>
+          </a:stretch>
+        </p:blipFill>
+        <p:spPr>
+          <a:xfrm>
+            <a:off x="5035451" y="4315522"/>
+            <a:ext cx="6881456" cy="487722"/>
+          </a:xfrm>
+          <a:prstGeom prst="rect">
+            <a:avLst/>
+          </a:prstGeom>
+        </p:spPr>
+      </p:pic>
     </p:spTree>
     <p:extLst>
       <p:ext uri="{BB962C8B-B14F-4D97-AF65-F5344CB8AC3E}">

--- a/Effects of Sugar Consumption.pptx
+++ b/Effects of Sugar Consumption.pptx
@@ -5,7 +5,7 @@
     <p:sldMasterId id="2147483768" r:id="rId1"/>
   </p:sldMasterIdLst>
   <p:notesMasterIdLst>
-    <p:notesMasterId r:id="rId22"/>
+    <p:notesMasterId r:id="rId23"/>
   </p:notesMasterIdLst>
   <p:sldIdLst>
     <p:sldId id="256" r:id="rId2"/>
@@ -27,7 +27,8 @@
     <p:sldId id="267" r:id="rId18"/>
     <p:sldId id="290" r:id="rId19"/>
     <p:sldId id="291" r:id="rId20"/>
-    <p:sldId id="292" r:id="rId21"/>
+    <p:sldId id="295" r:id="rId21"/>
+    <p:sldId id="292" r:id="rId22"/>
   </p:sldIdLst>
   <p:sldSz cx="12192000" cy="6858000"/>
   <p:notesSz cx="6858000" cy="9144000"/>
@@ -1209,6 +1210,58 @@
           <a:bodyPr/>
           <a:lstStyle/>
           <a:p>
+            <a:pPr marL="0" marR="0" lvl="0" indent="0" algn="l" defTabSz="914400" rtl="0" eaLnBrk="1" fontAlgn="auto" latinLnBrk="0" hangingPunct="1">
+              <a:lnSpc>
+                <a:spcPct val="100000"/>
+              </a:lnSpc>
+              <a:spcBef>
+                <a:spcPts val="0"/>
+              </a:spcBef>
+              <a:spcAft>
+                <a:spcPts val="0"/>
+              </a:spcAft>
+              <a:buClrTx/>
+              <a:buSzTx/>
+              <a:buFontTx/>
+              <a:buNone/>
+              <a:tabLst/>
+              <a:defRPr/>
+            </a:pPr>
+            <a:r>
+              <a:rPr lang="en-US" dirty="0"/>
+              <a:t>Difficulties – API </a:t>
+            </a:r>
+            <a:r>
+              <a:rPr lang="en-US" dirty="0">
+                <a:sym typeface="Wingdings" panose="05000000000000000000" pitchFamily="2" charset="2"/>
+              </a:rPr>
+              <a:t> Kapil to fill in </a:t>
+            </a:r>
+          </a:p>
+          <a:p>
+            <a:pPr marL="0" marR="0" lvl="0" indent="0" algn="l" defTabSz="914400" rtl="0" eaLnBrk="1" fontAlgn="auto" latinLnBrk="0" hangingPunct="1">
+              <a:lnSpc>
+                <a:spcPct val="100000"/>
+              </a:lnSpc>
+              <a:spcBef>
+                <a:spcPts val="0"/>
+              </a:spcBef>
+              <a:spcAft>
+                <a:spcPts val="0"/>
+              </a:spcAft>
+              <a:buClrTx/>
+              <a:buSzTx/>
+              <a:buFontTx/>
+              <a:buNone/>
+              <a:tabLst/>
+              <a:defRPr/>
+            </a:pPr>
+            <a:r>
+              <a:rPr lang="en-US" dirty="0">
+                <a:sym typeface="Wingdings" panose="05000000000000000000" pitchFamily="2" charset="2"/>
+              </a:rPr>
+              <a:t>Questions – How it has impacts on other disease, how it relates to age, does having a healthy lifestyle affect it?</a:t>
+            </a:r>
             <a:endParaRPr lang="en-CA" dirty="0"/>
           </a:p>
         </p:txBody>
@@ -1231,6 +1284,90 @@
             <a:fld id="{EE596BCB-CEC5-4086-BD46-775CD732B91C}" type="slidenum">
               <a:rPr lang="en-CA" smtClean="0"/>
               <a:t>20</a:t>
+            </a:fld>
+            <a:endParaRPr lang="en-CA"/>
+          </a:p>
+        </p:txBody>
+      </p:sp>
+    </p:spTree>
+    <p:extLst>
+      <p:ext uri="{BB962C8B-B14F-4D97-AF65-F5344CB8AC3E}">
+        <p14:creationId xmlns:p14="http://schemas.microsoft.com/office/powerpoint/2010/main" val="1631649399"/>
+      </p:ext>
+    </p:extLst>
+  </p:cSld>
+  <p:clrMapOvr>
+    <a:masterClrMapping/>
+  </p:clrMapOvr>
+</p:notes>
+</file>
+
+<file path=ppt/notesSlides/notesSlide17.xml><?xml version="1.0" encoding="utf-8"?>
+<p:notes xmlns:a="http://schemas.openxmlformats.org/drawingml/2006/main" xmlns:r="http://schemas.openxmlformats.org/officeDocument/2006/relationships" xmlns:p="http://schemas.openxmlformats.org/presentationml/2006/main">
+  <p:cSld>
+    <p:spTree>
+      <p:nvGrpSpPr>
+        <p:cNvPr id="1" name=""/>
+        <p:cNvGrpSpPr/>
+        <p:nvPr/>
+      </p:nvGrpSpPr>
+      <p:grpSpPr>
+        <a:xfrm>
+          <a:off x="0" y="0"/>
+          <a:ext cx="0" cy="0"/>
+          <a:chOff x="0" y="0"/>
+          <a:chExt cx="0" cy="0"/>
+        </a:xfrm>
+      </p:grpSpPr>
+      <p:sp>
+        <p:nvSpPr>
+          <p:cNvPr id="2" name="Slide Image Placeholder 1"/>
+          <p:cNvSpPr>
+            <a:spLocks noGrp="1" noRot="1" noChangeAspect="1"/>
+          </p:cNvSpPr>
+          <p:nvPr>
+            <p:ph type="sldImg"/>
+          </p:nvPr>
+        </p:nvSpPr>
+        <p:spPr/>
+      </p:sp>
+      <p:sp>
+        <p:nvSpPr>
+          <p:cNvPr id="3" name="Notes Placeholder 2"/>
+          <p:cNvSpPr>
+            <a:spLocks noGrp="1"/>
+          </p:cNvSpPr>
+          <p:nvPr>
+            <p:ph type="body" idx="1"/>
+          </p:nvPr>
+        </p:nvSpPr>
+        <p:spPr/>
+        <p:txBody>
+          <a:bodyPr/>
+          <a:lstStyle/>
+          <a:p>
+            <a:endParaRPr lang="en-CA" dirty="0"/>
+          </a:p>
+        </p:txBody>
+      </p:sp>
+      <p:sp>
+        <p:nvSpPr>
+          <p:cNvPr id="4" name="Slide Number Placeholder 3"/>
+          <p:cNvSpPr>
+            <a:spLocks noGrp="1"/>
+          </p:cNvSpPr>
+          <p:nvPr>
+            <p:ph type="sldNum" sz="quarter" idx="5"/>
+          </p:nvPr>
+        </p:nvSpPr>
+        <p:spPr/>
+        <p:txBody>
+          <a:bodyPr/>
+          <a:lstStyle/>
+          <a:p>
+            <a:fld id="{EE596BCB-CEC5-4086-BD46-775CD732B91C}" type="slidenum">
+              <a:rPr lang="en-CA" smtClean="0"/>
+              <a:t>21</a:t>
             </a:fld>
             <a:endParaRPr lang="en-CA"/>
           </a:p>
@@ -7658,10 +7795,10 @@
       </p:grpSpPr>
       <p:sp useBgFill="1">
         <p:nvSpPr>
-          <p:cNvPr id="8" name="Rectangle 7">
-            <a:extLst>
-              <a:ext uri="{FF2B5EF4-FFF2-40B4-BE49-F238E27FC236}">
-                <a16:creationId xmlns:a16="http://schemas.microsoft.com/office/drawing/2014/main" id="{3741B58E-3B65-4A01-A276-975AB2CF8A08}"/>
+          <p:cNvPr id="15" name="Rectangle 14">
+            <a:extLst>
+              <a:ext uri="{FF2B5EF4-FFF2-40B4-BE49-F238E27FC236}">
+                <a16:creationId xmlns:a16="http://schemas.microsoft.com/office/drawing/2014/main" id="{0AB6E427-3F73-4C06-A5D5-AE52C3883B50}"/>
               </a:ext>
               <a:ext uri="{C183D7F6-B498-43B3-948B-1728B52AA6E4}">
                 <adec:decorative xmlns:adec="http://schemas.microsoft.com/office/drawing/2017/decorative" val="1"/>
@@ -7681,7 +7818,7 @@
         </p:nvSpPr>
         <p:spPr>
           <a:xfrm>
-            <a:off x="0" y="0"/>
+            <a:off x="5685" y="0"/>
             <a:ext cx="12186315" cy="6858000"/>
           </a:xfrm>
           <a:prstGeom prst="rect">
@@ -7718,10 +7855,10 @@
       </p:sp>
       <p:sp>
         <p:nvSpPr>
-          <p:cNvPr id="10" name="Rectangle 9">
-            <a:extLst>
-              <a:ext uri="{FF2B5EF4-FFF2-40B4-BE49-F238E27FC236}">
-                <a16:creationId xmlns:a16="http://schemas.microsoft.com/office/drawing/2014/main" id="{7AAC67C3-831B-4AB1-A259-DFB839CAFAFC}"/>
+          <p:cNvPr id="17" name="Rectangle 16">
+            <a:extLst>
+              <a:ext uri="{FF2B5EF4-FFF2-40B4-BE49-F238E27FC236}">
+                <a16:creationId xmlns:a16="http://schemas.microsoft.com/office/drawing/2014/main" id="{D8C9BDAA-0390-4B39-9B5C-BC95E5120DA4}"/>
               </a:ext>
               <a:ext uri="{C183D7F6-B498-43B3-948B-1728B52AA6E4}">
                 <adec:decorative xmlns:adec="http://schemas.microsoft.com/office/drawing/2017/decorative" val="1"/>
@@ -7742,7 +7879,7 @@
         <p:spPr>
           <a:xfrm>
             <a:off x="16" y="0"/>
-            <a:ext cx="4648593" cy="6858000"/>
+            <a:ext cx="4059919" cy="6858000"/>
           </a:xfrm>
           <a:prstGeom prst="rect">
             <a:avLst/>
@@ -7789,83 +7926,534 @@
         </p:nvSpPr>
         <p:spPr>
           <a:xfrm>
-            <a:off x="492369" y="605896"/>
-            <a:ext cx="3642309" cy="5646208"/>
-          </a:xfrm>
-        </p:spPr>
-        <p:txBody>
-          <a:bodyPr anchor="ctr">
+            <a:off x="492370" y="516836"/>
+            <a:ext cx="3084844" cy="1961086"/>
+          </a:xfrm>
+        </p:spPr>
+        <p:txBody>
+          <a:bodyPr>
             <a:normAutofit/>
           </a:bodyPr>
           <a:lstStyle/>
           <a:p>
-            <a:r>
-              <a:rPr lang="en-US" sz="4400">
+            <a:pPr marL="0" indent="0">
+              <a:lnSpc>
+                <a:spcPct val="110000"/>
+              </a:lnSpc>
+              <a:buNone/>
+            </a:pPr>
+            <a:r>
+              <a:rPr lang="en-US" sz="1800" dirty="0">
                 <a:solidFill>
                   <a:srgbClr val="FFFFFF"/>
                 </a:solidFill>
               </a:rPr>
-              <a:t>DATA ANALYSIS - 3</a:t>
-            </a:r>
-            <a:endParaRPr lang="en-CA" sz="4400">
-              <a:solidFill>
-                <a:srgbClr val="FFFFFF"/>
-              </a:solidFill>
-            </a:endParaRPr>
-          </a:p>
-        </p:txBody>
-      </p:sp>
-      <p:sp>
-        <p:nvSpPr>
-          <p:cNvPr id="3" name="Content Placeholder 2">
-            <a:extLst>
-              <a:ext uri="{FF2B5EF4-FFF2-40B4-BE49-F238E27FC236}">
-                <a16:creationId xmlns:a16="http://schemas.microsoft.com/office/drawing/2014/main" id="{C990EB9B-20EF-41D2-BF3A-03ED63507C68}"/>
-              </a:ext>
-            </a:extLst>
-          </p:cNvPr>
-          <p:cNvSpPr>
-            <a:spLocks noGrp="1"/>
-          </p:cNvSpPr>
-          <p:nvPr>
-            <p:ph idx="1"/>
-          </p:nvPr>
-        </p:nvSpPr>
-        <p:spPr>
-          <a:xfrm>
-            <a:off x="5231958" y="605896"/>
-            <a:ext cx="5923721" cy="5646208"/>
-          </a:xfrm>
-        </p:spPr>
-        <p:txBody>
-          <a:bodyPr anchor="ctr">
+              <a:t>WHAT IS THE CORRELATION BETWEEN INCOME AND SUGAR INTAKE?</a:t>
+            </a:r>
+          </a:p>
+        </p:txBody>
+      </p:sp>
+      <p:cxnSp>
+        <p:nvCxnSpPr>
+          <p:cNvPr id="19" name="Straight Connector 18">
+            <a:extLst>
+              <a:ext uri="{FF2B5EF4-FFF2-40B4-BE49-F238E27FC236}">
+                <a16:creationId xmlns:a16="http://schemas.microsoft.com/office/drawing/2014/main" id="{E04A321A-A039-4720-87B4-66A4210E0D57}"/>
+              </a:ext>
+              <a:ext uri="{C183D7F6-B498-43B3-948B-1728B52AA6E4}">
+                <adec:decorative xmlns:adec="http://schemas.microsoft.com/office/drawing/2017/decorative" val="1"/>
+              </a:ext>
+            </a:extLst>
+          </p:cNvPr>
+          <p:cNvCxnSpPr>
+            <a:cxnSpLocks noGrp="1" noRot="1" noChangeAspect="1" noMove="1" noResize="1" noEditPoints="1" noAdjustHandles="1" noChangeArrowheads="1" noChangeShapeType="1"/>
+          </p:cNvCxnSpPr>
+          <p:nvPr>
+            <p:extLst>
+              <p:ext uri="{386F3935-93C4-4BCD-93E2-E3B085C9AB24}">
+                <p16:designElem xmlns:p16="http://schemas.microsoft.com/office/powerpoint/2015/main" val="1"/>
+              </p:ext>
+            </p:extLst>
+          </p:nvPr>
+        </p:nvCxnSpPr>
+        <p:spPr>
+          <a:xfrm>
+            <a:off x="571752" y="2638787"/>
+            <a:ext cx="2743200" cy="0"/>
+          </a:xfrm>
+          <a:prstGeom prst="line">
+            <a:avLst/>
+          </a:prstGeom>
+          <a:ln w="19050">
+            <a:solidFill>
+              <a:schemeClr val="accent1"/>
+            </a:solidFill>
+          </a:ln>
+        </p:spPr>
+        <p:style>
+          <a:lnRef idx="1">
+            <a:schemeClr val="accent1"/>
+          </a:lnRef>
+          <a:fillRef idx="0">
+            <a:schemeClr val="accent1"/>
+          </a:fillRef>
+          <a:effectRef idx="0">
+            <a:schemeClr val="accent1"/>
+          </a:effectRef>
+          <a:fontRef idx="minor">
+            <a:schemeClr val="tx1"/>
+          </a:fontRef>
+        </p:style>
+      </p:cxnSp>
+      <p:pic>
+        <p:nvPicPr>
+          <p:cNvPr id="7" name="Picture 6" descr="Chart, scatter chart&#10;&#10;Description automatically generated">
+            <a:extLst>
+              <a:ext uri="{FF2B5EF4-FFF2-40B4-BE49-F238E27FC236}">
+                <a16:creationId xmlns:a16="http://schemas.microsoft.com/office/drawing/2014/main" id="{27671113-7DDE-4A65-8D14-53631DDE60EE}"/>
+              </a:ext>
+            </a:extLst>
+          </p:cNvPr>
+          <p:cNvPicPr>
+            <a:picLocks noChangeAspect="1"/>
+          </p:cNvPicPr>
+          <p:nvPr/>
+        </p:nvPicPr>
+        <p:blipFill>
+          <a:blip r:embed="rId3">
+            <a:extLst>
+              <a:ext uri="{28A0092B-C50C-407E-A947-70E740481C1C}">
+                <a14:useLocalDpi xmlns:a14="http://schemas.microsoft.com/office/drawing/2010/main" val="0"/>
+              </a:ext>
+            </a:extLst>
+          </a:blip>
+          <a:stretch>
+            <a:fillRect/>
+          </a:stretch>
+        </p:blipFill>
+        <p:spPr>
+          <a:xfrm>
+            <a:off x="5258679" y="77897"/>
+            <a:ext cx="5746776" cy="3831183"/>
+          </a:xfrm>
+          <a:prstGeom prst="rect">
+            <a:avLst/>
+          </a:prstGeom>
+        </p:spPr>
+      </p:pic>
+      <p:sp>
+        <p:nvSpPr>
+          <p:cNvPr id="16" name="Content Placeholder 2">
+            <a:extLst>
+              <a:ext uri="{FF2B5EF4-FFF2-40B4-BE49-F238E27FC236}">
+                <a16:creationId xmlns:a16="http://schemas.microsoft.com/office/drawing/2014/main" id="{A9B1F6C7-9901-4B13-A95C-CABC6A279646}"/>
+              </a:ext>
+            </a:extLst>
+          </p:cNvPr>
+          <p:cNvSpPr txBox="1">
+            <a:spLocks/>
+          </p:cNvSpPr>
+          <p:nvPr/>
+        </p:nvSpPr>
+        <p:spPr>
+          <a:xfrm>
+            <a:off x="571752" y="2799654"/>
+            <a:ext cx="3005462" cy="3189665"/>
+          </a:xfrm>
+          <a:prstGeom prst="rect">
+            <a:avLst/>
+          </a:prstGeom>
+        </p:spPr>
+        <p:txBody>
+          <a:bodyPr vert="horz" lIns="0" tIns="45720" rIns="0" bIns="45720" rtlCol="0">
             <a:normAutofit/>
           </a:bodyPr>
+          <a:lstStyle>
+            <a:lvl1pPr marL="91440" indent="-91440" algn="l" defTabSz="914400" rtl="0" eaLnBrk="1" latinLnBrk="0" hangingPunct="1">
+              <a:lnSpc>
+                <a:spcPct val="120000"/>
+              </a:lnSpc>
+              <a:spcBef>
+                <a:spcPts val="1200"/>
+              </a:spcBef>
+              <a:spcAft>
+                <a:spcPts val="200"/>
+              </a:spcAft>
+              <a:buClr>
+                <a:schemeClr val="accent1"/>
+              </a:buClr>
+              <a:buSzPct val="100000"/>
+              <a:buFont typeface="Calibri" panose="020F0502020204030204" pitchFamily="34" charset="0"/>
+              <a:buChar char=" "/>
+              <a:defRPr sz="1800" kern="1200">
+                <a:solidFill>
+                  <a:schemeClr val="tx1">
+                    <a:lumMod val="75000"/>
+                    <a:lumOff val="25000"/>
+                  </a:schemeClr>
+                </a:solidFill>
+                <a:latin typeface="+mn-lt"/>
+                <a:ea typeface="+mn-ea"/>
+                <a:cs typeface="+mn-cs"/>
+              </a:defRPr>
+            </a:lvl1pPr>
+            <a:lvl2pPr marL="384048" indent="-182880" algn="l" defTabSz="914400" rtl="0" eaLnBrk="1" latinLnBrk="0" hangingPunct="1">
+              <a:lnSpc>
+                <a:spcPct val="120000"/>
+              </a:lnSpc>
+              <a:spcBef>
+                <a:spcPts val="200"/>
+              </a:spcBef>
+              <a:spcAft>
+                <a:spcPts val="400"/>
+              </a:spcAft>
+              <a:buClrTx/>
+              <a:buFont typeface="Calibri" pitchFamily="34" charset="0"/>
+              <a:buChar char="◦"/>
+              <a:defRPr sz="1600" kern="1200">
+                <a:solidFill>
+                  <a:schemeClr val="tx1">
+                    <a:lumMod val="75000"/>
+                    <a:lumOff val="25000"/>
+                  </a:schemeClr>
+                </a:solidFill>
+                <a:latin typeface="+mn-lt"/>
+                <a:ea typeface="+mn-ea"/>
+                <a:cs typeface="+mn-cs"/>
+              </a:defRPr>
+            </a:lvl2pPr>
+            <a:lvl3pPr marL="566928" indent="-182880" algn="l" defTabSz="914400" rtl="0" eaLnBrk="1" latinLnBrk="0" hangingPunct="1">
+              <a:lnSpc>
+                <a:spcPct val="120000"/>
+              </a:lnSpc>
+              <a:spcBef>
+                <a:spcPts val="200"/>
+              </a:spcBef>
+              <a:spcAft>
+                <a:spcPts val="400"/>
+              </a:spcAft>
+              <a:buClrTx/>
+              <a:buFont typeface="Calibri" pitchFamily="34" charset="0"/>
+              <a:buChar char="◦"/>
+              <a:defRPr sz="1200" kern="1200">
+                <a:solidFill>
+                  <a:schemeClr val="tx1">
+                    <a:lumMod val="75000"/>
+                    <a:lumOff val="25000"/>
+                  </a:schemeClr>
+                </a:solidFill>
+                <a:latin typeface="+mn-lt"/>
+                <a:ea typeface="+mn-ea"/>
+                <a:cs typeface="+mn-cs"/>
+              </a:defRPr>
+            </a:lvl3pPr>
+            <a:lvl4pPr marL="749808" indent="-182880" algn="l" defTabSz="914400" rtl="0" eaLnBrk="1" latinLnBrk="0" hangingPunct="1">
+              <a:lnSpc>
+                <a:spcPct val="120000"/>
+              </a:lnSpc>
+              <a:spcBef>
+                <a:spcPts val="200"/>
+              </a:spcBef>
+              <a:spcAft>
+                <a:spcPts val="400"/>
+              </a:spcAft>
+              <a:buClrTx/>
+              <a:buFont typeface="Calibri" pitchFamily="34" charset="0"/>
+              <a:buChar char="◦"/>
+              <a:defRPr sz="1200" kern="1200">
+                <a:solidFill>
+                  <a:schemeClr val="tx1">
+                    <a:lumMod val="75000"/>
+                    <a:lumOff val="25000"/>
+                  </a:schemeClr>
+                </a:solidFill>
+                <a:latin typeface="+mn-lt"/>
+                <a:ea typeface="+mn-ea"/>
+                <a:cs typeface="+mn-cs"/>
+              </a:defRPr>
+            </a:lvl4pPr>
+            <a:lvl5pPr marL="932688" indent="-182880" algn="l" defTabSz="914400" rtl="0" eaLnBrk="1" latinLnBrk="0" hangingPunct="1">
+              <a:lnSpc>
+                <a:spcPct val="120000"/>
+              </a:lnSpc>
+              <a:spcBef>
+                <a:spcPts val="200"/>
+              </a:spcBef>
+              <a:spcAft>
+                <a:spcPts val="400"/>
+              </a:spcAft>
+              <a:buClrTx/>
+              <a:buFont typeface="Calibri" pitchFamily="34" charset="0"/>
+              <a:buChar char="◦"/>
+              <a:defRPr sz="1200" kern="1200">
+                <a:solidFill>
+                  <a:schemeClr val="tx1">
+                    <a:lumMod val="75000"/>
+                    <a:lumOff val="25000"/>
+                  </a:schemeClr>
+                </a:solidFill>
+                <a:latin typeface="+mn-lt"/>
+                <a:ea typeface="+mn-ea"/>
+                <a:cs typeface="+mn-cs"/>
+              </a:defRPr>
+            </a:lvl5pPr>
+            <a:lvl6pPr marL="1100000" indent="-228600" algn="l" defTabSz="914400" rtl="0" eaLnBrk="1" latinLnBrk="0" hangingPunct="1">
+              <a:lnSpc>
+                <a:spcPct val="90000"/>
+              </a:lnSpc>
+              <a:spcBef>
+                <a:spcPts val="200"/>
+              </a:spcBef>
+              <a:spcAft>
+                <a:spcPts val="400"/>
+              </a:spcAft>
+              <a:buClr>
+                <a:schemeClr val="accent1"/>
+              </a:buClr>
+              <a:buFont typeface="Calibri" pitchFamily="34" charset="0"/>
+              <a:buChar char="◦"/>
+              <a:defRPr sz="1400" kern="1200">
+                <a:solidFill>
+                  <a:schemeClr val="tx1">
+                    <a:lumMod val="75000"/>
+                    <a:lumOff val="25000"/>
+                  </a:schemeClr>
+                </a:solidFill>
+                <a:latin typeface="+mn-lt"/>
+                <a:ea typeface="+mn-ea"/>
+                <a:cs typeface="+mn-cs"/>
+              </a:defRPr>
+            </a:lvl6pPr>
+            <a:lvl7pPr marL="1300000" indent="-228600" algn="l" defTabSz="914400" rtl="0" eaLnBrk="1" latinLnBrk="0" hangingPunct="1">
+              <a:lnSpc>
+                <a:spcPct val="90000"/>
+              </a:lnSpc>
+              <a:spcBef>
+                <a:spcPts val="200"/>
+              </a:spcBef>
+              <a:spcAft>
+                <a:spcPts val="400"/>
+              </a:spcAft>
+              <a:buClr>
+                <a:schemeClr val="accent1"/>
+              </a:buClr>
+              <a:buFont typeface="Calibri" pitchFamily="34" charset="0"/>
+              <a:buChar char="◦"/>
+              <a:defRPr sz="1400" kern="1200">
+                <a:solidFill>
+                  <a:schemeClr val="tx1">
+                    <a:lumMod val="75000"/>
+                    <a:lumOff val="25000"/>
+                  </a:schemeClr>
+                </a:solidFill>
+                <a:latin typeface="+mn-lt"/>
+                <a:ea typeface="+mn-ea"/>
+                <a:cs typeface="+mn-cs"/>
+              </a:defRPr>
+            </a:lvl7pPr>
+            <a:lvl8pPr marL="1500000" indent="-228600" algn="l" defTabSz="914400" rtl="0" eaLnBrk="1" latinLnBrk="0" hangingPunct="1">
+              <a:lnSpc>
+                <a:spcPct val="90000"/>
+              </a:lnSpc>
+              <a:spcBef>
+                <a:spcPts val="200"/>
+              </a:spcBef>
+              <a:spcAft>
+                <a:spcPts val="400"/>
+              </a:spcAft>
+              <a:buClr>
+                <a:schemeClr val="accent1"/>
+              </a:buClr>
+              <a:buFont typeface="Calibri" pitchFamily="34" charset="0"/>
+              <a:buChar char="◦"/>
+              <a:defRPr sz="1400" kern="1200">
+                <a:solidFill>
+                  <a:schemeClr val="tx1">
+                    <a:lumMod val="75000"/>
+                    <a:lumOff val="25000"/>
+                  </a:schemeClr>
+                </a:solidFill>
+                <a:latin typeface="+mn-lt"/>
+                <a:ea typeface="+mn-ea"/>
+                <a:cs typeface="+mn-cs"/>
+              </a:defRPr>
+            </a:lvl8pPr>
+            <a:lvl9pPr marL="1700000" indent="-228600" algn="l" defTabSz="914400" rtl="0" eaLnBrk="1" latinLnBrk="0" hangingPunct="1">
+              <a:lnSpc>
+                <a:spcPct val="90000"/>
+              </a:lnSpc>
+              <a:spcBef>
+                <a:spcPts val="200"/>
+              </a:spcBef>
+              <a:spcAft>
+                <a:spcPts val="400"/>
+              </a:spcAft>
+              <a:buClr>
+                <a:schemeClr val="accent1"/>
+              </a:buClr>
+              <a:buFont typeface="Calibri" pitchFamily="34" charset="0"/>
+              <a:buChar char="◦"/>
+              <a:defRPr sz="1400" kern="1200">
+                <a:solidFill>
+                  <a:schemeClr val="tx1">
+                    <a:lumMod val="75000"/>
+                    <a:lumOff val="25000"/>
+                  </a:schemeClr>
+                </a:solidFill>
+                <a:latin typeface="+mn-lt"/>
+                <a:ea typeface="+mn-ea"/>
+                <a:cs typeface="+mn-cs"/>
+              </a:defRPr>
+            </a:lvl9pPr>
+          </a:lstStyle>
+          <a:p>
+            <a:pPr>
+              <a:buFont typeface="Wingdings" panose="05000000000000000000" pitchFamily="2" charset="2"/>
+              <a:buChar char="Ø"/>
+            </a:pPr>
+            <a:r>
+              <a:rPr lang="en-US" dirty="0">
+                <a:solidFill>
+                  <a:srgbClr val="FFFFFF"/>
+                </a:solidFill>
+              </a:rPr>
+              <a:t> Correlation = 0.54</a:t>
+            </a:r>
+          </a:p>
+          <a:p>
+            <a:pPr>
+              <a:buFont typeface="Wingdings" panose="05000000000000000000" pitchFamily="2" charset="2"/>
+              <a:buChar char="Ø"/>
+            </a:pPr>
+            <a:r>
+              <a:rPr lang="en-US" dirty="0">
+                <a:solidFill>
+                  <a:srgbClr val="FFFFFF"/>
+                </a:solidFill>
+              </a:rPr>
+              <a:t> Moderate Correlation</a:t>
+            </a:r>
+          </a:p>
+          <a:p>
+            <a:pPr>
+              <a:buFont typeface="Wingdings" panose="05000000000000000000" pitchFamily="2" charset="2"/>
+              <a:buChar char="Ø"/>
+            </a:pPr>
+            <a:r>
+              <a:rPr lang="en-US" dirty="0">
+                <a:solidFill>
+                  <a:srgbClr val="FFFFFF"/>
+                </a:solidFill>
+              </a:rPr>
+              <a:t> For most cases, average income increases as sugar consumption increases.</a:t>
+            </a:r>
+          </a:p>
+        </p:txBody>
+      </p:sp>
+      <p:pic>
+        <p:nvPicPr>
+          <p:cNvPr id="13" name="Picture 12">
+            <a:extLst>
+              <a:ext uri="{FF2B5EF4-FFF2-40B4-BE49-F238E27FC236}">
+                <a16:creationId xmlns:a16="http://schemas.microsoft.com/office/drawing/2014/main" id="{B325F914-1A6A-42C7-9EC9-1D1DDD30DB96}"/>
+              </a:ext>
+            </a:extLst>
+          </p:cNvPr>
+          <p:cNvPicPr>
+            <a:picLocks noChangeAspect="1"/>
+          </p:cNvPicPr>
+          <p:nvPr/>
+        </p:nvPicPr>
+        <p:blipFill>
+          <a:blip r:embed="rId4"/>
+          <a:stretch>
+            <a:fillRect/>
+          </a:stretch>
+        </p:blipFill>
+        <p:spPr>
+          <a:xfrm>
+            <a:off x="5382142" y="3986977"/>
+            <a:ext cx="6660457" cy="365792"/>
+          </a:xfrm>
+          <a:prstGeom prst="rect">
+            <a:avLst/>
+          </a:prstGeom>
+        </p:spPr>
+      </p:pic>
+      <p:sp>
+        <p:nvSpPr>
+          <p:cNvPr id="14" name="TextBox 13">
+            <a:extLst>
+              <a:ext uri="{FF2B5EF4-FFF2-40B4-BE49-F238E27FC236}">
+                <a16:creationId xmlns:a16="http://schemas.microsoft.com/office/drawing/2014/main" id="{D14DDA7B-FB1E-4D81-B048-247A86ED83B2}"/>
+              </a:ext>
+            </a:extLst>
+          </p:cNvPr>
+          <p:cNvSpPr txBox="1"/>
+          <p:nvPr/>
+        </p:nvSpPr>
+        <p:spPr>
+          <a:xfrm>
+            <a:off x="5382142" y="4583255"/>
+            <a:ext cx="5850194" cy="1754326"/>
+          </a:xfrm>
+          <a:prstGeom prst="rect">
+            <a:avLst/>
+          </a:prstGeom>
+          <a:noFill/>
+        </p:spPr>
+        <p:txBody>
+          <a:bodyPr wrap="square" rtlCol="0">
+            <a:spAutoFit/>
+          </a:bodyPr>
           <a:lstStyle/>
           <a:p>
-            <a:pPr marL="0" indent="0">
-              <a:buNone/>
-            </a:pPr>
-            <a:r>
-              <a:rPr lang="en-US" sz="2400"/>
-              <a:t>What is the correlation between income and sugar intake?</a:t>
-            </a:r>
-          </a:p>
-          <a:p>
-            <a:pPr marL="635508" lvl="1" indent="-342900">
-              <a:buFont typeface="Arial" panose="020B0604020202020204" pitchFamily="34" charset="0"/>
-              <a:buChar char="•"/>
-            </a:pPr>
-            <a:r>
-              <a:rPr lang="en-US" sz="2400"/>
-              <a:t>Comparison of the Income Dataset from Worldbank and Sugar Intake Data from FAO show that countries with lower income has higher sugar intake.</a:t>
-            </a:r>
-          </a:p>
-          <a:p>
-            <a:pPr marL="0" indent="0">
-              <a:buNone/>
-            </a:pPr>
-            <a:endParaRPr lang="en-CA" sz="2400"/>
+            <a:pPr marL="342900" indent="-342900">
+              <a:buAutoNum type="arabicPeriod"/>
+            </a:pPr>
+            <a:r>
+              <a:rPr lang="en-US" sz="1200" dirty="0"/>
+              <a:t>Imported the Sugar Intake and Income CSV files.</a:t>
+            </a:r>
+          </a:p>
+          <a:p>
+            <a:pPr marL="342900" indent="-342900">
+              <a:buAutoNum type="arabicPeriod"/>
+            </a:pPr>
+            <a:r>
+              <a:rPr lang="en-US" sz="1200" dirty="0"/>
+              <a:t>Conducted an inner merge for the two files together to get all the data in 1 Data Frame.</a:t>
+            </a:r>
+          </a:p>
+          <a:p>
+            <a:pPr marL="342900" indent="-342900">
+              <a:buAutoNum type="arabicPeriod"/>
+            </a:pPr>
+            <a:r>
+              <a:rPr lang="en-US" sz="1200" dirty="0"/>
+              <a:t>Did an average of the income over the years between 2002-2013.</a:t>
+            </a:r>
+          </a:p>
+          <a:p>
+            <a:pPr marL="342900" indent="-342900">
+              <a:buAutoNum type="arabicPeriod"/>
+            </a:pPr>
+            <a:r>
+              <a:rPr lang="en-US" sz="1200" dirty="0"/>
+              <a:t>Used the Matplotlib method to get the scatterplot and linear regression model to determine if the two factors are correlated.</a:t>
+            </a:r>
+          </a:p>
+          <a:p>
+            <a:pPr marL="342900" indent="-342900">
+              <a:buAutoNum type="arabicPeriod"/>
+            </a:pPr>
+            <a:endParaRPr lang="en-US" dirty="0"/>
+          </a:p>
+          <a:p>
+            <a:pPr marL="342900" indent="-342900">
+              <a:buAutoNum type="arabicPeriod"/>
+            </a:pPr>
+            <a:endParaRPr lang="en-CA" dirty="0"/>
           </a:p>
         </p:txBody>
       </p:sp>
@@ -9275,6 +9863,14 @@
 <file path=ppt/slides/slide18.xml><?xml version="1.0" encoding="utf-8"?>
 <p:sld xmlns:a="http://schemas.openxmlformats.org/drawingml/2006/main" xmlns:r="http://schemas.openxmlformats.org/officeDocument/2006/relationships" xmlns:p="http://schemas.openxmlformats.org/presentationml/2006/main">
   <p:cSld>
+    <p:bg>
+      <p:bgPr>
+        <a:solidFill>
+          <a:schemeClr val="bg1"/>
+        </a:solidFill>
+        <a:effectLst/>
+      </p:bgPr>
+    </p:bg>
     <p:spTree>
       <p:nvGrpSpPr>
         <p:cNvPr id="1" name=""/>
@@ -9289,6 +9885,66 @@
           <a:chExt cx="0" cy="0"/>
         </a:xfrm>
       </p:grpSpPr>
+      <p:sp useBgFill="1">
+        <p:nvSpPr>
+          <p:cNvPr id="11" name="Rectangle 10">
+            <a:extLst>
+              <a:ext uri="{FF2B5EF4-FFF2-40B4-BE49-F238E27FC236}">
+                <a16:creationId xmlns:a16="http://schemas.microsoft.com/office/drawing/2014/main" id="{67B74F2B-9534-4540-96B0-5C8E958B940F}"/>
+              </a:ext>
+              <a:ext uri="{C183D7F6-B498-43B3-948B-1728B52AA6E4}">
+                <adec:decorative xmlns:adec="http://schemas.microsoft.com/office/drawing/2017/decorative" val="1"/>
+              </a:ext>
+            </a:extLst>
+          </p:cNvPr>
+          <p:cNvSpPr>
+            <a:spLocks noGrp="1" noRot="1" noChangeAspect="1" noMove="1" noResize="1" noEditPoints="1" noAdjustHandles="1" noChangeArrowheads="1" noChangeShapeType="1" noTextEdit="1"/>
+          </p:cNvSpPr>
+          <p:nvPr>
+            <p:extLst>
+              <p:ext uri="{386F3935-93C4-4BCD-93E2-E3B085C9AB24}">
+                <p16:designElem xmlns:p16="http://schemas.microsoft.com/office/powerpoint/2015/main" val="1"/>
+              </p:ext>
+            </p:extLst>
+          </p:nvPr>
+        </p:nvSpPr>
+        <p:spPr>
+          <a:xfrm>
+            <a:off x="0" y="0"/>
+            <a:ext cx="12192001" cy="6858000"/>
+          </a:xfrm>
+          <a:prstGeom prst="rect">
+            <a:avLst/>
+          </a:prstGeom>
+          <a:ln>
+            <a:noFill/>
+          </a:ln>
+        </p:spPr>
+        <p:style>
+          <a:lnRef idx="2">
+            <a:schemeClr val="accent1">
+              <a:shade val="50000"/>
+            </a:schemeClr>
+          </a:lnRef>
+          <a:fillRef idx="1">
+            <a:schemeClr val="accent1"/>
+          </a:fillRef>
+          <a:effectRef idx="0">
+            <a:schemeClr val="accent1"/>
+          </a:effectRef>
+          <a:fontRef idx="minor">
+            <a:schemeClr val="lt1"/>
+          </a:fontRef>
+        </p:style>
+        <p:txBody>
+          <a:bodyPr rtlCol="0" anchor="ctr"/>
+          <a:lstStyle/>
+          <a:p>
+            <a:pPr algn="ctr"/>
+            <a:endParaRPr lang="en-US"/>
+          </a:p>
+        </p:txBody>
+      </p:sp>
       <p:sp>
         <p:nvSpPr>
           <p:cNvPr id="2" name="Title 1">
@@ -9307,8 +9963,8 @@
         </p:nvSpPr>
         <p:spPr>
           <a:xfrm>
-            <a:off x="5172074" y="286604"/>
-            <a:ext cx="6491191" cy="1374246"/>
+            <a:off x="5172074" y="286603"/>
+            <a:ext cx="5983605" cy="1450757"/>
           </a:xfrm>
         </p:spPr>
         <p:txBody>
@@ -9318,13 +9974,103 @@
           <a:lstStyle/>
           <a:p>
             <a:r>
-              <a:rPr lang="en-US" dirty="0"/>
+              <a:rPr lang="en-US" b="1"/>
               <a:t>DISCUSSIONS AND FINDINGS</a:t>
             </a:r>
-            <a:endParaRPr lang="en-CA" dirty="0"/>
-          </a:p>
-        </p:txBody>
-      </p:sp>
+            <a:endParaRPr lang="en-CA" b="1" dirty="0"/>
+          </a:p>
+        </p:txBody>
+      </p:sp>
+      <p:pic>
+        <p:nvPicPr>
+          <p:cNvPr id="6" name="Picture 5" descr="A picture containing person, table&#10;&#10;Description automatically generated">
+            <a:extLst>
+              <a:ext uri="{FF2B5EF4-FFF2-40B4-BE49-F238E27FC236}">
+                <a16:creationId xmlns:a16="http://schemas.microsoft.com/office/drawing/2014/main" id="{E4220F78-7F8B-4671-B15F-AFC179F7AC30}"/>
+              </a:ext>
+            </a:extLst>
+          </p:cNvPr>
+          <p:cNvPicPr>
+            <a:picLocks noChangeAspect="1"/>
+          </p:cNvPicPr>
+          <p:nvPr/>
+        </p:nvPicPr>
+        <p:blipFill rotWithShape="1">
+          <a:blip r:embed="rId3">
+            <a:extLst>
+              <a:ext uri="{28A0092B-C50C-407E-A947-70E740481C1C}">
+                <a14:useLocalDpi xmlns:a14="http://schemas.microsoft.com/office/drawing/2010/main" val="0"/>
+              </a:ext>
+            </a:extLst>
+          </a:blip>
+          <a:srcRect l="30398" r="21839"/>
+          <a:stretch/>
+        </p:blipFill>
+        <p:spPr>
+          <a:xfrm>
+            <a:off x="20" y="10"/>
+            <a:ext cx="4580077" cy="6400784"/>
+          </a:xfrm>
+          <a:prstGeom prst="rect">
+            <a:avLst/>
+          </a:prstGeom>
+        </p:spPr>
+      </p:pic>
+      <p:cxnSp>
+        <p:nvCxnSpPr>
+          <p:cNvPr id="13" name="Straight Connector 12">
+            <a:extLst>
+              <a:ext uri="{FF2B5EF4-FFF2-40B4-BE49-F238E27FC236}">
+                <a16:creationId xmlns:a16="http://schemas.microsoft.com/office/drawing/2014/main" id="{33BECB2B-2CFA-412C-880F-C4B60974936F}"/>
+              </a:ext>
+              <a:ext uri="{C183D7F6-B498-43B3-948B-1728B52AA6E4}">
+                <adec:decorative xmlns:adec="http://schemas.microsoft.com/office/drawing/2017/decorative" val="1"/>
+              </a:ext>
+            </a:extLst>
+          </p:cNvPr>
+          <p:cNvCxnSpPr>
+            <a:cxnSpLocks noGrp="1" noRot="1" noChangeAspect="1" noMove="1" noResize="1" noEditPoints="1" noAdjustHandles="1" noChangeArrowheads="1" noChangeShapeType="1"/>
+          </p:cNvCxnSpPr>
+          <p:nvPr>
+            <p:extLst>
+              <p:ext uri="{386F3935-93C4-4BCD-93E2-E3B085C9AB24}">
+                <p16:designElem xmlns:p16="http://schemas.microsoft.com/office/powerpoint/2015/main" val="1"/>
+              </p:ext>
+            </p:extLst>
+          </p:nvPr>
+        </p:nvCxnSpPr>
+        <p:spPr>
+          <a:xfrm>
+            <a:off x="5242903" y="1917852"/>
+            <a:ext cx="5943600" cy="0"/>
+          </a:xfrm>
+          <a:prstGeom prst="line">
+            <a:avLst/>
+          </a:prstGeom>
+          <a:ln w="12700">
+            <a:solidFill>
+              <a:schemeClr val="tx1">
+                <a:lumMod val="75000"/>
+                <a:lumOff val="25000"/>
+              </a:schemeClr>
+            </a:solidFill>
+          </a:ln>
+        </p:spPr>
+        <p:style>
+          <a:lnRef idx="1">
+            <a:schemeClr val="accent1"/>
+          </a:lnRef>
+          <a:fillRef idx="0">
+            <a:schemeClr val="accent1"/>
+          </a:fillRef>
+          <a:effectRef idx="0">
+            <a:schemeClr val="accent1"/>
+          </a:effectRef>
+          <a:fontRef idx="minor">
+            <a:schemeClr val="tx1"/>
+          </a:fontRef>
+        </p:style>
+      </p:cxnSp>
       <p:sp>
         <p:nvSpPr>
           <p:cNvPr id="3" name="Content Placeholder 2">
@@ -9344,12 +10090,12 @@
         <p:spPr>
           <a:xfrm>
             <a:off x="5172074" y="2108201"/>
-            <a:ext cx="5983606" cy="3760891"/>
+            <a:ext cx="5983605" cy="3969213"/>
           </a:xfrm>
         </p:spPr>
         <p:txBody>
           <a:bodyPr>
-            <a:normAutofit fontScale="55000" lnSpcReduction="20000"/>
+            <a:normAutofit fontScale="70000" lnSpcReduction="20000"/>
           </a:bodyPr>
           <a:lstStyle/>
           <a:p>
@@ -9361,12 +10107,12 @@
                 <a:spcPts val="0"/>
               </a:spcBef>
               <a:spcAft>
-                <a:spcPts val="0"/>
+                <a:spcPts val="600"/>
               </a:spcAft>
               <a:buNone/>
             </a:pPr>
             <a:r>
-              <a:rPr lang="en-US" sz="2800" dirty="0"/>
+              <a:rPr lang="en-US" sz="2300" b="1" dirty="0"/>
               <a:t>Expected Results:</a:t>
             </a:r>
           </a:p>
@@ -9379,14 +10125,14 @@
                 <a:spcPts val="0"/>
               </a:spcBef>
               <a:spcAft>
-                <a:spcPts val="0"/>
+                <a:spcPts val="600"/>
               </a:spcAft>
               <a:buFont typeface="Arial" panose="020B0604020202020204" pitchFamily="34" charset="0"/>
               <a:buChar char="•"/>
             </a:pPr>
             <a:r>
-              <a:rPr lang="en-US" sz="2800" dirty="0"/>
-              <a:t>Increase intake in sugar consumption over the last decade.</a:t>
+              <a:rPr lang="en-US" sz="1800" dirty="0"/>
+              <a:t>Increase intake in sugar consumption over the last decade</a:t>
             </a:r>
           </a:p>
           <a:p>
@@ -9398,14 +10144,14 @@
                 <a:spcPts val="0"/>
               </a:spcBef>
               <a:spcAft>
-                <a:spcPts val="0"/>
+                <a:spcPts val="600"/>
               </a:spcAft>
               <a:buFont typeface="Arial" panose="020B0604020202020204" pitchFamily="34" charset="0"/>
               <a:buChar char="•"/>
             </a:pPr>
             <a:r>
-              <a:rPr lang="en-US" sz="2800" dirty="0"/>
-              <a:t>Lower income households consumes more sugar.</a:t>
+              <a:rPr lang="en-US" sz="1800" dirty="0"/>
+              <a:t>Lower income households consumes more sugar</a:t>
             </a:r>
           </a:p>
           <a:p>
@@ -9417,14 +10163,33 @@
                 <a:spcPts val="0"/>
               </a:spcBef>
               <a:spcAft>
-                <a:spcPts val="0"/>
+                <a:spcPts val="600"/>
               </a:spcAft>
               <a:buFont typeface="Arial" panose="020B0604020202020204" pitchFamily="34" charset="0"/>
               <a:buChar char="•"/>
             </a:pPr>
             <a:r>
-              <a:rPr lang="en-US" sz="2800" dirty="0"/>
-              <a:t>Overall, high sugar consumption can lead to health impacts like obesity.</a:t>
+              <a:rPr lang="en-US" sz="1800" dirty="0"/>
+              <a:t>High sugar consumption can lead to health impacts like obesity</a:t>
+            </a:r>
+          </a:p>
+          <a:p>
+            <a:pPr lvl="1">
+              <a:lnSpc>
+                <a:spcPct val="110000"/>
+              </a:lnSpc>
+              <a:spcBef>
+                <a:spcPts val="0"/>
+              </a:spcBef>
+              <a:spcAft>
+                <a:spcPts val="600"/>
+              </a:spcAft>
+              <a:buFont typeface="Arial" panose="020B0604020202020204" pitchFamily="34" charset="0"/>
+              <a:buChar char="•"/>
+            </a:pPr>
+            <a:r>
+              <a:rPr lang="en-US" sz="1800" dirty="0"/>
+              <a:t>US is the country with the highest consumption</a:t>
             </a:r>
           </a:p>
           <a:p>
@@ -9436,11 +10201,11 @@
                 <a:spcPts val="0"/>
               </a:spcBef>
               <a:spcAft>
-                <a:spcPts val="0"/>
+                <a:spcPts val="600"/>
               </a:spcAft>
               <a:buNone/>
             </a:pPr>
-            <a:endParaRPr lang="en-US" sz="2800" dirty="0"/>
+            <a:endParaRPr lang="en-US" sz="1300" dirty="0"/>
           </a:p>
           <a:p>
             <a:pPr marL="201168" lvl="1" indent="0">
@@ -9451,12 +10216,12 @@
                 <a:spcPts val="0"/>
               </a:spcBef>
               <a:spcAft>
-                <a:spcPts val="0"/>
+                <a:spcPts val="600"/>
               </a:spcAft>
               <a:buNone/>
             </a:pPr>
             <a:r>
-              <a:rPr lang="en-US" sz="2800" dirty="0"/>
+              <a:rPr lang="en-US" sz="2300" b="1" dirty="0"/>
               <a:t>Unexpected Results:</a:t>
             </a:r>
           </a:p>
@@ -9469,14 +10234,33 @@
                 <a:spcPts val="0"/>
               </a:spcBef>
               <a:spcAft>
-                <a:spcPts val="0"/>
+                <a:spcPts val="600"/>
               </a:spcAft>
               <a:buFont typeface="Arial" panose="020B0604020202020204" pitchFamily="34" charset="0"/>
               <a:buChar char="•"/>
             </a:pPr>
             <a:r>
-              <a:rPr lang="en-US" sz="2800" dirty="0"/>
-              <a:t>Bad dental health is not correlated to sugar intake.</a:t>
+              <a:rPr lang="en-US" sz="1800" dirty="0"/>
+              <a:t>Bad dental health is not correlated to sugar intake</a:t>
+            </a:r>
+          </a:p>
+          <a:p>
+            <a:pPr lvl="1">
+              <a:lnSpc>
+                <a:spcPct val="110000"/>
+              </a:lnSpc>
+              <a:spcBef>
+                <a:spcPts val="0"/>
+              </a:spcBef>
+              <a:spcAft>
+                <a:spcPts val="600"/>
+              </a:spcAft>
+              <a:buFont typeface="Arial" panose="020B0604020202020204" pitchFamily="34" charset="0"/>
+              <a:buChar char="•"/>
+            </a:pPr>
+            <a:r>
+              <a:rPr lang="en-US" sz="1800" dirty="0"/>
+              <a:t>Malta and Switzerland are in the top 3 </a:t>
             </a:r>
           </a:p>
           <a:p>
@@ -9488,11 +10272,11 @@
                 <a:spcPts val="0"/>
               </a:spcBef>
               <a:spcAft>
-                <a:spcPts val="0"/>
+                <a:spcPts val="600"/>
               </a:spcAft>
               <a:buNone/>
             </a:pPr>
-            <a:endParaRPr lang="en-US" sz="2800" dirty="0"/>
+            <a:endParaRPr lang="en-US" sz="2300" dirty="0"/>
           </a:p>
           <a:p>
             <a:pPr marL="201168" lvl="1" indent="0">
@@ -9503,12 +10287,12 @@
                 <a:spcPts val="0"/>
               </a:spcBef>
               <a:spcAft>
-                <a:spcPts val="0"/>
+                <a:spcPts val="600"/>
               </a:spcAft>
               <a:buNone/>
             </a:pPr>
             <a:r>
-              <a:rPr lang="en-US" sz="2800" dirty="0"/>
+              <a:rPr lang="en-US" sz="2300" b="1" dirty="0"/>
               <a:t>Conclusions:</a:t>
             </a:r>
           </a:p>
@@ -9521,14 +10305,14 @@
                 <a:spcPts val="0"/>
               </a:spcBef>
               <a:spcAft>
-                <a:spcPts val="0"/>
+                <a:spcPts val="600"/>
               </a:spcAft>
               <a:buFont typeface="Arial" panose="020B0604020202020204" pitchFamily="34" charset="0"/>
               <a:buChar char="•"/>
             </a:pPr>
             <a:r>
-              <a:rPr lang="en-US" sz="2800" dirty="0"/>
-              <a:t>Need to be aware of your sugar intake to maintain a healthy lifestyle.</a:t>
+              <a:rPr lang="en-US" sz="1800" dirty="0"/>
+              <a:t>Need to be aware of your sugar intake to maintain a healthy lifestyle</a:t>
             </a:r>
           </a:p>
           <a:p>
@@ -9540,14 +10324,14 @@
                 <a:spcPts val="0"/>
               </a:spcBef>
               <a:spcAft>
-                <a:spcPts val="0"/>
+                <a:spcPts val="600"/>
               </a:spcAft>
               <a:buFont typeface="Arial" panose="020B0604020202020204" pitchFamily="34" charset="0"/>
               <a:buChar char="•"/>
             </a:pPr>
             <a:r>
-              <a:rPr lang="en-US" sz="2800" dirty="0"/>
-              <a:t>Unhealthy items are lower priced than healthy/organic products.</a:t>
+              <a:rPr lang="en-US" sz="1800" dirty="0"/>
+              <a:t>Unhealthy items are lower priced than healthy/organic products</a:t>
             </a:r>
           </a:p>
           <a:p>
@@ -9559,14 +10343,14 @@
                 <a:spcPts val="0"/>
               </a:spcBef>
               <a:spcAft>
-                <a:spcPts val="0"/>
+                <a:spcPts val="600"/>
               </a:spcAft>
               <a:buFont typeface="Arial" panose="020B0604020202020204" pitchFamily="34" charset="0"/>
               <a:buChar char="•"/>
             </a:pPr>
             <a:r>
-              <a:rPr lang="en-US" sz="2800" dirty="0"/>
-              <a:t>Increasing sugar intake will have negative health impacts for the majority.</a:t>
+              <a:rPr lang="en-US" sz="1800" dirty="0"/>
+              <a:t>Increasing sugar intake will have negative health impacts</a:t>
             </a:r>
           </a:p>
           <a:p>
@@ -9578,31 +10362,12 @@
                 <a:spcPts val="0"/>
               </a:spcBef>
               <a:spcAft>
-                <a:spcPts val="0"/>
+                <a:spcPts val="600"/>
               </a:spcAft>
               <a:buFont typeface="Arial" panose="020B0604020202020204" pitchFamily="34" charset="0"/>
               <a:buChar char="•"/>
             </a:pPr>
-            <a:r>
-              <a:rPr lang="en-US" sz="2800" dirty="0"/>
-              <a:t>Increase in Health Care Spending if trend continues.</a:t>
-            </a:r>
-          </a:p>
-          <a:p>
-            <a:pPr lvl="1">
-              <a:lnSpc>
-                <a:spcPct val="110000"/>
-              </a:lnSpc>
-              <a:spcBef>
-                <a:spcPts val="0"/>
-              </a:spcBef>
-              <a:spcAft>
-                <a:spcPts val="0"/>
-              </a:spcAft>
-              <a:buFont typeface="Arial" panose="020B0604020202020204" pitchFamily="34" charset="0"/>
-              <a:buChar char="•"/>
-            </a:pPr>
-            <a:endParaRPr lang="en-US" sz="2800" dirty="0"/>
+            <a:endParaRPr lang="en-US" sz="1300" dirty="0"/>
           </a:p>
           <a:p>
             <a:pPr lvl="2">
@@ -9613,51 +10378,70 @@
                 <a:spcPts val="0"/>
               </a:spcBef>
               <a:spcAft>
-                <a:spcPts val="0"/>
+                <a:spcPts val="600"/>
               </a:spcAft>
               <a:buFont typeface="Arial" panose="020B0604020202020204" pitchFamily="34" charset="0"/>
               <a:buChar char="•"/>
             </a:pPr>
-            <a:endParaRPr lang="en-US" sz="2800" dirty="0"/>
-          </a:p>
-        </p:txBody>
-      </p:sp>
-      <p:pic>
-        <p:nvPicPr>
-          <p:cNvPr id="6" name="Picture 5" descr="A picture containing person, table&#10;&#10;Description automatically generated">
-            <a:extLst>
-              <a:ext uri="{FF2B5EF4-FFF2-40B4-BE49-F238E27FC236}">
-                <a16:creationId xmlns:a16="http://schemas.microsoft.com/office/drawing/2014/main" id="{E4220F78-7F8B-4671-B15F-AFC179F7AC30}"/>
-              </a:ext>
-            </a:extLst>
-          </p:cNvPr>
-          <p:cNvPicPr>
-            <a:picLocks noChangeAspect="1"/>
-          </p:cNvPicPr>
-          <p:nvPr/>
-        </p:nvPicPr>
-        <p:blipFill>
-          <a:blip r:embed="rId3">
-            <a:extLst>
-              <a:ext uri="{28A0092B-C50C-407E-A947-70E740481C1C}">
-                <a14:useLocalDpi xmlns:a14="http://schemas.microsoft.com/office/drawing/2010/main" val="0"/>
-              </a:ext>
-            </a:extLst>
-          </a:blip>
-          <a:stretch>
-            <a:fillRect/>
-          </a:stretch>
-        </p:blipFill>
-        <p:spPr>
-          <a:xfrm>
-            <a:off x="0" y="-1"/>
-            <a:ext cx="4777740" cy="6389649"/>
+            <a:endParaRPr lang="en-US" sz="1300" dirty="0"/>
+          </a:p>
+        </p:txBody>
+      </p:sp>
+      <p:sp>
+        <p:nvSpPr>
+          <p:cNvPr id="15" name="Rectangle 14">
+            <a:extLst>
+              <a:ext uri="{FF2B5EF4-FFF2-40B4-BE49-F238E27FC236}">
+                <a16:creationId xmlns:a16="http://schemas.microsoft.com/office/drawing/2014/main" id="{C1B60310-C5C3-46A0-A452-2A0B008434DA}"/>
+              </a:ext>
+              <a:ext uri="{C183D7F6-B498-43B3-948B-1728B52AA6E4}">
+                <adec:decorative xmlns:adec="http://schemas.microsoft.com/office/drawing/2017/decorative" val="1"/>
+              </a:ext>
+            </a:extLst>
+          </p:cNvPr>
+          <p:cNvSpPr>
+            <a:spLocks noGrp="1" noRot="1" noChangeAspect="1" noMove="1" noResize="1" noEditPoints="1" noAdjustHandles="1" noChangeArrowheads="1" noChangeShapeType="1" noTextEdit="1"/>
+          </p:cNvSpPr>
+          <p:nvPr>
+            <p:extLst>
+              <p:ext uri="{386F3935-93C4-4BCD-93E2-E3B085C9AB24}">
+                <p16:designElem xmlns:p16="http://schemas.microsoft.com/office/powerpoint/2015/main" val="1"/>
+              </p:ext>
+            </p:extLst>
+          </p:nvPr>
+        </p:nvSpPr>
+        <p:spPr>
+          <a:xfrm>
+            <a:off x="-1" y="6400800"/>
+            <a:ext cx="12192000" cy="457200"/>
           </a:xfrm>
           <a:prstGeom prst="rect">
             <a:avLst/>
           </a:prstGeom>
-        </p:spPr>
-      </p:pic>
+          <a:solidFill>
+            <a:srgbClr val="262626"/>
+          </a:solidFill>
+          <a:ln>
+            <a:noFill/>
+          </a:ln>
+        </p:spPr>
+        <p:style>
+          <a:lnRef idx="2">
+            <a:schemeClr val="accent1">
+              <a:shade val="50000"/>
+            </a:schemeClr>
+          </a:lnRef>
+          <a:fillRef idx="1">
+            <a:schemeClr val="accent1"/>
+          </a:fillRef>
+          <a:effectRef idx="0">
+            <a:schemeClr val="accent1"/>
+          </a:effectRef>
+          <a:fontRef idx="minor">
+            <a:schemeClr val="lt1"/>
+          </a:fontRef>
+        </p:style>
+      </p:sp>
     </p:spTree>
     <p:extLst>
       <p:ext uri="{BB962C8B-B14F-4D97-AF65-F5344CB8AC3E}">
@@ -9717,10 +10501,10 @@
           <a:lstStyle/>
           <a:p>
             <a:r>
-              <a:rPr lang="en-US" dirty="0"/>
-              <a:t>POST MORTEM</a:t>
-            </a:r>
-            <a:endParaRPr lang="en-CA" dirty="0"/>
+              <a:rPr lang="en-US" b="1" dirty="0"/>
+              <a:t>CHALLENGES</a:t>
+            </a:r>
+            <a:endParaRPr lang="en-CA" b="1" dirty="0"/>
           </a:p>
         </p:txBody>
       </p:sp>
@@ -9743,7 +10527,7 @@
         <p:spPr>
           <a:xfrm>
             <a:off x="5172074" y="2108201"/>
-            <a:ext cx="5983606" cy="3760891"/>
+            <a:ext cx="6491190" cy="4147633"/>
           </a:xfrm>
         </p:spPr>
         <p:txBody>
@@ -9751,6 +10535,342 @@
             <a:normAutofit/>
           </a:bodyPr>
           <a:lstStyle/>
+          <a:p>
+            <a:pPr eaLnBrk="0" fontAlgn="base" hangingPunct="0">
+              <a:lnSpc>
+                <a:spcPct val="100000"/>
+              </a:lnSpc>
+              <a:spcBef>
+                <a:spcPct val="0"/>
+              </a:spcBef>
+              <a:spcAft>
+                <a:spcPct val="0"/>
+              </a:spcAft>
+              <a:buClrTx/>
+              <a:buSzTx/>
+              <a:buFont typeface="Arial" panose="020B0604020202020204" pitchFamily="34" charset="0"/>
+              <a:buChar char="•"/>
+            </a:pPr>
+            <a:r>
+              <a:rPr lang="en-US" altLang="en-US" sz="2400" dirty="0">
+                <a:solidFill>
+                  <a:schemeClr val="tx1"/>
+                </a:solidFill>
+                <a:latin typeface="Arial" panose="020B0604020202020204" pitchFamily="34" charset="0"/>
+              </a:rPr>
+              <a:t> Data Collection</a:t>
+            </a:r>
+          </a:p>
+          <a:p>
+            <a:pPr lvl="1" eaLnBrk="0" fontAlgn="base" hangingPunct="0">
+              <a:lnSpc>
+                <a:spcPct val="100000"/>
+              </a:lnSpc>
+              <a:spcBef>
+                <a:spcPct val="0"/>
+              </a:spcBef>
+              <a:spcAft>
+                <a:spcPct val="0"/>
+              </a:spcAft>
+              <a:buFont typeface="Wingdings" panose="05000000000000000000" pitchFamily="2" charset="2"/>
+              <a:buChar char="Ø"/>
+            </a:pPr>
+            <a:r>
+              <a:rPr lang="en-US" altLang="en-US" dirty="0">
+                <a:solidFill>
+                  <a:schemeClr val="tx1"/>
+                </a:solidFill>
+                <a:latin typeface="Arial" panose="020B0604020202020204" pitchFamily="34" charset="0"/>
+              </a:rPr>
+              <a:t>Difficulties finding recent data and dataset within the same year</a:t>
+            </a:r>
+          </a:p>
+          <a:p>
+            <a:pPr lvl="1" eaLnBrk="0" fontAlgn="base" hangingPunct="0">
+              <a:lnSpc>
+                <a:spcPct val="100000"/>
+              </a:lnSpc>
+              <a:spcBef>
+                <a:spcPct val="0"/>
+              </a:spcBef>
+              <a:spcAft>
+                <a:spcPct val="0"/>
+              </a:spcAft>
+              <a:buFont typeface="Wingdings" panose="05000000000000000000" pitchFamily="2" charset="2"/>
+              <a:buChar char="Ø"/>
+            </a:pPr>
+            <a:r>
+              <a:rPr lang="en-US" altLang="en-US" dirty="0">
+                <a:solidFill>
+                  <a:schemeClr val="tx1"/>
+                </a:solidFill>
+                <a:latin typeface="Arial" panose="020B0604020202020204" pitchFamily="34" charset="0"/>
+              </a:rPr>
+              <a:t>Used more outdated sets then we would have liked</a:t>
+            </a:r>
+          </a:p>
+          <a:p>
+            <a:pPr marL="201168" lvl="1" indent="0" eaLnBrk="0" fontAlgn="base" hangingPunct="0">
+              <a:lnSpc>
+                <a:spcPct val="100000"/>
+              </a:lnSpc>
+              <a:spcBef>
+                <a:spcPct val="0"/>
+              </a:spcBef>
+              <a:spcAft>
+                <a:spcPct val="0"/>
+              </a:spcAft>
+              <a:buNone/>
+            </a:pPr>
+            <a:endParaRPr lang="en-US" altLang="en-US" dirty="0">
+              <a:solidFill>
+                <a:schemeClr val="tx1"/>
+              </a:solidFill>
+              <a:latin typeface="Arial" panose="020B0604020202020204" pitchFamily="34" charset="0"/>
+            </a:endParaRPr>
+          </a:p>
+          <a:p>
+            <a:pPr eaLnBrk="0" fontAlgn="base" hangingPunct="0">
+              <a:lnSpc>
+                <a:spcPct val="100000"/>
+              </a:lnSpc>
+              <a:spcBef>
+                <a:spcPct val="0"/>
+              </a:spcBef>
+              <a:spcAft>
+                <a:spcPct val="0"/>
+              </a:spcAft>
+              <a:buClrTx/>
+              <a:buSzTx/>
+              <a:buFont typeface="Arial" panose="020B0604020202020204" pitchFamily="34" charset="0"/>
+              <a:buChar char="•"/>
+            </a:pPr>
+            <a:r>
+              <a:rPr kumimoji="0" lang="en-US" altLang="en-US" sz="2800" b="0" i="0" u="none" strike="noStrike" cap="none" normalizeH="0" baseline="0" dirty="0">
+                <a:ln>
+                  <a:noFill/>
+                </a:ln>
+                <a:solidFill>
+                  <a:schemeClr val="tx1"/>
+                </a:solidFill>
+                <a:effectLst/>
+                <a:latin typeface="Arial" panose="020B0604020202020204" pitchFamily="34" charset="0"/>
+              </a:rPr>
+              <a:t> </a:t>
+            </a:r>
+            <a:r>
+              <a:rPr kumimoji="0" lang="en-US" altLang="en-US" sz="2400" b="0" i="0" u="none" strike="noStrike" cap="none" normalizeH="0" baseline="0" dirty="0">
+                <a:ln>
+                  <a:noFill/>
+                </a:ln>
+                <a:solidFill>
+                  <a:schemeClr val="tx1"/>
+                </a:solidFill>
+                <a:effectLst/>
+                <a:latin typeface="Arial" panose="020B0604020202020204" pitchFamily="34" charset="0"/>
+              </a:rPr>
+              <a:t>API</a:t>
+            </a:r>
+          </a:p>
+          <a:p>
+            <a:pPr lvl="1" eaLnBrk="0" fontAlgn="base" hangingPunct="0">
+              <a:lnSpc>
+                <a:spcPct val="100000"/>
+              </a:lnSpc>
+              <a:spcBef>
+                <a:spcPct val="0"/>
+              </a:spcBef>
+              <a:spcAft>
+                <a:spcPct val="0"/>
+              </a:spcAft>
+              <a:buFont typeface="Wingdings" panose="05000000000000000000" pitchFamily="2" charset="2"/>
+              <a:buChar char="Ø"/>
+            </a:pPr>
+            <a:r>
+              <a:rPr kumimoji="0" lang="en-US" altLang="en-US" b="0" i="0" u="none" strike="noStrike" cap="none" normalizeH="0" baseline="0" dirty="0">
+                <a:ln>
+                  <a:noFill/>
+                </a:ln>
+                <a:solidFill>
+                  <a:schemeClr val="tx1"/>
+                </a:solidFill>
+                <a:effectLst/>
+                <a:latin typeface="Arial" panose="020B0604020202020204" pitchFamily="34" charset="0"/>
+              </a:rPr>
+              <a:t>No standardization with nutrition labels</a:t>
+            </a:r>
+          </a:p>
+          <a:p>
+            <a:pPr lvl="1" eaLnBrk="0" fontAlgn="base" hangingPunct="0">
+              <a:lnSpc>
+                <a:spcPct val="100000"/>
+              </a:lnSpc>
+              <a:spcBef>
+                <a:spcPct val="0"/>
+              </a:spcBef>
+              <a:spcAft>
+                <a:spcPct val="0"/>
+              </a:spcAft>
+              <a:buFont typeface="Wingdings" panose="05000000000000000000" pitchFamily="2" charset="2"/>
+              <a:buChar char="Ø"/>
+            </a:pPr>
+            <a:r>
+              <a:rPr kumimoji="0" lang="en-US" altLang="en-US" b="0" i="0" u="none" strike="noStrike" cap="none" normalizeH="0" baseline="0" dirty="0">
+                <a:ln>
+                  <a:noFill/>
+                </a:ln>
+                <a:solidFill>
+                  <a:schemeClr val="tx1"/>
+                </a:solidFill>
+                <a:effectLst/>
+                <a:latin typeface="Arial" panose="020B0604020202020204" pitchFamily="34" charset="0"/>
+              </a:rPr>
+              <a:t>Inconsisten</a:t>
+            </a:r>
+            <a:r>
+              <a:rPr lang="en-US" altLang="en-US" dirty="0">
+                <a:solidFill>
+                  <a:schemeClr val="tx1"/>
+                </a:solidFill>
+                <a:latin typeface="Arial" panose="020B0604020202020204" pitchFamily="34" charset="0"/>
+              </a:rPr>
+              <a:t>t data types</a:t>
+            </a:r>
+          </a:p>
+          <a:p>
+            <a:pPr lvl="1" eaLnBrk="0" fontAlgn="base" hangingPunct="0">
+              <a:lnSpc>
+                <a:spcPct val="100000"/>
+              </a:lnSpc>
+              <a:spcBef>
+                <a:spcPct val="0"/>
+              </a:spcBef>
+              <a:spcAft>
+                <a:spcPct val="0"/>
+              </a:spcAft>
+              <a:buFont typeface="Wingdings" panose="05000000000000000000" pitchFamily="2" charset="2"/>
+              <a:buChar char="Ø"/>
+            </a:pPr>
+            <a:r>
+              <a:rPr kumimoji="0" lang="en-US" altLang="en-US" b="0" i="0" u="none" strike="noStrike" cap="none" normalizeH="0" baseline="0" dirty="0">
+                <a:ln>
+                  <a:noFill/>
+                </a:ln>
+                <a:solidFill>
+                  <a:schemeClr val="tx1"/>
+                </a:solidFill>
+                <a:effectLst/>
+                <a:latin typeface="Arial" panose="020B0604020202020204" pitchFamily="34" charset="0"/>
+              </a:rPr>
+              <a:t>Choosing a product that represent a grocery category</a:t>
+            </a:r>
+          </a:p>
+          <a:p>
+            <a:pPr marL="201168" lvl="1" indent="0" eaLnBrk="0" fontAlgn="base" hangingPunct="0">
+              <a:lnSpc>
+                <a:spcPct val="100000"/>
+              </a:lnSpc>
+              <a:spcBef>
+                <a:spcPct val="0"/>
+              </a:spcBef>
+              <a:spcAft>
+                <a:spcPct val="0"/>
+              </a:spcAft>
+              <a:buNone/>
+            </a:pPr>
+            <a:endParaRPr kumimoji="0" lang="en-US" altLang="en-US" b="0" i="0" u="none" strike="noStrike" cap="none" normalizeH="0" baseline="0" dirty="0">
+              <a:ln>
+                <a:noFill/>
+              </a:ln>
+              <a:solidFill>
+                <a:schemeClr val="tx1"/>
+              </a:solidFill>
+              <a:effectLst/>
+              <a:latin typeface="Arial" panose="020B0604020202020204" pitchFamily="34" charset="0"/>
+            </a:endParaRPr>
+          </a:p>
+          <a:p>
+            <a:pPr eaLnBrk="0" fontAlgn="base" hangingPunct="0">
+              <a:lnSpc>
+                <a:spcPct val="100000"/>
+              </a:lnSpc>
+              <a:spcBef>
+                <a:spcPct val="0"/>
+              </a:spcBef>
+              <a:spcAft>
+                <a:spcPct val="0"/>
+              </a:spcAft>
+              <a:buClrTx/>
+              <a:buSzTx/>
+              <a:buFont typeface="Arial" panose="020B0604020202020204" pitchFamily="34" charset="0"/>
+              <a:buChar char="•"/>
+            </a:pPr>
+            <a:r>
+              <a:rPr lang="en-US" altLang="en-US" sz="2400" dirty="0">
+                <a:solidFill>
+                  <a:schemeClr val="tx1"/>
+                </a:solidFill>
+                <a:latin typeface="Arial" panose="020B0604020202020204" pitchFamily="34" charset="0"/>
+              </a:rPr>
+              <a:t> Focusing on the Questions</a:t>
+            </a:r>
+          </a:p>
+          <a:p>
+            <a:pPr lvl="1" eaLnBrk="0" fontAlgn="base" hangingPunct="0">
+              <a:lnSpc>
+                <a:spcPct val="100000"/>
+              </a:lnSpc>
+              <a:spcBef>
+                <a:spcPct val="0"/>
+              </a:spcBef>
+              <a:spcAft>
+                <a:spcPct val="0"/>
+              </a:spcAft>
+              <a:buFont typeface="Wingdings" panose="05000000000000000000" pitchFamily="2" charset="2"/>
+              <a:buChar char="Ø"/>
+            </a:pPr>
+            <a:r>
+              <a:rPr kumimoji="0" lang="en-US" altLang="en-US" b="0" i="0" u="none" strike="noStrike" cap="none" normalizeH="0" baseline="0" dirty="0">
+                <a:ln>
+                  <a:noFill/>
+                </a:ln>
+                <a:solidFill>
+                  <a:schemeClr val="tx1"/>
+                </a:solidFill>
+                <a:effectLst/>
+                <a:latin typeface="Arial" panose="020B0604020202020204" pitchFamily="34" charset="0"/>
+              </a:rPr>
+              <a:t>Sugar intake is a broad topic </a:t>
+            </a:r>
+          </a:p>
+          <a:p>
+            <a:pPr lvl="1" eaLnBrk="0" fontAlgn="base" hangingPunct="0">
+              <a:lnSpc>
+                <a:spcPct val="100000"/>
+              </a:lnSpc>
+              <a:spcBef>
+                <a:spcPct val="0"/>
+              </a:spcBef>
+              <a:spcAft>
+                <a:spcPct val="0"/>
+              </a:spcAft>
+              <a:buFont typeface="Wingdings" panose="05000000000000000000" pitchFamily="2" charset="2"/>
+              <a:buChar char="Ø"/>
+            </a:pPr>
+            <a:r>
+              <a:rPr kumimoji="0" lang="en-US" altLang="en-US" b="0" i="0" u="none" strike="noStrike" cap="none" normalizeH="0" baseline="0" dirty="0">
+                <a:ln>
+                  <a:noFill/>
+                </a:ln>
+                <a:solidFill>
+                  <a:schemeClr val="tx1"/>
+                </a:solidFill>
+                <a:effectLst/>
+                <a:latin typeface="Arial" panose="020B0604020202020204" pitchFamily="34" charset="0"/>
+              </a:rPr>
+              <a:t>We narrowed down to the specific factors to look for the information</a:t>
+            </a:r>
+          </a:p>
           <a:p>
             <a:pPr marL="0" marR="0" lvl="0" indent="0" algn="l" defTabSz="914400" rtl="0" eaLnBrk="0" fontAlgn="base" latinLnBrk="0" hangingPunct="0">
               <a:lnSpc>
@@ -9764,54 +10884,15 @@
               </a:spcAft>
               <a:buClrTx/>
               <a:buSzTx/>
-              <a:buFontTx/>
-              <a:buChar char="•"/>
+              <a:buNone/>
               <a:tabLst/>
             </a:pPr>
-            <a:r>
-              <a:rPr kumimoji="0" lang="en-US" altLang="en-US" sz="2800" b="0" i="0" u="none" strike="noStrike" cap="none" normalizeH="0" baseline="0" dirty="0">
-                <a:ln>
-                  <a:noFill/>
-                </a:ln>
-                <a:solidFill>
-                  <a:schemeClr val="tx1"/>
-                </a:solidFill>
-                <a:effectLst/>
-                <a:latin typeface="Arial" panose="020B0604020202020204" pitchFamily="34" charset="0"/>
-              </a:rPr>
-              <a:t>Discuss any difficulties that arose, and how you dealt with them </a:t>
-            </a:r>
-          </a:p>
-          <a:p>
-            <a:pPr marL="0" marR="0" lvl="0" indent="0" algn="l" defTabSz="914400" rtl="0" eaLnBrk="0" fontAlgn="base" latinLnBrk="0" hangingPunct="0">
-              <a:lnSpc>
-                <a:spcPct val="100000"/>
-              </a:lnSpc>
-              <a:spcBef>
-                <a:spcPct val="0"/>
-              </a:spcBef>
-              <a:spcAft>
-                <a:spcPct val="0"/>
-              </a:spcAft>
-              <a:buClrTx/>
-              <a:buSzTx/>
-              <a:buFontTx/>
-              <a:buChar char="•"/>
-              <a:tabLst/>
-            </a:pPr>
-            <a:r>
-              <a:rPr kumimoji="0" lang="en-US" altLang="en-US" sz="2800" b="0" i="0" u="none" strike="noStrike" cap="none" normalizeH="0" baseline="0" dirty="0">
-                <a:ln>
-                  <a:noFill/>
-                </a:ln>
-                <a:solidFill>
-                  <a:schemeClr val="tx1"/>
-                </a:solidFill>
-                <a:effectLst/>
-                <a:latin typeface="Arial" panose="020B0604020202020204" pitchFamily="34" charset="0"/>
-              </a:rPr>
-              <a:t>Discuss any additional questions that came up, but which you didn't have time to answer: What would you research next, if you had two more weeks? </a:t>
-            </a:r>
+            <a:endParaRPr lang="en-US" altLang="en-US" sz="2800" dirty="0">
+              <a:solidFill>
+                <a:schemeClr val="tx1"/>
+              </a:solidFill>
+              <a:latin typeface="Arial" panose="020B0604020202020204" pitchFamily="34" charset="0"/>
+            </a:endParaRPr>
           </a:p>
           <a:p>
             <a:pPr lvl="2">
@@ -9833,10 +10914,10 @@
       </p:sp>
       <p:pic>
         <p:nvPicPr>
-          <p:cNvPr id="5" name="Picture 4" descr="A picture containing text, clock, hand, gauge&#10;&#10;Description automatically generated">
-            <a:extLst>
-              <a:ext uri="{FF2B5EF4-FFF2-40B4-BE49-F238E27FC236}">
-                <a16:creationId xmlns:a16="http://schemas.microsoft.com/office/drawing/2014/main" id="{433DC625-9174-4629-B740-B9A47A8AA9B3}"/>
+          <p:cNvPr id="6" name="Picture 5" descr="Logo&#10;&#10;Description automatically generated">
+            <a:extLst>
+              <a:ext uri="{FF2B5EF4-FFF2-40B4-BE49-F238E27FC236}">
+                <a16:creationId xmlns:a16="http://schemas.microsoft.com/office/drawing/2014/main" id="{89BF6574-3168-4FCC-A0C3-A041CFF86C00}"/>
               </a:ext>
             </a:extLst>
           </p:cNvPr>
@@ -9859,8 +10940,8 @@
         </p:blipFill>
         <p:spPr>
           <a:xfrm>
-            <a:off x="0" y="15903"/>
-            <a:ext cx="4638907" cy="6362595"/>
+            <a:off x="-1" y="0"/>
+            <a:ext cx="4527395" cy="6423102"/>
           </a:xfrm>
           <a:prstGeom prst="rect">
             <a:avLst/>
@@ -10363,6 +11444,258 @@
 </file>
 
 <file path=ppt/slides/slide20.xml><?xml version="1.0" encoding="utf-8"?>
+<p:sld xmlns:a="http://schemas.openxmlformats.org/drawingml/2006/main" xmlns:r="http://schemas.openxmlformats.org/officeDocument/2006/relationships" xmlns:p="http://schemas.openxmlformats.org/presentationml/2006/main">
+  <p:cSld>
+    <p:spTree>
+      <p:nvGrpSpPr>
+        <p:cNvPr id="1" name=""/>
+        <p:cNvGrpSpPr/>
+        <p:nvPr/>
+      </p:nvGrpSpPr>
+      <p:grpSpPr>
+        <a:xfrm>
+          <a:off x="0" y="0"/>
+          <a:ext cx="0" cy="0"/>
+          <a:chOff x="0" y="0"/>
+          <a:chExt cx="0" cy="0"/>
+        </a:xfrm>
+      </p:grpSpPr>
+      <p:sp>
+        <p:nvSpPr>
+          <p:cNvPr id="2" name="Title 1">
+            <a:extLst>
+              <a:ext uri="{FF2B5EF4-FFF2-40B4-BE49-F238E27FC236}">
+                <a16:creationId xmlns:a16="http://schemas.microsoft.com/office/drawing/2014/main" id="{9C48BE68-3EC4-4686-A2A0-8A1E03C2580F}"/>
+              </a:ext>
+            </a:extLst>
+          </p:cNvPr>
+          <p:cNvSpPr>
+            <a:spLocks noGrp="1"/>
+          </p:cNvSpPr>
+          <p:nvPr>
+            <p:ph type="title"/>
+          </p:nvPr>
+        </p:nvSpPr>
+        <p:spPr>
+          <a:xfrm>
+            <a:off x="5172074" y="286604"/>
+            <a:ext cx="6491191" cy="1374246"/>
+          </a:xfrm>
+        </p:spPr>
+        <p:txBody>
+          <a:bodyPr>
+            <a:normAutofit/>
+          </a:bodyPr>
+          <a:lstStyle/>
+          <a:p>
+            <a:r>
+              <a:rPr lang="en-US" b="1" dirty="0"/>
+              <a:t>ADDITIONAL RESEARCH</a:t>
+            </a:r>
+            <a:endParaRPr lang="en-CA" b="1" dirty="0"/>
+          </a:p>
+        </p:txBody>
+      </p:sp>
+      <p:sp>
+        <p:nvSpPr>
+          <p:cNvPr id="3" name="Content Placeholder 2">
+            <a:extLst>
+              <a:ext uri="{FF2B5EF4-FFF2-40B4-BE49-F238E27FC236}">
+                <a16:creationId xmlns:a16="http://schemas.microsoft.com/office/drawing/2014/main" id="{C990EB9B-20EF-41D2-BF3A-03ED63507C68}"/>
+              </a:ext>
+            </a:extLst>
+          </p:cNvPr>
+          <p:cNvSpPr>
+            <a:spLocks noGrp="1"/>
+          </p:cNvSpPr>
+          <p:nvPr>
+            <p:ph idx="1"/>
+          </p:nvPr>
+        </p:nvSpPr>
+        <p:spPr>
+          <a:xfrm>
+            <a:off x="5172074" y="2108201"/>
+            <a:ext cx="5983606" cy="3760891"/>
+          </a:xfrm>
+        </p:spPr>
+        <p:txBody>
+          <a:bodyPr>
+            <a:normAutofit/>
+          </a:bodyPr>
+          <a:lstStyle/>
+          <a:p>
+            <a:pPr lvl="2">
+              <a:lnSpc>
+                <a:spcPct val="110000"/>
+              </a:lnSpc>
+              <a:spcBef>
+                <a:spcPts val="0"/>
+              </a:spcBef>
+              <a:spcAft>
+                <a:spcPts val="0"/>
+              </a:spcAft>
+              <a:buFont typeface="Arial" panose="020B0604020202020204" pitchFamily="34" charset="0"/>
+              <a:buChar char="•"/>
+            </a:pPr>
+            <a:r>
+              <a:rPr lang="en-US" sz="2400" dirty="0"/>
+              <a:t>High Sugar Intake on more Diseases</a:t>
+            </a:r>
+          </a:p>
+          <a:p>
+            <a:pPr marL="384048" lvl="2" indent="0">
+              <a:lnSpc>
+                <a:spcPct val="110000"/>
+              </a:lnSpc>
+              <a:spcBef>
+                <a:spcPts val="0"/>
+              </a:spcBef>
+              <a:spcAft>
+                <a:spcPts val="0"/>
+              </a:spcAft>
+              <a:buNone/>
+            </a:pPr>
+            <a:endParaRPr lang="en-US" sz="2400" dirty="0"/>
+          </a:p>
+          <a:p>
+            <a:pPr lvl="2">
+              <a:lnSpc>
+                <a:spcPct val="110000"/>
+              </a:lnSpc>
+              <a:spcBef>
+                <a:spcPts val="0"/>
+              </a:spcBef>
+              <a:spcAft>
+                <a:spcPts val="0"/>
+              </a:spcAft>
+              <a:buFont typeface="Arial" panose="020B0604020202020204" pitchFamily="34" charset="0"/>
+              <a:buChar char="•"/>
+            </a:pPr>
+            <a:r>
+              <a:rPr lang="en-US" sz="2400" dirty="0"/>
+              <a:t>Sugar Intake by Demographics</a:t>
+            </a:r>
+          </a:p>
+          <a:p>
+            <a:pPr marL="384048" lvl="2" indent="0">
+              <a:lnSpc>
+                <a:spcPct val="110000"/>
+              </a:lnSpc>
+              <a:spcBef>
+                <a:spcPts val="0"/>
+              </a:spcBef>
+              <a:spcAft>
+                <a:spcPts val="0"/>
+              </a:spcAft>
+              <a:buNone/>
+            </a:pPr>
+            <a:endParaRPr lang="en-US" sz="2400" dirty="0"/>
+          </a:p>
+          <a:p>
+            <a:pPr lvl="2">
+              <a:lnSpc>
+                <a:spcPct val="110000"/>
+              </a:lnSpc>
+              <a:spcBef>
+                <a:spcPts val="0"/>
+              </a:spcBef>
+              <a:spcAft>
+                <a:spcPts val="0"/>
+              </a:spcAft>
+              <a:buFont typeface="Arial" panose="020B0604020202020204" pitchFamily="34" charset="0"/>
+              <a:buChar char="•"/>
+            </a:pPr>
+            <a:r>
+              <a:rPr lang="en-US" sz="2400" dirty="0"/>
+              <a:t>Accessibility’s Impact on Sugar Intake</a:t>
+            </a:r>
+          </a:p>
+          <a:p>
+            <a:pPr marL="384048" lvl="2" indent="0">
+              <a:lnSpc>
+                <a:spcPct val="110000"/>
+              </a:lnSpc>
+              <a:spcBef>
+                <a:spcPts val="0"/>
+              </a:spcBef>
+              <a:spcAft>
+                <a:spcPts val="0"/>
+              </a:spcAft>
+              <a:buNone/>
+            </a:pPr>
+            <a:endParaRPr lang="en-US" sz="2400" dirty="0"/>
+          </a:p>
+          <a:p>
+            <a:pPr lvl="2">
+              <a:lnSpc>
+                <a:spcPct val="110000"/>
+              </a:lnSpc>
+              <a:spcBef>
+                <a:spcPts val="0"/>
+              </a:spcBef>
+              <a:spcAft>
+                <a:spcPts val="0"/>
+              </a:spcAft>
+              <a:buFont typeface="Arial" panose="020B0604020202020204" pitchFamily="34" charset="0"/>
+              <a:buChar char="•"/>
+            </a:pPr>
+            <a:r>
+              <a:rPr lang="en-US" sz="2400" dirty="0"/>
+              <a:t>Legislation Impact on Sugar Intake</a:t>
+            </a:r>
+          </a:p>
+        </p:txBody>
+      </p:sp>
+      <p:pic>
+        <p:nvPicPr>
+          <p:cNvPr id="5" name="Picture 4" descr="A picture containing text, clock, hand, gauge&#10;&#10;Description automatically generated">
+            <a:extLst>
+              <a:ext uri="{FF2B5EF4-FFF2-40B4-BE49-F238E27FC236}">
+                <a16:creationId xmlns:a16="http://schemas.microsoft.com/office/drawing/2014/main" id="{433DC625-9174-4629-B740-B9A47A8AA9B3}"/>
+              </a:ext>
+            </a:extLst>
+          </p:cNvPr>
+          <p:cNvPicPr>
+            <a:picLocks noChangeAspect="1"/>
+          </p:cNvPicPr>
+          <p:nvPr/>
+        </p:nvPicPr>
+        <p:blipFill>
+          <a:blip r:embed="rId3">
+            <a:extLst>
+              <a:ext uri="{28A0092B-C50C-407E-A947-70E740481C1C}">
+                <a14:useLocalDpi xmlns:a14="http://schemas.microsoft.com/office/drawing/2010/main" val="0"/>
+              </a:ext>
+            </a:extLst>
+          </a:blip>
+          <a:stretch>
+            <a:fillRect/>
+          </a:stretch>
+        </p:blipFill>
+        <p:spPr>
+          <a:xfrm>
+            <a:off x="0" y="15903"/>
+            <a:ext cx="4638907" cy="6362595"/>
+          </a:xfrm>
+          <a:prstGeom prst="rect">
+            <a:avLst/>
+          </a:prstGeom>
+        </p:spPr>
+      </p:pic>
+    </p:spTree>
+    <p:extLst>
+      <p:ext uri="{BB962C8B-B14F-4D97-AF65-F5344CB8AC3E}">
+        <p14:creationId xmlns:p14="http://schemas.microsoft.com/office/powerpoint/2010/main" val="439515679"/>
+      </p:ext>
+    </p:extLst>
+  </p:cSld>
+  <p:clrMapOvr>
+    <a:masterClrMapping/>
+  </p:clrMapOvr>
+</p:sld>
+</file>
+
+<file path=ppt/slides/slide21.xml><?xml version="1.0" encoding="utf-8"?>
 <p:sld xmlns:a="http://schemas.openxmlformats.org/drawingml/2006/main" xmlns:r="http://schemas.openxmlformats.org/officeDocument/2006/relationships" xmlns:p="http://schemas.openxmlformats.org/presentationml/2006/main">
   <p:cSld>
     <p:bg>
@@ -12941,7 +14274,7 @@
         </p:spPr>
         <p:txBody>
           <a:bodyPr>
-            <a:normAutofit fontScale="77500" lnSpcReduction="20000"/>
+            <a:normAutofit fontScale="70000" lnSpcReduction="20000"/>
           </a:bodyPr>
           <a:lstStyle/>
           <a:p>
@@ -12964,11 +14297,11 @@
                 <a:ea typeface="Calibri" panose="020F0502020204030204" pitchFamily="34" charset="0"/>
                 <a:cs typeface="Times New Roman" panose="02020603050405020304" pitchFamily="18" charset="0"/>
               </a:rPr>
-              <a:t>Requires team effort to brainstorm on where to get the data.</a:t>
-            </a:r>
-          </a:p>
-          <a:p>
-            <a:pPr marR="0" lvl="0">
+              <a:t>Requires team effort to brainstorm on where to get the data</a:t>
+            </a:r>
+          </a:p>
+          <a:p>
+            <a:pPr marL="0" indent="0">
               <a:lnSpc>
                 <a:spcPct val="110000"/>
               </a:lnSpc>
@@ -12978,8 +14311,7 @@
               <a:spcAft>
                 <a:spcPts val="0"/>
               </a:spcAft>
-              <a:buFont typeface="Arial" panose="020B0604020202020204" pitchFamily="34" charset="0"/>
-              <a:buChar char="•"/>
+              <a:buNone/>
             </a:pPr>
             <a:endParaRPr lang="en-US" sz="2200" dirty="0">
               <a:latin typeface="Calibri" panose="020F0502020204030204" pitchFamily="34" charset="0"/>
@@ -13003,33 +14335,12 @@
             </a:pPr>
             <a:r>
               <a:rPr lang="en-US" sz="2200" dirty="0">
-                <a:effectLst/>
                 <a:latin typeface="Calibri" panose="020F0502020204030204" pitchFamily="34" charset="0"/>
                 <a:ea typeface="Calibri" panose="020F0502020204030204" pitchFamily="34" charset="0"/>
                 <a:cs typeface="Times New Roman" panose="02020603050405020304" pitchFamily="18" charset="0"/>
               </a:rPr>
-              <a:t>May require paying money to access the optimal data source for analysis.</a:t>
-            </a:r>
-          </a:p>
-          <a:p>
-            <a:pPr>
-              <a:lnSpc>
-                <a:spcPct val="110000"/>
-              </a:lnSpc>
-              <a:spcBef>
-                <a:spcPts val="0"/>
-              </a:spcBef>
-              <a:spcAft>
-                <a:spcPts val="0"/>
-              </a:spcAft>
-              <a:buFont typeface="Arial" panose="020B0604020202020204" pitchFamily="34" charset="0"/>
-              <a:buChar char="•"/>
-            </a:pPr>
-            <a:endParaRPr lang="en-US" sz="2200" dirty="0">
-              <a:latin typeface="Calibri" panose="020F0502020204030204" pitchFamily="34" charset="0"/>
-              <a:ea typeface="Calibri" panose="020F0502020204030204" pitchFamily="34" charset="0"/>
-              <a:cs typeface="Times New Roman" panose="02020603050405020304" pitchFamily="18" charset="0"/>
-            </a:endParaRPr>
+              <a:t>Time consuming to research the right data for our analysis</a:t>
+            </a:r>
           </a:p>
           <a:p>
             <a:pPr lvl="1">
@@ -13045,17 +14356,14 @@
               <a:buFont typeface="Arial" panose="020B0604020202020204" pitchFamily="34" charset="0"/>
               <a:buChar char="•"/>
             </a:pPr>
-            <a:r>
-              <a:rPr lang="en-US" sz="2200" dirty="0">
-                <a:latin typeface="Calibri" panose="020F0502020204030204" pitchFamily="34" charset="0"/>
-                <a:ea typeface="Calibri" panose="020F0502020204030204" pitchFamily="34" charset="0"/>
-                <a:cs typeface="Times New Roman" panose="02020603050405020304" pitchFamily="18" charset="0"/>
-              </a:rPr>
-              <a:t>Time consuming to research the right data for our analysis.</a:t>
-            </a:r>
-          </a:p>
-          <a:p>
-            <a:pPr marR="0" lvl="0">
+            <a:endParaRPr lang="en-US" sz="2200" dirty="0">
+              <a:latin typeface="Calibri" panose="020F0502020204030204" pitchFamily="34" charset="0"/>
+              <a:ea typeface="Calibri" panose="020F0502020204030204" pitchFamily="34" charset="0"/>
+              <a:cs typeface="Times New Roman" panose="02020603050405020304" pitchFamily="18" charset="0"/>
+            </a:endParaRPr>
+          </a:p>
+          <a:p>
+            <a:pPr lvl="1">
               <a:lnSpc>
                 <a:spcPct val="110000"/>
               </a:lnSpc>
@@ -13067,6 +14375,28 @@
               </a:spcAft>
               <a:buFont typeface="Arial" panose="020B0604020202020204" pitchFamily="34" charset="0"/>
               <a:buChar char="•"/>
+            </a:pPr>
+            <a:r>
+              <a:rPr lang="en-US" sz="2200" dirty="0">
+                <a:latin typeface="Calibri" panose="020F0502020204030204" pitchFamily="34" charset="0"/>
+                <a:ea typeface="Calibri" panose="020F0502020204030204" pitchFamily="34" charset="0"/>
+                <a:cs typeface="Times New Roman" panose="02020603050405020304" pitchFamily="18" charset="0"/>
+              </a:rPr>
+              <a:t>Not all information for a specific country may not be available as some of the countries were not independent until 1990-1993</a:t>
+            </a:r>
+          </a:p>
+          <a:p>
+            <a:pPr marL="0" marR="0" lvl="0" indent="0">
+              <a:lnSpc>
+                <a:spcPct val="110000"/>
+              </a:lnSpc>
+              <a:spcBef>
+                <a:spcPts val="0"/>
+              </a:spcBef>
+              <a:spcAft>
+                <a:spcPts val="0"/>
+              </a:spcAft>
+              <a:buNone/>
             </a:pPr>
             <a:endParaRPr lang="en-CA" sz="2200" dirty="0">
               <a:effectLst/>
@@ -13096,7 +14426,7 @@
                 <a:ea typeface="Calibri" panose="020F0502020204030204" pitchFamily="34" charset="0"/>
                 <a:cs typeface="Times New Roman" panose="02020603050405020304" pitchFamily="18" charset="0"/>
               </a:rPr>
-              <a:t>Datasets are not formatted perfectly to answer our questions.</a:t>
+              <a:t>Formats of the Datasets</a:t>
             </a:r>
           </a:p>
           <a:p>
@@ -13119,7 +14449,7 @@
                 <a:ea typeface="Calibri" panose="020F0502020204030204" pitchFamily="34" charset="0"/>
                 <a:cs typeface="Times New Roman" panose="02020603050405020304" pitchFamily="18" charset="0"/>
               </a:rPr>
-              <a:t>Requires reformatting CSV files in proper rows and columns.</a:t>
+              <a:t>Requires reformatting CSV files in proper rows and columns</a:t>
             </a:r>
           </a:p>
           <a:p>
@@ -13142,23 +14472,7 @@
                 <a:ea typeface="Calibri" panose="020F0502020204030204" pitchFamily="34" charset="0"/>
                 <a:cs typeface="Times New Roman" panose="02020603050405020304" pitchFamily="18" charset="0"/>
               </a:rPr>
-              <a:t>Merging </a:t>
-            </a:r>
-            <a:r>
-              <a:rPr lang="en-CA" sz="2100" dirty="0" err="1">
-                <a:latin typeface="Calibri" panose="020F0502020204030204" pitchFamily="34" charset="0"/>
-                <a:ea typeface="Calibri" panose="020F0502020204030204" pitchFamily="34" charset="0"/>
-                <a:cs typeface="Times New Roman" panose="02020603050405020304" pitchFamily="18" charset="0"/>
-              </a:rPr>
-              <a:t>dataframes</a:t>
-            </a:r>
-            <a:r>
-              <a:rPr lang="en-CA" sz="2100" dirty="0">
-                <a:latin typeface="Calibri" panose="020F0502020204030204" pitchFamily="34" charset="0"/>
-                <a:ea typeface="Calibri" panose="020F0502020204030204" pitchFamily="34" charset="0"/>
-                <a:cs typeface="Times New Roman" panose="02020603050405020304" pitchFamily="18" charset="0"/>
-              </a:rPr>
-              <a:t> to determine trends and correlation.</a:t>
+              <a:t>Merging data frames to determine trends and correlation</a:t>
             </a:r>
           </a:p>
           <a:p>
@@ -13175,21 +14489,97 @@
               <a:buFont typeface="Wingdings" panose="05000000000000000000" pitchFamily="2" charset="2"/>
               <a:buChar char="Ø"/>
             </a:pPr>
+            <a:endParaRPr lang="en-CA" sz="2100" dirty="0">
+              <a:latin typeface="Calibri" panose="020F0502020204030204" pitchFamily="34" charset="0"/>
+              <a:ea typeface="Calibri" panose="020F0502020204030204" pitchFamily="34" charset="0"/>
+              <a:cs typeface="Times New Roman" panose="02020603050405020304" pitchFamily="18" charset="0"/>
+            </a:endParaRPr>
+          </a:p>
+          <a:p>
+            <a:pPr lvl="1">
+              <a:lnSpc>
+                <a:spcPct val="110000"/>
+              </a:lnSpc>
+              <a:spcBef>
+                <a:spcPts val="0"/>
+              </a:spcBef>
+              <a:spcAft>
+                <a:spcPts val="800"/>
+              </a:spcAft>
+              <a:buFont typeface="Arial" panose="020B0604020202020204" pitchFamily="34" charset="0"/>
+              <a:buChar char="•"/>
+            </a:pPr>
+            <a:r>
+              <a:rPr lang="en-CA" sz="2100" dirty="0">
+                <a:latin typeface="Calibri" panose="020F0502020204030204" pitchFamily="34" charset="0"/>
+                <a:ea typeface="Calibri" panose="020F0502020204030204" pitchFamily="34" charset="0"/>
+                <a:cs typeface="Times New Roman" panose="02020603050405020304" pitchFamily="18" charset="0"/>
+              </a:rPr>
+              <a:t>Complexity of API</a:t>
+            </a:r>
+          </a:p>
+          <a:p>
+            <a:pPr marL="635508" lvl="1" indent="-342900">
+              <a:lnSpc>
+                <a:spcPct val="110000"/>
+              </a:lnSpc>
+              <a:spcBef>
+                <a:spcPts val="0"/>
+              </a:spcBef>
+              <a:spcAft>
+                <a:spcPts val="800"/>
+              </a:spcAft>
+              <a:buFont typeface="Wingdings" panose="05000000000000000000" pitchFamily="2" charset="2"/>
+              <a:buChar char="Ø"/>
+            </a:pPr>
             <a:r>
               <a:rPr lang="en-US" sz="2100" dirty="0">
                 <a:latin typeface="Calibri" panose="020F0502020204030204" pitchFamily="34" charset="0"/>
                 <a:cs typeface="Times New Roman" panose="02020603050405020304" pitchFamily="18" charset="0"/>
               </a:rPr>
-              <a:t>Not all information for a specific country may not be available as some of the countries were not independent until 1990-1993.</a:t>
-            </a:r>
-            <a:endParaRPr lang="en-CA" sz="2100" dirty="0">
+              <a:t>Data was hard to retrieve as the sugar content was deeply embedded</a:t>
+            </a:r>
+          </a:p>
+          <a:p>
+            <a:pPr marL="635508" lvl="1" indent="-342900">
+              <a:lnSpc>
+                <a:spcPct val="110000"/>
+              </a:lnSpc>
+              <a:spcBef>
+                <a:spcPts val="0"/>
+              </a:spcBef>
+              <a:spcAft>
+                <a:spcPts val="800"/>
+              </a:spcAft>
+              <a:buFont typeface="Wingdings" panose="05000000000000000000" pitchFamily="2" charset="2"/>
+              <a:buChar char="Ø"/>
+            </a:pPr>
+            <a:r>
+              <a:rPr lang="en-CA" sz="2100" dirty="0">
+                <a:latin typeface="Calibri" panose="020F0502020204030204" pitchFamily="34" charset="0"/>
+                <a:ea typeface="Calibri" panose="020F0502020204030204" pitchFamily="34" charset="0"/>
+                <a:cs typeface="Times New Roman" panose="02020603050405020304" pitchFamily="18" charset="0"/>
+              </a:rPr>
+              <a:t>Converting data types to conduct analysis</a:t>
+            </a:r>
+            <a:endParaRPr lang="en-US" sz="2100" dirty="0">
               <a:latin typeface="Calibri" panose="020F0502020204030204" pitchFamily="34" charset="0"/>
               <a:cs typeface="Times New Roman" panose="02020603050405020304" pitchFamily="18" charset="0"/>
             </a:endParaRPr>
           </a:p>
           <a:p>
-            <a:pPr marL="0" indent="0">
-              <a:buNone/>
+            <a:pPr marL="635508" lvl="1" indent="-342900">
+              <a:lnSpc>
+                <a:spcPct val="110000"/>
+              </a:lnSpc>
+              <a:spcBef>
+                <a:spcPts val="0"/>
+              </a:spcBef>
+              <a:spcAft>
+                <a:spcPts val="800"/>
+              </a:spcAft>
+              <a:buFont typeface="Wingdings" panose="05000000000000000000" pitchFamily="2" charset="2"/>
+              <a:buChar char="Ø"/>
             </a:pPr>
             <a:endParaRPr lang="en-CA" dirty="0"/>
           </a:p>

--- a/Effects of Sugar Consumption.pptx
+++ b/Effects of Sugar Consumption.pptx
@@ -550,7 +550,7 @@
           <a:p>
             <a:fld id="{EE596BCB-CEC5-4086-BD46-775CD732B91C}" type="slidenum">
               <a:rPr lang="en-CA" smtClean="0"/>
-              <a:t>2</a:t>
+              <a:t>1</a:t>
             </a:fld>
             <a:endParaRPr lang="en-CA"/>
           </a:p>
@@ -559,7 +559,7 @@
     </p:spTree>
     <p:extLst>
       <p:ext uri="{BB962C8B-B14F-4D97-AF65-F5344CB8AC3E}">
-        <p14:creationId xmlns:p14="http://schemas.microsoft.com/office/powerpoint/2010/main" val="1070892581"/>
+        <p14:creationId xmlns:p14="http://schemas.microsoft.com/office/powerpoint/2010/main" val="1628282961"/>
       </p:ext>
     </p:extLst>
   </p:cSld>
@@ -613,16 +613,6 @@
           <a:bodyPr/>
           <a:lstStyle/>
           <a:p>
-            <a:r>
-              <a:rPr lang="en-US" dirty="0"/>
-              <a:t>AMARIS TO INPUT HER GRAPH </a:t>
-            </a:r>
-            <a:r>
-              <a:rPr lang="en-US" dirty="0">
-                <a:sym typeface="Wingdings" panose="05000000000000000000" pitchFamily="2" charset="2"/>
-              </a:rPr>
-              <a:t> WILL FIX TONIGHT</a:t>
-            </a:r>
             <a:endParaRPr lang="en-CA" dirty="0"/>
           </a:p>
         </p:txBody>
@@ -644,7 +634,7 @@
           <a:p>
             <a:fld id="{EE596BCB-CEC5-4086-BD46-775CD732B91C}" type="slidenum">
               <a:rPr lang="en-CA" smtClean="0"/>
-              <a:t>14</a:t>
+              <a:t>13</a:t>
             </a:fld>
             <a:endParaRPr lang="en-CA"/>
           </a:p>
@@ -653,7 +643,7 @@
     </p:spTree>
     <p:extLst>
       <p:ext uri="{BB962C8B-B14F-4D97-AF65-F5344CB8AC3E}">
-        <p14:creationId xmlns:p14="http://schemas.microsoft.com/office/powerpoint/2010/main" val="4097402806"/>
+        <p14:creationId xmlns:p14="http://schemas.microsoft.com/office/powerpoint/2010/main" val="3669905146"/>
       </p:ext>
     </p:extLst>
   </p:cSld>
@@ -707,6 +697,16 @@
           <a:bodyPr/>
           <a:lstStyle/>
           <a:p>
+            <a:r>
+              <a:rPr lang="en-US" dirty="0"/>
+              <a:t>AMARIS TO INPUT HER GRAPH </a:t>
+            </a:r>
+            <a:r>
+              <a:rPr lang="en-US" dirty="0">
+                <a:sym typeface="Wingdings" panose="05000000000000000000" pitchFamily="2" charset="2"/>
+              </a:rPr>
+              <a:t> WILL FIX TONIGHT</a:t>
+            </a:r>
             <a:endParaRPr lang="en-CA" dirty="0"/>
           </a:p>
         </p:txBody>
@@ -728,7 +728,7 @@
           <a:p>
             <a:fld id="{EE596BCB-CEC5-4086-BD46-775CD732B91C}" type="slidenum">
               <a:rPr lang="en-CA" smtClean="0"/>
-              <a:t>15</a:t>
+              <a:t>14</a:t>
             </a:fld>
             <a:endParaRPr lang="en-CA"/>
           </a:p>
@@ -737,7 +737,7 @@
     </p:spTree>
     <p:extLst>
       <p:ext uri="{BB962C8B-B14F-4D97-AF65-F5344CB8AC3E}">
-        <p14:creationId xmlns:p14="http://schemas.microsoft.com/office/powerpoint/2010/main" val="1661738706"/>
+        <p14:creationId xmlns:p14="http://schemas.microsoft.com/office/powerpoint/2010/main" val="4097402806"/>
       </p:ext>
     </p:extLst>
   </p:cSld>
@@ -791,10 +791,6 @@
           <a:bodyPr/>
           <a:lstStyle/>
           <a:p>
-            <a:r>
-              <a:rPr lang="en-US" dirty="0"/>
-              <a:t>Screen shot the linear regression results</a:t>
-            </a:r>
             <a:endParaRPr lang="en-CA" dirty="0"/>
           </a:p>
         </p:txBody>
@@ -816,7 +812,7 @@
           <a:p>
             <a:fld id="{EE596BCB-CEC5-4086-BD46-775CD732B91C}" type="slidenum">
               <a:rPr lang="en-CA" smtClean="0"/>
-              <a:t>16</a:t>
+              <a:t>15</a:t>
             </a:fld>
             <a:endParaRPr lang="en-CA"/>
           </a:p>
@@ -825,7 +821,7 @@
     </p:spTree>
     <p:extLst>
       <p:ext uri="{BB962C8B-B14F-4D97-AF65-F5344CB8AC3E}">
-        <p14:creationId xmlns:p14="http://schemas.microsoft.com/office/powerpoint/2010/main" val="1362587745"/>
+        <p14:creationId xmlns:p14="http://schemas.microsoft.com/office/powerpoint/2010/main" val="1661738706"/>
       </p:ext>
     </p:extLst>
   </p:cSld>
@@ -881,7 +877,7 @@
           <a:p>
             <a:r>
               <a:rPr lang="en-US" dirty="0"/>
-              <a:t>Soda size = 1 can </a:t>
+              <a:t>Screen shot the linear regression results</a:t>
             </a:r>
             <a:endParaRPr lang="en-CA" dirty="0"/>
           </a:p>
@@ -904,7 +900,7 @@
           <a:p>
             <a:fld id="{EE596BCB-CEC5-4086-BD46-775CD732B91C}" type="slidenum">
               <a:rPr lang="en-CA" smtClean="0"/>
-              <a:t>17</a:t>
+              <a:t>16</a:t>
             </a:fld>
             <a:endParaRPr lang="en-CA"/>
           </a:p>
@@ -913,7 +909,7 @@
     </p:spTree>
     <p:extLst>
       <p:ext uri="{BB962C8B-B14F-4D97-AF65-F5344CB8AC3E}">
-        <p14:creationId xmlns:p14="http://schemas.microsoft.com/office/powerpoint/2010/main" val="4044454483"/>
+        <p14:creationId xmlns:p14="http://schemas.microsoft.com/office/powerpoint/2010/main" val="1362587745"/>
       </p:ext>
     </p:extLst>
   </p:cSld>
@@ -967,23 +963,10 @@
           <a:bodyPr/>
           <a:lstStyle/>
           <a:p>
-            <a:pPr marL="0" marR="0" lvl="0" indent="0" algn="l" defTabSz="914400" rtl="0" eaLnBrk="1" fontAlgn="auto" latinLnBrk="0" hangingPunct="1">
-              <a:lnSpc>
-                <a:spcPct val="100000"/>
-              </a:lnSpc>
-              <a:spcBef>
-                <a:spcPts val="0"/>
-              </a:spcBef>
-              <a:spcAft>
-                <a:spcPts val="0"/>
-              </a:spcAft>
-              <a:buClrTx/>
-              <a:buSzTx/>
-              <a:buFontTx/>
-              <a:buNone/>
-              <a:tabLst/>
-              <a:defRPr/>
-            </a:pPr>
+            <a:r>
+              <a:rPr lang="en-US" dirty="0"/>
+              <a:t>Soda size = 1 can </a:t>
+            </a:r>
             <a:endParaRPr lang="en-CA" dirty="0"/>
           </a:p>
         </p:txBody>
@@ -1005,7 +988,7 @@
           <a:p>
             <a:fld id="{EE596BCB-CEC5-4086-BD46-775CD732B91C}" type="slidenum">
               <a:rPr lang="en-CA" smtClean="0"/>
-              <a:t>18</a:t>
+              <a:t>17</a:t>
             </a:fld>
             <a:endParaRPr lang="en-CA"/>
           </a:p>
@@ -1014,7 +997,7 @@
     </p:spTree>
     <p:extLst>
       <p:ext uri="{BB962C8B-B14F-4D97-AF65-F5344CB8AC3E}">
-        <p14:creationId xmlns:p14="http://schemas.microsoft.com/office/powerpoint/2010/main" val="267783443"/>
+        <p14:creationId xmlns:p14="http://schemas.microsoft.com/office/powerpoint/2010/main" val="4044454483"/>
       </p:ext>
     </p:extLst>
   </p:cSld>
@@ -1085,47 +1068,6 @@
               <a:tabLst/>
               <a:defRPr/>
             </a:pPr>
-            <a:r>
-              <a:rPr lang="en-US" dirty="0"/>
-              <a:t>Difficulties – API </a:t>
-            </a:r>
-            <a:r>
-              <a:rPr lang="en-US" dirty="0">
-                <a:sym typeface="Wingdings" panose="05000000000000000000" pitchFamily="2" charset="2"/>
-              </a:rPr>
-              <a:t> Kapil to fill in </a:t>
-            </a:r>
-          </a:p>
-          <a:p>
-            <a:pPr marL="0" marR="0" lvl="0" indent="0" algn="l" defTabSz="914400" rtl="0" eaLnBrk="1" fontAlgn="auto" latinLnBrk="0" hangingPunct="1">
-              <a:lnSpc>
-                <a:spcPct val="100000"/>
-              </a:lnSpc>
-              <a:spcBef>
-                <a:spcPts val="0"/>
-              </a:spcBef>
-              <a:spcAft>
-                <a:spcPts val="0"/>
-              </a:spcAft>
-              <a:buClrTx/>
-              <a:buSzTx/>
-              <a:buFontTx/>
-              <a:buNone/>
-              <a:tabLst/>
-              <a:defRPr/>
-            </a:pPr>
-            <a:r>
-              <a:rPr lang="en-US" dirty="0">
-                <a:sym typeface="Wingdings" panose="05000000000000000000" pitchFamily="2" charset="2"/>
-              </a:rPr>
-              <a:t>Questions – How it has impacts on other disease, how it relates to age, does having a healthy </a:t>
-            </a:r>
-            <a:r>
-              <a:rPr lang="en-US">
-                <a:sym typeface="Wingdings" panose="05000000000000000000" pitchFamily="2" charset="2"/>
-              </a:rPr>
-              <a:t>lifestyle affect it?</a:t>
-            </a:r>
             <a:endParaRPr lang="en-CA" dirty="0"/>
           </a:p>
         </p:txBody>
@@ -1147,7 +1089,7 @@
           <a:p>
             <a:fld id="{EE596BCB-CEC5-4086-BD46-775CD732B91C}" type="slidenum">
               <a:rPr lang="en-CA" smtClean="0"/>
-              <a:t>19</a:t>
+              <a:t>18</a:t>
             </a:fld>
             <a:endParaRPr lang="en-CA"/>
           </a:p>
@@ -1156,7 +1098,7 @@
     </p:spTree>
     <p:extLst>
       <p:ext uri="{BB962C8B-B14F-4D97-AF65-F5344CB8AC3E}">
-        <p14:creationId xmlns:p14="http://schemas.microsoft.com/office/powerpoint/2010/main" val="1746527081"/>
+        <p14:creationId xmlns:p14="http://schemas.microsoft.com/office/powerpoint/2010/main" val="267783443"/>
       </p:ext>
     </p:extLst>
   </p:cSld>
@@ -1260,6 +1202,148 @@
               <a:rPr lang="en-US" dirty="0">
                 <a:sym typeface="Wingdings" panose="05000000000000000000" pitchFamily="2" charset="2"/>
               </a:rPr>
+              <a:t>Questions – How it has impacts on other disease, how it relates to age, does having a healthy </a:t>
+            </a:r>
+            <a:r>
+              <a:rPr lang="en-US">
+                <a:sym typeface="Wingdings" panose="05000000000000000000" pitchFamily="2" charset="2"/>
+              </a:rPr>
+              <a:t>lifestyle affect it?</a:t>
+            </a:r>
+            <a:endParaRPr lang="en-CA" dirty="0"/>
+          </a:p>
+        </p:txBody>
+      </p:sp>
+      <p:sp>
+        <p:nvSpPr>
+          <p:cNvPr id="4" name="Slide Number Placeholder 3"/>
+          <p:cNvSpPr>
+            <a:spLocks noGrp="1"/>
+          </p:cNvSpPr>
+          <p:nvPr>
+            <p:ph type="sldNum" sz="quarter" idx="5"/>
+          </p:nvPr>
+        </p:nvSpPr>
+        <p:spPr/>
+        <p:txBody>
+          <a:bodyPr/>
+          <a:lstStyle/>
+          <a:p>
+            <a:fld id="{EE596BCB-CEC5-4086-BD46-775CD732B91C}" type="slidenum">
+              <a:rPr lang="en-CA" smtClean="0"/>
+              <a:t>19</a:t>
+            </a:fld>
+            <a:endParaRPr lang="en-CA"/>
+          </a:p>
+        </p:txBody>
+      </p:sp>
+    </p:spTree>
+    <p:extLst>
+      <p:ext uri="{BB962C8B-B14F-4D97-AF65-F5344CB8AC3E}">
+        <p14:creationId xmlns:p14="http://schemas.microsoft.com/office/powerpoint/2010/main" val="1746527081"/>
+      </p:ext>
+    </p:extLst>
+  </p:cSld>
+  <p:clrMapOvr>
+    <a:masterClrMapping/>
+  </p:clrMapOvr>
+</p:notes>
+</file>
+
+<file path=ppt/notesSlides/notesSlide17.xml><?xml version="1.0" encoding="utf-8"?>
+<p:notes xmlns:a="http://schemas.openxmlformats.org/drawingml/2006/main" xmlns:r="http://schemas.openxmlformats.org/officeDocument/2006/relationships" xmlns:p="http://schemas.openxmlformats.org/presentationml/2006/main">
+  <p:cSld>
+    <p:spTree>
+      <p:nvGrpSpPr>
+        <p:cNvPr id="1" name=""/>
+        <p:cNvGrpSpPr/>
+        <p:nvPr/>
+      </p:nvGrpSpPr>
+      <p:grpSpPr>
+        <a:xfrm>
+          <a:off x="0" y="0"/>
+          <a:ext cx="0" cy="0"/>
+          <a:chOff x="0" y="0"/>
+          <a:chExt cx="0" cy="0"/>
+        </a:xfrm>
+      </p:grpSpPr>
+      <p:sp>
+        <p:nvSpPr>
+          <p:cNvPr id="2" name="Slide Image Placeholder 1"/>
+          <p:cNvSpPr>
+            <a:spLocks noGrp="1" noRot="1" noChangeAspect="1"/>
+          </p:cNvSpPr>
+          <p:nvPr>
+            <p:ph type="sldImg"/>
+          </p:nvPr>
+        </p:nvSpPr>
+        <p:spPr/>
+      </p:sp>
+      <p:sp>
+        <p:nvSpPr>
+          <p:cNvPr id="3" name="Notes Placeholder 2"/>
+          <p:cNvSpPr>
+            <a:spLocks noGrp="1"/>
+          </p:cNvSpPr>
+          <p:nvPr>
+            <p:ph type="body" idx="1"/>
+          </p:nvPr>
+        </p:nvSpPr>
+        <p:spPr/>
+        <p:txBody>
+          <a:bodyPr/>
+          <a:lstStyle/>
+          <a:p>
+            <a:pPr marL="0" marR="0" lvl="0" indent="0" algn="l" defTabSz="914400" rtl="0" eaLnBrk="1" fontAlgn="auto" latinLnBrk="0" hangingPunct="1">
+              <a:lnSpc>
+                <a:spcPct val="100000"/>
+              </a:lnSpc>
+              <a:spcBef>
+                <a:spcPts val="0"/>
+              </a:spcBef>
+              <a:spcAft>
+                <a:spcPts val="0"/>
+              </a:spcAft>
+              <a:buClrTx/>
+              <a:buSzTx/>
+              <a:buFontTx/>
+              <a:buNone/>
+              <a:tabLst/>
+              <a:defRPr/>
+            </a:pPr>
+            <a:r>
+              <a:rPr lang="en-US" dirty="0"/>
+              <a:t>Difficulties – API </a:t>
+            </a:r>
+            <a:r>
+              <a:rPr lang="en-US" dirty="0">
+                <a:sym typeface="Wingdings" panose="05000000000000000000" pitchFamily="2" charset="2"/>
+              </a:rPr>
+              <a:t> Kapil to fill in </a:t>
+            </a:r>
+          </a:p>
+          <a:p>
+            <a:pPr marL="0" marR="0" lvl="0" indent="0" algn="l" defTabSz="914400" rtl="0" eaLnBrk="1" fontAlgn="auto" latinLnBrk="0" hangingPunct="1">
+              <a:lnSpc>
+                <a:spcPct val="100000"/>
+              </a:lnSpc>
+              <a:spcBef>
+                <a:spcPts val="0"/>
+              </a:spcBef>
+              <a:spcAft>
+                <a:spcPts val="0"/>
+              </a:spcAft>
+              <a:buClrTx/>
+              <a:buSzTx/>
+              <a:buFontTx/>
+              <a:buNone/>
+              <a:tabLst/>
+              <a:defRPr/>
+            </a:pPr>
+            <a:r>
+              <a:rPr lang="en-US" dirty="0">
+                <a:sym typeface="Wingdings" panose="05000000000000000000" pitchFamily="2" charset="2"/>
+              </a:rPr>
               <a:t>Questions – How it has impacts on other disease, how it relates to age, does having a healthy lifestyle affect it?</a:t>
             </a:r>
             <a:endParaRPr lang="en-CA" dirty="0"/>
@@ -1302,7 +1386,7 @@
 </p:notes>
 </file>
 
-<file path=ppt/notesSlides/notesSlide17.xml><?xml version="1.0" encoding="utf-8"?>
+<file path=ppt/notesSlides/notesSlide18.xml><?xml version="1.0" encoding="utf-8"?>
 <p:notes xmlns:a="http://schemas.openxmlformats.org/drawingml/2006/main" xmlns:r="http://schemas.openxmlformats.org/officeDocument/2006/relationships" xmlns:p="http://schemas.openxmlformats.org/presentationml/2006/main">
   <p:cSld>
     <p:spTree>
@@ -1451,7 +1535,7 @@
           <a:p>
             <a:fld id="{EE596BCB-CEC5-4086-BD46-775CD732B91C}" type="slidenum">
               <a:rPr lang="en-CA" smtClean="0"/>
-              <a:t>3</a:t>
+              <a:t>2</a:t>
             </a:fld>
             <a:endParaRPr lang="en-CA"/>
           </a:p>
@@ -1460,7 +1544,7 @@
     </p:spTree>
     <p:extLst>
       <p:ext uri="{BB962C8B-B14F-4D97-AF65-F5344CB8AC3E}">
-        <p14:creationId xmlns:p14="http://schemas.microsoft.com/office/powerpoint/2010/main" val="651773311"/>
+        <p14:creationId xmlns:p14="http://schemas.microsoft.com/office/powerpoint/2010/main" val="1070892581"/>
       </p:ext>
     </p:extLst>
   </p:cSld>
@@ -1514,23 +1598,6 @@
           <a:bodyPr/>
           <a:lstStyle/>
           <a:p>
-            <a:pPr marL="0" marR="0" lvl="0" indent="0" algn="l" defTabSz="914400" rtl="0" eaLnBrk="1" fontAlgn="auto" latinLnBrk="0" hangingPunct="1">
-              <a:lnSpc>
-                <a:spcPct val="100000"/>
-              </a:lnSpc>
-              <a:spcBef>
-                <a:spcPts val="0"/>
-              </a:spcBef>
-              <a:spcAft>
-                <a:spcPts val="0"/>
-              </a:spcAft>
-              <a:buClrTx/>
-              <a:buSzTx/>
-              <a:buFontTx/>
-              <a:buNone/>
-              <a:tabLst/>
-              <a:defRPr/>
-            </a:pPr>
             <a:endParaRPr lang="en-CA" dirty="0"/>
           </a:p>
         </p:txBody>
@@ -1552,7 +1619,7 @@
           <a:p>
             <a:fld id="{EE596BCB-CEC5-4086-BD46-775CD732B91C}" type="slidenum">
               <a:rPr lang="en-CA" smtClean="0"/>
-              <a:t>5</a:t>
+              <a:t>3</a:t>
             </a:fld>
             <a:endParaRPr lang="en-CA"/>
           </a:p>
@@ -1561,7 +1628,7 @@
     </p:spTree>
     <p:extLst>
       <p:ext uri="{BB962C8B-B14F-4D97-AF65-F5344CB8AC3E}">
-        <p14:creationId xmlns:p14="http://schemas.microsoft.com/office/powerpoint/2010/main" val="3382267332"/>
+        <p14:creationId xmlns:p14="http://schemas.microsoft.com/office/powerpoint/2010/main" val="651773311"/>
       </p:ext>
     </p:extLst>
   </p:cSld>
@@ -1653,7 +1720,7 @@
           <a:p>
             <a:fld id="{EE596BCB-CEC5-4086-BD46-775CD732B91C}" type="slidenum">
               <a:rPr lang="en-CA" smtClean="0"/>
-              <a:t>6</a:t>
+              <a:t>5</a:t>
             </a:fld>
             <a:endParaRPr lang="en-CA"/>
           </a:p>
@@ -1662,7 +1729,7 @@
     </p:spTree>
     <p:extLst>
       <p:ext uri="{BB962C8B-B14F-4D97-AF65-F5344CB8AC3E}">
-        <p14:creationId xmlns:p14="http://schemas.microsoft.com/office/powerpoint/2010/main" val="883847774"/>
+        <p14:creationId xmlns:p14="http://schemas.microsoft.com/office/powerpoint/2010/main" val="3382267332"/>
       </p:ext>
     </p:extLst>
   </p:cSld>
@@ -1733,10 +1800,6 @@
               <a:tabLst/>
               <a:defRPr/>
             </a:pPr>
-            <a:r>
-              <a:rPr lang="en-US" dirty="0"/>
-              <a:t>FIND ANOTHER PICTURE</a:t>
-            </a:r>
             <a:endParaRPr lang="en-CA" dirty="0"/>
           </a:p>
         </p:txBody>
@@ -1758,7 +1821,7 @@
           <a:p>
             <a:fld id="{EE596BCB-CEC5-4086-BD46-775CD732B91C}" type="slidenum">
               <a:rPr lang="en-CA" smtClean="0"/>
-              <a:t>7</a:t>
+              <a:t>6</a:t>
             </a:fld>
             <a:endParaRPr lang="en-CA"/>
           </a:p>
@@ -1767,7 +1830,7 @@
     </p:spTree>
     <p:extLst>
       <p:ext uri="{BB962C8B-B14F-4D97-AF65-F5344CB8AC3E}">
-        <p14:creationId xmlns:p14="http://schemas.microsoft.com/office/powerpoint/2010/main" val="1430912617"/>
+        <p14:creationId xmlns:p14="http://schemas.microsoft.com/office/powerpoint/2010/main" val="883847774"/>
       </p:ext>
     </p:extLst>
   </p:cSld>
@@ -1838,6 +1901,10 @@
               <a:tabLst/>
               <a:defRPr/>
             </a:pPr>
+            <a:r>
+              <a:rPr lang="en-US" dirty="0"/>
+              <a:t>FIND ANOTHER PICTURE</a:t>
+            </a:r>
             <a:endParaRPr lang="en-CA" dirty="0"/>
           </a:p>
         </p:txBody>
@@ -1859,7 +1926,7 @@
           <a:p>
             <a:fld id="{EE596BCB-CEC5-4086-BD46-775CD732B91C}" type="slidenum">
               <a:rPr lang="en-CA" smtClean="0"/>
-              <a:t>8</a:t>
+              <a:t>7</a:t>
             </a:fld>
             <a:endParaRPr lang="en-CA"/>
           </a:p>
@@ -1868,7 +1935,7 @@
     </p:spTree>
     <p:extLst>
       <p:ext uri="{BB962C8B-B14F-4D97-AF65-F5344CB8AC3E}">
-        <p14:creationId xmlns:p14="http://schemas.microsoft.com/office/powerpoint/2010/main" val="1693989859"/>
+        <p14:creationId xmlns:p14="http://schemas.microsoft.com/office/powerpoint/2010/main" val="1430912617"/>
       </p:ext>
     </p:extLst>
   </p:cSld>
@@ -1960,7 +2027,7 @@
           <a:p>
             <a:fld id="{EE596BCB-CEC5-4086-BD46-775CD732B91C}" type="slidenum">
               <a:rPr lang="en-CA" smtClean="0"/>
-              <a:t>9</a:t>
+              <a:t>8</a:t>
             </a:fld>
             <a:endParaRPr lang="en-CA"/>
           </a:p>
@@ -1969,7 +2036,7 @@
     </p:spTree>
     <p:extLst>
       <p:ext uri="{BB962C8B-B14F-4D97-AF65-F5344CB8AC3E}">
-        <p14:creationId xmlns:p14="http://schemas.microsoft.com/office/powerpoint/2010/main" val="1718359506"/>
+        <p14:creationId xmlns:p14="http://schemas.microsoft.com/office/powerpoint/2010/main" val="1693989859"/>
       </p:ext>
     </p:extLst>
   </p:cSld>
@@ -2023,6 +2090,23 @@
           <a:bodyPr/>
           <a:lstStyle/>
           <a:p>
+            <a:pPr marL="0" marR="0" lvl="0" indent="0" algn="l" defTabSz="914400" rtl="0" eaLnBrk="1" fontAlgn="auto" latinLnBrk="0" hangingPunct="1">
+              <a:lnSpc>
+                <a:spcPct val="100000"/>
+              </a:lnSpc>
+              <a:spcBef>
+                <a:spcPts val="0"/>
+              </a:spcBef>
+              <a:spcAft>
+                <a:spcPts val="0"/>
+              </a:spcAft>
+              <a:buClrTx/>
+              <a:buSzTx/>
+              <a:buFontTx/>
+              <a:buNone/>
+              <a:tabLst/>
+              <a:defRPr/>
+            </a:pPr>
             <a:endParaRPr lang="en-CA" dirty="0"/>
           </a:p>
         </p:txBody>
@@ -2044,7 +2128,7 @@
           <a:p>
             <a:fld id="{EE596BCB-CEC5-4086-BD46-775CD732B91C}" type="slidenum">
               <a:rPr lang="en-CA" smtClean="0"/>
-              <a:t>12</a:t>
+              <a:t>9</a:t>
             </a:fld>
             <a:endParaRPr lang="en-CA"/>
           </a:p>
@@ -2053,7 +2137,7 @@
     </p:spTree>
     <p:extLst>
       <p:ext uri="{BB962C8B-B14F-4D97-AF65-F5344CB8AC3E}">
-        <p14:creationId xmlns:p14="http://schemas.microsoft.com/office/powerpoint/2010/main" val="2658120533"/>
+        <p14:creationId xmlns:p14="http://schemas.microsoft.com/office/powerpoint/2010/main" val="1718359506"/>
       </p:ext>
     </p:extLst>
   </p:cSld>
@@ -2128,7 +2212,7 @@
           <a:p>
             <a:fld id="{EE596BCB-CEC5-4086-BD46-775CD732B91C}" type="slidenum">
               <a:rPr lang="en-CA" smtClean="0"/>
-              <a:t>13</a:t>
+              <a:t>12</a:t>
             </a:fld>
             <a:endParaRPr lang="en-CA"/>
           </a:p>
@@ -2137,7 +2221,7 @@
     </p:spTree>
     <p:extLst>
       <p:ext uri="{BB962C8B-B14F-4D97-AF65-F5344CB8AC3E}">
-        <p14:creationId xmlns:p14="http://schemas.microsoft.com/office/powerpoint/2010/main" val="3669905146"/>
+        <p14:creationId xmlns:p14="http://schemas.microsoft.com/office/powerpoint/2010/main" val="2658120533"/>
       </p:ext>
     </p:extLst>
   </p:cSld>
@@ -5813,7 +5897,7 @@
           <p:nvPr/>
         </p:nvPicPr>
         <p:blipFill rotWithShape="1">
-          <a:blip r:embed="rId2"/>
+          <a:blip r:embed="rId3"/>
           <a:srcRect l="3" r="11109"/>
           <a:stretch/>
         </p:blipFill>
@@ -5965,8 +6049,12 @@
           <a:lstStyle/>
           <a:p>
             <a:r>
+              <a:rPr lang="en-US" dirty="0" err="1"/>
+              <a:t>CAITLaN</a:t>
+            </a:r>
+            <a:r>
               <a:rPr lang="en-US" dirty="0"/>
-              <a:t>CAITLYN </a:t>
+              <a:t> </a:t>
             </a:r>
             <a:r>
               <a:rPr lang="en-US" dirty="0" err="1"/>
@@ -5978,7 +6066,7 @@
             </a:r>
             <a:r>
               <a:rPr lang="en-US" dirty="0" err="1"/>
-              <a:t>assan</a:t>
+              <a:t>hassan</a:t>
             </a:r>
             <a:r>
               <a:rPr lang="en-US" dirty="0"/>
@@ -9813,10 +9901,10 @@
       </p:sp>
       <p:pic>
         <p:nvPicPr>
-          <p:cNvPr id="18" name="Picture 17" descr="Chart, bar chart&#10;&#10;Description automatically generated">
-            <a:extLst>
-              <a:ext uri="{FF2B5EF4-FFF2-40B4-BE49-F238E27FC236}">
-                <a16:creationId xmlns:a16="http://schemas.microsoft.com/office/drawing/2014/main" id="{7F9E6E3A-29A9-4D9A-8E5E-3F251F321A50}"/>
+          <p:cNvPr id="6" name="Picture 5">
+            <a:extLst>
+              <a:ext uri="{FF2B5EF4-FFF2-40B4-BE49-F238E27FC236}">
+                <a16:creationId xmlns:a16="http://schemas.microsoft.com/office/drawing/2014/main" id="{29760ACF-59AE-46F4-9B75-327BEA60D1F5}"/>
               </a:ext>
             </a:extLst>
           </p:cNvPr>
@@ -9826,21 +9914,15 @@
           <p:nvPr/>
         </p:nvPicPr>
         <p:blipFill>
-          <a:blip r:embed="rId4">
-            <a:extLst>
-              <a:ext uri="{28A0092B-C50C-407E-A947-70E740481C1C}">
-                <a14:useLocalDpi xmlns:a14="http://schemas.microsoft.com/office/drawing/2010/main" val="0"/>
-              </a:ext>
-            </a:extLst>
-          </a:blip>
+          <a:blip r:embed="rId4"/>
           <a:stretch>
             <a:fillRect/>
           </a:stretch>
         </p:blipFill>
         <p:spPr>
           <a:xfrm>
-            <a:off x="7932511" y="479566"/>
-            <a:ext cx="4059919" cy="2592249"/>
+            <a:off x="7862247" y="258748"/>
+            <a:ext cx="3913442" cy="3184682"/>
           </a:xfrm>
           <a:prstGeom prst="rect">
             <a:avLst/>
@@ -11185,7 +11267,7 @@
           <a:lstStyle/>
           <a:p>
             <a:r>
-              <a:rPr lang="en-US" sz="2800">
+              <a:rPr lang="en-US" sz="2800" dirty="0">
                 <a:solidFill>
                   <a:schemeClr val="tx1">
                     <a:lumMod val="75000"/>
@@ -11288,7 +11370,7 @@
             </a:pPr>
             <a:r>
               <a:rPr lang="en-US" dirty="0"/>
-              <a:t> Trivial Question</a:t>
+              <a:t> Core Message</a:t>
             </a:r>
           </a:p>
           <a:p>
@@ -11301,7 +11383,7 @@
             </a:pPr>
             <a:r>
               <a:rPr lang="en-US" dirty="0"/>
-              <a:t> Behind the Facts</a:t>
+              <a:t> Define the Project</a:t>
             </a:r>
           </a:p>
           <a:p>
@@ -11314,7 +11396,7 @@
             </a:pPr>
             <a:r>
               <a:rPr lang="en-US" dirty="0"/>
-              <a:t> Core Message</a:t>
+              <a:t> Data Exploration</a:t>
             </a:r>
           </a:p>
           <a:p>
@@ -11327,7 +11409,7 @@
             </a:pPr>
             <a:r>
               <a:rPr lang="en-US" dirty="0"/>
-              <a:t> Define the Project</a:t>
+              <a:t> Data Cleanup</a:t>
             </a:r>
           </a:p>
           <a:p>
@@ -11340,7 +11422,7 @@
             </a:pPr>
             <a:r>
               <a:rPr lang="en-US" dirty="0"/>
-              <a:t> Data Exploration</a:t>
+              <a:t> Data Analysis</a:t>
             </a:r>
           </a:p>
           <a:p>
@@ -11353,7 +11435,7 @@
             </a:pPr>
             <a:r>
               <a:rPr lang="en-US" dirty="0"/>
-              <a:t> Data Cleanup</a:t>
+              <a:t> Discussion</a:t>
             </a:r>
           </a:p>
           <a:p>
@@ -11366,7 +11448,7 @@
             </a:pPr>
             <a:r>
               <a:rPr lang="en-US" dirty="0"/>
-              <a:t> Data Analysis</a:t>
+              <a:t> Challenges</a:t>
             </a:r>
           </a:p>
           <a:p>
@@ -11379,20 +11461,7 @@
             </a:pPr>
             <a:r>
               <a:rPr lang="en-US" dirty="0"/>
-              <a:t> Discussion</a:t>
-            </a:r>
-          </a:p>
-          <a:p>
-            <a:pPr>
-              <a:lnSpc>
-                <a:spcPct val="100000"/>
-              </a:lnSpc>
-              <a:buFont typeface="Wingdings" panose="05000000000000000000" pitchFamily="2" charset="2"/>
-              <a:buChar char="Ø"/>
-            </a:pPr>
-            <a:r>
-              <a:rPr lang="en-US" dirty="0"/>
-              <a:t> Post Mortem</a:t>
+              <a:t> Additional Findings</a:t>
             </a:r>
           </a:p>
           <a:p>
@@ -12617,6 +12686,28 @@
               <a:t>   Women: 25 grams or 6 teaspoons</a:t>
             </a:r>
           </a:p>
+          <a:p>
+            <a:pPr lvl="1">
+              <a:lnSpc>
+                <a:spcPct val="100000"/>
+              </a:lnSpc>
+              <a:buFont typeface="Wingdings" panose="05000000000000000000" pitchFamily="2" charset="2"/>
+              <a:buChar char="Ø"/>
+            </a:pPr>
+            <a:endParaRPr lang="en-US" sz="1800" dirty="0"/>
+          </a:p>
+          <a:p>
+            <a:pPr marL="201168" lvl="1" indent="0">
+              <a:lnSpc>
+                <a:spcPct val="100000"/>
+              </a:lnSpc>
+              <a:buNone/>
+            </a:pPr>
+            <a:r>
+              <a:rPr lang="en-US" sz="1200" i="1" dirty="0"/>
+              <a:t>* American Heart Association</a:t>
+            </a:r>
+          </a:p>
         </p:txBody>
       </p:sp>
       <p:sp>
@@ -12975,7 +13066,7 @@
               <a:buNone/>
             </a:pPr>
             <a:r>
-              <a:rPr lang="en-US" dirty="0"/>
+              <a:rPr lang="en-US" sz="1100" i="1" dirty="0"/>
               <a:t>~ Article from the Guardian</a:t>
             </a:r>
           </a:p>
@@ -13154,7 +13245,7 @@
         </p:spPr>
         <p:txBody>
           <a:bodyPr>
-            <a:normAutofit fontScale="92500" lnSpcReduction="20000"/>
+            <a:normAutofit fontScale="92500" lnSpcReduction="10000"/>
           </a:bodyPr>
           <a:lstStyle/>
           <a:p>
@@ -13206,7 +13297,7 @@
             </a:pPr>
             <a:r>
               <a:rPr lang="en-US" sz="1800" dirty="0"/>
-              <a:t>Is there a correlation between processed sugar and obesity? </a:t>
+              <a:t>Is there a correlation between sugar intake and obesity? </a:t>
             </a:r>
           </a:p>
           <a:p>
@@ -13219,7 +13310,7 @@
             </a:pPr>
             <a:r>
               <a:rPr lang="en-US" sz="1800" dirty="0"/>
-              <a:t>Is there a correlation between processed sugar and dental health? </a:t>
+              <a:t>Is there a correlation between sugar intake and dental health? </a:t>
             </a:r>
           </a:p>
           <a:p>
@@ -13232,7 +13323,7 @@
             </a:pPr>
             <a:r>
               <a:rPr lang="en-US" sz="1800" dirty="0"/>
-              <a:t> What are the top 5 purchased grocery items in the country with the highest sugar intake? For these 5 top items, what is their sugar content?</a:t>
+              <a:t>What are the top 5 purchased grocery items in the country with the highest sugar intake? For these 5 top items, what is their sugar content?</a:t>
             </a:r>
             <a:endParaRPr lang="en-CA" sz="1800" dirty="0"/>
           </a:p>

--- a/Effects of Sugar Consumption.pptx
+++ b/Effects of Sugar Consumption.pptx
@@ -697,16 +697,6 @@
           <a:bodyPr/>
           <a:lstStyle/>
           <a:p>
-            <a:r>
-              <a:rPr lang="en-US" dirty="0"/>
-              <a:t>AMARIS TO INPUT HER GRAPH </a:t>
-            </a:r>
-            <a:r>
-              <a:rPr lang="en-US" dirty="0">
-                <a:sym typeface="Wingdings" panose="05000000000000000000" pitchFamily="2" charset="2"/>
-              </a:rPr>
-              <a:t> WILL FIX TONIGHT</a:t>
-            </a:r>
             <a:endParaRPr lang="en-CA" dirty="0"/>
           </a:p>
         </p:txBody>
@@ -8093,42 +8083,6 @@
           </a:fontRef>
         </p:style>
       </p:cxnSp>
-      <p:pic>
-        <p:nvPicPr>
-          <p:cNvPr id="7" name="Picture 6" descr="Chart, scatter chart&#10;&#10;Description automatically generated">
-            <a:extLst>
-              <a:ext uri="{FF2B5EF4-FFF2-40B4-BE49-F238E27FC236}">
-                <a16:creationId xmlns:a16="http://schemas.microsoft.com/office/drawing/2014/main" id="{27671113-7DDE-4A65-8D14-53631DDE60EE}"/>
-              </a:ext>
-            </a:extLst>
-          </p:cNvPr>
-          <p:cNvPicPr>
-            <a:picLocks noChangeAspect="1"/>
-          </p:cNvPicPr>
-          <p:nvPr/>
-        </p:nvPicPr>
-        <p:blipFill>
-          <a:blip r:embed="rId3">
-            <a:extLst>
-              <a:ext uri="{28A0092B-C50C-407E-A947-70E740481C1C}">
-                <a14:useLocalDpi xmlns:a14="http://schemas.microsoft.com/office/drawing/2010/main" val="0"/>
-              </a:ext>
-            </a:extLst>
-          </a:blip>
-          <a:stretch>
-            <a:fillRect/>
-          </a:stretch>
-        </p:blipFill>
-        <p:spPr>
-          <a:xfrm>
-            <a:off x="5258679" y="77897"/>
-            <a:ext cx="5746776" cy="3831183"/>
-          </a:xfrm>
-          <a:prstGeom prst="rect">
-            <a:avLst/>
-          </a:prstGeom>
-        </p:spPr>
-      </p:pic>
       <p:sp>
         <p:nvSpPr>
           <p:cNvPr id="16" name="Content Placeholder 2">
@@ -8453,7 +8407,7 @@
           <p:nvPr/>
         </p:nvPicPr>
         <p:blipFill>
-          <a:blip r:embed="rId4"/>
+          <a:blip r:embed="rId3"/>
           <a:stretch>
             <a:fillRect/>
           </a:stretch>
@@ -8545,6 +8499,42 @@
           </a:p>
         </p:txBody>
       </p:sp>
+      <p:pic>
+        <p:nvPicPr>
+          <p:cNvPr id="4" name="Picture 3" descr="Chart, scatter chart&#10;&#10;Description automatically generated">
+            <a:extLst>
+              <a:ext uri="{FF2B5EF4-FFF2-40B4-BE49-F238E27FC236}">
+                <a16:creationId xmlns:a16="http://schemas.microsoft.com/office/drawing/2014/main" id="{1EE14FD5-4E85-4634-A08B-9E125A5B1DFF}"/>
+              </a:ext>
+            </a:extLst>
+          </p:cNvPr>
+          <p:cNvPicPr>
+            <a:picLocks noChangeAspect="1"/>
+          </p:cNvPicPr>
+          <p:nvPr/>
+        </p:nvPicPr>
+        <p:blipFill>
+          <a:blip r:embed="rId4">
+            <a:extLst>
+              <a:ext uri="{28A0092B-C50C-407E-A947-70E740481C1C}">
+                <a14:useLocalDpi xmlns:a14="http://schemas.microsoft.com/office/drawing/2010/main" val="0"/>
+              </a:ext>
+            </a:extLst>
+          </a:blip>
+          <a:stretch>
+            <a:fillRect/>
+          </a:stretch>
+        </p:blipFill>
+        <p:spPr>
+          <a:xfrm>
+            <a:off x="5232741" y="86849"/>
+            <a:ext cx="5850193" cy="3900128"/>
+          </a:xfrm>
+          <a:prstGeom prst="rect">
+            <a:avLst/>
+          </a:prstGeom>
+        </p:spPr>
+      </p:pic>
     </p:spTree>
     <p:extLst>
       <p:ext uri="{BB962C8B-B14F-4D97-AF65-F5344CB8AC3E}">
@@ -8832,7 +8822,7 @@
                   <a:srgbClr val="FFFFFF"/>
                 </a:solidFill>
               </a:rPr>
-              <a:t> Correlation = 0.65</a:t>
+              <a:t> Correlation = 0.66</a:t>
             </a:r>
           </a:p>
           <a:p>
@@ -8865,12 +8855,89 @@
           </a:p>
         </p:txBody>
       </p:sp>
+      <p:sp>
+        <p:nvSpPr>
+          <p:cNvPr id="6" name="TextBox 5">
+            <a:extLst>
+              <a:ext uri="{FF2B5EF4-FFF2-40B4-BE49-F238E27FC236}">
+                <a16:creationId xmlns:a16="http://schemas.microsoft.com/office/drawing/2014/main" id="{AB90CE9F-E12C-4F08-AA8B-8C4C9557D72E}"/>
+              </a:ext>
+            </a:extLst>
+          </p:cNvPr>
+          <p:cNvSpPr txBox="1"/>
+          <p:nvPr/>
+        </p:nvSpPr>
+        <p:spPr>
+          <a:xfrm>
+            <a:off x="5206970" y="5103674"/>
+            <a:ext cx="5850194" cy="1754326"/>
+          </a:xfrm>
+          <a:prstGeom prst="rect">
+            <a:avLst/>
+          </a:prstGeom>
+          <a:noFill/>
+        </p:spPr>
+        <p:txBody>
+          <a:bodyPr wrap="square" rtlCol="0">
+            <a:spAutoFit/>
+          </a:bodyPr>
+          <a:lstStyle/>
+          <a:p>
+            <a:pPr marL="342900" indent="-342900">
+              <a:buAutoNum type="arabicPeriod"/>
+            </a:pPr>
+            <a:r>
+              <a:rPr lang="en-US" sz="1200" dirty="0"/>
+              <a:t>Imported the Sugar Intake and Obesity CSV files.</a:t>
+            </a:r>
+          </a:p>
+          <a:p>
+            <a:pPr marL="342900" indent="-342900">
+              <a:buAutoNum type="arabicPeriod"/>
+            </a:pPr>
+            <a:r>
+              <a:rPr lang="en-US" sz="1200" dirty="0"/>
+              <a:t>Conducted an inner merge for the two files together to get all the data in 1 Data Frame.</a:t>
+            </a:r>
+          </a:p>
+          <a:p>
+            <a:pPr marL="342900" indent="-342900">
+              <a:buAutoNum type="arabicPeriod"/>
+            </a:pPr>
+            <a:r>
+              <a:rPr lang="en-US" sz="1200" dirty="0"/>
+              <a:t>Did an average of the income over the years between 2002-2013.</a:t>
+            </a:r>
+          </a:p>
+          <a:p>
+            <a:pPr marL="342900" indent="-342900">
+              <a:buAutoNum type="arabicPeriod"/>
+            </a:pPr>
+            <a:r>
+              <a:rPr lang="en-US" sz="1200" dirty="0"/>
+              <a:t>Used the Matplotlib method to get the scatterplot and linear regression model to determine if the two factors are correlated.</a:t>
+            </a:r>
+          </a:p>
+          <a:p>
+            <a:pPr marL="342900" indent="-342900">
+              <a:buAutoNum type="arabicPeriod"/>
+            </a:pPr>
+            <a:endParaRPr lang="en-US" dirty="0"/>
+          </a:p>
+          <a:p>
+            <a:pPr marL="342900" indent="-342900">
+              <a:buAutoNum type="arabicPeriod"/>
+            </a:pPr>
+            <a:endParaRPr lang="en-CA" dirty="0"/>
+          </a:p>
+        </p:txBody>
+      </p:sp>
       <p:pic>
         <p:nvPicPr>
-          <p:cNvPr id="5" name="Picture 4" descr="Chart, scatter chart&#10;&#10;Description automatically generated">
-            <a:extLst>
-              <a:ext uri="{FF2B5EF4-FFF2-40B4-BE49-F238E27FC236}">
-                <a16:creationId xmlns:a16="http://schemas.microsoft.com/office/drawing/2014/main" id="{093D9D2D-0D59-48B4-9FE2-7ECE1D38DB8A}"/>
+          <p:cNvPr id="7" name="Picture 6">
+            <a:extLst>
+              <a:ext uri="{FF2B5EF4-FFF2-40B4-BE49-F238E27FC236}">
+                <a16:creationId xmlns:a16="http://schemas.microsoft.com/office/drawing/2014/main" id="{1BE69BB0-1C1B-4F04-B128-49002311AD1C}"/>
               </a:ext>
             </a:extLst>
           </p:cNvPr>
@@ -8880,110 +8947,27 @@
           <p:nvPr/>
         </p:nvPicPr>
         <p:blipFill>
-          <a:blip r:embed="rId3">
-            <a:extLst>
-              <a:ext uri="{28A0092B-C50C-407E-A947-70E740481C1C}">
-                <a14:useLocalDpi xmlns:a14="http://schemas.microsoft.com/office/drawing/2010/main" val="0"/>
-              </a:ext>
-            </a:extLst>
-          </a:blip>
+          <a:blip r:embed="rId3"/>
           <a:stretch>
             <a:fillRect/>
           </a:stretch>
         </p:blipFill>
         <p:spPr>
           <a:xfrm>
-            <a:off x="4901548" y="0"/>
-            <a:ext cx="6798082" cy="4532054"/>
+            <a:off x="5126584" y="4486306"/>
+            <a:ext cx="6348010" cy="342930"/>
           </a:xfrm>
           <a:prstGeom prst="rect">
             <a:avLst/>
           </a:prstGeom>
         </p:spPr>
       </p:pic>
-      <p:sp>
-        <p:nvSpPr>
-          <p:cNvPr id="6" name="TextBox 5">
-            <a:extLst>
-              <a:ext uri="{FF2B5EF4-FFF2-40B4-BE49-F238E27FC236}">
-                <a16:creationId xmlns:a16="http://schemas.microsoft.com/office/drawing/2014/main" id="{AB90CE9F-E12C-4F08-AA8B-8C4C9557D72E}"/>
-              </a:ext>
-            </a:extLst>
-          </p:cNvPr>
-          <p:cNvSpPr txBox="1"/>
-          <p:nvPr/>
-        </p:nvSpPr>
-        <p:spPr>
-          <a:xfrm>
-            <a:off x="5206970" y="5103674"/>
-            <a:ext cx="5850194" cy="1754326"/>
-          </a:xfrm>
-          <a:prstGeom prst="rect">
-            <a:avLst/>
-          </a:prstGeom>
-          <a:noFill/>
-        </p:spPr>
-        <p:txBody>
-          <a:bodyPr wrap="square" rtlCol="0">
-            <a:spAutoFit/>
-          </a:bodyPr>
-          <a:lstStyle/>
-          <a:p>
-            <a:pPr marL="342900" indent="-342900">
-              <a:buAutoNum type="arabicPeriod"/>
-            </a:pPr>
-            <a:r>
-              <a:rPr lang="en-US" sz="1200" dirty="0"/>
-              <a:t>Imported the Sugar Intake and Obesity CSV files.</a:t>
-            </a:r>
-          </a:p>
-          <a:p>
-            <a:pPr marL="342900" indent="-342900">
-              <a:buAutoNum type="arabicPeriod"/>
-            </a:pPr>
-            <a:r>
-              <a:rPr lang="en-US" sz="1200" dirty="0"/>
-              <a:t>Conducted an inner merge for the two files together to get all the data in 1 Data Frame.</a:t>
-            </a:r>
-          </a:p>
-          <a:p>
-            <a:pPr marL="342900" indent="-342900">
-              <a:buAutoNum type="arabicPeriod"/>
-            </a:pPr>
-            <a:r>
-              <a:rPr lang="en-US" sz="1200" dirty="0"/>
-              <a:t>Validated the data and ensure there enough samples to do a Scatterplot.</a:t>
-            </a:r>
-          </a:p>
-          <a:p>
-            <a:pPr marL="342900" indent="-342900">
-              <a:buAutoNum type="arabicPeriod"/>
-            </a:pPr>
-            <a:r>
-              <a:rPr lang="en-US" sz="1200" dirty="0"/>
-              <a:t>Used the Matplotlib method to get the scatterplot and linear regression model to determine if the two factors are correlated.</a:t>
-            </a:r>
-          </a:p>
-          <a:p>
-            <a:pPr marL="342900" indent="-342900">
-              <a:buAutoNum type="arabicPeriod"/>
-            </a:pPr>
-            <a:endParaRPr lang="en-US" dirty="0"/>
-          </a:p>
-          <a:p>
-            <a:pPr marL="342900" indent="-342900">
-              <a:buAutoNum type="arabicPeriod"/>
-            </a:pPr>
-            <a:endParaRPr lang="en-CA" dirty="0"/>
-          </a:p>
-        </p:txBody>
-      </p:sp>
       <p:pic>
         <p:nvPicPr>
-          <p:cNvPr id="7" name="Picture 6">
-            <a:extLst>
-              <a:ext uri="{FF2B5EF4-FFF2-40B4-BE49-F238E27FC236}">
-                <a16:creationId xmlns:a16="http://schemas.microsoft.com/office/drawing/2014/main" id="{1BE69BB0-1C1B-4F04-B128-49002311AD1C}"/>
+          <p:cNvPr id="8" name="Picture 7" descr="Chart, scatter chart&#10;&#10;Description automatically generated">
+            <a:extLst>
+              <a:ext uri="{FF2B5EF4-FFF2-40B4-BE49-F238E27FC236}">
+                <a16:creationId xmlns:a16="http://schemas.microsoft.com/office/drawing/2014/main" id="{9EC3A618-FE0E-4FCE-9992-B430730FF14E}"/>
               </a:ext>
             </a:extLst>
           </p:cNvPr>
@@ -8993,15 +8977,21 @@
           <p:nvPr/>
         </p:nvPicPr>
         <p:blipFill>
-          <a:blip r:embed="rId4"/>
+          <a:blip r:embed="rId4">
+            <a:extLst>
+              <a:ext uri="{28A0092B-C50C-407E-A947-70E740481C1C}">
+                <a14:useLocalDpi xmlns:a14="http://schemas.microsoft.com/office/drawing/2010/main" val="0"/>
+              </a:ext>
+            </a:extLst>
+          </a:blip>
           <a:stretch>
             <a:fillRect/>
           </a:stretch>
         </p:blipFill>
         <p:spPr>
           <a:xfrm>
-            <a:off x="5126584" y="4486306"/>
-            <a:ext cx="6348010" cy="342930"/>
+            <a:off x="5024857" y="328349"/>
+            <a:ext cx="5825279" cy="3883519"/>
           </a:xfrm>
           <a:prstGeom prst="rect">
             <a:avLst/>
@@ -9283,8 +9273,8 @@
         </p:blipFill>
         <p:spPr>
           <a:xfrm>
-            <a:off x="4895425" y="0"/>
-            <a:ext cx="6473284" cy="4315522"/>
+            <a:off x="4712240" y="150318"/>
+            <a:ext cx="6135223" cy="4090148"/>
           </a:xfrm>
           <a:prstGeom prst="rect">
             <a:avLst/>
